--- a/阿曼/proposal for Oman.pptx
+++ b/阿曼/proposal for Oman.pptx
@@ -5,10 +5,10 @@
     <p:sldMasterId id="2147483648" r:id="rId1"/>
   </p:sldMasterIdLst>
   <p:notesMasterIdLst>
-    <p:notesMasterId r:id="rId18"/>
+    <p:notesMasterId r:id="rId27"/>
   </p:notesMasterIdLst>
   <p:handoutMasterIdLst>
-    <p:handoutMasterId r:id="rId19"/>
+    <p:handoutMasterId r:id="rId28"/>
   </p:handoutMasterIdLst>
   <p:sldIdLst>
     <p:sldId id="257" r:id="rId2"/>
@@ -16,17 +16,26 @@
     <p:sldId id="260" r:id="rId4"/>
     <p:sldId id="259" r:id="rId5"/>
     <p:sldId id="274" r:id="rId6"/>
-    <p:sldId id="272" r:id="rId7"/>
-    <p:sldId id="271" r:id="rId8"/>
-    <p:sldId id="273" r:id="rId9"/>
-    <p:sldId id="261" r:id="rId10"/>
-    <p:sldId id="262" r:id="rId11"/>
-    <p:sldId id="263" r:id="rId12"/>
-    <p:sldId id="265" r:id="rId13"/>
-    <p:sldId id="266" r:id="rId14"/>
-    <p:sldId id="267" r:id="rId15"/>
-    <p:sldId id="270" r:id="rId16"/>
-    <p:sldId id="269" r:id="rId17"/>
+    <p:sldId id="275" r:id="rId7"/>
+    <p:sldId id="283" r:id="rId8"/>
+    <p:sldId id="276" r:id="rId9"/>
+    <p:sldId id="277" r:id="rId10"/>
+    <p:sldId id="263" r:id="rId11"/>
+    <p:sldId id="279" r:id="rId12"/>
+    <p:sldId id="278" r:id="rId13"/>
+    <p:sldId id="272" r:id="rId14"/>
+    <p:sldId id="281" r:id="rId15"/>
+    <p:sldId id="282" r:id="rId16"/>
+    <p:sldId id="280" r:id="rId17"/>
+    <p:sldId id="271" r:id="rId18"/>
+    <p:sldId id="273" r:id="rId19"/>
+    <p:sldId id="261" r:id="rId20"/>
+    <p:sldId id="262" r:id="rId21"/>
+    <p:sldId id="265" r:id="rId22"/>
+    <p:sldId id="266" r:id="rId23"/>
+    <p:sldId id="267" r:id="rId24"/>
+    <p:sldId id="270" r:id="rId25"/>
+    <p:sldId id="269" r:id="rId26"/>
   </p:sldIdLst>
   <p:sldSz cx="9144000" cy="6858000" type="screen4x3"/>
   <p:notesSz cx="6858000" cy="9144000"/>
@@ -516,6 +525,794 @@
     </a:p>
   </c:txPr>
   <c:externalData r:id="rId1">
+    <c:autoUpdate val="0"/>
+  </c:externalData>
+</c:chartSpace>
+</file>
+
+<file path=ppt/charts/chart2.xml><?xml version="1.0" encoding="utf-8"?>
+<c:chartSpace xmlns:c="http://schemas.openxmlformats.org/drawingml/2006/chart" xmlns:a="http://schemas.openxmlformats.org/drawingml/2006/main" xmlns:r="http://schemas.openxmlformats.org/officeDocument/2006/relationships">
+  <c:date1904 val="0"/>
+  <c:lang val="zh-CN"/>
+  <c:roundedCorners val="0"/>
+  <mc:AlternateContent xmlns:mc="http://schemas.openxmlformats.org/markup-compatibility/2006">
+    <mc:Choice xmlns:c14="http://schemas.microsoft.com/office/drawing/2007/8/2/chart" Requires="c14">
+      <c14:style val="102"/>
+    </mc:Choice>
+    <mc:Fallback>
+      <c:style val="2"/>
+    </mc:Fallback>
+  </mc:AlternateContent>
+  <c:clrMapOvr bg1="lt1" tx1="dk1" bg2="lt2" tx2="dk2" accent1="accent1" accent2="accent2" accent3="accent3" accent4="accent4" accent5="accent5" accent6="accent6" hlink="hlink" folHlink="folHlink"/>
+  <c:chart>
+    <c:title>
+      <c:tx>
+        <c:rich>
+          <a:bodyPr rot="0" spcFirstLastPara="1" vertOverflow="ellipsis" vert="horz" wrap="square" anchor="ctr" anchorCtr="1"/>
+          <a:lstStyle/>
+          <a:p>
+            <a:pPr>
+              <a:defRPr lang="zh-CN" sz="1860" b="0" i="0" u="none" strike="noStrike" kern="1200" spc="0" baseline="0">
+                <a:solidFill>
+                  <a:schemeClr val="bg2"/>
+                </a:solidFill>
+                <a:latin typeface="+mn-lt"/>
+                <a:ea typeface="+mn-ea"/>
+                <a:cs typeface="+mn-cs"/>
+              </a:defRPr>
+            </a:pPr>
+            <a:r>
+              <a:rPr lang="en-US" dirty="0">
+                <a:solidFill>
+                  <a:schemeClr val="bg2"/>
+                </a:solidFill>
+              </a:rPr>
+              <a:t>Chart Title</a:t>
+            </a:r>
+          </a:p>
+        </c:rich>
+      </c:tx>
+      <c:layout>
+        <c:manualLayout>
+          <c:xMode val="edge"/>
+          <c:yMode val="edge"/>
+          <c:x val="0.37311105754384899"/>
+          <c:y val="0"/>
+        </c:manualLayout>
+      </c:layout>
+      <c:overlay val="0"/>
+      <c:spPr>
+        <a:noFill/>
+        <a:ln>
+          <a:noFill/>
+        </a:ln>
+        <a:effectLst/>
+      </c:spPr>
+    </c:title>
+    <c:autoTitleDeleted val="0"/>
+    <c:plotArea>
+      <c:layout/>
+      <c:doughnutChart>
+        <c:varyColors val="1"/>
+        <c:ser>
+          <c:idx val="0"/>
+          <c:order val="0"/>
+          <c:tx>
+            <c:strRef>
+              <c:f>Sheet1!$B$1</c:f>
+              <c:strCache>
+                <c:ptCount val="1"/>
+                <c:pt idx="0">
+                  <c:v>Sales</c:v>
+                </c:pt>
+              </c:strCache>
+            </c:strRef>
+          </c:tx>
+          <c:dPt>
+            <c:idx val="0"/>
+            <c:bubble3D val="0"/>
+            <c:spPr>
+              <a:solidFill>
+                <a:srgbClr val="83C372"/>
+              </a:solidFill>
+              <a:ln w="19050">
+                <a:solidFill>
+                  <a:schemeClr val="lt1"/>
+                </a:solidFill>
+              </a:ln>
+              <a:effectLst/>
+            </c:spPr>
+          </c:dPt>
+          <c:dPt>
+            <c:idx val="1"/>
+            <c:bubble3D val="0"/>
+            <c:spPr>
+              <a:solidFill>
+                <a:srgbClr val="46999B"/>
+              </a:solidFill>
+              <a:ln w="19050">
+                <a:solidFill>
+                  <a:schemeClr val="lt1"/>
+                </a:solidFill>
+              </a:ln>
+              <a:effectLst/>
+            </c:spPr>
+          </c:dPt>
+          <c:dPt>
+            <c:idx val="2"/>
+            <c:bubble3D val="0"/>
+            <c:spPr>
+              <a:solidFill>
+                <a:srgbClr val="4697E2"/>
+              </a:solidFill>
+              <a:ln w="19050">
+                <a:solidFill>
+                  <a:schemeClr val="lt1"/>
+                </a:solidFill>
+              </a:ln>
+              <a:effectLst/>
+            </c:spPr>
+          </c:dPt>
+          <c:dPt>
+            <c:idx val="3"/>
+            <c:bubble3D val="0"/>
+            <c:spPr>
+              <a:solidFill>
+                <a:srgbClr val="AD53C1"/>
+              </a:solidFill>
+              <a:ln w="19050">
+                <a:solidFill>
+                  <a:schemeClr val="lt1"/>
+                </a:solidFill>
+              </a:ln>
+              <a:effectLst/>
+            </c:spPr>
+          </c:dPt>
+          <c:dLbls>
+            <c:dLbl>
+              <c:idx val="0"/>
+              <c:layout>
+                <c:manualLayout>
+                  <c:x val="0.151439920556107"/>
+                  <c:y val="-0.10424708840070999"/>
+                </c:manualLayout>
+              </c:layout>
+              <c:showLegendKey val="0"/>
+              <c:showVal val="0"/>
+              <c:showCatName val="0"/>
+              <c:showSerName val="0"/>
+              <c:showPercent val="1"/>
+              <c:showBubbleSize val="0"/>
+              <c:separator> </c:separator>
+              <c:extLst>
+                <c:ext xmlns:c15="http://schemas.microsoft.com/office/drawing/2012/chart" uri="{CE6537A1-D6FC-4f65-9D91-7224C49458BB}">
+                  <c15:layout/>
+                </c:ext>
+              </c:extLst>
+            </c:dLbl>
+            <c:dLbl>
+              <c:idx val="1"/>
+              <c:layout>
+                <c:manualLayout>
+                  <c:x val="-0.14399205561072501"/>
+                  <c:y val="-7.5289563844957302E-2"/>
+                </c:manualLayout>
+              </c:layout>
+              <c:showLegendKey val="0"/>
+              <c:showVal val="0"/>
+              <c:showCatName val="0"/>
+              <c:showSerName val="0"/>
+              <c:showPercent val="1"/>
+              <c:showBubbleSize val="0"/>
+              <c:separator> </c:separator>
+              <c:extLst>
+                <c:ext xmlns:c15="http://schemas.microsoft.com/office/drawing/2012/chart" uri="{CE6537A1-D6FC-4f65-9D91-7224C49458BB}">
+                  <c15:layout/>
+                </c:ext>
+              </c:extLst>
+            </c:dLbl>
+            <c:dLbl>
+              <c:idx val="2"/>
+              <c:layout>
+                <c:manualLayout>
+                  <c:x val="-0.151439920556107"/>
+                  <c:y val="-7.2393811389382001E-2"/>
+                </c:manualLayout>
+              </c:layout>
+              <c:showLegendKey val="0"/>
+              <c:showVal val="0"/>
+              <c:showCatName val="0"/>
+              <c:showSerName val="0"/>
+              <c:showPercent val="1"/>
+              <c:showBubbleSize val="0"/>
+              <c:separator> </c:separator>
+              <c:extLst>
+                <c:ext xmlns:c15="http://schemas.microsoft.com/office/drawing/2012/chart" uri="{CE6537A1-D6FC-4f65-9D91-7224C49458BB}">
+                  <c15:layout/>
+                </c:ext>
+              </c:extLst>
+            </c:dLbl>
+            <c:dLbl>
+              <c:idx val="3"/>
+              <c:layout>
+                <c:manualLayout>
+                  <c:x val="-0.127545459104181"/>
+                  <c:y val="-0.103162810552553"/>
+                </c:manualLayout>
+              </c:layout>
+              <c:showLegendKey val="0"/>
+              <c:showVal val="0"/>
+              <c:showCatName val="0"/>
+              <c:showSerName val="0"/>
+              <c:showPercent val="1"/>
+              <c:showBubbleSize val="0"/>
+              <c:separator> </c:separator>
+              <c:extLst>
+                <c:ext xmlns:c15="http://schemas.microsoft.com/office/drawing/2012/chart" uri="{CE6537A1-D6FC-4f65-9D91-7224C49458BB}">
+                  <c15:layout/>
+                </c:ext>
+              </c:extLst>
+            </c:dLbl>
+            <c:numFmt formatCode="0.0%" sourceLinked="0"/>
+            <c:spPr>
+              <a:noFill/>
+              <a:ln>
+                <a:noFill/>
+              </a:ln>
+              <a:effectLst/>
+            </c:spPr>
+            <c:txPr>
+              <a:bodyPr rot="0" spcFirstLastPara="1" vertOverflow="ellipsis" vert="horz" wrap="square" lIns="38100" tIns="19050" rIns="38100" bIns="19050" anchor="ctr" anchorCtr="1">
+                <a:spAutoFit/>
+              </a:bodyPr>
+              <a:lstStyle/>
+              <a:p>
+                <a:pPr>
+                  <a:defRPr lang="zh-CN" sz="1800" b="0" i="0" u="none" strike="noStrike" kern="1200" baseline="0">
+                    <a:solidFill>
+                      <a:schemeClr val="accent5"/>
+                    </a:solidFill>
+                    <a:latin typeface="+mn-lt"/>
+                    <a:ea typeface="+mn-ea"/>
+                    <a:cs typeface="+mn-cs"/>
+                  </a:defRPr>
+                </a:pPr>
+                <a:endParaRPr lang="zh-CN"/>
+              </a:p>
+            </c:txPr>
+            <c:showLegendKey val="0"/>
+            <c:showVal val="0"/>
+            <c:showCatName val="0"/>
+            <c:showSerName val="0"/>
+            <c:showPercent val="1"/>
+            <c:showBubbleSize val="0"/>
+            <c:separator> </c:separator>
+            <c:showLeaderLines val="1"/>
+            <c:extLst>
+              <c:ext xmlns:c15="http://schemas.microsoft.com/office/drawing/2012/chart" uri="{CE6537A1-D6FC-4f65-9D91-7224C49458BB}">
+                <c15:layout/>
+                <c15:showLeaderLines val="1"/>
+                <c15:leaderLines>
+                  <c:spPr>
+                    <a:ln w="9525" cap="flat" cmpd="sng" algn="ctr">
+                      <a:solidFill>
+                        <a:schemeClr val="bg2"/>
+                      </a:solidFill>
+                      <a:round/>
+                    </a:ln>
+                    <a:effectLst/>
+                  </c:spPr>
+                </c15:leaderLines>
+              </c:ext>
+            </c:extLst>
+          </c:dLbls>
+          <c:cat>
+            <c:strRef>
+              <c:f>Sheet1!$A$2:$A$5</c:f>
+              <c:strCache>
+                <c:ptCount val="4"/>
+                <c:pt idx="0">
+                  <c:v>1st Qtr</c:v>
+                </c:pt>
+                <c:pt idx="1">
+                  <c:v>2nd Qtr</c:v>
+                </c:pt>
+                <c:pt idx="2">
+                  <c:v>3rd Qtr</c:v>
+                </c:pt>
+                <c:pt idx="3">
+                  <c:v>4th Qtr</c:v>
+                </c:pt>
+              </c:strCache>
+            </c:strRef>
+          </c:cat>
+          <c:val>
+            <c:numRef>
+              <c:f>Sheet1!$B$2:$B$5</c:f>
+              <c:numCache>
+                <c:formatCode>General</c:formatCode>
+                <c:ptCount val="4"/>
+                <c:pt idx="0">
+                  <c:v>8.1999999999999993</c:v>
+                </c:pt>
+                <c:pt idx="1">
+                  <c:v>3.2</c:v>
+                </c:pt>
+                <c:pt idx="2">
+                  <c:v>1.4</c:v>
+                </c:pt>
+                <c:pt idx="3">
+                  <c:v>1.2</c:v>
+                </c:pt>
+              </c:numCache>
+            </c:numRef>
+          </c:val>
+        </c:ser>
+        <c:dLbls>
+          <c:showLegendKey val="0"/>
+          <c:showVal val="0"/>
+          <c:showCatName val="0"/>
+          <c:showSerName val="0"/>
+          <c:showPercent val="0"/>
+          <c:showBubbleSize val="0"/>
+          <c:showLeaderLines val="1"/>
+        </c:dLbls>
+        <c:firstSliceAng val="0"/>
+        <c:holeSize val="75"/>
+      </c:doughnutChart>
+      <c:spPr>
+        <a:noFill/>
+        <a:ln>
+          <a:noFill/>
+        </a:ln>
+        <a:effectLst/>
+      </c:spPr>
+    </c:plotArea>
+    <c:legend>
+      <c:legendPos val="b"/>
+      <c:layout/>
+      <c:overlay val="0"/>
+      <c:spPr>
+        <a:noFill/>
+        <a:ln>
+          <a:noFill/>
+        </a:ln>
+        <a:effectLst/>
+      </c:spPr>
+      <c:txPr>
+        <a:bodyPr rot="0" spcFirstLastPara="1" vertOverflow="ellipsis" vert="horz" wrap="square" anchor="ctr" anchorCtr="1"/>
+        <a:lstStyle/>
+        <a:p>
+          <a:pPr>
+            <a:defRPr lang="zh-CN" sz="1195" b="0" i="0" u="none" strike="noStrike" kern="1200" baseline="0">
+              <a:solidFill>
+                <a:schemeClr val="bg2"/>
+              </a:solidFill>
+              <a:latin typeface="+mn-lt"/>
+              <a:ea typeface="+mn-ea"/>
+              <a:cs typeface="+mn-cs"/>
+            </a:defRPr>
+          </a:pPr>
+          <a:endParaRPr lang="zh-CN"/>
+        </a:p>
+      </c:txPr>
+    </c:legend>
+    <c:plotVisOnly val="1"/>
+    <c:dispBlanksAs val="gap"/>
+    <c:showDLblsOverMax val="0"/>
+  </c:chart>
+  <c:spPr>
+    <a:noFill/>
+    <a:ln>
+      <a:noFill/>
+    </a:ln>
+    <a:effectLst/>
+  </c:spPr>
+  <c:txPr>
+    <a:bodyPr/>
+    <a:lstStyle/>
+    <a:p>
+      <a:pPr>
+        <a:defRPr lang="zh-CN"/>
+      </a:pPr>
+      <a:endParaRPr lang="zh-CN"/>
+    </a:p>
+  </c:txPr>
+  <c:externalData r:id="rId2">
+    <c:autoUpdate val="0"/>
+  </c:externalData>
+</c:chartSpace>
+</file>
+
+<file path=ppt/charts/chart3.xml><?xml version="1.0" encoding="utf-8"?>
+<c:chartSpace xmlns:c="http://schemas.openxmlformats.org/drawingml/2006/chart" xmlns:a="http://schemas.openxmlformats.org/drawingml/2006/main" xmlns:r="http://schemas.openxmlformats.org/officeDocument/2006/relationships">
+  <c:date1904 val="0"/>
+  <c:lang val="zh-CN"/>
+  <c:roundedCorners val="0"/>
+  <mc:AlternateContent xmlns:mc="http://schemas.openxmlformats.org/markup-compatibility/2006">
+    <mc:Choice xmlns:c14="http://schemas.microsoft.com/office/drawing/2007/8/2/chart" Requires="c14">
+      <c14:style val="102"/>
+    </mc:Choice>
+    <mc:Fallback>
+      <c:style val="2"/>
+    </mc:Fallback>
+  </mc:AlternateContent>
+  <c:clrMapOvr bg1="lt1" tx1="dk1" bg2="lt2" tx2="dk2" accent1="accent1" accent2="accent2" accent3="accent3" accent4="accent4" accent5="accent5" accent6="accent6" hlink="hlink" folHlink="folHlink"/>
+  <c:chart>
+    <c:title>
+      <c:tx>
+        <c:rich>
+          <a:bodyPr rot="0" spcFirstLastPara="1" vertOverflow="ellipsis" vert="horz" wrap="square" anchor="ctr" anchorCtr="1"/>
+          <a:lstStyle/>
+          <a:p>
+            <a:pPr>
+              <a:defRPr lang="zh-CN" sz="1860" b="0" i="0" u="none" strike="noStrike" kern="1200" spc="0" baseline="0">
+                <a:solidFill>
+                  <a:schemeClr val="bg2"/>
+                </a:solidFill>
+                <a:latin typeface="+mn-lt"/>
+                <a:ea typeface="+mn-ea"/>
+                <a:cs typeface="+mn-cs"/>
+              </a:defRPr>
+            </a:pPr>
+            <a:r>
+              <a:rPr lang="en-US" dirty="0">
+                <a:solidFill>
+                  <a:schemeClr val="bg2"/>
+                </a:solidFill>
+              </a:rPr>
+              <a:t>Chart Title</a:t>
+            </a:r>
+          </a:p>
+        </c:rich>
+      </c:tx>
+      <c:layout>
+        <c:manualLayout>
+          <c:xMode val="edge"/>
+          <c:yMode val="edge"/>
+          <c:x val="0.37311105754384899"/>
+          <c:y val="0"/>
+        </c:manualLayout>
+      </c:layout>
+      <c:overlay val="0"/>
+      <c:spPr>
+        <a:noFill/>
+        <a:ln>
+          <a:noFill/>
+        </a:ln>
+        <a:effectLst/>
+      </c:spPr>
+    </c:title>
+    <c:autoTitleDeleted val="0"/>
+    <c:plotArea>
+      <c:layout/>
+      <c:doughnutChart>
+        <c:varyColors val="1"/>
+        <c:ser>
+          <c:idx val="0"/>
+          <c:order val="0"/>
+          <c:tx>
+            <c:strRef>
+              <c:f>Sheet1!$B$1</c:f>
+              <c:strCache>
+                <c:ptCount val="1"/>
+                <c:pt idx="0">
+                  <c:v>Sales</c:v>
+                </c:pt>
+              </c:strCache>
+            </c:strRef>
+          </c:tx>
+          <c:dPt>
+            <c:idx val="0"/>
+            <c:bubble3D val="0"/>
+            <c:spPr>
+              <a:solidFill>
+                <a:srgbClr val="83C372"/>
+              </a:solidFill>
+              <a:ln w="19050">
+                <a:solidFill>
+                  <a:schemeClr val="lt1"/>
+                </a:solidFill>
+              </a:ln>
+              <a:effectLst/>
+            </c:spPr>
+          </c:dPt>
+          <c:dPt>
+            <c:idx val="1"/>
+            <c:bubble3D val="0"/>
+            <c:spPr>
+              <a:solidFill>
+                <a:srgbClr val="46999B"/>
+              </a:solidFill>
+              <a:ln w="19050">
+                <a:solidFill>
+                  <a:schemeClr val="lt1"/>
+                </a:solidFill>
+              </a:ln>
+              <a:effectLst/>
+            </c:spPr>
+          </c:dPt>
+          <c:dPt>
+            <c:idx val="2"/>
+            <c:bubble3D val="0"/>
+            <c:spPr>
+              <a:solidFill>
+                <a:srgbClr val="4697E2"/>
+              </a:solidFill>
+              <a:ln w="19050">
+                <a:solidFill>
+                  <a:schemeClr val="lt1"/>
+                </a:solidFill>
+              </a:ln>
+              <a:effectLst/>
+            </c:spPr>
+          </c:dPt>
+          <c:dPt>
+            <c:idx val="3"/>
+            <c:bubble3D val="0"/>
+            <c:spPr>
+              <a:solidFill>
+                <a:srgbClr val="AD53C1"/>
+              </a:solidFill>
+              <a:ln w="19050">
+                <a:solidFill>
+                  <a:schemeClr val="lt1"/>
+                </a:solidFill>
+              </a:ln>
+              <a:effectLst/>
+            </c:spPr>
+          </c:dPt>
+          <c:dLbls>
+            <c:dLbl>
+              <c:idx val="0"/>
+              <c:layout>
+                <c:manualLayout>
+                  <c:x val="0.151439920556107"/>
+                  <c:y val="-0.10424708840070999"/>
+                </c:manualLayout>
+              </c:layout>
+              <c:showLegendKey val="0"/>
+              <c:showVal val="0"/>
+              <c:showCatName val="0"/>
+              <c:showSerName val="0"/>
+              <c:showPercent val="1"/>
+              <c:showBubbleSize val="0"/>
+              <c:separator> </c:separator>
+              <c:extLst>
+                <c:ext xmlns:c15="http://schemas.microsoft.com/office/drawing/2012/chart" uri="{CE6537A1-D6FC-4f65-9D91-7224C49458BB}">
+                  <c15:layout/>
+                </c:ext>
+              </c:extLst>
+            </c:dLbl>
+            <c:dLbl>
+              <c:idx val="1"/>
+              <c:layout>
+                <c:manualLayout>
+                  <c:x val="-0.14399205561072501"/>
+                  <c:y val="-7.5289563844957302E-2"/>
+                </c:manualLayout>
+              </c:layout>
+              <c:showLegendKey val="0"/>
+              <c:showVal val="0"/>
+              <c:showCatName val="0"/>
+              <c:showSerName val="0"/>
+              <c:showPercent val="1"/>
+              <c:showBubbleSize val="0"/>
+              <c:separator> </c:separator>
+              <c:extLst>
+                <c:ext xmlns:c15="http://schemas.microsoft.com/office/drawing/2012/chart" uri="{CE6537A1-D6FC-4f65-9D91-7224C49458BB}">
+                  <c15:layout/>
+                </c:ext>
+              </c:extLst>
+            </c:dLbl>
+            <c:dLbl>
+              <c:idx val="2"/>
+              <c:layout>
+                <c:manualLayout>
+                  <c:x val="-0.151439920556107"/>
+                  <c:y val="-7.2393811389382001E-2"/>
+                </c:manualLayout>
+              </c:layout>
+              <c:showLegendKey val="0"/>
+              <c:showVal val="0"/>
+              <c:showCatName val="0"/>
+              <c:showSerName val="0"/>
+              <c:showPercent val="1"/>
+              <c:showBubbleSize val="0"/>
+              <c:separator> </c:separator>
+              <c:extLst>
+                <c:ext xmlns:c15="http://schemas.microsoft.com/office/drawing/2012/chart" uri="{CE6537A1-D6FC-4f65-9D91-7224C49458BB}">
+                  <c15:layout/>
+                </c:ext>
+              </c:extLst>
+            </c:dLbl>
+            <c:dLbl>
+              <c:idx val="3"/>
+              <c:layout>
+                <c:manualLayout>
+                  <c:x val="-0.127545459104181"/>
+                  <c:y val="-0.103162810552553"/>
+                </c:manualLayout>
+              </c:layout>
+              <c:showLegendKey val="0"/>
+              <c:showVal val="0"/>
+              <c:showCatName val="0"/>
+              <c:showSerName val="0"/>
+              <c:showPercent val="1"/>
+              <c:showBubbleSize val="0"/>
+              <c:separator> </c:separator>
+              <c:extLst>
+                <c:ext xmlns:c15="http://schemas.microsoft.com/office/drawing/2012/chart" uri="{CE6537A1-D6FC-4f65-9D91-7224C49458BB}">
+                  <c15:layout/>
+                </c:ext>
+              </c:extLst>
+            </c:dLbl>
+            <c:numFmt formatCode="0.0%" sourceLinked="0"/>
+            <c:spPr>
+              <a:noFill/>
+              <a:ln>
+                <a:noFill/>
+              </a:ln>
+              <a:effectLst/>
+            </c:spPr>
+            <c:txPr>
+              <a:bodyPr rot="0" spcFirstLastPara="1" vertOverflow="ellipsis" vert="horz" wrap="square" lIns="38100" tIns="19050" rIns="38100" bIns="19050" anchor="ctr" anchorCtr="1">
+                <a:spAutoFit/>
+              </a:bodyPr>
+              <a:lstStyle/>
+              <a:p>
+                <a:pPr>
+                  <a:defRPr lang="zh-CN" sz="1800" b="0" i="0" u="none" strike="noStrike" kern="1200" baseline="0">
+                    <a:solidFill>
+                      <a:schemeClr val="accent5"/>
+                    </a:solidFill>
+                    <a:latin typeface="+mn-lt"/>
+                    <a:ea typeface="+mn-ea"/>
+                    <a:cs typeface="+mn-cs"/>
+                  </a:defRPr>
+                </a:pPr>
+                <a:endParaRPr lang="zh-CN"/>
+              </a:p>
+            </c:txPr>
+            <c:showLegendKey val="0"/>
+            <c:showVal val="0"/>
+            <c:showCatName val="0"/>
+            <c:showSerName val="0"/>
+            <c:showPercent val="1"/>
+            <c:showBubbleSize val="0"/>
+            <c:separator> </c:separator>
+            <c:showLeaderLines val="1"/>
+            <c:extLst>
+              <c:ext xmlns:c15="http://schemas.microsoft.com/office/drawing/2012/chart" uri="{CE6537A1-D6FC-4f65-9D91-7224C49458BB}">
+                <c15:layout/>
+                <c15:showLeaderLines val="1"/>
+                <c15:leaderLines>
+                  <c:spPr>
+                    <a:ln w="9525" cap="flat" cmpd="sng" algn="ctr">
+                      <a:solidFill>
+                        <a:schemeClr val="bg2"/>
+                      </a:solidFill>
+                      <a:round/>
+                    </a:ln>
+                    <a:effectLst/>
+                  </c:spPr>
+                </c15:leaderLines>
+              </c:ext>
+            </c:extLst>
+          </c:dLbls>
+          <c:cat>
+            <c:strRef>
+              <c:f>Sheet1!$A$2:$A$5</c:f>
+              <c:strCache>
+                <c:ptCount val="4"/>
+                <c:pt idx="0">
+                  <c:v>1st Qtr</c:v>
+                </c:pt>
+                <c:pt idx="1">
+                  <c:v>2nd Qtr</c:v>
+                </c:pt>
+                <c:pt idx="2">
+                  <c:v>3rd Qtr</c:v>
+                </c:pt>
+                <c:pt idx="3">
+                  <c:v>4th Qtr</c:v>
+                </c:pt>
+              </c:strCache>
+            </c:strRef>
+          </c:cat>
+          <c:val>
+            <c:numRef>
+              <c:f>Sheet1!$B$2:$B$5</c:f>
+              <c:numCache>
+                <c:formatCode>General</c:formatCode>
+                <c:ptCount val="4"/>
+                <c:pt idx="0">
+                  <c:v>8.1999999999999993</c:v>
+                </c:pt>
+                <c:pt idx="1">
+                  <c:v>3.2</c:v>
+                </c:pt>
+                <c:pt idx="2">
+                  <c:v>1.4</c:v>
+                </c:pt>
+                <c:pt idx="3">
+                  <c:v>1.2</c:v>
+                </c:pt>
+              </c:numCache>
+            </c:numRef>
+          </c:val>
+        </c:ser>
+        <c:dLbls>
+          <c:showLegendKey val="0"/>
+          <c:showVal val="0"/>
+          <c:showCatName val="0"/>
+          <c:showSerName val="0"/>
+          <c:showPercent val="0"/>
+          <c:showBubbleSize val="0"/>
+          <c:showLeaderLines val="1"/>
+        </c:dLbls>
+        <c:firstSliceAng val="0"/>
+        <c:holeSize val="75"/>
+      </c:doughnutChart>
+      <c:spPr>
+        <a:noFill/>
+        <a:ln>
+          <a:noFill/>
+        </a:ln>
+        <a:effectLst/>
+      </c:spPr>
+    </c:plotArea>
+    <c:legend>
+      <c:legendPos val="b"/>
+      <c:layout/>
+      <c:overlay val="0"/>
+      <c:spPr>
+        <a:noFill/>
+        <a:ln>
+          <a:noFill/>
+        </a:ln>
+        <a:effectLst/>
+      </c:spPr>
+      <c:txPr>
+        <a:bodyPr rot="0" spcFirstLastPara="1" vertOverflow="ellipsis" vert="horz" wrap="square" anchor="ctr" anchorCtr="1"/>
+        <a:lstStyle/>
+        <a:p>
+          <a:pPr>
+            <a:defRPr lang="zh-CN" sz="1195" b="0" i="0" u="none" strike="noStrike" kern="1200" baseline="0">
+              <a:solidFill>
+                <a:schemeClr val="bg2"/>
+              </a:solidFill>
+              <a:latin typeface="+mn-lt"/>
+              <a:ea typeface="+mn-ea"/>
+              <a:cs typeface="+mn-cs"/>
+            </a:defRPr>
+          </a:pPr>
+          <a:endParaRPr lang="zh-CN"/>
+        </a:p>
+      </c:txPr>
+    </c:legend>
+    <c:plotVisOnly val="1"/>
+    <c:dispBlanksAs val="gap"/>
+    <c:showDLblsOverMax val="0"/>
+  </c:chart>
+  <c:spPr>
+    <a:noFill/>
+    <a:ln>
+      <a:noFill/>
+    </a:ln>
+    <a:effectLst/>
+  </c:spPr>
+  <c:txPr>
+    <a:bodyPr/>
+    <a:lstStyle/>
+    <a:p>
+      <a:pPr>
+        <a:defRPr lang="zh-CN"/>
+      </a:pPr>
+      <a:endParaRPr lang="zh-CN"/>
+    </a:p>
+  </c:txPr>
+  <c:externalData r:id="rId2">
     <c:autoUpdate val="0"/>
   </c:externalData>
 </c:chartSpace>
@@ -1162,7 +1959,7 @@
           <a:p>
             <a:fld id="{0B6D309D-058B-5748-A1EB-3930265D673C}" type="datetimeFigureOut">
               <a:rPr kumimoji="1" lang="zh-CN" altLang="en-US" smtClean="0"/>
-              <a:t>2018/12/1</a:t>
+              <a:t>2018/12/3</a:t>
             </a:fld>
             <a:endParaRPr kumimoji="1" lang="zh-CN" altLang="en-US"/>
           </a:p>
@@ -1331,7 +2128,7 @@
           <a:p>
             <a:fld id="{32A9B06C-3D16-3548-AD73-D0AF40B87763}" type="datetimeFigureOut">
               <a:rPr kumimoji="1" lang="zh-CN" altLang="en-US" smtClean="0"/>
-              <a:t>2018/12/1</a:t>
+              <a:t>2018/12/3</a:t>
             </a:fld>
             <a:endParaRPr kumimoji="1" lang="zh-CN" altLang="en-US"/>
           </a:p>
@@ -1825,19 +2622,19 @@
             <a:spLocks noGrp="1" noRot="1" noChangeAspect="1"/>
           </p:cNvSpPr>
           <p:nvPr>
-            <p:ph type="sldImg"/>
+            <p:ph type="sldImg" idx="2"/>
           </p:nvPr>
         </p:nvSpPr>
         <p:spPr/>
       </p:sp>
       <p:sp>
         <p:nvSpPr>
-          <p:cNvPr id="3" name="备注占位符 2"/>
+          <p:cNvPr id="3" name="文本占位符 2"/>
           <p:cNvSpPr>
             <a:spLocks noGrp="1"/>
           </p:cNvSpPr>
           <p:nvPr>
-            <p:ph type="body" idx="1"/>
+            <p:ph type="body" idx="3"/>
           </p:nvPr>
         </p:nvSpPr>
         <p:spPr/>
@@ -1845,7 +2642,7 @@
           <a:bodyPr/>
           <a:lstStyle/>
           <a:p>
-            <a:endParaRPr kumimoji="1" lang="zh-CN" altLang="en-US"/>
+            <a:endParaRPr lang="zh-CN" altLang="en-US"/>
           </a:p>
         </p:txBody>
       </p:sp>
@@ -2025,7 +2822,511 @@
 </p:notes>
 </file>
 
+<file path=ppt/notesSlides/notesSlide17.xml><?xml version="1.0" encoding="utf-8"?>
+<p:notes xmlns:a="http://schemas.openxmlformats.org/drawingml/2006/main" xmlns:r="http://schemas.openxmlformats.org/officeDocument/2006/relationships" xmlns:p="http://schemas.openxmlformats.org/presentationml/2006/main">
+  <p:cSld>
+    <p:spTree>
+      <p:nvGrpSpPr>
+        <p:cNvPr id="1" name=""/>
+        <p:cNvGrpSpPr/>
+        <p:nvPr/>
+      </p:nvGrpSpPr>
+      <p:grpSpPr>
+        <a:xfrm>
+          <a:off x="0" y="0"/>
+          <a:ext cx="0" cy="0"/>
+          <a:chOff x="0" y="0"/>
+          <a:chExt cx="0" cy="0"/>
+        </a:xfrm>
+      </p:grpSpPr>
+      <p:sp>
+        <p:nvSpPr>
+          <p:cNvPr id="2" name="幻灯片图像占位符 1"/>
+          <p:cNvSpPr>
+            <a:spLocks noGrp="1" noRot="1" noChangeAspect="1"/>
+          </p:cNvSpPr>
+          <p:nvPr>
+            <p:ph type="sldImg"/>
+          </p:nvPr>
+        </p:nvSpPr>
+        <p:spPr/>
+      </p:sp>
+      <p:sp>
+        <p:nvSpPr>
+          <p:cNvPr id="3" name="备注占位符 2"/>
+          <p:cNvSpPr>
+            <a:spLocks noGrp="1"/>
+          </p:cNvSpPr>
+          <p:nvPr>
+            <p:ph type="body" idx="1"/>
+          </p:nvPr>
+        </p:nvSpPr>
+        <p:spPr/>
+        <p:txBody>
+          <a:bodyPr/>
+          <a:lstStyle/>
+          <a:p>
+            <a:endParaRPr kumimoji="1" lang="zh-CN" altLang="en-US" dirty="0"/>
+          </a:p>
+        </p:txBody>
+      </p:sp>
+    </p:spTree>
+  </p:cSld>
+  <p:clrMapOvr>
+    <a:masterClrMapping/>
+  </p:clrMapOvr>
+</p:notes>
+</file>
+
+<file path=ppt/notesSlides/notesSlide18.xml><?xml version="1.0" encoding="utf-8"?>
+<p:notes xmlns:a="http://schemas.openxmlformats.org/drawingml/2006/main" xmlns:r="http://schemas.openxmlformats.org/officeDocument/2006/relationships" xmlns:p="http://schemas.openxmlformats.org/presentationml/2006/main">
+  <p:cSld>
+    <p:spTree>
+      <p:nvGrpSpPr>
+        <p:cNvPr id="1" name=""/>
+        <p:cNvGrpSpPr/>
+        <p:nvPr/>
+      </p:nvGrpSpPr>
+      <p:grpSpPr>
+        <a:xfrm>
+          <a:off x="0" y="0"/>
+          <a:ext cx="0" cy="0"/>
+          <a:chOff x="0" y="0"/>
+          <a:chExt cx="0" cy="0"/>
+        </a:xfrm>
+      </p:grpSpPr>
+      <p:sp>
+        <p:nvSpPr>
+          <p:cNvPr id="2" name="幻灯片图像占位符 1"/>
+          <p:cNvSpPr>
+            <a:spLocks noGrp="1" noRot="1" noChangeAspect="1"/>
+          </p:cNvSpPr>
+          <p:nvPr>
+            <p:ph type="sldImg"/>
+          </p:nvPr>
+        </p:nvSpPr>
+        <p:spPr/>
+      </p:sp>
+      <p:sp>
+        <p:nvSpPr>
+          <p:cNvPr id="3" name="备注占位符 2"/>
+          <p:cNvSpPr>
+            <a:spLocks noGrp="1"/>
+          </p:cNvSpPr>
+          <p:nvPr>
+            <p:ph type="body" idx="1"/>
+          </p:nvPr>
+        </p:nvSpPr>
+        <p:spPr/>
+        <p:txBody>
+          <a:bodyPr/>
+          <a:lstStyle/>
+          <a:p>
+            <a:endParaRPr kumimoji="1" lang="zh-CN" altLang="en-US"/>
+          </a:p>
+        </p:txBody>
+      </p:sp>
+    </p:spTree>
+  </p:cSld>
+  <p:clrMapOvr>
+    <a:masterClrMapping/>
+  </p:clrMapOvr>
+</p:notes>
+</file>
+
+<file path=ppt/notesSlides/notesSlide19.xml><?xml version="1.0" encoding="utf-8"?>
+<p:notes xmlns:a="http://schemas.openxmlformats.org/drawingml/2006/main" xmlns:r="http://schemas.openxmlformats.org/officeDocument/2006/relationships" xmlns:p="http://schemas.openxmlformats.org/presentationml/2006/main">
+  <p:cSld>
+    <p:spTree>
+      <p:nvGrpSpPr>
+        <p:cNvPr id="1" name=""/>
+        <p:cNvGrpSpPr/>
+        <p:nvPr/>
+      </p:nvGrpSpPr>
+      <p:grpSpPr>
+        <a:xfrm>
+          <a:off x="0" y="0"/>
+          <a:ext cx="0" cy="0"/>
+          <a:chOff x="0" y="0"/>
+          <a:chExt cx="0" cy="0"/>
+        </a:xfrm>
+      </p:grpSpPr>
+      <p:sp>
+        <p:nvSpPr>
+          <p:cNvPr id="2" name="幻灯片图像占位符 1"/>
+          <p:cNvSpPr>
+            <a:spLocks noGrp="1" noRot="1" noChangeAspect="1"/>
+          </p:cNvSpPr>
+          <p:nvPr>
+            <p:ph type="sldImg" idx="2"/>
+          </p:nvPr>
+        </p:nvSpPr>
+        <p:spPr/>
+      </p:sp>
+      <p:sp>
+        <p:nvSpPr>
+          <p:cNvPr id="3" name="文本占位符 2"/>
+          <p:cNvSpPr>
+            <a:spLocks noGrp="1"/>
+          </p:cNvSpPr>
+          <p:nvPr>
+            <p:ph type="body" idx="3"/>
+          </p:nvPr>
+        </p:nvSpPr>
+        <p:spPr/>
+        <p:txBody>
+          <a:bodyPr/>
+          <a:lstStyle/>
+          <a:p>
+            <a:endParaRPr lang="zh-CN" altLang="en-US"/>
+          </a:p>
+        </p:txBody>
+      </p:sp>
+    </p:spTree>
+  </p:cSld>
+  <p:clrMapOvr>
+    <a:masterClrMapping/>
+  </p:clrMapOvr>
+</p:notes>
+</file>
+
 <file path=ppt/notesSlides/notesSlide2.xml><?xml version="1.0" encoding="utf-8"?>
+<p:notes xmlns:a="http://schemas.openxmlformats.org/drawingml/2006/main" xmlns:r="http://schemas.openxmlformats.org/officeDocument/2006/relationships" xmlns:p="http://schemas.openxmlformats.org/presentationml/2006/main">
+  <p:cSld>
+    <p:spTree>
+      <p:nvGrpSpPr>
+        <p:cNvPr id="1" name=""/>
+        <p:cNvGrpSpPr/>
+        <p:nvPr/>
+      </p:nvGrpSpPr>
+      <p:grpSpPr>
+        <a:xfrm>
+          <a:off x="0" y="0"/>
+          <a:ext cx="0" cy="0"/>
+          <a:chOff x="0" y="0"/>
+          <a:chExt cx="0" cy="0"/>
+        </a:xfrm>
+      </p:grpSpPr>
+      <p:sp>
+        <p:nvSpPr>
+          <p:cNvPr id="2" name="幻灯片图像占位符 1"/>
+          <p:cNvSpPr>
+            <a:spLocks noGrp="1" noRot="1" noChangeAspect="1"/>
+          </p:cNvSpPr>
+          <p:nvPr>
+            <p:ph type="sldImg" idx="2"/>
+          </p:nvPr>
+        </p:nvSpPr>
+        <p:spPr/>
+      </p:sp>
+      <p:sp>
+        <p:nvSpPr>
+          <p:cNvPr id="3" name="文本占位符 2"/>
+          <p:cNvSpPr>
+            <a:spLocks noGrp="1"/>
+          </p:cNvSpPr>
+          <p:nvPr>
+            <p:ph type="body" idx="3"/>
+          </p:nvPr>
+        </p:nvSpPr>
+        <p:spPr/>
+        <p:txBody>
+          <a:bodyPr/>
+          <a:lstStyle/>
+          <a:p>
+            <a:endParaRPr lang="zh-CN" altLang="en-US"/>
+          </a:p>
+        </p:txBody>
+      </p:sp>
+    </p:spTree>
+  </p:cSld>
+  <p:clrMapOvr>
+    <a:masterClrMapping/>
+  </p:clrMapOvr>
+</p:notes>
+</file>
+
+<file path=ppt/notesSlides/notesSlide20.xml><?xml version="1.0" encoding="utf-8"?>
+<p:notes xmlns:a="http://schemas.openxmlformats.org/drawingml/2006/main" xmlns:r="http://schemas.openxmlformats.org/officeDocument/2006/relationships" xmlns:p="http://schemas.openxmlformats.org/presentationml/2006/main">
+  <p:cSld>
+    <p:spTree>
+      <p:nvGrpSpPr>
+        <p:cNvPr id="1" name=""/>
+        <p:cNvGrpSpPr/>
+        <p:nvPr/>
+      </p:nvGrpSpPr>
+      <p:grpSpPr>
+        <a:xfrm>
+          <a:off x="0" y="0"/>
+          <a:ext cx="0" cy="0"/>
+          <a:chOff x="0" y="0"/>
+          <a:chExt cx="0" cy="0"/>
+        </a:xfrm>
+      </p:grpSpPr>
+      <p:sp>
+        <p:nvSpPr>
+          <p:cNvPr id="2" name="幻灯片图像占位符 1"/>
+          <p:cNvSpPr>
+            <a:spLocks noGrp="1" noRot="1" noChangeAspect="1"/>
+          </p:cNvSpPr>
+          <p:nvPr>
+            <p:ph type="sldImg" idx="2"/>
+          </p:nvPr>
+        </p:nvSpPr>
+        <p:spPr/>
+      </p:sp>
+      <p:sp>
+        <p:nvSpPr>
+          <p:cNvPr id="3" name="文本占位符 2"/>
+          <p:cNvSpPr>
+            <a:spLocks noGrp="1"/>
+          </p:cNvSpPr>
+          <p:nvPr>
+            <p:ph type="body" idx="3"/>
+          </p:nvPr>
+        </p:nvSpPr>
+        <p:spPr/>
+        <p:txBody>
+          <a:bodyPr/>
+          <a:lstStyle/>
+          <a:p>
+            <a:endParaRPr lang="zh-CN" altLang="en-US"/>
+          </a:p>
+        </p:txBody>
+      </p:sp>
+    </p:spTree>
+  </p:cSld>
+  <p:clrMapOvr>
+    <a:masterClrMapping/>
+  </p:clrMapOvr>
+</p:notes>
+</file>
+
+<file path=ppt/notesSlides/notesSlide21.xml><?xml version="1.0" encoding="utf-8"?>
+<p:notes xmlns:a="http://schemas.openxmlformats.org/drawingml/2006/main" xmlns:r="http://schemas.openxmlformats.org/officeDocument/2006/relationships" xmlns:p="http://schemas.openxmlformats.org/presentationml/2006/main">
+  <p:cSld>
+    <p:spTree>
+      <p:nvGrpSpPr>
+        <p:cNvPr id="1" name=""/>
+        <p:cNvGrpSpPr/>
+        <p:nvPr/>
+      </p:nvGrpSpPr>
+      <p:grpSpPr>
+        <a:xfrm>
+          <a:off x="0" y="0"/>
+          <a:ext cx="0" cy="0"/>
+          <a:chOff x="0" y="0"/>
+          <a:chExt cx="0" cy="0"/>
+        </a:xfrm>
+      </p:grpSpPr>
+      <p:sp>
+        <p:nvSpPr>
+          <p:cNvPr id="2" name="幻灯片图像占位符 1"/>
+          <p:cNvSpPr>
+            <a:spLocks noGrp="1" noRot="1" noChangeAspect="1"/>
+          </p:cNvSpPr>
+          <p:nvPr>
+            <p:ph type="sldImg" idx="2"/>
+          </p:nvPr>
+        </p:nvSpPr>
+        <p:spPr/>
+      </p:sp>
+      <p:sp>
+        <p:nvSpPr>
+          <p:cNvPr id="3" name="文本占位符 2"/>
+          <p:cNvSpPr>
+            <a:spLocks noGrp="1"/>
+          </p:cNvSpPr>
+          <p:nvPr>
+            <p:ph type="body" idx="3"/>
+          </p:nvPr>
+        </p:nvSpPr>
+        <p:spPr/>
+        <p:txBody>
+          <a:bodyPr/>
+          <a:lstStyle/>
+          <a:p>
+            <a:endParaRPr lang="zh-CN" altLang="en-US"/>
+          </a:p>
+        </p:txBody>
+      </p:sp>
+    </p:spTree>
+  </p:cSld>
+  <p:clrMapOvr>
+    <a:masterClrMapping/>
+  </p:clrMapOvr>
+</p:notes>
+</file>
+
+<file path=ppt/notesSlides/notesSlide22.xml><?xml version="1.0" encoding="utf-8"?>
+<p:notes xmlns:a="http://schemas.openxmlformats.org/drawingml/2006/main" xmlns:r="http://schemas.openxmlformats.org/officeDocument/2006/relationships" xmlns:p="http://schemas.openxmlformats.org/presentationml/2006/main">
+  <p:cSld>
+    <p:spTree>
+      <p:nvGrpSpPr>
+        <p:cNvPr id="1" name=""/>
+        <p:cNvGrpSpPr/>
+        <p:nvPr/>
+      </p:nvGrpSpPr>
+      <p:grpSpPr>
+        <a:xfrm>
+          <a:off x="0" y="0"/>
+          <a:ext cx="0" cy="0"/>
+          <a:chOff x="0" y="0"/>
+          <a:chExt cx="0" cy="0"/>
+        </a:xfrm>
+      </p:grpSpPr>
+      <p:sp>
+        <p:nvSpPr>
+          <p:cNvPr id="2" name="幻灯片图像占位符 1"/>
+          <p:cNvSpPr>
+            <a:spLocks noGrp="1" noRot="1" noChangeAspect="1"/>
+          </p:cNvSpPr>
+          <p:nvPr>
+            <p:ph type="sldImg"/>
+          </p:nvPr>
+        </p:nvSpPr>
+        <p:spPr/>
+      </p:sp>
+      <p:sp>
+        <p:nvSpPr>
+          <p:cNvPr id="3" name="备注占位符 2"/>
+          <p:cNvSpPr>
+            <a:spLocks noGrp="1"/>
+          </p:cNvSpPr>
+          <p:nvPr>
+            <p:ph type="body" idx="1"/>
+          </p:nvPr>
+        </p:nvSpPr>
+        <p:spPr/>
+        <p:txBody>
+          <a:bodyPr/>
+          <a:lstStyle/>
+          <a:p>
+            <a:endParaRPr kumimoji="1" lang="zh-CN" altLang="en-US"/>
+          </a:p>
+        </p:txBody>
+      </p:sp>
+    </p:spTree>
+  </p:cSld>
+  <p:clrMapOvr>
+    <a:masterClrMapping/>
+  </p:clrMapOvr>
+</p:notes>
+</file>
+
+<file path=ppt/notesSlides/notesSlide23.xml><?xml version="1.0" encoding="utf-8"?>
+<p:notes xmlns:a="http://schemas.openxmlformats.org/drawingml/2006/main" xmlns:r="http://schemas.openxmlformats.org/officeDocument/2006/relationships" xmlns:p="http://schemas.openxmlformats.org/presentationml/2006/main">
+  <p:cSld>
+    <p:spTree>
+      <p:nvGrpSpPr>
+        <p:cNvPr id="1" name=""/>
+        <p:cNvGrpSpPr/>
+        <p:nvPr/>
+      </p:nvGrpSpPr>
+      <p:grpSpPr>
+        <a:xfrm>
+          <a:off x="0" y="0"/>
+          <a:ext cx="0" cy="0"/>
+          <a:chOff x="0" y="0"/>
+          <a:chExt cx="0" cy="0"/>
+        </a:xfrm>
+      </p:grpSpPr>
+      <p:sp>
+        <p:nvSpPr>
+          <p:cNvPr id="2" name="幻灯片图像占位符 1"/>
+          <p:cNvSpPr>
+            <a:spLocks noGrp="1" noRot="1" noChangeAspect="1"/>
+          </p:cNvSpPr>
+          <p:nvPr>
+            <p:ph type="sldImg" idx="2"/>
+          </p:nvPr>
+        </p:nvSpPr>
+        <p:spPr/>
+      </p:sp>
+      <p:sp>
+        <p:nvSpPr>
+          <p:cNvPr id="3" name="文本占位符 2"/>
+          <p:cNvSpPr>
+            <a:spLocks noGrp="1"/>
+          </p:cNvSpPr>
+          <p:nvPr>
+            <p:ph type="body" idx="3"/>
+          </p:nvPr>
+        </p:nvSpPr>
+        <p:spPr/>
+        <p:txBody>
+          <a:bodyPr/>
+          <a:lstStyle/>
+          <a:p>
+            <a:endParaRPr lang="zh-CN" altLang="en-US"/>
+          </a:p>
+        </p:txBody>
+      </p:sp>
+    </p:spTree>
+  </p:cSld>
+  <p:clrMapOvr>
+    <a:masterClrMapping/>
+  </p:clrMapOvr>
+</p:notes>
+</file>
+
+<file path=ppt/notesSlides/notesSlide24.xml><?xml version="1.0" encoding="utf-8"?>
+<p:notes xmlns:a="http://schemas.openxmlformats.org/drawingml/2006/main" xmlns:r="http://schemas.openxmlformats.org/officeDocument/2006/relationships" xmlns:p="http://schemas.openxmlformats.org/presentationml/2006/main">
+  <p:cSld>
+    <p:spTree>
+      <p:nvGrpSpPr>
+        <p:cNvPr id="1" name=""/>
+        <p:cNvGrpSpPr/>
+        <p:nvPr/>
+      </p:nvGrpSpPr>
+      <p:grpSpPr>
+        <a:xfrm>
+          <a:off x="0" y="0"/>
+          <a:ext cx="0" cy="0"/>
+          <a:chOff x="0" y="0"/>
+          <a:chExt cx="0" cy="0"/>
+        </a:xfrm>
+      </p:grpSpPr>
+      <p:sp>
+        <p:nvSpPr>
+          <p:cNvPr id="2" name="幻灯片图像占位符 1"/>
+          <p:cNvSpPr>
+            <a:spLocks noGrp="1" noRot="1" noChangeAspect="1"/>
+          </p:cNvSpPr>
+          <p:nvPr>
+            <p:ph type="sldImg" idx="2"/>
+          </p:nvPr>
+        </p:nvSpPr>
+        <p:spPr/>
+      </p:sp>
+      <p:sp>
+        <p:nvSpPr>
+          <p:cNvPr id="3" name="文本占位符 2"/>
+          <p:cNvSpPr>
+            <a:spLocks noGrp="1"/>
+          </p:cNvSpPr>
+          <p:nvPr>
+            <p:ph type="body" idx="3"/>
+          </p:nvPr>
+        </p:nvSpPr>
+        <p:spPr/>
+        <p:txBody>
+          <a:bodyPr/>
+          <a:lstStyle/>
+          <a:p>
+            <a:endParaRPr lang="zh-CN" altLang="en-US"/>
+          </a:p>
+        </p:txBody>
+      </p:sp>
+    </p:spTree>
+  </p:cSld>
+  <p:clrMapOvr>
+    <a:masterClrMapping/>
+  </p:clrMapOvr>
+</p:notes>
+</file>
+
+<file path=ppt/notesSlides/notesSlide25.xml><?xml version="1.0" encoding="utf-8"?>
 <p:notes xmlns:a="http://schemas.openxmlformats.org/drawingml/2006/main" xmlns:r="http://schemas.openxmlformats.org/officeDocument/2006/relationships" xmlns:p="http://schemas.openxmlformats.org/presentationml/2006/main">
   <p:cSld>
     <p:spTree>
@@ -2273,19 +3574,19 @@
             <a:spLocks noGrp="1" noRot="1" noChangeAspect="1"/>
           </p:cNvSpPr>
           <p:nvPr>
-            <p:ph type="sldImg" idx="2"/>
+            <p:ph type="sldImg"/>
           </p:nvPr>
         </p:nvSpPr>
         <p:spPr/>
       </p:sp>
       <p:sp>
         <p:nvSpPr>
-          <p:cNvPr id="3" name="文本占位符 2"/>
+          <p:cNvPr id="3" name="备注占位符 2"/>
           <p:cNvSpPr>
             <a:spLocks noGrp="1"/>
           </p:cNvSpPr>
           <p:nvPr>
-            <p:ph type="body" idx="3"/>
+            <p:ph type="body" idx="1"/>
           </p:nvPr>
         </p:nvSpPr>
         <p:spPr/>
@@ -2293,7 +3594,7 @@
           <a:bodyPr/>
           <a:lstStyle/>
           <a:p>
-            <a:endParaRPr lang="zh-CN" altLang="en-US"/>
+            <a:endParaRPr kumimoji="1" lang="zh-CN" altLang="en-US"/>
           </a:p>
         </p:txBody>
       </p:sp>
@@ -2349,7 +3650,7 @@
           <a:bodyPr/>
           <a:lstStyle/>
           <a:p>
-            <a:endParaRPr kumimoji="1" lang="zh-CN" altLang="en-US" dirty="0"/>
+            <a:endParaRPr kumimoji="1" lang="zh-CN" altLang="en-US"/>
           </a:p>
         </p:txBody>
       </p:sp>
@@ -4788,296 +6089,6 @@
       </p:grpSpPr>
       <p:sp>
         <p:nvSpPr>
-          <p:cNvPr id="8" name="Title 7"/>
-          <p:cNvSpPr>
-            <a:spLocks noGrp="1"/>
-          </p:cNvSpPr>
-          <p:nvPr>
-            <p:ph type="title"/>
-          </p:nvPr>
-        </p:nvSpPr>
-        <p:spPr/>
-        <p:txBody>
-          <a:bodyPr/>
-          <a:lstStyle/>
-          <a:p>
-            <a:r>
-              <a:rPr lang="en-US" dirty="0"/>
-              <a:t>Two column slide with smaller text</a:t>
-            </a:r>
-          </a:p>
-        </p:txBody>
-      </p:sp>
-      <p:sp>
-        <p:nvSpPr>
-          <p:cNvPr id="9" name="Text Placeholder 8"/>
-          <p:cNvSpPr>
-            <a:spLocks noGrp="1"/>
-          </p:cNvSpPr>
-          <p:nvPr>
-            <p:ph type="body" sz="quarter" idx="10"/>
-          </p:nvPr>
-        </p:nvSpPr>
-        <p:spPr/>
-        <p:txBody>
-          <a:bodyPr/>
-          <a:lstStyle/>
-          <a:p>
-            <a:r>
-              <a:rPr lang="en-US" dirty="0"/>
-              <a:t>Text boxes are separated for easier editing</a:t>
-            </a:r>
-          </a:p>
-        </p:txBody>
-      </p:sp>
-      <p:sp>
-        <p:nvSpPr>
-          <p:cNvPr id="10" name="Text Placeholder 9"/>
-          <p:cNvSpPr>
-            <a:spLocks noGrp="1"/>
-          </p:cNvSpPr>
-          <p:nvPr>
-            <p:ph type="body" sz="quarter" idx="11"/>
-          </p:nvPr>
-        </p:nvSpPr>
-        <p:spPr>
-          <a:xfrm>
-            <a:off x="457200" y="1828800"/>
-            <a:ext cx="3978275" cy="4297363"/>
-          </a:xfrm>
-        </p:spPr>
-        <p:txBody>
-          <a:bodyPr/>
-          <a:lstStyle/>
-          <a:p>
-            <a:pPr>
-              <a:buSzPct val="100000"/>
-            </a:pPr>
-            <a:r>
-              <a:rPr lang="en-US" altLang="zh-CN" b="1" dirty="0">
-                <a:solidFill>
-                  <a:srgbClr val="68B57F"/>
-                </a:solidFill>
-              </a:rPr>
-              <a:t>SNC</a:t>
-            </a:r>
-            <a:r>
-              <a:rPr lang="en-US" b="1" dirty="0">
-                <a:solidFill>
-                  <a:srgbClr val="68B57F"/>
-                </a:solidFill>
-              </a:rPr>
-              <a:t>’s Overview</a:t>
-            </a:r>
-          </a:p>
-          <a:p>
-            <a:pPr lvl="1">
-              <a:buClr>
-                <a:srgbClr val="68B57F"/>
-              </a:buClr>
-              <a:buSzPct val="100000"/>
-            </a:pPr>
-            <a:r>
-              <a:rPr lang="en-US" dirty="0"/>
-              <a:t>Essential component of the global capital markets</a:t>
-            </a:r>
-          </a:p>
-          <a:p>
-            <a:pPr lvl="1">
-              <a:buClr>
-                <a:srgbClr val="68B57F"/>
-              </a:buClr>
-            </a:pPr>
-            <a:r>
-              <a:rPr lang="en-US" dirty="0"/>
-              <a:t>Parent company of MIS and MA</a:t>
-            </a:r>
-          </a:p>
-          <a:p>
-            <a:pPr lvl="1">
-              <a:buClr>
-                <a:srgbClr val="68B57F"/>
-              </a:buClr>
-            </a:pPr>
-            <a:r>
-              <a:rPr lang="en-US" dirty="0"/>
-              <a:t>Contributes to transparent and integrated financial markets</a:t>
-            </a:r>
-          </a:p>
-          <a:p>
-            <a:pPr lvl="1">
-              <a:buClr>
-                <a:srgbClr val="68B57F"/>
-              </a:buClr>
-            </a:pPr>
-            <a:r>
-              <a:rPr lang="en-US" dirty="0"/>
-              <a:t>Provides:</a:t>
-            </a:r>
-          </a:p>
-          <a:p>
-            <a:pPr lvl="2">
-              <a:buClr>
-                <a:srgbClr val="68B57F"/>
-              </a:buClr>
-              <a:buSzPct val="100000"/>
-            </a:pPr>
-            <a:r>
-              <a:rPr lang="en-US" dirty="0"/>
-              <a:t>Credit ratings</a:t>
-            </a:r>
-          </a:p>
-          <a:p>
-            <a:pPr lvl="2">
-              <a:buClr>
-                <a:srgbClr val="68B57F"/>
-              </a:buClr>
-            </a:pPr>
-            <a:r>
-              <a:rPr lang="en-US" dirty="0"/>
-              <a:t>Research</a:t>
-            </a:r>
-          </a:p>
-          <a:p>
-            <a:pPr lvl="2">
-              <a:buClr>
-                <a:srgbClr val="68B57F"/>
-              </a:buClr>
-            </a:pPr>
-            <a:r>
-              <a:rPr lang="en-US" dirty="0"/>
-              <a:t>Tools &amp; analysis</a:t>
-            </a:r>
-          </a:p>
-        </p:txBody>
-      </p:sp>
-      <p:sp>
-        <p:nvSpPr>
-          <p:cNvPr id="11" name="Text Placeholder 10"/>
-          <p:cNvSpPr>
-            <a:spLocks noGrp="1"/>
-          </p:cNvSpPr>
-          <p:nvPr>
-            <p:ph type="body" sz="quarter" idx="12"/>
-          </p:nvPr>
-        </p:nvSpPr>
-        <p:spPr>
-          <a:xfrm>
-            <a:off x="4710000" y="1828800"/>
-            <a:ext cx="3978275" cy="4297363"/>
-          </a:xfrm>
-        </p:spPr>
-        <p:txBody>
-          <a:bodyPr/>
-          <a:lstStyle/>
-          <a:p>
-            <a:r>
-              <a:rPr lang="en-US" b="1" dirty="0">
-                <a:solidFill>
-                  <a:srgbClr val="68B57F"/>
-                </a:solidFill>
-              </a:rPr>
-              <a:t>Company Details</a:t>
-            </a:r>
-          </a:p>
-          <a:p>
-            <a:pPr lvl="1">
-              <a:buClr>
-                <a:srgbClr val="68B57F"/>
-              </a:buClr>
-            </a:pPr>
-            <a:r>
-              <a:rPr lang="en-US" dirty="0"/>
-              <a:t>Moody's is an essential component of the global capital markets, providing credit ratings, research, tools and analysis that contribute to transparent and integrated financial markets. </a:t>
-            </a:r>
-          </a:p>
-          <a:p>
-            <a:pPr lvl="1">
-              <a:buClr>
-                <a:srgbClr val="68B57F"/>
-              </a:buClr>
-            </a:pPr>
-            <a:r>
-              <a:rPr lang="en-US" dirty="0"/>
-              <a:t>Moody's Corporation is the parent company of Moody's Investors Service and Moody's Analytics.</a:t>
-            </a:r>
-          </a:p>
-        </p:txBody>
-      </p:sp>
-      <p:sp>
-        <p:nvSpPr>
-          <p:cNvPr id="6" name="Slide Number Placeholder 1"/>
-          <p:cNvSpPr>
-            <a:spLocks noGrp="1"/>
-          </p:cNvSpPr>
-          <p:nvPr>
-            <p:ph type="sldNum" sz="quarter" idx="12"/>
-          </p:nvPr>
-        </p:nvSpPr>
-        <p:spPr>
-          <a:xfrm>
-            <a:off x="8273520" y="6400800"/>
-            <a:ext cx="687600" cy="335245"/>
-          </a:xfrm>
-          <a:prstGeom prst="rect">
-            <a:avLst/>
-          </a:prstGeom>
-        </p:spPr>
-        <p:txBody>
-          <a:bodyPr/>
-          <a:lstStyle/>
-          <a:p>
-            <a:pPr algn="ctr"/>
-            <a:fld id="{93AC2C76-E6AA-46CB-A2DE-F6E097F7C440}" type="slidenum">
-              <a:rPr lang="en-GB" sz="1800">
-                <a:solidFill>
-                  <a:schemeClr val="bg2"/>
-                </a:solidFill>
-                <a:latin typeface="+mn-lt"/>
-                <a:ea typeface="+mn-ea"/>
-                <a:cs typeface="+mn-cs"/>
-              </a:rPr>
-              <a:pPr algn="ctr"/>
-              <a:t>10</a:t>
-            </a:fld>
-            <a:endParaRPr lang="en-GB" sz="1800" dirty="0">
-              <a:solidFill>
-                <a:schemeClr val="bg2"/>
-              </a:solidFill>
-              <a:latin typeface="+mn-lt"/>
-              <a:ea typeface="+mn-ea"/>
-              <a:cs typeface="+mn-cs"/>
-            </a:endParaRPr>
-          </a:p>
-        </p:txBody>
-      </p:sp>
-    </p:spTree>
-  </p:cSld>
-  <p:clrMapOvr>
-    <a:masterClrMapping/>
-  </p:clrMapOvr>
-</p:sld>
-</file>
-
-<file path=ppt/slides/slide11.xml><?xml version="1.0" encoding="utf-8"?>
-<p:sld xmlns:a="http://schemas.openxmlformats.org/drawingml/2006/main" xmlns:r="http://schemas.openxmlformats.org/officeDocument/2006/relationships" xmlns:p="http://schemas.openxmlformats.org/presentationml/2006/main">
-  <p:cSld>
-    <p:spTree>
-      <p:nvGrpSpPr>
-        <p:cNvPr id="1" name=""/>
-        <p:cNvGrpSpPr/>
-        <p:nvPr/>
-      </p:nvGrpSpPr>
-      <p:grpSpPr>
-        <a:xfrm>
-          <a:off x="0" y="0"/>
-          <a:ext cx="0" cy="0"/>
-          <a:chOff x="0" y="0"/>
-          <a:chExt cx="0" cy="0"/>
-        </a:xfrm>
-      </p:grpSpPr>
-      <p:sp>
-        <p:nvSpPr>
           <p:cNvPr id="6" name="Title 5"/>
           <p:cNvSpPr>
             <a:spLocks noGrp="1"/>
@@ -5092,9 +6103,10 @@
           <a:lstStyle/>
           <a:p>
             <a:r>
-              <a:rPr lang="en-US" dirty="0"/>
-              <a:t>Full-width table</a:t>
+              <a:rPr lang="zh-CN" altLang="en-US" dirty="0" smtClean="0"/>
+              <a:t>传统金融体系的局限性</a:t>
             </a:r>
+            <a:endParaRPr lang="en-US" dirty="0"/>
           </a:p>
         </p:txBody>
       </p:sp>
@@ -6261,7 +7273,5926 @@
 </p:sld>
 </file>
 
+<file path=ppt/slides/slide11.xml><?xml version="1.0" encoding="utf-8"?>
+<p:sld xmlns:a="http://schemas.openxmlformats.org/drawingml/2006/main" xmlns:r="http://schemas.openxmlformats.org/officeDocument/2006/relationships" xmlns:p="http://schemas.openxmlformats.org/presentationml/2006/main">
+  <p:cSld>
+    <p:spTree>
+      <p:nvGrpSpPr>
+        <p:cNvPr id="1" name=""/>
+        <p:cNvGrpSpPr/>
+        <p:nvPr/>
+      </p:nvGrpSpPr>
+      <p:grpSpPr>
+        <a:xfrm>
+          <a:off x="0" y="0"/>
+          <a:ext cx="0" cy="0"/>
+          <a:chOff x="0" y="0"/>
+          <a:chExt cx="0" cy="0"/>
+        </a:xfrm>
+      </p:grpSpPr>
+      <p:sp>
+        <p:nvSpPr>
+          <p:cNvPr id="4" name="Title 3"/>
+          <p:cNvSpPr>
+            <a:spLocks noGrp="1"/>
+          </p:cNvSpPr>
+          <p:nvPr>
+            <p:ph type="title"/>
+          </p:nvPr>
+        </p:nvSpPr>
+        <p:spPr/>
+        <p:txBody>
+          <a:bodyPr/>
+          <a:lstStyle/>
+          <a:p>
+            <a:r>
+              <a:rPr lang="en-US" dirty="0"/>
+              <a:t>3</a:t>
+            </a:r>
+            <a:endParaRPr lang="en-US" dirty="0"/>
+          </a:p>
+        </p:txBody>
+      </p:sp>
+      <p:sp>
+        <p:nvSpPr>
+          <p:cNvPr id="5" name="Text Placeholder 4"/>
+          <p:cNvSpPr>
+            <a:spLocks noGrp="1"/>
+          </p:cNvSpPr>
+          <p:nvPr>
+            <p:ph type="body" sz="quarter" idx="10"/>
+          </p:nvPr>
+        </p:nvSpPr>
+        <p:spPr>
+          <a:xfrm>
+            <a:off x="3977640" y="2103120"/>
+            <a:ext cx="4609465" cy="2446655"/>
+          </a:xfrm>
+        </p:spPr>
+        <p:txBody>
+          <a:bodyPr/>
+          <a:lstStyle/>
+          <a:p>
+            <a:r>
+              <a:rPr lang="zh-CN" altLang="en-US" dirty="0"/>
+              <a:t>区块链方案的解决之道</a:t>
+            </a:r>
+            <a:endParaRPr lang="en-US" dirty="0"/>
+          </a:p>
+        </p:txBody>
+      </p:sp>
+    </p:spTree>
+    <p:extLst>
+      <p:ext uri="{BB962C8B-B14F-4D97-AF65-F5344CB8AC3E}">
+        <p14:creationId xmlns:p14="http://schemas.microsoft.com/office/powerpoint/2010/main" val="3034773936"/>
+      </p:ext>
+    </p:extLst>
+  </p:cSld>
+  <p:clrMapOvr>
+    <a:masterClrMapping/>
+  </p:clrMapOvr>
+</p:sld>
+</file>
+
 <file path=ppt/slides/slide12.xml><?xml version="1.0" encoding="utf-8"?>
+<p:sld xmlns:a="http://schemas.openxmlformats.org/drawingml/2006/main" xmlns:r="http://schemas.openxmlformats.org/officeDocument/2006/relationships" xmlns:p="http://schemas.openxmlformats.org/presentationml/2006/main">
+  <p:cSld>
+    <p:spTree>
+      <p:nvGrpSpPr>
+        <p:cNvPr id="1" name=""/>
+        <p:cNvGrpSpPr/>
+        <p:nvPr/>
+      </p:nvGrpSpPr>
+      <p:grpSpPr>
+        <a:xfrm>
+          <a:off x="0" y="0"/>
+          <a:ext cx="0" cy="0"/>
+          <a:chOff x="0" y="0"/>
+          <a:chExt cx="0" cy="0"/>
+        </a:xfrm>
+      </p:grpSpPr>
+      <p:sp>
+        <p:nvSpPr>
+          <p:cNvPr id="6" name="Title 5"/>
+          <p:cNvSpPr>
+            <a:spLocks noGrp="1"/>
+          </p:cNvSpPr>
+          <p:nvPr>
+            <p:ph type="title"/>
+          </p:nvPr>
+        </p:nvSpPr>
+        <p:spPr/>
+        <p:txBody>
+          <a:bodyPr/>
+          <a:lstStyle/>
+          <a:p>
+            <a:r>
+              <a:rPr lang="zh-CN" altLang="en-US" dirty="0" smtClean="0"/>
+              <a:t>全球区块链的生态</a:t>
+            </a:r>
+            <a:endParaRPr lang="en-US" dirty="0"/>
+          </a:p>
+        </p:txBody>
+      </p:sp>
+      <p:sp>
+        <p:nvSpPr>
+          <p:cNvPr id="7" name="Text Placeholder 6"/>
+          <p:cNvSpPr>
+            <a:spLocks noGrp="1"/>
+          </p:cNvSpPr>
+          <p:nvPr>
+            <p:ph type="body" sz="quarter" idx="10"/>
+          </p:nvPr>
+        </p:nvSpPr>
+        <p:spPr/>
+        <p:txBody>
+          <a:bodyPr/>
+          <a:lstStyle/>
+          <a:p>
+            <a:r>
+              <a:rPr lang="en-US" dirty="0"/>
+              <a:t>More table styles available in the PowerPoint Toolkit</a:t>
+            </a:r>
+          </a:p>
+        </p:txBody>
+      </p:sp>
+      <p:sp>
+        <p:nvSpPr>
+          <p:cNvPr id="4" name="Text Placeholder 3"/>
+          <p:cNvSpPr>
+            <a:spLocks noGrp="1"/>
+          </p:cNvSpPr>
+          <p:nvPr>
+            <p:ph type="body" sz="quarter" idx="11"/>
+          </p:nvPr>
+        </p:nvSpPr>
+        <p:spPr/>
+        <p:txBody>
+          <a:bodyPr/>
+          <a:lstStyle/>
+          <a:p>
+            <a:endParaRPr lang="en-GB"/>
+          </a:p>
+        </p:txBody>
+      </p:sp>
+      <p:graphicFrame>
+        <p:nvGraphicFramePr>
+          <p:cNvPr id="10" name="Content Placeholder 3"/>
+          <p:cNvGraphicFramePr/>
+          <p:nvPr/>
+        </p:nvGraphicFramePr>
+        <p:xfrm>
+          <a:off x="479425" y="1828799"/>
+          <a:ext cx="8207376" cy="4297363"/>
+        </p:xfrm>
+        <a:graphic>
+          <a:graphicData uri="http://schemas.openxmlformats.org/drawingml/2006/table">
+            <a:tbl>
+              <a:tblPr firstRow="1" bandRow="1">
+                <a:tableStyleId>{7DF18680-E054-41AD-8BC1-D1AEF772440D}</a:tableStyleId>
+              </a:tblPr>
+              <a:tblGrid>
+                <a:gridCol w="2051844"/>
+                <a:gridCol w="2051844"/>
+                <a:gridCol w="2051844"/>
+                <a:gridCol w="2051844"/>
+              </a:tblGrid>
+              <a:tr h="477093">
+                <a:tc>
+                  <a:txBody>
+                    <a:bodyPr/>
+                    <a:lstStyle/>
+                    <a:p>
+                      <a:pPr algn="l"/>
+                      <a:r>
+                        <a:rPr lang="en-US" sz="1600" dirty="0"/>
+                        <a:t>Table</a:t>
+                      </a:r>
+                      <a:r>
+                        <a:rPr lang="en-US" sz="1600" baseline="0" dirty="0"/>
+                        <a:t> Heading 01</a:t>
+                      </a:r>
+                      <a:endParaRPr lang="en-US" sz="1600" dirty="0"/>
+                    </a:p>
+                  </a:txBody>
+                  <a:tcPr marL="137160" marR="137160" anchor="ctr">
+                    <a:lnL w="12700" cap="flat" cmpd="sng" algn="ctr">
+                      <a:solidFill>
+                        <a:schemeClr val="accent5">
+                          <a:lumMod val="40000"/>
+                          <a:lumOff val="60000"/>
+                        </a:schemeClr>
+                      </a:solidFill>
+                      <a:prstDash val="solid"/>
+                      <a:round/>
+                      <a:headEnd type="none" w="med" len="med"/>
+                      <a:tailEnd type="none" w="med" len="med"/>
+                    </a:lnL>
+                    <a:lnR w="12700" cap="flat" cmpd="sng" algn="ctr">
+                      <a:solidFill>
+                        <a:schemeClr val="accent5">
+                          <a:lumMod val="40000"/>
+                          <a:lumOff val="60000"/>
+                        </a:schemeClr>
+                      </a:solidFill>
+                      <a:prstDash val="solid"/>
+                      <a:round/>
+                      <a:headEnd type="none" w="med" len="med"/>
+                      <a:tailEnd type="none" w="med" len="med"/>
+                    </a:lnR>
+                    <a:lnT w="12700" cap="flat" cmpd="sng" algn="ctr">
+                      <a:solidFill>
+                        <a:schemeClr val="accent5">
+                          <a:lumMod val="40000"/>
+                          <a:lumOff val="60000"/>
+                        </a:schemeClr>
+                      </a:solidFill>
+                      <a:prstDash val="solid"/>
+                      <a:round/>
+                      <a:headEnd type="none" w="med" len="med"/>
+                      <a:tailEnd type="none" w="med" len="med"/>
+                    </a:lnT>
+                    <a:lnB w="12700" cap="flat" cmpd="sng" algn="ctr">
+                      <a:solidFill>
+                        <a:schemeClr val="accent5">
+                          <a:lumMod val="40000"/>
+                          <a:lumOff val="60000"/>
+                        </a:schemeClr>
+                      </a:solidFill>
+                      <a:prstDash val="solid"/>
+                      <a:round/>
+                      <a:headEnd type="none" w="med" len="med"/>
+                      <a:tailEnd type="none" w="med" len="med"/>
+                    </a:lnB>
+                    <a:solidFill>
+                      <a:srgbClr val="83C372"/>
+                    </a:solidFill>
+                  </a:tcPr>
+                </a:tc>
+                <a:tc>
+                  <a:txBody>
+                    <a:bodyPr/>
+                    <a:lstStyle/>
+                    <a:p>
+                      <a:pPr marL="0" marR="0" indent="0" algn="l" defTabSz="914400" rtl="0" eaLnBrk="1" fontAlgn="auto" latinLnBrk="0" hangingPunct="1">
+                        <a:lnSpc>
+                          <a:spcPct val="100000"/>
+                        </a:lnSpc>
+                        <a:spcBef>
+                          <a:spcPts val="0"/>
+                        </a:spcBef>
+                        <a:spcAft>
+                          <a:spcPts val="0"/>
+                        </a:spcAft>
+                        <a:buClrTx/>
+                        <a:buSzTx/>
+                        <a:buFontTx/>
+                        <a:buNone/>
+                        <a:defRPr/>
+                      </a:pPr>
+                      <a:r>
+                        <a:rPr lang="en-US" sz="1600" dirty="0"/>
+                        <a:t>Table</a:t>
+                      </a:r>
+                      <a:r>
+                        <a:rPr lang="en-US" sz="1600" baseline="0" dirty="0"/>
+                        <a:t> Heading 02</a:t>
+                      </a:r>
+                      <a:endParaRPr lang="en-US" sz="1600" dirty="0"/>
+                    </a:p>
+                  </a:txBody>
+                  <a:tcPr marL="137160" marR="137160" anchor="ctr">
+                    <a:lnL w="12700" cap="flat" cmpd="sng" algn="ctr">
+                      <a:solidFill>
+                        <a:schemeClr val="accent5">
+                          <a:lumMod val="40000"/>
+                          <a:lumOff val="60000"/>
+                        </a:schemeClr>
+                      </a:solidFill>
+                      <a:prstDash val="solid"/>
+                      <a:round/>
+                      <a:headEnd type="none" w="med" len="med"/>
+                      <a:tailEnd type="none" w="med" len="med"/>
+                    </a:lnL>
+                    <a:lnR w="12700" cap="flat" cmpd="sng" algn="ctr">
+                      <a:solidFill>
+                        <a:schemeClr val="accent5">
+                          <a:lumMod val="40000"/>
+                          <a:lumOff val="60000"/>
+                        </a:schemeClr>
+                      </a:solidFill>
+                      <a:prstDash val="solid"/>
+                      <a:round/>
+                      <a:headEnd type="none" w="med" len="med"/>
+                      <a:tailEnd type="none" w="med" len="med"/>
+                    </a:lnR>
+                    <a:lnT w="12700" cap="flat" cmpd="sng" algn="ctr">
+                      <a:solidFill>
+                        <a:schemeClr val="accent5">
+                          <a:lumMod val="40000"/>
+                          <a:lumOff val="60000"/>
+                        </a:schemeClr>
+                      </a:solidFill>
+                      <a:prstDash val="solid"/>
+                      <a:round/>
+                      <a:headEnd type="none" w="med" len="med"/>
+                      <a:tailEnd type="none" w="med" len="med"/>
+                    </a:lnT>
+                    <a:lnB w="12700" cap="flat" cmpd="sng" algn="ctr">
+                      <a:solidFill>
+                        <a:schemeClr val="accent5">
+                          <a:lumMod val="40000"/>
+                          <a:lumOff val="60000"/>
+                        </a:schemeClr>
+                      </a:solidFill>
+                      <a:prstDash val="solid"/>
+                      <a:round/>
+                      <a:headEnd type="none" w="med" len="med"/>
+                      <a:tailEnd type="none" w="med" len="med"/>
+                    </a:lnB>
+                    <a:solidFill>
+                      <a:srgbClr val="46999B"/>
+                    </a:solidFill>
+                  </a:tcPr>
+                </a:tc>
+                <a:tc>
+                  <a:txBody>
+                    <a:bodyPr/>
+                    <a:lstStyle/>
+                    <a:p>
+                      <a:pPr marL="0" marR="0" indent="0" algn="l" defTabSz="914400" rtl="0" eaLnBrk="1" fontAlgn="auto" latinLnBrk="0" hangingPunct="1">
+                        <a:lnSpc>
+                          <a:spcPct val="100000"/>
+                        </a:lnSpc>
+                        <a:spcBef>
+                          <a:spcPts val="0"/>
+                        </a:spcBef>
+                        <a:spcAft>
+                          <a:spcPts val="0"/>
+                        </a:spcAft>
+                        <a:buClrTx/>
+                        <a:buSzTx/>
+                        <a:buFontTx/>
+                        <a:buNone/>
+                        <a:defRPr/>
+                      </a:pPr>
+                      <a:r>
+                        <a:rPr lang="en-US" sz="1600" dirty="0"/>
+                        <a:t>Table</a:t>
+                      </a:r>
+                      <a:r>
+                        <a:rPr lang="en-US" sz="1600" baseline="0" dirty="0"/>
+                        <a:t> Heading 03</a:t>
+                      </a:r>
+                      <a:endParaRPr lang="en-US" sz="1600" dirty="0"/>
+                    </a:p>
+                  </a:txBody>
+                  <a:tcPr marL="137160" marR="137160" anchor="ctr">
+                    <a:lnL w="12700" cap="flat" cmpd="sng" algn="ctr">
+                      <a:solidFill>
+                        <a:schemeClr val="accent5">
+                          <a:lumMod val="40000"/>
+                          <a:lumOff val="60000"/>
+                        </a:schemeClr>
+                      </a:solidFill>
+                      <a:prstDash val="solid"/>
+                      <a:round/>
+                      <a:headEnd type="none" w="med" len="med"/>
+                      <a:tailEnd type="none" w="med" len="med"/>
+                    </a:lnL>
+                    <a:lnR w="12700" cap="flat" cmpd="sng" algn="ctr">
+                      <a:solidFill>
+                        <a:schemeClr val="accent5">
+                          <a:lumMod val="40000"/>
+                          <a:lumOff val="60000"/>
+                        </a:schemeClr>
+                      </a:solidFill>
+                      <a:prstDash val="solid"/>
+                      <a:round/>
+                      <a:headEnd type="none" w="med" len="med"/>
+                      <a:tailEnd type="none" w="med" len="med"/>
+                    </a:lnR>
+                    <a:lnT w="12700" cap="flat" cmpd="sng" algn="ctr">
+                      <a:solidFill>
+                        <a:schemeClr val="accent5">
+                          <a:lumMod val="40000"/>
+                          <a:lumOff val="60000"/>
+                        </a:schemeClr>
+                      </a:solidFill>
+                      <a:prstDash val="solid"/>
+                      <a:round/>
+                      <a:headEnd type="none" w="med" len="med"/>
+                      <a:tailEnd type="none" w="med" len="med"/>
+                    </a:lnT>
+                    <a:lnB w="12700" cap="flat" cmpd="sng" algn="ctr">
+                      <a:solidFill>
+                        <a:schemeClr val="accent5">
+                          <a:lumMod val="40000"/>
+                          <a:lumOff val="60000"/>
+                        </a:schemeClr>
+                      </a:solidFill>
+                      <a:prstDash val="solid"/>
+                      <a:round/>
+                      <a:headEnd type="none" w="med" len="med"/>
+                      <a:tailEnd type="none" w="med" len="med"/>
+                    </a:lnB>
+                    <a:solidFill>
+                      <a:srgbClr val="4697E2"/>
+                    </a:solidFill>
+                  </a:tcPr>
+                </a:tc>
+                <a:tc>
+                  <a:txBody>
+                    <a:bodyPr/>
+                    <a:lstStyle/>
+                    <a:p>
+                      <a:pPr marL="0" marR="0" indent="0" algn="l" defTabSz="914400" rtl="0" eaLnBrk="1" fontAlgn="auto" latinLnBrk="0" hangingPunct="1">
+                        <a:lnSpc>
+                          <a:spcPct val="100000"/>
+                        </a:lnSpc>
+                        <a:spcBef>
+                          <a:spcPts val="0"/>
+                        </a:spcBef>
+                        <a:spcAft>
+                          <a:spcPts val="0"/>
+                        </a:spcAft>
+                        <a:buClrTx/>
+                        <a:buSzTx/>
+                        <a:buFontTx/>
+                        <a:buNone/>
+                        <a:defRPr/>
+                      </a:pPr>
+                      <a:r>
+                        <a:rPr lang="en-US" sz="1600" dirty="0"/>
+                        <a:t>Table</a:t>
+                      </a:r>
+                      <a:r>
+                        <a:rPr lang="en-US" sz="1600" baseline="0" dirty="0"/>
+                        <a:t> Heading 04</a:t>
+                      </a:r>
+                      <a:endParaRPr lang="en-US" sz="1600" dirty="0"/>
+                    </a:p>
+                  </a:txBody>
+                  <a:tcPr marL="137160" marR="137160" anchor="ctr">
+                    <a:lnL w="12700" cap="flat" cmpd="sng" algn="ctr">
+                      <a:solidFill>
+                        <a:schemeClr val="accent5">
+                          <a:lumMod val="40000"/>
+                          <a:lumOff val="60000"/>
+                        </a:schemeClr>
+                      </a:solidFill>
+                      <a:prstDash val="solid"/>
+                      <a:round/>
+                      <a:headEnd type="none" w="med" len="med"/>
+                      <a:tailEnd type="none" w="med" len="med"/>
+                    </a:lnL>
+                    <a:lnR w="12700" cap="flat" cmpd="sng" algn="ctr">
+                      <a:solidFill>
+                        <a:schemeClr val="accent5">
+                          <a:lumMod val="40000"/>
+                          <a:lumOff val="60000"/>
+                        </a:schemeClr>
+                      </a:solidFill>
+                      <a:prstDash val="solid"/>
+                      <a:round/>
+                      <a:headEnd type="none" w="med" len="med"/>
+                      <a:tailEnd type="none" w="med" len="med"/>
+                    </a:lnR>
+                    <a:lnT w="12700" cap="flat" cmpd="sng" algn="ctr">
+                      <a:solidFill>
+                        <a:schemeClr val="accent5">
+                          <a:lumMod val="40000"/>
+                          <a:lumOff val="60000"/>
+                        </a:schemeClr>
+                      </a:solidFill>
+                      <a:prstDash val="solid"/>
+                      <a:round/>
+                      <a:headEnd type="none" w="med" len="med"/>
+                      <a:tailEnd type="none" w="med" len="med"/>
+                    </a:lnT>
+                    <a:lnB w="12700" cap="flat" cmpd="sng" algn="ctr">
+                      <a:solidFill>
+                        <a:schemeClr val="accent5">
+                          <a:lumMod val="40000"/>
+                          <a:lumOff val="60000"/>
+                        </a:schemeClr>
+                      </a:solidFill>
+                      <a:prstDash val="solid"/>
+                      <a:round/>
+                      <a:headEnd type="none" w="med" len="med"/>
+                      <a:tailEnd type="none" w="med" len="med"/>
+                    </a:lnB>
+                    <a:solidFill>
+                      <a:srgbClr val="AD53C1"/>
+                    </a:solidFill>
+                  </a:tcPr>
+                </a:tc>
+              </a:tr>
+              <a:tr h="1891668">
+                <a:tc>
+                  <a:txBody>
+                    <a:bodyPr/>
+                    <a:lstStyle/>
+                    <a:p>
+                      <a:r>
+                        <a:rPr lang="en-US" altLang="zh-CN" sz="1400" dirty="0">
+                          <a:solidFill>
+                            <a:schemeClr val="bg2"/>
+                          </a:solidFill>
+                        </a:rPr>
+                        <a:t>SNC</a:t>
+                      </a:r>
+                      <a:r>
+                        <a:rPr lang="en-US" sz="1400" dirty="0">
+                          <a:solidFill>
+                            <a:schemeClr val="bg2"/>
+                          </a:solidFill>
+                        </a:rPr>
+                        <a:t>'s is an essential component of the global capital markets, providing credit ratings, research, tools and analysis.</a:t>
+                      </a:r>
+                    </a:p>
+                  </a:txBody>
+                  <a:tcPr marL="137160" marR="137160" marT="137160" marB="137160">
+                    <a:lnL w="12700" cap="flat" cmpd="sng" algn="ctr">
+                      <a:solidFill>
+                        <a:schemeClr val="accent5">
+                          <a:lumMod val="40000"/>
+                          <a:lumOff val="60000"/>
+                        </a:schemeClr>
+                      </a:solidFill>
+                      <a:prstDash val="solid"/>
+                      <a:round/>
+                      <a:headEnd type="none" w="med" len="med"/>
+                      <a:tailEnd type="none" w="med" len="med"/>
+                    </a:lnL>
+                    <a:lnR w="12700" cap="flat" cmpd="sng" algn="ctr">
+                      <a:solidFill>
+                        <a:schemeClr val="accent5">
+                          <a:lumMod val="40000"/>
+                          <a:lumOff val="60000"/>
+                        </a:schemeClr>
+                      </a:solidFill>
+                      <a:prstDash val="solid"/>
+                      <a:round/>
+                      <a:headEnd type="none" w="med" len="med"/>
+                      <a:tailEnd type="none" w="med" len="med"/>
+                    </a:lnR>
+                    <a:lnT w="12700" cap="flat" cmpd="sng" algn="ctr">
+                      <a:solidFill>
+                        <a:schemeClr val="accent5">
+                          <a:lumMod val="40000"/>
+                          <a:lumOff val="60000"/>
+                        </a:schemeClr>
+                      </a:solidFill>
+                      <a:prstDash val="solid"/>
+                      <a:round/>
+                      <a:headEnd type="none" w="med" len="med"/>
+                      <a:tailEnd type="none" w="med" len="med"/>
+                    </a:lnT>
+                    <a:lnB w="12700" cap="flat" cmpd="sng" algn="ctr">
+                      <a:solidFill>
+                        <a:schemeClr val="accent5">
+                          <a:lumMod val="40000"/>
+                          <a:lumOff val="60000"/>
+                        </a:schemeClr>
+                      </a:solidFill>
+                      <a:prstDash val="solid"/>
+                      <a:round/>
+                      <a:headEnd type="none" w="med" len="med"/>
+                      <a:tailEnd type="none" w="med" len="med"/>
+                    </a:lnB>
+                    <a:solidFill>
+                      <a:schemeClr val="bg1"/>
+                    </a:solidFill>
+                  </a:tcPr>
+                </a:tc>
+                <a:tc>
+                  <a:txBody>
+                    <a:bodyPr/>
+                    <a:lstStyle/>
+                    <a:p>
+                      <a:pPr marL="0" marR="0" indent="0" algn="l" defTabSz="914400" rtl="0" eaLnBrk="1" fontAlgn="auto" latinLnBrk="0" hangingPunct="1">
+                        <a:lnSpc>
+                          <a:spcPct val="100000"/>
+                        </a:lnSpc>
+                        <a:spcBef>
+                          <a:spcPts val="0"/>
+                        </a:spcBef>
+                        <a:spcAft>
+                          <a:spcPts val="0"/>
+                        </a:spcAft>
+                        <a:buClrTx/>
+                        <a:buSzTx/>
+                        <a:buFontTx/>
+                        <a:buNone/>
+                        <a:defRPr/>
+                      </a:pPr>
+                      <a:r>
+                        <a:rPr lang="en-US" altLang="zh-CN" sz="1400" dirty="0">
+                          <a:solidFill>
+                            <a:schemeClr val="bg2"/>
+                          </a:solidFill>
+                        </a:rPr>
+                        <a:t>SNC</a:t>
+                      </a:r>
+                      <a:r>
+                        <a:rPr lang="en-US" sz="1400" dirty="0">
+                          <a:solidFill>
+                            <a:schemeClr val="bg2"/>
+                          </a:solidFill>
+                        </a:rPr>
+                        <a:t>'s is an essential component of the global capital markets, providing credit ratings, research, tools and analysis.</a:t>
+                      </a:r>
+                    </a:p>
+                  </a:txBody>
+                  <a:tcPr marL="137160" marR="137160" marT="137160" marB="137160">
+                    <a:lnL w="12700" cap="flat" cmpd="sng" algn="ctr">
+                      <a:solidFill>
+                        <a:schemeClr val="accent5">
+                          <a:lumMod val="40000"/>
+                          <a:lumOff val="60000"/>
+                        </a:schemeClr>
+                      </a:solidFill>
+                      <a:prstDash val="solid"/>
+                      <a:round/>
+                      <a:headEnd type="none" w="med" len="med"/>
+                      <a:tailEnd type="none" w="med" len="med"/>
+                    </a:lnL>
+                    <a:lnR w="12700" cap="flat" cmpd="sng" algn="ctr">
+                      <a:solidFill>
+                        <a:schemeClr val="accent5">
+                          <a:lumMod val="40000"/>
+                          <a:lumOff val="60000"/>
+                        </a:schemeClr>
+                      </a:solidFill>
+                      <a:prstDash val="solid"/>
+                      <a:round/>
+                      <a:headEnd type="none" w="med" len="med"/>
+                      <a:tailEnd type="none" w="med" len="med"/>
+                    </a:lnR>
+                    <a:lnT w="12700" cap="flat" cmpd="sng" algn="ctr">
+                      <a:solidFill>
+                        <a:schemeClr val="accent5">
+                          <a:lumMod val="40000"/>
+                          <a:lumOff val="60000"/>
+                        </a:schemeClr>
+                      </a:solidFill>
+                      <a:prstDash val="solid"/>
+                      <a:round/>
+                      <a:headEnd type="none" w="med" len="med"/>
+                      <a:tailEnd type="none" w="med" len="med"/>
+                    </a:lnT>
+                    <a:lnB w="12700" cap="flat" cmpd="sng" algn="ctr">
+                      <a:solidFill>
+                        <a:schemeClr val="accent5">
+                          <a:lumMod val="40000"/>
+                          <a:lumOff val="60000"/>
+                        </a:schemeClr>
+                      </a:solidFill>
+                      <a:prstDash val="solid"/>
+                      <a:round/>
+                      <a:headEnd type="none" w="med" len="med"/>
+                      <a:tailEnd type="none" w="med" len="med"/>
+                    </a:lnB>
+                    <a:solidFill>
+                      <a:srgbClr val="FFFFFF"/>
+                    </a:solidFill>
+                  </a:tcPr>
+                </a:tc>
+                <a:tc>
+                  <a:txBody>
+                    <a:bodyPr/>
+                    <a:lstStyle/>
+                    <a:p>
+                      <a:r>
+                        <a:rPr lang="en-US" altLang="zh-CN" sz="1400" dirty="0">
+                          <a:solidFill>
+                            <a:schemeClr val="bg2"/>
+                          </a:solidFill>
+                        </a:rPr>
+                        <a:t>SNC</a:t>
+                      </a:r>
+                      <a:r>
+                        <a:rPr lang="en-US" sz="1400" dirty="0">
+                          <a:solidFill>
+                            <a:schemeClr val="bg2"/>
+                          </a:solidFill>
+                        </a:rPr>
+                        <a:t>'s is an essential component of the global capital markets, providing credit ratings, research, tools and analysis.</a:t>
+                      </a:r>
+                    </a:p>
+                  </a:txBody>
+                  <a:tcPr marL="137160" marR="137160" marT="137160" marB="137160">
+                    <a:lnL w="12700" cap="flat" cmpd="sng" algn="ctr">
+                      <a:solidFill>
+                        <a:schemeClr val="accent5">
+                          <a:lumMod val="40000"/>
+                          <a:lumOff val="60000"/>
+                        </a:schemeClr>
+                      </a:solidFill>
+                      <a:prstDash val="solid"/>
+                      <a:round/>
+                      <a:headEnd type="none" w="med" len="med"/>
+                      <a:tailEnd type="none" w="med" len="med"/>
+                    </a:lnL>
+                    <a:lnR w="12700" cap="flat" cmpd="sng" algn="ctr">
+                      <a:solidFill>
+                        <a:schemeClr val="accent5">
+                          <a:lumMod val="40000"/>
+                          <a:lumOff val="60000"/>
+                        </a:schemeClr>
+                      </a:solidFill>
+                      <a:prstDash val="solid"/>
+                      <a:round/>
+                      <a:headEnd type="none" w="med" len="med"/>
+                      <a:tailEnd type="none" w="med" len="med"/>
+                    </a:lnR>
+                    <a:lnT w="12700" cap="flat" cmpd="sng" algn="ctr">
+                      <a:solidFill>
+                        <a:schemeClr val="accent5">
+                          <a:lumMod val="40000"/>
+                          <a:lumOff val="60000"/>
+                        </a:schemeClr>
+                      </a:solidFill>
+                      <a:prstDash val="solid"/>
+                      <a:round/>
+                      <a:headEnd type="none" w="med" len="med"/>
+                      <a:tailEnd type="none" w="med" len="med"/>
+                    </a:lnT>
+                    <a:lnB w="12700" cap="flat" cmpd="sng" algn="ctr">
+                      <a:solidFill>
+                        <a:schemeClr val="accent5">
+                          <a:lumMod val="40000"/>
+                          <a:lumOff val="60000"/>
+                        </a:schemeClr>
+                      </a:solidFill>
+                      <a:prstDash val="solid"/>
+                      <a:round/>
+                      <a:headEnd type="none" w="med" len="med"/>
+                      <a:tailEnd type="none" w="med" len="med"/>
+                    </a:lnB>
+                    <a:solidFill>
+                      <a:schemeClr val="bg1"/>
+                    </a:solidFill>
+                  </a:tcPr>
+                </a:tc>
+                <a:tc>
+                  <a:txBody>
+                    <a:bodyPr/>
+                    <a:lstStyle/>
+                    <a:p>
+                      <a:r>
+                        <a:rPr lang="en-US" altLang="zh-CN" sz="1400" dirty="0">
+                          <a:solidFill>
+                            <a:schemeClr val="bg2"/>
+                          </a:solidFill>
+                        </a:rPr>
+                        <a:t>SNC</a:t>
+                      </a:r>
+                      <a:r>
+                        <a:rPr lang="en-US" sz="1400" dirty="0">
+                          <a:solidFill>
+                            <a:schemeClr val="bg2"/>
+                          </a:solidFill>
+                        </a:rPr>
+                        <a:t>'s is an essential component of the global capital markets, providing credit ratings, research, tools and analysis.</a:t>
+                      </a:r>
+                    </a:p>
+                  </a:txBody>
+                  <a:tcPr marL="137160" marR="137160" marT="137160" marB="137160">
+                    <a:lnL w="12700" cap="flat" cmpd="sng" algn="ctr">
+                      <a:solidFill>
+                        <a:schemeClr val="accent5">
+                          <a:lumMod val="40000"/>
+                          <a:lumOff val="60000"/>
+                        </a:schemeClr>
+                      </a:solidFill>
+                      <a:prstDash val="solid"/>
+                      <a:round/>
+                      <a:headEnd type="none" w="med" len="med"/>
+                      <a:tailEnd type="none" w="med" len="med"/>
+                    </a:lnL>
+                    <a:lnR w="12700" cap="flat" cmpd="sng" algn="ctr">
+                      <a:solidFill>
+                        <a:schemeClr val="accent5">
+                          <a:lumMod val="40000"/>
+                          <a:lumOff val="60000"/>
+                        </a:schemeClr>
+                      </a:solidFill>
+                      <a:prstDash val="solid"/>
+                      <a:round/>
+                      <a:headEnd type="none" w="med" len="med"/>
+                      <a:tailEnd type="none" w="med" len="med"/>
+                    </a:lnR>
+                    <a:lnT w="12700" cap="flat" cmpd="sng" algn="ctr">
+                      <a:solidFill>
+                        <a:schemeClr val="accent5">
+                          <a:lumMod val="40000"/>
+                          <a:lumOff val="60000"/>
+                        </a:schemeClr>
+                      </a:solidFill>
+                      <a:prstDash val="solid"/>
+                      <a:round/>
+                      <a:headEnd type="none" w="med" len="med"/>
+                      <a:tailEnd type="none" w="med" len="med"/>
+                    </a:lnT>
+                    <a:lnB w="12700" cap="flat" cmpd="sng" algn="ctr">
+                      <a:solidFill>
+                        <a:schemeClr val="accent5">
+                          <a:lumMod val="40000"/>
+                          <a:lumOff val="60000"/>
+                        </a:schemeClr>
+                      </a:solidFill>
+                      <a:prstDash val="solid"/>
+                      <a:round/>
+                      <a:headEnd type="none" w="med" len="med"/>
+                      <a:tailEnd type="none" w="med" len="med"/>
+                    </a:lnB>
+                    <a:solidFill>
+                      <a:schemeClr val="bg1"/>
+                    </a:solidFill>
+                  </a:tcPr>
+                </a:tc>
+              </a:tr>
+              <a:tr h="1928602">
+                <a:tc>
+                  <a:txBody>
+                    <a:bodyPr/>
+                    <a:lstStyle/>
+                    <a:p>
+                      <a:pPr marL="176530" lvl="0" indent="-174625">
+                        <a:spcBef>
+                          <a:spcPts val="600"/>
+                        </a:spcBef>
+                        <a:buClr>
+                          <a:srgbClr val="83C372"/>
+                        </a:buClr>
+                        <a:buFont typeface="Arial" panose="020B0604020202020204" pitchFamily="34" charset="0"/>
+                        <a:buChar char="»"/>
+                      </a:pPr>
+                      <a:r>
+                        <a:rPr lang="en-US" sz="1400" dirty="0">
+                          <a:solidFill>
+                            <a:schemeClr val="bg2"/>
+                          </a:solidFill>
+                        </a:rPr>
+                        <a:t>Parent company of MIS and MA</a:t>
+                      </a:r>
+                    </a:p>
+                    <a:p>
+                      <a:pPr marL="176530" lvl="0" indent="-174625" algn="l" defTabSz="914400" rtl="0" eaLnBrk="1" latinLnBrk="0" hangingPunct="1">
+                        <a:spcBef>
+                          <a:spcPts val="600"/>
+                        </a:spcBef>
+                        <a:buClr>
+                          <a:srgbClr val="83C372"/>
+                        </a:buClr>
+                        <a:buFont typeface="Arial" panose="020B0604020202020204" pitchFamily="34" charset="0"/>
+                        <a:buChar char="»"/>
+                      </a:pPr>
+                      <a:r>
+                        <a:rPr lang="en-US" sz="1400" kern="1200" dirty="0">
+                          <a:solidFill>
+                            <a:schemeClr val="bg2"/>
+                          </a:solidFill>
+                          <a:latin typeface="+mn-lt"/>
+                          <a:ea typeface="+mn-ea"/>
+                          <a:cs typeface="+mn-cs"/>
+                        </a:rPr>
+                        <a:t>Contributes to transparent and integrated financial markets</a:t>
+                      </a:r>
+                    </a:p>
+                  </a:txBody>
+                  <a:tcPr marL="137160" marR="137160" marT="137160" marB="137160">
+                    <a:lnL w="12700" cap="flat" cmpd="sng" algn="ctr">
+                      <a:solidFill>
+                        <a:schemeClr val="accent5">
+                          <a:lumMod val="40000"/>
+                          <a:lumOff val="60000"/>
+                        </a:schemeClr>
+                      </a:solidFill>
+                      <a:prstDash val="solid"/>
+                      <a:round/>
+                      <a:headEnd type="none" w="med" len="med"/>
+                      <a:tailEnd type="none" w="med" len="med"/>
+                    </a:lnL>
+                    <a:lnR w="12700" cap="flat" cmpd="sng" algn="ctr">
+                      <a:solidFill>
+                        <a:schemeClr val="accent5">
+                          <a:lumMod val="40000"/>
+                          <a:lumOff val="60000"/>
+                        </a:schemeClr>
+                      </a:solidFill>
+                      <a:prstDash val="solid"/>
+                      <a:round/>
+                      <a:headEnd type="none" w="med" len="med"/>
+                      <a:tailEnd type="none" w="med" len="med"/>
+                    </a:lnR>
+                    <a:lnT w="12700" cap="flat" cmpd="sng" algn="ctr">
+                      <a:solidFill>
+                        <a:schemeClr val="accent5">
+                          <a:lumMod val="40000"/>
+                          <a:lumOff val="60000"/>
+                        </a:schemeClr>
+                      </a:solidFill>
+                      <a:prstDash val="solid"/>
+                      <a:round/>
+                      <a:headEnd type="none" w="med" len="med"/>
+                      <a:tailEnd type="none" w="med" len="med"/>
+                    </a:lnT>
+                    <a:lnB w="12700" cap="flat" cmpd="sng" algn="ctr">
+                      <a:solidFill>
+                        <a:schemeClr val="accent5">
+                          <a:lumMod val="40000"/>
+                          <a:lumOff val="60000"/>
+                        </a:schemeClr>
+                      </a:solidFill>
+                      <a:prstDash val="solid"/>
+                      <a:round/>
+                      <a:headEnd type="none" w="med" len="med"/>
+                      <a:tailEnd type="none" w="med" len="med"/>
+                    </a:lnB>
+                    <a:solidFill>
+                      <a:schemeClr val="bg1"/>
+                    </a:solidFill>
+                  </a:tcPr>
+                </a:tc>
+                <a:tc>
+                  <a:txBody>
+                    <a:bodyPr/>
+                    <a:lstStyle/>
+                    <a:p>
+                      <a:pPr marL="176530" lvl="0" indent="-174625" algn="l" defTabSz="914400" rtl="0" eaLnBrk="1" latinLnBrk="0" hangingPunct="1">
+                        <a:spcBef>
+                          <a:spcPts val="600"/>
+                        </a:spcBef>
+                        <a:buClr>
+                          <a:srgbClr val="83C372"/>
+                        </a:buClr>
+                        <a:buFont typeface="Arial" panose="020B0604020202020204" pitchFamily="34" charset="0"/>
+                        <a:buChar char="»"/>
+                      </a:pPr>
+                      <a:r>
+                        <a:rPr lang="en-US" sz="1400" kern="1200" dirty="0">
+                          <a:solidFill>
+                            <a:schemeClr val="bg2"/>
+                          </a:solidFill>
+                          <a:latin typeface="+mn-lt"/>
+                          <a:ea typeface="+mn-ea"/>
+                          <a:cs typeface="+mn-cs"/>
+                        </a:rPr>
+                        <a:t>Parent company of MIS and MA</a:t>
+                      </a:r>
+                    </a:p>
+                    <a:p>
+                      <a:pPr marL="176530" lvl="0" indent="-174625" algn="l" defTabSz="914400" rtl="0" eaLnBrk="1" latinLnBrk="0" hangingPunct="1">
+                        <a:spcBef>
+                          <a:spcPts val="600"/>
+                        </a:spcBef>
+                        <a:buClr>
+                          <a:srgbClr val="83C372"/>
+                        </a:buClr>
+                        <a:buFont typeface="Arial" panose="020B0604020202020204" pitchFamily="34" charset="0"/>
+                        <a:buChar char="»"/>
+                      </a:pPr>
+                      <a:r>
+                        <a:rPr lang="en-US" sz="1400" kern="1200" dirty="0">
+                          <a:solidFill>
+                            <a:schemeClr val="bg2"/>
+                          </a:solidFill>
+                          <a:latin typeface="+mn-lt"/>
+                          <a:ea typeface="+mn-ea"/>
+                          <a:cs typeface="+mn-cs"/>
+                        </a:rPr>
+                        <a:t>Contributes to transparent and integrated financial markets</a:t>
+                      </a:r>
+                    </a:p>
+                  </a:txBody>
+                  <a:tcPr marL="137160" marR="137160" marT="137160" marB="137160">
+                    <a:lnL w="12700" cap="flat" cmpd="sng" algn="ctr">
+                      <a:solidFill>
+                        <a:schemeClr val="accent5">
+                          <a:lumMod val="40000"/>
+                          <a:lumOff val="60000"/>
+                        </a:schemeClr>
+                      </a:solidFill>
+                      <a:prstDash val="solid"/>
+                      <a:round/>
+                      <a:headEnd type="none" w="med" len="med"/>
+                      <a:tailEnd type="none" w="med" len="med"/>
+                    </a:lnL>
+                    <a:lnR w="12700" cap="flat" cmpd="sng" algn="ctr">
+                      <a:solidFill>
+                        <a:schemeClr val="accent5">
+                          <a:lumMod val="40000"/>
+                          <a:lumOff val="60000"/>
+                        </a:schemeClr>
+                      </a:solidFill>
+                      <a:prstDash val="solid"/>
+                      <a:round/>
+                      <a:headEnd type="none" w="med" len="med"/>
+                      <a:tailEnd type="none" w="med" len="med"/>
+                    </a:lnR>
+                    <a:lnT w="12700" cap="flat" cmpd="sng" algn="ctr">
+                      <a:solidFill>
+                        <a:schemeClr val="accent5">
+                          <a:lumMod val="40000"/>
+                          <a:lumOff val="60000"/>
+                        </a:schemeClr>
+                      </a:solidFill>
+                      <a:prstDash val="solid"/>
+                      <a:round/>
+                      <a:headEnd type="none" w="med" len="med"/>
+                      <a:tailEnd type="none" w="med" len="med"/>
+                    </a:lnT>
+                    <a:lnB w="12700" cap="flat" cmpd="sng" algn="ctr">
+                      <a:solidFill>
+                        <a:schemeClr val="accent5">
+                          <a:lumMod val="40000"/>
+                          <a:lumOff val="60000"/>
+                        </a:schemeClr>
+                      </a:solidFill>
+                      <a:prstDash val="solid"/>
+                      <a:round/>
+                      <a:headEnd type="none" w="med" len="med"/>
+                      <a:tailEnd type="none" w="med" len="med"/>
+                    </a:lnB>
+                    <a:solidFill>
+                      <a:schemeClr val="bg1"/>
+                    </a:solidFill>
+                  </a:tcPr>
+                </a:tc>
+                <a:tc>
+                  <a:txBody>
+                    <a:bodyPr/>
+                    <a:lstStyle/>
+                    <a:p>
+                      <a:pPr marL="176530" lvl="0" indent="-174625" algn="l" defTabSz="914400" rtl="0" eaLnBrk="1" latinLnBrk="0" hangingPunct="1">
+                        <a:spcBef>
+                          <a:spcPts val="600"/>
+                        </a:spcBef>
+                        <a:buClr>
+                          <a:srgbClr val="83C372"/>
+                        </a:buClr>
+                        <a:buFont typeface="Arial" panose="020B0604020202020204" pitchFamily="34" charset="0"/>
+                        <a:buChar char="»"/>
+                      </a:pPr>
+                      <a:r>
+                        <a:rPr lang="en-US" sz="1400" kern="1200" dirty="0">
+                          <a:solidFill>
+                            <a:schemeClr val="bg2"/>
+                          </a:solidFill>
+                          <a:latin typeface="+mn-lt"/>
+                          <a:ea typeface="+mn-ea"/>
+                          <a:cs typeface="+mn-cs"/>
+                        </a:rPr>
+                        <a:t>Parent company of MIS and MA</a:t>
+                      </a:r>
+                    </a:p>
+                    <a:p>
+                      <a:pPr marL="176530" lvl="0" indent="-174625" algn="l" defTabSz="914400" rtl="0" eaLnBrk="1" latinLnBrk="0" hangingPunct="1">
+                        <a:spcBef>
+                          <a:spcPts val="600"/>
+                        </a:spcBef>
+                        <a:buClr>
+                          <a:srgbClr val="83C372"/>
+                        </a:buClr>
+                        <a:buFont typeface="Arial" panose="020B0604020202020204" pitchFamily="34" charset="0"/>
+                        <a:buChar char="»"/>
+                      </a:pPr>
+                      <a:r>
+                        <a:rPr lang="en-US" sz="1400" kern="1200" dirty="0">
+                          <a:solidFill>
+                            <a:schemeClr val="bg2"/>
+                          </a:solidFill>
+                          <a:latin typeface="+mn-lt"/>
+                          <a:ea typeface="+mn-ea"/>
+                          <a:cs typeface="+mn-cs"/>
+                        </a:rPr>
+                        <a:t>Contributes to transparent and integrated financial markets</a:t>
+                      </a:r>
+                    </a:p>
+                    <a:p>
+                      <a:pPr>
+                        <a:buClr>
+                          <a:srgbClr val="83C372"/>
+                        </a:buClr>
+                      </a:pPr>
+                      <a:endParaRPr lang="en-US" sz="1400" dirty="0">
+                        <a:solidFill>
+                          <a:schemeClr val="bg2"/>
+                        </a:solidFill>
+                      </a:endParaRPr>
+                    </a:p>
+                  </a:txBody>
+                  <a:tcPr marL="137160" marR="137160" marT="137160" marB="137160">
+                    <a:lnL w="12700" cap="flat" cmpd="sng" algn="ctr">
+                      <a:solidFill>
+                        <a:schemeClr val="accent5">
+                          <a:lumMod val="40000"/>
+                          <a:lumOff val="60000"/>
+                        </a:schemeClr>
+                      </a:solidFill>
+                      <a:prstDash val="solid"/>
+                      <a:round/>
+                      <a:headEnd type="none" w="med" len="med"/>
+                      <a:tailEnd type="none" w="med" len="med"/>
+                    </a:lnL>
+                    <a:lnR w="12700" cap="flat" cmpd="sng" algn="ctr">
+                      <a:solidFill>
+                        <a:schemeClr val="accent5">
+                          <a:lumMod val="40000"/>
+                          <a:lumOff val="60000"/>
+                        </a:schemeClr>
+                      </a:solidFill>
+                      <a:prstDash val="solid"/>
+                      <a:round/>
+                      <a:headEnd type="none" w="med" len="med"/>
+                      <a:tailEnd type="none" w="med" len="med"/>
+                    </a:lnR>
+                    <a:lnT w="12700" cap="flat" cmpd="sng" algn="ctr">
+                      <a:solidFill>
+                        <a:schemeClr val="accent5">
+                          <a:lumMod val="40000"/>
+                          <a:lumOff val="60000"/>
+                        </a:schemeClr>
+                      </a:solidFill>
+                      <a:prstDash val="solid"/>
+                      <a:round/>
+                      <a:headEnd type="none" w="med" len="med"/>
+                      <a:tailEnd type="none" w="med" len="med"/>
+                    </a:lnT>
+                    <a:lnB w="12700" cap="flat" cmpd="sng" algn="ctr">
+                      <a:solidFill>
+                        <a:schemeClr val="accent5">
+                          <a:lumMod val="40000"/>
+                          <a:lumOff val="60000"/>
+                        </a:schemeClr>
+                      </a:solidFill>
+                      <a:prstDash val="solid"/>
+                      <a:round/>
+                      <a:headEnd type="none" w="med" len="med"/>
+                      <a:tailEnd type="none" w="med" len="med"/>
+                    </a:lnB>
+                    <a:solidFill>
+                      <a:schemeClr val="bg1"/>
+                    </a:solidFill>
+                  </a:tcPr>
+                </a:tc>
+                <a:tc>
+                  <a:txBody>
+                    <a:bodyPr/>
+                    <a:lstStyle/>
+                    <a:p>
+                      <a:pPr marL="176530" lvl="0" indent="-174625" algn="l" defTabSz="914400" rtl="0" eaLnBrk="1" latinLnBrk="0" hangingPunct="1">
+                        <a:spcBef>
+                          <a:spcPts val="600"/>
+                        </a:spcBef>
+                        <a:buClr>
+                          <a:srgbClr val="83C372"/>
+                        </a:buClr>
+                        <a:buFont typeface="Arial" panose="020B0604020202020204" pitchFamily="34" charset="0"/>
+                        <a:buChar char="»"/>
+                      </a:pPr>
+                      <a:r>
+                        <a:rPr lang="en-US" sz="1400" kern="1200" dirty="0">
+                          <a:solidFill>
+                            <a:schemeClr val="bg2"/>
+                          </a:solidFill>
+                          <a:latin typeface="+mn-lt"/>
+                          <a:ea typeface="+mn-ea"/>
+                          <a:cs typeface="+mn-cs"/>
+                        </a:rPr>
+                        <a:t>Parent company of MIS and MA</a:t>
+                      </a:r>
+                    </a:p>
+                    <a:p>
+                      <a:pPr marL="176530" lvl="0" indent="-174625" algn="l" defTabSz="914400" rtl="0" eaLnBrk="1" latinLnBrk="0" hangingPunct="1">
+                        <a:spcBef>
+                          <a:spcPts val="600"/>
+                        </a:spcBef>
+                        <a:buClr>
+                          <a:srgbClr val="83C372"/>
+                        </a:buClr>
+                        <a:buFont typeface="Arial" panose="020B0604020202020204" pitchFamily="34" charset="0"/>
+                        <a:buChar char="»"/>
+                      </a:pPr>
+                      <a:r>
+                        <a:rPr lang="en-US" sz="1400" kern="1200" dirty="0">
+                          <a:solidFill>
+                            <a:schemeClr val="bg2"/>
+                          </a:solidFill>
+                          <a:latin typeface="+mn-lt"/>
+                          <a:ea typeface="+mn-ea"/>
+                          <a:cs typeface="+mn-cs"/>
+                        </a:rPr>
+                        <a:t>Contributes to transparent and integrated financial markets</a:t>
+                      </a:r>
+                    </a:p>
+                  </a:txBody>
+                  <a:tcPr marL="137160" marR="137160" marT="137160" marB="137160">
+                    <a:lnL w="12700" cap="flat" cmpd="sng" algn="ctr">
+                      <a:solidFill>
+                        <a:schemeClr val="accent5">
+                          <a:lumMod val="40000"/>
+                          <a:lumOff val="60000"/>
+                        </a:schemeClr>
+                      </a:solidFill>
+                      <a:prstDash val="solid"/>
+                      <a:round/>
+                      <a:headEnd type="none" w="med" len="med"/>
+                      <a:tailEnd type="none" w="med" len="med"/>
+                    </a:lnL>
+                    <a:lnR w="12700" cap="flat" cmpd="sng" algn="ctr">
+                      <a:solidFill>
+                        <a:schemeClr val="accent5">
+                          <a:lumMod val="40000"/>
+                          <a:lumOff val="60000"/>
+                        </a:schemeClr>
+                      </a:solidFill>
+                      <a:prstDash val="solid"/>
+                      <a:round/>
+                      <a:headEnd type="none" w="med" len="med"/>
+                      <a:tailEnd type="none" w="med" len="med"/>
+                    </a:lnR>
+                    <a:lnT w="12700" cap="flat" cmpd="sng" algn="ctr">
+                      <a:solidFill>
+                        <a:schemeClr val="accent5">
+                          <a:lumMod val="40000"/>
+                          <a:lumOff val="60000"/>
+                        </a:schemeClr>
+                      </a:solidFill>
+                      <a:prstDash val="solid"/>
+                      <a:round/>
+                      <a:headEnd type="none" w="med" len="med"/>
+                      <a:tailEnd type="none" w="med" len="med"/>
+                    </a:lnT>
+                    <a:lnB w="12700" cap="flat" cmpd="sng" algn="ctr">
+                      <a:solidFill>
+                        <a:schemeClr val="accent5">
+                          <a:lumMod val="40000"/>
+                          <a:lumOff val="60000"/>
+                        </a:schemeClr>
+                      </a:solidFill>
+                      <a:prstDash val="solid"/>
+                      <a:round/>
+                      <a:headEnd type="none" w="med" len="med"/>
+                      <a:tailEnd type="none" w="med" len="med"/>
+                    </a:lnB>
+                    <a:solidFill>
+                      <a:schemeClr val="bg1"/>
+                    </a:solidFill>
+                  </a:tcPr>
+                </a:tc>
+              </a:tr>
+            </a:tbl>
+          </a:graphicData>
+        </a:graphic>
+      </p:graphicFrame>
+    </p:spTree>
+    <p:extLst>
+      <p:ext uri="{BB962C8B-B14F-4D97-AF65-F5344CB8AC3E}">
+        <p14:creationId xmlns:p14="http://schemas.microsoft.com/office/powerpoint/2010/main" val="1282521320"/>
+      </p:ext>
+    </p:extLst>
+  </p:cSld>
+  <p:clrMapOvr>
+    <a:masterClrMapping/>
+  </p:clrMapOvr>
+</p:sld>
+</file>
+
+<file path=ppt/slides/slide13.xml><?xml version="1.0" encoding="utf-8"?>
+<p:sld xmlns:a="http://schemas.openxmlformats.org/drawingml/2006/main" xmlns:r="http://schemas.openxmlformats.org/officeDocument/2006/relationships" xmlns:p="http://schemas.openxmlformats.org/presentationml/2006/main">
+  <p:cSld>
+    <p:spTree>
+      <p:nvGrpSpPr>
+        <p:cNvPr id="1" name=""/>
+        <p:cNvGrpSpPr/>
+        <p:nvPr/>
+      </p:nvGrpSpPr>
+      <p:grpSpPr>
+        <a:xfrm>
+          <a:off x="0" y="0"/>
+          <a:ext cx="0" cy="0"/>
+          <a:chOff x="0" y="0"/>
+          <a:chExt cx="0" cy="0"/>
+        </a:xfrm>
+      </p:grpSpPr>
+      <p:sp>
+        <p:nvSpPr>
+          <p:cNvPr id="2" name="Title 1"/>
+          <p:cNvSpPr>
+            <a:spLocks noGrp="1"/>
+          </p:cNvSpPr>
+          <p:nvPr>
+            <p:ph type="title"/>
+          </p:nvPr>
+        </p:nvSpPr>
+        <p:spPr/>
+        <p:txBody>
+          <a:bodyPr/>
+          <a:lstStyle/>
+          <a:p>
+            <a:r>
+              <a:rPr lang="zh-CN" altLang="en-US" dirty="0" smtClean="0"/>
+              <a:t>区块链带来的机会</a:t>
+            </a:r>
+            <a:endParaRPr lang="en-US" dirty="0"/>
+          </a:p>
+        </p:txBody>
+      </p:sp>
+      <p:sp>
+        <p:nvSpPr>
+          <p:cNvPr id="3" name="Text Placeholder 2"/>
+          <p:cNvSpPr>
+            <a:spLocks noGrp="1"/>
+          </p:cNvSpPr>
+          <p:nvPr>
+            <p:ph type="body" sz="quarter" idx="10"/>
+          </p:nvPr>
+        </p:nvSpPr>
+        <p:spPr/>
+        <p:txBody>
+          <a:bodyPr/>
+          <a:lstStyle/>
+          <a:p>
+            <a:r>
+              <a:rPr lang="en-US" dirty="0"/>
+              <a:t>More chart styles in the PowerPoint toolkit</a:t>
+            </a:r>
+          </a:p>
+        </p:txBody>
+      </p:sp>
+      <p:sp>
+        <p:nvSpPr>
+          <p:cNvPr id="5" name="Text Placeholder 4"/>
+          <p:cNvSpPr>
+            <a:spLocks noGrp="1"/>
+          </p:cNvSpPr>
+          <p:nvPr>
+            <p:ph type="body" sz="quarter" idx="11"/>
+          </p:nvPr>
+        </p:nvSpPr>
+        <p:spPr/>
+        <p:txBody>
+          <a:bodyPr/>
+          <a:lstStyle/>
+          <a:p>
+            <a:pPr>
+              <a:buSzPct val="100000"/>
+            </a:pPr>
+            <a:r>
+              <a:rPr lang="en-US" altLang="zh-CN" b="1" dirty="0">
+                <a:solidFill>
+                  <a:srgbClr val="68B580"/>
+                </a:solidFill>
+              </a:rPr>
+              <a:t>SNC</a:t>
+            </a:r>
+            <a:r>
+              <a:rPr lang="en-US" b="1" dirty="0">
+                <a:solidFill>
+                  <a:srgbClr val="68B580"/>
+                </a:solidFill>
+              </a:rPr>
+              <a:t>’s Overview</a:t>
+            </a:r>
+          </a:p>
+          <a:p>
+            <a:pPr lvl="1">
+              <a:buClr>
+                <a:srgbClr val="68B580"/>
+              </a:buClr>
+              <a:buSzPct val="100000"/>
+            </a:pPr>
+            <a:r>
+              <a:rPr lang="en-US" dirty="0"/>
+              <a:t>Essential component of the global capital markets</a:t>
+            </a:r>
+          </a:p>
+          <a:p>
+            <a:pPr lvl="1">
+              <a:buClr>
+                <a:srgbClr val="68B580"/>
+              </a:buClr>
+            </a:pPr>
+            <a:r>
+              <a:rPr lang="en-US" dirty="0"/>
+              <a:t>Parent company of MIS and MA</a:t>
+            </a:r>
+          </a:p>
+          <a:p>
+            <a:pPr lvl="1">
+              <a:buClr>
+                <a:srgbClr val="68B580"/>
+              </a:buClr>
+            </a:pPr>
+            <a:r>
+              <a:rPr lang="en-US" dirty="0"/>
+              <a:t>Contributes to transparent and integrated financial markets</a:t>
+            </a:r>
+          </a:p>
+          <a:p>
+            <a:pPr lvl="1">
+              <a:buClr>
+                <a:srgbClr val="68B580"/>
+              </a:buClr>
+            </a:pPr>
+            <a:r>
+              <a:rPr lang="en-US" dirty="0"/>
+              <a:t>Provides:</a:t>
+            </a:r>
+          </a:p>
+          <a:p>
+            <a:pPr lvl="2">
+              <a:buClr>
+                <a:srgbClr val="68B580"/>
+              </a:buClr>
+              <a:buSzPct val="100000"/>
+            </a:pPr>
+            <a:r>
+              <a:rPr lang="en-US" dirty="0"/>
+              <a:t>Credit ratings</a:t>
+            </a:r>
+          </a:p>
+          <a:p>
+            <a:pPr lvl="2">
+              <a:buClr>
+                <a:srgbClr val="68B580"/>
+              </a:buClr>
+            </a:pPr>
+            <a:r>
+              <a:rPr lang="en-US" dirty="0"/>
+              <a:t>Research</a:t>
+            </a:r>
+          </a:p>
+          <a:p>
+            <a:pPr lvl="2">
+              <a:buClr>
+                <a:srgbClr val="68B580"/>
+              </a:buClr>
+            </a:pPr>
+            <a:r>
+              <a:rPr lang="en-US" dirty="0"/>
+              <a:t>Tools &amp; analysis</a:t>
+            </a:r>
+          </a:p>
+        </p:txBody>
+      </p:sp>
+      <p:graphicFrame>
+        <p:nvGraphicFramePr>
+          <p:cNvPr id="6" name="Chart 5"/>
+          <p:cNvGraphicFramePr/>
+          <p:nvPr/>
+        </p:nvGraphicFramePr>
+        <p:xfrm>
+          <a:off x="4297680" y="1827107"/>
+          <a:ext cx="4546724" cy="3898052"/>
+        </p:xfrm>
+        <a:graphic>
+          <a:graphicData uri="http://schemas.openxmlformats.org/drawingml/2006/chart">
+            <c:chart xmlns:c="http://schemas.openxmlformats.org/drawingml/2006/chart" xmlns:r="http://schemas.openxmlformats.org/officeDocument/2006/relationships" r:id="rId3"/>
+          </a:graphicData>
+        </a:graphic>
+      </p:graphicFrame>
+    </p:spTree>
+  </p:cSld>
+  <p:clrMapOvr>
+    <a:masterClrMapping/>
+  </p:clrMapOvr>
+</p:sld>
+</file>
+
+<file path=ppt/slides/slide14.xml><?xml version="1.0" encoding="utf-8"?>
+<p:sld xmlns:a="http://schemas.openxmlformats.org/drawingml/2006/main" xmlns:r="http://schemas.openxmlformats.org/officeDocument/2006/relationships" xmlns:p="http://schemas.openxmlformats.org/presentationml/2006/main">
+  <p:cSld>
+    <p:spTree>
+      <p:nvGrpSpPr>
+        <p:cNvPr id="1" name=""/>
+        <p:cNvGrpSpPr/>
+        <p:nvPr/>
+      </p:nvGrpSpPr>
+      <p:grpSpPr>
+        <a:xfrm>
+          <a:off x="0" y="0"/>
+          <a:ext cx="0" cy="0"/>
+          <a:chOff x="0" y="0"/>
+          <a:chExt cx="0" cy="0"/>
+        </a:xfrm>
+      </p:grpSpPr>
+      <p:sp>
+        <p:nvSpPr>
+          <p:cNvPr id="2" name="Title 1"/>
+          <p:cNvSpPr>
+            <a:spLocks noGrp="1"/>
+          </p:cNvSpPr>
+          <p:nvPr>
+            <p:ph type="title"/>
+          </p:nvPr>
+        </p:nvSpPr>
+        <p:spPr/>
+        <p:txBody>
+          <a:bodyPr/>
+          <a:lstStyle/>
+          <a:p>
+            <a:r>
+              <a:rPr lang="zh-CN" altLang="en-US" dirty="0" smtClean="0"/>
+              <a:t>关键点和应对策略</a:t>
+            </a:r>
+            <a:endParaRPr lang="en-US" dirty="0"/>
+          </a:p>
+        </p:txBody>
+      </p:sp>
+      <p:sp>
+        <p:nvSpPr>
+          <p:cNvPr id="3" name="Text Placeholder 2"/>
+          <p:cNvSpPr>
+            <a:spLocks noGrp="1"/>
+          </p:cNvSpPr>
+          <p:nvPr>
+            <p:ph type="body" sz="quarter" idx="10"/>
+          </p:nvPr>
+        </p:nvSpPr>
+        <p:spPr/>
+        <p:txBody>
+          <a:bodyPr/>
+          <a:lstStyle/>
+          <a:p>
+            <a:r>
+              <a:rPr lang="en-US" dirty="0"/>
+              <a:t>More chart styles in the PowerPoint toolkit</a:t>
+            </a:r>
+          </a:p>
+        </p:txBody>
+      </p:sp>
+      <p:sp>
+        <p:nvSpPr>
+          <p:cNvPr id="5" name="Text Placeholder 4"/>
+          <p:cNvSpPr>
+            <a:spLocks noGrp="1"/>
+          </p:cNvSpPr>
+          <p:nvPr>
+            <p:ph type="body" sz="quarter" idx="11"/>
+          </p:nvPr>
+        </p:nvSpPr>
+        <p:spPr/>
+        <p:txBody>
+          <a:bodyPr/>
+          <a:lstStyle/>
+          <a:p>
+            <a:pPr>
+              <a:buSzPct val="100000"/>
+            </a:pPr>
+            <a:r>
+              <a:rPr lang="en-US" altLang="zh-CN" b="1" dirty="0">
+                <a:solidFill>
+                  <a:srgbClr val="68B580"/>
+                </a:solidFill>
+              </a:rPr>
+              <a:t>SNC</a:t>
+            </a:r>
+            <a:r>
+              <a:rPr lang="en-US" b="1" dirty="0">
+                <a:solidFill>
+                  <a:srgbClr val="68B580"/>
+                </a:solidFill>
+              </a:rPr>
+              <a:t>’s Overview</a:t>
+            </a:r>
+          </a:p>
+          <a:p>
+            <a:pPr lvl="1">
+              <a:buClr>
+                <a:srgbClr val="68B580"/>
+              </a:buClr>
+              <a:buSzPct val="100000"/>
+            </a:pPr>
+            <a:r>
+              <a:rPr lang="en-US" dirty="0"/>
+              <a:t>Essential component of the global capital markets</a:t>
+            </a:r>
+          </a:p>
+          <a:p>
+            <a:pPr lvl="1">
+              <a:buClr>
+                <a:srgbClr val="68B580"/>
+              </a:buClr>
+            </a:pPr>
+            <a:r>
+              <a:rPr lang="en-US" dirty="0"/>
+              <a:t>Parent company of MIS and MA</a:t>
+            </a:r>
+          </a:p>
+          <a:p>
+            <a:pPr lvl="1">
+              <a:buClr>
+                <a:srgbClr val="68B580"/>
+              </a:buClr>
+            </a:pPr>
+            <a:r>
+              <a:rPr lang="en-US" dirty="0"/>
+              <a:t>Contributes to transparent and integrated financial markets</a:t>
+            </a:r>
+          </a:p>
+          <a:p>
+            <a:pPr lvl="1">
+              <a:buClr>
+                <a:srgbClr val="68B580"/>
+              </a:buClr>
+            </a:pPr>
+            <a:r>
+              <a:rPr lang="en-US" dirty="0"/>
+              <a:t>Provides:</a:t>
+            </a:r>
+          </a:p>
+          <a:p>
+            <a:pPr lvl="2">
+              <a:buClr>
+                <a:srgbClr val="68B580"/>
+              </a:buClr>
+              <a:buSzPct val="100000"/>
+            </a:pPr>
+            <a:r>
+              <a:rPr lang="en-US" dirty="0"/>
+              <a:t>Credit ratings</a:t>
+            </a:r>
+          </a:p>
+          <a:p>
+            <a:pPr lvl="2">
+              <a:buClr>
+                <a:srgbClr val="68B580"/>
+              </a:buClr>
+            </a:pPr>
+            <a:r>
+              <a:rPr lang="en-US" dirty="0"/>
+              <a:t>Research</a:t>
+            </a:r>
+          </a:p>
+          <a:p>
+            <a:pPr lvl="2">
+              <a:buClr>
+                <a:srgbClr val="68B580"/>
+              </a:buClr>
+            </a:pPr>
+            <a:r>
+              <a:rPr lang="en-US" dirty="0"/>
+              <a:t>Tools &amp; analysis</a:t>
+            </a:r>
+          </a:p>
+        </p:txBody>
+      </p:sp>
+      <p:graphicFrame>
+        <p:nvGraphicFramePr>
+          <p:cNvPr id="6" name="Chart 5"/>
+          <p:cNvGraphicFramePr/>
+          <p:nvPr/>
+        </p:nvGraphicFramePr>
+        <p:xfrm>
+          <a:off x="4297680" y="1827107"/>
+          <a:ext cx="4546724" cy="3898052"/>
+        </p:xfrm>
+        <a:graphic>
+          <a:graphicData uri="http://schemas.openxmlformats.org/drawingml/2006/chart">
+            <c:chart xmlns:c="http://schemas.openxmlformats.org/drawingml/2006/chart" xmlns:r="http://schemas.openxmlformats.org/officeDocument/2006/relationships" r:id="rId3"/>
+          </a:graphicData>
+        </a:graphic>
+      </p:graphicFrame>
+    </p:spTree>
+    <p:extLst>
+      <p:ext uri="{BB962C8B-B14F-4D97-AF65-F5344CB8AC3E}">
+        <p14:creationId xmlns:p14="http://schemas.microsoft.com/office/powerpoint/2010/main" val="3437436105"/>
+      </p:ext>
+    </p:extLst>
+  </p:cSld>
+  <p:clrMapOvr>
+    <a:masterClrMapping/>
+  </p:clrMapOvr>
+</p:sld>
+</file>
+
+<file path=ppt/slides/slide15.xml><?xml version="1.0" encoding="utf-8"?>
+<p:sld xmlns:a="http://schemas.openxmlformats.org/drawingml/2006/main" xmlns:r="http://schemas.openxmlformats.org/officeDocument/2006/relationships" xmlns:p="http://schemas.openxmlformats.org/presentationml/2006/main">
+  <p:cSld>
+    <p:spTree>
+      <p:nvGrpSpPr>
+        <p:cNvPr id="1" name=""/>
+        <p:cNvGrpSpPr/>
+        <p:nvPr/>
+      </p:nvGrpSpPr>
+      <p:grpSpPr>
+        <a:xfrm>
+          <a:off x="0" y="0"/>
+          <a:ext cx="0" cy="0"/>
+          <a:chOff x="0" y="0"/>
+          <a:chExt cx="0" cy="0"/>
+        </a:xfrm>
+      </p:grpSpPr>
+      <p:grpSp>
+        <p:nvGrpSpPr>
+          <p:cNvPr id="26" name="Group 6"/>
+          <p:cNvGrpSpPr/>
+          <p:nvPr/>
+        </p:nvGrpSpPr>
+        <p:grpSpPr>
+          <a:xfrm>
+            <a:off x="1965960" y="3291840"/>
+            <a:ext cx="329213" cy="319337"/>
+            <a:chOff x="10274300" y="5686425"/>
+            <a:chExt cx="635000" cy="615950"/>
+          </a:xfrm>
+          <a:solidFill>
+            <a:srgbClr val="46999B"/>
+          </a:solidFill>
+        </p:grpSpPr>
+        <p:sp>
+          <p:nvSpPr>
+            <p:cNvPr id="27" name="Freeform 74"/>
+            <p:cNvSpPr>
+              <a:spLocks noEditPoints="1"/>
+            </p:cNvSpPr>
+            <p:nvPr/>
+          </p:nvSpPr>
+          <p:spPr bwMode="auto">
+            <a:xfrm>
+              <a:off x="10274300" y="5686425"/>
+              <a:ext cx="635000" cy="615950"/>
+            </a:xfrm>
+            <a:custGeom>
+              <a:avLst/>
+              <a:gdLst>
+                <a:gd name="T0" fmla="*/ 668 w 692"/>
+                <a:gd name="T1" fmla="*/ 0 h 672"/>
+                <a:gd name="T2" fmla="*/ 24 w 692"/>
+                <a:gd name="T3" fmla="*/ 0 h 672"/>
+                <a:gd name="T4" fmla="*/ 0 w 692"/>
+                <a:gd name="T5" fmla="*/ 24 h 672"/>
+                <a:gd name="T6" fmla="*/ 0 w 692"/>
+                <a:gd name="T7" fmla="*/ 648 h 672"/>
+                <a:gd name="T8" fmla="*/ 24 w 692"/>
+                <a:gd name="T9" fmla="*/ 672 h 672"/>
+                <a:gd name="T10" fmla="*/ 668 w 692"/>
+                <a:gd name="T11" fmla="*/ 672 h 672"/>
+                <a:gd name="T12" fmla="*/ 692 w 692"/>
+                <a:gd name="T13" fmla="*/ 648 h 672"/>
+                <a:gd name="T14" fmla="*/ 692 w 692"/>
+                <a:gd name="T15" fmla="*/ 24 h 672"/>
+                <a:gd name="T16" fmla="*/ 668 w 692"/>
+                <a:gd name="T17" fmla="*/ 0 h 672"/>
+                <a:gd name="T18" fmla="*/ 487 w 692"/>
+                <a:gd name="T19" fmla="*/ 578 h 672"/>
+                <a:gd name="T20" fmla="*/ 209 w 692"/>
+                <a:gd name="T21" fmla="*/ 578 h 672"/>
+                <a:gd name="T22" fmla="*/ 199 w 692"/>
+                <a:gd name="T23" fmla="*/ 568 h 672"/>
+                <a:gd name="T24" fmla="*/ 209 w 692"/>
+                <a:gd name="T25" fmla="*/ 559 h 672"/>
+                <a:gd name="T26" fmla="*/ 487 w 692"/>
+                <a:gd name="T27" fmla="*/ 559 h 672"/>
+                <a:gd name="T28" fmla="*/ 497 w 692"/>
+                <a:gd name="T29" fmla="*/ 568 h 672"/>
+                <a:gd name="T30" fmla="*/ 487 w 692"/>
+                <a:gd name="T31" fmla="*/ 578 h 672"/>
+                <a:gd name="T32" fmla="*/ 644 w 692"/>
+                <a:gd name="T33" fmla="*/ 476 h 672"/>
+                <a:gd name="T34" fmla="*/ 48 w 692"/>
+                <a:gd name="T35" fmla="*/ 476 h 672"/>
+                <a:gd name="T36" fmla="*/ 48 w 692"/>
+                <a:gd name="T37" fmla="*/ 48 h 672"/>
+                <a:gd name="T38" fmla="*/ 644 w 692"/>
+                <a:gd name="T39" fmla="*/ 48 h 672"/>
+                <a:gd name="T40" fmla="*/ 644 w 692"/>
+                <a:gd name="T41" fmla="*/ 476 h 672"/>
+              </a:gdLst>
+              <a:ahLst/>
+              <a:cxnLst>
+                <a:cxn ang="0">
+                  <a:pos x="T0" y="T1"/>
+                </a:cxn>
+                <a:cxn ang="0">
+                  <a:pos x="T2" y="T3"/>
+                </a:cxn>
+                <a:cxn ang="0">
+                  <a:pos x="T4" y="T5"/>
+                </a:cxn>
+                <a:cxn ang="0">
+                  <a:pos x="T6" y="T7"/>
+                </a:cxn>
+                <a:cxn ang="0">
+                  <a:pos x="T8" y="T9"/>
+                </a:cxn>
+                <a:cxn ang="0">
+                  <a:pos x="T10" y="T11"/>
+                </a:cxn>
+                <a:cxn ang="0">
+                  <a:pos x="T12" y="T13"/>
+                </a:cxn>
+                <a:cxn ang="0">
+                  <a:pos x="T14" y="T15"/>
+                </a:cxn>
+                <a:cxn ang="0">
+                  <a:pos x="T16" y="T17"/>
+                </a:cxn>
+                <a:cxn ang="0">
+                  <a:pos x="T18" y="T19"/>
+                </a:cxn>
+                <a:cxn ang="0">
+                  <a:pos x="T20" y="T21"/>
+                </a:cxn>
+                <a:cxn ang="0">
+                  <a:pos x="T22" y="T23"/>
+                </a:cxn>
+                <a:cxn ang="0">
+                  <a:pos x="T24" y="T25"/>
+                </a:cxn>
+                <a:cxn ang="0">
+                  <a:pos x="T26" y="T27"/>
+                </a:cxn>
+                <a:cxn ang="0">
+                  <a:pos x="T28" y="T29"/>
+                </a:cxn>
+                <a:cxn ang="0">
+                  <a:pos x="T30" y="T31"/>
+                </a:cxn>
+                <a:cxn ang="0">
+                  <a:pos x="T32" y="T33"/>
+                </a:cxn>
+                <a:cxn ang="0">
+                  <a:pos x="T34" y="T35"/>
+                </a:cxn>
+                <a:cxn ang="0">
+                  <a:pos x="T36" y="T37"/>
+                </a:cxn>
+                <a:cxn ang="0">
+                  <a:pos x="T38" y="T39"/>
+                </a:cxn>
+                <a:cxn ang="0">
+                  <a:pos x="T40" y="T41"/>
+                </a:cxn>
+              </a:cxnLst>
+              <a:rect l="0" t="0" r="r" b="b"/>
+              <a:pathLst>
+                <a:path w="692" h="672">
+                  <a:moveTo>
+                    <a:pt x="668" y="0"/>
+                  </a:moveTo>
+                  <a:cubicBezTo>
+                    <a:pt x="24" y="0"/>
+                    <a:pt x="24" y="0"/>
+                    <a:pt x="24" y="0"/>
+                  </a:cubicBezTo>
+                  <a:cubicBezTo>
+                    <a:pt x="11" y="0"/>
+                    <a:pt x="0" y="11"/>
+                    <a:pt x="0" y="24"/>
+                  </a:cubicBezTo>
+                  <a:cubicBezTo>
+                    <a:pt x="0" y="648"/>
+                    <a:pt x="0" y="648"/>
+                    <a:pt x="0" y="648"/>
+                  </a:cubicBezTo>
+                  <a:cubicBezTo>
+                    <a:pt x="0" y="661"/>
+                    <a:pt x="11" y="672"/>
+                    <a:pt x="24" y="672"/>
+                  </a:cubicBezTo>
+                  <a:cubicBezTo>
+                    <a:pt x="668" y="672"/>
+                    <a:pt x="668" y="672"/>
+                    <a:pt x="668" y="672"/>
+                  </a:cubicBezTo>
+                  <a:cubicBezTo>
+                    <a:pt x="681" y="672"/>
+                    <a:pt x="692" y="661"/>
+                    <a:pt x="692" y="648"/>
+                  </a:cubicBezTo>
+                  <a:cubicBezTo>
+                    <a:pt x="692" y="24"/>
+                    <a:pt x="692" y="24"/>
+                    <a:pt x="692" y="24"/>
+                  </a:cubicBezTo>
+                  <a:cubicBezTo>
+                    <a:pt x="692" y="11"/>
+                    <a:pt x="681" y="0"/>
+                    <a:pt x="668" y="0"/>
+                  </a:cubicBezTo>
+                  <a:close/>
+                  <a:moveTo>
+                    <a:pt x="487" y="578"/>
+                  </a:moveTo>
+                  <a:cubicBezTo>
+                    <a:pt x="209" y="578"/>
+                    <a:pt x="209" y="578"/>
+                    <a:pt x="209" y="578"/>
+                  </a:cubicBezTo>
+                  <a:cubicBezTo>
+                    <a:pt x="203" y="578"/>
+                    <a:pt x="199" y="573"/>
+                    <a:pt x="199" y="568"/>
+                  </a:cubicBezTo>
+                  <a:cubicBezTo>
+                    <a:pt x="199" y="563"/>
+                    <a:pt x="203" y="559"/>
+                    <a:pt x="209" y="559"/>
+                  </a:cubicBezTo>
+                  <a:cubicBezTo>
+                    <a:pt x="487" y="559"/>
+                    <a:pt x="487" y="559"/>
+                    <a:pt x="487" y="559"/>
+                  </a:cubicBezTo>
+                  <a:cubicBezTo>
+                    <a:pt x="493" y="559"/>
+                    <a:pt x="497" y="563"/>
+                    <a:pt x="497" y="568"/>
+                  </a:cubicBezTo>
+                  <a:cubicBezTo>
+                    <a:pt x="497" y="573"/>
+                    <a:pt x="493" y="578"/>
+                    <a:pt x="487" y="578"/>
+                  </a:cubicBezTo>
+                  <a:close/>
+                  <a:moveTo>
+                    <a:pt x="644" y="476"/>
+                  </a:moveTo>
+                  <a:cubicBezTo>
+                    <a:pt x="48" y="476"/>
+                    <a:pt x="48" y="476"/>
+                    <a:pt x="48" y="476"/>
+                  </a:cubicBezTo>
+                  <a:cubicBezTo>
+                    <a:pt x="48" y="48"/>
+                    <a:pt x="48" y="48"/>
+                    <a:pt x="48" y="48"/>
+                  </a:cubicBezTo>
+                  <a:cubicBezTo>
+                    <a:pt x="644" y="48"/>
+                    <a:pt x="644" y="48"/>
+                    <a:pt x="644" y="48"/>
+                  </a:cubicBezTo>
+                  <a:lnTo>
+                    <a:pt x="644" y="476"/>
+                  </a:lnTo>
+                  <a:close/>
+                </a:path>
+              </a:pathLst>
+            </a:custGeom>
+            <a:grpFill/>
+            <a:ln>
+              <a:noFill/>
+            </a:ln>
+            <a:extLst>
+              <a:ext uri="{91240B29-F687-4F45-9708-019B960494DF}">
+                <a14:hiddenLine xmlns:a14="http://schemas.microsoft.com/office/drawing/2010/main" w="9525">
+                  <a:solidFill>
+                    <a:srgbClr val="000000"/>
+                  </a:solidFill>
+                  <a:round/>
+                </a14:hiddenLine>
+              </a:ext>
+            </a:extLst>
+          </p:spPr>
+          <p:txBody>
+            <a:bodyPr vert="horz" wrap="square" lIns="91440" tIns="45720" rIns="91440" bIns="45720" numCol="1" anchor="t" anchorCtr="0" compatLnSpc="1"/>
+            <a:lstStyle/>
+            <a:p>
+              <a:endParaRPr lang="en-US"/>
+            </a:p>
+          </p:txBody>
+        </p:sp>
+        <p:sp>
+          <p:nvSpPr>
+            <p:cNvPr id="28" name="Oval 75"/>
+            <p:cNvSpPr>
+              <a:spLocks noChangeArrowheads="1"/>
+            </p:cNvSpPr>
+            <p:nvPr/>
+          </p:nvSpPr>
+          <p:spPr bwMode="auto">
+            <a:xfrm>
+              <a:off x="10409238" y="5802313"/>
+              <a:ext cx="104775" cy="103188"/>
+            </a:xfrm>
+            <a:prstGeom prst="ellipse">
+              <a:avLst/>
+            </a:prstGeom>
+            <a:grpFill/>
+            <a:ln>
+              <a:noFill/>
+            </a:ln>
+            <a:extLst>
+              <a:ext uri="{91240B29-F687-4F45-9708-019B960494DF}">
+                <a14:hiddenLine xmlns:a14="http://schemas.microsoft.com/office/drawing/2010/main" w="9525">
+                  <a:solidFill>
+                    <a:srgbClr val="000000"/>
+                  </a:solidFill>
+                  <a:round/>
+                </a14:hiddenLine>
+              </a:ext>
+            </a:extLst>
+          </p:spPr>
+          <p:txBody>
+            <a:bodyPr vert="horz" wrap="square" lIns="91440" tIns="45720" rIns="91440" bIns="45720" numCol="1" anchor="t" anchorCtr="0" compatLnSpc="1"/>
+            <a:lstStyle/>
+            <a:p>
+              <a:endParaRPr lang="en-US"/>
+            </a:p>
+          </p:txBody>
+        </p:sp>
+        <p:sp>
+          <p:nvSpPr>
+            <p:cNvPr id="29" name="Freeform 76"/>
+            <p:cNvSpPr/>
+            <p:nvPr/>
+          </p:nvSpPr>
+          <p:spPr bwMode="auto">
+            <a:xfrm>
+              <a:off x="10360025" y="5843588"/>
+              <a:ext cx="463550" cy="225425"/>
+            </a:xfrm>
+            <a:custGeom>
+              <a:avLst/>
+              <a:gdLst>
+                <a:gd name="T0" fmla="*/ 444 w 506"/>
+                <a:gd name="T1" fmla="*/ 60 h 245"/>
+                <a:gd name="T2" fmla="*/ 399 w 506"/>
+                <a:gd name="T3" fmla="*/ 123 h 245"/>
+                <a:gd name="T4" fmla="*/ 313 w 506"/>
+                <a:gd name="T5" fmla="*/ 0 h 245"/>
+                <a:gd name="T6" fmla="*/ 206 w 506"/>
+                <a:gd name="T7" fmla="*/ 165 h 245"/>
+                <a:gd name="T8" fmla="*/ 0 w 506"/>
+                <a:gd name="T9" fmla="*/ 245 h 245"/>
+                <a:gd name="T10" fmla="*/ 506 w 506"/>
+                <a:gd name="T11" fmla="*/ 245 h 245"/>
+                <a:gd name="T12" fmla="*/ 444 w 506"/>
+                <a:gd name="T13" fmla="*/ 60 h 245"/>
+              </a:gdLst>
+              <a:ahLst/>
+              <a:cxnLst>
+                <a:cxn ang="0">
+                  <a:pos x="T0" y="T1"/>
+                </a:cxn>
+                <a:cxn ang="0">
+                  <a:pos x="T2" y="T3"/>
+                </a:cxn>
+                <a:cxn ang="0">
+                  <a:pos x="T4" y="T5"/>
+                </a:cxn>
+                <a:cxn ang="0">
+                  <a:pos x="T6" y="T7"/>
+                </a:cxn>
+                <a:cxn ang="0">
+                  <a:pos x="T8" y="T9"/>
+                </a:cxn>
+                <a:cxn ang="0">
+                  <a:pos x="T10" y="T11"/>
+                </a:cxn>
+                <a:cxn ang="0">
+                  <a:pos x="T12" y="T13"/>
+                </a:cxn>
+              </a:cxnLst>
+              <a:rect l="0" t="0" r="r" b="b"/>
+              <a:pathLst>
+                <a:path w="506" h="245">
+                  <a:moveTo>
+                    <a:pt x="444" y="60"/>
+                  </a:moveTo>
+                  <a:cubicBezTo>
+                    <a:pt x="399" y="123"/>
+                    <a:pt x="399" y="123"/>
+                    <a:pt x="399" y="123"/>
+                  </a:cubicBezTo>
+                  <a:cubicBezTo>
+                    <a:pt x="313" y="0"/>
+                    <a:pt x="313" y="0"/>
+                    <a:pt x="313" y="0"/>
+                  </a:cubicBezTo>
+                  <a:cubicBezTo>
+                    <a:pt x="206" y="165"/>
+                    <a:pt x="206" y="165"/>
+                    <a:pt x="206" y="165"/>
+                  </a:cubicBezTo>
+                  <a:cubicBezTo>
+                    <a:pt x="206" y="165"/>
+                    <a:pt x="29" y="122"/>
+                    <a:pt x="0" y="245"/>
+                  </a:cubicBezTo>
+                  <a:cubicBezTo>
+                    <a:pt x="506" y="245"/>
+                    <a:pt x="506" y="245"/>
+                    <a:pt x="506" y="245"/>
+                  </a:cubicBezTo>
+                  <a:lnTo>
+                    <a:pt x="444" y="60"/>
+                  </a:lnTo>
+                  <a:close/>
+                </a:path>
+              </a:pathLst>
+            </a:custGeom>
+            <a:grpFill/>
+            <a:ln>
+              <a:noFill/>
+            </a:ln>
+            <a:extLst>
+              <a:ext uri="{91240B29-F687-4F45-9708-019B960494DF}">
+                <a14:hiddenLine xmlns:a14="http://schemas.microsoft.com/office/drawing/2010/main" w="9525">
+                  <a:solidFill>
+                    <a:srgbClr val="000000"/>
+                  </a:solidFill>
+                  <a:round/>
+                </a14:hiddenLine>
+              </a:ext>
+            </a:extLst>
+          </p:spPr>
+          <p:txBody>
+            <a:bodyPr vert="horz" wrap="square" lIns="91440" tIns="45720" rIns="91440" bIns="45720" numCol="1" anchor="t" anchorCtr="0" compatLnSpc="1"/>
+            <a:lstStyle/>
+            <a:p>
+              <a:endParaRPr lang="en-US"/>
+            </a:p>
+          </p:txBody>
+        </p:sp>
+      </p:grpSp>
+      <p:grpSp>
+        <p:nvGrpSpPr>
+          <p:cNvPr id="30" name="Group 10"/>
+          <p:cNvGrpSpPr/>
+          <p:nvPr/>
+        </p:nvGrpSpPr>
+        <p:grpSpPr>
+          <a:xfrm>
+            <a:off x="1982332" y="3749040"/>
+            <a:ext cx="303668" cy="369640"/>
+            <a:chOff x="6484938" y="5705475"/>
+            <a:chExt cx="496888" cy="604838"/>
+          </a:xfrm>
+          <a:solidFill>
+            <a:srgbClr val="4697E2"/>
+          </a:solidFill>
+        </p:grpSpPr>
+        <p:sp>
+          <p:nvSpPr>
+            <p:cNvPr id="31" name="Freeform 24"/>
+            <p:cNvSpPr>
+              <a:spLocks noEditPoints="1"/>
+            </p:cNvSpPr>
+            <p:nvPr/>
+          </p:nvSpPr>
+          <p:spPr bwMode="auto">
+            <a:xfrm>
+              <a:off x="6484938" y="5705475"/>
+              <a:ext cx="496888" cy="604838"/>
+            </a:xfrm>
+            <a:custGeom>
+              <a:avLst/>
+              <a:gdLst>
+                <a:gd name="T0" fmla="*/ 445 w 542"/>
+                <a:gd name="T1" fmla="*/ 23 h 661"/>
+                <a:gd name="T2" fmla="*/ 435 w 542"/>
+                <a:gd name="T3" fmla="*/ 0 h 661"/>
+                <a:gd name="T4" fmla="*/ 426 w 542"/>
+                <a:gd name="T5" fmla="*/ 23 h 661"/>
+                <a:gd name="T6" fmla="*/ 335 w 542"/>
+                <a:gd name="T7" fmla="*/ 10 h 661"/>
+                <a:gd name="T8" fmla="*/ 316 w 542"/>
+                <a:gd name="T9" fmla="*/ 10 h 661"/>
+                <a:gd name="T10" fmla="*/ 225 w 542"/>
+                <a:gd name="T11" fmla="*/ 23 h 661"/>
+                <a:gd name="T12" fmla="*/ 216 w 542"/>
+                <a:gd name="T13" fmla="*/ 0 h 661"/>
+                <a:gd name="T14" fmla="*/ 206 w 542"/>
+                <a:gd name="T15" fmla="*/ 23 h 661"/>
+                <a:gd name="T16" fmla="*/ 116 w 542"/>
+                <a:gd name="T17" fmla="*/ 10 h 661"/>
+                <a:gd name="T18" fmla="*/ 96 w 542"/>
+                <a:gd name="T19" fmla="*/ 10 h 661"/>
+                <a:gd name="T20" fmla="*/ 24 w 542"/>
+                <a:gd name="T21" fmla="*/ 23 h 661"/>
+                <a:gd name="T22" fmla="*/ 0 w 542"/>
+                <a:gd name="T23" fmla="*/ 637 h 661"/>
+                <a:gd name="T24" fmla="*/ 518 w 542"/>
+                <a:gd name="T25" fmla="*/ 661 h 661"/>
+                <a:gd name="T26" fmla="*/ 542 w 542"/>
+                <a:gd name="T27" fmla="*/ 47 h 661"/>
+                <a:gd name="T28" fmla="*/ 435 w 542"/>
+                <a:gd name="T29" fmla="*/ 140 h 661"/>
+                <a:gd name="T30" fmla="*/ 445 w 542"/>
+                <a:gd name="T31" fmla="*/ 108 h 661"/>
+                <a:gd name="T32" fmla="*/ 435 w 542"/>
+                <a:gd name="T33" fmla="*/ 155 h 661"/>
+                <a:gd name="T34" fmla="*/ 426 w 542"/>
+                <a:gd name="T35" fmla="*/ 108 h 661"/>
+                <a:gd name="T36" fmla="*/ 435 w 542"/>
+                <a:gd name="T37" fmla="*/ 140 h 661"/>
+                <a:gd name="T38" fmla="*/ 335 w 542"/>
+                <a:gd name="T39" fmla="*/ 131 h 661"/>
+                <a:gd name="T40" fmla="*/ 350 w 542"/>
+                <a:gd name="T41" fmla="*/ 131 h 661"/>
+                <a:gd name="T42" fmla="*/ 301 w 542"/>
+                <a:gd name="T43" fmla="*/ 131 h 661"/>
+                <a:gd name="T44" fmla="*/ 316 w 542"/>
+                <a:gd name="T45" fmla="*/ 131 h 661"/>
+                <a:gd name="T46" fmla="*/ 216 w 542"/>
+                <a:gd name="T47" fmla="*/ 140 h 661"/>
+                <a:gd name="T48" fmla="*/ 225 w 542"/>
+                <a:gd name="T49" fmla="*/ 108 h 661"/>
+                <a:gd name="T50" fmla="*/ 216 w 542"/>
+                <a:gd name="T51" fmla="*/ 155 h 661"/>
+                <a:gd name="T52" fmla="*/ 206 w 542"/>
+                <a:gd name="T53" fmla="*/ 108 h 661"/>
+                <a:gd name="T54" fmla="*/ 216 w 542"/>
+                <a:gd name="T55" fmla="*/ 140 h 661"/>
+                <a:gd name="T56" fmla="*/ 116 w 542"/>
+                <a:gd name="T57" fmla="*/ 131 h 661"/>
+                <a:gd name="T58" fmla="*/ 131 w 542"/>
+                <a:gd name="T59" fmla="*/ 131 h 661"/>
+                <a:gd name="T60" fmla="*/ 81 w 542"/>
+                <a:gd name="T61" fmla="*/ 131 h 661"/>
+                <a:gd name="T62" fmla="*/ 96 w 542"/>
+                <a:gd name="T63" fmla="*/ 131 h 661"/>
+                <a:gd name="T64" fmla="*/ 494 w 542"/>
+                <a:gd name="T65" fmla="*/ 613 h 661"/>
+                <a:gd name="T66" fmla="*/ 48 w 542"/>
+                <a:gd name="T67" fmla="*/ 71 h 661"/>
+                <a:gd name="T68" fmla="*/ 96 w 542"/>
+                <a:gd name="T69" fmla="*/ 88 h 661"/>
+                <a:gd name="T70" fmla="*/ 106 w 542"/>
+                <a:gd name="T71" fmla="*/ 174 h 661"/>
+                <a:gd name="T72" fmla="*/ 116 w 542"/>
+                <a:gd name="T73" fmla="*/ 88 h 661"/>
+                <a:gd name="T74" fmla="*/ 206 w 542"/>
+                <a:gd name="T75" fmla="*/ 71 h 661"/>
+                <a:gd name="T76" fmla="*/ 172 w 542"/>
+                <a:gd name="T77" fmla="*/ 131 h 661"/>
+                <a:gd name="T78" fmla="*/ 260 w 542"/>
+                <a:gd name="T79" fmla="*/ 131 h 661"/>
+                <a:gd name="T80" fmla="*/ 225 w 542"/>
+                <a:gd name="T81" fmla="*/ 71 h 661"/>
+                <a:gd name="T82" fmla="*/ 316 w 542"/>
+                <a:gd name="T83" fmla="*/ 88 h 661"/>
+                <a:gd name="T84" fmla="*/ 326 w 542"/>
+                <a:gd name="T85" fmla="*/ 174 h 661"/>
+                <a:gd name="T86" fmla="*/ 335 w 542"/>
+                <a:gd name="T87" fmla="*/ 88 h 661"/>
+                <a:gd name="T88" fmla="*/ 426 w 542"/>
+                <a:gd name="T89" fmla="*/ 71 h 661"/>
+                <a:gd name="T90" fmla="*/ 391 w 542"/>
+                <a:gd name="T91" fmla="*/ 131 h 661"/>
+                <a:gd name="T92" fmla="*/ 479 w 542"/>
+                <a:gd name="T93" fmla="*/ 131 h 661"/>
+                <a:gd name="T94" fmla="*/ 445 w 542"/>
+                <a:gd name="T95" fmla="*/ 71 h 661"/>
+                <a:gd name="T96" fmla="*/ 494 w 542"/>
+                <a:gd name="T97" fmla="*/ 613 h 661"/>
+              </a:gdLst>
+              <a:ahLst/>
+              <a:cxnLst>
+                <a:cxn ang="0">
+                  <a:pos x="T0" y="T1"/>
+                </a:cxn>
+                <a:cxn ang="0">
+                  <a:pos x="T2" y="T3"/>
+                </a:cxn>
+                <a:cxn ang="0">
+                  <a:pos x="T4" y="T5"/>
+                </a:cxn>
+                <a:cxn ang="0">
+                  <a:pos x="T6" y="T7"/>
+                </a:cxn>
+                <a:cxn ang="0">
+                  <a:pos x="T8" y="T9"/>
+                </a:cxn>
+                <a:cxn ang="0">
+                  <a:pos x="T10" y="T11"/>
+                </a:cxn>
+                <a:cxn ang="0">
+                  <a:pos x="T12" y="T13"/>
+                </a:cxn>
+                <a:cxn ang="0">
+                  <a:pos x="T14" y="T15"/>
+                </a:cxn>
+                <a:cxn ang="0">
+                  <a:pos x="T16" y="T17"/>
+                </a:cxn>
+                <a:cxn ang="0">
+                  <a:pos x="T18" y="T19"/>
+                </a:cxn>
+                <a:cxn ang="0">
+                  <a:pos x="T20" y="T21"/>
+                </a:cxn>
+                <a:cxn ang="0">
+                  <a:pos x="T22" y="T23"/>
+                </a:cxn>
+                <a:cxn ang="0">
+                  <a:pos x="T24" y="T25"/>
+                </a:cxn>
+                <a:cxn ang="0">
+                  <a:pos x="T26" y="T27"/>
+                </a:cxn>
+                <a:cxn ang="0">
+                  <a:pos x="T28" y="T29"/>
+                </a:cxn>
+                <a:cxn ang="0">
+                  <a:pos x="T30" y="T31"/>
+                </a:cxn>
+                <a:cxn ang="0">
+                  <a:pos x="T32" y="T33"/>
+                </a:cxn>
+                <a:cxn ang="0">
+                  <a:pos x="T34" y="T35"/>
+                </a:cxn>
+                <a:cxn ang="0">
+                  <a:pos x="T36" y="T37"/>
+                </a:cxn>
+                <a:cxn ang="0">
+                  <a:pos x="T38" y="T39"/>
+                </a:cxn>
+                <a:cxn ang="0">
+                  <a:pos x="T40" y="T41"/>
+                </a:cxn>
+                <a:cxn ang="0">
+                  <a:pos x="T42" y="T43"/>
+                </a:cxn>
+                <a:cxn ang="0">
+                  <a:pos x="T44" y="T45"/>
+                </a:cxn>
+                <a:cxn ang="0">
+                  <a:pos x="T46" y="T47"/>
+                </a:cxn>
+                <a:cxn ang="0">
+                  <a:pos x="T48" y="T49"/>
+                </a:cxn>
+                <a:cxn ang="0">
+                  <a:pos x="T50" y="T51"/>
+                </a:cxn>
+                <a:cxn ang="0">
+                  <a:pos x="T52" y="T53"/>
+                </a:cxn>
+                <a:cxn ang="0">
+                  <a:pos x="T54" y="T55"/>
+                </a:cxn>
+                <a:cxn ang="0">
+                  <a:pos x="T56" y="T57"/>
+                </a:cxn>
+                <a:cxn ang="0">
+                  <a:pos x="T58" y="T59"/>
+                </a:cxn>
+                <a:cxn ang="0">
+                  <a:pos x="T60" y="T61"/>
+                </a:cxn>
+                <a:cxn ang="0">
+                  <a:pos x="T62" y="T63"/>
+                </a:cxn>
+                <a:cxn ang="0">
+                  <a:pos x="T64" y="T65"/>
+                </a:cxn>
+                <a:cxn ang="0">
+                  <a:pos x="T66" y="T67"/>
+                </a:cxn>
+                <a:cxn ang="0">
+                  <a:pos x="T68" y="T69"/>
+                </a:cxn>
+                <a:cxn ang="0">
+                  <a:pos x="T70" y="T71"/>
+                </a:cxn>
+                <a:cxn ang="0">
+                  <a:pos x="T72" y="T73"/>
+                </a:cxn>
+                <a:cxn ang="0">
+                  <a:pos x="T74" y="T75"/>
+                </a:cxn>
+                <a:cxn ang="0">
+                  <a:pos x="T76" y="T77"/>
+                </a:cxn>
+                <a:cxn ang="0">
+                  <a:pos x="T78" y="T79"/>
+                </a:cxn>
+                <a:cxn ang="0">
+                  <a:pos x="T80" y="T81"/>
+                </a:cxn>
+                <a:cxn ang="0">
+                  <a:pos x="T82" y="T83"/>
+                </a:cxn>
+                <a:cxn ang="0">
+                  <a:pos x="T84" y="T85"/>
+                </a:cxn>
+                <a:cxn ang="0">
+                  <a:pos x="T86" y="T87"/>
+                </a:cxn>
+                <a:cxn ang="0">
+                  <a:pos x="T88" y="T89"/>
+                </a:cxn>
+                <a:cxn ang="0">
+                  <a:pos x="T90" y="T91"/>
+                </a:cxn>
+                <a:cxn ang="0">
+                  <a:pos x="T92" y="T93"/>
+                </a:cxn>
+                <a:cxn ang="0">
+                  <a:pos x="T94" y="T95"/>
+                </a:cxn>
+                <a:cxn ang="0">
+                  <a:pos x="T96" y="T97"/>
+                </a:cxn>
+              </a:cxnLst>
+              <a:rect l="0" t="0" r="r" b="b"/>
+              <a:pathLst>
+                <a:path w="542" h="661">
+                  <a:moveTo>
+                    <a:pt x="518" y="23"/>
+                  </a:moveTo>
+                  <a:cubicBezTo>
+                    <a:pt x="445" y="23"/>
+                    <a:pt x="445" y="23"/>
+                    <a:pt x="445" y="23"/>
+                  </a:cubicBezTo>
+                  <a:cubicBezTo>
+                    <a:pt x="445" y="10"/>
+                    <a:pt x="445" y="10"/>
+                    <a:pt x="445" y="10"/>
+                  </a:cubicBezTo>
+                  <a:cubicBezTo>
+                    <a:pt x="445" y="4"/>
+                    <a:pt x="441" y="0"/>
+                    <a:pt x="435" y="0"/>
+                  </a:cubicBezTo>
+                  <a:cubicBezTo>
+                    <a:pt x="430" y="0"/>
+                    <a:pt x="426" y="4"/>
+                    <a:pt x="426" y="10"/>
+                  </a:cubicBezTo>
+                  <a:cubicBezTo>
+                    <a:pt x="426" y="23"/>
+                    <a:pt x="426" y="23"/>
+                    <a:pt x="426" y="23"/>
+                  </a:cubicBezTo>
+                  <a:cubicBezTo>
+                    <a:pt x="335" y="23"/>
+                    <a:pt x="335" y="23"/>
+                    <a:pt x="335" y="23"/>
+                  </a:cubicBezTo>
+                  <a:cubicBezTo>
+                    <a:pt x="335" y="10"/>
+                    <a:pt x="335" y="10"/>
+                    <a:pt x="335" y="10"/>
+                  </a:cubicBezTo>
+                  <a:cubicBezTo>
+                    <a:pt x="335" y="4"/>
+                    <a:pt x="331" y="0"/>
+                    <a:pt x="326" y="0"/>
+                  </a:cubicBezTo>
+                  <a:cubicBezTo>
+                    <a:pt x="320" y="0"/>
+                    <a:pt x="316" y="4"/>
+                    <a:pt x="316" y="10"/>
+                  </a:cubicBezTo>
+                  <a:cubicBezTo>
+                    <a:pt x="316" y="23"/>
+                    <a:pt x="316" y="23"/>
+                    <a:pt x="316" y="23"/>
+                  </a:cubicBezTo>
+                  <a:cubicBezTo>
+                    <a:pt x="225" y="23"/>
+                    <a:pt x="225" y="23"/>
+                    <a:pt x="225" y="23"/>
+                  </a:cubicBezTo>
+                  <a:cubicBezTo>
+                    <a:pt x="225" y="10"/>
+                    <a:pt x="225" y="10"/>
+                    <a:pt x="225" y="10"/>
+                  </a:cubicBezTo>
+                  <a:cubicBezTo>
+                    <a:pt x="225" y="4"/>
+                    <a:pt x="221" y="0"/>
+                    <a:pt x="216" y="0"/>
+                  </a:cubicBezTo>
+                  <a:cubicBezTo>
+                    <a:pt x="210" y="0"/>
+                    <a:pt x="206" y="4"/>
+                    <a:pt x="206" y="10"/>
+                  </a:cubicBezTo>
+                  <a:cubicBezTo>
+                    <a:pt x="206" y="23"/>
+                    <a:pt x="206" y="23"/>
+                    <a:pt x="206" y="23"/>
+                  </a:cubicBezTo>
+                  <a:cubicBezTo>
+                    <a:pt x="116" y="23"/>
+                    <a:pt x="116" y="23"/>
+                    <a:pt x="116" y="23"/>
+                  </a:cubicBezTo>
+                  <a:cubicBezTo>
+                    <a:pt x="116" y="10"/>
+                    <a:pt x="116" y="10"/>
+                    <a:pt x="116" y="10"/>
+                  </a:cubicBezTo>
+                  <a:cubicBezTo>
+                    <a:pt x="116" y="4"/>
+                    <a:pt x="111" y="0"/>
+                    <a:pt x="106" y="0"/>
+                  </a:cubicBezTo>
+                  <a:cubicBezTo>
+                    <a:pt x="101" y="0"/>
+                    <a:pt x="96" y="4"/>
+                    <a:pt x="96" y="10"/>
+                  </a:cubicBezTo>
+                  <a:cubicBezTo>
+                    <a:pt x="96" y="23"/>
+                    <a:pt x="96" y="23"/>
+                    <a:pt x="96" y="23"/>
+                  </a:cubicBezTo>
+                  <a:cubicBezTo>
+                    <a:pt x="24" y="23"/>
+                    <a:pt x="24" y="23"/>
+                    <a:pt x="24" y="23"/>
+                  </a:cubicBezTo>
+                  <a:cubicBezTo>
+                    <a:pt x="11" y="23"/>
+                    <a:pt x="0" y="33"/>
+                    <a:pt x="0" y="47"/>
+                  </a:cubicBezTo>
+                  <a:cubicBezTo>
+                    <a:pt x="0" y="637"/>
+                    <a:pt x="0" y="637"/>
+                    <a:pt x="0" y="637"/>
+                  </a:cubicBezTo>
+                  <a:cubicBezTo>
+                    <a:pt x="0" y="650"/>
+                    <a:pt x="11" y="661"/>
+                    <a:pt x="24" y="661"/>
+                  </a:cubicBezTo>
+                  <a:cubicBezTo>
+                    <a:pt x="518" y="661"/>
+                    <a:pt x="518" y="661"/>
+                    <a:pt x="518" y="661"/>
+                  </a:cubicBezTo>
+                  <a:cubicBezTo>
+                    <a:pt x="532" y="661"/>
+                    <a:pt x="542" y="650"/>
+                    <a:pt x="542" y="637"/>
+                  </a:cubicBezTo>
+                  <a:cubicBezTo>
+                    <a:pt x="542" y="47"/>
+                    <a:pt x="542" y="47"/>
+                    <a:pt x="542" y="47"/>
+                  </a:cubicBezTo>
+                  <a:cubicBezTo>
+                    <a:pt x="542" y="33"/>
+                    <a:pt x="532" y="23"/>
+                    <a:pt x="518" y="23"/>
+                  </a:cubicBezTo>
+                  <a:close/>
+                  <a:moveTo>
+                    <a:pt x="435" y="140"/>
+                  </a:moveTo>
+                  <a:cubicBezTo>
+                    <a:pt x="441" y="140"/>
+                    <a:pt x="445" y="136"/>
+                    <a:pt x="445" y="131"/>
+                  </a:cubicBezTo>
+                  <a:cubicBezTo>
+                    <a:pt x="445" y="108"/>
+                    <a:pt x="445" y="108"/>
+                    <a:pt x="445" y="108"/>
+                  </a:cubicBezTo>
+                  <a:cubicBezTo>
+                    <a:pt x="454" y="112"/>
+                    <a:pt x="460" y="120"/>
+                    <a:pt x="460" y="131"/>
+                  </a:cubicBezTo>
+                  <a:cubicBezTo>
+                    <a:pt x="460" y="144"/>
+                    <a:pt x="449" y="155"/>
+                    <a:pt x="435" y="155"/>
+                  </a:cubicBezTo>
+                  <a:cubicBezTo>
+                    <a:pt x="422" y="155"/>
+                    <a:pt x="411" y="144"/>
+                    <a:pt x="411" y="131"/>
+                  </a:cubicBezTo>
+                  <a:cubicBezTo>
+                    <a:pt x="411" y="120"/>
+                    <a:pt x="417" y="111"/>
+                    <a:pt x="426" y="108"/>
+                  </a:cubicBezTo>
+                  <a:cubicBezTo>
+                    <a:pt x="426" y="131"/>
+                    <a:pt x="426" y="131"/>
+                    <a:pt x="426" y="131"/>
+                  </a:cubicBezTo>
+                  <a:cubicBezTo>
+                    <a:pt x="426" y="136"/>
+                    <a:pt x="430" y="140"/>
+                    <a:pt x="435" y="140"/>
+                  </a:cubicBezTo>
+                  <a:close/>
+                  <a:moveTo>
+                    <a:pt x="326" y="140"/>
+                  </a:moveTo>
+                  <a:cubicBezTo>
+                    <a:pt x="331" y="140"/>
+                    <a:pt x="335" y="136"/>
+                    <a:pt x="335" y="131"/>
+                  </a:cubicBezTo>
+                  <a:cubicBezTo>
+                    <a:pt x="335" y="108"/>
+                    <a:pt x="335" y="108"/>
+                    <a:pt x="335" y="108"/>
+                  </a:cubicBezTo>
+                  <a:cubicBezTo>
+                    <a:pt x="344" y="112"/>
+                    <a:pt x="350" y="120"/>
+                    <a:pt x="350" y="131"/>
+                  </a:cubicBezTo>
+                  <a:cubicBezTo>
+                    <a:pt x="350" y="144"/>
+                    <a:pt x="339" y="155"/>
+                    <a:pt x="326" y="155"/>
+                  </a:cubicBezTo>
+                  <a:cubicBezTo>
+                    <a:pt x="312" y="155"/>
+                    <a:pt x="301" y="144"/>
+                    <a:pt x="301" y="131"/>
+                  </a:cubicBezTo>
+                  <a:cubicBezTo>
+                    <a:pt x="301" y="120"/>
+                    <a:pt x="307" y="111"/>
+                    <a:pt x="316" y="108"/>
+                  </a:cubicBezTo>
+                  <a:cubicBezTo>
+                    <a:pt x="316" y="131"/>
+                    <a:pt x="316" y="131"/>
+                    <a:pt x="316" y="131"/>
+                  </a:cubicBezTo>
+                  <a:cubicBezTo>
+                    <a:pt x="316" y="136"/>
+                    <a:pt x="320" y="140"/>
+                    <a:pt x="326" y="140"/>
+                  </a:cubicBezTo>
+                  <a:close/>
+                  <a:moveTo>
+                    <a:pt x="216" y="140"/>
+                  </a:moveTo>
+                  <a:cubicBezTo>
+                    <a:pt x="221" y="140"/>
+                    <a:pt x="225" y="136"/>
+                    <a:pt x="225" y="131"/>
+                  </a:cubicBezTo>
+                  <a:cubicBezTo>
+                    <a:pt x="225" y="108"/>
+                    <a:pt x="225" y="108"/>
+                    <a:pt x="225" y="108"/>
+                  </a:cubicBezTo>
+                  <a:cubicBezTo>
+                    <a:pt x="234" y="112"/>
+                    <a:pt x="241" y="120"/>
+                    <a:pt x="241" y="131"/>
+                  </a:cubicBezTo>
+                  <a:cubicBezTo>
+                    <a:pt x="241" y="144"/>
+                    <a:pt x="229" y="155"/>
+                    <a:pt x="216" y="155"/>
+                  </a:cubicBezTo>
+                  <a:cubicBezTo>
+                    <a:pt x="202" y="155"/>
+                    <a:pt x="191" y="144"/>
+                    <a:pt x="191" y="131"/>
+                  </a:cubicBezTo>
+                  <a:cubicBezTo>
+                    <a:pt x="191" y="120"/>
+                    <a:pt x="197" y="111"/>
+                    <a:pt x="206" y="108"/>
+                  </a:cubicBezTo>
+                  <a:cubicBezTo>
+                    <a:pt x="206" y="131"/>
+                    <a:pt x="206" y="131"/>
+                    <a:pt x="206" y="131"/>
+                  </a:cubicBezTo>
+                  <a:cubicBezTo>
+                    <a:pt x="206" y="136"/>
+                    <a:pt x="210" y="140"/>
+                    <a:pt x="216" y="140"/>
+                  </a:cubicBezTo>
+                  <a:close/>
+                  <a:moveTo>
+                    <a:pt x="106" y="140"/>
+                  </a:moveTo>
+                  <a:cubicBezTo>
+                    <a:pt x="111" y="140"/>
+                    <a:pt x="116" y="136"/>
+                    <a:pt x="116" y="131"/>
+                  </a:cubicBezTo>
+                  <a:cubicBezTo>
+                    <a:pt x="116" y="108"/>
+                    <a:pt x="116" y="108"/>
+                    <a:pt x="116" y="108"/>
+                  </a:cubicBezTo>
+                  <a:cubicBezTo>
+                    <a:pt x="124" y="112"/>
+                    <a:pt x="131" y="120"/>
+                    <a:pt x="131" y="131"/>
+                  </a:cubicBezTo>
+                  <a:cubicBezTo>
+                    <a:pt x="131" y="144"/>
+                    <a:pt x="120" y="155"/>
+                    <a:pt x="106" y="155"/>
+                  </a:cubicBezTo>
+                  <a:cubicBezTo>
+                    <a:pt x="92" y="155"/>
+                    <a:pt x="81" y="144"/>
+                    <a:pt x="81" y="131"/>
+                  </a:cubicBezTo>
+                  <a:cubicBezTo>
+                    <a:pt x="81" y="120"/>
+                    <a:pt x="88" y="111"/>
+                    <a:pt x="96" y="108"/>
+                  </a:cubicBezTo>
+                  <a:cubicBezTo>
+                    <a:pt x="96" y="131"/>
+                    <a:pt x="96" y="131"/>
+                    <a:pt x="96" y="131"/>
+                  </a:cubicBezTo>
+                  <a:cubicBezTo>
+                    <a:pt x="96" y="136"/>
+                    <a:pt x="101" y="140"/>
+                    <a:pt x="106" y="140"/>
+                  </a:cubicBezTo>
+                  <a:close/>
+                  <a:moveTo>
+                    <a:pt x="494" y="613"/>
+                  </a:moveTo>
+                  <a:cubicBezTo>
+                    <a:pt x="48" y="613"/>
+                    <a:pt x="48" y="613"/>
+                    <a:pt x="48" y="613"/>
+                  </a:cubicBezTo>
+                  <a:cubicBezTo>
+                    <a:pt x="48" y="71"/>
+                    <a:pt x="48" y="71"/>
+                    <a:pt x="48" y="71"/>
+                  </a:cubicBezTo>
+                  <a:cubicBezTo>
+                    <a:pt x="96" y="71"/>
+                    <a:pt x="96" y="71"/>
+                    <a:pt x="96" y="71"/>
+                  </a:cubicBezTo>
+                  <a:cubicBezTo>
+                    <a:pt x="96" y="88"/>
+                    <a:pt x="96" y="88"/>
+                    <a:pt x="96" y="88"/>
+                  </a:cubicBezTo>
+                  <a:cubicBezTo>
+                    <a:pt x="77" y="92"/>
+                    <a:pt x="62" y="110"/>
+                    <a:pt x="62" y="131"/>
+                  </a:cubicBezTo>
+                  <a:cubicBezTo>
+                    <a:pt x="62" y="155"/>
+                    <a:pt x="82" y="174"/>
+                    <a:pt x="106" y="174"/>
+                  </a:cubicBezTo>
+                  <a:cubicBezTo>
+                    <a:pt x="130" y="174"/>
+                    <a:pt x="150" y="155"/>
+                    <a:pt x="150" y="131"/>
+                  </a:cubicBezTo>
+                  <a:cubicBezTo>
+                    <a:pt x="150" y="110"/>
+                    <a:pt x="135" y="92"/>
+                    <a:pt x="116" y="88"/>
+                  </a:cubicBezTo>
+                  <a:cubicBezTo>
+                    <a:pt x="116" y="71"/>
+                    <a:pt x="116" y="71"/>
+                    <a:pt x="116" y="71"/>
+                  </a:cubicBezTo>
+                  <a:cubicBezTo>
+                    <a:pt x="206" y="71"/>
+                    <a:pt x="206" y="71"/>
+                    <a:pt x="206" y="71"/>
+                  </a:cubicBezTo>
+                  <a:cubicBezTo>
+                    <a:pt x="206" y="88"/>
+                    <a:pt x="206" y="88"/>
+                    <a:pt x="206" y="88"/>
+                  </a:cubicBezTo>
+                  <a:cubicBezTo>
+                    <a:pt x="187" y="92"/>
+                    <a:pt x="172" y="110"/>
+                    <a:pt x="172" y="131"/>
+                  </a:cubicBezTo>
+                  <a:cubicBezTo>
+                    <a:pt x="172" y="155"/>
+                    <a:pt x="192" y="174"/>
+                    <a:pt x="216" y="174"/>
+                  </a:cubicBezTo>
+                  <a:cubicBezTo>
+                    <a:pt x="240" y="174"/>
+                    <a:pt x="260" y="155"/>
+                    <a:pt x="260" y="131"/>
+                  </a:cubicBezTo>
+                  <a:cubicBezTo>
+                    <a:pt x="260" y="110"/>
+                    <a:pt x="245" y="92"/>
+                    <a:pt x="225" y="88"/>
+                  </a:cubicBezTo>
+                  <a:cubicBezTo>
+                    <a:pt x="225" y="71"/>
+                    <a:pt x="225" y="71"/>
+                    <a:pt x="225" y="71"/>
+                  </a:cubicBezTo>
+                  <a:cubicBezTo>
+                    <a:pt x="316" y="71"/>
+                    <a:pt x="316" y="71"/>
+                    <a:pt x="316" y="71"/>
+                  </a:cubicBezTo>
+                  <a:cubicBezTo>
+                    <a:pt x="316" y="88"/>
+                    <a:pt x="316" y="88"/>
+                    <a:pt x="316" y="88"/>
+                  </a:cubicBezTo>
+                  <a:cubicBezTo>
+                    <a:pt x="296" y="92"/>
+                    <a:pt x="282" y="110"/>
+                    <a:pt x="282" y="131"/>
+                  </a:cubicBezTo>
+                  <a:cubicBezTo>
+                    <a:pt x="282" y="155"/>
+                    <a:pt x="301" y="174"/>
+                    <a:pt x="326" y="174"/>
+                  </a:cubicBezTo>
+                  <a:cubicBezTo>
+                    <a:pt x="350" y="174"/>
+                    <a:pt x="370" y="155"/>
+                    <a:pt x="370" y="131"/>
+                  </a:cubicBezTo>
+                  <a:cubicBezTo>
+                    <a:pt x="370" y="110"/>
+                    <a:pt x="355" y="92"/>
+                    <a:pt x="335" y="88"/>
+                  </a:cubicBezTo>
+                  <a:cubicBezTo>
+                    <a:pt x="335" y="71"/>
+                    <a:pt x="335" y="71"/>
+                    <a:pt x="335" y="71"/>
+                  </a:cubicBezTo>
+                  <a:cubicBezTo>
+                    <a:pt x="426" y="71"/>
+                    <a:pt x="426" y="71"/>
+                    <a:pt x="426" y="71"/>
+                  </a:cubicBezTo>
+                  <a:cubicBezTo>
+                    <a:pt x="426" y="88"/>
+                    <a:pt x="426" y="88"/>
+                    <a:pt x="426" y="88"/>
+                  </a:cubicBezTo>
+                  <a:cubicBezTo>
+                    <a:pt x="406" y="92"/>
+                    <a:pt x="391" y="110"/>
+                    <a:pt x="391" y="131"/>
+                  </a:cubicBezTo>
+                  <a:cubicBezTo>
+                    <a:pt x="391" y="155"/>
+                    <a:pt x="411" y="174"/>
+                    <a:pt x="435" y="174"/>
+                  </a:cubicBezTo>
+                  <a:cubicBezTo>
+                    <a:pt x="460" y="174"/>
+                    <a:pt x="479" y="155"/>
+                    <a:pt x="479" y="131"/>
+                  </a:cubicBezTo>
+                  <a:cubicBezTo>
+                    <a:pt x="479" y="110"/>
+                    <a:pt x="465" y="92"/>
+                    <a:pt x="445" y="88"/>
+                  </a:cubicBezTo>
+                  <a:cubicBezTo>
+                    <a:pt x="445" y="71"/>
+                    <a:pt x="445" y="71"/>
+                    <a:pt x="445" y="71"/>
+                  </a:cubicBezTo>
+                  <a:cubicBezTo>
+                    <a:pt x="494" y="71"/>
+                    <a:pt x="494" y="71"/>
+                    <a:pt x="494" y="71"/>
+                  </a:cubicBezTo>
+                  <a:lnTo>
+                    <a:pt x="494" y="613"/>
+                  </a:lnTo>
+                  <a:close/>
+                </a:path>
+              </a:pathLst>
+            </a:custGeom>
+            <a:grpFill/>
+            <a:ln>
+              <a:noFill/>
+            </a:ln>
+            <a:extLst>
+              <a:ext uri="{91240B29-F687-4F45-9708-019B960494DF}">
+                <a14:hiddenLine xmlns:a14="http://schemas.microsoft.com/office/drawing/2010/main" w="9525">
+                  <a:solidFill>
+                    <a:srgbClr val="000000"/>
+                  </a:solidFill>
+                  <a:round/>
+                </a14:hiddenLine>
+              </a:ext>
+            </a:extLst>
+          </p:spPr>
+          <p:txBody>
+            <a:bodyPr vert="horz" wrap="square" lIns="91440" tIns="45720" rIns="91440" bIns="45720" numCol="1" anchor="t" anchorCtr="0" compatLnSpc="1"/>
+            <a:lstStyle/>
+            <a:p>
+              <a:endParaRPr lang="en-US"/>
+            </a:p>
+          </p:txBody>
+        </p:sp>
+        <p:sp>
+          <p:nvSpPr>
+            <p:cNvPr id="32" name="Freeform 25"/>
+            <p:cNvSpPr/>
+            <p:nvPr/>
+          </p:nvSpPr>
+          <p:spPr bwMode="auto">
+            <a:xfrm>
+              <a:off x="6650038" y="6159500"/>
+              <a:ext cx="242888" cy="17463"/>
+            </a:xfrm>
+            <a:custGeom>
+              <a:avLst/>
+              <a:gdLst>
+                <a:gd name="T0" fmla="*/ 256 w 265"/>
+                <a:gd name="T1" fmla="*/ 0 h 19"/>
+                <a:gd name="T2" fmla="*/ 10 w 265"/>
+                <a:gd name="T3" fmla="*/ 0 h 19"/>
+                <a:gd name="T4" fmla="*/ 0 w 265"/>
+                <a:gd name="T5" fmla="*/ 10 h 19"/>
+                <a:gd name="T6" fmla="*/ 10 w 265"/>
+                <a:gd name="T7" fmla="*/ 19 h 19"/>
+                <a:gd name="T8" fmla="*/ 256 w 265"/>
+                <a:gd name="T9" fmla="*/ 19 h 19"/>
+                <a:gd name="T10" fmla="*/ 265 w 265"/>
+                <a:gd name="T11" fmla="*/ 10 h 19"/>
+                <a:gd name="T12" fmla="*/ 256 w 265"/>
+                <a:gd name="T13" fmla="*/ 0 h 19"/>
+              </a:gdLst>
+              <a:ahLst/>
+              <a:cxnLst>
+                <a:cxn ang="0">
+                  <a:pos x="T0" y="T1"/>
+                </a:cxn>
+                <a:cxn ang="0">
+                  <a:pos x="T2" y="T3"/>
+                </a:cxn>
+                <a:cxn ang="0">
+                  <a:pos x="T4" y="T5"/>
+                </a:cxn>
+                <a:cxn ang="0">
+                  <a:pos x="T6" y="T7"/>
+                </a:cxn>
+                <a:cxn ang="0">
+                  <a:pos x="T8" y="T9"/>
+                </a:cxn>
+                <a:cxn ang="0">
+                  <a:pos x="T10" y="T11"/>
+                </a:cxn>
+                <a:cxn ang="0">
+                  <a:pos x="T12" y="T13"/>
+                </a:cxn>
+              </a:cxnLst>
+              <a:rect l="0" t="0" r="r" b="b"/>
+              <a:pathLst>
+                <a:path w="265" h="19">
+                  <a:moveTo>
+                    <a:pt x="256" y="0"/>
+                  </a:moveTo>
+                  <a:cubicBezTo>
+                    <a:pt x="10" y="0"/>
+                    <a:pt x="10" y="0"/>
+                    <a:pt x="10" y="0"/>
+                  </a:cubicBezTo>
+                  <a:cubicBezTo>
+                    <a:pt x="5" y="0"/>
+                    <a:pt x="0" y="5"/>
+                    <a:pt x="0" y="10"/>
+                  </a:cubicBezTo>
+                  <a:cubicBezTo>
+                    <a:pt x="0" y="15"/>
+                    <a:pt x="5" y="19"/>
+                    <a:pt x="10" y="19"/>
+                  </a:cubicBezTo>
+                  <a:cubicBezTo>
+                    <a:pt x="256" y="19"/>
+                    <a:pt x="256" y="19"/>
+                    <a:pt x="256" y="19"/>
+                  </a:cubicBezTo>
+                  <a:cubicBezTo>
+                    <a:pt x="261" y="19"/>
+                    <a:pt x="265" y="15"/>
+                    <a:pt x="265" y="10"/>
+                  </a:cubicBezTo>
+                  <a:cubicBezTo>
+                    <a:pt x="265" y="5"/>
+                    <a:pt x="261" y="0"/>
+                    <a:pt x="256" y="0"/>
+                  </a:cubicBezTo>
+                  <a:close/>
+                </a:path>
+              </a:pathLst>
+            </a:custGeom>
+            <a:grpFill/>
+            <a:ln>
+              <a:noFill/>
+            </a:ln>
+            <a:extLst>
+              <a:ext uri="{91240B29-F687-4F45-9708-019B960494DF}">
+                <a14:hiddenLine xmlns:a14="http://schemas.microsoft.com/office/drawing/2010/main" w="9525">
+                  <a:solidFill>
+                    <a:srgbClr val="000000"/>
+                  </a:solidFill>
+                  <a:round/>
+                </a14:hiddenLine>
+              </a:ext>
+            </a:extLst>
+          </p:spPr>
+          <p:txBody>
+            <a:bodyPr vert="horz" wrap="square" lIns="91440" tIns="45720" rIns="91440" bIns="45720" numCol="1" anchor="t" anchorCtr="0" compatLnSpc="1"/>
+            <a:lstStyle/>
+            <a:p>
+              <a:endParaRPr lang="en-US"/>
+            </a:p>
+          </p:txBody>
+        </p:sp>
+        <p:sp>
+          <p:nvSpPr>
+            <p:cNvPr id="33" name="Freeform 26"/>
+            <p:cNvSpPr/>
+            <p:nvPr/>
+          </p:nvSpPr>
+          <p:spPr bwMode="auto">
+            <a:xfrm>
+              <a:off x="6650038" y="6053138"/>
+              <a:ext cx="242888" cy="17463"/>
+            </a:xfrm>
+            <a:custGeom>
+              <a:avLst/>
+              <a:gdLst>
+                <a:gd name="T0" fmla="*/ 256 w 265"/>
+                <a:gd name="T1" fmla="*/ 0 h 19"/>
+                <a:gd name="T2" fmla="*/ 10 w 265"/>
+                <a:gd name="T3" fmla="*/ 0 h 19"/>
+                <a:gd name="T4" fmla="*/ 0 w 265"/>
+                <a:gd name="T5" fmla="*/ 9 h 19"/>
+                <a:gd name="T6" fmla="*/ 10 w 265"/>
+                <a:gd name="T7" fmla="*/ 19 h 19"/>
+                <a:gd name="T8" fmla="*/ 256 w 265"/>
+                <a:gd name="T9" fmla="*/ 19 h 19"/>
+                <a:gd name="T10" fmla="*/ 265 w 265"/>
+                <a:gd name="T11" fmla="*/ 9 h 19"/>
+                <a:gd name="T12" fmla="*/ 256 w 265"/>
+                <a:gd name="T13" fmla="*/ 0 h 19"/>
+              </a:gdLst>
+              <a:ahLst/>
+              <a:cxnLst>
+                <a:cxn ang="0">
+                  <a:pos x="T0" y="T1"/>
+                </a:cxn>
+                <a:cxn ang="0">
+                  <a:pos x="T2" y="T3"/>
+                </a:cxn>
+                <a:cxn ang="0">
+                  <a:pos x="T4" y="T5"/>
+                </a:cxn>
+                <a:cxn ang="0">
+                  <a:pos x="T6" y="T7"/>
+                </a:cxn>
+                <a:cxn ang="0">
+                  <a:pos x="T8" y="T9"/>
+                </a:cxn>
+                <a:cxn ang="0">
+                  <a:pos x="T10" y="T11"/>
+                </a:cxn>
+                <a:cxn ang="0">
+                  <a:pos x="T12" y="T13"/>
+                </a:cxn>
+              </a:cxnLst>
+              <a:rect l="0" t="0" r="r" b="b"/>
+              <a:pathLst>
+                <a:path w="265" h="19">
+                  <a:moveTo>
+                    <a:pt x="256" y="0"/>
+                  </a:moveTo>
+                  <a:cubicBezTo>
+                    <a:pt x="10" y="0"/>
+                    <a:pt x="10" y="0"/>
+                    <a:pt x="10" y="0"/>
+                  </a:cubicBezTo>
+                  <a:cubicBezTo>
+                    <a:pt x="5" y="0"/>
+                    <a:pt x="0" y="4"/>
+                    <a:pt x="0" y="9"/>
+                  </a:cubicBezTo>
+                  <a:cubicBezTo>
+                    <a:pt x="0" y="15"/>
+                    <a:pt x="5" y="19"/>
+                    <a:pt x="10" y="19"/>
+                  </a:cubicBezTo>
+                  <a:cubicBezTo>
+                    <a:pt x="256" y="19"/>
+                    <a:pt x="256" y="19"/>
+                    <a:pt x="256" y="19"/>
+                  </a:cubicBezTo>
+                  <a:cubicBezTo>
+                    <a:pt x="261" y="19"/>
+                    <a:pt x="265" y="15"/>
+                    <a:pt x="265" y="9"/>
+                  </a:cubicBezTo>
+                  <a:cubicBezTo>
+                    <a:pt x="265" y="4"/>
+                    <a:pt x="261" y="0"/>
+                    <a:pt x="256" y="0"/>
+                  </a:cubicBezTo>
+                  <a:close/>
+                </a:path>
+              </a:pathLst>
+            </a:custGeom>
+            <a:grpFill/>
+            <a:ln>
+              <a:noFill/>
+            </a:ln>
+            <a:extLst>
+              <a:ext uri="{91240B29-F687-4F45-9708-019B960494DF}">
+                <a14:hiddenLine xmlns:a14="http://schemas.microsoft.com/office/drawing/2010/main" w="9525">
+                  <a:solidFill>
+                    <a:srgbClr val="000000"/>
+                  </a:solidFill>
+                  <a:round/>
+                </a14:hiddenLine>
+              </a:ext>
+            </a:extLst>
+          </p:spPr>
+          <p:txBody>
+            <a:bodyPr vert="horz" wrap="square" lIns="91440" tIns="45720" rIns="91440" bIns="45720" numCol="1" anchor="t" anchorCtr="0" compatLnSpc="1"/>
+            <a:lstStyle/>
+            <a:p>
+              <a:endParaRPr lang="en-US"/>
+            </a:p>
+          </p:txBody>
+        </p:sp>
+        <p:sp>
+          <p:nvSpPr>
+            <p:cNvPr id="34" name="Freeform 27"/>
+            <p:cNvSpPr/>
+            <p:nvPr/>
+          </p:nvSpPr>
+          <p:spPr bwMode="auto">
+            <a:xfrm>
+              <a:off x="6650038" y="5943600"/>
+              <a:ext cx="242888" cy="19050"/>
+            </a:xfrm>
+            <a:custGeom>
+              <a:avLst/>
+              <a:gdLst>
+                <a:gd name="T0" fmla="*/ 256 w 265"/>
+                <a:gd name="T1" fmla="*/ 0 h 20"/>
+                <a:gd name="T2" fmla="*/ 10 w 265"/>
+                <a:gd name="T3" fmla="*/ 0 h 20"/>
+                <a:gd name="T4" fmla="*/ 0 w 265"/>
+                <a:gd name="T5" fmla="*/ 10 h 20"/>
+                <a:gd name="T6" fmla="*/ 10 w 265"/>
+                <a:gd name="T7" fmla="*/ 20 h 20"/>
+                <a:gd name="T8" fmla="*/ 256 w 265"/>
+                <a:gd name="T9" fmla="*/ 20 h 20"/>
+                <a:gd name="T10" fmla="*/ 265 w 265"/>
+                <a:gd name="T11" fmla="*/ 10 h 20"/>
+                <a:gd name="T12" fmla="*/ 256 w 265"/>
+                <a:gd name="T13" fmla="*/ 0 h 20"/>
+              </a:gdLst>
+              <a:ahLst/>
+              <a:cxnLst>
+                <a:cxn ang="0">
+                  <a:pos x="T0" y="T1"/>
+                </a:cxn>
+                <a:cxn ang="0">
+                  <a:pos x="T2" y="T3"/>
+                </a:cxn>
+                <a:cxn ang="0">
+                  <a:pos x="T4" y="T5"/>
+                </a:cxn>
+                <a:cxn ang="0">
+                  <a:pos x="T6" y="T7"/>
+                </a:cxn>
+                <a:cxn ang="0">
+                  <a:pos x="T8" y="T9"/>
+                </a:cxn>
+                <a:cxn ang="0">
+                  <a:pos x="T10" y="T11"/>
+                </a:cxn>
+                <a:cxn ang="0">
+                  <a:pos x="T12" y="T13"/>
+                </a:cxn>
+              </a:cxnLst>
+              <a:rect l="0" t="0" r="r" b="b"/>
+              <a:pathLst>
+                <a:path w="265" h="20">
+                  <a:moveTo>
+                    <a:pt x="256" y="0"/>
+                  </a:moveTo>
+                  <a:cubicBezTo>
+                    <a:pt x="10" y="0"/>
+                    <a:pt x="10" y="0"/>
+                    <a:pt x="10" y="0"/>
+                  </a:cubicBezTo>
+                  <a:cubicBezTo>
+                    <a:pt x="5" y="0"/>
+                    <a:pt x="0" y="5"/>
+                    <a:pt x="0" y="10"/>
+                  </a:cubicBezTo>
+                  <a:cubicBezTo>
+                    <a:pt x="0" y="15"/>
+                    <a:pt x="5" y="20"/>
+                    <a:pt x="10" y="20"/>
+                  </a:cubicBezTo>
+                  <a:cubicBezTo>
+                    <a:pt x="256" y="20"/>
+                    <a:pt x="256" y="20"/>
+                    <a:pt x="256" y="20"/>
+                  </a:cubicBezTo>
+                  <a:cubicBezTo>
+                    <a:pt x="261" y="20"/>
+                    <a:pt x="265" y="15"/>
+                    <a:pt x="265" y="10"/>
+                  </a:cubicBezTo>
+                  <a:cubicBezTo>
+                    <a:pt x="265" y="5"/>
+                    <a:pt x="261" y="0"/>
+                    <a:pt x="256" y="0"/>
+                  </a:cubicBezTo>
+                  <a:close/>
+                </a:path>
+              </a:pathLst>
+            </a:custGeom>
+            <a:grpFill/>
+            <a:ln>
+              <a:noFill/>
+            </a:ln>
+            <a:extLst>
+              <a:ext uri="{91240B29-F687-4F45-9708-019B960494DF}">
+                <a14:hiddenLine xmlns:a14="http://schemas.microsoft.com/office/drawing/2010/main" w="9525">
+                  <a:solidFill>
+                    <a:srgbClr val="000000"/>
+                  </a:solidFill>
+                  <a:round/>
+                </a14:hiddenLine>
+              </a:ext>
+            </a:extLst>
+          </p:spPr>
+          <p:txBody>
+            <a:bodyPr vert="horz" wrap="square" lIns="91440" tIns="45720" rIns="91440" bIns="45720" numCol="1" anchor="t" anchorCtr="0" compatLnSpc="1"/>
+            <a:lstStyle/>
+            <a:p>
+              <a:endParaRPr lang="en-US"/>
+            </a:p>
+          </p:txBody>
+        </p:sp>
+        <p:sp>
+          <p:nvSpPr>
+            <p:cNvPr id="35" name="Freeform 28"/>
+            <p:cNvSpPr/>
+            <p:nvPr/>
+          </p:nvSpPr>
+          <p:spPr bwMode="auto">
+            <a:xfrm>
+              <a:off x="6565900" y="5926138"/>
+              <a:ext cx="55563" cy="55563"/>
+            </a:xfrm>
+            <a:custGeom>
+              <a:avLst/>
+              <a:gdLst>
+                <a:gd name="T0" fmla="*/ 51 w 61"/>
+                <a:gd name="T1" fmla="*/ 0 h 61"/>
+                <a:gd name="T2" fmla="*/ 9 w 61"/>
+                <a:gd name="T3" fmla="*/ 0 h 61"/>
+                <a:gd name="T4" fmla="*/ 0 w 61"/>
+                <a:gd name="T5" fmla="*/ 9 h 61"/>
+                <a:gd name="T6" fmla="*/ 0 w 61"/>
+                <a:gd name="T7" fmla="*/ 51 h 61"/>
+                <a:gd name="T8" fmla="*/ 9 w 61"/>
+                <a:gd name="T9" fmla="*/ 61 h 61"/>
+                <a:gd name="T10" fmla="*/ 51 w 61"/>
+                <a:gd name="T11" fmla="*/ 61 h 61"/>
+                <a:gd name="T12" fmla="*/ 61 w 61"/>
+                <a:gd name="T13" fmla="*/ 51 h 61"/>
+                <a:gd name="T14" fmla="*/ 61 w 61"/>
+                <a:gd name="T15" fmla="*/ 9 h 61"/>
+                <a:gd name="T16" fmla="*/ 51 w 61"/>
+                <a:gd name="T17" fmla="*/ 0 h 61"/>
+              </a:gdLst>
+              <a:ahLst/>
+              <a:cxnLst>
+                <a:cxn ang="0">
+                  <a:pos x="T0" y="T1"/>
+                </a:cxn>
+                <a:cxn ang="0">
+                  <a:pos x="T2" y="T3"/>
+                </a:cxn>
+                <a:cxn ang="0">
+                  <a:pos x="T4" y="T5"/>
+                </a:cxn>
+                <a:cxn ang="0">
+                  <a:pos x="T6" y="T7"/>
+                </a:cxn>
+                <a:cxn ang="0">
+                  <a:pos x="T8" y="T9"/>
+                </a:cxn>
+                <a:cxn ang="0">
+                  <a:pos x="T10" y="T11"/>
+                </a:cxn>
+                <a:cxn ang="0">
+                  <a:pos x="T12" y="T13"/>
+                </a:cxn>
+                <a:cxn ang="0">
+                  <a:pos x="T14" y="T15"/>
+                </a:cxn>
+                <a:cxn ang="0">
+                  <a:pos x="T16" y="T17"/>
+                </a:cxn>
+              </a:cxnLst>
+              <a:rect l="0" t="0" r="r" b="b"/>
+              <a:pathLst>
+                <a:path w="61" h="61">
+                  <a:moveTo>
+                    <a:pt x="51" y="0"/>
+                  </a:moveTo>
+                  <a:cubicBezTo>
+                    <a:pt x="9" y="0"/>
+                    <a:pt x="9" y="0"/>
+                    <a:pt x="9" y="0"/>
+                  </a:cubicBezTo>
+                  <a:cubicBezTo>
+                    <a:pt x="4" y="0"/>
+                    <a:pt x="0" y="4"/>
+                    <a:pt x="0" y="9"/>
+                  </a:cubicBezTo>
+                  <a:cubicBezTo>
+                    <a:pt x="0" y="51"/>
+                    <a:pt x="0" y="51"/>
+                    <a:pt x="0" y="51"/>
+                  </a:cubicBezTo>
+                  <a:cubicBezTo>
+                    <a:pt x="0" y="56"/>
+                    <a:pt x="4" y="61"/>
+                    <a:pt x="9" y="61"/>
+                  </a:cubicBezTo>
+                  <a:cubicBezTo>
+                    <a:pt x="51" y="61"/>
+                    <a:pt x="51" y="61"/>
+                    <a:pt x="51" y="61"/>
+                  </a:cubicBezTo>
+                  <a:cubicBezTo>
+                    <a:pt x="56" y="61"/>
+                    <a:pt x="61" y="56"/>
+                    <a:pt x="61" y="51"/>
+                  </a:cubicBezTo>
+                  <a:cubicBezTo>
+                    <a:pt x="61" y="9"/>
+                    <a:pt x="61" y="9"/>
+                    <a:pt x="61" y="9"/>
+                  </a:cubicBezTo>
+                  <a:cubicBezTo>
+                    <a:pt x="61" y="4"/>
+                    <a:pt x="56" y="0"/>
+                    <a:pt x="51" y="0"/>
+                  </a:cubicBezTo>
+                  <a:close/>
+                </a:path>
+              </a:pathLst>
+            </a:custGeom>
+            <a:grpFill/>
+            <a:ln>
+              <a:noFill/>
+            </a:ln>
+            <a:extLst>
+              <a:ext uri="{91240B29-F687-4F45-9708-019B960494DF}">
+                <a14:hiddenLine xmlns:a14="http://schemas.microsoft.com/office/drawing/2010/main" w="9525">
+                  <a:solidFill>
+                    <a:srgbClr val="000000"/>
+                  </a:solidFill>
+                  <a:round/>
+                </a14:hiddenLine>
+              </a:ext>
+            </a:extLst>
+          </p:spPr>
+          <p:txBody>
+            <a:bodyPr vert="horz" wrap="square" lIns="91440" tIns="45720" rIns="91440" bIns="45720" numCol="1" anchor="t" anchorCtr="0" compatLnSpc="1"/>
+            <a:lstStyle/>
+            <a:p>
+              <a:endParaRPr lang="en-US"/>
+            </a:p>
+          </p:txBody>
+        </p:sp>
+        <p:sp>
+          <p:nvSpPr>
+            <p:cNvPr id="36" name="Freeform 29"/>
+            <p:cNvSpPr/>
+            <p:nvPr/>
+          </p:nvSpPr>
+          <p:spPr bwMode="auto">
+            <a:xfrm>
+              <a:off x="6565900" y="6032500"/>
+              <a:ext cx="55563" cy="57150"/>
+            </a:xfrm>
+            <a:custGeom>
+              <a:avLst/>
+              <a:gdLst>
+                <a:gd name="T0" fmla="*/ 51 w 61"/>
+                <a:gd name="T1" fmla="*/ 0 h 61"/>
+                <a:gd name="T2" fmla="*/ 9 w 61"/>
+                <a:gd name="T3" fmla="*/ 0 h 61"/>
+                <a:gd name="T4" fmla="*/ 0 w 61"/>
+                <a:gd name="T5" fmla="*/ 10 h 61"/>
+                <a:gd name="T6" fmla="*/ 0 w 61"/>
+                <a:gd name="T7" fmla="*/ 51 h 61"/>
+                <a:gd name="T8" fmla="*/ 9 w 61"/>
+                <a:gd name="T9" fmla="*/ 61 h 61"/>
+                <a:gd name="T10" fmla="*/ 51 w 61"/>
+                <a:gd name="T11" fmla="*/ 61 h 61"/>
+                <a:gd name="T12" fmla="*/ 61 w 61"/>
+                <a:gd name="T13" fmla="*/ 51 h 61"/>
+                <a:gd name="T14" fmla="*/ 61 w 61"/>
+                <a:gd name="T15" fmla="*/ 10 h 61"/>
+                <a:gd name="T16" fmla="*/ 51 w 61"/>
+                <a:gd name="T17" fmla="*/ 0 h 61"/>
+              </a:gdLst>
+              <a:ahLst/>
+              <a:cxnLst>
+                <a:cxn ang="0">
+                  <a:pos x="T0" y="T1"/>
+                </a:cxn>
+                <a:cxn ang="0">
+                  <a:pos x="T2" y="T3"/>
+                </a:cxn>
+                <a:cxn ang="0">
+                  <a:pos x="T4" y="T5"/>
+                </a:cxn>
+                <a:cxn ang="0">
+                  <a:pos x="T6" y="T7"/>
+                </a:cxn>
+                <a:cxn ang="0">
+                  <a:pos x="T8" y="T9"/>
+                </a:cxn>
+                <a:cxn ang="0">
+                  <a:pos x="T10" y="T11"/>
+                </a:cxn>
+                <a:cxn ang="0">
+                  <a:pos x="T12" y="T13"/>
+                </a:cxn>
+                <a:cxn ang="0">
+                  <a:pos x="T14" y="T15"/>
+                </a:cxn>
+                <a:cxn ang="0">
+                  <a:pos x="T16" y="T17"/>
+                </a:cxn>
+              </a:cxnLst>
+              <a:rect l="0" t="0" r="r" b="b"/>
+              <a:pathLst>
+                <a:path w="61" h="61">
+                  <a:moveTo>
+                    <a:pt x="51" y="0"/>
+                  </a:moveTo>
+                  <a:cubicBezTo>
+                    <a:pt x="9" y="0"/>
+                    <a:pt x="9" y="0"/>
+                    <a:pt x="9" y="0"/>
+                  </a:cubicBezTo>
+                  <a:cubicBezTo>
+                    <a:pt x="4" y="0"/>
+                    <a:pt x="0" y="4"/>
+                    <a:pt x="0" y="10"/>
+                  </a:cubicBezTo>
+                  <a:cubicBezTo>
+                    <a:pt x="0" y="51"/>
+                    <a:pt x="0" y="51"/>
+                    <a:pt x="0" y="51"/>
+                  </a:cubicBezTo>
+                  <a:cubicBezTo>
+                    <a:pt x="0" y="57"/>
+                    <a:pt x="4" y="61"/>
+                    <a:pt x="9" y="61"/>
+                  </a:cubicBezTo>
+                  <a:cubicBezTo>
+                    <a:pt x="51" y="61"/>
+                    <a:pt x="51" y="61"/>
+                    <a:pt x="51" y="61"/>
+                  </a:cubicBezTo>
+                  <a:cubicBezTo>
+                    <a:pt x="56" y="61"/>
+                    <a:pt x="61" y="57"/>
+                    <a:pt x="61" y="51"/>
+                  </a:cubicBezTo>
+                  <a:cubicBezTo>
+                    <a:pt x="61" y="10"/>
+                    <a:pt x="61" y="10"/>
+                    <a:pt x="61" y="10"/>
+                  </a:cubicBezTo>
+                  <a:cubicBezTo>
+                    <a:pt x="61" y="4"/>
+                    <a:pt x="56" y="0"/>
+                    <a:pt x="51" y="0"/>
+                  </a:cubicBezTo>
+                  <a:close/>
+                </a:path>
+              </a:pathLst>
+            </a:custGeom>
+            <a:grpFill/>
+            <a:ln>
+              <a:noFill/>
+            </a:ln>
+            <a:extLst>
+              <a:ext uri="{91240B29-F687-4F45-9708-019B960494DF}">
+                <a14:hiddenLine xmlns:a14="http://schemas.microsoft.com/office/drawing/2010/main" w="9525">
+                  <a:solidFill>
+                    <a:srgbClr val="000000"/>
+                  </a:solidFill>
+                  <a:round/>
+                </a14:hiddenLine>
+              </a:ext>
+            </a:extLst>
+          </p:spPr>
+          <p:txBody>
+            <a:bodyPr vert="horz" wrap="square" lIns="91440" tIns="45720" rIns="91440" bIns="45720" numCol="1" anchor="t" anchorCtr="0" compatLnSpc="1"/>
+            <a:lstStyle/>
+            <a:p>
+              <a:endParaRPr lang="en-US"/>
+            </a:p>
+          </p:txBody>
+        </p:sp>
+        <p:sp>
+          <p:nvSpPr>
+            <p:cNvPr id="37" name="Freeform 30"/>
+            <p:cNvSpPr/>
+            <p:nvPr/>
+          </p:nvSpPr>
+          <p:spPr bwMode="auto">
+            <a:xfrm>
+              <a:off x="6565900" y="6140450"/>
+              <a:ext cx="55563" cy="55563"/>
+            </a:xfrm>
+            <a:custGeom>
+              <a:avLst/>
+              <a:gdLst>
+                <a:gd name="T0" fmla="*/ 51 w 61"/>
+                <a:gd name="T1" fmla="*/ 0 h 61"/>
+                <a:gd name="T2" fmla="*/ 9 w 61"/>
+                <a:gd name="T3" fmla="*/ 0 h 61"/>
+                <a:gd name="T4" fmla="*/ 0 w 61"/>
+                <a:gd name="T5" fmla="*/ 10 h 61"/>
+                <a:gd name="T6" fmla="*/ 0 w 61"/>
+                <a:gd name="T7" fmla="*/ 52 h 61"/>
+                <a:gd name="T8" fmla="*/ 9 w 61"/>
+                <a:gd name="T9" fmla="*/ 61 h 61"/>
+                <a:gd name="T10" fmla="*/ 51 w 61"/>
+                <a:gd name="T11" fmla="*/ 61 h 61"/>
+                <a:gd name="T12" fmla="*/ 61 w 61"/>
+                <a:gd name="T13" fmla="*/ 52 h 61"/>
+                <a:gd name="T14" fmla="*/ 61 w 61"/>
+                <a:gd name="T15" fmla="*/ 10 h 61"/>
+                <a:gd name="T16" fmla="*/ 51 w 61"/>
+                <a:gd name="T17" fmla="*/ 0 h 61"/>
+              </a:gdLst>
+              <a:ahLst/>
+              <a:cxnLst>
+                <a:cxn ang="0">
+                  <a:pos x="T0" y="T1"/>
+                </a:cxn>
+                <a:cxn ang="0">
+                  <a:pos x="T2" y="T3"/>
+                </a:cxn>
+                <a:cxn ang="0">
+                  <a:pos x="T4" y="T5"/>
+                </a:cxn>
+                <a:cxn ang="0">
+                  <a:pos x="T6" y="T7"/>
+                </a:cxn>
+                <a:cxn ang="0">
+                  <a:pos x="T8" y="T9"/>
+                </a:cxn>
+                <a:cxn ang="0">
+                  <a:pos x="T10" y="T11"/>
+                </a:cxn>
+                <a:cxn ang="0">
+                  <a:pos x="T12" y="T13"/>
+                </a:cxn>
+                <a:cxn ang="0">
+                  <a:pos x="T14" y="T15"/>
+                </a:cxn>
+                <a:cxn ang="0">
+                  <a:pos x="T16" y="T17"/>
+                </a:cxn>
+              </a:cxnLst>
+              <a:rect l="0" t="0" r="r" b="b"/>
+              <a:pathLst>
+                <a:path w="61" h="61">
+                  <a:moveTo>
+                    <a:pt x="51" y="0"/>
+                  </a:moveTo>
+                  <a:cubicBezTo>
+                    <a:pt x="9" y="0"/>
+                    <a:pt x="9" y="0"/>
+                    <a:pt x="9" y="0"/>
+                  </a:cubicBezTo>
+                  <a:cubicBezTo>
+                    <a:pt x="4" y="0"/>
+                    <a:pt x="0" y="5"/>
+                    <a:pt x="0" y="10"/>
+                  </a:cubicBezTo>
+                  <a:cubicBezTo>
+                    <a:pt x="0" y="52"/>
+                    <a:pt x="0" y="52"/>
+                    <a:pt x="0" y="52"/>
+                  </a:cubicBezTo>
+                  <a:cubicBezTo>
+                    <a:pt x="0" y="57"/>
+                    <a:pt x="4" y="61"/>
+                    <a:pt x="9" y="61"/>
+                  </a:cubicBezTo>
+                  <a:cubicBezTo>
+                    <a:pt x="51" y="61"/>
+                    <a:pt x="51" y="61"/>
+                    <a:pt x="51" y="61"/>
+                  </a:cubicBezTo>
+                  <a:cubicBezTo>
+                    <a:pt x="56" y="61"/>
+                    <a:pt x="61" y="57"/>
+                    <a:pt x="61" y="52"/>
+                  </a:cubicBezTo>
+                  <a:cubicBezTo>
+                    <a:pt x="61" y="10"/>
+                    <a:pt x="61" y="10"/>
+                    <a:pt x="61" y="10"/>
+                  </a:cubicBezTo>
+                  <a:cubicBezTo>
+                    <a:pt x="61" y="5"/>
+                    <a:pt x="56" y="0"/>
+                    <a:pt x="51" y="0"/>
+                  </a:cubicBezTo>
+                  <a:close/>
+                </a:path>
+              </a:pathLst>
+            </a:custGeom>
+            <a:grpFill/>
+            <a:ln>
+              <a:noFill/>
+            </a:ln>
+            <a:extLst>
+              <a:ext uri="{91240B29-F687-4F45-9708-019B960494DF}">
+                <a14:hiddenLine xmlns:a14="http://schemas.microsoft.com/office/drawing/2010/main" w="9525">
+                  <a:solidFill>
+                    <a:srgbClr val="000000"/>
+                  </a:solidFill>
+                  <a:round/>
+                </a14:hiddenLine>
+              </a:ext>
+            </a:extLst>
+          </p:spPr>
+          <p:txBody>
+            <a:bodyPr vert="horz" wrap="square" lIns="91440" tIns="45720" rIns="91440" bIns="45720" numCol="1" anchor="t" anchorCtr="0" compatLnSpc="1"/>
+            <a:lstStyle/>
+            <a:p>
+              <a:endParaRPr lang="en-US"/>
+            </a:p>
+          </p:txBody>
+        </p:sp>
+      </p:grpSp>
+      <p:sp>
+        <p:nvSpPr>
+          <p:cNvPr id="38" name="Freeform 64"/>
+          <p:cNvSpPr>
+            <a:spLocks noEditPoints="1"/>
+          </p:cNvSpPr>
+          <p:nvPr/>
+        </p:nvSpPr>
+        <p:spPr bwMode="auto">
+          <a:xfrm>
+            <a:off x="1965960" y="4212473"/>
+            <a:ext cx="331182" cy="405247"/>
+          </a:xfrm>
+          <a:custGeom>
+            <a:avLst/>
+            <a:gdLst>
+              <a:gd name="T0" fmla="*/ 501 w 542"/>
+              <a:gd name="T1" fmla="*/ 319 h 664"/>
+              <a:gd name="T2" fmla="*/ 421 w 542"/>
+              <a:gd name="T3" fmla="*/ 313 h 664"/>
+              <a:gd name="T4" fmla="*/ 376 w 542"/>
+              <a:gd name="T5" fmla="*/ 258 h 664"/>
+              <a:gd name="T6" fmla="*/ 250 w 542"/>
+              <a:gd name="T7" fmla="*/ 116 h 664"/>
+              <a:gd name="T8" fmla="*/ 219 w 542"/>
+              <a:gd name="T9" fmla="*/ 3 h 664"/>
+              <a:gd name="T10" fmla="*/ 201 w 542"/>
+              <a:gd name="T11" fmla="*/ 3 h 664"/>
+              <a:gd name="T12" fmla="*/ 143 w 542"/>
+              <a:gd name="T13" fmla="*/ 186 h 664"/>
+              <a:gd name="T14" fmla="*/ 176 w 542"/>
+              <a:gd name="T15" fmla="*/ 278 h 664"/>
+              <a:gd name="T16" fmla="*/ 49 w 542"/>
+              <a:gd name="T17" fmla="*/ 304 h 664"/>
+              <a:gd name="T18" fmla="*/ 25 w 542"/>
+              <a:gd name="T19" fmla="*/ 445 h 664"/>
+              <a:gd name="T20" fmla="*/ 28 w 542"/>
+              <a:gd name="T21" fmla="*/ 514 h 664"/>
+              <a:gd name="T22" fmla="*/ 56 w 542"/>
+              <a:gd name="T23" fmla="*/ 542 h 664"/>
+              <a:gd name="T24" fmla="*/ 110 w 542"/>
+              <a:gd name="T25" fmla="*/ 603 h 664"/>
+              <a:gd name="T26" fmla="*/ 212 w 542"/>
+              <a:gd name="T27" fmla="*/ 664 h 664"/>
+              <a:gd name="T28" fmla="*/ 233 w 542"/>
+              <a:gd name="T29" fmla="*/ 656 h 664"/>
+              <a:gd name="T30" fmla="*/ 319 w 542"/>
+              <a:gd name="T31" fmla="*/ 663 h 664"/>
+              <a:gd name="T32" fmla="*/ 437 w 542"/>
+              <a:gd name="T33" fmla="*/ 575 h 664"/>
+              <a:gd name="T34" fmla="*/ 519 w 542"/>
+              <a:gd name="T35" fmla="*/ 564 h 664"/>
+              <a:gd name="T36" fmla="*/ 516 w 542"/>
+              <a:gd name="T37" fmla="*/ 329 h 664"/>
+              <a:gd name="T38" fmla="*/ 324 w 542"/>
+              <a:gd name="T39" fmla="*/ 616 h 664"/>
+              <a:gd name="T40" fmla="*/ 332 w 542"/>
+              <a:gd name="T41" fmla="*/ 593 h 664"/>
+              <a:gd name="T42" fmla="*/ 313 w 542"/>
+              <a:gd name="T43" fmla="*/ 548 h 664"/>
+              <a:gd name="T44" fmla="*/ 320 w 542"/>
+              <a:gd name="T45" fmla="*/ 524 h 664"/>
+              <a:gd name="T46" fmla="*/ 299 w 542"/>
+              <a:gd name="T47" fmla="*/ 479 h 664"/>
+              <a:gd name="T48" fmla="*/ 262 w 542"/>
+              <a:gd name="T49" fmla="*/ 424 h 664"/>
+              <a:gd name="T50" fmla="*/ 266 w 542"/>
+              <a:gd name="T51" fmla="*/ 403 h 664"/>
+              <a:gd name="T52" fmla="*/ 140 w 542"/>
+              <a:gd name="T53" fmla="*/ 345 h 664"/>
+              <a:gd name="T54" fmla="*/ 88 w 542"/>
+              <a:gd name="T55" fmla="*/ 356 h 664"/>
+              <a:gd name="T56" fmla="*/ 76 w 542"/>
+              <a:gd name="T57" fmla="*/ 385 h 664"/>
+              <a:gd name="T58" fmla="*/ 96 w 542"/>
+              <a:gd name="T59" fmla="*/ 397 h 664"/>
+              <a:gd name="T60" fmla="*/ 120 w 542"/>
+              <a:gd name="T61" fmla="*/ 395 h 664"/>
+              <a:gd name="T62" fmla="*/ 172 w 542"/>
+              <a:gd name="T63" fmla="*/ 380 h 664"/>
+              <a:gd name="T64" fmla="*/ 135 w 542"/>
+              <a:gd name="T65" fmla="*/ 438 h 664"/>
+              <a:gd name="T66" fmla="*/ 59 w 542"/>
+              <a:gd name="T67" fmla="*/ 419 h 664"/>
+              <a:gd name="T68" fmla="*/ 76 w 542"/>
+              <a:gd name="T69" fmla="*/ 333 h 664"/>
+              <a:gd name="T70" fmla="*/ 204 w 542"/>
+              <a:gd name="T71" fmla="*/ 318 h 664"/>
+              <a:gd name="T72" fmla="*/ 221 w 542"/>
+              <a:gd name="T73" fmla="*/ 301 h 664"/>
+              <a:gd name="T74" fmla="*/ 220 w 542"/>
+              <a:gd name="T75" fmla="*/ 296 h 664"/>
+              <a:gd name="T76" fmla="*/ 179 w 542"/>
+              <a:gd name="T77" fmla="*/ 166 h 664"/>
+              <a:gd name="T78" fmla="*/ 156 w 542"/>
+              <a:gd name="T79" fmla="*/ 105 h 664"/>
+              <a:gd name="T80" fmla="*/ 195 w 542"/>
+              <a:gd name="T81" fmla="*/ 49 h 664"/>
+              <a:gd name="T82" fmla="*/ 217 w 542"/>
+              <a:gd name="T83" fmla="*/ 141 h 664"/>
+              <a:gd name="T84" fmla="*/ 356 w 542"/>
+              <a:gd name="T85" fmla="*/ 297 h 664"/>
+              <a:gd name="T86" fmla="*/ 486 w 542"/>
+              <a:gd name="T87" fmla="*/ 361 h 664"/>
+              <a:gd name="T88" fmla="*/ 487 w 542"/>
+              <a:gd name="T89" fmla="*/ 533 h 664"/>
+              <a:gd name="T90" fmla="*/ 414 w 542"/>
+              <a:gd name="T91" fmla="*/ 540 h 664"/>
+              <a:gd name="T92" fmla="*/ 300 w 542"/>
+              <a:gd name="T93" fmla="*/ 627 h 664"/>
+              <a:gd name="T94" fmla="*/ 159 w 542"/>
+              <a:gd name="T95" fmla="*/ 618 h 664"/>
+              <a:gd name="T96" fmla="*/ 188 w 542"/>
+              <a:gd name="T97" fmla="*/ 603 h 664"/>
+              <a:gd name="T98" fmla="*/ 262 w 542"/>
+              <a:gd name="T99" fmla="*/ 572 h 664"/>
+              <a:gd name="T100" fmla="*/ 281 w 542"/>
+              <a:gd name="T101" fmla="*/ 592 h 664"/>
+              <a:gd name="T102" fmla="*/ 192 w 542"/>
+              <a:gd name="T103" fmla="*/ 625 h 664"/>
+              <a:gd name="T104" fmla="*/ 60 w 542"/>
+              <a:gd name="T105" fmla="*/ 469 h 664"/>
+              <a:gd name="T106" fmla="*/ 140 w 542"/>
+              <a:gd name="T107" fmla="*/ 478 h 664"/>
+              <a:gd name="T108" fmla="*/ 218 w 542"/>
+              <a:gd name="T109" fmla="*/ 444 h 664"/>
+              <a:gd name="T110" fmla="*/ 165 w 542"/>
+              <a:gd name="T111" fmla="*/ 501 h 664"/>
+              <a:gd name="T112" fmla="*/ 69 w 542"/>
+              <a:gd name="T113" fmla="*/ 494 h 664"/>
+              <a:gd name="T114" fmla="*/ 169 w 542"/>
+              <a:gd name="T115" fmla="*/ 541 h 664"/>
+              <a:gd name="T116" fmla="*/ 249 w 542"/>
+              <a:gd name="T117" fmla="*/ 507 h 664"/>
+              <a:gd name="T118" fmla="*/ 183 w 542"/>
+              <a:gd name="T119" fmla="*/ 562 h 664"/>
+              <a:gd name="T120" fmla="*/ 105 w 542"/>
+              <a:gd name="T121" fmla="*/ 556 h 664"/>
+              <a:gd name="T122" fmla="*/ 169 w 542"/>
+              <a:gd name="T123" fmla="*/ 541 h 664"/>
+            </a:gdLst>
+            <a:ahLst/>
+            <a:cxnLst>
+              <a:cxn ang="0">
+                <a:pos x="T0" y="T1"/>
+              </a:cxn>
+              <a:cxn ang="0">
+                <a:pos x="T2" y="T3"/>
+              </a:cxn>
+              <a:cxn ang="0">
+                <a:pos x="T4" y="T5"/>
+              </a:cxn>
+              <a:cxn ang="0">
+                <a:pos x="T6" y="T7"/>
+              </a:cxn>
+              <a:cxn ang="0">
+                <a:pos x="T8" y="T9"/>
+              </a:cxn>
+              <a:cxn ang="0">
+                <a:pos x="T10" y="T11"/>
+              </a:cxn>
+              <a:cxn ang="0">
+                <a:pos x="T12" y="T13"/>
+              </a:cxn>
+              <a:cxn ang="0">
+                <a:pos x="T14" y="T15"/>
+              </a:cxn>
+              <a:cxn ang="0">
+                <a:pos x="T16" y="T17"/>
+              </a:cxn>
+              <a:cxn ang="0">
+                <a:pos x="T18" y="T19"/>
+              </a:cxn>
+              <a:cxn ang="0">
+                <a:pos x="T20" y="T21"/>
+              </a:cxn>
+              <a:cxn ang="0">
+                <a:pos x="T22" y="T23"/>
+              </a:cxn>
+              <a:cxn ang="0">
+                <a:pos x="T24" y="T25"/>
+              </a:cxn>
+              <a:cxn ang="0">
+                <a:pos x="T26" y="T27"/>
+              </a:cxn>
+              <a:cxn ang="0">
+                <a:pos x="T28" y="T29"/>
+              </a:cxn>
+              <a:cxn ang="0">
+                <a:pos x="T30" y="T31"/>
+              </a:cxn>
+              <a:cxn ang="0">
+                <a:pos x="T32" y="T33"/>
+              </a:cxn>
+              <a:cxn ang="0">
+                <a:pos x="T34" y="T35"/>
+              </a:cxn>
+              <a:cxn ang="0">
+                <a:pos x="T36" y="T37"/>
+              </a:cxn>
+              <a:cxn ang="0">
+                <a:pos x="T38" y="T39"/>
+              </a:cxn>
+              <a:cxn ang="0">
+                <a:pos x="T40" y="T41"/>
+              </a:cxn>
+              <a:cxn ang="0">
+                <a:pos x="T42" y="T43"/>
+              </a:cxn>
+              <a:cxn ang="0">
+                <a:pos x="T44" y="T45"/>
+              </a:cxn>
+              <a:cxn ang="0">
+                <a:pos x="T46" y="T47"/>
+              </a:cxn>
+              <a:cxn ang="0">
+                <a:pos x="T48" y="T49"/>
+              </a:cxn>
+              <a:cxn ang="0">
+                <a:pos x="T50" y="T51"/>
+              </a:cxn>
+              <a:cxn ang="0">
+                <a:pos x="T52" y="T53"/>
+              </a:cxn>
+              <a:cxn ang="0">
+                <a:pos x="T54" y="T55"/>
+              </a:cxn>
+              <a:cxn ang="0">
+                <a:pos x="T56" y="T57"/>
+              </a:cxn>
+              <a:cxn ang="0">
+                <a:pos x="T58" y="T59"/>
+              </a:cxn>
+              <a:cxn ang="0">
+                <a:pos x="T60" y="T61"/>
+              </a:cxn>
+              <a:cxn ang="0">
+                <a:pos x="T62" y="T63"/>
+              </a:cxn>
+              <a:cxn ang="0">
+                <a:pos x="T64" y="T65"/>
+              </a:cxn>
+              <a:cxn ang="0">
+                <a:pos x="T66" y="T67"/>
+              </a:cxn>
+              <a:cxn ang="0">
+                <a:pos x="T68" y="T69"/>
+              </a:cxn>
+              <a:cxn ang="0">
+                <a:pos x="T70" y="T71"/>
+              </a:cxn>
+              <a:cxn ang="0">
+                <a:pos x="T72" y="T73"/>
+              </a:cxn>
+              <a:cxn ang="0">
+                <a:pos x="T74" y="T75"/>
+              </a:cxn>
+              <a:cxn ang="0">
+                <a:pos x="T76" y="T77"/>
+              </a:cxn>
+              <a:cxn ang="0">
+                <a:pos x="T78" y="T79"/>
+              </a:cxn>
+              <a:cxn ang="0">
+                <a:pos x="T80" y="T81"/>
+              </a:cxn>
+              <a:cxn ang="0">
+                <a:pos x="T82" y="T83"/>
+              </a:cxn>
+              <a:cxn ang="0">
+                <a:pos x="T84" y="T85"/>
+              </a:cxn>
+              <a:cxn ang="0">
+                <a:pos x="T86" y="T87"/>
+              </a:cxn>
+              <a:cxn ang="0">
+                <a:pos x="T88" y="T89"/>
+              </a:cxn>
+              <a:cxn ang="0">
+                <a:pos x="T90" y="T91"/>
+              </a:cxn>
+              <a:cxn ang="0">
+                <a:pos x="T92" y="T93"/>
+              </a:cxn>
+              <a:cxn ang="0">
+                <a:pos x="T94" y="T95"/>
+              </a:cxn>
+              <a:cxn ang="0">
+                <a:pos x="T96" y="T97"/>
+              </a:cxn>
+              <a:cxn ang="0">
+                <a:pos x="T98" y="T99"/>
+              </a:cxn>
+              <a:cxn ang="0">
+                <a:pos x="T100" y="T101"/>
+              </a:cxn>
+              <a:cxn ang="0">
+                <a:pos x="T102" y="T103"/>
+              </a:cxn>
+              <a:cxn ang="0">
+                <a:pos x="T104" y="T105"/>
+              </a:cxn>
+              <a:cxn ang="0">
+                <a:pos x="T106" y="T107"/>
+              </a:cxn>
+              <a:cxn ang="0">
+                <a:pos x="T108" y="T109"/>
+              </a:cxn>
+              <a:cxn ang="0">
+                <a:pos x="T110" y="T111"/>
+              </a:cxn>
+              <a:cxn ang="0">
+                <a:pos x="T112" y="T113"/>
+              </a:cxn>
+              <a:cxn ang="0">
+                <a:pos x="T114" y="T115"/>
+              </a:cxn>
+              <a:cxn ang="0">
+                <a:pos x="T116" y="T117"/>
+              </a:cxn>
+              <a:cxn ang="0">
+                <a:pos x="T118" y="T119"/>
+              </a:cxn>
+              <a:cxn ang="0">
+                <a:pos x="T120" y="T121"/>
+              </a:cxn>
+              <a:cxn ang="0">
+                <a:pos x="T122" y="T123"/>
+              </a:cxn>
+            </a:cxnLst>
+            <a:rect l="0" t="0" r="r" b="b"/>
+            <a:pathLst>
+              <a:path w="542" h="664">
+                <a:moveTo>
+                  <a:pt x="516" y="329"/>
+                </a:moveTo>
+                <a:cubicBezTo>
+                  <a:pt x="514" y="323"/>
+                  <a:pt x="507" y="319"/>
+                  <a:pt x="501" y="319"/>
+                </a:cubicBezTo>
+                <a:cubicBezTo>
+                  <a:pt x="447" y="319"/>
+                  <a:pt x="447" y="319"/>
+                  <a:pt x="447" y="319"/>
+                </a:cubicBezTo>
+                <a:cubicBezTo>
+                  <a:pt x="435" y="319"/>
+                  <a:pt x="426" y="317"/>
+                  <a:pt x="421" y="313"/>
+                </a:cubicBezTo>
+                <a:cubicBezTo>
+                  <a:pt x="418" y="311"/>
+                  <a:pt x="409" y="302"/>
+                  <a:pt x="391" y="277"/>
+                </a:cubicBezTo>
+                <a:cubicBezTo>
+                  <a:pt x="376" y="258"/>
+                  <a:pt x="376" y="258"/>
+                  <a:pt x="376" y="258"/>
+                </a:cubicBezTo>
+                <a:cubicBezTo>
+                  <a:pt x="359" y="235"/>
+                  <a:pt x="349" y="222"/>
+                  <a:pt x="342" y="214"/>
+                </a:cubicBezTo>
+                <a:cubicBezTo>
+                  <a:pt x="250" y="116"/>
+                  <a:pt x="250" y="116"/>
+                  <a:pt x="250" y="116"/>
+                </a:cubicBezTo>
+                <a:cubicBezTo>
+                  <a:pt x="227" y="14"/>
+                  <a:pt x="227" y="14"/>
+                  <a:pt x="227" y="14"/>
+                </a:cubicBezTo>
+                <a:cubicBezTo>
+                  <a:pt x="226" y="10"/>
+                  <a:pt x="223" y="6"/>
+                  <a:pt x="219" y="3"/>
+                </a:cubicBezTo>
+                <a:cubicBezTo>
+                  <a:pt x="215" y="1"/>
+                  <a:pt x="211" y="0"/>
+                  <a:pt x="206" y="1"/>
+                </a:cubicBezTo>
+                <a:cubicBezTo>
+                  <a:pt x="201" y="3"/>
+                  <a:pt x="201" y="3"/>
+                  <a:pt x="201" y="3"/>
+                </a:cubicBezTo>
+                <a:cubicBezTo>
+                  <a:pt x="144" y="16"/>
+                  <a:pt x="115" y="50"/>
+                  <a:pt x="115" y="105"/>
+                </a:cubicBezTo>
+                <a:cubicBezTo>
+                  <a:pt x="115" y="124"/>
+                  <a:pt x="124" y="151"/>
+                  <a:pt x="143" y="186"/>
+                </a:cubicBezTo>
+                <a:cubicBezTo>
+                  <a:pt x="150" y="200"/>
+                  <a:pt x="150" y="200"/>
+                  <a:pt x="150" y="200"/>
+                </a:cubicBezTo>
+                <a:cubicBezTo>
+                  <a:pt x="163" y="225"/>
+                  <a:pt x="172" y="251"/>
+                  <a:pt x="176" y="278"/>
+                </a:cubicBezTo>
+                <a:cubicBezTo>
+                  <a:pt x="172" y="278"/>
+                  <a:pt x="172" y="278"/>
+                  <a:pt x="172" y="278"/>
+                </a:cubicBezTo>
+                <a:cubicBezTo>
+                  <a:pt x="122" y="278"/>
+                  <a:pt x="80" y="287"/>
+                  <a:pt x="49" y="304"/>
+                </a:cubicBezTo>
+                <a:cubicBezTo>
+                  <a:pt x="16" y="323"/>
+                  <a:pt x="0" y="347"/>
+                  <a:pt x="0" y="378"/>
+                </a:cubicBezTo>
+                <a:cubicBezTo>
+                  <a:pt x="0" y="403"/>
+                  <a:pt x="8" y="424"/>
+                  <a:pt x="25" y="445"/>
+                </a:cubicBezTo>
+                <a:cubicBezTo>
+                  <a:pt x="19" y="456"/>
+                  <a:pt x="16" y="467"/>
+                  <a:pt x="16" y="477"/>
+                </a:cubicBezTo>
+                <a:cubicBezTo>
+                  <a:pt x="16" y="492"/>
+                  <a:pt x="20" y="504"/>
+                  <a:pt x="28" y="514"/>
+                </a:cubicBezTo>
+                <a:cubicBezTo>
+                  <a:pt x="35" y="522"/>
+                  <a:pt x="44" y="529"/>
+                  <a:pt x="56" y="533"/>
+                </a:cubicBezTo>
+                <a:cubicBezTo>
+                  <a:pt x="56" y="536"/>
+                  <a:pt x="56" y="539"/>
+                  <a:pt x="56" y="542"/>
+                </a:cubicBezTo>
+                <a:cubicBezTo>
+                  <a:pt x="56" y="575"/>
+                  <a:pt x="75" y="595"/>
+                  <a:pt x="110" y="601"/>
+                </a:cubicBezTo>
+                <a:cubicBezTo>
+                  <a:pt x="110" y="602"/>
+                  <a:pt x="110" y="603"/>
+                  <a:pt x="110" y="603"/>
+                </a:cubicBezTo>
+                <a:cubicBezTo>
+                  <a:pt x="110" y="631"/>
+                  <a:pt x="124" y="664"/>
+                  <a:pt x="192" y="664"/>
+                </a:cubicBezTo>
+                <a:cubicBezTo>
+                  <a:pt x="212" y="664"/>
+                  <a:pt x="212" y="664"/>
+                  <a:pt x="212" y="664"/>
+                </a:cubicBezTo>
+                <a:cubicBezTo>
+                  <a:pt x="215" y="664"/>
+                  <a:pt x="217" y="664"/>
+                  <a:pt x="220" y="663"/>
+                </a:cubicBezTo>
+                <a:cubicBezTo>
+                  <a:pt x="233" y="656"/>
+                  <a:pt x="233" y="656"/>
+                  <a:pt x="233" y="656"/>
+                </a:cubicBezTo>
+                <a:cubicBezTo>
+                  <a:pt x="255" y="661"/>
+                  <a:pt x="275" y="664"/>
+                  <a:pt x="292" y="664"/>
+                </a:cubicBezTo>
+                <a:cubicBezTo>
+                  <a:pt x="298" y="664"/>
+                  <a:pt x="307" y="664"/>
+                  <a:pt x="319" y="663"/>
+                </a:cubicBezTo>
+                <a:cubicBezTo>
+                  <a:pt x="321" y="663"/>
+                  <a:pt x="323" y="662"/>
+                  <a:pt x="325" y="661"/>
+                </a:cubicBezTo>
+                <a:cubicBezTo>
+                  <a:pt x="365" y="643"/>
+                  <a:pt x="403" y="614"/>
+                  <a:pt x="437" y="575"/>
+                </a:cubicBezTo>
+                <a:cubicBezTo>
+                  <a:pt x="503" y="575"/>
+                  <a:pt x="503" y="575"/>
+                  <a:pt x="503" y="575"/>
+                </a:cubicBezTo>
+                <a:cubicBezTo>
+                  <a:pt x="510" y="575"/>
+                  <a:pt x="516" y="570"/>
+                  <a:pt x="519" y="564"/>
+                </a:cubicBezTo>
+                <a:cubicBezTo>
+                  <a:pt x="534" y="525"/>
+                  <a:pt x="542" y="485"/>
+                  <a:pt x="542" y="447"/>
+                </a:cubicBezTo>
+                <a:cubicBezTo>
+                  <a:pt x="542" y="407"/>
+                  <a:pt x="533" y="367"/>
+                  <a:pt x="516" y="329"/>
+                </a:cubicBezTo>
+                <a:close/>
+                <a:moveTo>
+                  <a:pt x="300" y="627"/>
+                </a:moveTo>
+                <a:cubicBezTo>
+                  <a:pt x="324" y="616"/>
+                  <a:pt x="324" y="616"/>
+                  <a:pt x="324" y="616"/>
+                </a:cubicBezTo>
+                <a:cubicBezTo>
+                  <a:pt x="328" y="614"/>
+                  <a:pt x="331" y="611"/>
+                  <a:pt x="333" y="606"/>
+                </a:cubicBezTo>
+                <a:cubicBezTo>
+                  <a:pt x="334" y="602"/>
+                  <a:pt x="334" y="597"/>
+                  <a:pt x="332" y="593"/>
+                </a:cubicBezTo>
+                <a:cubicBezTo>
+                  <a:pt x="323" y="577"/>
+                  <a:pt x="313" y="564"/>
+                  <a:pt x="302" y="554"/>
+                </a:cubicBezTo>
+                <a:cubicBezTo>
+                  <a:pt x="313" y="548"/>
+                  <a:pt x="313" y="548"/>
+                  <a:pt x="313" y="548"/>
+                </a:cubicBezTo>
+                <a:cubicBezTo>
+                  <a:pt x="317" y="546"/>
+                  <a:pt x="321" y="542"/>
+                  <a:pt x="322" y="538"/>
+                </a:cubicBezTo>
+                <a:cubicBezTo>
+                  <a:pt x="323" y="533"/>
+                  <a:pt x="323" y="528"/>
+                  <a:pt x="320" y="524"/>
+                </a:cubicBezTo>
+                <a:cubicBezTo>
+                  <a:pt x="311" y="509"/>
+                  <a:pt x="301" y="497"/>
+                  <a:pt x="291" y="489"/>
+                </a:cubicBezTo>
+                <a:cubicBezTo>
+                  <a:pt x="294" y="487"/>
+                  <a:pt x="297" y="483"/>
+                  <a:pt x="299" y="479"/>
+                </a:cubicBezTo>
+                <a:cubicBezTo>
+                  <a:pt x="300" y="475"/>
+                  <a:pt x="300" y="470"/>
+                  <a:pt x="298" y="466"/>
+                </a:cubicBezTo>
+                <a:cubicBezTo>
+                  <a:pt x="288" y="448"/>
+                  <a:pt x="276" y="434"/>
+                  <a:pt x="262" y="424"/>
+                </a:cubicBezTo>
+                <a:cubicBezTo>
+                  <a:pt x="264" y="422"/>
+                  <a:pt x="266" y="419"/>
+                  <a:pt x="267" y="416"/>
+                </a:cubicBezTo>
+                <a:cubicBezTo>
+                  <a:pt x="268" y="412"/>
+                  <a:pt x="268" y="407"/>
+                  <a:pt x="266" y="403"/>
+                </a:cubicBezTo>
+                <a:cubicBezTo>
+                  <a:pt x="245" y="362"/>
+                  <a:pt x="212" y="341"/>
+                  <a:pt x="168" y="341"/>
+                </a:cubicBezTo>
+                <a:cubicBezTo>
+                  <a:pt x="160" y="341"/>
+                  <a:pt x="150" y="343"/>
+                  <a:pt x="140" y="345"/>
+                </a:cubicBezTo>
+                <a:cubicBezTo>
+                  <a:pt x="130" y="347"/>
+                  <a:pt x="120" y="351"/>
+                  <a:pt x="107" y="356"/>
+                </a:cubicBezTo>
+                <a:cubicBezTo>
+                  <a:pt x="88" y="356"/>
+                  <a:pt x="88" y="356"/>
+                  <a:pt x="88" y="356"/>
+                </a:cubicBezTo>
+                <a:cubicBezTo>
+                  <a:pt x="82" y="357"/>
+                  <a:pt x="76" y="361"/>
+                  <a:pt x="73" y="367"/>
+                </a:cubicBezTo>
+                <a:cubicBezTo>
+                  <a:pt x="71" y="373"/>
+                  <a:pt x="72" y="380"/>
+                  <a:pt x="76" y="385"/>
+                </a:cubicBezTo>
+                <a:cubicBezTo>
+                  <a:pt x="83" y="392"/>
+                  <a:pt x="83" y="392"/>
+                  <a:pt x="83" y="392"/>
+                </a:cubicBezTo>
+                <a:cubicBezTo>
+                  <a:pt x="86" y="395"/>
+                  <a:pt x="91" y="397"/>
+                  <a:pt x="96" y="397"/>
+                </a:cubicBezTo>
+                <a:cubicBezTo>
+                  <a:pt x="114" y="396"/>
+                  <a:pt x="114" y="396"/>
+                  <a:pt x="114" y="396"/>
+                </a:cubicBezTo>
+                <a:cubicBezTo>
+                  <a:pt x="116" y="396"/>
+                  <a:pt x="118" y="396"/>
+                  <a:pt x="120" y="395"/>
+                </a:cubicBezTo>
+                <a:cubicBezTo>
+                  <a:pt x="133" y="390"/>
+                  <a:pt x="143" y="386"/>
+                  <a:pt x="151" y="384"/>
+                </a:cubicBezTo>
+                <a:cubicBezTo>
+                  <a:pt x="160" y="381"/>
+                  <a:pt x="167" y="380"/>
+                  <a:pt x="172" y="380"/>
+                </a:cubicBezTo>
+                <a:cubicBezTo>
+                  <a:pt x="190" y="380"/>
+                  <a:pt x="205" y="387"/>
+                  <a:pt x="217" y="401"/>
+                </a:cubicBezTo>
+                <a:cubicBezTo>
+                  <a:pt x="135" y="438"/>
+                  <a:pt x="135" y="438"/>
+                  <a:pt x="135" y="438"/>
+                </a:cubicBezTo>
+                <a:cubicBezTo>
+                  <a:pt x="105" y="438"/>
+                  <a:pt x="105" y="438"/>
+                  <a:pt x="105" y="438"/>
+                </a:cubicBezTo>
+                <a:cubicBezTo>
+                  <a:pt x="87" y="438"/>
+                  <a:pt x="71" y="432"/>
+                  <a:pt x="59" y="419"/>
+                </a:cubicBezTo>
+                <a:cubicBezTo>
+                  <a:pt x="46" y="407"/>
+                  <a:pt x="40" y="393"/>
+                  <a:pt x="40" y="375"/>
+                </a:cubicBezTo>
+                <a:cubicBezTo>
+                  <a:pt x="40" y="363"/>
+                  <a:pt x="44" y="346"/>
+                  <a:pt x="76" y="333"/>
+                </a:cubicBezTo>
+                <a:cubicBezTo>
+                  <a:pt x="102" y="323"/>
+                  <a:pt x="142" y="318"/>
+                  <a:pt x="195" y="318"/>
+                </a:cubicBezTo>
+                <a:cubicBezTo>
+                  <a:pt x="204" y="318"/>
+                  <a:pt x="204" y="318"/>
+                  <a:pt x="204" y="318"/>
+                </a:cubicBezTo>
+                <a:cubicBezTo>
+                  <a:pt x="204" y="318"/>
+                  <a:pt x="204" y="318"/>
+                  <a:pt x="204" y="318"/>
+                </a:cubicBezTo>
+                <a:cubicBezTo>
+                  <a:pt x="213" y="318"/>
+                  <a:pt x="221" y="310"/>
+                  <a:pt x="221" y="301"/>
+                </a:cubicBezTo>
+                <a:cubicBezTo>
+                  <a:pt x="221" y="300"/>
+                  <a:pt x="220" y="299"/>
+                  <a:pt x="220" y="298"/>
+                </a:cubicBezTo>
+                <a:cubicBezTo>
+                  <a:pt x="220" y="296"/>
+                  <a:pt x="220" y="296"/>
+                  <a:pt x="220" y="296"/>
+                </a:cubicBezTo>
+                <a:cubicBezTo>
+                  <a:pt x="220" y="255"/>
+                  <a:pt x="206" y="211"/>
+                  <a:pt x="179" y="166"/>
+                </a:cubicBezTo>
+                <a:cubicBezTo>
+                  <a:pt x="179" y="166"/>
+                  <a:pt x="179" y="166"/>
+                  <a:pt x="179" y="166"/>
+                </a:cubicBezTo>
+                <a:cubicBezTo>
+                  <a:pt x="173" y="155"/>
+                  <a:pt x="173" y="155"/>
+                  <a:pt x="173" y="155"/>
+                </a:cubicBezTo>
+                <a:cubicBezTo>
+                  <a:pt x="162" y="137"/>
+                  <a:pt x="156" y="120"/>
+                  <a:pt x="156" y="105"/>
+                </a:cubicBezTo>
+                <a:cubicBezTo>
+                  <a:pt x="156" y="91"/>
+                  <a:pt x="160" y="79"/>
+                  <a:pt x="168" y="69"/>
+                </a:cubicBezTo>
+                <a:cubicBezTo>
+                  <a:pt x="174" y="61"/>
+                  <a:pt x="183" y="55"/>
+                  <a:pt x="195" y="49"/>
+                </a:cubicBezTo>
+                <a:cubicBezTo>
+                  <a:pt x="212" y="133"/>
+                  <a:pt x="212" y="133"/>
+                  <a:pt x="212" y="133"/>
+                </a:cubicBezTo>
+                <a:cubicBezTo>
+                  <a:pt x="213" y="136"/>
+                  <a:pt x="215" y="138"/>
+                  <a:pt x="217" y="141"/>
+                </a:cubicBezTo>
+                <a:cubicBezTo>
+                  <a:pt x="317" y="247"/>
+                  <a:pt x="317" y="247"/>
+                  <a:pt x="317" y="247"/>
+                </a:cubicBezTo>
+                <a:cubicBezTo>
+                  <a:pt x="335" y="270"/>
+                  <a:pt x="348" y="286"/>
+                  <a:pt x="356" y="297"/>
+                </a:cubicBezTo>
+                <a:cubicBezTo>
+                  <a:pt x="389" y="345"/>
+                  <a:pt x="403" y="351"/>
+                  <a:pt x="408" y="353"/>
+                </a:cubicBezTo>
+                <a:cubicBezTo>
+                  <a:pt x="412" y="355"/>
+                  <a:pt x="425" y="361"/>
+                  <a:pt x="486" y="361"/>
+                </a:cubicBezTo>
+                <a:cubicBezTo>
+                  <a:pt x="496" y="391"/>
+                  <a:pt x="501" y="422"/>
+                  <a:pt x="501" y="452"/>
+                </a:cubicBezTo>
+                <a:cubicBezTo>
+                  <a:pt x="501" y="478"/>
+                  <a:pt x="496" y="505"/>
+                  <a:pt x="487" y="533"/>
+                </a:cubicBezTo>
+                <a:cubicBezTo>
+                  <a:pt x="427" y="533"/>
+                  <a:pt x="427" y="533"/>
+                  <a:pt x="427" y="533"/>
+                </a:cubicBezTo>
+                <a:cubicBezTo>
+                  <a:pt x="422" y="533"/>
+                  <a:pt x="417" y="536"/>
+                  <a:pt x="414" y="540"/>
+                </a:cubicBezTo>
+                <a:cubicBezTo>
+                  <a:pt x="387" y="574"/>
+                  <a:pt x="355" y="602"/>
+                  <a:pt x="313" y="626"/>
+                </a:cubicBezTo>
+                <a:lnTo>
+                  <a:pt x="300" y="627"/>
+                </a:lnTo>
+                <a:close/>
+                <a:moveTo>
+                  <a:pt x="192" y="625"/>
+                </a:moveTo>
+                <a:cubicBezTo>
+                  <a:pt x="177" y="625"/>
+                  <a:pt x="166" y="623"/>
+                  <a:pt x="159" y="618"/>
+                </a:cubicBezTo>
+                <a:cubicBezTo>
+                  <a:pt x="154" y="615"/>
+                  <a:pt x="151" y="610"/>
+                  <a:pt x="151" y="603"/>
+                </a:cubicBezTo>
+                <a:cubicBezTo>
+                  <a:pt x="188" y="603"/>
+                  <a:pt x="188" y="603"/>
+                  <a:pt x="188" y="603"/>
+                </a:cubicBezTo>
+                <a:cubicBezTo>
+                  <a:pt x="190" y="603"/>
+                  <a:pt x="192" y="603"/>
+                  <a:pt x="195" y="602"/>
+                </a:cubicBezTo>
+                <a:cubicBezTo>
+                  <a:pt x="262" y="572"/>
+                  <a:pt x="262" y="572"/>
+                  <a:pt x="262" y="572"/>
+                </a:cubicBezTo>
+                <a:cubicBezTo>
+                  <a:pt x="269" y="578"/>
+                  <a:pt x="276" y="585"/>
+                  <a:pt x="281" y="592"/>
+                </a:cubicBezTo>
+                <a:cubicBezTo>
+                  <a:pt x="281" y="592"/>
+                  <a:pt x="281" y="592"/>
+                  <a:pt x="281" y="592"/>
+                </a:cubicBezTo>
+                <a:cubicBezTo>
+                  <a:pt x="207" y="625"/>
+                  <a:pt x="207" y="625"/>
+                  <a:pt x="207" y="625"/>
+                </a:cubicBezTo>
+                <a:lnTo>
+                  <a:pt x="192" y="625"/>
+                </a:lnTo>
+                <a:close/>
+                <a:moveTo>
+                  <a:pt x="58" y="477"/>
+                </a:moveTo>
+                <a:cubicBezTo>
+                  <a:pt x="58" y="475"/>
+                  <a:pt x="58" y="472"/>
+                  <a:pt x="60" y="469"/>
+                </a:cubicBezTo>
+                <a:cubicBezTo>
+                  <a:pt x="74" y="475"/>
+                  <a:pt x="92" y="478"/>
+                  <a:pt x="115" y="478"/>
+                </a:cubicBezTo>
+                <a:cubicBezTo>
+                  <a:pt x="140" y="478"/>
+                  <a:pt x="140" y="478"/>
+                  <a:pt x="140" y="478"/>
+                </a:cubicBezTo>
+                <a:cubicBezTo>
+                  <a:pt x="142" y="478"/>
+                  <a:pt x="145" y="478"/>
+                  <a:pt x="147" y="477"/>
+                </a:cubicBezTo>
+                <a:cubicBezTo>
+                  <a:pt x="218" y="444"/>
+                  <a:pt x="218" y="444"/>
+                  <a:pt x="218" y="444"/>
+                </a:cubicBezTo>
+                <a:cubicBezTo>
+                  <a:pt x="229" y="448"/>
+                  <a:pt x="239" y="454"/>
+                  <a:pt x="248" y="464"/>
+                </a:cubicBezTo>
+                <a:cubicBezTo>
+                  <a:pt x="165" y="501"/>
+                  <a:pt x="165" y="501"/>
+                  <a:pt x="165" y="501"/>
+                </a:cubicBezTo>
+                <a:cubicBezTo>
+                  <a:pt x="112" y="501"/>
+                  <a:pt x="112" y="501"/>
+                  <a:pt x="112" y="501"/>
+                </a:cubicBezTo>
+                <a:cubicBezTo>
+                  <a:pt x="93" y="501"/>
+                  <a:pt x="78" y="499"/>
+                  <a:pt x="69" y="494"/>
+                </a:cubicBezTo>
+                <a:cubicBezTo>
+                  <a:pt x="61" y="490"/>
+                  <a:pt x="58" y="485"/>
+                  <a:pt x="58" y="477"/>
+                </a:cubicBezTo>
+                <a:close/>
+                <a:moveTo>
+                  <a:pt x="169" y="541"/>
+                </a:moveTo>
+                <a:cubicBezTo>
+                  <a:pt x="171" y="541"/>
+                  <a:pt x="173" y="541"/>
+                  <a:pt x="176" y="540"/>
+                </a:cubicBezTo>
+                <a:cubicBezTo>
+                  <a:pt x="249" y="507"/>
+                  <a:pt x="249" y="507"/>
+                  <a:pt x="249" y="507"/>
+                </a:cubicBezTo>
+                <a:cubicBezTo>
+                  <a:pt x="257" y="512"/>
+                  <a:pt x="264" y="517"/>
+                  <a:pt x="270" y="524"/>
+                </a:cubicBezTo>
+                <a:cubicBezTo>
+                  <a:pt x="183" y="562"/>
+                  <a:pt x="183" y="562"/>
+                  <a:pt x="183" y="562"/>
+                </a:cubicBezTo>
+                <a:cubicBezTo>
+                  <a:pt x="147" y="562"/>
+                  <a:pt x="147" y="562"/>
+                  <a:pt x="147" y="562"/>
+                </a:cubicBezTo>
+                <a:cubicBezTo>
+                  <a:pt x="128" y="562"/>
+                  <a:pt x="114" y="560"/>
+                  <a:pt x="105" y="556"/>
+                </a:cubicBezTo>
+                <a:cubicBezTo>
+                  <a:pt x="98" y="552"/>
+                  <a:pt x="95" y="547"/>
+                  <a:pt x="94" y="541"/>
+                </a:cubicBezTo>
+                <a:lnTo>
+                  <a:pt x="169" y="541"/>
+                </a:lnTo>
+                <a:close/>
+              </a:path>
+            </a:pathLst>
+          </a:custGeom>
+          <a:solidFill>
+            <a:srgbClr val="AD53C1"/>
+          </a:solidFill>
+          <a:ln>
+            <a:noFill/>
+          </a:ln>
+        </p:spPr>
+        <p:txBody>
+          <a:bodyPr vert="horz" wrap="square" lIns="91440" tIns="45720" rIns="91440" bIns="45720" numCol="1" anchor="t" anchorCtr="0" compatLnSpc="1"/>
+          <a:lstStyle/>
+          <a:p>
+            <a:endParaRPr lang="en-US"/>
+          </a:p>
+        </p:txBody>
+      </p:sp>
+      <p:sp>
+        <p:nvSpPr>
+          <p:cNvPr id="2" name="文本占位符 1"/>
+          <p:cNvSpPr>
+            <a:spLocks noGrp="1"/>
+          </p:cNvSpPr>
+          <p:nvPr>
+            <p:ph type="body" sz="quarter" idx="11"/>
+          </p:nvPr>
+        </p:nvSpPr>
+        <p:spPr/>
+        <p:txBody>
+          <a:bodyPr/>
+          <a:lstStyle/>
+          <a:p>
+            <a:r>
+              <a:rPr lang="en-US" altLang="zh-CN" dirty="0" smtClean="0"/>
+              <a:t>Q &amp; A</a:t>
+            </a:r>
+            <a:endParaRPr lang="zh-CN" altLang="en-US" dirty="0"/>
+          </a:p>
+        </p:txBody>
+      </p:sp>
+    </p:spTree>
+    <p:extLst>
+      <p:ext uri="{BB962C8B-B14F-4D97-AF65-F5344CB8AC3E}">
+        <p14:creationId xmlns:p14="http://schemas.microsoft.com/office/powerpoint/2010/main" val="499575174"/>
+      </p:ext>
+    </p:extLst>
+  </p:cSld>
+  <p:clrMapOvr>
+    <a:masterClrMapping/>
+  </p:clrMapOvr>
+</p:sld>
+</file>
+
+<file path=ppt/slides/slide16.xml><?xml version="1.0" encoding="utf-8"?>
+<p:sld xmlns:a="http://schemas.openxmlformats.org/drawingml/2006/main" xmlns:r="http://schemas.openxmlformats.org/officeDocument/2006/relationships" xmlns:p="http://schemas.openxmlformats.org/presentationml/2006/main">
+  <p:cSld>
+    <p:spTree>
+      <p:nvGrpSpPr>
+        <p:cNvPr id="1" name=""/>
+        <p:cNvGrpSpPr/>
+        <p:nvPr/>
+      </p:nvGrpSpPr>
+      <p:grpSpPr>
+        <a:xfrm>
+          <a:off x="0" y="0"/>
+          <a:ext cx="0" cy="0"/>
+          <a:chOff x="0" y="0"/>
+          <a:chExt cx="0" cy="0"/>
+        </a:xfrm>
+      </p:grpSpPr>
+      <p:sp>
+        <p:nvSpPr>
+          <p:cNvPr id="2" name="Title 1"/>
+          <p:cNvSpPr>
+            <a:spLocks noGrp="1"/>
+          </p:cNvSpPr>
+          <p:nvPr>
+            <p:ph type="title"/>
+          </p:nvPr>
+        </p:nvSpPr>
+        <p:spPr/>
+        <p:txBody>
+          <a:bodyPr/>
+          <a:lstStyle/>
+          <a:p>
+            <a:r>
+              <a:rPr lang="en-US" dirty="0"/>
+              <a:t>One column text + chart</a:t>
+            </a:r>
+          </a:p>
+        </p:txBody>
+      </p:sp>
+      <p:sp>
+        <p:nvSpPr>
+          <p:cNvPr id="3" name="Text Placeholder 2"/>
+          <p:cNvSpPr>
+            <a:spLocks noGrp="1"/>
+          </p:cNvSpPr>
+          <p:nvPr>
+            <p:ph type="body" sz="quarter" idx="10"/>
+          </p:nvPr>
+        </p:nvSpPr>
+        <p:spPr/>
+        <p:txBody>
+          <a:bodyPr/>
+          <a:lstStyle/>
+          <a:p>
+            <a:r>
+              <a:rPr lang="en-US" dirty="0"/>
+              <a:t>More chart styles in the PowerPoint toolkit</a:t>
+            </a:r>
+          </a:p>
+        </p:txBody>
+      </p:sp>
+      <p:sp>
+        <p:nvSpPr>
+          <p:cNvPr id="5" name="Text Placeholder 4"/>
+          <p:cNvSpPr>
+            <a:spLocks noGrp="1"/>
+          </p:cNvSpPr>
+          <p:nvPr>
+            <p:ph type="body" sz="quarter" idx="11"/>
+          </p:nvPr>
+        </p:nvSpPr>
+        <p:spPr/>
+        <p:txBody>
+          <a:bodyPr/>
+          <a:lstStyle/>
+          <a:p>
+            <a:pPr>
+              <a:buSzPct val="100000"/>
+            </a:pPr>
+            <a:r>
+              <a:rPr lang="en-US" altLang="zh-CN" b="1" dirty="0">
+                <a:solidFill>
+                  <a:srgbClr val="68B580"/>
+                </a:solidFill>
+              </a:rPr>
+              <a:t>SNC</a:t>
+            </a:r>
+            <a:r>
+              <a:rPr lang="en-US" b="1" dirty="0">
+                <a:solidFill>
+                  <a:srgbClr val="68B580"/>
+                </a:solidFill>
+              </a:rPr>
+              <a:t>’s Overview</a:t>
+            </a:r>
+          </a:p>
+          <a:p>
+            <a:pPr lvl="1">
+              <a:buClr>
+                <a:srgbClr val="68B580"/>
+              </a:buClr>
+              <a:buSzPct val="100000"/>
+            </a:pPr>
+            <a:r>
+              <a:rPr lang="en-US" dirty="0"/>
+              <a:t>Essential component of the global capital markets</a:t>
+            </a:r>
+          </a:p>
+          <a:p>
+            <a:pPr lvl="1">
+              <a:buClr>
+                <a:srgbClr val="68B580"/>
+              </a:buClr>
+            </a:pPr>
+            <a:r>
+              <a:rPr lang="en-US" dirty="0"/>
+              <a:t>Parent company of MIS and MA</a:t>
+            </a:r>
+          </a:p>
+          <a:p>
+            <a:pPr lvl="1">
+              <a:buClr>
+                <a:srgbClr val="68B580"/>
+              </a:buClr>
+            </a:pPr>
+            <a:r>
+              <a:rPr lang="en-US" dirty="0"/>
+              <a:t>Contributes to transparent and integrated financial markets</a:t>
+            </a:r>
+          </a:p>
+          <a:p>
+            <a:pPr lvl="1">
+              <a:buClr>
+                <a:srgbClr val="68B580"/>
+              </a:buClr>
+            </a:pPr>
+            <a:r>
+              <a:rPr lang="en-US" dirty="0"/>
+              <a:t>Provides:</a:t>
+            </a:r>
+          </a:p>
+          <a:p>
+            <a:pPr lvl="2">
+              <a:buClr>
+                <a:srgbClr val="68B580"/>
+              </a:buClr>
+              <a:buSzPct val="100000"/>
+            </a:pPr>
+            <a:r>
+              <a:rPr lang="en-US" dirty="0"/>
+              <a:t>Credit ratings</a:t>
+            </a:r>
+          </a:p>
+          <a:p>
+            <a:pPr lvl="2">
+              <a:buClr>
+                <a:srgbClr val="68B580"/>
+              </a:buClr>
+            </a:pPr>
+            <a:r>
+              <a:rPr lang="en-US" dirty="0"/>
+              <a:t>Research</a:t>
+            </a:r>
+          </a:p>
+          <a:p>
+            <a:pPr lvl="2">
+              <a:buClr>
+                <a:srgbClr val="68B580"/>
+              </a:buClr>
+            </a:pPr>
+            <a:r>
+              <a:rPr lang="en-US" dirty="0"/>
+              <a:t>Tools &amp; analysis</a:t>
+            </a:r>
+          </a:p>
+        </p:txBody>
+      </p:sp>
+      <p:graphicFrame>
+        <p:nvGraphicFramePr>
+          <p:cNvPr id="6" name="Chart 5"/>
+          <p:cNvGraphicFramePr/>
+          <p:nvPr/>
+        </p:nvGraphicFramePr>
+        <p:xfrm>
+          <a:off x="4297680" y="1827107"/>
+          <a:ext cx="4546724" cy="3898052"/>
+        </p:xfrm>
+        <a:graphic>
+          <a:graphicData uri="http://schemas.openxmlformats.org/drawingml/2006/chart">
+            <c:chart xmlns:c="http://schemas.openxmlformats.org/drawingml/2006/chart" xmlns:r="http://schemas.openxmlformats.org/officeDocument/2006/relationships" r:id="rId3"/>
+          </a:graphicData>
+        </a:graphic>
+      </p:graphicFrame>
+    </p:spTree>
+    <p:extLst>
+      <p:ext uri="{BB962C8B-B14F-4D97-AF65-F5344CB8AC3E}">
+        <p14:creationId xmlns:p14="http://schemas.microsoft.com/office/powerpoint/2010/main" val="3653496870"/>
+      </p:ext>
+    </p:extLst>
+  </p:cSld>
+  <p:clrMapOvr>
+    <a:masterClrMapping/>
+  </p:clrMapOvr>
+</p:sld>
+</file>
+
+<file path=ppt/slides/slide17.xml><?xml version="1.0" encoding="utf-8"?>
+<p:sld xmlns:a="http://schemas.openxmlformats.org/drawingml/2006/main" xmlns:r="http://schemas.openxmlformats.org/officeDocument/2006/relationships" xmlns:p="http://schemas.openxmlformats.org/presentationml/2006/main">
+  <p:cSld>
+    <p:spTree>
+      <p:nvGrpSpPr>
+        <p:cNvPr id="1" name=""/>
+        <p:cNvGrpSpPr/>
+        <p:nvPr/>
+      </p:nvGrpSpPr>
+      <p:grpSpPr>
+        <a:xfrm>
+          <a:off x="0" y="0"/>
+          <a:ext cx="0" cy="0"/>
+          <a:chOff x="0" y="0"/>
+          <a:chExt cx="0" cy="0"/>
+        </a:xfrm>
+      </p:grpSpPr>
+      <p:sp>
+        <p:nvSpPr>
+          <p:cNvPr id="2" name="Title 1"/>
+          <p:cNvSpPr>
+            <a:spLocks noGrp="1"/>
+          </p:cNvSpPr>
+          <p:nvPr>
+            <p:ph type="title"/>
+          </p:nvPr>
+        </p:nvSpPr>
+        <p:spPr>
+          <a:xfrm>
+            <a:off x="462230" y="457200"/>
+            <a:ext cx="8210282" cy="553720"/>
+          </a:xfrm>
+        </p:spPr>
+        <p:txBody>
+          <a:bodyPr/>
+          <a:lstStyle/>
+          <a:p>
+            <a:r>
+              <a:rPr lang="en-US" dirty="0"/>
+              <a:t>Note 2: the  font</a:t>
+            </a:r>
+          </a:p>
+        </p:txBody>
+      </p:sp>
+      <p:sp>
+        <p:nvSpPr>
+          <p:cNvPr id="3" name="Text Placeholder 2"/>
+          <p:cNvSpPr>
+            <a:spLocks noGrp="1"/>
+          </p:cNvSpPr>
+          <p:nvPr>
+            <p:ph type="body" sz="quarter" idx="10"/>
+          </p:nvPr>
+        </p:nvSpPr>
+        <p:spPr/>
+        <p:txBody>
+          <a:bodyPr/>
+          <a:lstStyle/>
+          <a:p>
+            <a:r>
+              <a:rPr lang="en-US" dirty="0"/>
+              <a:t>Find this </a:t>
+            </a:r>
+            <a:r>
+              <a:rPr lang="en-US" dirty="0">
+                <a:solidFill>
+                  <a:srgbClr val="282B36"/>
+                </a:solidFill>
+              </a:rPr>
+              <a:t>toolbar </a:t>
+            </a:r>
+            <a:r>
+              <a:rPr lang="en-US" dirty="0"/>
+              <a:t>next to the “Home” tab</a:t>
+            </a:r>
+          </a:p>
+        </p:txBody>
+      </p:sp>
+      <p:sp>
+        <p:nvSpPr>
+          <p:cNvPr id="4" name="文本框 3"/>
+          <p:cNvSpPr txBox="1"/>
+          <p:nvPr/>
+        </p:nvSpPr>
+        <p:spPr>
+          <a:xfrm>
+            <a:off x="462280" y="2194560"/>
+            <a:ext cx="5558790" cy="307340"/>
+          </a:xfrm>
+          <a:prstGeom prst="rect">
+            <a:avLst/>
+          </a:prstGeom>
+          <a:noFill/>
+        </p:spPr>
+        <p:txBody>
+          <a:bodyPr wrap="none" lIns="0" tIns="0" rIns="0" bIns="0" rtlCol="0">
+            <a:spAutoFit/>
+          </a:bodyPr>
+          <a:lstStyle/>
+          <a:p>
+            <a:r>
+              <a:rPr lang="en-US" altLang="zh-CN" sz="2000" dirty="0" err="1" smtClean="0">
+                <a:solidFill>
+                  <a:schemeClr val="bg2"/>
+                </a:solidFill>
+              </a:rPr>
+              <a:t>Font</a:t>
+            </a:r>
+            <a:r>
+              <a:rPr lang="zh-CN" altLang="en-US" sz="2000" dirty="0" err="1" smtClean="0">
+                <a:solidFill>
+                  <a:schemeClr val="bg2"/>
+                </a:solidFill>
+              </a:rPr>
+              <a:t>：微软雅黑（</a:t>
+            </a:r>
+            <a:r>
+              <a:rPr lang="en-US" altLang="zh-CN" sz="2000" dirty="0" err="1" smtClean="0">
+                <a:solidFill>
+                  <a:schemeClr val="bg2"/>
+                </a:solidFill>
+              </a:rPr>
+              <a:t>Mac</a:t>
+            </a:r>
+            <a:r>
+              <a:rPr lang="zh-CN" altLang="en-US" sz="2000" dirty="0" err="1" smtClean="0">
+                <a:solidFill>
+                  <a:schemeClr val="bg2"/>
+                </a:solidFill>
+              </a:rPr>
+              <a:t>系统下文字自动转为苹方）</a:t>
+            </a:r>
+          </a:p>
+        </p:txBody>
+      </p:sp>
+      <p:sp>
+        <p:nvSpPr>
+          <p:cNvPr id="5" name="文本框 4"/>
+          <p:cNvSpPr txBox="1"/>
+          <p:nvPr/>
+        </p:nvSpPr>
+        <p:spPr>
+          <a:xfrm>
+            <a:off x="457200" y="2999740"/>
+            <a:ext cx="676910" cy="307340"/>
+          </a:xfrm>
+          <a:prstGeom prst="rect">
+            <a:avLst/>
+          </a:prstGeom>
+          <a:noFill/>
+        </p:spPr>
+        <p:txBody>
+          <a:bodyPr wrap="none" lIns="0" tIns="0" rIns="0" bIns="0" rtlCol="0">
+            <a:spAutoFit/>
+          </a:bodyPr>
+          <a:lstStyle/>
+          <a:p>
+            <a:r>
+              <a:rPr lang="en-US" altLang="zh-CN" sz="2000" dirty="0" err="1" smtClean="0">
+                <a:solidFill>
+                  <a:schemeClr val="bg2"/>
+                </a:solidFill>
+              </a:rPr>
+              <a:t>Color:</a:t>
+            </a:r>
+          </a:p>
+        </p:txBody>
+      </p:sp>
+      <p:pic>
+        <p:nvPicPr>
+          <p:cNvPr id="6" name="图片 5" descr="color_画板 1"/>
+          <p:cNvPicPr>
+            <a:picLocks noChangeAspect="1"/>
+          </p:cNvPicPr>
+          <p:nvPr/>
+        </p:nvPicPr>
+        <p:blipFill>
+          <a:blip r:embed="rId3"/>
+          <a:stretch>
+            <a:fillRect/>
+          </a:stretch>
+        </p:blipFill>
+        <p:spPr>
+          <a:xfrm>
+            <a:off x="1456055" y="2999740"/>
+            <a:ext cx="6600190" cy="2025650"/>
+          </a:xfrm>
+          <a:prstGeom prst="rect">
+            <a:avLst/>
+          </a:prstGeom>
+        </p:spPr>
+      </p:pic>
+    </p:spTree>
+  </p:cSld>
+  <p:clrMapOvr>
+    <a:masterClrMapping/>
+  </p:clrMapOvr>
+</p:sld>
+</file>
+
+<file path=ppt/slides/slide18.xml><?xml version="1.0" encoding="utf-8"?>
+<p:sld xmlns:a="http://schemas.openxmlformats.org/drawingml/2006/main" xmlns:r="http://schemas.openxmlformats.org/officeDocument/2006/relationships" xmlns:p="http://schemas.openxmlformats.org/presentationml/2006/main">
+  <p:cSld>
+    <p:spTree>
+      <p:nvGrpSpPr>
+        <p:cNvPr id="1" name=""/>
+        <p:cNvGrpSpPr/>
+        <p:nvPr/>
+      </p:nvGrpSpPr>
+      <p:grpSpPr>
+        <a:xfrm>
+          <a:off x="0" y="0"/>
+          <a:ext cx="0" cy="0"/>
+          <a:chOff x="0" y="0"/>
+          <a:chExt cx="0" cy="0"/>
+        </a:xfrm>
+      </p:grpSpPr>
+      <p:sp>
+        <p:nvSpPr>
+          <p:cNvPr id="5" name="Content Placeholder 4"/>
+          <p:cNvSpPr>
+            <a:spLocks noGrp="1"/>
+          </p:cNvSpPr>
+          <p:nvPr>
+            <p:ph idx="4294967295"/>
+          </p:nvPr>
+        </p:nvSpPr>
+        <p:spPr>
+          <a:xfrm>
+            <a:off x="457200" y="1825625"/>
+            <a:ext cx="4526280" cy="4071938"/>
+          </a:xfrm>
+        </p:spPr>
+        <p:txBody>
+          <a:bodyPr>
+            <a:noAutofit/>
+          </a:bodyPr>
+          <a:lstStyle/>
+          <a:p>
+            <a:r>
+              <a:rPr lang="en-US" sz="2000" dirty="0"/>
+              <a:t>The layouts of all the slides in this template are derived from the PowerPoint “slide masters,” which are accessible from the HOME tab as well as within the </a:t>
+            </a:r>
+            <a:r>
+              <a:rPr lang="en-US" altLang="zh-CN" sz="2000" dirty="0"/>
+              <a:t>SNC</a:t>
+            </a:r>
+            <a:r>
+              <a:rPr lang="en-US" sz="2000" dirty="0"/>
+              <a:t>’S TOOLS toolbar. </a:t>
+            </a:r>
+          </a:p>
+          <a:p>
+            <a:r>
+              <a:rPr lang="en-US" sz="2000" dirty="0"/>
+              <a:t>You can choose a layout for your slides by clicking on the Layout button and selecting the desired layout from the flyout menu. To restore your slide to the original layout of the slide master, use the reset function:</a:t>
+            </a:r>
+          </a:p>
+        </p:txBody>
+      </p:sp>
+      <p:sp>
+        <p:nvSpPr>
+          <p:cNvPr id="4" name="Title 3"/>
+          <p:cNvSpPr>
+            <a:spLocks noGrp="1"/>
+          </p:cNvSpPr>
+          <p:nvPr>
+            <p:ph type="title"/>
+          </p:nvPr>
+        </p:nvSpPr>
+        <p:spPr/>
+        <p:txBody>
+          <a:bodyPr/>
+          <a:lstStyle/>
+          <a:p>
+            <a:r>
+              <a:rPr lang="en-US" dirty="0"/>
+              <a:t>Note 1: slide masters</a:t>
+            </a:r>
+          </a:p>
+        </p:txBody>
+      </p:sp>
+      <p:sp>
+        <p:nvSpPr>
+          <p:cNvPr id="6" name="Text Placeholder 5"/>
+          <p:cNvSpPr>
+            <a:spLocks noGrp="1"/>
+          </p:cNvSpPr>
+          <p:nvPr>
+            <p:ph type="body" sz="quarter" idx="10"/>
+          </p:nvPr>
+        </p:nvSpPr>
+        <p:spPr/>
+        <p:txBody>
+          <a:bodyPr>
+            <a:normAutofit/>
+          </a:bodyPr>
+          <a:lstStyle/>
+          <a:p>
+            <a:r>
+              <a:rPr lang="en-US" dirty="0">
+                <a:latin typeface="+mn-lt"/>
+                <a:ea typeface="+mj-ea"/>
+              </a:rPr>
+              <a:t>Choose the right slide for the right job</a:t>
+            </a:r>
+          </a:p>
+          <a:p>
+            <a:endParaRPr lang="en-US" dirty="0"/>
+          </a:p>
+        </p:txBody>
+      </p:sp>
+      <p:pic>
+        <p:nvPicPr>
+          <p:cNvPr id="11" name="Picture 10"/>
+          <p:cNvPicPr>
+            <a:picLocks noChangeAspect="1"/>
+          </p:cNvPicPr>
+          <p:nvPr/>
+        </p:nvPicPr>
+        <p:blipFill rotWithShape="1">
+          <a:blip r:embed="rId3"/>
+          <a:srcRect r="957"/>
+          <a:stretch>
+            <a:fillRect/>
+          </a:stretch>
+        </p:blipFill>
+        <p:spPr>
+          <a:xfrm>
+            <a:off x="5577840" y="1679837"/>
+            <a:ext cx="3017520" cy="4335978"/>
+          </a:xfrm>
+          <a:prstGeom prst="rect">
+            <a:avLst/>
+          </a:prstGeom>
+        </p:spPr>
+      </p:pic>
+      <p:pic>
+        <p:nvPicPr>
+          <p:cNvPr id="17" name="图片 16"/>
+          <p:cNvPicPr>
+            <a:picLocks noChangeAspect="1"/>
+          </p:cNvPicPr>
+          <p:nvPr/>
+        </p:nvPicPr>
+        <p:blipFill>
+          <a:blip r:embed="rId4">
+            <a:extLst>
+              <a:ext uri="{28A0092B-C50C-407E-A947-70E740481C1C}">
+                <a14:useLocalDpi xmlns:a14="http://schemas.microsoft.com/office/drawing/2010/main" val="0"/>
+              </a:ext>
+            </a:extLst>
+          </a:blip>
+          <a:stretch>
+            <a:fillRect/>
+          </a:stretch>
+        </p:blipFill>
+        <p:spPr>
+          <a:xfrm>
+            <a:off x="5577840" y="1886149"/>
+            <a:ext cx="3017520" cy="4331771"/>
+          </a:xfrm>
+          <a:prstGeom prst="rect">
+            <a:avLst/>
+          </a:prstGeom>
+        </p:spPr>
+      </p:pic>
+      <p:sp>
+        <p:nvSpPr>
+          <p:cNvPr id="8" name="Slide Number Placeholder 1"/>
+          <p:cNvSpPr>
+            <a:spLocks noGrp="1"/>
+          </p:cNvSpPr>
+          <p:nvPr>
+            <p:ph type="sldNum" sz="quarter" idx="12"/>
+          </p:nvPr>
+        </p:nvSpPr>
+        <p:spPr>
+          <a:xfrm>
+            <a:off x="8229600" y="6355080"/>
+            <a:ext cx="687600" cy="335245"/>
+          </a:xfrm>
+          <a:prstGeom prst="rect">
+            <a:avLst/>
+          </a:prstGeom>
+        </p:spPr>
+        <p:txBody>
+          <a:bodyPr/>
+          <a:lstStyle>
+            <a:lvl1pPr algn="ctr">
+              <a:defRPr>
+                <a:solidFill>
+                  <a:schemeClr val="bg2"/>
+                </a:solidFill>
+              </a:defRPr>
+            </a:lvl1pPr>
+          </a:lstStyle>
+          <a:p>
+            <a:fld id="{93AC2C76-E6AA-46CB-A2DE-F6E097F7C440}" type="slidenum">
+              <a:rPr lang="en-GB" smtClean="0"/>
+              <a:pPr/>
+              <a:t>18</a:t>
+            </a:fld>
+            <a:endParaRPr lang="en-GB" dirty="0"/>
+          </a:p>
+        </p:txBody>
+      </p:sp>
+    </p:spTree>
+    <p:extLst>
+      <p:ext uri="{BB962C8B-B14F-4D97-AF65-F5344CB8AC3E}">
+        <p14:creationId xmlns:p14="http://schemas.microsoft.com/office/powerpoint/2010/main" val="3497418416"/>
+      </p:ext>
+    </p:extLst>
+  </p:cSld>
+  <p:clrMapOvr>
+    <a:masterClrMapping/>
+  </p:clrMapOvr>
+</p:sld>
+</file>
+
+<file path=ppt/slides/slide19.xml><?xml version="1.0" encoding="utf-8"?>
+<p:sld xmlns:a="http://schemas.openxmlformats.org/drawingml/2006/main" xmlns:r="http://schemas.openxmlformats.org/officeDocument/2006/relationships" xmlns:p="http://schemas.openxmlformats.org/presentationml/2006/main">
+  <p:cSld>
+    <p:spTree>
+      <p:nvGrpSpPr>
+        <p:cNvPr id="1" name=""/>
+        <p:cNvGrpSpPr/>
+        <p:nvPr/>
+      </p:nvGrpSpPr>
+      <p:grpSpPr>
+        <a:xfrm>
+          <a:off x="0" y="0"/>
+          <a:ext cx="0" cy="0"/>
+          <a:chOff x="0" y="0"/>
+          <a:chExt cx="0" cy="0"/>
+        </a:xfrm>
+      </p:grpSpPr>
+      <p:sp>
+        <p:nvSpPr>
+          <p:cNvPr id="4" name="Title 3"/>
+          <p:cNvSpPr>
+            <a:spLocks noGrp="1"/>
+          </p:cNvSpPr>
+          <p:nvPr>
+            <p:ph type="title"/>
+          </p:nvPr>
+        </p:nvSpPr>
+        <p:spPr/>
+        <p:txBody>
+          <a:bodyPr/>
+          <a:lstStyle/>
+          <a:p>
+            <a:r>
+              <a:rPr lang="en-US"/>
+              <a:t>One column slide with larger text</a:t>
+            </a:r>
+            <a:endParaRPr lang="en-US" dirty="0"/>
+          </a:p>
+        </p:txBody>
+      </p:sp>
+      <p:sp>
+        <p:nvSpPr>
+          <p:cNvPr id="6" name="Text Placeholder 5"/>
+          <p:cNvSpPr>
+            <a:spLocks noGrp="1"/>
+          </p:cNvSpPr>
+          <p:nvPr>
+            <p:ph type="body" sz="quarter" idx="10"/>
+          </p:nvPr>
+        </p:nvSpPr>
+        <p:spPr/>
+        <p:txBody>
+          <a:bodyPr/>
+          <a:lstStyle/>
+          <a:p>
+            <a:r>
+              <a:rPr lang="en-US" dirty="0"/>
+              <a:t>Best for presenting a few main points</a:t>
+            </a:r>
+          </a:p>
+        </p:txBody>
+      </p:sp>
+      <p:sp>
+        <p:nvSpPr>
+          <p:cNvPr id="18" name="Text Placeholder 17"/>
+          <p:cNvSpPr>
+            <a:spLocks noGrp="1"/>
+          </p:cNvSpPr>
+          <p:nvPr>
+            <p:ph type="body" sz="quarter" idx="11"/>
+          </p:nvPr>
+        </p:nvSpPr>
+        <p:spPr/>
+        <p:txBody>
+          <a:bodyPr/>
+          <a:lstStyle/>
+          <a:p>
+            <a:r>
+              <a:rPr lang="en-US" altLang="zh-CN" b="1" dirty="0">
+                <a:solidFill>
+                  <a:srgbClr val="68B57F"/>
+                </a:solidFill>
+              </a:rPr>
+              <a:t>SNC</a:t>
+            </a:r>
+            <a:r>
+              <a:rPr lang="en-US" b="1" dirty="0">
+                <a:solidFill>
+                  <a:srgbClr val="68B57F"/>
+                </a:solidFill>
+              </a:rPr>
+              <a:t>’s Corporation Overview</a:t>
+            </a:r>
+          </a:p>
+          <a:p>
+            <a:pPr lvl="1">
+              <a:buClr>
+                <a:srgbClr val="68B57F"/>
+              </a:buClr>
+              <a:buSzPct val="100000"/>
+            </a:pPr>
+            <a:r>
+              <a:rPr lang="en-US" dirty="0"/>
+              <a:t>Essential </a:t>
+            </a:r>
+            <a:r>
+              <a:rPr lang="en-US" dirty="0">
+                <a:solidFill>
+                  <a:srgbClr val="000000"/>
+                </a:solidFill>
+              </a:rPr>
+              <a:t>component </a:t>
+            </a:r>
+            <a:r>
+              <a:rPr lang="en-US" dirty="0"/>
+              <a:t>of the global capital markets</a:t>
+            </a:r>
+          </a:p>
+          <a:p>
+            <a:pPr lvl="1">
+              <a:buClr>
+                <a:srgbClr val="68B57F"/>
+              </a:buClr>
+              <a:buSzPct val="100000"/>
+            </a:pPr>
+            <a:r>
+              <a:rPr lang="en-US" dirty="0"/>
+              <a:t>Parent company of MIS and MA</a:t>
+            </a:r>
+          </a:p>
+          <a:p>
+            <a:pPr lvl="1">
+              <a:buClr>
+                <a:srgbClr val="68B57F"/>
+              </a:buClr>
+            </a:pPr>
+            <a:r>
+              <a:rPr lang="en-US" dirty="0"/>
+              <a:t>Contributes to transparent and integrated financial markets</a:t>
+            </a:r>
+          </a:p>
+          <a:p>
+            <a:pPr lvl="1">
+              <a:buClr>
+                <a:srgbClr val="68B57F"/>
+              </a:buClr>
+            </a:pPr>
+            <a:r>
+              <a:rPr lang="en-US" dirty="0"/>
+              <a:t>Provides credit ratings, research, tools &amp; analysis</a:t>
+            </a:r>
+          </a:p>
+        </p:txBody>
+      </p:sp>
+      <p:sp>
+        <p:nvSpPr>
+          <p:cNvPr id="5" name="Slide Number Placeholder 1"/>
+          <p:cNvSpPr>
+            <a:spLocks noGrp="1"/>
+          </p:cNvSpPr>
+          <p:nvPr>
+            <p:ph type="sldNum" sz="quarter" idx="12"/>
+          </p:nvPr>
+        </p:nvSpPr>
+        <p:spPr>
+          <a:xfrm>
+            <a:off x="8229600" y="6355080"/>
+            <a:ext cx="687600" cy="335245"/>
+          </a:xfrm>
+          <a:prstGeom prst="rect">
+            <a:avLst/>
+          </a:prstGeom>
+        </p:spPr>
+        <p:txBody>
+          <a:bodyPr/>
+          <a:lstStyle>
+            <a:lvl1pPr algn="ctr">
+              <a:defRPr>
+                <a:solidFill>
+                  <a:schemeClr val="bg2"/>
+                </a:solidFill>
+              </a:defRPr>
+            </a:lvl1pPr>
+          </a:lstStyle>
+          <a:p>
+            <a:fld id="{93AC2C76-E6AA-46CB-A2DE-F6E097F7C440}" type="slidenum">
+              <a:rPr lang="en-GB" smtClean="0"/>
+              <a:pPr/>
+              <a:t>19</a:t>
+            </a:fld>
+            <a:endParaRPr lang="en-GB" dirty="0"/>
+          </a:p>
+        </p:txBody>
+      </p:sp>
+    </p:spTree>
+  </p:cSld>
+  <p:clrMapOvr>
+    <a:masterClrMapping/>
+  </p:clrMapOvr>
+</p:sld>
+</file>
+
+<file path=ppt/slides/slide2.xml><?xml version="1.0" encoding="utf-8"?>
+<p:sld xmlns:a="http://schemas.openxmlformats.org/drawingml/2006/main" xmlns:r="http://schemas.openxmlformats.org/officeDocument/2006/relationships" xmlns:p="http://schemas.openxmlformats.org/presentationml/2006/main">
+  <p:cSld>
+    <p:spTree>
+      <p:nvGrpSpPr>
+        <p:cNvPr id="1" name=""/>
+        <p:cNvGrpSpPr/>
+        <p:nvPr/>
+      </p:nvGrpSpPr>
+      <p:grpSpPr>
+        <a:xfrm>
+          <a:off x="0" y="0"/>
+          <a:ext cx="0" cy="0"/>
+          <a:chOff x="0" y="0"/>
+          <a:chExt cx="0" cy="0"/>
+        </a:xfrm>
+      </p:grpSpPr>
+      <p:sp>
+        <p:nvSpPr>
+          <p:cNvPr id="11" name="Title 10"/>
+          <p:cNvSpPr>
+            <a:spLocks noGrp="1"/>
+          </p:cNvSpPr>
+          <p:nvPr>
+            <p:ph type="title"/>
+          </p:nvPr>
+        </p:nvSpPr>
+        <p:spPr/>
+        <p:txBody>
+          <a:bodyPr/>
+          <a:lstStyle/>
+          <a:p>
+            <a:r>
+              <a:rPr lang="en-US" dirty="0"/>
+              <a:t>Agenda</a:t>
+            </a:r>
+          </a:p>
+        </p:txBody>
+      </p:sp>
+      <p:sp>
+        <p:nvSpPr>
+          <p:cNvPr id="12" name="Text Placeholder 11"/>
+          <p:cNvSpPr>
+            <a:spLocks noGrp="1"/>
+          </p:cNvSpPr>
+          <p:nvPr>
+            <p:ph type="body" idx="1"/>
+          </p:nvPr>
+        </p:nvSpPr>
+        <p:spPr>
+          <a:xfrm>
+            <a:off x="1188721" y="2559685"/>
+            <a:ext cx="6776014" cy="1261884"/>
+          </a:xfrm>
+        </p:spPr>
+        <p:txBody>
+          <a:bodyPr>
+            <a:spAutoFit/>
+          </a:bodyPr>
+          <a:lstStyle/>
+          <a:p>
+            <a:r>
+              <a:rPr lang="zh-CN" altLang="en-US" dirty="0" smtClean="0">
+                <a:solidFill>
+                  <a:srgbClr val="272B38"/>
+                </a:solidFill>
+              </a:rPr>
+              <a:t>当前金融体系和环境</a:t>
+            </a:r>
+            <a:endParaRPr lang="en-US" dirty="0">
+              <a:solidFill>
+                <a:srgbClr val="272B38"/>
+              </a:solidFill>
+            </a:endParaRPr>
+          </a:p>
+          <a:p>
+            <a:r>
+              <a:rPr lang="zh-CN" altLang="en-US" dirty="0" smtClean="0">
+                <a:solidFill>
+                  <a:srgbClr val="272B38"/>
+                </a:solidFill>
+              </a:rPr>
+              <a:t>传统金融体系的局限性</a:t>
+            </a:r>
+            <a:endParaRPr lang="en-US" dirty="0">
+              <a:solidFill>
+                <a:srgbClr val="272B38"/>
+              </a:solidFill>
+            </a:endParaRPr>
+          </a:p>
+          <a:p>
+            <a:r>
+              <a:rPr lang="zh-CN" altLang="en-US" dirty="0" smtClean="0">
+                <a:solidFill>
+                  <a:srgbClr val="272B38"/>
+                </a:solidFill>
+              </a:rPr>
+              <a:t>区块链方案的解决之道</a:t>
+            </a:r>
+            <a:endParaRPr lang="en-US" dirty="0">
+              <a:solidFill>
+                <a:srgbClr val="272B38"/>
+              </a:solidFill>
+            </a:endParaRPr>
+          </a:p>
+        </p:txBody>
+      </p:sp>
+    </p:spTree>
+  </p:cSld>
+  <p:clrMapOvr>
+    <a:masterClrMapping/>
+  </p:clrMapOvr>
+</p:sld>
+</file>
+
+<file path=ppt/slides/slide20.xml><?xml version="1.0" encoding="utf-8"?>
+<p:sld xmlns:a="http://schemas.openxmlformats.org/drawingml/2006/main" xmlns:r="http://schemas.openxmlformats.org/officeDocument/2006/relationships" xmlns:p="http://schemas.openxmlformats.org/presentationml/2006/main">
+  <p:cSld>
+    <p:spTree>
+      <p:nvGrpSpPr>
+        <p:cNvPr id="1" name=""/>
+        <p:cNvGrpSpPr/>
+        <p:nvPr/>
+      </p:nvGrpSpPr>
+      <p:grpSpPr>
+        <a:xfrm>
+          <a:off x="0" y="0"/>
+          <a:ext cx="0" cy="0"/>
+          <a:chOff x="0" y="0"/>
+          <a:chExt cx="0" cy="0"/>
+        </a:xfrm>
+      </p:grpSpPr>
+      <p:sp>
+        <p:nvSpPr>
+          <p:cNvPr id="8" name="Title 7"/>
+          <p:cNvSpPr>
+            <a:spLocks noGrp="1"/>
+          </p:cNvSpPr>
+          <p:nvPr>
+            <p:ph type="title"/>
+          </p:nvPr>
+        </p:nvSpPr>
+        <p:spPr/>
+        <p:txBody>
+          <a:bodyPr/>
+          <a:lstStyle/>
+          <a:p>
+            <a:r>
+              <a:rPr lang="en-US" dirty="0"/>
+              <a:t>Two column slide with smaller text</a:t>
+            </a:r>
+          </a:p>
+        </p:txBody>
+      </p:sp>
+      <p:sp>
+        <p:nvSpPr>
+          <p:cNvPr id="9" name="Text Placeholder 8"/>
+          <p:cNvSpPr>
+            <a:spLocks noGrp="1"/>
+          </p:cNvSpPr>
+          <p:nvPr>
+            <p:ph type="body" sz="quarter" idx="10"/>
+          </p:nvPr>
+        </p:nvSpPr>
+        <p:spPr/>
+        <p:txBody>
+          <a:bodyPr/>
+          <a:lstStyle/>
+          <a:p>
+            <a:r>
+              <a:rPr lang="en-US" dirty="0"/>
+              <a:t>Text boxes are separated for easier editing</a:t>
+            </a:r>
+          </a:p>
+        </p:txBody>
+      </p:sp>
+      <p:sp>
+        <p:nvSpPr>
+          <p:cNvPr id="10" name="Text Placeholder 9"/>
+          <p:cNvSpPr>
+            <a:spLocks noGrp="1"/>
+          </p:cNvSpPr>
+          <p:nvPr>
+            <p:ph type="body" sz="quarter" idx="11"/>
+          </p:nvPr>
+        </p:nvSpPr>
+        <p:spPr>
+          <a:xfrm>
+            <a:off x="457200" y="1828800"/>
+            <a:ext cx="3978275" cy="4297363"/>
+          </a:xfrm>
+        </p:spPr>
+        <p:txBody>
+          <a:bodyPr/>
+          <a:lstStyle/>
+          <a:p>
+            <a:pPr>
+              <a:buSzPct val="100000"/>
+            </a:pPr>
+            <a:r>
+              <a:rPr lang="en-US" altLang="zh-CN" b="1" dirty="0">
+                <a:solidFill>
+                  <a:srgbClr val="68B57F"/>
+                </a:solidFill>
+              </a:rPr>
+              <a:t>SNC</a:t>
+            </a:r>
+            <a:r>
+              <a:rPr lang="en-US" b="1" dirty="0">
+                <a:solidFill>
+                  <a:srgbClr val="68B57F"/>
+                </a:solidFill>
+              </a:rPr>
+              <a:t>’s Overview</a:t>
+            </a:r>
+          </a:p>
+          <a:p>
+            <a:pPr lvl="1">
+              <a:buClr>
+                <a:srgbClr val="68B57F"/>
+              </a:buClr>
+              <a:buSzPct val="100000"/>
+            </a:pPr>
+            <a:r>
+              <a:rPr lang="en-US" dirty="0"/>
+              <a:t>Essential component of the global capital markets</a:t>
+            </a:r>
+          </a:p>
+          <a:p>
+            <a:pPr lvl="1">
+              <a:buClr>
+                <a:srgbClr val="68B57F"/>
+              </a:buClr>
+            </a:pPr>
+            <a:r>
+              <a:rPr lang="en-US" dirty="0"/>
+              <a:t>Parent company of MIS and MA</a:t>
+            </a:r>
+          </a:p>
+          <a:p>
+            <a:pPr lvl="1">
+              <a:buClr>
+                <a:srgbClr val="68B57F"/>
+              </a:buClr>
+            </a:pPr>
+            <a:r>
+              <a:rPr lang="en-US" dirty="0"/>
+              <a:t>Contributes to transparent and integrated financial markets</a:t>
+            </a:r>
+          </a:p>
+          <a:p>
+            <a:pPr lvl="1">
+              <a:buClr>
+                <a:srgbClr val="68B57F"/>
+              </a:buClr>
+            </a:pPr>
+            <a:r>
+              <a:rPr lang="en-US" dirty="0"/>
+              <a:t>Provides:</a:t>
+            </a:r>
+          </a:p>
+          <a:p>
+            <a:pPr lvl="2">
+              <a:buClr>
+                <a:srgbClr val="68B57F"/>
+              </a:buClr>
+              <a:buSzPct val="100000"/>
+            </a:pPr>
+            <a:r>
+              <a:rPr lang="en-US" dirty="0"/>
+              <a:t>Credit ratings</a:t>
+            </a:r>
+          </a:p>
+          <a:p>
+            <a:pPr lvl="2">
+              <a:buClr>
+                <a:srgbClr val="68B57F"/>
+              </a:buClr>
+            </a:pPr>
+            <a:r>
+              <a:rPr lang="en-US" dirty="0"/>
+              <a:t>Research</a:t>
+            </a:r>
+          </a:p>
+          <a:p>
+            <a:pPr lvl="2">
+              <a:buClr>
+                <a:srgbClr val="68B57F"/>
+              </a:buClr>
+            </a:pPr>
+            <a:r>
+              <a:rPr lang="en-US" dirty="0"/>
+              <a:t>Tools &amp; analysis</a:t>
+            </a:r>
+          </a:p>
+        </p:txBody>
+      </p:sp>
+      <p:sp>
+        <p:nvSpPr>
+          <p:cNvPr id="11" name="Text Placeholder 10"/>
+          <p:cNvSpPr>
+            <a:spLocks noGrp="1"/>
+          </p:cNvSpPr>
+          <p:nvPr>
+            <p:ph type="body" sz="quarter" idx="12"/>
+          </p:nvPr>
+        </p:nvSpPr>
+        <p:spPr>
+          <a:xfrm>
+            <a:off x="4710000" y="1828800"/>
+            <a:ext cx="3978275" cy="4297363"/>
+          </a:xfrm>
+        </p:spPr>
+        <p:txBody>
+          <a:bodyPr/>
+          <a:lstStyle/>
+          <a:p>
+            <a:r>
+              <a:rPr lang="en-US" b="1" dirty="0">
+                <a:solidFill>
+                  <a:srgbClr val="68B57F"/>
+                </a:solidFill>
+              </a:rPr>
+              <a:t>Company Details</a:t>
+            </a:r>
+          </a:p>
+          <a:p>
+            <a:pPr lvl="1">
+              <a:buClr>
+                <a:srgbClr val="68B57F"/>
+              </a:buClr>
+            </a:pPr>
+            <a:r>
+              <a:rPr lang="en-US" dirty="0"/>
+              <a:t>Moody's is an essential component of the global capital markets, providing credit ratings, research, tools and analysis that contribute to transparent and integrated financial markets. </a:t>
+            </a:r>
+          </a:p>
+          <a:p>
+            <a:pPr lvl="1">
+              <a:buClr>
+                <a:srgbClr val="68B57F"/>
+              </a:buClr>
+            </a:pPr>
+            <a:r>
+              <a:rPr lang="en-US" dirty="0"/>
+              <a:t>Moody's Corporation is the parent company of Moody's Investors Service and Moody's Analytics.</a:t>
+            </a:r>
+          </a:p>
+        </p:txBody>
+      </p:sp>
+      <p:sp>
+        <p:nvSpPr>
+          <p:cNvPr id="6" name="Slide Number Placeholder 1"/>
+          <p:cNvSpPr>
+            <a:spLocks noGrp="1"/>
+          </p:cNvSpPr>
+          <p:nvPr>
+            <p:ph type="sldNum" sz="quarter" idx="12"/>
+          </p:nvPr>
+        </p:nvSpPr>
+        <p:spPr>
+          <a:xfrm>
+            <a:off x="8273520" y="6400800"/>
+            <a:ext cx="687600" cy="335245"/>
+          </a:xfrm>
+          <a:prstGeom prst="rect">
+            <a:avLst/>
+          </a:prstGeom>
+        </p:spPr>
+        <p:txBody>
+          <a:bodyPr/>
+          <a:lstStyle/>
+          <a:p>
+            <a:pPr algn="ctr"/>
+            <a:fld id="{93AC2C76-E6AA-46CB-A2DE-F6E097F7C440}" type="slidenum">
+              <a:rPr lang="en-GB" sz="1800">
+                <a:solidFill>
+                  <a:schemeClr val="bg2"/>
+                </a:solidFill>
+                <a:latin typeface="+mn-lt"/>
+                <a:ea typeface="+mn-ea"/>
+                <a:cs typeface="+mn-cs"/>
+              </a:rPr>
+              <a:pPr algn="ctr"/>
+              <a:t>20</a:t>
+            </a:fld>
+            <a:endParaRPr lang="en-GB" sz="1800" dirty="0">
+              <a:solidFill>
+                <a:schemeClr val="bg2"/>
+              </a:solidFill>
+              <a:latin typeface="+mn-lt"/>
+              <a:ea typeface="+mn-ea"/>
+              <a:cs typeface="+mn-cs"/>
+            </a:endParaRPr>
+          </a:p>
+        </p:txBody>
+      </p:sp>
+    </p:spTree>
+  </p:cSld>
+  <p:clrMapOvr>
+    <a:masterClrMapping/>
+  </p:clrMapOvr>
+</p:sld>
+</file>
+
+<file path=ppt/slides/slide21.xml><?xml version="1.0" encoding="utf-8"?>
 <p:sld xmlns:a="http://schemas.openxmlformats.org/drawingml/2006/main" xmlns:r="http://schemas.openxmlformats.org/officeDocument/2006/relationships" xmlns:p="http://schemas.openxmlformats.org/presentationml/2006/main">
   <p:cSld>
     <p:spTree>
@@ -6423,7 +13354,7 @@
 </p:sld>
 </file>
 
-<file path=ppt/slides/slide13.xml><?xml version="1.0" encoding="utf-8"?>
+<file path=ppt/slides/slide22.xml><?xml version="1.0" encoding="utf-8"?>
 <p:sld xmlns:a="http://schemas.openxmlformats.org/drawingml/2006/main" xmlns:r="http://schemas.openxmlformats.org/officeDocument/2006/relationships" xmlns:p="http://schemas.openxmlformats.org/presentationml/2006/main">
   <p:cSld>
     <p:spTree>
@@ -6559,7 +13490,7 @@
 </p:sld>
 </file>
 
-<file path=ppt/slides/slide14.xml><?xml version="1.0" encoding="utf-8"?>
+<file path=ppt/slides/slide23.xml><?xml version="1.0" encoding="utf-8"?>
 <p:sld xmlns:a="http://schemas.openxmlformats.org/drawingml/2006/main" xmlns:r="http://schemas.openxmlformats.org/officeDocument/2006/relationships" xmlns:p="http://schemas.openxmlformats.org/presentationml/2006/main">
   <p:cSld>
     <p:spTree>
@@ -6673,7 +13604,7 @@
 </p:sld>
 </file>
 
-<file path=ppt/slides/slide15.xml><?xml version="1.0" encoding="utf-8"?>
+<file path=ppt/slides/slide24.xml><?xml version="1.0" encoding="utf-8"?>
 <p:sld xmlns:a="http://schemas.openxmlformats.org/drawingml/2006/main" xmlns:r="http://schemas.openxmlformats.org/officeDocument/2006/relationships" xmlns:p="http://schemas.openxmlformats.org/presentationml/2006/main">
   <p:cSld>
     <p:spTree>
@@ -9737,7 +16668,7 @@
 </p:sld>
 </file>
 
-<file path=ppt/slides/slide16.xml><?xml version="1.0" encoding="utf-8"?>
+<file path=ppt/slides/slide25.xml><?xml version="1.0" encoding="utf-8"?>
 <p:sld xmlns:a="http://schemas.openxmlformats.org/drawingml/2006/main" xmlns:r="http://schemas.openxmlformats.org/officeDocument/2006/relationships" xmlns:p="http://schemas.openxmlformats.org/presentationml/2006/main">
   <p:cSld>
     <p:spTree>
@@ -10152,121 +17083,6 @@
 </p:sld>
 </file>
 
-<file path=ppt/slides/slide2.xml><?xml version="1.0" encoding="utf-8"?>
-<p:sld xmlns:a="http://schemas.openxmlformats.org/drawingml/2006/main" xmlns:r="http://schemas.openxmlformats.org/officeDocument/2006/relationships" xmlns:p="http://schemas.openxmlformats.org/presentationml/2006/main">
-  <p:cSld>
-    <p:spTree>
-      <p:nvGrpSpPr>
-        <p:cNvPr id="1" name=""/>
-        <p:cNvGrpSpPr/>
-        <p:nvPr/>
-      </p:nvGrpSpPr>
-      <p:grpSpPr>
-        <a:xfrm>
-          <a:off x="0" y="0"/>
-          <a:ext cx="0" cy="0"/>
-          <a:chOff x="0" y="0"/>
-          <a:chExt cx="0" cy="0"/>
-        </a:xfrm>
-      </p:grpSpPr>
-      <p:sp>
-        <p:nvSpPr>
-          <p:cNvPr id="11" name="Title 10"/>
-          <p:cNvSpPr>
-            <a:spLocks noGrp="1"/>
-          </p:cNvSpPr>
-          <p:nvPr>
-            <p:ph type="title"/>
-          </p:nvPr>
-        </p:nvSpPr>
-        <p:spPr/>
-        <p:txBody>
-          <a:bodyPr/>
-          <a:lstStyle/>
-          <a:p>
-            <a:r>
-              <a:rPr lang="en-US" dirty="0"/>
-              <a:t>Agenda</a:t>
-            </a:r>
-          </a:p>
-        </p:txBody>
-      </p:sp>
-      <p:sp>
-        <p:nvSpPr>
-          <p:cNvPr id="12" name="Text Placeholder 11"/>
-          <p:cNvSpPr>
-            <a:spLocks noGrp="1"/>
-          </p:cNvSpPr>
-          <p:nvPr>
-            <p:ph type="body" idx="1"/>
-          </p:nvPr>
-        </p:nvSpPr>
-        <p:spPr>
-          <a:xfrm>
-            <a:off x="1188721" y="2559685"/>
-            <a:ext cx="6776014" cy="1261884"/>
-          </a:xfrm>
-        </p:spPr>
-        <p:txBody>
-          <a:bodyPr>
-            <a:spAutoFit/>
-          </a:bodyPr>
-          <a:lstStyle/>
-          <a:p>
-            <a:r>
-              <a:rPr lang="zh-CN" altLang="en-US" dirty="0" smtClean="0">
-                <a:solidFill>
-                  <a:srgbClr val="272B38"/>
-                </a:solidFill>
-              </a:rPr>
-              <a:t>金融体系</a:t>
-            </a:r>
-            <a:endParaRPr lang="en-US" dirty="0">
-              <a:solidFill>
-                <a:srgbClr val="272B38"/>
-              </a:solidFill>
-            </a:endParaRPr>
-          </a:p>
-          <a:p>
-            <a:r>
-              <a:rPr lang="zh-CN" altLang="en-US" dirty="0" smtClean="0">
-                <a:solidFill>
-                  <a:srgbClr val="272B38"/>
-                </a:solidFill>
-              </a:rPr>
-              <a:t>全球区块链</a:t>
-            </a:r>
-            <a:endParaRPr lang="en-US" dirty="0">
-              <a:solidFill>
-                <a:srgbClr val="272B38"/>
-              </a:solidFill>
-            </a:endParaRPr>
-          </a:p>
-          <a:p>
-            <a:r>
-              <a:rPr lang="zh-CN" altLang="en-US" dirty="0" smtClean="0">
-                <a:solidFill>
-                  <a:srgbClr val="272B38"/>
-                </a:solidFill>
-              </a:rPr>
-              <a:t>方案</a:t>
-            </a:r>
-            <a:endParaRPr lang="en-US" dirty="0">
-              <a:solidFill>
-                <a:srgbClr val="272B38"/>
-              </a:solidFill>
-            </a:endParaRPr>
-          </a:p>
-        </p:txBody>
-      </p:sp>
-    </p:spTree>
-  </p:cSld>
-  <p:clrMapOvr>
-    <a:masterClrMapping/>
-  </p:clrMapOvr>
-</p:sld>
-</file>
-
 <file path=ppt/slides/slide3.xml><?xml version="1.0" encoding="utf-8"?>
 <p:sld xmlns:a="http://schemas.openxmlformats.org/drawingml/2006/main" xmlns:r="http://schemas.openxmlformats.org/officeDocument/2006/relationships" xmlns:p="http://schemas.openxmlformats.org/presentationml/2006/main">
   <p:cSld>
@@ -10328,8 +17144,8 @@
           <a:lstStyle/>
           <a:p>
             <a:r>
-              <a:rPr lang="zh-CN" altLang="en-US" dirty="0" smtClean="0"/>
-              <a:t>金融体系</a:t>
+              <a:rPr lang="zh-CN" altLang="en-US" dirty="0"/>
+              <a:t>当前金融体系和环境</a:t>
             </a:r>
             <a:endParaRPr lang="en-US" dirty="0"/>
           </a:p>
@@ -10518,7 +17334,7 @@
             <a:effectLst/>
             <a:extLst>
               <a:ext uri="{C572A759-6A51-4108-AA02-DFA0A04FC94B}">
-                <ma14:wrappingTextBoxFlag xmlns:ma14="http://schemas.microsoft.com/office/mac/drawingml/2011/main" xmlns="" val="1"/>
+                <ma14:wrappingTextBoxFlag xmlns="" xmlns:ma14="http://schemas.microsoft.com/office/mac/drawingml/2011/main" val="1"/>
               </a:ext>
             </a:extLst>
           </p:spPr>
@@ -10688,7 +17504,7 @@
             <a:effectLst/>
             <a:extLst>
               <a:ext uri="{C572A759-6A51-4108-AA02-DFA0A04FC94B}">
-                <ma14:wrappingTextBoxFlag xmlns:ma14="http://schemas.microsoft.com/office/mac/drawingml/2011/main" xmlns="" val="1"/>
+                <ma14:wrappingTextBoxFlag xmlns="" xmlns:ma14="http://schemas.microsoft.com/office/mac/drawingml/2011/main" val="1"/>
               </a:ext>
             </a:extLst>
           </p:spPr>
@@ -10860,7 +17676,7 @@
             <a:effectLst/>
             <a:extLst>
               <a:ext uri="{C572A759-6A51-4108-AA02-DFA0A04FC94B}">
-                <ma14:wrappingTextBoxFlag xmlns:ma14="http://schemas.microsoft.com/office/mac/drawingml/2011/main" xmlns="" val="1"/>
+                <ma14:wrappingTextBoxFlag xmlns="" xmlns:ma14="http://schemas.microsoft.com/office/mac/drawingml/2011/main" val="1"/>
               </a:ext>
             </a:extLst>
           </p:spPr>
@@ -11032,7 +17848,7 @@
             <a:effectLst/>
             <a:extLst>
               <a:ext uri="{C572A759-6A51-4108-AA02-DFA0A04FC94B}">
-                <ma14:wrappingTextBoxFlag xmlns:ma14="http://schemas.microsoft.com/office/mac/drawingml/2011/main" xmlns="" val="1"/>
+                <ma14:wrappingTextBoxFlag xmlns="" xmlns:ma14="http://schemas.microsoft.com/office/mac/drawingml/2011/main" val="1"/>
               </a:ext>
             </a:extLst>
           </p:spPr>
@@ -11213,7 +18029,7 @@
             <a:effectLst/>
             <a:extLst>
               <a:ext uri="{C572A759-6A51-4108-AA02-DFA0A04FC94B}">
-                <ma14:wrappingTextBoxFlag xmlns:ma14="http://schemas.microsoft.com/office/mac/drawingml/2011/main" xmlns="" val="1"/>
+                <ma14:wrappingTextBoxFlag xmlns="" xmlns:ma14="http://schemas.microsoft.com/office/mac/drawingml/2011/main" val="1"/>
               </a:ext>
             </a:extLst>
           </p:spPr>
@@ -11385,7 +18201,7 @@
             <a:effectLst/>
             <a:extLst>
               <a:ext uri="{C572A759-6A51-4108-AA02-DFA0A04FC94B}">
-                <ma14:wrappingTextBoxFlag xmlns:ma14="http://schemas.microsoft.com/office/mac/drawingml/2011/main" xmlns="" val="1"/>
+                <ma14:wrappingTextBoxFlag xmlns="" xmlns:ma14="http://schemas.microsoft.com/office/mac/drawingml/2011/main" val="1"/>
               </a:ext>
             </a:extLst>
           </p:spPr>
@@ -11557,7 +18373,7 @@
             <a:effectLst/>
             <a:extLst>
               <a:ext uri="{C572A759-6A51-4108-AA02-DFA0A04FC94B}">
-                <ma14:wrappingTextBoxFlag xmlns:ma14="http://schemas.microsoft.com/office/mac/drawingml/2011/main" xmlns="" val="1"/>
+                <ma14:wrappingTextBoxFlag xmlns="" xmlns:ma14="http://schemas.microsoft.com/office/mac/drawingml/2011/main" val="1"/>
               </a:ext>
             </a:extLst>
           </p:spPr>
@@ -11729,7 +18545,7 @@
             <a:effectLst/>
             <a:extLst>
               <a:ext uri="{C572A759-6A51-4108-AA02-DFA0A04FC94B}">
-                <ma14:wrappingTextBoxFlag xmlns:ma14="http://schemas.microsoft.com/office/mac/drawingml/2011/main" xmlns="" val="1"/>
+                <ma14:wrappingTextBoxFlag xmlns="" xmlns:ma14="http://schemas.microsoft.com/office/mac/drawingml/2011/main" val="1"/>
               </a:ext>
             </a:extLst>
           </p:spPr>
@@ -11901,7 +18717,7 @@
             <a:effectLst/>
             <a:extLst>
               <a:ext uri="{C572A759-6A51-4108-AA02-DFA0A04FC94B}">
-                <ma14:wrappingTextBoxFlag xmlns:ma14="http://schemas.microsoft.com/office/mac/drawingml/2011/main" xmlns="" val="1"/>
+                <ma14:wrappingTextBoxFlag xmlns="" xmlns:ma14="http://schemas.microsoft.com/office/mac/drawingml/2011/main" val="1"/>
               </a:ext>
             </a:extLst>
           </p:spPr>
@@ -12073,7 +18889,7 @@
             <a:effectLst/>
             <a:extLst>
               <a:ext uri="{C572A759-6A51-4108-AA02-DFA0A04FC94B}">
-                <ma14:wrappingTextBoxFlag xmlns:ma14="http://schemas.microsoft.com/office/mac/drawingml/2011/main" xmlns="" val="1"/>
+                <ma14:wrappingTextBoxFlag xmlns="" xmlns:ma14="http://schemas.microsoft.com/office/mac/drawingml/2011/main" val="1"/>
               </a:ext>
             </a:extLst>
           </p:spPr>
@@ -12245,7 +19061,7 @@
             <a:effectLst/>
             <a:extLst>
               <a:ext uri="{C572A759-6A51-4108-AA02-DFA0A04FC94B}">
-                <ma14:wrappingTextBoxFlag xmlns:ma14="http://schemas.microsoft.com/office/mac/drawingml/2011/main" xmlns="" val="1"/>
+                <ma14:wrappingTextBoxFlag xmlns="" xmlns:ma14="http://schemas.microsoft.com/office/mac/drawingml/2011/main" val="1"/>
               </a:ext>
             </a:extLst>
           </p:spPr>
@@ -12417,7 +19233,7 @@
             <a:effectLst/>
             <a:extLst>
               <a:ext uri="{C572A759-6A51-4108-AA02-DFA0A04FC94B}">
-                <ma14:wrappingTextBoxFlag xmlns:ma14="http://schemas.microsoft.com/office/mac/drawingml/2011/main" xmlns="" val="1"/>
+                <ma14:wrappingTextBoxFlag xmlns="" xmlns:ma14="http://schemas.microsoft.com/office/mac/drawingml/2011/main" val="1"/>
               </a:ext>
             </a:extLst>
           </p:spPr>
@@ -12549,7 +19365,7 @@
             <a:effectLst/>
             <a:extLst>
               <a:ext uri="{C572A759-6A51-4108-AA02-DFA0A04FC94B}">
-                <ma14:wrappingTextBoxFlag xmlns:ma14="http://schemas.microsoft.com/office/mac/drawingml/2011/main" xmlns="" val="1"/>
+                <ma14:wrappingTextBoxFlag xmlns="" xmlns:ma14="http://schemas.microsoft.com/office/mac/drawingml/2011/main" val="1"/>
               </a:ext>
             </a:extLst>
           </p:spPr>
@@ -12721,7 +19537,7 @@
             <a:effectLst/>
             <a:extLst>
               <a:ext uri="{C572A759-6A51-4108-AA02-DFA0A04FC94B}">
-                <ma14:wrappingTextBoxFlag xmlns:ma14="http://schemas.microsoft.com/office/mac/drawingml/2011/main" xmlns="" val="1"/>
+                <ma14:wrappingTextBoxFlag xmlns="" xmlns:ma14="http://schemas.microsoft.com/office/mac/drawingml/2011/main" val="1"/>
               </a:ext>
             </a:extLst>
           </p:spPr>
@@ -12893,7 +19709,7 @@
             <a:effectLst/>
             <a:extLst>
               <a:ext uri="{C572A759-6A51-4108-AA02-DFA0A04FC94B}">
-                <ma14:wrappingTextBoxFlag xmlns:ma14="http://schemas.microsoft.com/office/mac/drawingml/2011/main" xmlns="" val="1"/>
+                <ma14:wrappingTextBoxFlag xmlns="" xmlns:ma14="http://schemas.microsoft.com/office/mac/drawingml/2011/main" val="1"/>
               </a:ext>
             </a:extLst>
           </p:spPr>
@@ -13074,7 +19890,7 @@
             <a:effectLst/>
             <a:extLst>
               <a:ext uri="{C572A759-6A51-4108-AA02-DFA0A04FC94B}">
-                <ma14:wrappingTextBoxFlag xmlns:ma14="http://schemas.microsoft.com/office/mac/drawingml/2011/main" xmlns="" val="1"/>
+                <ma14:wrappingTextBoxFlag xmlns="" xmlns:ma14="http://schemas.microsoft.com/office/mac/drawingml/2011/main" val="1"/>
               </a:ext>
             </a:extLst>
           </p:spPr>
@@ -13246,7 +20062,7 @@
             <a:effectLst/>
             <a:extLst>
               <a:ext uri="{C572A759-6A51-4108-AA02-DFA0A04FC94B}">
-                <ma14:wrappingTextBoxFlag xmlns:ma14="http://schemas.microsoft.com/office/mac/drawingml/2011/main" xmlns="" val="1"/>
+                <ma14:wrappingTextBoxFlag xmlns="" xmlns:ma14="http://schemas.microsoft.com/office/mac/drawingml/2011/main" val="1"/>
               </a:ext>
             </a:extLst>
           </p:spPr>
@@ -13418,7 +20234,7 @@
             <a:effectLst/>
             <a:extLst>
               <a:ext uri="{C572A759-6A51-4108-AA02-DFA0A04FC94B}">
-                <ma14:wrappingTextBoxFlag xmlns:ma14="http://schemas.microsoft.com/office/mac/drawingml/2011/main" xmlns="" val="1"/>
+                <ma14:wrappingTextBoxFlag xmlns="" xmlns:ma14="http://schemas.microsoft.com/office/mac/drawingml/2011/main" val="1"/>
               </a:ext>
             </a:extLst>
           </p:spPr>
@@ -13590,7 +20406,7 @@
             <a:effectLst/>
             <a:extLst>
               <a:ext uri="{C572A759-6A51-4108-AA02-DFA0A04FC94B}">
-                <ma14:wrappingTextBoxFlag xmlns:ma14="http://schemas.microsoft.com/office/mac/drawingml/2011/main" xmlns="" val="1"/>
+                <ma14:wrappingTextBoxFlag xmlns="" xmlns:ma14="http://schemas.microsoft.com/office/mac/drawingml/2011/main" val="1"/>
               </a:ext>
             </a:extLst>
           </p:spPr>
@@ -13707,7 +20523,7 @@
           <a:effectLst/>
           <a:extLst>
             <a:ext uri="{C572A759-6A51-4108-AA02-DFA0A04FC94B}">
-              <ma14:wrappingTextBoxFlag xmlns:ma14="http://schemas.microsoft.com/office/mac/drawingml/2011/main" xmlns="" val="1"/>
+              <ma14:wrappingTextBoxFlag xmlns="" xmlns:ma14="http://schemas.microsoft.com/office/mac/drawingml/2011/main" val="1"/>
             </a:ext>
           </a:extLst>
         </p:spPr>
@@ -13829,7 +20645,7 @@
             <a:effectLst/>
             <a:extLst>
               <a:ext uri="{C572A759-6A51-4108-AA02-DFA0A04FC94B}">
-                <ma14:wrappingTextBoxFlag xmlns:ma14="http://schemas.microsoft.com/office/mac/drawingml/2011/main" xmlns="" val="1"/>
+                <ma14:wrappingTextBoxFlag xmlns="" xmlns:ma14="http://schemas.microsoft.com/office/mac/drawingml/2011/main" val="1"/>
               </a:ext>
             </a:extLst>
           </p:spPr>
@@ -13901,7 +20717,7 @@
           </a:ln>
           <a:extLst>
             <a:ext uri="{C572A759-6A51-4108-AA02-DFA0A04FC94B}">
-              <ma14:wrappingTextBoxFlag xmlns:ma14="http://schemas.microsoft.com/office/mac/drawingml/2011/main" xmlns="" val="1"/>
+              <ma14:wrappingTextBoxFlag xmlns="" xmlns:ma14="http://schemas.microsoft.com/office/mac/drawingml/2011/main" val="1"/>
             </a:ext>
           </a:extLst>
         </p:spPr>
@@ -13970,7 +20786,7 @@
           </a:effectLst>
           <a:extLst>
             <a:ext uri="{C572A759-6A51-4108-AA02-DFA0A04FC94B}">
-              <ma14:wrappingTextBoxFlag xmlns:ma14="http://schemas.microsoft.com/office/mac/drawingml/2011/main" xmlns="" val="1"/>
+              <ma14:wrappingTextBoxFlag xmlns="" xmlns:ma14="http://schemas.microsoft.com/office/mac/drawingml/2011/main" val="1"/>
             </a:ext>
           </a:extLst>
         </p:spPr>
@@ -14029,7 +20845,7 @@
           </a:effectLst>
           <a:extLst>
             <a:ext uri="{C572A759-6A51-4108-AA02-DFA0A04FC94B}">
-              <ma14:wrappingTextBoxFlag xmlns:ma14="http://schemas.microsoft.com/office/mac/drawingml/2011/main" xmlns="" val="1"/>
+              <ma14:wrappingTextBoxFlag xmlns="" xmlns:ma14="http://schemas.microsoft.com/office/mac/drawingml/2011/main" val="1"/>
             </a:ext>
           </a:extLst>
         </p:spPr>
@@ -14088,7 +20904,7 @@
           </a:effectLst>
           <a:extLst>
             <a:ext uri="{C572A759-6A51-4108-AA02-DFA0A04FC94B}">
-              <ma14:wrappingTextBoxFlag xmlns:ma14="http://schemas.microsoft.com/office/mac/drawingml/2011/main" xmlns="" val="1"/>
+              <ma14:wrappingTextBoxFlag xmlns="" xmlns:ma14="http://schemas.microsoft.com/office/mac/drawingml/2011/main" val="1"/>
             </a:ext>
           </a:extLst>
         </p:spPr>
@@ -14147,7 +20963,7 @@
           </a:effectLst>
           <a:extLst>
             <a:ext uri="{C572A759-6A51-4108-AA02-DFA0A04FC94B}">
-              <ma14:wrappingTextBoxFlag xmlns:ma14="http://schemas.microsoft.com/office/mac/drawingml/2011/main" xmlns="" val="1"/>
+              <ma14:wrappingTextBoxFlag xmlns="" xmlns:ma14="http://schemas.microsoft.com/office/mac/drawingml/2011/main" val="1"/>
             </a:ext>
           </a:extLst>
         </p:spPr>
@@ -14216,7 +21032,7 @@
           </a:effectLst>
           <a:extLst>
             <a:ext uri="{C572A759-6A51-4108-AA02-DFA0A04FC94B}">
-              <ma14:wrappingTextBoxFlag xmlns:ma14="http://schemas.microsoft.com/office/mac/drawingml/2011/main" xmlns="" val="1"/>
+              <ma14:wrappingTextBoxFlag xmlns="" xmlns:ma14="http://schemas.microsoft.com/office/mac/drawingml/2011/main" val="1"/>
             </a:ext>
           </a:extLst>
         </p:spPr>
@@ -14257,7 +21073,7 @@
           </a:ln>
           <a:extLst>
             <a:ext uri="{C572A759-6A51-4108-AA02-DFA0A04FC94B}">
-              <ma14:wrappingTextBoxFlag xmlns:ma14="http://schemas.microsoft.com/office/mac/drawingml/2011/main" xmlns="" val="1"/>
+              <ma14:wrappingTextBoxFlag xmlns="" xmlns:ma14="http://schemas.microsoft.com/office/mac/drawingml/2011/main" val="1"/>
             </a:ext>
           </a:extLst>
         </p:spPr>
@@ -14324,7 +21140,7 @@
           </a:effectLst>
           <a:extLst>
             <a:ext uri="{C572A759-6A51-4108-AA02-DFA0A04FC94B}">
-              <ma14:wrappingTextBoxFlag xmlns:ma14="http://schemas.microsoft.com/office/mac/drawingml/2011/main" xmlns="" val="1"/>
+              <ma14:wrappingTextBoxFlag xmlns="" xmlns:ma14="http://schemas.microsoft.com/office/mac/drawingml/2011/main" val="1"/>
             </a:ext>
           </a:extLst>
         </p:spPr>
@@ -14382,7 +21198,7 @@
           </a:effectLst>
           <a:extLst>
             <a:ext uri="{C572A759-6A51-4108-AA02-DFA0A04FC94B}">
-              <ma14:wrappingTextBoxFlag xmlns:ma14="http://schemas.microsoft.com/office/mac/drawingml/2011/main" xmlns="" val="1"/>
+              <ma14:wrappingTextBoxFlag xmlns="" xmlns:ma14="http://schemas.microsoft.com/office/mac/drawingml/2011/main" val="1"/>
             </a:ext>
           </a:extLst>
         </p:spPr>
@@ -14460,7 +21276,7 @@
           </a:effectLst>
           <a:extLst>
             <a:ext uri="{C572A759-6A51-4108-AA02-DFA0A04FC94B}">
-              <ma14:wrappingTextBoxFlag xmlns:ma14="http://schemas.microsoft.com/office/mac/drawingml/2011/main" xmlns="" val="1"/>
+              <ma14:wrappingTextBoxFlag xmlns="" xmlns:ma14="http://schemas.microsoft.com/office/mac/drawingml/2011/main" val="1"/>
             </a:ext>
           </a:extLst>
         </p:spPr>
@@ -14738,7 +21554,7 @@
           <a:effectLst/>
           <a:extLst>
             <a:ext uri="{C572A759-6A51-4108-AA02-DFA0A04FC94B}">
-              <ma14:wrappingTextBoxFlag xmlns:ma14="http://schemas.microsoft.com/office/mac/drawingml/2011/main" xmlns="" val="1"/>
+              <ma14:wrappingTextBoxFlag xmlns="" xmlns:ma14="http://schemas.microsoft.com/office/mac/drawingml/2011/main" val="1"/>
             </a:ext>
           </a:extLst>
         </p:spPr>
@@ -14791,7 +21607,7 @@
           <a:effectLst/>
           <a:extLst>
             <a:ext uri="{C572A759-6A51-4108-AA02-DFA0A04FC94B}">
-              <ma14:wrappingTextBoxFlag xmlns:ma14="http://schemas.microsoft.com/office/mac/drawingml/2011/main" xmlns="" val="1"/>
+              <ma14:wrappingTextBoxFlag xmlns="" xmlns:ma14="http://schemas.microsoft.com/office/mac/drawingml/2011/main" val="1"/>
             </a:ext>
           </a:extLst>
         </p:spPr>
@@ -14844,7 +21660,7 @@
           <a:effectLst/>
           <a:extLst>
             <a:ext uri="{C572A759-6A51-4108-AA02-DFA0A04FC94B}">
-              <ma14:wrappingTextBoxFlag xmlns:ma14="http://schemas.microsoft.com/office/mac/drawingml/2011/main" xmlns="" val="1"/>
+              <ma14:wrappingTextBoxFlag xmlns="" xmlns:ma14="http://schemas.microsoft.com/office/mac/drawingml/2011/main" val="1"/>
             </a:ext>
           </a:extLst>
         </p:spPr>
@@ -14892,7 +21708,7 @@
           </a:ln>
           <a:extLst>
             <a:ext uri="{C572A759-6A51-4108-AA02-DFA0A04FC94B}">
-              <ma14:wrappingTextBoxFlag xmlns:ma14="http://schemas.microsoft.com/office/mac/drawingml/2011/main" xmlns="" val="1"/>
+              <ma14:wrappingTextBoxFlag xmlns="" xmlns:ma14="http://schemas.microsoft.com/office/mac/drawingml/2011/main" val="1"/>
             </a:ext>
           </a:extLst>
         </p:spPr>
@@ -14947,7 +21763,7 @@
           </a:ln>
           <a:extLst>
             <a:ext uri="{C572A759-6A51-4108-AA02-DFA0A04FC94B}">
-              <ma14:wrappingTextBoxFlag xmlns:ma14="http://schemas.microsoft.com/office/mac/drawingml/2011/main" xmlns="" val="1"/>
+              <ma14:wrappingTextBoxFlag xmlns="" xmlns:ma14="http://schemas.microsoft.com/office/mac/drawingml/2011/main" val="1"/>
             </a:ext>
           </a:extLst>
         </p:spPr>
@@ -14998,7 +21814,7 @@
           </a:ln>
           <a:extLst>
             <a:ext uri="{C572A759-6A51-4108-AA02-DFA0A04FC94B}">
-              <ma14:wrappingTextBoxFlag xmlns:ma14="http://schemas.microsoft.com/office/mac/drawingml/2011/main" xmlns="" val="1"/>
+              <ma14:wrappingTextBoxFlag xmlns="" xmlns:ma14="http://schemas.microsoft.com/office/mac/drawingml/2011/main" val="1"/>
             </a:ext>
           </a:extLst>
         </p:spPr>
@@ -15049,7 +21865,7 @@
           </a:ln>
           <a:extLst>
             <a:ext uri="{C572A759-6A51-4108-AA02-DFA0A04FC94B}">
-              <ma14:wrappingTextBoxFlag xmlns:ma14="http://schemas.microsoft.com/office/mac/drawingml/2011/main" xmlns="" val="1"/>
+              <ma14:wrappingTextBoxFlag xmlns="" xmlns:ma14="http://schemas.microsoft.com/office/mac/drawingml/2011/main" val="1"/>
             </a:ext>
           </a:extLst>
         </p:spPr>
@@ -15104,7 +21920,7 @@
           </a:ln>
           <a:extLst>
             <a:ext uri="{C572A759-6A51-4108-AA02-DFA0A04FC94B}">
-              <ma14:wrappingTextBoxFlag xmlns:ma14="http://schemas.microsoft.com/office/mac/drawingml/2011/main" xmlns="" val="1"/>
+              <ma14:wrappingTextBoxFlag xmlns="" xmlns:ma14="http://schemas.microsoft.com/office/mac/drawingml/2011/main" val="1"/>
             </a:ext>
           </a:extLst>
         </p:spPr>
@@ -15155,7 +21971,7 @@
           </a:ln>
           <a:extLst>
             <a:ext uri="{C572A759-6A51-4108-AA02-DFA0A04FC94B}">
-              <ma14:wrappingTextBoxFlag xmlns:ma14="http://schemas.microsoft.com/office/mac/drawingml/2011/main" xmlns="" val="1"/>
+              <ma14:wrappingTextBoxFlag xmlns="" xmlns:ma14="http://schemas.microsoft.com/office/mac/drawingml/2011/main" val="1"/>
             </a:ext>
           </a:extLst>
         </p:spPr>
@@ -15206,7 +22022,7 @@
           </a:ln>
           <a:extLst>
             <a:ext uri="{C572A759-6A51-4108-AA02-DFA0A04FC94B}">
-              <ma14:wrappingTextBoxFlag xmlns:ma14="http://schemas.microsoft.com/office/mac/drawingml/2011/main" xmlns="" val="1"/>
+              <ma14:wrappingTextBoxFlag xmlns="" xmlns:ma14="http://schemas.microsoft.com/office/mac/drawingml/2011/main" val="1"/>
             </a:ext>
           </a:extLst>
         </p:spPr>
@@ -15257,7 +22073,7 @@
           </a:ln>
           <a:extLst>
             <a:ext uri="{C572A759-6A51-4108-AA02-DFA0A04FC94B}">
-              <ma14:wrappingTextBoxFlag xmlns:ma14="http://schemas.microsoft.com/office/mac/drawingml/2011/main" xmlns="" val="1"/>
+              <ma14:wrappingTextBoxFlag xmlns="" xmlns:ma14="http://schemas.microsoft.com/office/mac/drawingml/2011/main" val="1"/>
             </a:ext>
           </a:extLst>
         </p:spPr>
@@ -15308,7 +22124,7 @@
           </a:ln>
           <a:extLst>
             <a:ext uri="{C572A759-6A51-4108-AA02-DFA0A04FC94B}">
-              <ma14:wrappingTextBoxFlag xmlns:ma14="http://schemas.microsoft.com/office/mac/drawingml/2011/main" xmlns="" val="1"/>
+              <ma14:wrappingTextBoxFlag xmlns="" xmlns:ma14="http://schemas.microsoft.com/office/mac/drawingml/2011/main" val="1"/>
             </a:ext>
           </a:extLst>
         </p:spPr>
@@ -15363,7 +22179,7 @@
           </a:ln>
           <a:extLst>
             <a:ext uri="{C572A759-6A51-4108-AA02-DFA0A04FC94B}">
-              <ma14:wrappingTextBoxFlag xmlns:ma14="http://schemas.microsoft.com/office/mac/drawingml/2011/main" xmlns="" val="1"/>
+              <ma14:wrappingTextBoxFlag xmlns="" xmlns:ma14="http://schemas.microsoft.com/office/mac/drawingml/2011/main" val="1"/>
             </a:ext>
           </a:extLst>
         </p:spPr>
@@ -15414,7 +22230,7 @@
           </a:ln>
           <a:extLst>
             <a:ext uri="{C572A759-6A51-4108-AA02-DFA0A04FC94B}">
-              <ma14:wrappingTextBoxFlag xmlns:ma14="http://schemas.microsoft.com/office/mac/drawingml/2011/main" xmlns="" val="1"/>
+              <ma14:wrappingTextBoxFlag xmlns="" xmlns:ma14="http://schemas.microsoft.com/office/mac/drawingml/2011/main" val="1"/>
             </a:ext>
           </a:extLst>
         </p:spPr>
@@ -15465,7 +22281,7 @@
           </a:ln>
           <a:extLst>
             <a:ext uri="{C572A759-6A51-4108-AA02-DFA0A04FC94B}">
-              <ma14:wrappingTextBoxFlag xmlns:ma14="http://schemas.microsoft.com/office/mac/drawingml/2011/main" xmlns="" val="1"/>
+              <ma14:wrappingTextBoxFlag xmlns="" xmlns:ma14="http://schemas.microsoft.com/office/mac/drawingml/2011/main" val="1"/>
             </a:ext>
           </a:extLst>
         </p:spPr>
@@ -15520,7 +22336,7 @@
           </a:ln>
           <a:extLst>
             <a:ext uri="{C572A759-6A51-4108-AA02-DFA0A04FC94B}">
-              <ma14:wrappingTextBoxFlag xmlns:ma14="http://schemas.microsoft.com/office/mac/drawingml/2011/main" xmlns="" val="1"/>
+              <ma14:wrappingTextBoxFlag xmlns="" xmlns:ma14="http://schemas.microsoft.com/office/mac/drawingml/2011/main" val="1"/>
             </a:ext>
           </a:extLst>
         </p:spPr>
@@ -15575,7 +22391,7 @@
           </a:ln>
           <a:extLst>
             <a:ext uri="{C572A759-6A51-4108-AA02-DFA0A04FC94B}">
-              <ma14:wrappingTextBoxFlag xmlns:ma14="http://schemas.microsoft.com/office/mac/drawingml/2011/main" xmlns="" val="1"/>
+              <ma14:wrappingTextBoxFlag xmlns="" xmlns:ma14="http://schemas.microsoft.com/office/mac/drawingml/2011/main" val="1"/>
             </a:ext>
           </a:extLst>
         </p:spPr>
@@ -15630,7 +22446,7 @@
           </a:ln>
           <a:extLst>
             <a:ext uri="{C572A759-6A51-4108-AA02-DFA0A04FC94B}">
-              <ma14:wrappingTextBoxFlag xmlns:ma14="http://schemas.microsoft.com/office/mac/drawingml/2011/main" xmlns="" val="1"/>
+              <ma14:wrappingTextBoxFlag xmlns="" xmlns:ma14="http://schemas.microsoft.com/office/mac/drawingml/2011/main" val="1"/>
             </a:ext>
           </a:extLst>
         </p:spPr>
@@ -15685,7 +22501,7 @@
           </a:ln>
           <a:extLst>
             <a:ext uri="{C572A759-6A51-4108-AA02-DFA0A04FC94B}">
-              <ma14:wrappingTextBoxFlag xmlns:ma14="http://schemas.microsoft.com/office/mac/drawingml/2011/main" xmlns="" val="1"/>
+              <ma14:wrappingTextBoxFlag xmlns="" xmlns:ma14="http://schemas.microsoft.com/office/mac/drawingml/2011/main" val="1"/>
             </a:ext>
           </a:extLst>
         </p:spPr>
@@ -15750,9 +22566,73 @@
           <a:chExt cx="0" cy="0"/>
         </a:xfrm>
       </p:grpSpPr>
+      <p:pic>
+        <p:nvPicPr>
+          <p:cNvPr id="1027" name="Picture 3"/>
+          <p:cNvPicPr>
+            <a:picLocks noChangeAspect="1" noChangeArrowheads="1"/>
+          </p:cNvPicPr>
+          <p:nvPr/>
+        </p:nvPicPr>
+        <p:blipFill>
+          <a:blip r:embed="rId3">
+            <a:extLst>
+              <a:ext uri="{28A0092B-C50C-407E-A947-70E740481C1C}">
+                <a14:useLocalDpi xmlns:a14="http://schemas.microsoft.com/office/drawing/2010/main" val="0"/>
+              </a:ext>
+            </a:extLst>
+          </a:blip>
+          <a:srcRect/>
+          <a:stretch>
+            <a:fillRect/>
+          </a:stretch>
+        </p:blipFill>
+        <p:spPr bwMode="auto">
+          <a:xfrm>
+            <a:off x="1371600" y="947376"/>
+            <a:ext cx="7132320" cy="5417563"/>
+          </a:xfrm>
+          <a:prstGeom prst="rect">
+            <a:avLst/>
+          </a:prstGeom>
+          <a:noFill/>
+          <a:ln>
+            <a:noFill/>
+          </a:ln>
+          <a:effectLst/>
+          <a:extLst>
+            <a:ext uri="{909E8E84-426E-40DD-AFC4-6F175D3DCCD1}">
+              <a14:hiddenFill xmlns:a14="http://schemas.microsoft.com/office/drawing/2010/main">
+                <a:solidFill>
+                  <a:schemeClr val="accent1"/>
+                </a:solidFill>
+              </a14:hiddenFill>
+            </a:ext>
+            <a:ext uri="{91240B29-F687-4F45-9708-019B960494DF}">
+              <a14:hiddenLine xmlns:a14="http://schemas.microsoft.com/office/drawing/2010/main" w="9525">
+                <a:solidFill>
+                  <a:schemeClr val="tx1"/>
+                </a:solidFill>
+                <a:miter lim="800000"/>
+                <a:headEnd/>
+                <a:tailEnd/>
+              </a14:hiddenLine>
+            </a:ext>
+            <a:ext uri="{AF507438-7753-43E0-B8FC-AC1667EBCBE1}">
+              <a14:hiddenEffects xmlns:a14="http://schemas.microsoft.com/office/drawing/2010/main">
+                <a:effectLst>
+                  <a:outerShdw dist="35921" dir="2700000" algn="ctr" rotWithShape="0">
+                    <a:schemeClr val="bg2"/>
+                  </a:outerShdw>
+                </a:effectLst>
+              </a14:hiddenEffects>
+            </a:ext>
+          </a:extLst>
+        </p:spPr>
+      </p:pic>
       <p:sp>
         <p:nvSpPr>
-          <p:cNvPr id="2" name="Title 1"/>
+          <p:cNvPr id="4" name="Title 3"/>
           <p:cNvSpPr>
             <a:spLocks noGrp="1"/>
           </p:cNvSpPr>
@@ -15766,167 +22646,71 @@
           <a:lstStyle/>
           <a:p>
             <a:r>
-              <a:rPr lang="en-US" dirty="0"/>
-              <a:t>One column text + chart</a:t>
+              <a:rPr lang="zh-CN" altLang="en-US" dirty="0" smtClean="0"/>
+              <a:t>金融体系</a:t>
             </a:r>
+            <a:r>
+              <a:rPr lang="en-US" altLang="zh-CN" dirty="0" smtClean="0"/>
+              <a:t>-</a:t>
+            </a:r>
+            <a:r>
+              <a:rPr lang="zh-CN" altLang="en-US" dirty="0"/>
+              <a:t>美</a:t>
+            </a:r>
+            <a:r>
+              <a:rPr lang="zh-CN" altLang="en-US" dirty="0" smtClean="0"/>
+              <a:t>国</a:t>
+            </a:r>
+            <a:endParaRPr lang="en-US" dirty="0"/>
           </a:p>
         </p:txBody>
       </p:sp>
       <p:sp>
         <p:nvSpPr>
-          <p:cNvPr id="3" name="Text Placeholder 2"/>
+          <p:cNvPr id="8" name="Slide Number Placeholder 1"/>
           <p:cNvSpPr>
             <a:spLocks noGrp="1"/>
           </p:cNvSpPr>
           <p:nvPr>
-            <p:ph type="body" sz="quarter" idx="10"/>
+            <p:ph type="sldNum" sz="quarter" idx="12"/>
           </p:nvPr>
         </p:nvSpPr>
-        <p:spPr/>
+        <p:spPr>
+          <a:xfrm>
+            <a:off x="8229600" y="6355080"/>
+            <a:ext cx="687600" cy="335245"/>
+          </a:xfrm>
+          <a:prstGeom prst="rect">
+            <a:avLst/>
+          </a:prstGeom>
+        </p:spPr>
         <p:txBody>
           <a:bodyPr/>
-          <a:lstStyle/>
+          <a:lstStyle>
+            <a:lvl1pPr algn="ctr">
+              <a:defRPr>
+                <a:solidFill>
+                  <a:schemeClr val="bg2"/>
+                </a:solidFill>
+              </a:defRPr>
+            </a:lvl1pPr>
+          </a:lstStyle>
           <a:p>
-            <a:r>
-              <a:rPr lang="en-US" dirty="0"/>
-              <a:t>More chart styles in the PowerPoint toolkit</a:t>
-            </a:r>
+            <a:fld id="{93AC2C76-E6AA-46CB-A2DE-F6E097F7C440}" type="slidenum">
+              <a:rPr lang="en-GB" smtClean="0"/>
+              <a:pPr/>
+              <a:t>6</a:t>
+            </a:fld>
+            <a:endParaRPr lang="en-GB" dirty="0"/>
           </a:p>
         </p:txBody>
       </p:sp>
-      <p:sp>
-        <p:nvSpPr>
-          <p:cNvPr id="5" name="Text Placeholder 4"/>
-          <p:cNvSpPr>
-            <a:spLocks noGrp="1"/>
-          </p:cNvSpPr>
-          <p:nvPr>
-            <p:ph type="body" sz="quarter" idx="11"/>
-          </p:nvPr>
-        </p:nvSpPr>
-        <p:spPr/>
-        <p:txBody>
-          <a:bodyPr/>
-          <a:lstStyle/>
-          <a:p>
-            <a:pPr>
-              <a:buSzPct val="100000"/>
-            </a:pPr>
-            <a:r>
-              <a:rPr lang="en-US" altLang="zh-CN" b="1" dirty="0">
-                <a:solidFill>
-                  <a:srgbClr val="68B580"/>
-                </a:solidFill>
-              </a:rPr>
-              <a:t>SNC</a:t>
-            </a:r>
-            <a:r>
-              <a:rPr lang="en-US" b="1" dirty="0">
-                <a:solidFill>
-                  <a:srgbClr val="68B580"/>
-                </a:solidFill>
-              </a:rPr>
-              <a:t>’s Overview</a:t>
-            </a:r>
-          </a:p>
-          <a:p>
-            <a:pPr lvl="1">
-              <a:buClr>
-                <a:srgbClr val="68B580"/>
-              </a:buClr>
-              <a:buSzPct val="100000"/>
-            </a:pPr>
-            <a:r>
-              <a:rPr lang="en-US" dirty="0"/>
-              <a:t>Essential component of the global capital markets</a:t>
-            </a:r>
-          </a:p>
-          <a:p>
-            <a:pPr lvl="1">
-              <a:buClr>
-                <a:srgbClr val="68B580"/>
-              </a:buClr>
-            </a:pPr>
-            <a:r>
-              <a:rPr lang="en-US" dirty="0"/>
-              <a:t>Parent company of MIS and MA</a:t>
-            </a:r>
-          </a:p>
-          <a:p>
-            <a:pPr lvl="1">
-              <a:buClr>
-                <a:srgbClr val="68B580"/>
-              </a:buClr>
-            </a:pPr>
-            <a:r>
-              <a:rPr lang="en-US" dirty="0"/>
-              <a:t>Contributes to transparent and integrated financial markets</a:t>
-            </a:r>
-          </a:p>
-          <a:p>
-            <a:pPr lvl="1">
-              <a:buClr>
-                <a:srgbClr val="68B580"/>
-              </a:buClr>
-            </a:pPr>
-            <a:r>
-              <a:rPr lang="en-US" dirty="0"/>
-              <a:t>Provides:</a:t>
-            </a:r>
-          </a:p>
-          <a:p>
-            <a:pPr lvl="2">
-              <a:buClr>
-                <a:srgbClr val="68B580"/>
-              </a:buClr>
-              <a:buSzPct val="100000"/>
-            </a:pPr>
-            <a:r>
-              <a:rPr lang="en-US" dirty="0"/>
-              <a:t>Credit ratings</a:t>
-            </a:r>
-          </a:p>
-          <a:p>
-            <a:pPr lvl="2">
-              <a:buClr>
-                <a:srgbClr val="68B580"/>
-              </a:buClr>
-            </a:pPr>
-            <a:r>
-              <a:rPr lang="en-US" dirty="0"/>
-              <a:t>Research</a:t>
-            </a:r>
-          </a:p>
-          <a:p>
-            <a:pPr lvl="2">
-              <a:buClr>
-                <a:srgbClr val="68B580"/>
-              </a:buClr>
-            </a:pPr>
-            <a:r>
-              <a:rPr lang="en-US" dirty="0"/>
-              <a:t>Tools &amp; analysis</a:t>
-            </a:r>
-          </a:p>
-        </p:txBody>
-      </p:sp>
-      <p:graphicFrame>
-        <p:nvGraphicFramePr>
-          <p:cNvPr id="6" name="Chart 5"/>
-          <p:cNvGraphicFramePr/>
-          <p:nvPr/>
-        </p:nvGraphicFramePr>
-        <p:xfrm>
-          <a:off x="4297680" y="1827107"/>
-          <a:ext cx="4546724" cy="3898052"/>
-        </p:xfrm>
-        <a:graphic>
-          <a:graphicData uri="http://schemas.openxmlformats.org/drawingml/2006/chart">
-            <c:chart xmlns:c="http://schemas.openxmlformats.org/drawingml/2006/chart" xmlns:r="http://schemas.openxmlformats.org/officeDocument/2006/relationships" r:id="rId3"/>
-          </a:graphicData>
-        </a:graphic>
-      </p:graphicFrame>
     </p:spTree>
+    <p:extLst>
+      <p:ext uri="{BB962C8B-B14F-4D97-AF65-F5344CB8AC3E}">
+        <p14:creationId xmlns:p14="http://schemas.microsoft.com/office/powerpoint/2010/main" val="1372861694"/>
+      </p:ext>
+    </p:extLst>
   </p:cSld>
   <p:clrMapOvr>
     <a:masterClrMapping/>
@@ -15953,39 +22737,12 @@
       </p:grpSpPr>
       <p:sp>
         <p:nvSpPr>
-          <p:cNvPr id="2" name="Title 1"/>
+          <p:cNvPr id="4" name="Title 3"/>
           <p:cNvSpPr>
             <a:spLocks noGrp="1"/>
           </p:cNvSpPr>
           <p:nvPr>
             <p:ph type="title"/>
-          </p:nvPr>
-        </p:nvSpPr>
-        <p:spPr>
-          <a:xfrm>
-            <a:off x="462230" y="457200"/>
-            <a:ext cx="8210282" cy="553720"/>
-          </a:xfrm>
-        </p:spPr>
-        <p:txBody>
-          <a:bodyPr/>
-          <a:lstStyle/>
-          <a:p>
-            <a:r>
-              <a:rPr lang="en-US" dirty="0"/>
-              <a:t>Note 2: the  font</a:t>
-            </a:r>
-          </a:p>
-        </p:txBody>
-      </p:sp>
-      <p:sp>
-        <p:nvSpPr>
-          <p:cNvPr id="3" name="Text Placeholder 2"/>
-          <p:cNvSpPr>
-            <a:spLocks noGrp="1"/>
-          </p:cNvSpPr>
-          <p:nvPr>
-            <p:ph type="body" sz="quarter" idx="10"/>
           </p:nvPr>
         </p:nvSpPr>
         <p:spPr/>
@@ -15994,139 +22751,71 @@
           <a:lstStyle/>
           <a:p>
             <a:r>
-              <a:rPr lang="en-US" dirty="0"/>
-              <a:t>Find this </a:t>
+              <a:rPr lang="zh-CN" altLang="en-US" dirty="0" smtClean="0"/>
+              <a:t>金融体系</a:t>
             </a:r>
             <a:r>
-              <a:rPr lang="en-US" dirty="0">
-                <a:solidFill>
-                  <a:srgbClr val="282B36"/>
-                </a:solidFill>
-              </a:rPr>
-              <a:t>toolbar </a:t>
+              <a:rPr lang="en-US" altLang="zh-CN" dirty="0" smtClean="0"/>
+              <a:t>-</a:t>
             </a:r>
             <a:r>
-              <a:rPr lang="en-US" dirty="0"/>
-              <a:t>next to the “Home” tab</a:t>
+              <a:rPr lang="zh-CN" altLang="en-US" dirty="0"/>
+              <a:t>美</a:t>
             </a:r>
+            <a:r>
+              <a:rPr lang="zh-CN" altLang="en-US" dirty="0" smtClean="0"/>
+              <a:t>国</a:t>
+            </a:r>
+            <a:endParaRPr lang="en-US" dirty="0"/>
           </a:p>
         </p:txBody>
       </p:sp>
       <p:sp>
         <p:nvSpPr>
-          <p:cNvPr id="4" name="文本框 3"/>
-          <p:cNvSpPr txBox="1"/>
-          <p:nvPr/>
+          <p:cNvPr id="8" name="Slide Number Placeholder 1"/>
+          <p:cNvSpPr>
+            <a:spLocks noGrp="1"/>
+          </p:cNvSpPr>
+          <p:nvPr>
+            <p:ph type="sldNum" sz="quarter" idx="12"/>
+          </p:nvPr>
         </p:nvSpPr>
         <p:spPr>
           <a:xfrm>
-            <a:off x="462280" y="2194560"/>
-            <a:ext cx="5558790" cy="307340"/>
-          </a:xfrm>
-          <a:prstGeom prst="rect">
-            <a:avLst/>
-          </a:prstGeom>
-          <a:noFill/>
-        </p:spPr>
-        <p:txBody>
-          <a:bodyPr wrap="none" lIns="0" tIns="0" rIns="0" bIns="0" rtlCol="0">
-            <a:spAutoFit/>
-          </a:bodyPr>
-          <a:lstStyle/>
-          <a:p>
-            <a:r>
-              <a:rPr lang="en-US" altLang="zh-CN" sz="2000" dirty="0" err="1" smtClean="0">
-                <a:solidFill>
-                  <a:schemeClr val="bg2"/>
-                </a:solidFill>
-              </a:rPr>
-              <a:t>Font</a:t>
-            </a:r>
-            <a:r>
-              <a:rPr lang="zh-CN" altLang="en-US" sz="2000" dirty="0" err="1" smtClean="0">
-                <a:solidFill>
-                  <a:schemeClr val="bg2"/>
-                </a:solidFill>
-              </a:rPr>
-              <a:t>：微软雅黑（</a:t>
-            </a:r>
-            <a:r>
-              <a:rPr lang="en-US" altLang="zh-CN" sz="2000" dirty="0" err="1" smtClean="0">
-                <a:solidFill>
-                  <a:schemeClr val="bg2"/>
-                </a:solidFill>
-              </a:rPr>
-              <a:t>Mac</a:t>
-            </a:r>
-            <a:r>
-              <a:rPr lang="zh-CN" altLang="en-US" sz="2000" dirty="0" err="1" smtClean="0">
-                <a:solidFill>
-                  <a:schemeClr val="bg2"/>
-                </a:solidFill>
-              </a:rPr>
-              <a:t>系统下文字自动转为苹方）</a:t>
-            </a:r>
-          </a:p>
-        </p:txBody>
-      </p:sp>
-      <p:sp>
-        <p:nvSpPr>
-          <p:cNvPr id="5" name="文本框 4"/>
-          <p:cNvSpPr txBox="1"/>
-          <p:nvPr/>
-        </p:nvSpPr>
-        <p:spPr>
-          <a:xfrm>
-            <a:off x="457200" y="2999740"/>
-            <a:ext cx="676910" cy="307340"/>
-          </a:xfrm>
-          <a:prstGeom prst="rect">
-            <a:avLst/>
-          </a:prstGeom>
-          <a:noFill/>
-        </p:spPr>
-        <p:txBody>
-          <a:bodyPr wrap="none" lIns="0" tIns="0" rIns="0" bIns="0" rtlCol="0">
-            <a:spAutoFit/>
-          </a:bodyPr>
-          <a:lstStyle/>
-          <a:p>
-            <a:r>
-              <a:rPr lang="en-US" altLang="zh-CN" sz="2000" dirty="0" err="1" smtClean="0">
-                <a:solidFill>
-                  <a:schemeClr val="bg2"/>
-                </a:solidFill>
-              </a:rPr>
-              <a:t>Color:</a:t>
-            </a:r>
-          </a:p>
-        </p:txBody>
-      </p:sp>
-      <p:pic>
-        <p:nvPicPr>
-          <p:cNvPr id="6" name="图片 5" descr="color_画板 1"/>
-          <p:cNvPicPr>
-            <a:picLocks noChangeAspect="1"/>
-          </p:cNvPicPr>
-          <p:nvPr/>
-        </p:nvPicPr>
-        <p:blipFill>
-          <a:blip r:embed="rId3"/>
-          <a:stretch>
-            <a:fillRect/>
-          </a:stretch>
-        </p:blipFill>
-        <p:spPr>
-          <a:xfrm>
-            <a:off x="1456055" y="2999740"/>
-            <a:ext cx="6600190" cy="2025650"/>
+            <a:off x="8229600" y="6355080"/>
+            <a:ext cx="687600" cy="335245"/>
           </a:xfrm>
           <a:prstGeom prst="rect">
             <a:avLst/>
           </a:prstGeom>
         </p:spPr>
-      </p:pic>
+        <p:txBody>
+          <a:bodyPr/>
+          <a:lstStyle>
+            <a:lvl1pPr algn="ctr">
+              <a:defRPr>
+                <a:solidFill>
+                  <a:schemeClr val="bg2"/>
+                </a:solidFill>
+              </a:defRPr>
+            </a:lvl1pPr>
+          </a:lstStyle>
+          <a:p>
+            <a:fld id="{93AC2C76-E6AA-46CB-A2DE-F6E097F7C440}" type="slidenum">
+              <a:rPr lang="en-GB" smtClean="0"/>
+              <a:pPr/>
+              <a:t>7</a:t>
+            </a:fld>
+            <a:endParaRPr lang="en-GB" dirty="0"/>
+          </a:p>
+        </p:txBody>
+      </p:sp>
     </p:spTree>
+    <p:extLst>
+      <p:ext uri="{BB962C8B-B14F-4D97-AF65-F5344CB8AC3E}">
+        <p14:creationId xmlns:p14="http://schemas.microsoft.com/office/powerpoint/2010/main" val="2487750474"/>
+      </p:ext>
+    </p:extLst>
   </p:cSld>
   <p:clrMapOvr>
     <a:masterClrMapping/>
@@ -16153,49 +22842,6 @@
       </p:grpSpPr>
       <p:sp>
         <p:nvSpPr>
-          <p:cNvPr id="5" name="Content Placeholder 4"/>
-          <p:cNvSpPr>
-            <a:spLocks noGrp="1"/>
-          </p:cNvSpPr>
-          <p:nvPr>
-            <p:ph idx="4294967295"/>
-          </p:nvPr>
-        </p:nvSpPr>
-        <p:spPr>
-          <a:xfrm>
-            <a:off x="457200" y="1825625"/>
-            <a:ext cx="4526280" cy="4071938"/>
-          </a:xfrm>
-        </p:spPr>
-        <p:txBody>
-          <a:bodyPr>
-            <a:noAutofit/>
-          </a:bodyPr>
-          <a:lstStyle/>
-          <a:p>
-            <a:r>
-              <a:rPr lang="en-US" sz="2000" dirty="0"/>
-              <a:t>The layouts of all the slides in this template are derived from the PowerPoint “slide masters,” which are accessible from the HOME tab as well as within the </a:t>
-            </a:r>
-            <a:r>
-              <a:rPr lang="en-US" altLang="zh-CN" sz="2000" dirty="0"/>
-              <a:t>SNC</a:t>
-            </a:r>
-            <a:r>
-              <a:rPr lang="en-US" sz="2000" dirty="0"/>
-              <a:t>’S TOOLS toolbar. </a:t>
-            </a:r>
-          </a:p>
-          <a:p>
-            <a:r>
-              <a:rPr lang="en-US" sz="2000" dirty="0"/>
-              <a:t>You can choose a layout for your slides by clicking on the Layout button and selecting the desired layout from the flyout menu. To restore your slide to the original layout of the slide master, use the reset function:</a:t>
-            </a:r>
-          </a:p>
-        </p:txBody>
-      </p:sp>
-      <p:sp>
-        <p:nvSpPr>
           <p:cNvPr id="4" name="Title 3"/>
           <p:cNvSpPr>
             <a:spLocks noGrp="1"/>
@@ -16210,97 +22856,21 @@
           <a:lstStyle/>
           <a:p>
             <a:r>
-              <a:rPr lang="en-US" dirty="0"/>
-              <a:t>Note 1: slide masters</a:t>
+              <a:rPr lang="zh-CN" altLang="en-US" dirty="0" smtClean="0"/>
+              <a:t>金融体系</a:t>
             </a:r>
-          </a:p>
-        </p:txBody>
-      </p:sp>
-      <p:sp>
-        <p:nvSpPr>
-          <p:cNvPr id="6" name="Text Placeholder 5"/>
-          <p:cNvSpPr>
-            <a:spLocks noGrp="1"/>
-          </p:cNvSpPr>
-          <p:nvPr>
-            <p:ph type="body" sz="quarter" idx="10"/>
-          </p:nvPr>
-        </p:nvSpPr>
-        <p:spPr/>
-        <p:txBody>
-          <a:bodyPr>
-            <a:normAutofit/>
-          </a:bodyPr>
-          <a:lstStyle/>
-          <a:p>
             <a:r>
-              <a:rPr lang="en-US" dirty="0">
-                <a:latin typeface="+mn-lt"/>
-                <a:ea typeface="+mj-ea"/>
-              </a:rPr>
-              <a:t>Choose the right slide for the right job</a:t>
+              <a:rPr lang="en-US" altLang="zh-CN" dirty="0" smtClean="0"/>
+              <a:t>-</a:t>
             </a:r>
-          </a:p>
-          <a:p>
+            <a:r>
+              <a:rPr lang="zh-CN" altLang="en-US" dirty="0" smtClean="0"/>
+              <a:t>中东</a:t>
+            </a:r>
             <a:endParaRPr lang="en-US" dirty="0"/>
           </a:p>
         </p:txBody>
       </p:sp>
-      <p:pic>
-        <p:nvPicPr>
-          <p:cNvPr id="11" name="Picture 10"/>
-          <p:cNvPicPr>
-            <a:picLocks noChangeAspect="1"/>
-          </p:cNvPicPr>
-          <p:nvPr/>
-        </p:nvPicPr>
-        <p:blipFill rotWithShape="1">
-          <a:blip r:embed="rId3"/>
-          <a:srcRect r="957"/>
-          <a:stretch>
-            <a:fillRect/>
-          </a:stretch>
-        </p:blipFill>
-        <p:spPr>
-          <a:xfrm>
-            <a:off x="5577840" y="1679837"/>
-            <a:ext cx="3017520" cy="4335978"/>
-          </a:xfrm>
-          <a:prstGeom prst="rect">
-            <a:avLst/>
-          </a:prstGeom>
-        </p:spPr>
-      </p:pic>
-      <p:pic>
-        <p:nvPicPr>
-          <p:cNvPr id="17" name="图片 16"/>
-          <p:cNvPicPr>
-            <a:picLocks noChangeAspect="1"/>
-          </p:cNvPicPr>
-          <p:nvPr/>
-        </p:nvPicPr>
-        <p:blipFill>
-          <a:blip r:embed="rId4">
-            <a:extLst>
-              <a:ext uri="{28A0092B-C50C-407E-A947-70E740481C1C}">
-                <a14:useLocalDpi xmlns:a14="http://schemas.microsoft.com/office/drawing/2010/main" val="0"/>
-              </a:ext>
-            </a:extLst>
-          </a:blip>
-          <a:stretch>
-            <a:fillRect/>
-          </a:stretch>
-        </p:blipFill>
-        <p:spPr>
-          <a:xfrm>
-            <a:off x="5577840" y="1886149"/>
-            <a:ext cx="3017520" cy="4331771"/>
-          </a:xfrm>
-          <a:prstGeom prst="rect">
-            <a:avLst/>
-          </a:prstGeom>
-        </p:spPr>
-      </p:pic>
       <p:sp>
         <p:nvSpPr>
           <p:cNvPr id="8" name="Slide Number Placeholder 1"/>
@@ -16344,7 +22914,7 @@
     </p:spTree>
     <p:extLst>
       <p:ext uri="{BB962C8B-B14F-4D97-AF65-F5344CB8AC3E}">
-        <p14:creationId xmlns:p14="http://schemas.microsoft.com/office/powerpoint/2010/main" val="3497418416"/>
+        <p14:creationId xmlns:p14="http://schemas.microsoft.com/office/powerpoint/2010/main" val="3269357977"/>
       </p:ext>
     </p:extLst>
   </p:cSld>
@@ -16387,8 +22957,8 @@
           <a:lstStyle/>
           <a:p>
             <a:r>
-              <a:rPr lang="en-US"/>
-              <a:t>One column slide with larger text</a:t>
+              <a:rPr lang="en-US" dirty="0" smtClean="0"/>
+              <a:t>2</a:t>
             </a:r>
             <a:endParaRPr lang="en-US" dirty="0"/>
           </a:p>
@@ -16396,7 +22966,7 @@
       </p:sp>
       <p:sp>
         <p:nvSpPr>
-          <p:cNvPr id="6" name="Text Placeholder 5"/>
+          <p:cNvPr id="5" name="Text Placeholder 4"/>
           <p:cNvSpPr>
             <a:spLocks noGrp="1"/>
           </p:cNvSpPr>
@@ -16404,151 +22974,30 @@
             <p:ph type="body" sz="quarter" idx="10"/>
           </p:nvPr>
         </p:nvSpPr>
-        <p:spPr/>
+        <p:spPr>
+          <a:xfrm>
+            <a:off x="3977640" y="2103120"/>
+            <a:ext cx="4609465" cy="2446655"/>
+          </a:xfrm>
+        </p:spPr>
         <p:txBody>
           <a:bodyPr/>
           <a:lstStyle/>
           <a:p>
             <a:r>
-              <a:rPr lang="en-US" dirty="0"/>
-              <a:t>Best for presenting a few main points</a:t>
+              <a:rPr lang="zh-CN" altLang="en-US" dirty="0"/>
+              <a:t>传统金融体系的局限性</a:t>
             </a:r>
-          </a:p>
-        </p:txBody>
-      </p:sp>
-      <p:sp>
-        <p:nvSpPr>
-          <p:cNvPr id="18" name="Text Placeholder 17"/>
-          <p:cNvSpPr>
-            <a:spLocks noGrp="1"/>
-          </p:cNvSpPr>
-          <p:nvPr>
-            <p:ph type="body" sz="quarter" idx="11"/>
-          </p:nvPr>
-        </p:nvSpPr>
-        <p:spPr/>
-        <p:txBody>
-          <a:bodyPr/>
-          <a:lstStyle/>
-          <a:p>
-            <a:r>
-              <a:rPr lang="en-US" altLang="zh-CN" b="1" dirty="0">
-                <a:solidFill>
-                  <a:srgbClr val="68B57F"/>
-                </a:solidFill>
-              </a:rPr>
-              <a:t>SNC</a:t>
-            </a:r>
-            <a:r>
-              <a:rPr lang="en-US" b="1" dirty="0">
-                <a:solidFill>
-                  <a:srgbClr val="68B57F"/>
-                </a:solidFill>
-              </a:rPr>
-              <a:t>’s Corporation Overview</a:t>
-            </a:r>
-          </a:p>
-          <a:p>
-            <a:pPr lvl="1">
-              <a:buClr>
-                <a:srgbClr val="68B57F"/>
-              </a:buClr>
-              <a:buSzPct val="100000"/>
-            </a:pPr>
-            <a:r>
-              <a:rPr lang="en-US" dirty="0"/>
-              <a:t>Essential </a:t>
-            </a:r>
-            <a:r>
-              <a:rPr lang="en-US" dirty="0">
-                <a:solidFill>
-                  <a:srgbClr val="000000"/>
-                </a:solidFill>
-              </a:rPr>
-              <a:t>component </a:t>
-            </a:r>
-            <a:r>
-              <a:rPr lang="en-US" dirty="0"/>
-              <a:t>of the global capital markets</a:t>
-            </a:r>
-          </a:p>
-          <a:p>
-            <a:pPr lvl="1">
-              <a:buClr>
-                <a:srgbClr val="68B57F"/>
-              </a:buClr>
-              <a:buSzPct val="100000"/>
-            </a:pPr>
-            <a:r>
-              <a:rPr lang="en-US" dirty="0"/>
-              <a:t>Parent company of MIS and MA</a:t>
-            </a:r>
-          </a:p>
-          <a:p>
-            <a:pPr lvl="1">
-              <a:buClr>
-                <a:srgbClr val="68B57F"/>
-              </a:buClr>
-            </a:pPr>
-            <a:r>
-              <a:rPr lang="en-US" dirty="0"/>
-              <a:t>Contributes to transparent and integrated financial markets</a:t>
-            </a:r>
-          </a:p>
-          <a:p>
-            <a:pPr lvl="1">
-              <a:buClr>
-                <a:srgbClr val="68B57F"/>
-              </a:buClr>
-            </a:pPr>
-            <a:r>
-              <a:rPr lang="en-US" dirty="0"/>
-              <a:t>Provides credit ratings, research, tools &amp; analysis</a:t>
-            </a:r>
-          </a:p>
-        </p:txBody>
-      </p:sp>
-      <p:sp>
-        <p:nvSpPr>
-          <p:cNvPr id="5" name="Slide Number Placeholder 1"/>
-          <p:cNvSpPr>
-            <a:spLocks noGrp="1"/>
-          </p:cNvSpPr>
-          <p:nvPr>
-            <p:ph type="sldNum" sz="quarter" idx="12"/>
-          </p:nvPr>
-        </p:nvSpPr>
-        <p:spPr>
-          <a:xfrm>
-            <a:off x="8229600" y="6355080"/>
-            <a:ext cx="687600" cy="335245"/>
-          </a:xfrm>
-          <a:prstGeom prst="rect">
-            <a:avLst/>
-          </a:prstGeom>
-        </p:spPr>
-        <p:txBody>
-          <a:bodyPr/>
-          <a:lstStyle>
-            <a:lvl1pPr algn="ctr">
-              <a:defRPr>
-                <a:solidFill>
-                  <a:schemeClr val="bg2"/>
-                </a:solidFill>
-              </a:defRPr>
-            </a:lvl1pPr>
-          </a:lstStyle>
-          <a:p>
-            <a:fld id="{93AC2C76-E6AA-46CB-A2DE-F6E097F7C440}" type="slidenum">
-              <a:rPr lang="en-GB" smtClean="0"/>
-              <a:pPr/>
-              <a:t>9</a:t>
-            </a:fld>
-            <a:endParaRPr lang="en-GB" dirty="0"/>
+            <a:endParaRPr lang="en-US" dirty="0"/>
           </a:p>
         </p:txBody>
       </p:sp>
     </p:spTree>
+    <p:extLst>
+      <p:ext uri="{BB962C8B-B14F-4D97-AF65-F5344CB8AC3E}">
+        <p14:creationId xmlns:p14="http://schemas.microsoft.com/office/powerpoint/2010/main" val="1030099353"/>
+      </p:ext>
+    </p:extLst>
   </p:cSld>
   <p:clrMapOvr>
     <a:masterClrMapping/>
@@ -16855,7 +23304,7 @@
   <a:extraClrSchemeLst/>
   <a:extLst>
     <a:ext uri="{05A4C25C-085E-4340-85A3-A5531E510DB2}">
-      <thm15:themeFamily xmlns="" xmlns:thm15="http://schemas.microsoft.com/office/thememl/2012/main" name="Office Theme" id="{62F939B6-93AF-4DB8-9C6B-D6C7DFDC589F}" vid="{4A3C46E8-61CC-4603-A589-7422A47A8E4A}"/>
+      <thm15:themeFamily xmlns:thm15="http://schemas.microsoft.com/office/thememl/2012/main" xmlns="" name="Office Theme" id="{62F939B6-93AF-4DB8-9C6B-D6C7DFDC589F}" vid="{4A3C46E8-61CC-4603-A589-7422A47A8E4A}"/>
     </a:ext>
   </a:extLst>
 </a:theme>
@@ -17116,7 +23565,7 @@
   <a:extraClrSchemeLst/>
   <a:extLst>
     <a:ext uri="{05A4C25C-085E-4340-85A3-A5531E510DB2}">
-      <thm15:themeFamily xmlns="" xmlns:thm15="http://schemas.microsoft.com/office/thememl/2012/main" name="Office Theme" id="{62F939B6-93AF-4DB8-9C6B-D6C7DFDC589F}" vid="{4A3C46E8-61CC-4603-A589-7422A47A8E4A}"/>
+      <thm15:themeFamily xmlns:thm15="http://schemas.microsoft.com/office/thememl/2012/main" xmlns="" name="Office Theme" id="{62F939B6-93AF-4DB8-9C6B-D6C7DFDC589F}" vid="{4A3C46E8-61CC-4603-A589-7422A47A8E4A}"/>
     </a:ext>
   </a:extLst>
 </a:theme>
@@ -17377,8 +23826,450 @@
   <a:extraClrSchemeLst/>
   <a:extLst>
     <a:ext uri="{05A4C25C-085E-4340-85A3-A5531E510DB2}">
-      <thm15:themeFamily xmlns="" xmlns:thm15="http://schemas.microsoft.com/office/thememl/2012/main" name="Office Theme" id="{62F939B6-93AF-4DB8-9C6B-D6C7DFDC589F}" vid="{4A3C46E8-61CC-4603-A589-7422A47A8E4A}"/>
+      <thm15:themeFamily xmlns:thm15="http://schemas.microsoft.com/office/thememl/2012/main" xmlns="" name="Office Theme" id="{62F939B6-93AF-4DB8-9C6B-D6C7DFDC589F}" vid="{4A3C46E8-61CC-4603-A589-7422A47A8E4A}"/>
     </a:ext>
   </a:extLst>
 </a:theme>
+</file>
+
+<file path=ppt/theme/themeOverride1.xml><?xml version="1.0" encoding="utf-8"?>
+<a:themeOverride xmlns:a="http://schemas.openxmlformats.org/drawingml/2006/main">
+  <a:clrScheme name="Moody's Theme 4.0">
+    <a:dk1>
+      <a:srgbClr val="0028A0"/>
+    </a:dk1>
+    <a:lt1>
+      <a:sysClr val="window" lastClr="FFFFFF"/>
+    </a:lt1>
+    <a:dk2>
+      <a:srgbClr val="009FDF"/>
+    </a:dk2>
+    <a:lt2>
+      <a:srgbClr val="000000"/>
+    </a:lt2>
+    <a:accent1>
+      <a:srgbClr val="009775"/>
+    </a:accent1>
+    <a:accent2>
+      <a:srgbClr val="41B6E6"/>
+    </a:accent2>
+    <a:accent3>
+      <a:srgbClr val="0028A0"/>
+    </a:accent3>
+    <a:accent4>
+      <a:srgbClr val="78BE20"/>
+    </a:accent4>
+    <a:accent5>
+      <a:srgbClr val="75787B"/>
+    </a:accent5>
+    <a:accent6>
+      <a:srgbClr val="002E5D"/>
+    </a:accent6>
+    <a:hlink>
+      <a:srgbClr val="009FDF"/>
+    </a:hlink>
+    <a:folHlink>
+      <a:srgbClr val="009FDF"/>
+    </a:folHlink>
+  </a:clrScheme>
+  <a:fontScheme name="Arial">
+    <a:majorFont>
+      <a:latin typeface="Arial"/>
+      <a:ea typeface=""/>
+      <a:cs typeface=""/>
+      <a:font script="Jpan" typeface="ＭＳ Ｐゴシック"/>
+      <a:font script="Hang" typeface="굴림"/>
+      <a:font script="Hans" typeface="黑体"/>
+      <a:font script="Hant" typeface="微軟正黑體"/>
+      <a:font script="Arab" typeface="Arial"/>
+      <a:font script="Hebr" typeface="Arial"/>
+      <a:font script="Thai" typeface="Cordia New"/>
+      <a:font script="Ethi" typeface="Nyala"/>
+      <a:font script="Beng" typeface="Vrinda"/>
+      <a:font script="Gujr" typeface="Shruti"/>
+      <a:font script="Khmr" typeface="DaunPenh"/>
+      <a:font script="Knda" typeface="Tunga"/>
+      <a:font script="Guru" typeface="Raavi"/>
+      <a:font script="Cans" typeface="Euphemia"/>
+      <a:font script="Cher" typeface="Plantagenet Cherokee"/>
+      <a:font script="Yiii" typeface="Microsoft Yi Baiti"/>
+      <a:font script="Tibt" typeface="Microsoft Himalaya"/>
+      <a:font script="Thaa" typeface="MV Boli"/>
+      <a:font script="Deva" typeface="Mangal"/>
+      <a:font script="Telu" typeface="Gautami"/>
+      <a:font script="Taml" typeface="Latha"/>
+      <a:font script="Syrc" typeface="Estrangelo Edessa"/>
+      <a:font script="Orya" typeface="Kalinga"/>
+      <a:font script="Mlym" typeface="Kartika"/>
+      <a:font script="Laoo" typeface="DokChampa"/>
+      <a:font script="Sinh" typeface="Iskoola Pota"/>
+      <a:font script="Mong" typeface="Mongolian Baiti"/>
+      <a:font script="Viet" typeface="Arial"/>
+      <a:font script="Uigh" typeface="Microsoft Uighur"/>
+      <a:font script="Geor" typeface="Sylfaen"/>
+    </a:majorFont>
+    <a:minorFont>
+      <a:latin typeface="Arial"/>
+      <a:ea typeface=""/>
+      <a:cs typeface=""/>
+      <a:font script="Jpan" typeface="ＭＳ Ｐゴシック"/>
+      <a:font script="Hang" typeface="굴림"/>
+      <a:font script="Hans" typeface="黑体"/>
+      <a:font script="Hant" typeface="微軟正黑體"/>
+      <a:font script="Arab" typeface="Arial"/>
+      <a:font script="Hebr" typeface="Arial"/>
+      <a:font script="Thai" typeface="Cordia New"/>
+      <a:font script="Ethi" typeface="Nyala"/>
+      <a:font script="Beng" typeface="Vrinda"/>
+      <a:font script="Gujr" typeface="Shruti"/>
+      <a:font script="Khmr" typeface="DaunPenh"/>
+      <a:font script="Knda" typeface="Tunga"/>
+      <a:font script="Guru" typeface="Raavi"/>
+      <a:font script="Cans" typeface="Euphemia"/>
+      <a:font script="Cher" typeface="Plantagenet Cherokee"/>
+      <a:font script="Yiii" typeface="Microsoft Yi Baiti"/>
+      <a:font script="Tibt" typeface="Microsoft Himalaya"/>
+      <a:font script="Thaa" typeface="MV Boli"/>
+      <a:font script="Deva" typeface="Mangal"/>
+      <a:font script="Telu" typeface="Gautami"/>
+      <a:font script="Taml" typeface="Latha"/>
+      <a:font script="Syrc" typeface="Estrangelo Edessa"/>
+      <a:font script="Orya" typeface="Kalinga"/>
+      <a:font script="Mlym" typeface="Kartika"/>
+      <a:font script="Laoo" typeface="DokChampa"/>
+      <a:font script="Sinh" typeface="Iskoola Pota"/>
+      <a:font script="Mong" typeface="Mongolian Baiti"/>
+      <a:font script="Viet" typeface="Arial"/>
+      <a:font script="Uigh" typeface="Microsoft Uighur"/>
+      <a:font script="Geor" typeface="Sylfaen"/>
+    </a:minorFont>
+  </a:fontScheme>
+  <a:fmtScheme name="Subtle Solids">
+    <a:fillStyleLst>
+      <a:solidFill>
+        <a:schemeClr val="phClr"/>
+      </a:solidFill>
+      <a:solidFill>
+        <a:schemeClr val="phClr">
+          <a:tint val="65000"/>
+        </a:schemeClr>
+      </a:solidFill>
+      <a:solidFill>
+        <a:schemeClr val="phClr">
+          <a:shade val="80000"/>
+          <a:satMod val="150000"/>
+        </a:schemeClr>
+      </a:solidFill>
+    </a:fillStyleLst>
+    <a:lnStyleLst>
+      <a:ln w="9525" cap="flat" cmpd="sng" algn="ctr">
+        <a:solidFill>
+          <a:schemeClr val="phClr"/>
+        </a:solidFill>
+        <a:prstDash val="solid"/>
+      </a:ln>
+      <a:ln w="10795" cap="flat" cmpd="sng" algn="ctr">
+        <a:solidFill>
+          <a:schemeClr val="phClr"/>
+        </a:solidFill>
+        <a:prstDash val="solid"/>
+      </a:ln>
+      <a:ln w="17145" cap="flat" cmpd="sng" algn="ctr">
+        <a:solidFill>
+          <a:schemeClr val="phClr">
+            <a:shade val="95000"/>
+            <a:alpha val="50000"/>
+            <a:satMod val="150000"/>
+          </a:schemeClr>
+        </a:solidFill>
+        <a:prstDash val="solid"/>
+      </a:ln>
+    </a:lnStyleLst>
+    <a:effectStyleLst>
+      <a:effectStyle>
+        <a:effectLst/>
+      </a:effectStyle>
+      <a:effectStyle>
+        <a:effectLst/>
+      </a:effectStyle>
+      <a:effectStyle>
+        <a:effectLst>
+          <a:outerShdw blurRad="44450" dist="13970" dir="5400000" algn="ctr" rotWithShape="0">
+            <a:srgbClr val="000000">
+              <a:alpha val="45000"/>
+            </a:srgbClr>
+          </a:outerShdw>
+        </a:effectLst>
+        <a:scene3d>
+          <a:camera prst="orthographicFront">
+            <a:rot lat="0" lon="0" rev="0"/>
+          </a:camera>
+          <a:lightRig rig="twoPt" dir="tl"/>
+        </a:scene3d>
+        <a:sp3d prstMaterial="flat">
+          <a:bevelT w="12700" h="25400" prst="coolSlant"/>
+        </a:sp3d>
+      </a:effectStyle>
+    </a:effectStyleLst>
+    <a:bgFillStyleLst>
+      <a:solidFill>
+        <a:schemeClr val="phClr"/>
+      </a:solidFill>
+      <a:solidFill>
+        <a:schemeClr val="phClr">
+          <a:tint val="95000"/>
+          <a:satMod val="170000"/>
+        </a:schemeClr>
+      </a:solidFill>
+      <a:gradFill rotWithShape="1">
+        <a:gsLst>
+          <a:gs pos="0">
+            <a:schemeClr val="phClr">
+              <a:tint val="93000"/>
+              <a:satMod val="150000"/>
+              <a:shade val="98000"/>
+              <a:lumMod val="102000"/>
+            </a:schemeClr>
+          </a:gs>
+          <a:gs pos="50000">
+            <a:schemeClr val="phClr">
+              <a:tint val="98000"/>
+              <a:satMod val="130000"/>
+              <a:shade val="90000"/>
+              <a:lumMod val="103000"/>
+            </a:schemeClr>
+          </a:gs>
+          <a:gs pos="100000">
+            <a:schemeClr val="phClr">
+              <a:shade val="63000"/>
+              <a:satMod val="120000"/>
+            </a:schemeClr>
+          </a:gs>
+        </a:gsLst>
+        <a:lin ang="5400000" scaled="0"/>
+      </a:gradFill>
+    </a:bgFillStyleLst>
+  </a:fmtScheme>
+</a:themeOverride>
+</file>
+
+<file path=ppt/theme/themeOverride2.xml><?xml version="1.0" encoding="utf-8"?>
+<a:themeOverride xmlns:a="http://schemas.openxmlformats.org/drawingml/2006/main">
+  <a:clrScheme name="Moody's Theme 4.0">
+    <a:dk1>
+      <a:srgbClr val="0028A0"/>
+    </a:dk1>
+    <a:lt1>
+      <a:sysClr val="window" lastClr="FFFFFF"/>
+    </a:lt1>
+    <a:dk2>
+      <a:srgbClr val="009FDF"/>
+    </a:dk2>
+    <a:lt2>
+      <a:srgbClr val="000000"/>
+    </a:lt2>
+    <a:accent1>
+      <a:srgbClr val="009775"/>
+    </a:accent1>
+    <a:accent2>
+      <a:srgbClr val="41B6E6"/>
+    </a:accent2>
+    <a:accent3>
+      <a:srgbClr val="0028A0"/>
+    </a:accent3>
+    <a:accent4>
+      <a:srgbClr val="78BE20"/>
+    </a:accent4>
+    <a:accent5>
+      <a:srgbClr val="75787B"/>
+    </a:accent5>
+    <a:accent6>
+      <a:srgbClr val="002E5D"/>
+    </a:accent6>
+    <a:hlink>
+      <a:srgbClr val="009FDF"/>
+    </a:hlink>
+    <a:folHlink>
+      <a:srgbClr val="009FDF"/>
+    </a:folHlink>
+  </a:clrScheme>
+  <a:fontScheme name="Arial">
+    <a:majorFont>
+      <a:latin typeface="Arial"/>
+      <a:ea typeface=""/>
+      <a:cs typeface=""/>
+      <a:font script="Jpan" typeface="ＭＳ Ｐゴシック"/>
+      <a:font script="Hang" typeface="굴림"/>
+      <a:font script="Hans" typeface="黑体"/>
+      <a:font script="Hant" typeface="微軟正黑體"/>
+      <a:font script="Arab" typeface="Arial"/>
+      <a:font script="Hebr" typeface="Arial"/>
+      <a:font script="Thai" typeface="Cordia New"/>
+      <a:font script="Ethi" typeface="Nyala"/>
+      <a:font script="Beng" typeface="Vrinda"/>
+      <a:font script="Gujr" typeface="Shruti"/>
+      <a:font script="Khmr" typeface="DaunPenh"/>
+      <a:font script="Knda" typeface="Tunga"/>
+      <a:font script="Guru" typeface="Raavi"/>
+      <a:font script="Cans" typeface="Euphemia"/>
+      <a:font script="Cher" typeface="Plantagenet Cherokee"/>
+      <a:font script="Yiii" typeface="Microsoft Yi Baiti"/>
+      <a:font script="Tibt" typeface="Microsoft Himalaya"/>
+      <a:font script="Thaa" typeface="MV Boli"/>
+      <a:font script="Deva" typeface="Mangal"/>
+      <a:font script="Telu" typeface="Gautami"/>
+      <a:font script="Taml" typeface="Latha"/>
+      <a:font script="Syrc" typeface="Estrangelo Edessa"/>
+      <a:font script="Orya" typeface="Kalinga"/>
+      <a:font script="Mlym" typeface="Kartika"/>
+      <a:font script="Laoo" typeface="DokChampa"/>
+      <a:font script="Sinh" typeface="Iskoola Pota"/>
+      <a:font script="Mong" typeface="Mongolian Baiti"/>
+      <a:font script="Viet" typeface="Arial"/>
+      <a:font script="Uigh" typeface="Microsoft Uighur"/>
+      <a:font script="Geor" typeface="Sylfaen"/>
+    </a:majorFont>
+    <a:minorFont>
+      <a:latin typeface="Arial"/>
+      <a:ea typeface=""/>
+      <a:cs typeface=""/>
+      <a:font script="Jpan" typeface="ＭＳ Ｐゴシック"/>
+      <a:font script="Hang" typeface="굴림"/>
+      <a:font script="Hans" typeface="黑体"/>
+      <a:font script="Hant" typeface="微軟正黑體"/>
+      <a:font script="Arab" typeface="Arial"/>
+      <a:font script="Hebr" typeface="Arial"/>
+      <a:font script="Thai" typeface="Cordia New"/>
+      <a:font script="Ethi" typeface="Nyala"/>
+      <a:font script="Beng" typeface="Vrinda"/>
+      <a:font script="Gujr" typeface="Shruti"/>
+      <a:font script="Khmr" typeface="DaunPenh"/>
+      <a:font script="Knda" typeface="Tunga"/>
+      <a:font script="Guru" typeface="Raavi"/>
+      <a:font script="Cans" typeface="Euphemia"/>
+      <a:font script="Cher" typeface="Plantagenet Cherokee"/>
+      <a:font script="Yiii" typeface="Microsoft Yi Baiti"/>
+      <a:font script="Tibt" typeface="Microsoft Himalaya"/>
+      <a:font script="Thaa" typeface="MV Boli"/>
+      <a:font script="Deva" typeface="Mangal"/>
+      <a:font script="Telu" typeface="Gautami"/>
+      <a:font script="Taml" typeface="Latha"/>
+      <a:font script="Syrc" typeface="Estrangelo Edessa"/>
+      <a:font script="Orya" typeface="Kalinga"/>
+      <a:font script="Mlym" typeface="Kartika"/>
+      <a:font script="Laoo" typeface="DokChampa"/>
+      <a:font script="Sinh" typeface="Iskoola Pota"/>
+      <a:font script="Mong" typeface="Mongolian Baiti"/>
+      <a:font script="Viet" typeface="Arial"/>
+      <a:font script="Uigh" typeface="Microsoft Uighur"/>
+      <a:font script="Geor" typeface="Sylfaen"/>
+    </a:minorFont>
+  </a:fontScheme>
+  <a:fmtScheme name="Subtle Solids">
+    <a:fillStyleLst>
+      <a:solidFill>
+        <a:schemeClr val="phClr"/>
+      </a:solidFill>
+      <a:solidFill>
+        <a:schemeClr val="phClr">
+          <a:tint val="65000"/>
+        </a:schemeClr>
+      </a:solidFill>
+      <a:solidFill>
+        <a:schemeClr val="phClr">
+          <a:shade val="80000"/>
+          <a:satMod val="150000"/>
+        </a:schemeClr>
+      </a:solidFill>
+    </a:fillStyleLst>
+    <a:lnStyleLst>
+      <a:ln w="9525" cap="flat" cmpd="sng" algn="ctr">
+        <a:solidFill>
+          <a:schemeClr val="phClr"/>
+        </a:solidFill>
+        <a:prstDash val="solid"/>
+      </a:ln>
+      <a:ln w="10795" cap="flat" cmpd="sng" algn="ctr">
+        <a:solidFill>
+          <a:schemeClr val="phClr"/>
+        </a:solidFill>
+        <a:prstDash val="solid"/>
+      </a:ln>
+      <a:ln w="17145" cap="flat" cmpd="sng" algn="ctr">
+        <a:solidFill>
+          <a:schemeClr val="phClr">
+            <a:shade val="95000"/>
+            <a:alpha val="50000"/>
+            <a:satMod val="150000"/>
+          </a:schemeClr>
+        </a:solidFill>
+        <a:prstDash val="solid"/>
+      </a:ln>
+    </a:lnStyleLst>
+    <a:effectStyleLst>
+      <a:effectStyle>
+        <a:effectLst/>
+      </a:effectStyle>
+      <a:effectStyle>
+        <a:effectLst/>
+      </a:effectStyle>
+      <a:effectStyle>
+        <a:effectLst>
+          <a:outerShdw blurRad="44450" dist="13970" dir="5400000" algn="ctr" rotWithShape="0">
+            <a:srgbClr val="000000">
+              <a:alpha val="45000"/>
+            </a:srgbClr>
+          </a:outerShdw>
+        </a:effectLst>
+        <a:scene3d>
+          <a:camera prst="orthographicFront">
+            <a:rot lat="0" lon="0" rev="0"/>
+          </a:camera>
+          <a:lightRig rig="twoPt" dir="tl"/>
+        </a:scene3d>
+        <a:sp3d prstMaterial="flat">
+          <a:bevelT w="12700" h="25400" prst="coolSlant"/>
+        </a:sp3d>
+      </a:effectStyle>
+    </a:effectStyleLst>
+    <a:bgFillStyleLst>
+      <a:solidFill>
+        <a:schemeClr val="phClr"/>
+      </a:solidFill>
+      <a:solidFill>
+        <a:schemeClr val="phClr">
+          <a:tint val="95000"/>
+          <a:satMod val="170000"/>
+        </a:schemeClr>
+      </a:solidFill>
+      <a:gradFill rotWithShape="1">
+        <a:gsLst>
+          <a:gs pos="0">
+            <a:schemeClr val="phClr">
+              <a:tint val="93000"/>
+              <a:satMod val="150000"/>
+              <a:shade val="98000"/>
+              <a:lumMod val="102000"/>
+            </a:schemeClr>
+          </a:gs>
+          <a:gs pos="50000">
+            <a:schemeClr val="phClr">
+              <a:tint val="98000"/>
+              <a:satMod val="130000"/>
+              <a:shade val="90000"/>
+              <a:lumMod val="103000"/>
+            </a:schemeClr>
+          </a:gs>
+          <a:gs pos="100000">
+            <a:schemeClr val="phClr">
+              <a:shade val="63000"/>
+              <a:satMod val="120000"/>
+            </a:schemeClr>
+          </a:gs>
+        </a:gsLst>
+        <a:lin ang="5400000" scaled="0"/>
+      </a:gradFill>
+    </a:bgFillStyleLst>
+  </a:fmtScheme>
+</a:themeOverride>
 </file>
--- a/阿曼/proposal for Oman.pptx
+++ b/阿曼/proposal for Oman.pptx
@@ -5,37 +5,36 @@
     <p:sldMasterId id="2147483648" r:id="rId1"/>
   </p:sldMasterIdLst>
   <p:notesMasterIdLst>
-    <p:notesMasterId r:id="rId27"/>
+    <p:notesMasterId r:id="rId26"/>
   </p:notesMasterIdLst>
   <p:handoutMasterIdLst>
-    <p:handoutMasterId r:id="rId28"/>
+    <p:handoutMasterId r:id="rId27"/>
   </p:handoutMasterIdLst>
   <p:sldIdLst>
     <p:sldId id="257" r:id="rId2"/>
     <p:sldId id="256" r:id="rId3"/>
     <p:sldId id="260" r:id="rId4"/>
     <p:sldId id="259" r:id="rId5"/>
-    <p:sldId id="274" r:id="rId6"/>
-    <p:sldId id="275" r:id="rId7"/>
-    <p:sldId id="283" r:id="rId8"/>
-    <p:sldId id="276" r:id="rId9"/>
-    <p:sldId id="277" r:id="rId10"/>
-    <p:sldId id="263" r:id="rId11"/>
-    <p:sldId id="279" r:id="rId12"/>
-    <p:sldId id="278" r:id="rId13"/>
-    <p:sldId id="272" r:id="rId14"/>
-    <p:sldId id="281" r:id="rId15"/>
-    <p:sldId id="282" r:id="rId16"/>
-    <p:sldId id="280" r:id="rId17"/>
-    <p:sldId id="271" r:id="rId18"/>
-    <p:sldId id="273" r:id="rId19"/>
-    <p:sldId id="261" r:id="rId20"/>
-    <p:sldId id="262" r:id="rId21"/>
-    <p:sldId id="265" r:id="rId22"/>
-    <p:sldId id="266" r:id="rId23"/>
-    <p:sldId id="267" r:id="rId24"/>
-    <p:sldId id="270" r:id="rId25"/>
-    <p:sldId id="269" r:id="rId26"/>
+    <p:sldId id="275" r:id="rId6"/>
+    <p:sldId id="272" r:id="rId7"/>
+    <p:sldId id="277" r:id="rId8"/>
+    <p:sldId id="285" r:id="rId9"/>
+    <p:sldId id="263" r:id="rId10"/>
+    <p:sldId id="279" r:id="rId11"/>
+    <p:sldId id="278" r:id="rId12"/>
+    <p:sldId id="284" r:id="rId13"/>
+    <p:sldId id="281" r:id="rId14"/>
+    <p:sldId id="282" r:id="rId15"/>
+    <p:sldId id="280" r:id="rId16"/>
+    <p:sldId id="271" r:id="rId17"/>
+    <p:sldId id="273" r:id="rId18"/>
+    <p:sldId id="261" r:id="rId19"/>
+    <p:sldId id="262" r:id="rId20"/>
+    <p:sldId id="265" r:id="rId21"/>
+    <p:sldId id="266" r:id="rId22"/>
+    <p:sldId id="267" r:id="rId23"/>
+    <p:sldId id="270" r:id="rId24"/>
+    <p:sldId id="269" r:id="rId25"/>
   </p:sldIdLst>
   <p:sldSz cx="9144000" cy="6858000" type="screen4x3"/>
   <p:notesSz cx="6858000" cy="9144000"/>
@@ -150,6 +149,7 @@
       <c:style val="2"/>
     </mc:Fallback>
   </mc:AlternateContent>
+  <c:clrMapOvr bg1="lt1" tx1="dk1" bg2="lt2" tx2="dk2" accent1="accent1" accent2="accent2" accent3="accent3" accent4="accent4" accent5="accent5" accent6="accent6" hlink="hlink" folHlink="folHlink"/>
   <c:chart>
     <c:title>
       <c:tx>
@@ -524,7 +524,7 @@
       <a:endParaRPr lang="zh-CN"/>
     </a:p>
   </c:txPr>
-  <c:externalData r:id="rId1">
+  <c:externalData r:id="rId2">
     <c:autoUpdate val="0"/>
   </c:externalData>
 </c:chartSpace>
@@ -1316,565 +1316,6 @@
     <c:autoUpdate val="0"/>
   </c:externalData>
 </c:chartSpace>
-</file>
-
-<file path=ppt/charts/colors1.xml><?xml version="1.0" encoding="utf-8"?>
-<cs:colorStyle xmlns:cs="http://schemas.microsoft.com/office/drawing/2012/chartStyle" xmlns:a="http://schemas.openxmlformats.org/drawingml/2006/main" meth="cycle" id="10">
-  <a:schemeClr val="accent1"/>
-  <a:schemeClr val="accent2"/>
-  <a:schemeClr val="accent3"/>
-  <a:schemeClr val="accent4"/>
-  <a:schemeClr val="accent5"/>
-  <a:schemeClr val="accent6"/>
-  <cs:variation/>
-  <cs:variation>
-    <a:lumMod val="60000"/>
-  </cs:variation>
-  <cs:variation>
-    <a:lumMod val="80000"/>
-    <a:lumOff val="20000"/>
-  </cs:variation>
-  <cs:variation>
-    <a:lumMod val="80000"/>
-  </cs:variation>
-  <cs:variation>
-    <a:lumMod val="60000"/>
-    <a:lumOff val="40000"/>
-  </cs:variation>
-  <cs:variation>
-    <a:lumMod val="50000"/>
-  </cs:variation>
-  <cs:variation>
-    <a:lumMod val="70000"/>
-    <a:lumOff val="30000"/>
-  </cs:variation>
-  <cs:variation>
-    <a:lumMod val="70000"/>
-  </cs:variation>
-  <cs:variation>
-    <a:lumMod val="50000"/>
-    <a:lumOff val="50000"/>
-  </cs:variation>
-</cs:colorStyle>
-</file>
-
-<file path=ppt/charts/style1.xml><?xml version="1.0" encoding="utf-8"?>
-<cs:chartStyle xmlns:cs="http://schemas.microsoft.com/office/drawing/2012/chartStyle" xmlns:a="http://schemas.openxmlformats.org/drawingml/2006/main" id="251">
-  <cs:axisTitle>
-    <cs:lnRef idx="0"/>
-    <cs:fillRef idx="0"/>
-    <cs:effectRef idx="0"/>
-    <cs:fontRef idx="minor">
-      <a:schemeClr val="tx1">
-        <a:lumMod val="65000"/>
-        <a:lumOff val="35000"/>
-      </a:schemeClr>
-    </cs:fontRef>
-    <cs:defRPr sz="1330" kern="1200"/>
-  </cs:axisTitle>
-  <cs:categoryAxis>
-    <cs:lnRef idx="0"/>
-    <cs:fillRef idx="0"/>
-    <cs:effectRef idx="0"/>
-    <cs:fontRef idx="minor">
-      <a:schemeClr val="tx1">
-        <a:lumMod val="65000"/>
-        <a:lumOff val="35000"/>
-      </a:schemeClr>
-    </cs:fontRef>
-    <cs:spPr>
-      <a:ln w="9525" cap="flat" cmpd="sng" algn="ctr">
-        <a:solidFill>
-          <a:schemeClr val="tx1">
-            <a:lumMod val="15000"/>
-            <a:lumOff val="85000"/>
-          </a:schemeClr>
-        </a:solidFill>
-        <a:round/>
-      </a:ln>
-    </cs:spPr>
-    <cs:defRPr sz="1195" kern="1200"/>
-  </cs:categoryAxis>
-  <cs:chartArea mods="allowNoFillOverride allowNoLineOverride">
-    <cs:lnRef idx="0"/>
-    <cs:fillRef idx="0"/>
-    <cs:effectRef idx="0"/>
-    <cs:fontRef idx="minor">
-      <a:schemeClr val="tx1"/>
-    </cs:fontRef>
-    <cs:spPr>
-      <a:solidFill>
-        <a:schemeClr val="bg1"/>
-      </a:solidFill>
-      <a:ln w="9525" cap="flat" cmpd="sng" algn="ctr">
-        <a:solidFill>
-          <a:schemeClr val="tx1">
-            <a:lumMod val="15000"/>
-            <a:lumOff val="85000"/>
-          </a:schemeClr>
-        </a:solidFill>
-        <a:round/>
-      </a:ln>
-    </cs:spPr>
-    <cs:defRPr sz="1195" kern="1200"/>
-  </cs:chartArea>
-  <cs:dataLabel>
-    <cs:lnRef idx="0"/>
-    <cs:fillRef idx="0"/>
-    <cs:effectRef idx="0"/>
-    <cs:fontRef idx="minor">
-      <a:schemeClr val="tx1">
-        <a:lumMod val="75000"/>
-        <a:lumOff val="25000"/>
-      </a:schemeClr>
-    </cs:fontRef>
-    <cs:defRPr sz="1195" kern="1200"/>
-  </cs:dataLabel>
-  <cs:dataLabelCallout>
-    <cs:lnRef idx="0"/>
-    <cs:fillRef idx="0"/>
-    <cs:effectRef idx="0"/>
-    <cs:fontRef idx="minor">
-      <a:schemeClr val="dk1">
-        <a:lumMod val="65000"/>
-        <a:lumOff val="35000"/>
-      </a:schemeClr>
-    </cs:fontRef>
-    <cs:spPr>
-      <a:solidFill>
-        <a:schemeClr val="lt1"/>
-      </a:solidFill>
-      <a:ln>
-        <a:solidFill>
-          <a:schemeClr val="dk1">
-            <a:lumMod val="25000"/>
-            <a:lumOff val="75000"/>
-          </a:schemeClr>
-        </a:solidFill>
-      </a:ln>
-    </cs:spPr>
-    <cs:defRPr sz="1195" kern="1200"/>
-    <cs:bodyPr rot="0" spcFirstLastPara="1" vertOverflow="clip" horzOverflow="clip" vert="horz" wrap="square" lIns="36576" tIns="18288" rIns="36576" bIns="18288" anchor="ctr" anchorCtr="1">
-      <a:spAutoFit/>
-    </cs:bodyPr>
-  </cs:dataLabelCallout>
-  <cs:dataPoint>
-    <cs:lnRef idx="0"/>
-    <cs:fillRef idx="1">
-      <cs:styleClr val="auto"/>
-    </cs:fillRef>
-    <cs:effectRef idx="0"/>
-    <cs:fontRef idx="minor">
-      <a:schemeClr val="tx1"/>
-    </cs:fontRef>
-    <cs:spPr>
-      <a:ln w="19050">
-        <a:solidFill>
-          <a:schemeClr val="lt1"/>
-        </a:solidFill>
-      </a:ln>
-    </cs:spPr>
-  </cs:dataPoint>
-  <cs:dataPoint3D>
-    <cs:lnRef idx="0"/>
-    <cs:fillRef idx="1">
-      <cs:styleClr val="auto"/>
-    </cs:fillRef>
-    <cs:effectRef idx="0"/>
-    <cs:fontRef idx="minor">
-      <a:schemeClr val="tx1"/>
-    </cs:fontRef>
-    <cs:spPr>
-      <a:ln w="25400">
-        <a:solidFill>
-          <a:schemeClr val="lt1"/>
-        </a:solidFill>
-      </a:ln>
-    </cs:spPr>
-  </cs:dataPoint3D>
-  <cs:dataPointLine>
-    <cs:lnRef idx="0">
-      <cs:styleClr val="auto"/>
-    </cs:lnRef>
-    <cs:fillRef idx="0"/>
-    <cs:effectRef idx="0"/>
-    <cs:fontRef idx="minor">
-      <a:schemeClr val="tx1"/>
-    </cs:fontRef>
-    <cs:spPr>
-      <a:ln w="28575" cap="rnd">
-        <a:solidFill>
-          <a:schemeClr val="phClr"/>
-        </a:solidFill>
-        <a:round/>
-      </a:ln>
-    </cs:spPr>
-  </cs:dataPointLine>
-  <cs:dataPointMarker>
-    <cs:lnRef idx="0">
-      <cs:styleClr val="auto"/>
-    </cs:lnRef>
-    <cs:fillRef idx="1">
-      <cs:styleClr val="auto"/>
-    </cs:fillRef>
-    <cs:effectRef idx="0"/>
-    <cs:fontRef idx="minor">
-      <a:schemeClr val="tx1"/>
-    </cs:fontRef>
-    <cs:spPr>
-      <a:ln w="9525">
-        <a:solidFill>
-          <a:schemeClr val="phClr"/>
-        </a:solidFill>
-      </a:ln>
-    </cs:spPr>
-  </cs:dataPointMarker>
-  <cs:dataPointMarkerLayout symbol="circle" size="5"/>
-  <cs:dataPointWireframe>
-    <cs:lnRef idx="0">
-      <cs:styleClr val="auto"/>
-    </cs:lnRef>
-    <cs:fillRef idx="0"/>
-    <cs:effectRef idx="0"/>
-    <cs:fontRef idx="minor">
-      <a:schemeClr val="tx1"/>
-    </cs:fontRef>
-    <cs:spPr>
-      <a:ln w="9525" cap="rnd">
-        <a:solidFill>
-          <a:schemeClr val="phClr"/>
-        </a:solidFill>
-        <a:round/>
-      </a:ln>
-    </cs:spPr>
-  </cs:dataPointWireframe>
-  <cs:dataTable>
-    <cs:lnRef idx="0"/>
-    <cs:fillRef idx="0"/>
-    <cs:effectRef idx="0"/>
-    <cs:fontRef idx="minor">
-      <a:schemeClr val="tx1">
-        <a:lumMod val="65000"/>
-        <a:lumOff val="35000"/>
-      </a:schemeClr>
-    </cs:fontRef>
-    <cs:spPr>
-      <a:noFill/>
-      <a:ln w="9525" cap="flat" cmpd="sng" algn="ctr">
-        <a:solidFill>
-          <a:schemeClr val="tx1">
-            <a:lumMod val="15000"/>
-            <a:lumOff val="85000"/>
-          </a:schemeClr>
-        </a:solidFill>
-        <a:round/>
-      </a:ln>
-    </cs:spPr>
-    <cs:defRPr sz="1195" kern="1200"/>
-  </cs:dataTable>
-  <cs:downBar>
-    <cs:lnRef idx="0"/>
-    <cs:fillRef idx="0"/>
-    <cs:effectRef idx="0"/>
-    <cs:fontRef idx="minor">
-      <a:schemeClr val="tx1"/>
-    </cs:fontRef>
-    <cs:spPr>
-      <a:solidFill>
-        <a:schemeClr val="dk1">
-          <a:lumMod val="75000"/>
-          <a:lumOff val="25000"/>
-        </a:schemeClr>
-      </a:solidFill>
-      <a:ln w="9525" cap="flat" cmpd="sng" algn="ctr">
-        <a:solidFill>
-          <a:schemeClr val="tx1">
-            <a:lumMod val="65000"/>
-            <a:lumOff val="35000"/>
-          </a:schemeClr>
-        </a:solidFill>
-        <a:round/>
-      </a:ln>
-    </cs:spPr>
-  </cs:downBar>
-  <cs:dropLine>
-    <cs:lnRef idx="0"/>
-    <cs:fillRef idx="0"/>
-    <cs:effectRef idx="0"/>
-    <cs:fontRef idx="minor">
-      <a:schemeClr val="tx1"/>
-    </cs:fontRef>
-    <cs:spPr>
-      <a:ln w="9525" cap="flat" cmpd="sng" algn="ctr">
-        <a:solidFill>
-          <a:schemeClr val="tx1">
-            <a:lumMod val="35000"/>
-            <a:lumOff val="65000"/>
-          </a:schemeClr>
-        </a:solidFill>
-        <a:round/>
-      </a:ln>
-    </cs:spPr>
-  </cs:dropLine>
-  <cs:errorBar>
-    <cs:lnRef idx="0"/>
-    <cs:fillRef idx="0"/>
-    <cs:effectRef idx="0"/>
-    <cs:fontRef idx="minor">
-      <a:schemeClr val="tx1"/>
-    </cs:fontRef>
-    <cs:spPr>
-      <a:ln w="9525" cap="flat" cmpd="sng" algn="ctr">
-        <a:solidFill>
-          <a:schemeClr val="tx1">
-            <a:lumMod val="65000"/>
-            <a:lumOff val="35000"/>
-          </a:schemeClr>
-        </a:solidFill>
-        <a:round/>
-      </a:ln>
-    </cs:spPr>
-  </cs:errorBar>
-  <cs:floor>
-    <cs:lnRef idx="0"/>
-    <cs:fillRef idx="0"/>
-    <cs:effectRef idx="0"/>
-    <cs:fontRef idx="minor">
-      <a:schemeClr val="tx1"/>
-    </cs:fontRef>
-    <cs:spPr>
-      <a:noFill/>
-      <a:ln>
-        <a:noFill/>
-      </a:ln>
-    </cs:spPr>
-  </cs:floor>
-  <cs:gridlineMajor>
-    <cs:lnRef idx="0"/>
-    <cs:fillRef idx="0"/>
-    <cs:effectRef idx="0"/>
-    <cs:fontRef idx="minor">
-      <a:schemeClr val="tx1"/>
-    </cs:fontRef>
-    <cs:spPr>
-      <a:ln w="9525" cap="flat" cmpd="sng" algn="ctr">
-        <a:solidFill>
-          <a:schemeClr val="tx1">
-            <a:lumMod val="15000"/>
-            <a:lumOff val="85000"/>
-          </a:schemeClr>
-        </a:solidFill>
-        <a:round/>
-      </a:ln>
-    </cs:spPr>
-  </cs:gridlineMajor>
-  <cs:gridlineMinor>
-    <cs:lnRef idx="0"/>
-    <cs:fillRef idx="0"/>
-    <cs:effectRef idx="0"/>
-    <cs:fontRef idx="minor">
-      <a:schemeClr val="tx1"/>
-    </cs:fontRef>
-    <cs:spPr>
-      <a:ln w="9525" cap="flat" cmpd="sng" algn="ctr">
-        <a:solidFill>
-          <a:schemeClr val="tx1">
-            <a:lumMod val="5000"/>
-            <a:lumOff val="95000"/>
-          </a:schemeClr>
-        </a:solidFill>
-        <a:round/>
-      </a:ln>
-    </cs:spPr>
-  </cs:gridlineMinor>
-  <cs:hiLoLine>
-    <cs:lnRef idx="0"/>
-    <cs:fillRef idx="0"/>
-    <cs:effectRef idx="0"/>
-    <cs:fontRef idx="minor">
-      <a:schemeClr val="tx1"/>
-    </cs:fontRef>
-    <cs:spPr>
-      <a:ln w="9525" cap="flat" cmpd="sng" algn="ctr">
-        <a:solidFill>
-          <a:schemeClr val="tx1">
-            <a:lumMod val="50000"/>
-            <a:lumOff val="50000"/>
-          </a:schemeClr>
-        </a:solidFill>
-        <a:round/>
-      </a:ln>
-    </cs:spPr>
-  </cs:hiLoLine>
-  <cs:leaderLine>
-    <cs:lnRef idx="0"/>
-    <cs:fillRef idx="0"/>
-    <cs:effectRef idx="0"/>
-    <cs:fontRef idx="minor">
-      <a:schemeClr val="tx1"/>
-    </cs:fontRef>
-    <cs:spPr>
-      <a:ln w="9525" cap="flat" cmpd="sng" algn="ctr">
-        <a:solidFill>
-          <a:schemeClr val="tx1">
-            <a:lumMod val="35000"/>
-            <a:lumOff val="65000"/>
-          </a:schemeClr>
-        </a:solidFill>
-        <a:round/>
-      </a:ln>
-    </cs:spPr>
-  </cs:leaderLine>
-  <cs:legend>
-    <cs:lnRef idx="0"/>
-    <cs:fillRef idx="0"/>
-    <cs:effectRef idx="0"/>
-    <cs:fontRef idx="minor">
-      <a:schemeClr val="tx1">
-        <a:lumMod val="65000"/>
-        <a:lumOff val="35000"/>
-      </a:schemeClr>
-    </cs:fontRef>
-    <cs:defRPr sz="1195" kern="1200"/>
-  </cs:legend>
-  <cs:plotArea mods="allowNoFillOverride allowNoLineOverride">
-    <cs:lnRef idx="0"/>
-    <cs:fillRef idx="0"/>
-    <cs:effectRef idx="0"/>
-    <cs:fontRef idx="minor">
-      <a:schemeClr val="tx1"/>
-    </cs:fontRef>
-  </cs:plotArea>
-  <cs:plotArea3D mods="allowNoFillOverride allowNoLineOverride">
-    <cs:lnRef idx="0"/>
-    <cs:fillRef idx="0"/>
-    <cs:effectRef idx="0"/>
-    <cs:fontRef idx="minor">
-      <a:schemeClr val="tx1"/>
-    </cs:fontRef>
-  </cs:plotArea3D>
-  <cs:seriesAxis>
-    <cs:lnRef idx="0"/>
-    <cs:fillRef idx="0"/>
-    <cs:effectRef idx="0"/>
-    <cs:fontRef idx="minor">
-      <a:schemeClr val="tx1">
-        <a:lumMod val="65000"/>
-        <a:lumOff val="35000"/>
-      </a:schemeClr>
-    </cs:fontRef>
-    <cs:defRPr sz="1195" kern="1200"/>
-  </cs:seriesAxis>
-  <cs:seriesLine>
-    <cs:lnRef idx="0"/>
-    <cs:fillRef idx="0"/>
-    <cs:effectRef idx="0"/>
-    <cs:fontRef idx="minor">
-      <a:schemeClr val="tx1"/>
-    </cs:fontRef>
-    <cs:spPr>
-      <a:ln w="9525" cap="flat" cmpd="sng" algn="ctr">
-        <a:solidFill>
-          <a:schemeClr val="tx1">
-            <a:lumMod val="35000"/>
-            <a:lumOff val="65000"/>
-          </a:schemeClr>
-        </a:solidFill>
-        <a:round/>
-      </a:ln>
-    </cs:spPr>
-  </cs:seriesLine>
-  <cs:title>
-    <cs:lnRef idx="0"/>
-    <cs:fillRef idx="0"/>
-    <cs:effectRef idx="0"/>
-    <cs:fontRef idx="minor">
-      <a:schemeClr val="tx1">
-        <a:lumMod val="65000"/>
-        <a:lumOff val="35000"/>
-      </a:schemeClr>
-    </cs:fontRef>
-    <cs:defRPr sz="1860" b="0" kern="1200" spc="0" baseline="0"/>
-  </cs:title>
-  <cs:trendline>
-    <cs:lnRef idx="0">
-      <cs:styleClr val="auto"/>
-    </cs:lnRef>
-    <cs:fillRef idx="0"/>
-    <cs:effectRef idx="0"/>
-    <cs:fontRef idx="minor">
-      <a:schemeClr val="tx1"/>
-    </cs:fontRef>
-    <cs:spPr>
-      <a:ln w="19050" cap="rnd">
-        <a:solidFill>
-          <a:schemeClr val="phClr"/>
-        </a:solidFill>
-        <a:prstDash val="sysDot"/>
-      </a:ln>
-    </cs:spPr>
-  </cs:trendline>
-  <cs:trendlineLabel>
-    <cs:lnRef idx="0"/>
-    <cs:fillRef idx="0"/>
-    <cs:effectRef idx="0"/>
-    <cs:fontRef idx="minor">
-      <a:schemeClr val="tx1">
-        <a:lumMod val="65000"/>
-        <a:lumOff val="35000"/>
-      </a:schemeClr>
-    </cs:fontRef>
-    <cs:defRPr sz="1195" kern="1200"/>
-  </cs:trendlineLabel>
-  <cs:upBar>
-    <cs:lnRef idx="0"/>
-    <cs:fillRef idx="0"/>
-    <cs:effectRef idx="0"/>
-    <cs:fontRef idx="minor">
-      <a:schemeClr val="tx1"/>
-    </cs:fontRef>
-    <cs:spPr>
-      <a:solidFill>
-        <a:schemeClr val="lt1"/>
-      </a:solidFill>
-      <a:ln w="9525" cap="flat" cmpd="sng" algn="ctr">
-        <a:solidFill>
-          <a:schemeClr val="tx1">
-            <a:lumMod val="65000"/>
-            <a:lumOff val="35000"/>
-          </a:schemeClr>
-        </a:solidFill>
-        <a:round/>
-      </a:ln>
-    </cs:spPr>
-  </cs:upBar>
-  <cs:valueAxis>
-    <cs:lnRef idx="0"/>
-    <cs:fillRef idx="0"/>
-    <cs:effectRef idx="0"/>
-    <cs:fontRef idx="minor">
-      <a:schemeClr val="tx1">
-        <a:lumMod val="65000"/>
-        <a:lumOff val="35000"/>
-      </a:schemeClr>
-    </cs:fontRef>
-    <cs:defRPr sz="1195" kern="1200"/>
-  </cs:valueAxis>
-  <cs:wall>
-    <cs:lnRef idx="0"/>
-    <cs:fillRef idx="0"/>
-    <cs:effectRef idx="0"/>
-    <cs:fontRef idx="minor">
-      <a:schemeClr val="tx1"/>
-    </cs:fontRef>
-    <cs:spPr>
-      <a:noFill/>
-      <a:ln>
-        <a:noFill/>
-      </a:ln>
-    </cs:spPr>
-  </cs:wall>
-</cs:chartStyle>
 </file>
 
 <file path=ppt/handoutMasters/handoutMaster1.xml><?xml version="1.0" encoding="utf-8"?>
@@ -2790,19 +2231,19 @@
             <a:spLocks noGrp="1" noRot="1" noChangeAspect="1"/>
           </p:cNvSpPr>
           <p:nvPr>
-            <p:ph type="sldImg" idx="2"/>
+            <p:ph type="sldImg"/>
           </p:nvPr>
         </p:nvSpPr>
         <p:spPr/>
       </p:sp>
       <p:sp>
         <p:nvSpPr>
-          <p:cNvPr id="3" name="文本占位符 2"/>
+          <p:cNvPr id="3" name="备注占位符 2"/>
           <p:cNvSpPr>
             <a:spLocks noGrp="1"/>
           </p:cNvSpPr>
           <p:nvPr>
-            <p:ph type="body" idx="3"/>
+            <p:ph type="body" idx="1"/>
           </p:nvPr>
         </p:nvSpPr>
         <p:spPr/>
@@ -2810,7 +2251,7 @@
           <a:bodyPr/>
           <a:lstStyle/>
           <a:p>
-            <a:endParaRPr lang="zh-CN" altLang="en-US"/>
+            <a:endParaRPr kumimoji="1" lang="zh-CN" altLang="en-US" dirty="0"/>
           </a:p>
         </p:txBody>
       </p:sp>
@@ -2866,7 +2307,7 @@
           <a:bodyPr/>
           <a:lstStyle/>
           <a:p>
-            <a:endParaRPr kumimoji="1" lang="zh-CN" altLang="en-US" dirty="0"/>
+            <a:endParaRPr kumimoji="1" lang="zh-CN" altLang="en-US"/>
           </a:p>
         </p:txBody>
       </p:sp>
@@ -2902,19 +2343,19 @@
             <a:spLocks noGrp="1" noRot="1" noChangeAspect="1"/>
           </p:cNvSpPr>
           <p:nvPr>
-            <p:ph type="sldImg"/>
+            <p:ph type="sldImg" idx="2"/>
           </p:nvPr>
         </p:nvSpPr>
         <p:spPr/>
       </p:sp>
       <p:sp>
         <p:nvSpPr>
-          <p:cNvPr id="3" name="备注占位符 2"/>
+          <p:cNvPr id="3" name="文本占位符 2"/>
           <p:cNvSpPr>
             <a:spLocks noGrp="1"/>
           </p:cNvSpPr>
           <p:nvPr>
-            <p:ph type="body" idx="1"/>
+            <p:ph type="body" idx="3"/>
           </p:nvPr>
         </p:nvSpPr>
         <p:spPr/>
@@ -2922,7 +2363,7 @@
           <a:bodyPr/>
           <a:lstStyle/>
           <a:p>
-            <a:endParaRPr kumimoji="1" lang="zh-CN" altLang="en-US"/>
+            <a:endParaRPr lang="zh-CN" altLang="en-US"/>
           </a:p>
         </p:txBody>
       </p:sp>
@@ -3126,19 +2567,19 @@
             <a:spLocks noGrp="1" noRot="1" noChangeAspect="1"/>
           </p:cNvSpPr>
           <p:nvPr>
-            <p:ph type="sldImg" idx="2"/>
+            <p:ph type="sldImg"/>
           </p:nvPr>
         </p:nvSpPr>
         <p:spPr/>
       </p:sp>
       <p:sp>
         <p:nvSpPr>
-          <p:cNvPr id="3" name="文本占位符 2"/>
+          <p:cNvPr id="3" name="备注占位符 2"/>
           <p:cNvSpPr>
             <a:spLocks noGrp="1"/>
           </p:cNvSpPr>
           <p:nvPr>
-            <p:ph type="body" idx="3"/>
+            <p:ph type="body" idx="1"/>
           </p:nvPr>
         </p:nvSpPr>
         <p:spPr/>
@@ -3146,7 +2587,7 @@
           <a:bodyPr/>
           <a:lstStyle/>
           <a:p>
-            <a:endParaRPr lang="zh-CN" altLang="en-US"/>
+            <a:endParaRPr kumimoji="1" lang="zh-CN" altLang="en-US"/>
           </a:p>
         </p:txBody>
       </p:sp>
@@ -3182,19 +2623,19 @@
             <a:spLocks noGrp="1" noRot="1" noChangeAspect="1"/>
           </p:cNvSpPr>
           <p:nvPr>
-            <p:ph type="sldImg"/>
+            <p:ph type="sldImg" idx="2"/>
           </p:nvPr>
         </p:nvSpPr>
         <p:spPr/>
       </p:sp>
       <p:sp>
         <p:nvSpPr>
-          <p:cNvPr id="3" name="备注占位符 2"/>
+          <p:cNvPr id="3" name="文本占位符 2"/>
           <p:cNvSpPr>
             <a:spLocks noGrp="1"/>
           </p:cNvSpPr>
           <p:nvPr>
-            <p:ph type="body" idx="1"/>
+            <p:ph type="body" idx="3"/>
           </p:nvPr>
         </p:nvSpPr>
         <p:spPr/>
@@ -3202,7 +2643,7 @@
           <a:bodyPr/>
           <a:lstStyle/>
           <a:p>
-            <a:endParaRPr kumimoji="1" lang="zh-CN" altLang="en-US"/>
+            <a:endParaRPr lang="zh-CN" altLang="en-US"/>
           </a:p>
         </p:txBody>
       </p:sp>
@@ -3271,62 +2712,6 @@
 </file>
 
 <file path=ppt/notesSlides/notesSlide24.xml><?xml version="1.0" encoding="utf-8"?>
-<p:notes xmlns:a="http://schemas.openxmlformats.org/drawingml/2006/main" xmlns:r="http://schemas.openxmlformats.org/officeDocument/2006/relationships" xmlns:p="http://schemas.openxmlformats.org/presentationml/2006/main">
-  <p:cSld>
-    <p:spTree>
-      <p:nvGrpSpPr>
-        <p:cNvPr id="1" name=""/>
-        <p:cNvGrpSpPr/>
-        <p:nvPr/>
-      </p:nvGrpSpPr>
-      <p:grpSpPr>
-        <a:xfrm>
-          <a:off x="0" y="0"/>
-          <a:ext cx="0" cy="0"/>
-          <a:chOff x="0" y="0"/>
-          <a:chExt cx="0" cy="0"/>
-        </a:xfrm>
-      </p:grpSpPr>
-      <p:sp>
-        <p:nvSpPr>
-          <p:cNvPr id="2" name="幻灯片图像占位符 1"/>
-          <p:cNvSpPr>
-            <a:spLocks noGrp="1" noRot="1" noChangeAspect="1"/>
-          </p:cNvSpPr>
-          <p:nvPr>
-            <p:ph type="sldImg" idx="2"/>
-          </p:nvPr>
-        </p:nvSpPr>
-        <p:spPr/>
-      </p:sp>
-      <p:sp>
-        <p:nvSpPr>
-          <p:cNvPr id="3" name="文本占位符 2"/>
-          <p:cNvSpPr>
-            <a:spLocks noGrp="1"/>
-          </p:cNvSpPr>
-          <p:nvPr>
-            <p:ph type="body" idx="3"/>
-          </p:nvPr>
-        </p:nvSpPr>
-        <p:spPr/>
-        <p:txBody>
-          <a:bodyPr/>
-          <a:lstStyle/>
-          <a:p>
-            <a:endParaRPr lang="zh-CN" altLang="en-US"/>
-          </a:p>
-        </p:txBody>
-      </p:sp>
-    </p:spTree>
-  </p:cSld>
-  <p:clrMapOvr>
-    <a:masterClrMapping/>
-  </p:clrMapOvr>
-</p:notes>
-</file>
-
-<file path=ppt/notesSlides/notesSlide25.xml><?xml version="1.0" encoding="utf-8"?>
 <p:notes xmlns:a="http://schemas.openxmlformats.org/drawingml/2006/main" xmlns:r="http://schemas.openxmlformats.org/officeDocument/2006/relationships" xmlns:p="http://schemas.openxmlformats.org/presentationml/2006/main">
   <p:cSld>
     <p:spTree>
@@ -3574,19 +2959,19 @@
             <a:spLocks noGrp="1" noRot="1" noChangeAspect="1"/>
           </p:cNvSpPr>
           <p:nvPr>
-            <p:ph type="sldImg"/>
+            <p:ph type="sldImg" idx="2"/>
           </p:nvPr>
         </p:nvSpPr>
         <p:spPr/>
       </p:sp>
       <p:sp>
         <p:nvSpPr>
-          <p:cNvPr id="3" name="备注占位符 2"/>
+          <p:cNvPr id="3" name="文本占位符 2"/>
           <p:cNvSpPr>
             <a:spLocks noGrp="1"/>
           </p:cNvSpPr>
           <p:nvPr>
-            <p:ph type="body" idx="1"/>
+            <p:ph type="body" idx="3"/>
           </p:nvPr>
         </p:nvSpPr>
         <p:spPr/>
@@ -3594,7 +2979,7 @@
           <a:bodyPr/>
           <a:lstStyle/>
           <a:p>
-            <a:endParaRPr kumimoji="1" lang="zh-CN" altLang="en-US"/>
+            <a:endParaRPr lang="zh-CN" altLang="en-US"/>
           </a:p>
         </p:txBody>
       </p:sp>
@@ -3630,19 +3015,19 @@
             <a:spLocks noGrp="1" noRot="1" noChangeAspect="1"/>
           </p:cNvSpPr>
           <p:nvPr>
-            <p:ph type="sldImg"/>
+            <p:ph type="sldImg" idx="2"/>
           </p:nvPr>
         </p:nvSpPr>
         <p:spPr/>
       </p:sp>
       <p:sp>
         <p:nvSpPr>
-          <p:cNvPr id="3" name="备注占位符 2"/>
+          <p:cNvPr id="3" name="文本占位符 2"/>
           <p:cNvSpPr>
             <a:spLocks noGrp="1"/>
           </p:cNvSpPr>
           <p:nvPr>
-            <p:ph type="body" idx="1"/>
+            <p:ph type="body" idx="3"/>
           </p:nvPr>
         </p:nvSpPr>
         <p:spPr/>
@@ -3650,7 +3035,7 @@
           <a:bodyPr/>
           <a:lstStyle/>
           <a:p>
-            <a:endParaRPr kumimoji="1" lang="zh-CN" altLang="en-US"/>
+            <a:endParaRPr lang="zh-CN" altLang="en-US"/>
           </a:p>
         </p:txBody>
       </p:sp>
@@ -3686,19 +3071,19 @@
             <a:spLocks noGrp="1" noRot="1" noChangeAspect="1"/>
           </p:cNvSpPr>
           <p:nvPr>
-            <p:ph type="sldImg"/>
+            <p:ph type="sldImg" idx="2"/>
           </p:nvPr>
         </p:nvSpPr>
         <p:spPr/>
       </p:sp>
       <p:sp>
         <p:nvSpPr>
-          <p:cNvPr id="3" name="备注占位符 2"/>
+          <p:cNvPr id="3" name="文本占位符 2"/>
           <p:cNvSpPr>
             <a:spLocks noGrp="1"/>
           </p:cNvSpPr>
           <p:nvPr>
-            <p:ph type="body" idx="1"/>
+            <p:ph type="body" idx="3"/>
           </p:nvPr>
         </p:nvSpPr>
         <p:spPr/>
@@ -3706,7 +3091,7 @@
           <a:bodyPr/>
           <a:lstStyle/>
           <a:p>
-            <a:endParaRPr kumimoji="1" lang="zh-CN" altLang="en-US"/>
+            <a:endParaRPr lang="zh-CN" altLang="en-US"/>
           </a:p>
         </p:txBody>
       </p:sp>
@@ -6089,1209 +5474,6 @@
       </p:grpSpPr>
       <p:sp>
         <p:nvSpPr>
-          <p:cNvPr id="6" name="Title 5"/>
-          <p:cNvSpPr>
-            <a:spLocks noGrp="1"/>
-          </p:cNvSpPr>
-          <p:nvPr>
-            <p:ph type="title"/>
-          </p:nvPr>
-        </p:nvSpPr>
-        <p:spPr/>
-        <p:txBody>
-          <a:bodyPr/>
-          <a:lstStyle/>
-          <a:p>
-            <a:r>
-              <a:rPr lang="zh-CN" altLang="en-US" dirty="0" smtClean="0"/>
-              <a:t>传统金融体系的局限性</a:t>
-            </a:r>
-            <a:endParaRPr lang="en-US" dirty="0"/>
-          </a:p>
-        </p:txBody>
-      </p:sp>
-      <p:sp>
-        <p:nvSpPr>
-          <p:cNvPr id="7" name="Text Placeholder 6"/>
-          <p:cNvSpPr>
-            <a:spLocks noGrp="1"/>
-          </p:cNvSpPr>
-          <p:nvPr>
-            <p:ph type="body" sz="quarter" idx="10"/>
-          </p:nvPr>
-        </p:nvSpPr>
-        <p:spPr/>
-        <p:txBody>
-          <a:bodyPr/>
-          <a:lstStyle/>
-          <a:p>
-            <a:r>
-              <a:rPr lang="en-US" dirty="0"/>
-              <a:t>More table styles available in the PowerPoint Toolkit</a:t>
-            </a:r>
-          </a:p>
-        </p:txBody>
-      </p:sp>
-      <p:sp>
-        <p:nvSpPr>
-          <p:cNvPr id="4" name="Text Placeholder 3"/>
-          <p:cNvSpPr>
-            <a:spLocks noGrp="1"/>
-          </p:cNvSpPr>
-          <p:nvPr>
-            <p:ph type="body" sz="quarter" idx="11"/>
-          </p:nvPr>
-        </p:nvSpPr>
-        <p:spPr/>
-        <p:txBody>
-          <a:bodyPr/>
-          <a:lstStyle/>
-          <a:p>
-            <a:endParaRPr lang="en-GB"/>
-          </a:p>
-        </p:txBody>
-      </p:sp>
-      <p:graphicFrame>
-        <p:nvGraphicFramePr>
-          <p:cNvPr id="10" name="Content Placeholder 3"/>
-          <p:cNvGraphicFramePr/>
-          <p:nvPr/>
-        </p:nvGraphicFramePr>
-        <p:xfrm>
-          <a:off x="479425" y="1828799"/>
-          <a:ext cx="8207376" cy="4297363"/>
-        </p:xfrm>
-        <a:graphic>
-          <a:graphicData uri="http://schemas.openxmlformats.org/drawingml/2006/table">
-            <a:tbl>
-              <a:tblPr firstRow="1" bandRow="1">
-                <a:tableStyleId>{7DF18680-E054-41AD-8BC1-D1AEF772440D}</a:tableStyleId>
-              </a:tblPr>
-              <a:tblGrid>
-                <a:gridCol w="2051844"/>
-                <a:gridCol w="2051844"/>
-                <a:gridCol w="2051844"/>
-                <a:gridCol w="2051844"/>
-              </a:tblGrid>
-              <a:tr h="477093">
-                <a:tc>
-                  <a:txBody>
-                    <a:bodyPr/>
-                    <a:lstStyle/>
-                    <a:p>
-                      <a:pPr algn="l"/>
-                      <a:r>
-                        <a:rPr lang="en-US" sz="1600" dirty="0"/>
-                        <a:t>Table</a:t>
-                      </a:r>
-                      <a:r>
-                        <a:rPr lang="en-US" sz="1600" baseline="0" dirty="0"/>
-                        <a:t> Heading 01</a:t>
-                      </a:r>
-                      <a:endParaRPr lang="en-US" sz="1600" dirty="0"/>
-                    </a:p>
-                  </a:txBody>
-                  <a:tcPr marL="137160" marR="137160" anchor="ctr">
-                    <a:lnL w="12700" cap="flat" cmpd="sng" algn="ctr">
-                      <a:solidFill>
-                        <a:schemeClr val="accent5">
-                          <a:lumMod val="40000"/>
-                          <a:lumOff val="60000"/>
-                        </a:schemeClr>
-                      </a:solidFill>
-                      <a:prstDash val="solid"/>
-                      <a:round/>
-                      <a:headEnd type="none" w="med" len="med"/>
-                      <a:tailEnd type="none" w="med" len="med"/>
-                    </a:lnL>
-                    <a:lnR w="12700" cap="flat" cmpd="sng" algn="ctr">
-                      <a:solidFill>
-                        <a:schemeClr val="accent5">
-                          <a:lumMod val="40000"/>
-                          <a:lumOff val="60000"/>
-                        </a:schemeClr>
-                      </a:solidFill>
-                      <a:prstDash val="solid"/>
-                      <a:round/>
-                      <a:headEnd type="none" w="med" len="med"/>
-                      <a:tailEnd type="none" w="med" len="med"/>
-                    </a:lnR>
-                    <a:lnT w="12700" cap="flat" cmpd="sng" algn="ctr">
-                      <a:solidFill>
-                        <a:schemeClr val="accent5">
-                          <a:lumMod val="40000"/>
-                          <a:lumOff val="60000"/>
-                        </a:schemeClr>
-                      </a:solidFill>
-                      <a:prstDash val="solid"/>
-                      <a:round/>
-                      <a:headEnd type="none" w="med" len="med"/>
-                      <a:tailEnd type="none" w="med" len="med"/>
-                    </a:lnT>
-                    <a:lnB w="12700" cap="flat" cmpd="sng" algn="ctr">
-                      <a:solidFill>
-                        <a:schemeClr val="accent5">
-                          <a:lumMod val="40000"/>
-                          <a:lumOff val="60000"/>
-                        </a:schemeClr>
-                      </a:solidFill>
-                      <a:prstDash val="solid"/>
-                      <a:round/>
-                      <a:headEnd type="none" w="med" len="med"/>
-                      <a:tailEnd type="none" w="med" len="med"/>
-                    </a:lnB>
-                    <a:solidFill>
-                      <a:srgbClr val="83C372"/>
-                    </a:solidFill>
-                  </a:tcPr>
-                </a:tc>
-                <a:tc>
-                  <a:txBody>
-                    <a:bodyPr/>
-                    <a:lstStyle/>
-                    <a:p>
-                      <a:pPr marL="0" marR="0" indent="0" algn="l" defTabSz="914400" rtl="0" eaLnBrk="1" fontAlgn="auto" latinLnBrk="0" hangingPunct="1">
-                        <a:lnSpc>
-                          <a:spcPct val="100000"/>
-                        </a:lnSpc>
-                        <a:spcBef>
-                          <a:spcPts val="0"/>
-                        </a:spcBef>
-                        <a:spcAft>
-                          <a:spcPts val="0"/>
-                        </a:spcAft>
-                        <a:buClrTx/>
-                        <a:buSzTx/>
-                        <a:buFontTx/>
-                        <a:buNone/>
-                        <a:defRPr/>
-                      </a:pPr>
-                      <a:r>
-                        <a:rPr lang="en-US" sz="1600" dirty="0"/>
-                        <a:t>Table</a:t>
-                      </a:r>
-                      <a:r>
-                        <a:rPr lang="en-US" sz="1600" baseline="0" dirty="0"/>
-                        <a:t> Heading 02</a:t>
-                      </a:r>
-                      <a:endParaRPr lang="en-US" sz="1600" dirty="0"/>
-                    </a:p>
-                  </a:txBody>
-                  <a:tcPr marL="137160" marR="137160" anchor="ctr">
-                    <a:lnL w="12700" cap="flat" cmpd="sng" algn="ctr">
-                      <a:solidFill>
-                        <a:schemeClr val="accent5">
-                          <a:lumMod val="40000"/>
-                          <a:lumOff val="60000"/>
-                        </a:schemeClr>
-                      </a:solidFill>
-                      <a:prstDash val="solid"/>
-                      <a:round/>
-                      <a:headEnd type="none" w="med" len="med"/>
-                      <a:tailEnd type="none" w="med" len="med"/>
-                    </a:lnL>
-                    <a:lnR w="12700" cap="flat" cmpd="sng" algn="ctr">
-                      <a:solidFill>
-                        <a:schemeClr val="accent5">
-                          <a:lumMod val="40000"/>
-                          <a:lumOff val="60000"/>
-                        </a:schemeClr>
-                      </a:solidFill>
-                      <a:prstDash val="solid"/>
-                      <a:round/>
-                      <a:headEnd type="none" w="med" len="med"/>
-                      <a:tailEnd type="none" w="med" len="med"/>
-                    </a:lnR>
-                    <a:lnT w="12700" cap="flat" cmpd="sng" algn="ctr">
-                      <a:solidFill>
-                        <a:schemeClr val="accent5">
-                          <a:lumMod val="40000"/>
-                          <a:lumOff val="60000"/>
-                        </a:schemeClr>
-                      </a:solidFill>
-                      <a:prstDash val="solid"/>
-                      <a:round/>
-                      <a:headEnd type="none" w="med" len="med"/>
-                      <a:tailEnd type="none" w="med" len="med"/>
-                    </a:lnT>
-                    <a:lnB w="12700" cap="flat" cmpd="sng" algn="ctr">
-                      <a:solidFill>
-                        <a:schemeClr val="accent5">
-                          <a:lumMod val="40000"/>
-                          <a:lumOff val="60000"/>
-                        </a:schemeClr>
-                      </a:solidFill>
-                      <a:prstDash val="solid"/>
-                      <a:round/>
-                      <a:headEnd type="none" w="med" len="med"/>
-                      <a:tailEnd type="none" w="med" len="med"/>
-                    </a:lnB>
-                    <a:solidFill>
-                      <a:srgbClr val="46999B"/>
-                    </a:solidFill>
-                  </a:tcPr>
-                </a:tc>
-                <a:tc>
-                  <a:txBody>
-                    <a:bodyPr/>
-                    <a:lstStyle/>
-                    <a:p>
-                      <a:pPr marL="0" marR="0" indent="0" algn="l" defTabSz="914400" rtl="0" eaLnBrk="1" fontAlgn="auto" latinLnBrk="0" hangingPunct="1">
-                        <a:lnSpc>
-                          <a:spcPct val="100000"/>
-                        </a:lnSpc>
-                        <a:spcBef>
-                          <a:spcPts val="0"/>
-                        </a:spcBef>
-                        <a:spcAft>
-                          <a:spcPts val="0"/>
-                        </a:spcAft>
-                        <a:buClrTx/>
-                        <a:buSzTx/>
-                        <a:buFontTx/>
-                        <a:buNone/>
-                        <a:defRPr/>
-                      </a:pPr>
-                      <a:r>
-                        <a:rPr lang="en-US" sz="1600" dirty="0"/>
-                        <a:t>Table</a:t>
-                      </a:r>
-                      <a:r>
-                        <a:rPr lang="en-US" sz="1600" baseline="0" dirty="0"/>
-                        <a:t> Heading 03</a:t>
-                      </a:r>
-                      <a:endParaRPr lang="en-US" sz="1600" dirty="0"/>
-                    </a:p>
-                  </a:txBody>
-                  <a:tcPr marL="137160" marR="137160" anchor="ctr">
-                    <a:lnL w="12700" cap="flat" cmpd="sng" algn="ctr">
-                      <a:solidFill>
-                        <a:schemeClr val="accent5">
-                          <a:lumMod val="40000"/>
-                          <a:lumOff val="60000"/>
-                        </a:schemeClr>
-                      </a:solidFill>
-                      <a:prstDash val="solid"/>
-                      <a:round/>
-                      <a:headEnd type="none" w="med" len="med"/>
-                      <a:tailEnd type="none" w="med" len="med"/>
-                    </a:lnL>
-                    <a:lnR w="12700" cap="flat" cmpd="sng" algn="ctr">
-                      <a:solidFill>
-                        <a:schemeClr val="accent5">
-                          <a:lumMod val="40000"/>
-                          <a:lumOff val="60000"/>
-                        </a:schemeClr>
-                      </a:solidFill>
-                      <a:prstDash val="solid"/>
-                      <a:round/>
-                      <a:headEnd type="none" w="med" len="med"/>
-                      <a:tailEnd type="none" w="med" len="med"/>
-                    </a:lnR>
-                    <a:lnT w="12700" cap="flat" cmpd="sng" algn="ctr">
-                      <a:solidFill>
-                        <a:schemeClr val="accent5">
-                          <a:lumMod val="40000"/>
-                          <a:lumOff val="60000"/>
-                        </a:schemeClr>
-                      </a:solidFill>
-                      <a:prstDash val="solid"/>
-                      <a:round/>
-                      <a:headEnd type="none" w="med" len="med"/>
-                      <a:tailEnd type="none" w="med" len="med"/>
-                    </a:lnT>
-                    <a:lnB w="12700" cap="flat" cmpd="sng" algn="ctr">
-                      <a:solidFill>
-                        <a:schemeClr val="accent5">
-                          <a:lumMod val="40000"/>
-                          <a:lumOff val="60000"/>
-                        </a:schemeClr>
-                      </a:solidFill>
-                      <a:prstDash val="solid"/>
-                      <a:round/>
-                      <a:headEnd type="none" w="med" len="med"/>
-                      <a:tailEnd type="none" w="med" len="med"/>
-                    </a:lnB>
-                    <a:solidFill>
-                      <a:srgbClr val="4697E2"/>
-                    </a:solidFill>
-                  </a:tcPr>
-                </a:tc>
-                <a:tc>
-                  <a:txBody>
-                    <a:bodyPr/>
-                    <a:lstStyle/>
-                    <a:p>
-                      <a:pPr marL="0" marR="0" indent="0" algn="l" defTabSz="914400" rtl="0" eaLnBrk="1" fontAlgn="auto" latinLnBrk="0" hangingPunct="1">
-                        <a:lnSpc>
-                          <a:spcPct val="100000"/>
-                        </a:lnSpc>
-                        <a:spcBef>
-                          <a:spcPts val="0"/>
-                        </a:spcBef>
-                        <a:spcAft>
-                          <a:spcPts val="0"/>
-                        </a:spcAft>
-                        <a:buClrTx/>
-                        <a:buSzTx/>
-                        <a:buFontTx/>
-                        <a:buNone/>
-                        <a:defRPr/>
-                      </a:pPr>
-                      <a:r>
-                        <a:rPr lang="en-US" sz="1600" dirty="0"/>
-                        <a:t>Table</a:t>
-                      </a:r>
-                      <a:r>
-                        <a:rPr lang="en-US" sz="1600" baseline="0" dirty="0"/>
-                        <a:t> Heading 04</a:t>
-                      </a:r>
-                      <a:endParaRPr lang="en-US" sz="1600" dirty="0"/>
-                    </a:p>
-                  </a:txBody>
-                  <a:tcPr marL="137160" marR="137160" anchor="ctr">
-                    <a:lnL w="12700" cap="flat" cmpd="sng" algn="ctr">
-                      <a:solidFill>
-                        <a:schemeClr val="accent5">
-                          <a:lumMod val="40000"/>
-                          <a:lumOff val="60000"/>
-                        </a:schemeClr>
-                      </a:solidFill>
-                      <a:prstDash val="solid"/>
-                      <a:round/>
-                      <a:headEnd type="none" w="med" len="med"/>
-                      <a:tailEnd type="none" w="med" len="med"/>
-                    </a:lnL>
-                    <a:lnR w="12700" cap="flat" cmpd="sng" algn="ctr">
-                      <a:solidFill>
-                        <a:schemeClr val="accent5">
-                          <a:lumMod val="40000"/>
-                          <a:lumOff val="60000"/>
-                        </a:schemeClr>
-                      </a:solidFill>
-                      <a:prstDash val="solid"/>
-                      <a:round/>
-                      <a:headEnd type="none" w="med" len="med"/>
-                      <a:tailEnd type="none" w="med" len="med"/>
-                    </a:lnR>
-                    <a:lnT w="12700" cap="flat" cmpd="sng" algn="ctr">
-                      <a:solidFill>
-                        <a:schemeClr val="accent5">
-                          <a:lumMod val="40000"/>
-                          <a:lumOff val="60000"/>
-                        </a:schemeClr>
-                      </a:solidFill>
-                      <a:prstDash val="solid"/>
-                      <a:round/>
-                      <a:headEnd type="none" w="med" len="med"/>
-                      <a:tailEnd type="none" w="med" len="med"/>
-                    </a:lnT>
-                    <a:lnB w="12700" cap="flat" cmpd="sng" algn="ctr">
-                      <a:solidFill>
-                        <a:schemeClr val="accent5">
-                          <a:lumMod val="40000"/>
-                          <a:lumOff val="60000"/>
-                        </a:schemeClr>
-                      </a:solidFill>
-                      <a:prstDash val="solid"/>
-                      <a:round/>
-                      <a:headEnd type="none" w="med" len="med"/>
-                      <a:tailEnd type="none" w="med" len="med"/>
-                    </a:lnB>
-                    <a:solidFill>
-                      <a:srgbClr val="AD53C1"/>
-                    </a:solidFill>
-                  </a:tcPr>
-                </a:tc>
-              </a:tr>
-              <a:tr h="1891668">
-                <a:tc>
-                  <a:txBody>
-                    <a:bodyPr/>
-                    <a:lstStyle/>
-                    <a:p>
-                      <a:r>
-                        <a:rPr lang="en-US" altLang="zh-CN" sz="1400" dirty="0">
-                          <a:solidFill>
-                            <a:schemeClr val="bg2"/>
-                          </a:solidFill>
-                        </a:rPr>
-                        <a:t>SNC</a:t>
-                      </a:r>
-                      <a:r>
-                        <a:rPr lang="en-US" sz="1400" dirty="0">
-                          <a:solidFill>
-                            <a:schemeClr val="bg2"/>
-                          </a:solidFill>
-                        </a:rPr>
-                        <a:t>'s is an essential component of the global capital markets, providing credit ratings, research, tools and analysis.</a:t>
-                      </a:r>
-                    </a:p>
-                  </a:txBody>
-                  <a:tcPr marL="137160" marR="137160" marT="137160" marB="137160">
-                    <a:lnL w="12700" cap="flat" cmpd="sng" algn="ctr">
-                      <a:solidFill>
-                        <a:schemeClr val="accent5">
-                          <a:lumMod val="40000"/>
-                          <a:lumOff val="60000"/>
-                        </a:schemeClr>
-                      </a:solidFill>
-                      <a:prstDash val="solid"/>
-                      <a:round/>
-                      <a:headEnd type="none" w="med" len="med"/>
-                      <a:tailEnd type="none" w="med" len="med"/>
-                    </a:lnL>
-                    <a:lnR w="12700" cap="flat" cmpd="sng" algn="ctr">
-                      <a:solidFill>
-                        <a:schemeClr val="accent5">
-                          <a:lumMod val="40000"/>
-                          <a:lumOff val="60000"/>
-                        </a:schemeClr>
-                      </a:solidFill>
-                      <a:prstDash val="solid"/>
-                      <a:round/>
-                      <a:headEnd type="none" w="med" len="med"/>
-                      <a:tailEnd type="none" w="med" len="med"/>
-                    </a:lnR>
-                    <a:lnT w="12700" cap="flat" cmpd="sng" algn="ctr">
-                      <a:solidFill>
-                        <a:schemeClr val="accent5">
-                          <a:lumMod val="40000"/>
-                          <a:lumOff val="60000"/>
-                        </a:schemeClr>
-                      </a:solidFill>
-                      <a:prstDash val="solid"/>
-                      <a:round/>
-                      <a:headEnd type="none" w="med" len="med"/>
-                      <a:tailEnd type="none" w="med" len="med"/>
-                    </a:lnT>
-                    <a:lnB w="12700" cap="flat" cmpd="sng" algn="ctr">
-                      <a:solidFill>
-                        <a:schemeClr val="accent5">
-                          <a:lumMod val="40000"/>
-                          <a:lumOff val="60000"/>
-                        </a:schemeClr>
-                      </a:solidFill>
-                      <a:prstDash val="solid"/>
-                      <a:round/>
-                      <a:headEnd type="none" w="med" len="med"/>
-                      <a:tailEnd type="none" w="med" len="med"/>
-                    </a:lnB>
-                    <a:solidFill>
-                      <a:schemeClr val="bg1"/>
-                    </a:solidFill>
-                  </a:tcPr>
-                </a:tc>
-                <a:tc>
-                  <a:txBody>
-                    <a:bodyPr/>
-                    <a:lstStyle/>
-                    <a:p>
-                      <a:pPr marL="0" marR="0" indent="0" algn="l" defTabSz="914400" rtl="0" eaLnBrk="1" fontAlgn="auto" latinLnBrk="0" hangingPunct="1">
-                        <a:lnSpc>
-                          <a:spcPct val="100000"/>
-                        </a:lnSpc>
-                        <a:spcBef>
-                          <a:spcPts val="0"/>
-                        </a:spcBef>
-                        <a:spcAft>
-                          <a:spcPts val="0"/>
-                        </a:spcAft>
-                        <a:buClrTx/>
-                        <a:buSzTx/>
-                        <a:buFontTx/>
-                        <a:buNone/>
-                        <a:defRPr/>
-                      </a:pPr>
-                      <a:r>
-                        <a:rPr lang="en-US" altLang="zh-CN" sz="1400" dirty="0">
-                          <a:solidFill>
-                            <a:schemeClr val="bg2"/>
-                          </a:solidFill>
-                        </a:rPr>
-                        <a:t>SNC</a:t>
-                      </a:r>
-                      <a:r>
-                        <a:rPr lang="en-US" sz="1400" dirty="0">
-                          <a:solidFill>
-                            <a:schemeClr val="bg2"/>
-                          </a:solidFill>
-                        </a:rPr>
-                        <a:t>'s is an essential component of the global capital markets, providing credit ratings, research, tools and analysis.</a:t>
-                      </a:r>
-                    </a:p>
-                  </a:txBody>
-                  <a:tcPr marL="137160" marR="137160" marT="137160" marB="137160">
-                    <a:lnL w="12700" cap="flat" cmpd="sng" algn="ctr">
-                      <a:solidFill>
-                        <a:schemeClr val="accent5">
-                          <a:lumMod val="40000"/>
-                          <a:lumOff val="60000"/>
-                        </a:schemeClr>
-                      </a:solidFill>
-                      <a:prstDash val="solid"/>
-                      <a:round/>
-                      <a:headEnd type="none" w="med" len="med"/>
-                      <a:tailEnd type="none" w="med" len="med"/>
-                    </a:lnL>
-                    <a:lnR w="12700" cap="flat" cmpd="sng" algn="ctr">
-                      <a:solidFill>
-                        <a:schemeClr val="accent5">
-                          <a:lumMod val="40000"/>
-                          <a:lumOff val="60000"/>
-                        </a:schemeClr>
-                      </a:solidFill>
-                      <a:prstDash val="solid"/>
-                      <a:round/>
-                      <a:headEnd type="none" w="med" len="med"/>
-                      <a:tailEnd type="none" w="med" len="med"/>
-                    </a:lnR>
-                    <a:lnT w="12700" cap="flat" cmpd="sng" algn="ctr">
-                      <a:solidFill>
-                        <a:schemeClr val="accent5">
-                          <a:lumMod val="40000"/>
-                          <a:lumOff val="60000"/>
-                        </a:schemeClr>
-                      </a:solidFill>
-                      <a:prstDash val="solid"/>
-                      <a:round/>
-                      <a:headEnd type="none" w="med" len="med"/>
-                      <a:tailEnd type="none" w="med" len="med"/>
-                    </a:lnT>
-                    <a:lnB w="12700" cap="flat" cmpd="sng" algn="ctr">
-                      <a:solidFill>
-                        <a:schemeClr val="accent5">
-                          <a:lumMod val="40000"/>
-                          <a:lumOff val="60000"/>
-                        </a:schemeClr>
-                      </a:solidFill>
-                      <a:prstDash val="solid"/>
-                      <a:round/>
-                      <a:headEnd type="none" w="med" len="med"/>
-                      <a:tailEnd type="none" w="med" len="med"/>
-                    </a:lnB>
-                    <a:solidFill>
-                      <a:srgbClr val="FFFFFF"/>
-                    </a:solidFill>
-                  </a:tcPr>
-                </a:tc>
-                <a:tc>
-                  <a:txBody>
-                    <a:bodyPr/>
-                    <a:lstStyle/>
-                    <a:p>
-                      <a:r>
-                        <a:rPr lang="en-US" altLang="zh-CN" sz="1400" dirty="0">
-                          <a:solidFill>
-                            <a:schemeClr val="bg2"/>
-                          </a:solidFill>
-                        </a:rPr>
-                        <a:t>SNC</a:t>
-                      </a:r>
-                      <a:r>
-                        <a:rPr lang="en-US" sz="1400" dirty="0">
-                          <a:solidFill>
-                            <a:schemeClr val="bg2"/>
-                          </a:solidFill>
-                        </a:rPr>
-                        <a:t>'s is an essential component of the global capital markets, providing credit ratings, research, tools and analysis.</a:t>
-                      </a:r>
-                    </a:p>
-                  </a:txBody>
-                  <a:tcPr marL="137160" marR="137160" marT="137160" marB="137160">
-                    <a:lnL w="12700" cap="flat" cmpd="sng" algn="ctr">
-                      <a:solidFill>
-                        <a:schemeClr val="accent5">
-                          <a:lumMod val="40000"/>
-                          <a:lumOff val="60000"/>
-                        </a:schemeClr>
-                      </a:solidFill>
-                      <a:prstDash val="solid"/>
-                      <a:round/>
-                      <a:headEnd type="none" w="med" len="med"/>
-                      <a:tailEnd type="none" w="med" len="med"/>
-                    </a:lnL>
-                    <a:lnR w="12700" cap="flat" cmpd="sng" algn="ctr">
-                      <a:solidFill>
-                        <a:schemeClr val="accent5">
-                          <a:lumMod val="40000"/>
-                          <a:lumOff val="60000"/>
-                        </a:schemeClr>
-                      </a:solidFill>
-                      <a:prstDash val="solid"/>
-                      <a:round/>
-                      <a:headEnd type="none" w="med" len="med"/>
-                      <a:tailEnd type="none" w="med" len="med"/>
-                    </a:lnR>
-                    <a:lnT w="12700" cap="flat" cmpd="sng" algn="ctr">
-                      <a:solidFill>
-                        <a:schemeClr val="accent5">
-                          <a:lumMod val="40000"/>
-                          <a:lumOff val="60000"/>
-                        </a:schemeClr>
-                      </a:solidFill>
-                      <a:prstDash val="solid"/>
-                      <a:round/>
-                      <a:headEnd type="none" w="med" len="med"/>
-                      <a:tailEnd type="none" w="med" len="med"/>
-                    </a:lnT>
-                    <a:lnB w="12700" cap="flat" cmpd="sng" algn="ctr">
-                      <a:solidFill>
-                        <a:schemeClr val="accent5">
-                          <a:lumMod val="40000"/>
-                          <a:lumOff val="60000"/>
-                        </a:schemeClr>
-                      </a:solidFill>
-                      <a:prstDash val="solid"/>
-                      <a:round/>
-                      <a:headEnd type="none" w="med" len="med"/>
-                      <a:tailEnd type="none" w="med" len="med"/>
-                    </a:lnB>
-                    <a:solidFill>
-                      <a:schemeClr val="bg1"/>
-                    </a:solidFill>
-                  </a:tcPr>
-                </a:tc>
-                <a:tc>
-                  <a:txBody>
-                    <a:bodyPr/>
-                    <a:lstStyle/>
-                    <a:p>
-                      <a:r>
-                        <a:rPr lang="en-US" altLang="zh-CN" sz="1400" dirty="0">
-                          <a:solidFill>
-                            <a:schemeClr val="bg2"/>
-                          </a:solidFill>
-                        </a:rPr>
-                        <a:t>SNC</a:t>
-                      </a:r>
-                      <a:r>
-                        <a:rPr lang="en-US" sz="1400" dirty="0">
-                          <a:solidFill>
-                            <a:schemeClr val="bg2"/>
-                          </a:solidFill>
-                        </a:rPr>
-                        <a:t>'s is an essential component of the global capital markets, providing credit ratings, research, tools and analysis.</a:t>
-                      </a:r>
-                    </a:p>
-                  </a:txBody>
-                  <a:tcPr marL="137160" marR="137160" marT="137160" marB="137160">
-                    <a:lnL w="12700" cap="flat" cmpd="sng" algn="ctr">
-                      <a:solidFill>
-                        <a:schemeClr val="accent5">
-                          <a:lumMod val="40000"/>
-                          <a:lumOff val="60000"/>
-                        </a:schemeClr>
-                      </a:solidFill>
-                      <a:prstDash val="solid"/>
-                      <a:round/>
-                      <a:headEnd type="none" w="med" len="med"/>
-                      <a:tailEnd type="none" w="med" len="med"/>
-                    </a:lnL>
-                    <a:lnR w="12700" cap="flat" cmpd="sng" algn="ctr">
-                      <a:solidFill>
-                        <a:schemeClr val="accent5">
-                          <a:lumMod val="40000"/>
-                          <a:lumOff val="60000"/>
-                        </a:schemeClr>
-                      </a:solidFill>
-                      <a:prstDash val="solid"/>
-                      <a:round/>
-                      <a:headEnd type="none" w="med" len="med"/>
-                      <a:tailEnd type="none" w="med" len="med"/>
-                    </a:lnR>
-                    <a:lnT w="12700" cap="flat" cmpd="sng" algn="ctr">
-                      <a:solidFill>
-                        <a:schemeClr val="accent5">
-                          <a:lumMod val="40000"/>
-                          <a:lumOff val="60000"/>
-                        </a:schemeClr>
-                      </a:solidFill>
-                      <a:prstDash val="solid"/>
-                      <a:round/>
-                      <a:headEnd type="none" w="med" len="med"/>
-                      <a:tailEnd type="none" w="med" len="med"/>
-                    </a:lnT>
-                    <a:lnB w="12700" cap="flat" cmpd="sng" algn="ctr">
-                      <a:solidFill>
-                        <a:schemeClr val="accent5">
-                          <a:lumMod val="40000"/>
-                          <a:lumOff val="60000"/>
-                        </a:schemeClr>
-                      </a:solidFill>
-                      <a:prstDash val="solid"/>
-                      <a:round/>
-                      <a:headEnd type="none" w="med" len="med"/>
-                      <a:tailEnd type="none" w="med" len="med"/>
-                    </a:lnB>
-                    <a:solidFill>
-                      <a:schemeClr val="bg1"/>
-                    </a:solidFill>
-                  </a:tcPr>
-                </a:tc>
-              </a:tr>
-              <a:tr h="1928602">
-                <a:tc>
-                  <a:txBody>
-                    <a:bodyPr/>
-                    <a:lstStyle/>
-                    <a:p>
-                      <a:pPr marL="176530" lvl="0" indent="-174625">
-                        <a:spcBef>
-                          <a:spcPts val="600"/>
-                        </a:spcBef>
-                        <a:buClr>
-                          <a:srgbClr val="83C372"/>
-                        </a:buClr>
-                        <a:buFont typeface="Arial" panose="020B0604020202020204" pitchFamily="34" charset="0"/>
-                        <a:buChar char="»"/>
-                      </a:pPr>
-                      <a:r>
-                        <a:rPr lang="en-US" sz="1400" dirty="0">
-                          <a:solidFill>
-                            <a:schemeClr val="bg2"/>
-                          </a:solidFill>
-                        </a:rPr>
-                        <a:t>Parent company of MIS and MA</a:t>
-                      </a:r>
-                    </a:p>
-                    <a:p>
-                      <a:pPr marL="176530" lvl="0" indent="-174625" algn="l" defTabSz="914400" rtl="0" eaLnBrk="1" latinLnBrk="0" hangingPunct="1">
-                        <a:spcBef>
-                          <a:spcPts val="600"/>
-                        </a:spcBef>
-                        <a:buClr>
-                          <a:srgbClr val="83C372"/>
-                        </a:buClr>
-                        <a:buFont typeface="Arial" panose="020B0604020202020204" pitchFamily="34" charset="0"/>
-                        <a:buChar char="»"/>
-                      </a:pPr>
-                      <a:r>
-                        <a:rPr lang="en-US" sz="1400" kern="1200" dirty="0">
-                          <a:solidFill>
-                            <a:schemeClr val="bg2"/>
-                          </a:solidFill>
-                          <a:latin typeface="+mn-lt"/>
-                          <a:ea typeface="+mn-ea"/>
-                          <a:cs typeface="+mn-cs"/>
-                        </a:rPr>
-                        <a:t>Contributes to transparent and integrated financial markets</a:t>
-                      </a:r>
-                    </a:p>
-                  </a:txBody>
-                  <a:tcPr marL="137160" marR="137160" marT="137160" marB="137160">
-                    <a:lnL w="12700" cap="flat" cmpd="sng" algn="ctr">
-                      <a:solidFill>
-                        <a:schemeClr val="accent5">
-                          <a:lumMod val="40000"/>
-                          <a:lumOff val="60000"/>
-                        </a:schemeClr>
-                      </a:solidFill>
-                      <a:prstDash val="solid"/>
-                      <a:round/>
-                      <a:headEnd type="none" w="med" len="med"/>
-                      <a:tailEnd type="none" w="med" len="med"/>
-                    </a:lnL>
-                    <a:lnR w="12700" cap="flat" cmpd="sng" algn="ctr">
-                      <a:solidFill>
-                        <a:schemeClr val="accent5">
-                          <a:lumMod val="40000"/>
-                          <a:lumOff val="60000"/>
-                        </a:schemeClr>
-                      </a:solidFill>
-                      <a:prstDash val="solid"/>
-                      <a:round/>
-                      <a:headEnd type="none" w="med" len="med"/>
-                      <a:tailEnd type="none" w="med" len="med"/>
-                    </a:lnR>
-                    <a:lnT w="12700" cap="flat" cmpd="sng" algn="ctr">
-                      <a:solidFill>
-                        <a:schemeClr val="accent5">
-                          <a:lumMod val="40000"/>
-                          <a:lumOff val="60000"/>
-                        </a:schemeClr>
-                      </a:solidFill>
-                      <a:prstDash val="solid"/>
-                      <a:round/>
-                      <a:headEnd type="none" w="med" len="med"/>
-                      <a:tailEnd type="none" w="med" len="med"/>
-                    </a:lnT>
-                    <a:lnB w="12700" cap="flat" cmpd="sng" algn="ctr">
-                      <a:solidFill>
-                        <a:schemeClr val="accent5">
-                          <a:lumMod val="40000"/>
-                          <a:lumOff val="60000"/>
-                        </a:schemeClr>
-                      </a:solidFill>
-                      <a:prstDash val="solid"/>
-                      <a:round/>
-                      <a:headEnd type="none" w="med" len="med"/>
-                      <a:tailEnd type="none" w="med" len="med"/>
-                    </a:lnB>
-                    <a:solidFill>
-                      <a:schemeClr val="bg1"/>
-                    </a:solidFill>
-                  </a:tcPr>
-                </a:tc>
-                <a:tc>
-                  <a:txBody>
-                    <a:bodyPr/>
-                    <a:lstStyle/>
-                    <a:p>
-                      <a:pPr marL="176530" lvl="0" indent="-174625" algn="l" defTabSz="914400" rtl="0" eaLnBrk="1" latinLnBrk="0" hangingPunct="1">
-                        <a:spcBef>
-                          <a:spcPts val="600"/>
-                        </a:spcBef>
-                        <a:buClr>
-                          <a:srgbClr val="83C372"/>
-                        </a:buClr>
-                        <a:buFont typeface="Arial" panose="020B0604020202020204" pitchFamily="34" charset="0"/>
-                        <a:buChar char="»"/>
-                      </a:pPr>
-                      <a:r>
-                        <a:rPr lang="en-US" sz="1400" kern="1200" dirty="0">
-                          <a:solidFill>
-                            <a:schemeClr val="bg2"/>
-                          </a:solidFill>
-                          <a:latin typeface="+mn-lt"/>
-                          <a:ea typeface="+mn-ea"/>
-                          <a:cs typeface="+mn-cs"/>
-                        </a:rPr>
-                        <a:t>Parent company of MIS and MA</a:t>
-                      </a:r>
-                    </a:p>
-                    <a:p>
-                      <a:pPr marL="176530" lvl="0" indent="-174625" algn="l" defTabSz="914400" rtl="0" eaLnBrk="1" latinLnBrk="0" hangingPunct="1">
-                        <a:spcBef>
-                          <a:spcPts val="600"/>
-                        </a:spcBef>
-                        <a:buClr>
-                          <a:srgbClr val="83C372"/>
-                        </a:buClr>
-                        <a:buFont typeface="Arial" panose="020B0604020202020204" pitchFamily="34" charset="0"/>
-                        <a:buChar char="»"/>
-                      </a:pPr>
-                      <a:r>
-                        <a:rPr lang="en-US" sz="1400" kern="1200" dirty="0">
-                          <a:solidFill>
-                            <a:schemeClr val="bg2"/>
-                          </a:solidFill>
-                          <a:latin typeface="+mn-lt"/>
-                          <a:ea typeface="+mn-ea"/>
-                          <a:cs typeface="+mn-cs"/>
-                        </a:rPr>
-                        <a:t>Contributes to transparent and integrated financial markets</a:t>
-                      </a:r>
-                    </a:p>
-                  </a:txBody>
-                  <a:tcPr marL="137160" marR="137160" marT="137160" marB="137160">
-                    <a:lnL w="12700" cap="flat" cmpd="sng" algn="ctr">
-                      <a:solidFill>
-                        <a:schemeClr val="accent5">
-                          <a:lumMod val="40000"/>
-                          <a:lumOff val="60000"/>
-                        </a:schemeClr>
-                      </a:solidFill>
-                      <a:prstDash val="solid"/>
-                      <a:round/>
-                      <a:headEnd type="none" w="med" len="med"/>
-                      <a:tailEnd type="none" w="med" len="med"/>
-                    </a:lnL>
-                    <a:lnR w="12700" cap="flat" cmpd="sng" algn="ctr">
-                      <a:solidFill>
-                        <a:schemeClr val="accent5">
-                          <a:lumMod val="40000"/>
-                          <a:lumOff val="60000"/>
-                        </a:schemeClr>
-                      </a:solidFill>
-                      <a:prstDash val="solid"/>
-                      <a:round/>
-                      <a:headEnd type="none" w="med" len="med"/>
-                      <a:tailEnd type="none" w="med" len="med"/>
-                    </a:lnR>
-                    <a:lnT w="12700" cap="flat" cmpd="sng" algn="ctr">
-                      <a:solidFill>
-                        <a:schemeClr val="accent5">
-                          <a:lumMod val="40000"/>
-                          <a:lumOff val="60000"/>
-                        </a:schemeClr>
-                      </a:solidFill>
-                      <a:prstDash val="solid"/>
-                      <a:round/>
-                      <a:headEnd type="none" w="med" len="med"/>
-                      <a:tailEnd type="none" w="med" len="med"/>
-                    </a:lnT>
-                    <a:lnB w="12700" cap="flat" cmpd="sng" algn="ctr">
-                      <a:solidFill>
-                        <a:schemeClr val="accent5">
-                          <a:lumMod val="40000"/>
-                          <a:lumOff val="60000"/>
-                        </a:schemeClr>
-                      </a:solidFill>
-                      <a:prstDash val="solid"/>
-                      <a:round/>
-                      <a:headEnd type="none" w="med" len="med"/>
-                      <a:tailEnd type="none" w="med" len="med"/>
-                    </a:lnB>
-                    <a:solidFill>
-                      <a:schemeClr val="bg1"/>
-                    </a:solidFill>
-                  </a:tcPr>
-                </a:tc>
-                <a:tc>
-                  <a:txBody>
-                    <a:bodyPr/>
-                    <a:lstStyle/>
-                    <a:p>
-                      <a:pPr marL="176530" lvl="0" indent="-174625" algn="l" defTabSz="914400" rtl="0" eaLnBrk="1" latinLnBrk="0" hangingPunct="1">
-                        <a:spcBef>
-                          <a:spcPts val="600"/>
-                        </a:spcBef>
-                        <a:buClr>
-                          <a:srgbClr val="83C372"/>
-                        </a:buClr>
-                        <a:buFont typeface="Arial" panose="020B0604020202020204" pitchFamily="34" charset="0"/>
-                        <a:buChar char="»"/>
-                      </a:pPr>
-                      <a:r>
-                        <a:rPr lang="en-US" sz="1400" kern="1200" dirty="0">
-                          <a:solidFill>
-                            <a:schemeClr val="bg2"/>
-                          </a:solidFill>
-                          <a:latin typeface="+mn-lt"/>
-                          <a:ea typeface="+mn-ea"/>
-                          <a:cs typeface="+mn-cs"/>
-                        </a:rPr>
-                        <a:t>Parent company of MIS and MA</a:t>
-                      </a:r>
-                    </a:p>
-                    <a:p>
-                      <a:pPr marL="176530" lvl="0" indent="-174625" algn="l" defTabSz="914400" rtl="0" eaLnBrk="1" latinLnBrk="0" hangingPunct="1">
-                        <a:spcBef>
-                          <a:spcPts val="600"/>
-                        </a:spcBef>
-                        <a:buClr>
-                          <a:srgbClr val="83C372"/>
-                        </a:buClr>
-                        <a:buFont typeface="Arial" panose="020B0604020202020204" pitchFamily="34" charset="0"/>
-                        <a:buChar char="»"/>
-                      </a:pPr>
-                      <a:r>
-                        <a:rPr lang="en-US" sz="1400" kern="1200" dirty="0">
-                          <a:solidFill>
-                            <a:schemeClr val="bg2"/>
-                          </a:solidFill>
-                          <a:latin typeface="+mn-lt"/>
-                          <a:ea typeface="+mn-ea"/>
-                          <a:cs typeface="+mn-cs"/>
-                        </a:rPr>
-                        <a:t>Contributes to transparent and integrated financial markets</a:t>
-                      </a:r>
-                    </a:p>
-                    <a:p>
-                      <a:pPr>
-                        <a:buClr>
-                          <a:srgbClr val="83C372"/>
-                        </a:buClr>
-                      </a:pPr>
-                      <a:endParaRPr lang="en-US" sz="1400" dirty="0">
-                        <a:solidFill>
-                          <a:schemeClr val="bg2"/>
-                        </a:solidFill>
-                      </a:endParaRPr>
-                    </a:p>
-                  </a:txBody>
-                  <a:tcPr marL="137160" marR="137160" marT="137160" marB="137160">
-                    <a:lnL w="12700" cap="flat" cmpd="sng" algn="ctr">
-                      <a:solidFill>
-                        <a:schemeClr val="accent5">
-                          <a:lumMod val="40000"/>
-                          <a:lumOff val="60000"/>
-                        </a:schemeClr>
-                      </a:solidFill>
-                      <a:prstDash val="solid"/>
-                      <a:round/>
-                      <a:headEnd type="none" w="med" len="med"/>
-                      <a:tailEnd type="none" w="med" len="med"/>
-                    </a:lnL>
-                    <a:lnR w="12700" cap="flat" cmpd="sng" algn="ctr">
-                      <a:solidFill>
-                        <a:schemeClr val="accent5">
-                          <a:lumMod val="40000"/>
-                          <a:lumOff val="60000"/>
-                        </a:schemeClr>
-                      </a:solidFill>
-                      <a:prstDash val="solid"/>
-                      <a:round/>
-                      <a:headEnd type="none" w="med" len="med"/>
-                      <a:tailEnd type="none" w="med" len="med"/>
-                    </a:lnR>
-                    <a:lnT w="12700" cap="flat" cmpd="sng" algn="ctr">
-                      <a:solidFill>
-                        <a:schemeClr val="accent5">
-                          <a:lumMod val="40000"/>
-                          <a:lumOff val="60000"/>
-                        </a:schemeClr>
-                      </a:solidFill>
-                      <a:prstDash val="solid"/>
-                      <a:round/>
-                      <a:headEnd type="none" w="med" len="med"/>
-                      <a:tailEnd type="none" w="med" len="med"/>
-                    </a:lnT>
-                    <a:lnB w="12700" cap="flat" cmpd="sng" algn="ctr">
-                      <a:solidFill>
-                        <a:schemeClr val="accent5">
-                          <a:lumMod val="40000"/>
-                          <a:lumOff val="60000"/>
-                        </a:schemeClr>
-                      </a:solidFill>
-                      <a:prstDash val="solid"/>
-                      <a:round/>
-                      <a:headEnd type="none" w="med" len="med"/>
-                      <a:tailEnd type="none" w="med" len="med"/>
-                    </a:lnB>
-                    <a:solidFill>
-                      <a:schemeClr val="bg1"/>
-                    </a:solidFill>
-                  </a:tcPr>
-                </a:tc>
-                <a:tc>
-                  <a:txBody>
-                    <a:bodyPr/>
-                    <a:lstStyle/>
-                    <a:p>
-                      <a:pPr marL="176530" lvl="0" indent="-174625" algn="l" defTabSz="914400" rtl="0" eaLnBrk="1" latinLnBrk="0" hangingPunct="1">
-                        <a:spcBef>
-                          <a:spcPts val="600"/>
-                        </a:spcBef>
-                        <a:buClr>
-                          <a:srgbClr val="83C372"/>
-                        </a:buClr>
-                        <a:buFont typeface="Arial" panose="020B0604020202020204" pitchFamily="34" charset="0"/>
-                        <a:buChar char="»"/>
-                      </a:pPr>
-                      <a:r>
-                        <a:rPr lang="en-US" sz="1400" kern="1200" dirty="0">
-                          <a:solidFill>
-                            <a:schemeClr val="bg2"/>
-                          </a:solidFill>
-                          <a:latin typeface="+mn-lt"/>
-                          <a:ea typeface="+mn-ea"/>
-                          <a:cs typeface="+mn-cs"/>
-                        </a:rPr>
-                        <a:t>Parent company of MIS and MA</a:t>
-                      </a:r>
-                    </a:p>
-                    <a:p>
-                      <a:pPr marL="176530" lvl="0" indent="-174625" algn="l" defTabSz="914400" rtl="0" eaLnBrk="1" latinLnBrk="0" hangingPunct="1">
-                        <a:spcBef>
-                          <a:spcPts val="600"/>
-                        </a:spcBef>
-                        <a:buClr>
-                          <a:srgbClr val="83C372"/>
-                        </a:buClr>
-                        <a:buFont typeface="Arial" panose="020B0604020202020204" pitchFamily="34" charset="0"/>
-                        <a:buChar char="»"/>
-                      </a:pPr>
-                      <a:r>
-                        <a:rPr lang="en-US" sz="1400" kern="1200" dirty="0">
-                          <a:solidFill>
-                            <a:schemeClr val="bg2"/>
-                          </a:solidFill>
-                          <a:latin typeface="+mn-lt"/>
-                          <a:ea typeface="+mn-ea"/>
-                          <a:cs typeface="+mn-cs"/>
-                        </a:rPr>
-                        <a:t>Contributes to transparent and integrated financial markets</a:t>
-                      </a:r>
-                    </a:p>
-                  </a:txBody>
-                  <a:tcPr marL="137160" marR="137160" marT="137160" marB="137160">
-                    <a:lnL w="12700" cap="flat" cmpd="sng" algn="ctr">
-                      <a:solidFill>
-                        <a:schemeClr val="accent5">
-                          <a:lumMod val="40000"/>
-                          <a:lumOff val="60000"/>
-                        </a:schemeClr>
-                      </a:solidFill>
-                      <a:prstDash val="solid"/>
-                      <a:round/>
-                      <a:headEnd type="none" w="med" len="med"/>
-                      <a:tailEnd type="none" w="med" len="med"/>
-                    </a:lnL>
-                    <a:lnR w="12700" cap="flat" cmpd="sng" algn="ctr">
-                      <a:solidFill>
-                        <a:schemeClr val="accent5">
-                          <a:lumMod val="40000"/>
-                          <a:lumOff val="60000"/>
-                        </a:schemeClr>
-                      </a:solidFill>
-                      <a:prstDash val="solid"/>
-                      <a:round/>
-                      <a:headEnd type="none" w="med" len="med"/>
-                      <a:tailEnd type="none" w="med" len="med"/>
-                    </a:lnR>
-                    <a:lnT w="12700" cap="flat" cmpd="sng" algn="ctr">
-                      <a:solidFill>
-                        <a:schemeClr val="accent5">
-                          <a:lumMod val="40000"/>
-                          <a:lumOff val="60000"/>
-                        </a:schemeClr>
-                      </a:solidFill>
-                      <a:prstDash val="solid"/>
-                      <a:round/>
-                      <a:headEnd type="none" w="med" len="med"/>
-                      <a:tailEnd type="none" w="med" len="med"/>
-                    </a:lnT>
-                    <a:lnB w="12700" cap="flat" cmpd="sng" algn="ctr">
-                      <a:solidFill>
-                        <a:schemeClr val="accent5">
-                          <a:lumMod val="40000"/>
-                          <a:lumOff val="60000"/>
-                        </a:schemeClr>
-                      </a:solidFill>
-                      <a:prstDash val="solid"/>
-                      <a:round/>
-                      <a:headEnd type="none" w="med" len="med"/>
-                      <a:tailEnd type="none" w="med" len="med"/>
-                    </a:lnB>
-                    <a:solidFill>
-                      <a:schemeClr val="bg1"/>
-                    </a:solidFill>
-                  </a:tcPr>
-                </a:tc>
-              </a:tr>
-            </a:tbl>
-          </a:graphicData>
-        </a:graphic>
-      </p:graphicFrame>
-    </p:spTree>
-  </p:cSld>
-  <p:clrMapOvr>
-    <a:masterClrMapping/>
-  </p:clrMapOvr>
-</p:sld>
-</file>
-
-<file path=ppt/slides/slide11.xml><?xml version="1.0" encoding="utf-8"?>
-<p:sld xmlns:a="http://schemas.openxmlformats.org/drawingml/2006/main" xmlns:r="http://schemas.openxmlformats.org/officeDocument/2006/relationships" xmlns:p="http://schemas.openxmlformats.org/presentationml/2006/main">
-  <p:cSld>
-    <p:spTree>
-      <p:nvGrpSpPr>
-        <p:cNvPr id="1" name=""/>
-        <p:cNvGrpSpPr/>
-        <p:nvPr/>
-      </p:nvGrpSpPr>
-      <p:grpSpPr>
-        <a:xfrm>
-          <a:off x="0" y="0"/>
-          <a:ext cx="0" cy="0"/>
-          <a:chOff x="0" y="0"/>
-          <a:chExt cx="0" cy="0"/>
-        </a:xfrm>
-      </p:grpSpPr>
-      <p:sp>
-        <p:nvSpPr>
           <p:cNvPr id="4" name="Title 3"/>
           <p:cNvSpPr>
             <a:spLocks noGrp="1"/>
@@ -7309,7 +5491,6 @@
               <a:rPr lang="en-US" dirty="0"/>
               <a:t>3</a:t>
             </a:r>
-            <a:endParaRPr lang="en-US" dirty="0"/>
           </a:p>
         </p:txBody>
       </p:sp>
@@ -7354,7 +5535,7 @@
 </p:sld>
 </file>
 
-<file path=ppt/slides/slide12.xml><?xml version="1.0" encoding="utf-8"?>
+<file path=ppt/slides/slide11.xml><?xml version="1.0" encoding="utf-8"?>
 <p:sld xmlns:a="http://schemas.openxmlformats.org/drawingml/2006/main" xmlns:r="http://schemas.openxmlformats.org/officeDocument/2006/relationships" xmlns:p="http://schemas.openxmlformats.org/presentationml/2006/main">
   <p:cSld>
     <p:spTree>
@@ -8562,7 +6743,7 @@
 </p:sld>
 </file>
 
-<file path=ppt/slides/slide13.xml><?xml version="1.0" encoding="utf-8"?>
+<file path=ppt/slides/slide12.xml><?xml version="1.0" encoding="utf-8"?>
 <p:sld xmlns:a="http://schemas.openxmlformats.org/drawingml/2006/main" xmlns:r="http://schemas.openxmlformats.org/officeDocument/2006/relationships" xmlns:p="http://schemas.openxmlformats.org/presentationml/2006/main">
   <p:cSld>
     <p:spTree>
@@ -8757,6 +6938,11 @@
         </a:graphic>
       </p:graphicFrame>
     </p:spTree>
+    <p:extLst>
+      <p:ext uri="{BB962C8B-B14F-4D97-AF65-F5344CB8AC3E}">
+        <p14:creationId xmlns:p14="http://schemas.microsoft.com/office/powerpoint/2010/main" val="3107264130"/>
+      </p:ext>
+    </p:extLst>
   </p:cSld>
   <p:clrMapOvr>
     <a:masterClrMapping/>
@@ -8764,7 +6950,7 @@
 </p:sld>
 </file>
 
-<file path=ppt/slides/slide14.xml><?xml version="1.0" encoding="utf-8"?>
+<file path=ppt/slides/slide13.xml><?xml version="1.0" encoding="utf-8"?>
 <p:sld xmlns:a="http://schemas.openxmlformats.org/drawingml/2006/main" xmlns:r="http://schemas.openxmlformats.org/officeDocument/2006/relationships" xmlns:p="http://schemas.openxmlformats.org/presentationml/2006/main">
   <p:cSld>
     <p:spTree>
@@ -8971,7 +7157,7 @@
 </p:sld>
 </file>
 
-<file path=ppt/slides/slide15.xml><?xml version="1.0" encoding="utf-8"?>
+<file path=ppt/slides/slide14.xml><?xml version="1.0" encoding="utf-8"?>
 <p:sld xmlns:a="http://schemas.openxmlformats.org/drawingml/2006/main" xmlns:r="http://schemas.openxmlformats.org/officeDocument/2006/relationships" xmlns:p="http://schemas.openxmlformats.org/presentationml/2006/main">
   <p:cSld>
     <p:spTree>
@@ -11959,7 +10145,7 @@
 </p:sld>
 </file>
 
-<file path=ppt/slides/slide16.xml><?xml version="1.0" encoding="utf-8"?>
+<file path=ppt/slides/slide15.xml><?xml version="1.0" encoding="utf-8"?>
 <p:sld xmlns:a="http://schemas.openxmlformats.org/drawingml/2006/main" xmlns:r="http://schemas.openxmlformats.org/officeDocument/2006/relationships" xmlns:p="http://schemas.openxmlformats.org/presentationml/2006/main">
   <p:cSld>
     <p:spTree>
@@ -12165,7 +10351,7 @@
 </p:sld>
 </file>
 
-<file path=ppt/slides/slide17.xml><?xml version="1.0" encoding="utf-8"?>
+<file path=ppt/slides/slide16.xml><?xml version="1.0" encoding="utf-8"?>
 <p:sld xmlns:a="http://schemas.openxmlformats.org/drawingml/2006/main" xmlns:r="http://schemas.openxmlformats.org/officeDocument/2006/relationships" xmlns:p="http://schemas.openxmlformats.org/presentationml/2006/main">
   <p:cSld>
     <p:spTree>
@@ -12365,7 +10551,7 @@
 </p:sld>
 </file>
 
-<file path=ppt/slides/slide18.xml><?xml version="1.0" encoding="utf-8"?>
+<file path=ppt/slides/slide17.xml><?xml version="1.0" encoding="utf-8"?>
 <p:sld xmlns:a="http://schemas.openxmlformats.org/drawingml/2006/main" xmlns:r="http://schemas.openxmlformats.org/officeDocument/2006/relationships" xmlns:p="http://schemas.openxmlformats.org/presentationml/2006/main">
   <p:cSld>
     <p:spTree>
@@ -12566,7 +10752,7 @@
             <a:fld id="{93AC2C76-E6AA-46CB-A2DE-F6E097F7C440}" type="slidenum">
               <a:rPr lang="en-GB" smtClean="0"/>
               <a:pPr/>
-              <a:t>18</a:t>
+              <a:t>17</a:t>
             </a:fld>
             <a:endParaRPr lang="en-GB" dirty="0"/>
           </a:p>
@@ -12585,7 +10771,7 @@
 </p:sld>
 </file>
 
-<file path=ppt/slides/slide19.xml><?xml version="1.0" encoding="utf-8"?>
+<file path=ppt/slides/slide18.xml><?xml version="1.0" encoding="utf-8"?>
 <p:sld xmlns:a="http://schemas.openxmlformats.org/drawingml/2006/main" xmlns:r="http://schemas.openxmlformats.org/officeDocument/2006/relationships" xmlns:p="http://schemas.openxmlformats.org/presentationml/2006/main">
   <p:cSld>
     <p:spTree>
@@ -12773,7 +10959,7 @@
             <a:fld id="{93AC2C76-E6AA-46CB-A2DE-F6E097F7C440}" type="slidenum">
               <a:rPr lang="en-GB" smtClean="0"/>
               <a:pPr/>
-              <a:t>19</a:t>
+              <a:t>18</a:t>
             </a:fld>
             <a:endParaRPr lang="en-GB" dirty="0"/>
           </a:p>
@@ -12787,122 +10973,7 @@
 </p:sld>
 </file>
 
-<file path=ppt/slides/slide2.xml><?xml version="1.0" encoding="utf-8"?>
-<p:sld xmlns:a="http://schemas.openxmlformats.org/drawingml/2006/main" xmlns:r="http://schemas.openxmlformats.org/officeDocument/2006/relationships" xmlns:p="http://schemas.openxmlformats.org/presentationml/2006/main">
-  <p:cSld>
-    <p:spTree>
-      <p:nvGrpSpPr>
-        <p:cNvPr id="1" name=""/>
-        <p:cNvGrpSpPr/>
-        <p:nvPr/>
-      </p:nvGrpSpPr>
-      <p:grpSpPr>
-        <a:xfrm>
-          <a:off x="0" y="0"/>
-          <a:ext cx="0" cy="0"/>
-          <a:chOff x="0" y="0"/>
-          <a:chExt cx="0" cy="0"/>
-        </a:xfrm>
-      </p:grpSpPr>
-      <p:sp>
-        <p:nvSpPr>
-          <p:cNvPr id="11" name="Title 10"/>
-          <p:cNvSpPr>
-            <a:spLocks noGrp="1"/>
-          </p:cNvSpPr>
-          <p:nvPr>
-            <p:ph type="title"/>
-          </p:nvPr>
-        </p:nvSpPr>
-        <p:spPr/>
-        <p:txBody>
-          <a:bodyPr/>
-          <a:lstStyle/>
-          <a:p>
-            <a:r>
-              <a:rPr lang="en-US" dirty="0"/>
-              <a:t>Agenda</a:t>
-            </a:r>
-          </a:p>
-        </p:txBody>
-      </p:sp>
-      <p:sp>
-        <p:nvSpPr>
-          <p:cNvPr id="12" name="Text Placeholder 11"/>
-          <p:cNvSpPr>
-            <a:spLocks noGrp="1"/>
-          </p:cNvSpPr>
-          <p:nvPr>
-            <p:ph type="body" idx="1"/>
-          </p:nvPr>
-        </p:nvSpPr>
-        <p:spPr>
-          <a:xfrm>
-            <a:off x="1188721" y="2559685"/>
-            <a:ext cx="6776014" cy="1261884"/>
-          </a:xfrm>
-        </p:spPr>
-        <p:txBody>
-          <a:bodyPr>
-            <a:spAutoFit/>
-          </a:bodyPr>
-          <a:lstStyle/>
-          <a:p>
-            <a:r>
-              <a:rPr lang="zh-CN" altLang="en-US" dirty="0" smtClean="0">
-                <a:solidFill>
-                  <a:srgbClr val="272B38"/>
-                </a:solidFill>
-              </a:rPr>
-              <a:t>当前金融体系和环境</a:t>
-            </a:r>
-            <a:endParaRPr lang="en-US" dirty="0">
-              <a:solidFill>
-                <a:srgbClr val="272B38"/>
-              </a:solidFill>
-            </a:endParaRPr>
-          </a:p>
-          <a:p>
-            <a:r>
-              <a:rPr lang="zh-CN" altLang="en-US" dirty="0" smtClean="0">
-                <a:solidFill>
-                  <a:srgbClr val="272B38"/>
-                </a:solidFill>
-              </a:rPr>
-              <a:t>传统金融体系的局限性</a:t>
-            </a:r>
-            <a:endParaRPr lang="en-US" dirty="0">
-              <a:solidFill>
-                <a:srgbClr val="272B38"/>
-              </a:solidFill>
-            </a:endParaRPr>
-          </a:p>
-          <a:p>
-            <a:r>
-              <a:rPr lang="zh-CN" altLang="en-US" dirty="0" smtClean="0">
-                <a:solidFill>
-                  <a:srgbClr val="272B38"/>
-                </a:solidFill>
-              </a:rPr>
-              <a:t>区块链方案的解决之道</a:t>
-            </a:r>
-            <a:endParaRPr lang="en-US" dirty="0">
-              <a:solidFill>
-                <a:srgbClr val="272B38"/>
-              </a:solidFill>
-            </a:endParaRPr>
-          </a:p>
-        </p:txBody>
-      </p:sp>
-    </p:spTree>
-  </p:cSld>
-  <p:clrMapOvr>
-    <a:masterClrMapping/>
-  </p:clrMapOvr>
-</p:sld>
-</file>
-
-<file path=ppt/slides/slide20.xml><?xml version="1.0" encoding="utf-8"?>
+<file path=ppt/slides/slide19.xml><?xml version="1.0" encoding="utf-8"?>
 <p:sld xmlns:a="http://schemas.openxmlformats.org/drawingml/2006/main" xmlns:r="http://schemas.openxmlformats.org/officeDocument/2006/relationships" xmlns:p="http://schemas.openxmlformats.org/presentationml/2006/main">
   <p:cSld>
     <p:spTree>
@@ -13171,7 +11242,7 @@
                 <a:cs typeface="+mn-cs"/>
               </a:rPr>
               <a:pPr algn="ctr"/>
-              <a:t>20</a:t>
+              <a:t>19</a:t>
             </a:fld>
             <a:endParaRPr lang="en-GB" sz="1800" dirty="0">
               <a:solidFill>
@@ -13192,7 +11263,122 @@
 </p:sld>
 </file>
 
-<file path=ppt/slides/slide21.xml><?xml version="1.0" encoding="utf-8"?>
+<file path=ppt/slides/slide2.xml><?xml version="1.0" encoding="utf-8"?>
+<p:sld xmlns:a="http://schemas.openxmlformats.org/drawingml/2006/main" xmlns:r="http://schemas.openxmlformats.org/officeDocument/2006/relationships" xmlns:p="http://schemas.openxmlformats.org/presentationml/2006/main">
+  <p:cSld>
+    <p:spTree>
+      <p:nvGrpSpPr>
+        <p:cNvPr id="1" name=""/>
+        <p:cNvGrpSpPr/>
+        <p:nvPr/>
+      </p:nvGrpSpPr>
+      <p:grpSpPr>
+        <a:xfrm>
+          <a:off x="0" y="0"/>
+          <a:ext cx="0" cy="0"/>
+          <a:chOff x="0" y="0"/>
+          <a:chExt cx="0" cy="0"/>
+        </a:xfrm>
+      </p:grpSpPr>
+      <p:sp>
+        <p:nvSpPr>
+          <p:cNvPr id="11" name="Title 10"/>
+          <p:cNvSpPr>
+            <a:spLocks noGrp="1"/>
+          </p:cNvSpPr>
+          <p:nvPr>
+            <p:ph type="title"/>
+          </p:nvPr>
+        </p:nvSpPr>
+        <p:spPr/>
+        <p:txBody>
+          <a:bodyPr/>
+          <a:lstStyle/>
+          <a:p>
+            <a:r>
+              <a:rPr lang="en-US" dirty="0"/>
+              <a:t>Agenda</a:t>
+            </a:r>
+          </a:p>
+        </p:txBody>
+      </p:sp>
+      <p:sp>
+        <p:nvSpPr>
+          <p:cNvPr id="12" name="Text Placeholder 11"/>
+          <p:cNvSpPr>
+            <a:spLocks noGrp="1"/>
+          </p:cNvSpPr>
+          <p:nvPr>
+            <p:ph type="body" idx="1"/>
+          </p:nvPr>
+        </p:nvSpPr>
+        <p:spPr>
+          <a:xfrm>
+            <a:off x="1188721" y="2559685"/>
+            <a:ext cx="6776014" cy="1261884"/>
+          </a:xfrm>
+        </p:spPr>
+        <p:txBody>
+          <a:bodyPr>
+            <a:spAutoFit/>
+          </a:bodyPr>
+          <a:lstStyle/>
+          <a:p>
+            <a:r>
+              <a:rPr lang="zh-CN" altLang="en-US" dirty="0" smtClean="0">
+                <a:solidFill>
+                  <a:srgbClr val="272B38"/>
+                </a:solidFill>
+              </a:rPr>
+              <a:t>当前金融体系和环境</a:t>
+            </a:r>
+            <a:endParaRPr lang="en-US" dirty="0">
+              <a:solidFill>
+                <a:srgbClr val="272B38"/>
+              </a:solidFill>
+            </a:endParaRPr>
+          </a:p>
+          <a:p>
+            <a:r>
+              <a:rPr lang="zh-CN" altLang="en-US" dirty="0" smtClean="0">
+                <a:solidFill>
+                  <a:srgbClr val="272B38"/>
+                </a:solidFill>
+              </a:rPr>
+              <a:t>传统金融体系的局限性</a:t>
+            </a:r>
+            <a:endParaRPr lang="en-US" dirty="0">
+              <a:solidFill>
+                <a:srgbClr val="272B38"/>
+              </a:solidFill>
+            </a:endParaRPr>
+          </a:p>
+          <a:p>
+            <a:r>
+              <a:rPr lang="zh-CN" altLang="en-US" dirty="0" smtClean="0">
+                <a:solidFill>
+                  <a:srgbClr val="272B38"/>
+                </a:solidFill>
+              </a:rPr>
+              <a:t>区块链方案的解决之道</a:t>
+            </a:r>
+            <a:endParaRPr lang="en-US" dirty="0">
+              <a:solidFill>
+                <a:srgbClr val="272B38"/>
+              </a:solidFill>
+            </a:endParaRPr>
+          </a:p>
+        </p:txBody>
+      </p:sp>
+    </p:spTree>
+  </p:cSld>
+  <p:clrMapOvr>
+    <a:masterClrMapping/>
+  </p:clrMapOvr>
+</p:sld>
+</file>
+
+<file path=ppt/slides/slide20.xml><?xml version="1.0" encoding="utf-8"?>
 <p:sld xmlns:a="http://schemas.openxmlformats.org/drawingml/2006/main" xmlns:r="http://schemas.openxmlformats.org/officeDocument/2006/relationships" xmlns:p="http://schemas.openxmlformats.org/presentationml/2006/main">
   <p:cSld>
     <p:spTree>
@@ -13354,7 +11540,7 @@
 </p:sld>
 </file>
 
-<file path=ppt/slides/slide22.xml><?xml version="1.0" encoding="utf-8"?>
+<file path=ppt/slides/slide21.xml><?xml version="1.0" encoding="utf-8"?>
 <p:sld xmlns:a="http://schemas.openxmlformats.org/drawingml/2006/main" xmlns:r="http://schemas.openxmlformats.org/officeDocument/2006/relationships" xmlns:p="http://schemas.openxmlformats.org/presentationml/2006/main">
   <p:cSld>
     <p:spTree>
@@ -13490,7 +11676,7 @@
 </p:sld>
 </file>
 
-<file path=ppt/slides/slide23.xml><?xml version="1.0" encoding="utf-8"?>
+<file path=ppt/slides/slide22.xml><?xml version="1.0" encoding="utf-8"?>
 <p:sld xmlns:a="http://schemas.openxmlformats.org/drawingml/2006/main" xmlns:r="http://schemas.openxmlformats.org/officeDocument/2006/relationships" xmlns:p="http://schemas.openxmlformats.org/presentationml/2006/main">
   <p:cSld>
     <p:spTree>
@@ -13604,7 +11790,7 @@
 </p:sld>
 </file>
 
-<file path=ppt/slides/slide24.xml><?xml version="1.0" encoding="utf-8"?>
+<file path=ppt/slides/slide23.xml><?xml version="1.0" encoding="utf-8"?>
 <p:sld xmlns:a="http://schemas.openxmlformats.org/drawingml/2006/main" xmlns:r="http://schemas.openxmlformats.org/officeDocument/2006/relationships" xmlns:p="http://schemas.openxmlformats.org/presentationml/2006/main">
   <p:cSld>
     <p:spTree>
@@ -16668,7 +14854,7 @@
 </p:sld>
 </file>
 
-<file path=ppt/slides/slide25.xml><?xml version="1.0" encoding="utf-8"?>
+<file path=ppt/slides/slide24.xml><?xml version="1.0" encoding="utf-8"?>
 <p:sld xmlns:a="http://schemas.openxmlformats.org/drawingml/2006/main" xmlns:r="http://schemas.openxmlformats.org/officeDocument/2006/relationships" xmlns:p="http://schemas.openxmlformats.org/presentationml/2006/main">
   <p:cSld>
     <p:spTree>
@@ -17334,7 +15520,7 @@
             <a:effectLst/>
             <a:extLst>
               <a:ext uri="{C572A759-6A51-4108-AA02-DFA0A04FC94B}">
-                <ma14:wrappingTextBoxFlag xmlns="" xmlns:ma14="http://schemas.microsoft.com/office/mac/drawingml/2011/main" val="1"/>
+                <ma14:wrappingTextBoxFlag xmlns:ma14="http://schemas.microsoft.com/office/mac/drawingml/2011/main" xmlns="" val="1"/>
               </a:ext>
             </a:extLst>
           </p:spPr>
@@ -17504,7 +15690,7 @@
             <a:effectLst/>
             <a:extLst>
               <a:ext uri="{C572A759-6A51-4108-AA02-DFA0A04FC94B}">
-                <ma14:wrappingTextBoxFlag xmlns="" xmlns:ma14="http://schemas.microsoft.com/office/mac/drawingml/2011/main" val="1"/>
+                <ma14:wrappingTextBoxFlag xmlns:ma14="http://schemas.microsoft.com/office/mac/drawingml/2011/main" xmlns="" val="1"/>
               </a:ext>
             </a:extLst>
           </p:spPr>
@@ -17676,7 +15862,7 @@
             <a:effectLst/>
             <a:extLst>
               <a:ext uri="{C572A759-6A51-4108-AA02-DFA0A04FC94B}">
-                <ma14:wrappingTextBoxFlag xmlns="" xmlns:ma14="http://schemas.microsoft.com/office/mac/drawingml/2011/main" val="1"/>
+                <ma14:wrappingTextBoxFlag xmlns:ma14="http://schemas.microsoft.com/office/mac/drawingml/2011/main" xmlns="" val="1"/>
               </a:ext>
             </a:extLst>
           </p:spPr>
@@ -17848,7 +16034,7 @@
             <a:effectLst/>
             <a:extLst>
               <a:ext uri="{C572A759-6A51-4108-AA02-DFA0A04FC94B}">
-                <ma14:wrappingTextBoxFlag xmlns="" xmlns:ma14="http://schemas.microsoft.com/office/mac/drawingml/2011/main" val="1"/>
+                <ma14:wrappingTextBoxFlag xmlns:ma14="http://schemas.microsoft.com/office/mac/drawingml/2011/main" xmlns="" val="1"/>
               </a:ext>
             </a:extLst>
           </p:spPr>
@@ -18029,7 +16215,7 @@
             <a:effectLst/>
             <a:extLst>
               <a:ext uri="{C572A759-6A51-4108-AA02-DFA0A04FC94B}">
-                <ma14:wrappingTextBoxFlag xmlns="" xmlns:ma14="http://schemas.microsoft.com/office/mac/drawingml/2011/main" val="1"/>
+                <ma14:wrappingTextBoxFlag xmlns:ma14="http://schemas.microsoft.com/office/mac/drawingml/2011/main" xmlns="" val="1"/>
               </a:ext>
             </a:extLst>
           </p:spPr>
@@ -18201,7 +16387,7 @@
             <a:effectLst/>
             <a:extLst>
               <a:ext uri="{C572A759-6A51-4108-AA02-DFA0A04FC94B}">
-                <ma14:wrappingTextBoxFlag xmlns="" xmlns:ma14="http://schemas.microsoft.com/office/mac/drawingml/2011/main" val="1"/>
+                <ma14:wrappingTextBoxFlag xmlns:ma14="http://schemas.microsoft.com/office/mac/drawingml/2011/main" xmlns="" val="1"/>
               </a:ext>
             </a:extLst>
           </p:spPr>
@@ -18232,7 +16418,7 @@
                 </a:defRPr>
               </a:pPr>
               <a:r>
-                <a:rPr sz="1400" b="0">
+                <a:rPr lang="zh-CN" altLang="en-US" sz="1400" b="0" dirty="0" smtClean="0">
                   <a:solidFill>
                     <a:srgbClr val="272B38"/>
                   </a:solidFill>
@@ -18240,8 +16426,16 @@
                   <a:ea typeface="微软雅黑" pitchFamily="34" charset="-122"/>
                   <a:sym typeface="Microsoft YaHei"/>
                 </a:rPr>
-                <a:t>保险</a:t>
+                <a:t>评级</a:t>
               </a:r>
+              <a:endParaRPr sz="1400" b="0" dirty="0">
+                <a:solidFill>
+                  <a:srgbClr val="272B38"/>
+                </a:solidFill>
+                <a:latin typeface="微软雅黑" pitchFamily="34" charset="-122"/>
+                <a:ea typeface="微软雅黑" pitchFamily="34" charset="-122"/>
+                <a:sym typeface="Microsoft YaHei"/>
+              </a:endParaRPr>
             </a:p>
           </p:txBody>
         </p:sp>
@@ -18373,7 +16567,7 @@
             <a:effectLst/>
             <a:extLst>
               <a:ext uri="{C572A759-6A51-4108-AA02-DFA0A04FC94B}">
-                <ma14:wrappingTextBoxFlag xmlns="" xmlns:ma14="http://schemas.microsoft.com/office/mac/drawingml/2011/main" val="1"/>
+                <ma14:wrappingTextBoxFlag xmlns:ma14="http://schemas.microsoft.com/office/mac/drawingml/2011/main" xmlns="" val="1"/>
               </a:ext>
             </a:extLst>
           </p:spPr>
@@ -18545,7 +16739,7 @@
             <a:effectLst/>
             <a:extLst>
               <a:ext uri="{C572A759-6A51-4108-AA02-DFA0A04FC94B}">
-                <ma14:wrappingTextBoxFlag xmlns="" xmlns:ma14="http://schemas.microsoft.com/office/mac/drawingml/2011/main" val="1"/>
+                <ma14:wrappingTextBoxFlag xmlns:ma14="http://schemas.microsoft.com/office/mac/drawingml/2011/main" xmlns="" val="1"/>
               </a:ext>
             </a:extLst>
           </p:spPr>
@@ -18717,7 +16911,7 @@
             <a:effectLst/>
             <a:extLst>
               <a:ext uri="{C572A759-6A51-4108-AA02-DFA0A04FC94B}">
-                <ma14:wrappingTextBoxFlag xmlns="" xmlns:ma14="http://schemas.microsoft.com/office/mac/drawingml/2011/main" val="1"/>
+                <ma14:wrappingTextBoxFlag xmlns:ma14="http://schemas.microsoft.com/office/mac/drawingml/2011/main" xmlns="" val="1"/>
               </a:ext>
             </a:extLst>
           </p:spPr>
@@ -18889,7 +17083,7 @@
             <a:effectLst/>
             <a:extLst>
               <a:ext uri="{C572A759-6A51-4108-AA02-DFA0A04FC94B}">
-                <ma14:wrappingTextBoxFlag xmlns="" xmlns:ma14="http://schemas.microsoft.com/office/mac/drawingml/2011/main" val="1"/>
+                <ma14:wrappingTextBoxFlag xmlns:ma14="http://schemas.microsoft.com/office/mac/drawingml/2011/main" xmlns="" val="1"/>
               </a:ext>
             </a:extLst>
           </p:spPr>
@@ -19061,7 +17255,7 @@
             <a:effectLst/>
             <a:extLst>
               <a:ext uri="{C572A759-6A51-4108-AA02-DFA0A04FC94B}">
-                <ma14:wrappingTextBoxFlag xmlns="" xmlns:ma14="http://schemas.microsoft.com/office/mac/drawingml/2011/main" val="1"/>
+                <ma14:wrappingTextBoxFlag xmlns:ma14="http://schemas.microsoft.com/office/mac/drawingml/2011/main" xmlns="" val="1"/>
               </a:ext>
             </a:extLst>
           </p:spPr>
@@ -19233,7 +17427,7 @@
             <a:effectLst/>
             <a:extLst>
               <a:ext uri="{C572A759-6A51-4108-AA02-DFA0A04FC94B}">
-                <ma14:wrappingTextBoxFlag xmlns="" xmlns:ma14="http://schemas.microsoft.com/office/mac/drawingml/2011/main" val="1"/>
+                <ma14:wrappingTextBoxFlag xmlns:ma14="http://schemas.microsoft.com/office/mac/drawingml/2011/main" xmlns="" val="1"/>
               </a:ext>
             </a:extLst>
           </p:spPr>
@@ -19365,7 +17559,7 @@
             <a:effectLst/>
             <a:extLst>
               <a:ext uri="{C572A759-6A51-4108-AA02-DFA0A04FC94B}">
-                <ma14:wrappingTextBoxFlag xmlns="" xmlns:ma14="http://schemas.microsoft.com/office/mac/drawingml/2011/main" val="1"/>
+                <ma14:wrappingTextBoxFlag xmlns:ma14="http://schemas.microsoft.com/office/mac/drawingml/2011/main" xmlns="" val="1"/>
               </a:ext>
             </a:extLst>
           </p:spPr>
@@ -19537,7 +17731,7 @@
             <a:effectLst/>
             <a:extLst>
               <a:ext uri="{C572A759-6A51-4108-AA02-DFA0A04FC94B}">
-                <ma14:wrappingTextBoxFlag xmlns="" xmlns:ma14="http://schemas.microsoft.com/office/mac/drawingml/2011/main" val="1"/>
+                <ma14:wrappingTextBoxFlag xmlns:ma14="http://schemas.microsoft.com/office/mac/drawingml/2011/main" xmlns="" val="1"/>
               </a:ext>
             </a:extLst>
           </p:spPr>
@@ -19709,7 +17903,7 @@
             <a:effectLst/>
             <a:extLst>
               <a:ext uri="{C572A759-6A51-4108-AA02-DFA0A04FC94B}">
-                <ma14:wrappingTextBoxFlag xmlns="" xmlns:ma14="http://schemas.microsoft.com/office/mac/drawingml/2011/main" val="1"/>
+                <ma14:wrappingTextBoxFlag xmlns:ma14="http://schemas.microsoft.com/office/mac/drawingml/2011/main" xmlns="" val="1"/>
               </a:ext>
             </a:extLst>
           </p:spPr>
@@ -19890,7 +18084,7 @@
             <a:effectLst/>
             <a:extLst>
               <a:ext uri="{C572A759-6A51-4108-AA02-DFA0A04FC94B}">
-                <ma14:wrappingTextBoxFlag xmlns="" xmlns:ma14="http://schemas.microsoft.com/office/mac/drawingml/2011/main" val="1"/>
+                <ma14:wrappingTextBoxFlag xmlns:ma14="http://schemas.microsoft.com/office/mac/drawingml/2011/main" xmlns="" val="1"/>
               </a:ext>
             </a:extLst>
           </p:spPr>
@@ -20062,7 +18256,7 @@
             <a:effectLst/>
             <a:extLst>
               <a:ext uri="{C572A759-6A51-4108-AA02-DFA0A04FC94B}">
-                <ma14:wrappingTextBoxFlag xmlns="" xmlns:ma14="http://schemas.microsoft.com/office/mac/drawingml/2011/main" val="1"/>
+                <ma14:wrappingTextBoxFlag xmlns:ma14="http://schemas.microsoft.com/office/mac/drawingml/2011/main" xmlns="" val="1"/>
               </a:ext>
             </a:extLst>
           </p:spPr>
@@ -20234,7 +18428,7 @@
             <a:effectLst/>
             <a:extLst>
               <a:ext uri="{C572A759-6A51-4108-AA02-DFA0A04FC94B}">
-                <ma14:wrappingTextBoxFlag xmlns="" xmlns:ma14="http://schemas.microsoft.com/office/mac/drawingml/2011/main" val="1"/>
+                <ma14:wrappingTextBoxFlag xmlns:ma14="http://schemas.microsoft.com/office/mac/drawingml/2011/main" xmlns="" val="1"/>
               </a:ext>
             </a:extLst>
           </p:spPr>
@@ -20406,7 +18600,7 @@
             <a:effectLst/>
             <a:extLst>
               <a:ext uri="{C572A759-6A51-4108-AA02-DFA0A04FC94B}">
-                <ma14:wrappingTextBoxFlag xmlns="" xmlns:ma14="http://schemas.microsoft.com/office/mac/drawingml/2011/main" val="1"/>
+                <ma14:wrappingTextBoxFlag xmlns:ma14="http://schemas.microsoft.com/office/mac/drawingml/2011/main" xmlns="" val="1"/>
               </a:ext>
             </a:extLst>
           </p:spPr>
@@ -20523,7 +18717,7 @@
           <a:effectLst/>
           <a:extLst>
             <a:ext uri="{C572A759-6A51-4108-AA02-DFA0A04FC94B}">
-              <ma14:wrappingTextBoxFlag xmlns="" xmlns:ma14="http://schemas.microsoft.com/office/mac/drawingml/2011/main" val="1"/>
+              <ma14:wrappingTextBoxFlag xmlns:ma14="http://schemas.microsoft.com/office/mac/drawingml/2011/main" xmlns="" val="1"/>
             </a:ext>
           </a:extLst>
         </p:spPr>
@@ -20545,8 +18739,9 @@
             </a:lvl1pPr>
           </a:lstStyle>
           <a:p>
+            <a:pPr algn="ctr"/>
             <a:r>
-              <a:rPr>
+              <a:rPr dirty="0" err="1">
                 <a:solidFill>
                   <a:srgbClr val="272B38"/>
                 </a:solidFill>
@@ -20555,6 +18750,13 @@
               </a:rPr>
               <a:t>典当</a:t>
             </a:r>
+            <a:endParaRPr dirty="0">
+              <a:solidFill>
+                <a:srgbClr val="272B38"/>
+              </a:solidFill>
+              <a:latin typeface="微软雅黑" pitchFamily="34" charset="-122"/>
+              <a:ea typeface="微软雅黑" pitchFamily="34" charset="-122"/>
+            </a:endParaRPr>
           </a:p>
         </p:txBody>
       </p:sp>
@@ -20645,7 +18847,7 @@
             <a:effectLst/>
             <a:extLst>
               <a:ext uri="{C572A759-6A51-4108-AA02-DFA0A04FC94B}">
-                <ma14:wrappingTextBoxFlag xmlns="" xmlns:ma14="http://schemas.microsoft.com/office/mac/drawingml/2011/main" val="1"/>
+                <ma14:wrappingTextBoxFlag xmlns:ma14="http://schemas.microsoft.com/office/mac/drawingml/2011/main" xmlns="" val="1"/>
               </a:ext>
             </a:extLst>
           </p:spPr>
@@ -20700,63 +18902,6 @@
       </p:grpSp>
       <p:sp>
         <p:nvSpPr>
-          <p:cNvPr id="79" name="Shape 205"/>
-          <p:cNvSpPr/>
-          <p:nvPr/>
-        </p:nvSpPr>
-        <p:spPr>
-          <a:xfrm>
-            <a:off x="3281716" y="1325880"/>
-            <a:ext cx="1015661" cy="369332"/>
-          </a:xfrm>
-          <a:prstGeom prst="rect">
-            <a:avLst/>
-          </a:prstGeom>
-          <a:ln w="12700">
-            <a:miter lim="400000"/>
-          </a:ln>
-          <a:extLst>
-            <a:ext uri="{C572A759-6A51-4108-AA02-DFA0A04FC94B}">
-              <ma14:wrappingTextBoxFlag xmlns="" xmlns:ma14="http://schemas.microsoft.com/office/mac/drawingml/2011/main" val="1"/>
-            </a:ext>
-          </a:extLst>
-        </p:spPr>
-        <p:txBody>
-          <a:bodyPr wrap="none" lIns="45719" rIns="45719">
-            <a:spAutoFit/>
-          </a:bodyPr>
-          <a:lstStyle>
-            <a:lvl1pPr>
-              <a:defRPr sz="1800">
-                <a:solidFill>
-                  <a:srgbClr val="000000"/>
-                </a:solidFill>
-              </a:defRPr>
-            </a:lvl1pPr>
-          </a:lstStyle>
-          <a:p>
-            <a:r>
-              <a:rPr dirty="0" err="1">
-                <a:solidFill>
-                  <a:srgbClr val="272B38"/>
-                </a:solidFill>
-                <a:latin typeface="微软雅黑" pitchFamily="34" charset="-122"/>
-                <a:ea typeface="微软雅黑" pitchFamily="34" charset="-122"/>
-              </a:rPr>
-              <a:t>交易渠道</a:t>
-            </a:r>
-            <a:endParaRPr dirty="0">
-              <a:solidFill>
-                <a:srgbClr val="272B38"/>
-              </a:solidFill>
-              <a:latin typeface="微软雅黑" pitchFamily="34" charset="-122"/>
-              <a:ea typeface="微软雅黑" pitchFamily="34" charset="-122"/>
-            </a:endParaRPr>
-          </a:p>
-        </p:txBody>
-      </p:sp>
-      <p:sp>
-        <p:nvSpPr>
           <p:cNvPr id="80" name="Shape 206"/>
           <p:cNvSpPr/>
           <p:nvPr/>
@@ -20786,7 +18931,7 @@
           </a:effectLst>
           <a:extLst>
             <a:ext uri="{C572A759-6A51-4108-AA02-DFA0A04FC94B}">
-              <ma14:wrappingTextBoxFlag xmlns="" xmlns:ma14="http://schemas.microsoft.com/office/mac/drawingml/2011/main" val="1"/>
+              <ma14:wrappingTextBoxFlag xmlns:ma14="http://schemas.microsoft.com/office/mac/drawingml/2011/main" xmlns="" val="1"/>
             </a:ext>
           </a:extLst>
         </p:spPr>
@@ -20845,7 +18990,7 @@
           </a:effectLst>
           <a:extLst>
             <a:ext uri="{C572A759-6A51-4108-AA02-DFA0A04FC94B}">
-              <ma14:wrappingTextBoxFlag xmlns="" xmlns:ma14="http://schemas.microsoft.com/office/mac/drawingml/2011/main" val="1"/>
+              <ma14:wrappingTextBoxFlag xmlns:ma14="http://schemas.microsoft.com/office/mac/drawingml/2011/main" xmlns="" val="1"/>
             </a:ext>
           </a:extLst>
         </p:spPr>
@@ -20904,7 +19049,7 @@
           </a:effectLst>
           <a:extLst>
             <a:ext uri="{C572A759-6A51-4108-AA02-DFA0A04FC94B}">
-              <ma14:wrappingTextBoxFlag xmlns="" xmlns:ma14="http://schemas.microsoft.com/office/mac/drawingml/2011/main" val="1"/>
+              <ma14:wrappingTextBoxFlag xmlns:ma14="http://schemas.microsoft.com/office/mac/drawingml/2011/main" xmlns="" val="1"/>
             </a:ext>
           </a:extLst>
         </p:spPr>
@@ -20963,7 +19108,7 @@
           </a:effectLst>
           <a:extLst>
             <a:ext uri="{C572A759-6A51-4108-AA02-DFA0A04FC94B}">
-              <ma14:wrappingTextBoxFlag xmlns="" xmlns:ma14="http://schemas.microsoft.com/office/mac/drawingml/2011/main" val="1"/>
+              <ma14:wrappingTextBoxFlag xmlns:ma14="http://schemas.microsoft.com/office/mac/drawingml/2011/main" xmlns="" val="1"/>
             </a:ext>
           </a:extLst>
         </p:spPr>
@@ -21032,7 +19177,7 @@
           </a:effectLst>
           <a:extLst>
             <a:ext uri="{C572A759-6A51-4108-AA02-DFA0A04FC94B}">
-              <ma14:wrappingTextBoxFlag xmlns="" xmlns:ma14="http://schemas.microsoft.com/office/mac/drawingml/2011/main" val="1"/>
+              <ma14:wrappingTextBoxFlag xmlns:ma14="http://schemas.microsoft.com/office/mac/drawingml/2011/main" xmlns="" val="1"/>
             </a:ext>
           </a:extLst>
         </p:spPr>
@@ -21051,63 +19196,6 @@
               </a:rPr>
               <a:t>OTC</a:t>
             </a:r>
-          </a:p>
-        </p:txBody>
-      </p:sp>
-      <p:sp>
-        <p:nvSpPr>
-          <p:cNvPr id="86" name="Shape 212"/>
-          <p:cNvSpPr/>
-          <p:nvPr/>
-        </p:nvSpPr>
-        <p:spPr>
-          <a:xfrm>
-            <a:off x="7371067" y="1368028"/>
-            <a:ext cx="1015661" cy="369332"/>
-          </a:xfrm>
-          <a:prstGeom prst="rect">
-            <a:avLst/>
-          </a:prstGeom>
-          <a:ln w="12700">
-            <a:miter lim="400000"/>
-          </a:ln>
-          <a:extLst>
-            <a:ext uri="{C572A759-6A51-4108-AA02-DFA0A04FC94B}">
-              <ma14:wrappingTextBoxFlag xmlns="" xmlns:ma14="http://schemas.microsoft.com/office/mac/drawingml/2011/main" val="1"/>
-            </a:ext>
-          </a:extLst>
-        </p:spPr>
-        <p:txBody>
-          <a:bodyPr wrap="none" lIns="45719" rIns="45719">
-            <a:spAutoFit/>
-          </a:bodyPr>
-          <a:lstStyle>
-            <a:lvl1pPr>
-              <a:defRPr sz="1800">
-                <a:solidFill>
-                  <a:srgbClr val="000000"/>
-                </a:solidFill>
-              </a:defRPr>
-            </a:lvl1pPr>
-          </a:lstStyle>
-          <a:p>
-            <a:r>
-              <a:rPr dirty="0" err="1">
-                <a:solidFill>
-                  <a:srgbClr val="272B38"/>
-                </a:solidFill>
-                <a:latin typeface="微软雅黑" pitchFamily="34" charset="-122"/>
-                <a:ea typeface="微软雅黑" pitchFamily="34" charset="-122"/>
-              </a:rPr>
-              <a:t>政府管理</a:t>
-            </a:r>
-            <a:endParaRPr dirty="0">
-              <a:solidFill>
-                <a:srgbClr val="272B38"/>
-              </a:solidFill>
-              <a:latin typeface="微软雅黑" pitchFamily="34" charset="-122"/>
-              <a:ea typeface="微软雅黑" pitchFamily="34" charset="-122"/>
-            </a:endParaRPr>
           </a:p>
         </p:txBody>
       </p:sp>
@@ -21140,7 +19228,7 @@
           </a:effectLst>
           <a:extLst>
             <a:ext uri="{C572A759-6A51-4108-AA02-DFA0A04FC94B}">
-              <ma14:wrappingTextBoxFlag xmlns="" xmlns:ma14="http://schemas.microsoft.com/office/mac/drawingml/2011/main" val="1"/>
+              <ma14:wrappingTextBoxFlag xmlns:ma14="http://schemas.microsoft.com/office/mac/drawingml/2011/main" xmlns="" val="1"/>
             </a:ext>
           </a:extLst>
         </p:spPr>
@@ -21198,7 +19286,7 @@
           </a:effectLst>
           <a:extLst>
             <a:ext uri="{C572A759-6A51-4108-AA02-DFA0A04FC94B}">
-              <ma14:wrappingTextBoxFlag xmlns="" xmlns:ma14="http://schemas.microsoft.com/office/mac/drawingml/2011/main" val="1"/>
+              <ma14:wrappingTextBoxFlag xmlns:ma14="http://schemas.microsoft.com/office/mac/drawingml/2011/main" xmlns="" val="1"/>
             </a:ext>
           </a:extLst>
         </p:spPr>
@@ -21276,7 +19364,7 @@
           </a:effectLst>
           <a:extLst>
             <a:ext uri="{C572A759-6A51-4108-AA02-DFA0A04FC94B}">
-              <ma14:wrappingTextBoxFlag xmlns="" xmlns:ma14="http://schemas.microsoft.com/office/mac/drawingml/2011/main" val="1"/>
+              <ma14:wrappingTextBoxFlag xmlns:ma14="http://schemas.microsoft.com/office/mac/drawingml/2011/main" xmlns="" val="1"/>
             </a:ext>
           </a:extLst>
         </p:spPr>
@@ -21307,1249 +19395,6 @@
 </file>
 
 <file path=ppt/slides/slide5.xml><?xml version="1.0" encoding="utf-8"?>
-<p:sld xmlns:a="http://schemas.openxmlformats.org/drawingml/2006/main" xmlns:r="http://schemas.openxmlformats.org/officeDocument/2006/relationships" xmlns:p="http://schemas.openxmlformats.org/presentationml/2006/main">
-  <p:cSld>
-    <p:spTree>
-      <p:nvGrpSpPr>
-        <p:cNvPr id="1" name=""/>
-        <p:cNvGrpSpPr/>
-        <p:nvPr/>
-      </p:nvGrpSpPr>
-      <p:grpSpPr>
-        <a:xfrm>
-          <a:off x="0" y="0"/>
-          <a:ext cx="0" cy="0"/>
-          <a:chOff x="0" y="0"/>
-          <a:chExt cx="0" cy="0"/>
-        </a:xfrm>
-      </p:grpSpPr>
-      <p:sp>
-        <p:nvSpPr>
-          <p:cNvPr id="114" name="矩形 113"/>
-          <p:cNvSpPr/>
-          <p:nvPr/>
-        </p:nvSpPr>
-        <p:spPr>
-          <a:xfrm>
-            <a:off x="6056862" y="1463040"/>
-            <a:ext cx="2066094" cy="502920"/>
-          </a:xfrm>
-          <a:prstGeom prst="rect">
-            <a:avLst/>
-          </a:prstGeom>
-          <a:solidFill>
-            <a:srgbClr val="46999B"/>
-          </a:solidFill>
-          <a:ln>
-            <a:noFill/>
-          </a:ln>
-        </p:spPr>
-        <p:style>
-          <a:lnRef idx="2">
-            <a:schemeClr val="accent1">
-              <a:shade val="50000"/>
-            </a:schemeClr>
-          </a:lnRef>
-          <a:fillRef idx="1">
-            <a:schemeClr val="accent1"/>
-          </a:fillRef>
-          <a:effectRef idx="0">
-            <a:schemeClr val="accent1"/>
-          </a:effectRef>
-          <a:fontRef idx="minor">
-            <a:schemeClr val="lt1"/>
-          </a:fontRef>
-        </p:style>
-        <p:txBody>
-          <a:bodyPr rtlCol="0" anchor="ctr"/>
-          <a:lstStyle/>
-          <a:p>
-            <a:pPr algn="ctr"/>
-            <a:endParaRPr lang="zh-CN" altLang="en-US"/>
-          </a:p>
-        </p:txBody>
-      </p:sp>
-      <p:sp>
-        <p:nvSpPr>
-          <p:cNvPr id="113" name="矩形 112"/>
-          <p:cNvSpPr/>
-          <p:nvPr/>
-        </p:nvSpPr>
-        <p:spPr>
-          <a:xfrm>
-            <a:off x="3349046" y="1463040"/>
-            <a:ext cx="2066094" cy="502920"/>
-          </a:xfrm>
-          <a:prstGeom prst="rect">
-            <a:avLst/>
-          </a:prstGeom>
-          <a:solidFill>
-            <a:srgbClr val="46999B"/>
-          </a:solidFill>
-          <a:ln>
-            <a:noFill/>
-          </a:ln>
-        </p:spPr>
-        <p:style>
-          <a:lnRef idx="2">
-            <a:schemeClr val="accent1">
-              <a:shade val="50000"/>
-            </a:schemeClr>
-          </a:lnRef>
-          <a:fillRef idx="1">
-            <a:schemeClr val="accent1"/>
-          </a:fillRef>
-          <a:effectRef idx="0">
-            <a:schemeClr val="accent1"/>
-          </a:effectRef>
-          <a:fontRef idx="minor">
-            <a:schemeClr val="lt1"/>
-          </a:fontRef>
-        </p:style>
-        <p:txBody>
-          <a:bodyPr rtlCol="0" anchor="ctr"/>
-          <a:lstStyle/>
-          <a:p>
-            <a:pPr algn="ctr"/>
-            <a:endParaRPr lang="zh-CN" altLang="en-US"/>
-          </a:p>
-        </p:txBody>
-      </p:sp>
-      <p:sp>
-        <p:nvSpPr>
-          <p:cNvPr id="2" name="矩形 1"/>
-          <p:cNvSpPr/>
-          <p:nvPr/>
-        </p:nvSpPr>
-        <p:spPr>
-          <a:xfrm>
-            <a:off x="641230" y="1463040"/>
-            <a:ext cx="2066094" cy="502920"/>
-          </a:xfrm>
-          <a:prstGeom prst="rect">
-            <a:avLst/>
-          </a:prstGeom>
-          <a:solidFill>
-            <a:srgbClr val="46999B"/>
-          </a:solidFill>
-          <a:ln>
-            <a:noFill/>
-          </a:ln>
-        </p:spPr>
-        <p:style>
-          <a:lnRef idx="2">
-            <a:schemeClr val="accent1">
-              <a:shade val="50000"/>
-            </a:schemeClr>
-          </a:lnRef>
-          <a:fillRef idx="1">
-            <a:schemeClr val="accent1"/>
-          </a:fillRef>
-          <a:effectRef idx="0">
-            <a:schemeClr val="accent1"/>
-          </a:effectRef>
-          <a:fontRef idx="minor">
-            <a:schemeClr val="lt1"/>
-          </a:fontRef>
-        </p:style>
-        <p:txBody>
-          <a:bodyPr rtlCol="0" anchor="ctr"/>
-          <a:lstStyle/>
-          <a:p>
-            <a:pPr algn="ctr"/>
-            <a:endParaRPr lang="zh-CN" altLang="en-US"/>
-          </a:p>
-        </p:txBody>
-      </p:sp>
-      <p:sp>
-        <p:nvSpPr>
-          <p:cNvPr id="4" name="Title 3"/>
-          <p:cNvSpPr>
-            <a:spLocks noGrp="1"/>
-          </p:cNvSpPr>
-          <p:nvPr>
-            <p:ph type="title"/>
-          </p:nvPr>
-        </p:nvSpPr>
-        <p:spPr/>
-        <p:txBody>
-          <a:bodyPr/>
-          <a:lstStyle/>
-          <a:p>
-            <a:r>
-              <a:rPr lang="zh-CN" altLang="en-US" dirty="0" smtClean="0"/>
-              <a:t>金融体系</a:t>
-            </a:r>
-            <a:r>
-              <a:rPr lang="en-US" altLang="zh-CN" dirty="0" smtClean="0"/>
-              <a:t>-</a:t>
-            </a:r>
-            <a:r>
-              <a:rPr lang="zh-CN" altLang="en-US" dirty="0" smtClean="0"/>
-              <a:t>中国</a:t>
-            </a:r>
-            <a:endParaRPr lang="en-US" dirty="0"/>
-          </a:p>
-        </p:txBody>
-      </p:sp>
-      <p:sp>
-        <p:nvSpPr>
-          <p:cNvPr id="8" name="Slide Number Placeholder 1"/>
-          <p:cNvSpPr>
-            <a:spLocks noGrp="1"/>
-          </p:cNvSpPr>
-          <p:nvPr>
-            <p:ph type="sldNum" sz="quarter" idx="12"/>
-          </p:nvPr>
-        </p:nvSpPr>
-        <p:spPr>
-          <a:xfrm>
-            <a:off x="8229600" y="6355080"/>
-            <a:ext cx="687600" cy="335245"/>
-          </a:xfrm>
-          <a:prstGeom prst="rect">
-            <a:avLst/>
-          </a:prstGeom>
-        </p:spPr>
-        <p:txBody>
-          <a:bodyPr/>
-          <a:lstStyle>
-            <a:lvl1pPr algn="ctr">
-              <a:defRPr>
-                <a:solidFill>
-                  <a:schemeClr val="bg2"/>
-                </a:solidFill>
-              </a:defRPr>
-            </a:lvl1pPr>
-          </a:lstStyle>
-          <a:p>
-            <a:fld id="{93AC2C76-E6AA-46CB-A2DE-F6E097F7C440}" type="slidenum">
-              <a:rPr lang="en-GB" smtClean="0"/>
-              <a:pPr/>
-              <a:t>5</a:t>
-            </a:fld>
-            <a:endParaRPr lang="en-GB" dirty="0"/>
-          </a:p>
-        </p:txBody>
-      </p:sp>
-      <p:sp>
-        <p:nvSpPr>
-          <p:cNvPr id="89" name="Shape 222"/>
-          <p:cNvSpPr/>
-          <p:nvPr/>
-        </p:nvSpPr>
-        <p:spPr>
-          <a:xfrm>
-            <a:off x="1082303" y="1557757"/>
-            <a:ext cx="1015661" cy="369330"/>
-          </a:xfrm>
-          <a:prstGeom prst="rect">
-            <a:avLst/>
-          </a:prstGeom>
-          <a:noFill/>
-          <a:ln w="12700" cap="flat">
-            <a:noFill/>
-            <a:miter lim="400000"/>
-          </a:ln>
-          <a:effectLst/>
-          <a:extLst>
-            <a:ext uri="{C572A759-6A51-4108-AA02-DFA0A04FC94B}">
-              <ma14:wrappingTextBoxFlag xmlns="" xmlns:ma14="http://schemas.microsoft.com/office/mac/drawingml/2011/main" val="1"/>
-            </a:ext>
-          </a:extLst>
-        </p:spPr>
-        <p:txBody>
-          <a:bodyPr wrap="none" lIns="45719" tIns="45719" rIns="45719" bIns="45719" numCol="1" anchor="t">
-            <a:spAutoFit/>
-          </a:bodyPr>
-          <a:lstStyle/>
-          <a:p>
-            <a:pPr algn="ctr"/>
-            <a:r>
-              <a:rPr dirty="0" err="1">
-                <a:solidFill>
-                  <a:schemeClr val="bg2"/>
-                </a:solidFill>
-                <a:latin typeface="微软雅黑" pitchFamily="34" charset="-122"/>
-                <a:ea typeface="微软雅黑" pitchFamily="34" charset="-122"/>
-              </a:rPr>
-              <a:t>固定收益</a:t>
-            </a:r>
-            <a:endParaRPr dirty="0">
-              <a:solidFill>
-                <a:schemeClr val="bg2"/>
-              </a:solidFill>
-              <a:latin typeface="微软雅黑" pitchFamily="34" charset="-122"/>
-              <a:ea typeface="微软雅黑" pitchFamily="34" charset="-122"/>
-            </a:endParaRPr>
-          </a:p>
-        </p:txBody>
-      </p:sp>
-      <p:sp>
-        <p:nvSpPr>
-          <p:cNvPr id="93" name="Shape 225"/>
-          <p:cNvSpPr/>
-          <p:nvPr/>
-        </p:nvSpPr>
-        <p:spPr>
-          <a:xfrm>
-            <a:off x="3771113" y="1557757"/>
-            <a:ext cx="1015661" cy="369330"/>
-          </a:xfrm>
-          <a:prstGeom prst="rect">
-            <a:avLst/>
-          </a:prstGeom>
-          <a:noFill/>
-          <a:ln w="12700" cap="flat">
-            <a:noFill/>
-            <a:miter lim="400000"/>
-          </a:ln>
-          <a:effectLst/>
-          <a:extLst>
-            <a:ext uri="{C572A759-6A51-4108-AA02-DFA0A04FC94B}">
-              <ma14:wrappingTextBoxFlag xmlns="" xmlns:ma14="http://schemas.microsoft.com/office/mac/drawingml/2011/main" val="1"/>
-            </a:ext>
-          </a:extLst>
-        </p:spPr>
-        <p:txBody>
-          <a:bodyPr wrap="none" lIns="45719" tIns="45719" rIns="45719" bIns="45719" numCol="1" anchor="t">
-            <a:spAutoFit/>
-          </a:bodyPr>
-          <a:lstStyle/>
-          <a:p>
-            <a:pPr algn="ctr"/>
-            <a:r>
-              <a:rPr dirty="0" err="1">
-                <a:solidFill>
-                  <a:schemeClr val="bg2"/>
-                </a:solidFill>
-                <a:latin typeface="微软雅黑" pitchFamily="34" charset="-122"/>
-                <a:ea typeface="微软雅黑" pitchFamily="34" charset="-122"/>
-              </a:rPr>
-              <a:t>权益投资</a:t>
-            </a:r>
-            <a:endParaRPr dirty="0">
-              <a:solidFill>
-                <a:schemeClr val="bg2"/>
-              </a:solidFill>
-              <a:latin typeface="微软雅黑" pitchFamily="34" charset="-122"/>
-              <a:ea typeface="微软雅黑" pitchFamily="34" charset="-122"/>
-            </a:endParaRPr>
-          </a:p>
-        </p:txBody>
-      </p:sp>
-      <p:sp>
-        <p:nvSpPr>
-          <p:cNvPr id="96" name="Shape 228"/>
-          <p:cNvSpPr/>
-          <p:nvPr/>
-        </p:nvSpPr>
-        <p:spPr>
-          <a:xfrm>
-            <a:off x="6599624" y="1557757"/>
-            <a:ext cx="784828" cy="369330"/>
-          </a:xfrm>
-          <a:prstGeom prst="rect">
-            <a:avLst/>
-          </a:prstGeom>
-          <a:noFill/>
-          <a:ln w="12700" cap="flat">
-            <a:noFill/>
-            <a:miter lim="400000"/>
-          </a:ln>
-          <a:effectLst/>
-          <a:extLst>
-            <a:ext uri="{C572A759-6A51-4108-AA02-DFA0A04FC94B}">
-              <ma14:wrappingTextBoxFlag xmlns="" xmlns:ma14="http://schemas.microsoft.com/office/mac/drawingml/2011/main" val="1"/>
-            </a:ext>
-          </a:extLst>
-        </p:spPr>
-        <p:txBody>
-          <a:bodyPr wrap="none" lIns="45719" tIns="45719" rIns="45719" bIns="45719" numCol="1" anchor="t">
-            <a:spAutoFit/>
-          </a:bodyPr>
-          <a:lstStyle/>
-          <a:p>
-            <a:pPr algn="ctr"/>
-            <a:r>
-              <a:rPr>
-                <a:solidFill>
-                  <a:schemeClr val="bg2"/>
-                </a:solidFill>
-                <a:latin typeface="微软雅黑" pitchFamily="34" charset="-122"/>
-                <a:ea typeface="微软雅黑" pitchFamily="34" charset="-122"/>
-              </a:rPr>
-              <a:t>衍生品</a:t>
-            </a:r>
-          </a:p>
-        </p:txBody>
-      </p:sp>
-      <p:sp>
-        <p:nvSpPr>
-          <p:cNvPr id="97" name="Shape 230"/>
-          <p:cNvSpPr/>
-          <p:nvPr/>
-        </p:nvSpPr>
-        <p:spPr>
-          <a:xfrm>
-            <a:off x="641230" y="2052909"/>
-            <a:ext cx="730038" cy="1035560"/>
-          </a:xfrm>
-          <a:prstGeom prst="roundRect">
-            <a:avLst>
-              <a:gd name="adj" fmla="val 26095"/>
-            </a:avLst>
-          </a:prstGeom>
-          <a:solidFill>
-            <a:srgbClr val="83C372"/>
-          </a:solidFill>
-          <a:ln w="12700">
-            <a:miter lim="400000"/>
-          </a:ln>
-          <a:extLst>
-            <a:ext uri="{C572A759-6A51-4108-AA02-DFA0A04FC94B}">
-              <ma14:wrappingTextBoxFlag xmlns="" xmlns:ma14="http://schemas.microsoft.com/office/mac/drawingml/2011/main" val="1"/>
-            </a:ext>
-          </a:extLst>
-        </p:spPr>
-        <p:txBody>
-          <a:bodyPr lIns="0" tIns="0" rIns="0" bIns="0" anchor="ctr"/>
-          <a:lstStyle>
-            <a:lvl1pPr>
-              <a:defRPr>
-                <a:solidFill>
-                  <a:srgbClr val="000000"/>
-                </a:solidFill>
-              </a:defRPr>
-            </a:lvl1pPr>
-          </a:lstStyle>
-          <a:p>
-            <a:pPr algn="ctr"/>
-            <a:r>
-              <a:rPr dirty="0" err="1">
-                <a:latin typeface="微软雅黑" pitchFamily="34" charset="-122"/>
-                <a:ea typeface="微软雅黑" pitchFamily="34" charset="-122"/>
-              </a:rPr>
-              <a:t>债券</a:t>
-            </a:r>
-            <a:endParaRPr dirty="0">
-              <a:latin typeface="微软雅黑" pitchFamily="34" charset="-122"/>
-              <a:ea typeface="微软雅黑" pitchFamily="34" charset="-122"/>
-            </a:endParaRPr>
-          </a:p>
-        </p:txBody>
-      </p:sp>
-      <p:sp>
-        <p:nvSpPr>
-          <p:cNvPr id="98" name="Shape 231"/>
-          <p:cNvSpPr/>
-          <p:nvPr/>
-        </p:nvSpPr>
-        <p:spPr>
-          <a:xfrm>
-            <a:off x="1531693" y="2100931"/>
-            <a:ext cx="1175631" cy="287772"/>
-          </a:xfrm>
-          <a:prstGeom prst="roundRect">
-            <a:avLst>
-              <a:gd name="adj" fmla="val 50000"/>
-            </a:avLst>
-          </a:prstGeom>
-          <a:solidFill>
-            <a:srgbClr val="83C372"/>
-          </a:solidFill>
-          <a:ln w="12700">
-            <a:miter lim="400000"/>
-          </a:ln>
-          <a:extLst>
-            <a:ext uri="{C572A759-6A51-4108-AA02-DFA0A04FC94B}">
-              <ma14:wrappingTextBoxFlag xmlns="" xmlns:ma14="http://schemas.microsoft.com/office/mac/drawingml/2011/main" val="1"/>
-            </a:ext>
-          </a:extLst>
-        </p:spPr>
-        <p:txBody>
-          <a:bodyPr lIns="0" tIns="0" rIns="0" bIns="0" anchor="ctr"/>
-          <a:lstStyle>
-            <a:lvl1pPr>
-              <a:defRPr sz="1600">
-                <a:solidFill>
-                  <a:srgbClr val="000000"/>
-                </a:solidFill>
-              </a:defRPr>
-            </a:lvl1pPr>
-          </a:lstStyle>
-          <a:p>
-            <a:pPr algn="ctr"/>
-            <a:r>
-              <a:rPr>
-                <a:latin typeface="微软雅黑" pitchFamily="34" charset="-122"/>
-                <a:ea typeface="微软雅黑" pitchFamily="34" charset="-122"/>
-              </a:rPr>
-              <a:t>固息债</a:t>
-            </a:r>
-          </a:p>
-        </p:txBody>
-      </p:sp>
-      <p:sp>
-        <p:nvSpPr>
-          <p:cNvPr id="99" name="Shape 232"/>
-          <p:cNvSpPr/>
-          <p:nvPr/>
-        </p:nvSpPr>
-        <p:spPr>
-          <a:xfrm>
-            <a:off x="1531693" y="2426803"/>
-            <a:ext cx="1175631" cy="287772"/>
-          </a:xfrm>
-          <a:prstGeom prst="roundRect">
-            <a:avLst>
-              <a:gd name="adj" fmla="val 50000"/>
-            </a:avLst>
-          </a:prstGeom>
-          <a:solidFill>
-            <a:srgbClr val="83C372"/>
-          </a:solidFill>
-          <a:ln w="12700">
-            <a:miter lim="400000"/>
-          </a:ln>
-          <a:extLst>
-            <a:ext uri="{C572A759-6A51-4108-AA02-DFA0A04FC94B}">
-              <ma14:wrappingTextBoxFlag xmlns="" xmlns:ma14="http://schemas.microsoft.com/office/mac/drawingml/2011/main" val="1"/>
-            </a:ext>
-          </a:extLst>
-        </p:spPr>
-        <p:txBody>
-          <a:bodyPr lIns="0" tIns="0" rIns="0" bIns="0" anchor="ctr"/>
-          <a:lstStyle>
-            <a:lvl1pPr>
-              <a:defRPr sz="1600">
-                <a:solidFill>
-                  <a:srgbClr val="000000"/>
-                </a:solidFill>
-              </a:defRPr>
-            </a:lvl1pPr>
-          </a:lstStyle>
-          <a:p>
-            <a:pPr algn="ctr"/>
-            <a:r>
-              <a:rPr>
-                <a:latin typeface="微软雅黑" pitchFamily="34" charset="-122"/>
-                <a:ea typeface="微软雅黑" pitchFamily="34" charset="-122"/>
-              </a:rPr>
-              <a:t>浮息债</a:t>
-            </a:r>
-          </a:p>
-        </p:txBody>
-      </p:sp>
-      <p:sp>
-        <p:nvSpPr>
-          <p:cNvPr id="100" name="Shape 233"/>
-          <p:cNvSpPr/>
-          <p:nvPr/>
-        </p:nvSpPr>
-        <p:spPr>
-          <a:xfrm>
-            <a:off x="1531693" y="2752676"/>
-            <a:ext cx="1175631" cy="287772"/>
-          </a:xfrm>
-          <a:prstGeom prst="roundRect">
-            <a:avLst>
-              <a:gd name="adj" fmla="val 50000"/>
-            </a:avLst>
-          </a:prstGeom>
-          <a:solidFill>
-            <a:srgbClr val="83C372"/>
-          </a:solidFill>
-          <a:ln w="12700">
-            <a:miter lim="400000"/>
-          </a:ln>
-          <a:extLst>
-            <a:ext uri="{C572A759-6A51-4108-AA02-DFA0A04FC94B}">
-              <ma14:wrappingTextBoxFlag xmlns="" xmlns:ma14="http://schemas.microsoft.com/office/mac/drawingml/2011/main" val="1"/>
-            </a:ext>
-          </a:extLst>
-        </p:spPr>
-        <p:txBody>
-          <a:bodyPr lIns="0" tIns="0" rIns="0" bIns="0" anchor="ctr"/>
-          <a:lstStyle>
-            <a:lvl1pPr>
-              <a:defRPr sz="1600">
-                <a:solidFill>
-                  <a:srgbClr val="000000"/>
-                </a:solidFill>
-              </a:defRPr>
-            </a:lvl1pPr>
-          </a:lstStyle>
-          <a:p>
-            <a:pPr algn="ctr"/>
-            <a:r>
-              <a:rPr dirty="0" err="1">
-                <a:latin typeface="微软雅黑" pitchFamily="34" charset="-122"/>
-                <a:ea typeface="微软雅黑" pitchFamily="34" charset="-122"/>
-              </a:rPr>
-              <a:t>结构化</a:t>
-            </a:r>
-            <a:endParaRPr dirty="0">
-              <a:latin typeface="微软雅黑" pitchFamily="34" charset="-122"/>
-              <a:ea typeface="微软雅黑" pitchFamily="34" charset="-122"/>
-            </a:endParaRPr>
-          </a:p>
-        </p:txBody>
-      </p:sp>
-      <p:sp>
-        <p:nvSpPr>
-          <p:cNvPr id="101" name="Shape 234"/>
-          <p:cNvSpPr/>
-          <p:nvPr/>
-        </p:nvSpPr>
-        <p:spPr>
-          <a:xfrm>
-            <a:off x="641230" y="3197860"/>
-            <a:ext cx="730038" cy="1035559"/>
-          </a:xfrm>
-          <a:prstGeom prst="roundRect">
-            <a:avLst>
-              <a:gd name="adj" fmla="val 26095"/>
-            </a:avLst>
-          </a:prstGeom>
-          <a:solidFill>
-            <a:srgbClr val="83C372"/>
-          </a:solidFill>
-          <a:ln w="12700">
-            <a:miter lim="400000"/>
-          </a:ln>
-          <a:extLst>
-            <a:ext uri="{C572A759-6A51-4108-AA02-DFA0A04FC94B}">
-              <ma14:wrappingTextBoxFlag xmlns="" xmlns:ma14="http://schemas.microsoft.com/office/mac/drawingml/2011/main" val="1"/>
-            </a:ext>
-          </a:extLst>
-        </p:spPr>
-        <p:txBody>
-          <a:bodyPr lIns="0" tIns="0" rIns="0" bIns="0" anchor="ctr"/>
-          <a:lstStyle>
-            <a:lvl1pPr>
-              <a:defRPr>
-                <a:solidFill>
-                  <a:srgbClr val="000000"/>
-                </a:solidFill>
-              </a:defRPr>
-            </a:lvl1pPr>
-          </a:lstStyle>
-          <a:p>
-            <a:pPr algn="ctr"/>
-            <a:r>
-              <a:rPr>
-                <a:latin typeface="微软雅黑" pitchFamily="34" charset="-122"/>
-                <a:ea typeface="微软雅黑" pitchFamily="34" charset="-122"/>
-              </a:rPr>
-              <a:t>贷款</a:t>
-            </a:r>
-          </a:p>
-        </p:txBody>
-      </p:sp>
-      <p:sp>
-        <p:nvSpPr>
-          <p:cNvPr id="102" name="Shape 235"/>
-          <p:cNvSpPr/>
-          <p:nvPr/>
-        </p:nvSpPr>
-        <p:spPr>
-          <a:xfrm>
-            <a:off x="1531693" y="3228330"/>
-            <a:ext cx="1175631" cy="287772"/>
-          </a:xfrm>
-          <a:prstGeom prst="roundRect">
-            <a:avLst>
-              <a:gd name="adj" fmla="val 50000"/>
-            </a:avLst>
-          </a:prstGeom>
-          <a:solidFill>
-            <a:srgbClr val="83C372"/>
-          </a:solidFill>
-          <a:ln w="12700">
-            <a:miter lim="400000"/>
-          </a:ln>
-          <a:extLst>
-            <a:ext uri="{C572A759-6A51-4108-AA02-DFA0A04FC94B}">
-              <ma14:wrappingTextBoxFlag xmlns="" xmlns:ma14="http://schemas.microsoft.com/office/mac/drawingml/2011/main" val="1"/>
-            </a:ext>
-          </a:extLst>
-        </p:spPr>
-        <p:txBody>
-          <a:bodyPr lIns="0" tIns="0" rIns="0" bIns="0" anchor="ctr"/>
-          <a:lstStyle>
-            <a:lvl1pPr>
-              <a:defRPr sz="1600">
-                <a:solidFill>
-                  <a:srgbClr val="000000"/>
-                </a:solidFill>
-              </a:defRPr>
-            </a:lvl1pPr>
-          </a:lstStyle>
-          <a:p>
-            <a:pPr algn="ctr"/>
-            <a:r>
-              <a:rPr>
-                <a:latin typeface="微软雅黑" pitchFamily="34" charset="-122"/>
-                <a:ea typeface="微软雅黑" pitchFamily="34" charset="-122"/>
-              </a:rPr>
-              <a:t>信用</a:t>
-            </a:r>
-          </a:p>
-        </p:txBody>
-      </p:sp>
-      <p:sp>
-        <p:nvSpPr>
-          <p:cNvPr id="103" name="Shape 236"/>
-          <p:cNvSpPr/>
-          <p:nvPr/>
-        </p:nvSpPr>
-        <p:spPr>
-          <a:xfrm>
-            <a:off x="1531693" y="3571753"/>
-            <a:ext cx="1175631" cy="287772"/>
-          </a:xfrm>
-          <a:prstGeom prst="roundRect">
-            <a:avLst>
-              <a:gd name="adj" fmla="val 50000"/>
-            </a:avLst>
-          </a:prstGeom>
-          <a:solidFill>
-            <a:srgbClr val="83C372"/>
-          </a:solidFill>
-          <a:ln w="12700">
-            <a:miter lim="400000"/>
-          </a:ln>
-          <a:extLst>
-            <a:ext uri="{C572A759-6A51-4108-AA02-DFA0A04FC94B}">
-              <ma14:wrappingTextBoxFlag xmlns="" xmlns:ma14="http://schemas.microsoft.com/office/mac/drawingml/2011/main" val="1"/>
-            </a:ext>
-          </a:extLst>
-        </p:spPr>
-        <p:txBody>
-          <a:bodyPr lIns="0" tIns="0" rIns="0" bIns="0" anchor="ctr"/>
-          <a:lstStyle>
-            <a:lvl1pPr>
-              <a:defRPr sz="1600">
-                <a:solidFill>
-                  <a:srgbClr val="000000"/>
-                </a:solidFill>
-              </a:defRPr>
-            </a:lvl1pPr>
-          </a:lstStyle>
-          <a:p>
-            <a:pPr algn="ctr"/>
-            <a:r>
-              <a:rPr>
-                <a:latin typeface="微软雅黑" pitchFamily="34" charset="-122"/>
-                <a:ea typeface="微软雅黑" pitchFamily="34" charset="-122"/>
-              </a:rPr>
-              <a:t>抵押</a:t>
-            </a:r>
-          </a:p>
-        </p:txBody>
-      </p:sp>
-      <p:sp>
-        <p:nvSpPr>
-          <p:cNvPr id="104" name="Shape 237"/>
-          <p:cNvSpPr/>
-          <p:nvPr/>
-        </p:nvSpPr>
-        <p:spPr>
-          <a:xfrm>
-            <a:off x="1531693" y="3915177"/>
-            <a:ext cx="1175631" cy="287772"/>
-          </a:xfrm>
-          <a:prstGeom prst="roundRect">
-            <a:avLst>
-              <a:gd name="adj" fmla="val 50000"/>
-            </a:avLst>
-          </a:prstGeom>
-          <a:solidFill>
-            <a:srgbClr val="83C372"/>
-          </a:solidFill>
-          <a:ln w="12700">
-            <a:miter lim="400000"/>
-          </a:ln>
-          <a:extLst>
-            <a:ext uri="{C572A759-6A51-4108-AA02-DFA0A04FC94B}">
-              <ma14:wrappingTextBoxFlag xmlns="" xmlns:ma14="http://schemas.microsoft.com/office/mac/drawingml/2011/main" val="1"/>
-            </a:ext>
-          </a:extLst>
-        </p:spPr>
-        <p:txBody>
-          <a:bodyPr lIns="0" tIns="0" rIns="0" bIns="0" anchor="ctr"/>
-          <a:lstStyle>
-            <a:lvl1pPr>
-              <a:defRPr sz="1600">
-                <a:solidFill>
-                  <a:srgbClr val="000000"/>
-                </a:solidFill>
-              </a:defRPr>
-            </a:lvl1pPr>
-          </a:lstStyle>
-          <a:p>
-            <a:pPr algn="ctr"/>
-            <a:r>
-              <a:rPr>
-                <a:latin typeface="微软雅黑" pitchFamily="34" charset="-122"/>
-                <a:ea typeface="微软雅黑" pitchFamily="34" charset="-122"/>
-              </a:rPr>
-              <a:t>质押</a:t>
-            </a:r>
-          </a:p>
-        </p:txBody>
-      </p:sp>
-      <p:sp>
-        <p:nvSpPr>
-          <p:cNvPr id="105" name="Shape 238"/>
-          <p:cNvSpPr/>
-          <p:nvPr/>
-        </p:nvSpPr>
-        <p:spPr>
-          <a:xfrm>
-            <a:off x="641230" y="4342810"/>
-            <a:ext cx="730038" cy="1035559"/>
-          </a:xfrm>
-          <a:prstGeom prst="roundRect">
-            <a:avLst>
-              <a:gd name="adj" fmla="val 26095"/>
-            </a:avLst>
-          </a:prstGeom>
-          <a:solidFill>
-            <a:srgbClr val="83C372"/>
-          </a:solidFill>
-          <a:ln w="12700">
-            <a:miter lim="400000"/>
-          </a:ln>
-          <a:extLst>
-            <a:ext uri="{C572A759-6A51-4108-AA02-DFA0A04FC94B}">
-              <ma14:wrappingTextBoxFlag xmlns="" xmlns:ma14="http://schemas.microsoft.com/office/mac/drawingml/2011/main" val="1"/>
-            </a:ext>
-          </a:extLst>
-        </p:spPr>
-        <p:txBody>
-          <a:bodyPr lIns="0" tIns="0" rIns="0" bIns="0" anchor="ctr"/>
-          <a:lstStyle>
-            <a:lvl1pPr>
-              <a:defRPr>
-                <a:solidFill>
-                  <a:srgbClr val="000000"/>
-                </a:solidFill>
-              </a:defRPr>
-            </a:lvl1pPr>
-          </a:lstStyle>
-          <a:p>
-            <a:pPr algn="ctr"/>
-            <a:r>
-              <a:rPr dirty="0" err="1">
-                <a:latin typeface="微软雅黑" pitchFamily="34" charset="-122"/>
-                <a:ea typeface="微软雅黑" pitchFamily="34" charset="-122"/>
-              </a:rPr>
-              <a:t>证券化</a:t>
-            </a:r>
-            <a:endParaRPr dirty="0">
-              <a:latin typeface="微软雅黑" pitchFamily="34" charset="-122"/>
-              <a:ea typeface="微软雅黑" pitchFamily="34" charset="-122"/>
-            </a:endParaRPr>
-          </a:p>
-        </p:txBody>
-      </p:sp>
-      <p:sp>
-        <p:nvSpPr>
-          <p:cNvPr id="106" name="Shape 239"/>
-          <p:cNvSpPr/>
-          <p:nvPr/>
-        </p:nvSpPr>
-        <p:spPr>
-          <a:xfrm>
-            <a:off x="1531693" y="4390831"/>
-            <a:ext cx="1175631" cy="287772"/>
-          </a:xfrm>
-          <a:prstGeom prst="roundRect">
-            <a:avLst>
-              <a:gd name="adj" fmla="val 50000"/>
-            </a:avLst>
-          </a:prstGeom>
-          <a:solidFill>
-            <a:srgbClr val="83C372"/>
-          </a:solidFill>
-          <a:ln w="12700">
-            <a:miter lim="400000"/>
-          </a:ln>
-          <a:extLst>
-            <a:ext uri="{C572A759-6A51-4108-AA02-DFA0A04FC94B}">
-              <ma14:wrappingTextBoxFlag xmlns="" xmlns:ma14="http://schemas.microsoft.com/office/mac/drawingml/2011/main" val="1"/>
-            </a:ext>
-          </a:extLst>
-        </p:spPr>
-        <p:txBody>
-          <a:bodyPr lIns="0" tIns="0" rIns="0" bIns="0" anchor="ctr"/>
-          <a:lstStyle>
-            <a:lvl1pPr>
-              <a:defRPr sz="1600">
-                <a:solidFill>
-                  <a:srgbClr val="000000"/>
-                </a:solidFill>
-              </a:defRPr>
-            </a:lvl1pPr>
-          </a:lstStyle>
-          <a:p>
-            <a:pPr algn="ctr"/>
-            <a:r>
-              <a:rPr dirty="0">
-                <a:latin typeface="微软雅黑" pitchFamily="34" charset="-122"/>
-                <a:ea typeface="微软雅黑" pitchFamily="34" charset="-122"/>
-              </a:rPr>
-              <a:t>ABS</a:t>
-            </a:r>
-          </a:p>
-        </p:txBody>
-      </p:sp>
-      <p:sp>
-        <p:nvSpPr>
-          <p:cNvPr id="107" name="Shape 240"/>
-          <p:cNvSpPr/>
-          <p:nvPr/>
-        </p:nvSpPr>
-        <p:spPr>
-          <a:xfrm>
-            <a:off x="1531693" y="4716703"/>
-            <a:ext cx="1175631" cy="287772"/>
-          </a:xfrm>
-          <a:prstGeom prst="roundRect">
-            <a:avLst>
-              <a:gd name="adj" fmla="val 50000"/>
-            </a:avLst>
-          </a:prstGeom>
-          <a:solidFill>
-            <a:srgbClr val="83C372"/>
-          </a:solidFill>
-          <a:ln w="12700">
-            <a:miter lim="400000"/>
-          </a:ln>
-          <a:extLst>
-            <a:ext uri="{C572A759-6A51-4108-AA02-DFA0A04FC94B}">
-              <ma14:wrappingTextBoxFlag xmlns="" xmlns:ma14="http://schemas.microsoft.com/office/mac/drawingml/2011/main" val="1"/>
-            </a:ext>
-          </a:extLst>
-        </p:spPr>
-        <p:txBody>
-          <a:bodyPr lIns="0" tIns="0" rIns="0" bIns="0" anchor="ctr"/>
-          <a:lstStyle>
-            <a:lvl1pPr>
-              <a:defRPr sz="1600">
-                <a:solidFill>
-                  <a:srgbClr val="000000"/>
-                </a:solidFill>
-              </a:defRPr>
-            </a:lvl1pPr>
-          </a:lstStyle>
-          <a:p>
-            <a:pPr algn="ctr"/>
-            <a:r>
-              <a:rPr dirty="0">
-                <a:latin typeface="微软雅黑" pitchFamily="34" charset="-122"/>
-                <a:ea typeface="微软雅黑" pitchFamily="34" charset="-122"/>
-              </a:rPr>
-              <a:t>MBS</a:t>
-            </a:r>
-          </a:p>
-        </p:txBody>
-      </p:sp>
-      <p:sp>
-        <p:nvSpPr>
-          <p:cNvPr id="108" name="Shape 241"/>
-          <p:cNvSpPr/>
-          <p:nvPr/>
-        </p:nvSpPr>
-        <p:spPr>
-          <a:xfrm>
-            <a:off x="3474592" y="2052909"/>
-            <a:ext cx="1815003" cy="1035560"/>
-          </a:xfrm>
-          <a:prstGeom prst="roundRect">
-            <a:avLst>
-              <a:gd name="adj" fmla="val 18396"/>
-            </a:avLst>
-          </a:prstGeom>
-          <a:solidFill>
-            <a:srgbClr val="83C372"/>
-          </a:solidFill>
-          <a:ln w="12700">
-            <a:miter lim="400000"/>
-          </a:ln>
-          <a:extLst>
-            <a:ext uri="{C572A759-6A51-4108-AA02-DFA0A04FC94B}">
-              <ma14:wrappingTextBoxFlag xmlns="" xmlns:ma14="http://schemas.microsoft.com/office/mac/drawingml/2011/main" val="1"/>
-            </a:ext>
-          </a:extLst>
-        </p:spPr>
-        <p:txBody>
-          <a:bodyPr lIns="0" tIns="0" rIns="0" bIns="0" anchor="ctr"/>
-          <a:lstStyle>
-            <a:lvl1pPr>
-              <a:defRPr b="0">
-                <a:solidFill>
-                  <a:srgbClr val="000000"/>
-                </a:solidFill>
-                <a:latin typeface="Microsoft YaHei"/>
-                <a:ea typeface="Microsoft YaHei"/>
-                <a:cs typeface="Microsoft YaHei"/>
-                <a:sym typeface="Microsoft YaHei"/>
-              </a:defRPr>
-            </a:lvl1pPr>
-          </a:lstStyle>
-          <a:p>
-            <a:pPr algn="ctr"/>
-            <a:r>
-              <a:rPr>
-                <a:latin typeface="微软雅黑" pitchFamily="34" charset="-122"/>
-                <a:ea typeface="微软雅黑" pitchFamily="34" charset="-122"/>
-              </a:rPr>
-              <a:t>股权</a:t>
-            </a:r>
-          </a:p>
-        </p:txBody>
-      </p:sp>
-      <p:sp>
-        <p:nvSpPr>
-          <p:cNvPr id="109" name="Shape 242"/>
-          <p:cNvSpPr/>
-          <p:nvPr/>
-        </p:nvSpPr>
-        <p:spPr>
-          <a:xfrm>
-            <a:off x="3474592" y="3399694"/>
-            <a:ext cx="1815003" cy="1035560"/>
-          </a:xfrm>
-          <a:prstGeom prst="roundRect">
-            <a:avLst>
-              <a:gd name="adj" fmla="val 18396"/>
-            </a:avLst>
-          </a:prstGeom>
-          <a:solidFill>
-            <a:srgbClr val="83C372"/>
-          </a:solidFill>
-          <a:ln w="12700">
-            <a:miter lim="400000"/>
-          </a:ln>
-          <a:extLst>
-            <a:ext uri="{C572A759-6A51-4108-AA02-DFA0A04FC94B}">
-              <ma14:wrappingTextBoxFlag xmlns="" xmlns:ma14="http://schemas.microsoft.com/office/mac/drawingml/2011/main" val="1"/>
-            </a:ext>
-          </a:extLst>
-        </p:spPr>
-        <p:txBody>
-          <a:bodyPr lIns="0" tIns="0" rIns="0" bIns="0" anchor="ctr"/>
-          <a:lstStyle>
-            <a:lvl1pPr>
-              <a:defRPr b="0">
-                <a:solidFill>
-                  <a:srgbClr val="000000"/>
-                </a:solidFill>
-                <a:latin typeface="Microsoft YaHei"/>
-                <a:ea typeface="Microsoft YaHei"/>
-                <a:cs typeface="Microsoft YaHei"/>
-                <a:sym typeface="Microsoft YaHei"/>
-              </a:defRPr>
-            </a:lvl1pPr>
-          </a:lstStyle>
-          <a:p>
-            <a:pPr algn="ctr"/>
-            <a:r>
-              <a:rPr>
-                <a:latin typeface="微软雅黑" pitchFamily="34" charset="-122"/>
-                <a:ea typeface="微软雅黑" pitchFamily="34" charset="-122"/>
-              </a:rPr>
-              <a:t>股票</a:t>
-            </a:r>
-          </a:p>
-        </p:txBody>
-      </p:sp>
-      <p:sp>
-        <p:nvSpPr>
-          <p:cNvPr id="110" name="Shape 243"/>
-          <p:cNvSpPr/>
-          <p:nvPr/>
-        </p:nvSpPr>
-        <p:spPr>
-          <a:xfrm>
-            <a:off x="6175993" y="2079158"/>
-            <a:ext cx="1815003" cy="1035560"/>
-          </a:xfrm>
-          <a:prstGeom prst="roundRect">
-            <a:avLst>
-              <a:gd name="adj" fmla="val 18396"/>
-            </a:avLst>
-          </a:prstGeom>
-          <a:solidFill>
-            <a:srgbClr val="83C372"/>
-          </a:solidFill>
-          <a:ln w="12700">
-            <a:miter lim="400000"/>
-          </a:ln>
-          <a:extLst>
-            <a:ext uri="{C572A759-6A51-4108-AA02-DFA0A04FC94B}">
-              <ma14:wrappingTextBoxFlag xmlns="" xmlns:ma14="http://schemas.microsoft.com/office/mac/drawingml/2011/main" val="1"/>
-            </a:ext>
-          </a:extLst>
-        </p:spPr>
-        <p:txBody>
-          <a:bodyPr lIns="0" tIns="0" rIns="0" bIns="0" anchor="ctr"/>
-          <a:lstStyle>
-            <a:lvl1pPr>
-              <a:defRPr b="0">
-                <a:solidFill>
-                  <a:srgbClr val="000000"/>
-                </a:solidFill>
-                <a:latin typeface="Microsoft YaHei"/>
-                <a:ea typeface="Microsoft YaHei"/>
-                <a:cs typeface="Microsoft YaHei"/>
-                <a:sym typeface="Microsoft YaHei"/>
-              </a:defRPr>
-            </a:lvl1pPr>
-          </a:lstStyle>
-          <a:p>
-            <a:pPr algn="ctr"/>
-            <a:r>
-              <a:rPr>
-                <a:latin typeface="微软雅黑" pitchFamily="34" charset="-122"/>
-                <a:ea typeface="微软雅黑" pitchFamily="34" charset="-122"/>
-              </a:rPr>
-              <a:t>期权</a:t>
-            </a:r>
-          </a:p>
-        </p:txBody>
-      </p:sp>
-      <p:sp>
-        <p:nvSpPr>
-          <p:cNvPr id="111" name="Shape 244"/>
-          <p:cNvSpPr/>
-          <p:nvPr/>
-        </p:nvSpPr>
-        <p:spPr>
-          <a:xfrm>
-            <a:off x="6175993" y="3271727"/>
-            <a:ext cx="1815003" cy="1035559"/>
-          </a:xfrm>
-          <a:prstGeom prst="roundRect">
-            <a:avLst>
-              <a:gd name="adj" fmla="val 18396"/>
-            </a:avLst>
-          </a:prstGeom>
-          <a:solidFill>
-            <a:srgbClr val="83C372"/>
-          </a:solidFill>
-          <a:ln w="12700">
-            <a:miter lim="400000"/>
-          </a:ln>
-          <a:extLst>
-            <a:ext uri="{C572A759-6A51-4108-AA02-DFA0A04FC94B}">
-              <ma14:wrappingTextBoxFlag xmlns="" xmlns:ma14="http://schemas.microsoft.com/office/mac/drawingml/2011/main" val="1"/>
-            </a:ext>
-          </a:extLst>
-        </p:spPr>
-        <p:txBody>
-          <a:bodyPr lIns="0" tIns="0" rIns="0" bIns="0" anchor="ctr"/>
-          <a:lstStyle>
-            <a:lvl1pPr>
-              <a:defRPr b="0">
-                <a:solidFill>
-                  <a:srgbClr val="000000"/>
-                </a:solidFill>
-                <a:latin typeface="Microsoft YaHei"/>
-                <a:ea typeface="Microsoft YaHei"/>
-                <a:cs typeface="Microsoft YaHei"/>
-                <a:sym typeface="Microsoft YaHei"/>
-              </a:defRPr>
-            </a:lvl1pPr>
-          </a:lstStyle>
-          <a:p>
-            <a:pPr algn="ctr"/>
-            <a:r>
-              <a:rPr>
-                <a:latin typeface="微软雅黑" pitchFamily="34" charset="-122"/>
-                <a:ea typeface="微软雅黑" pitchFamily="34" charset="-122"/>
-              </a:rPr>
-              <a:t>远期</a:t>
-            </a:r>
-          </a:p>
-        </p:txBody>
-      </p:sp>
-      <p:sp>
-        <p:nvSpPr>
-          <p:cNvPr id="112" name="Shape 245"/>
-          <p:cNvSpPr/>
-          <p:nvPr/>
-        </p:nvSpPr>
-        <p:spPr>
-          <a:xfrm>
-            <a:off x="6175993" y="4464295"/>
-            <a:ext cx="1815003" cy="1035560"/>
-          </a:xfrm>
-          <a:prstGeom prst="roundRect">
-            <a:avLst>
-              <a:gd name="adj" fmla="val 18396"/>
-            </a:avLst>
-          </a:prstGeom>
-          <a:solidFill>
-            <a:srgbClr val="83C372"/>
-          </a:solidFill>
-          <a:ln w="12700">
-            <a:miter lim="400000"/>
-          </a:ln>
-          <a:extLst>
-            <a:ext uri="{C572A759-6A51-4108-AA02-DFA0A04FC94B}">
-              <ma14:wrappingTextBoxFlag xmlns="" xmlns:ma14="http://schemas.microsoft.com/office/mac/drawingml/2011/main" val="1"/>
-            </a:ext>
-          </a:extLst>
-        </p:spPr>
-        <p:txBody>
-          <a:bodyPr lIns="0" tIns="0" rIns="0" bIns="0" anchor="ctr"/>
-          <a:lstStyle>
-            <a:lvl1pPr>
-              <a:defRPr b="0">
-                <a:solidFill>
-                  <a:srgbClr val="000000"/>
-                </a:solidFill>
-                <a:latin typeface="Microsoft YaHei"/>
-                <a:ea typeface="Microsoft YaHei"/>
-                <a:cs typeface="Microsoft YaHei"/>
-                <a:sym typeface="Microsoft YaHei"/>
-              </a:defRPr>
-            </a:lvl1pPr>
-          </a:lstStyle>
-          <a:p>
-            <a:pPr algn="ctr"/>
-            <a:r>
-              <a:rPr dirty="0" err="1">
-                <a:latin typeface="微软雅黑" pitchFamily="34" charset="-122"/>
-                <a:ea typeface="微软雅黑" pitchFamily="34" charset="-122"/>
-              </a:rPr>
-              <a:t>掉期</a:t>
-            </a:r>
-            <a:endParaRPr dirty="0">
-              <a:latin typeface="微软雅黑" pitchFamily="34" charset="-122"/>
-              <a:ea typeface="微软雅黑" pitchFamily="34" charset="-122"/>
-            </a:endParaRPr>
-          </a:p>
-        </p:txBody>
-      </p:sp>
-    </p:spTree>
-    <p:extLst>
-      <p:ext uri="{BB962C8B-B14F-4D97-AF65-F5344CB8AC3E}">
-        <p14:creationId xmlns:p14="http://schemas.microsoft.com/office/powerpoint/2010/main" val="3732974844"/>
-      </p:ext>
-    </p:extLst>
-  </p:cSld>
-  <p:clrMapOvr>
-    <a:masterClrMapping/>
-  </p:clrMapOvr>
-</p:sld>
-</file>
-
-<file path=ppt/slides/slide6.xml><?xml version="1.0" encoding="utf-8"?>
 <p:sld xmlns:a="http://schemas.openxmlformats.org/drawingml/2006/main" xmlns:r="http://schemas.openxmlformats.org/officeDocument/2006/relationships" xmlns:p="http://schemas.openxmlformats.org/presentationml/2006/main">
   <p:cSld>
     <p:spTree>
@@ -22699,7 +19544,7 @@
             <a:fld id="{93AC2C76-E6AA-46CB-A2DE-F6E097F7C440}" type="slidenum">
               <a:rPr lang="en-GB" smtClean="0"/>
               <a:pPr/>
-              <a:t>6</a:t>
+              <a:t>5</a:t>
             </a:fld>
             <a:endParaRPr lang="en-GB" dirty="0"/>
           </a:p>
@@ -22718,7 +19563,7 @@
 </p:sld>
 </file>
 
-<file path=ppt/slides/slide7.xml><?xml version="1.0" encoding="utf-8"?>
+<file path=ppt/slides/slide6.xml><?xml version="1.0" encoding="utf-8"?>
 <p:sld xmlns:a="http://schemas.openxmlformats.org/drawingml/2006/main" xmlns:r="http://schemas.openxmlformats.org/officeDocument/2006/relationships" xmlns:p="http://schemas.openxmlformats.org/presentationml/2006/main">
   <p:cSld>
     <p:spTree>
@@ -22737,112 +19582,7 @@
       </p:grpSpPr>
       <p:sp>
         <p:nvSpPr>
-          <p:cNvPr id="4" name="Title 3"/>
-          <p:cNvSpPr>
-            <a:spLocks noGrp="1"/>
-          </p:cNvSpPr>
-          <p:nvPr>
-            <p:ph type="title"/>
-          </p:nvPr>
-        </p:nvSpPr>
-        <p:spPr/>
-        <p:txBody>
-          <a:bodyPr/>
-          <a:lstStyle/>
-          <a:p>
-            <a:r>
-              <a:rPr lang="zh-CN" altLang="en-US" dirty="0" smtClean="0"/>
-              <a:t>金融体系</a:t>
-            </a:r>
-            <a:r>
-              <a:rPr lang="en-US" altLang="zh-CN" dirty="0" smtClean="0"/>
-              <a:t>-</a:t>
-            </a:r>
-            <a:r>
-              <a:rPr lang="zh-CN" altLang="en-US" dirty="0"/>
-              <a:t>美</a:t>
-            </a:r>
-            <a:r>
-              <a:rPr lang="zh-CN" altLang="en-US" dirty="0" smtClean="0"/>
-              <a:t>国</a:t>
-            </a:r>
-            <a:endParaRPr lang="en-US" dirty="0"/>
-          </a:p>
-        </p:txBody>
-      </p:sp>
-      <p:sp>
-        <p:nvSpPr>
-          <p:cNvPr id="8" name="Slide Number Placeholder 1"/>
-          <p:cNvSpPr>
-            <a:spLocks noGrp="1"/>
-          </p:cNvSpPr>
-          <p:nvPr>
-            <p:ph type="sldNum" sz="quarter" idx="12"/>
-          </p:nvPr>
-        </p:nvSpPr>
-        <p:spPr>
-          <a:xfrm>
-            <a:off x="8229600" y="6355080"/>
-            <a:ext cx="687600" cy="335245"/>
-          </a:xfrm>
-          <a:prstGeom prst="rect">
-            <a:avLst/>
-          </a:prstGeom>
-        </p:spPr>
-        <p:txBody>
-          <a:bodyPr/>
-          <a:lstStyle>
-            <a:lvl1pPr algn="ctr">
-              <a:defRPr>
-                <a:solidFill>
-                  <a:schemeClr val="bg2"/>
-                </a:solidFill>
-              </a:defRPr>
-            </a:lvl1pPr>
-          </a:lstStyle>
-          <a:p>
-            <a:fld id="{93AC2C76-E6AA-46CB-A2DE-F6E097F7C440}" type="slidenum">
-              <a:rPr lang="en-GB" smtClean="0"/>
-              <a:pPr/>
-              <a:t>7</a:t>
-            </a:fld>
-            <a:endParaRPr lang="en-GB" dirty="0"/>
-          </a:p>
-        </p:txBody>
-      </p:sp>
-    </p:spTree>
-    <p:extLst>
-      <p:ext uri="{BB962C8B-B14F-4D97-AF65-F5344CB8AC3E}">
-        <p14:creationId xmlns:p14="http://schemas.microsoft.com/office/powerpoint/2010/main" val="2487750474"/>
-      </p:ext>
-    </p:extLst>
-  </p:cSld>
-  <p:clrMapOvr>
-    <a:masterClrMapping/>
-  </p:clrMapOvr>
-</p:sld>
-</file>
-
-<file path=ppt/slides/slide8.xml><?xml version="1.0" encoding="utf-8"?>
-<p:sld xmlns:a="http://schemas.openxmlformats.org/drawingml/2006/main" xmlns:r="http://schemas.openxmlformats.org/officeDocument/2006/relationships" xmlns:p="http://schemas.openxmlformats.org/presentationml/2006/main">
-  <p:cSld>
-    <p:spTree>
-      <p:nvGrpSpPr>
-        <p:cNvPr id="1" name=""/>
-        <p:cNvGrpSpPr/>
-        <p:nvPr/>
-      </p:nvGrpSpPr>
-      <p:grpSpPr>
-        <a:xfrm>
-          <a:off x="0" y="0"/>
-          <a:ext cx="0" cy="0"/>
-          <a:chOff x="0" y="0"/>
-          <a:chExt cx="0" cy="0"/>
-        </a:xfrm>
-      </p:grpSpPr>
-      <p:sp>
-        <p:nvSpPr>
-          <p:cNvPr id="4" name="Title 3"/>
+          <p:cNvPr id="2" name="Title 1"/>
           <p:cNvSpPr>
             <a:spLocks noGrp="1"/>
           </p:cNvSpPr>
@@ -22867,56 +19607,1441 @@
               <a:rPr lang="zh-CN" altLang="en-US" dirty="0" smtClean="0"/>
               <a:t>中东</a:t>
             </a:r>
+            <a:r>
+              <a:rPr lang="en-US" altLang="zh-CN" dirty="0" smtClean="0"/>
+              <a:t>/</a:t>
+            </a:r>
+            <a:r>
+              <a:rPr lang="zh-CN" altLang="en-US" dirty="0" smtClean="0"/>
+              <a:t>阿曼</a:t>
+            </a:r>
             <a:endParaRPr lang="en-US" dirty="0"/>
           </a:p>
         </p:txBody>
       </p:sp>
       <p:sp>
         <p:nvSpPr>
-          <p:cNvPr id="8" name="Slide Number Placeholder 1"/>
+          <p:cNvPr id="3" name="Text Placeholder 2"/>
           <p:cNvSpPr>
             <a:spLocks noGrp="1"/>
           </p:cNvSpPr>
           <p:nvPr>
-            <p:ph type="sldNum" sz="quarter" idx="12"/>
+            <p:ph type="body" sz="quarter" idx="10"/>
           </p:nvPr>
         </p:nvSpPr>
-        <p:spPr>
-          <a:xfrm>
-            <a:off x="8229600" y="6355080"/>
-            <a:ext cx="687600" cy="335245"/>
-          </a:xfrm>
-          <a:prstGeom prst="rect">
-            <a:avLst/>
-          </a:prstGeom>
-        </p:spPr>
+        <p:spPr/>
         <p:txBody>
           <a:bodyPr/>
-          <a:lstStyle>
-            <a:lvl1pPr algn="ctr">
-              <a:defRPr>
-                <a:solidFill>
-                  <a:schemeClr val="bg2"/>
-                </a:solidFill>
-              </a:defRPr>
-            </a:lvl1pPr>
-          </a:lstStyle>
+          <a:lstStyle/>
           <a:p>
-            <a:fld id="{93AC2C76-E6AA-46CB-A2DE-F6E097F7C440}" type="slidenum">
-              <a:rPr lang="en-GB" smtClean="0"/>
-              <a:pPr/>
-              <a:t>8</a:t>
-            </a:fld>
-            <a:endParaRPr lang="en-GB" dirty="0"/>
+            <a:r>
+              <a:rPr lang="zh-CN" altLang="en-US" dirty="0" smtClean="0"/>
+              <a:t>央行外汇管理较弱，挂钩美元。银行是金融主要力量。</a:t>
+            </a:r>
+            <a:endParaRPr lang="en-US" dirty="0"/>
           </a:p>
         </p:txBody>
       </p:sp>
+      <p:graphicFrame>
+        <p:nvGraphicFramePr>
+          <p:cNvPr id="7" name="Content Placeholder 3"/>
+          <p:cNvGraphicFramePr/>
+          <p:nvPr>
+            <p:extLst>
+              <p:ext uri="{D42A27DB-BD31-4B8C-83A1-F6EECF244321}">
+                <p14:modId xmlns:p14="http://schemas.microsoft.com/office/powerpoint/2010/main" val="309597744"/>
+              </p:ext>
+            </p:extLst>
+          </p:nvPr>
+        </p:nvGraphicFramePr>
+        <p:xfrm>
+          <a:off x="479425" y="1828799"/>
+          <a:ext cx="8207376" cy="4119074"/>
+        </p:xfrm>
+        <a:graphic>
+          <a:graphicData uri="http://schemas.openxmlformats.org/drawingml/2006/table">
+            <a:tbl>
+              <a:tblPr firstRow="1" bandRow="1">
+                <a:tableStyleId>{7DF18680-E054-41AD-8BC1-D1AEF772440D}</a:tableStyleId>
+              </a:tblPr>
+              <a:tblGrid>
+                <a:gridCol w="2051844"/>
+                <a:gridCol w="2051844"/>
+                <a:gridCol w="2051844"/>
+                <a:gridCol w="2051844"/>
+              </a:tblGrid>
+              <a:tr h="773513">
+                <a:tc>
+                  <a:txBody>
+                    <a:bodyPr/>
+                    <a:lstStyle/>
+                    <a:p>
+                      <a:pPr algn="ctr"/>
+                      <a:r>
+                        <a:rPr lang="zh-CN" altLang="en-US" sz="1600" dirty="0" smtClean="0">
+                          <a:latin typeface="微软雅黑" pitchFamily="34" charset="-122"/>
+                          <a:ea typeface="微软雅黑" pitchFamily="34" charset="-122"/>
+                        </a:rPr>
+                        <a:t>外汇管理</a:t>
+                      </a:r>
+                      <a:endParaRPr lang="en-US" sz="1600" dirty="0">
+                        <a:latin typeface="微软雅黑" pitchFamily="34" charset="-122"/>
+                        <a:ea typeface="微软雅黑" pitchFamily="34" charset="-122"/>
+                      </a:endParaRPr>
+                    </a:p>
+                  </a:txBody>
+                  <a:tcPr marL="137160" marR="137160" anchor="ctr">
+                    <a:lnL w="12700" cap="flat" cmpd="sng" algn="ctr">
+                      <a:solidFill>
+                        <a:schemeClr val="accent5">
+                          <a:lumMod val="40000"/>
+                          <a:lumOff val="60000"/>
+                        </a:schemeClr>
+                      </a:solidFill>
+                      <a:prstDash val="solid"/>
+                      <a:round/>
+                      <a:headEnd type="none" w="med" len="med"/>
+                      <a:tailEnd type="none" w="med" len="med"/>
+                    </a:lnL>
+                    <a:lnR w="12700" cap="flat" cmpd="sng" algn="ctr">
+                      <a:solidFill>
+                        <a:schemeClr val="accent5">
+                          <a:lumMod val="40000"/>
+                          <a:lumOff val="60000"/>
+                        </a:schemeClr>
+                      </a:solidFill>
+                      <a:prstDash val="solid"/>
+                      <a:round/>
+                      <a:headEnd type="none" w="med" len="med"/>
+                      <a:tailEnd type="none" w="med" len="med"/>
+                    </a:lnR>
+                    <a:lnT w="12700" cap="flat" cmpd="sng" algn="ctr">
+                      <a:solidFill>
+                        <a:schemeClr val="accent5">
+                          <a:lumMod val="40000"/>
+                          <a:lumOff val="60000"/>
+                        </a:schemeClr>
+                      </a:solidFill>
+                      <a:prstDash val="solid"/>
+                      <a:round/>
+                      <a:headEnd type="none" w="med" len="med"/>
+                      <a:tailEnd type="none" w="med" len="med"/>
+                    </a:lnT>
+                    <a:lnB w="12700" cap="flat" cmpd="sng" algn="ctr">
+                      <a:solidFill>
+                        <a:schemeClr val="accent5">
+                          <a:lumMod val="40000"/>
+                          <a:lumOff val="60000"/>
+                        </a:schemeClr>
+                      </a:solidFill>
+                      <a:prstDash val="solid"/>
+                      <a:round/>
+                      <a:headEnd type="none" w="med" len="med"/>
+                      <a:tailEnd type="none" w="med" len="med"/>
+                    </a:lnB>
+                    <a:solidFill>
+                      <a:srgbClr val="83C372"/>
+                    </a:solidFill>
+                  </a:tcPr>
+                </a:tc>
+                <a:tc>
+                  <a:txBody>
+                    <a:bodyPr/>
+                    <a:lstStyle/>
+                    <a:p>
+                      <a:pPr marL="0" marR="0" indent="0" algn="ctr" defTabSz="914400" rtl="0" eaLnBrk="1" fontAlgn="auto" latinLnBrk="0" hangingPunct="1">
+                        <a:lnSpc>
+                          <a:spcPct val="100000"/>
+                        </a:lnSpc>
+                        <a:spcBef>
+                          <a:spcPts val="0"/>
+                        </a:spcBef>
+                        <a:spcAft>
+                          <a:spcPts val="0"/>
+                        </a:spcAft>
+                        <a:buClrTx/>
+                        <a:buSzTx/>
+                        <a:buFontTx/>
+                        <a:buNone/>
+                        <a:defRPr/>
+                      </a:pPr>
+                      <a:r>
+                        <a:rPr lang="zh-CN" altLang="en-US" sz="1600" dirty="0" smtClean="0">
+                          <a:latin typeface="微软雅黑" pitchFamily="34" charset="-122"/>
+                          <a:ea typeface="微软雅黑" pitchFamily="34" charset="-122"/>
+                        </a:rPr>
+                        <a:t>银行和保险</a:t>
+                      </a:r>
+                      <a:endParaRPr lang="en-US" sz="1600" dirty="0">
+                        <a:latin typeface="微软雅黑" pitchFamily="34" charset="-122"/>
+                        <a:ea typeface="微软雅黑" pitchFamily="34" charset="-122"/>
+                      </a:endParaRPr>
+                    </a:p>
+                  </a:txBody>
+                  <a:tcPr marL="137160" marR="137160" anchor="ctr">
+                    <a:lnL w="12700" cap="flat" cmpd="sng" algn="ctr">
+                      <a:solidFill>
+                        <a:schemeClr val="accent5">
+                          <a:lumMod val="40000"/>
+                          <a:lumOff val="60000"/>
+                        </a:schemeClr>
+                      </a:solidFill>
+                      <a:prstDash val="solid"/>
+                      <a:round/>
+                      <a:headEnd type="none" w="med" len="med"/>
+                      <a:tailEnd type="none" w="med" len="med"/>
+                    </a:lnL>
+                    <a:lnR w="12700" cap="flat" cmpd="sng" algn="ctr">
+                      <a:solidFill>
+                        <a:schemeClr val="accent5">
+                          <a:lumMod val="40000"/>
+                          <a:lumOff val="60000"/>
+                        </a:schemeClr>
+                      </a:solidFill>
+                      <a:prstDash val="solid"/>
+                      <a:round/>
+                      <a:headEnd type="none" w="med" len="med"/>
+                      <a:tailEnd type="none" w="med" len="med"/>
+                    </a:lnR>
+                    <a:lnT w="12700" cap="flat" cmpd="sng" algn="ctr">
+                      <a:solidFill>
+                        <a:schemeClr val="accent5">
+                          <a:lumMod val="40000"/>
+                          <a:lumOff val="60000"/>
+                        </a:schemeClr>
+                      </a:solidFill>
+                      <a:prstDash val="solid"/>
+                      <a:round/>
+                      <a:headEnd type="none" w="med" len="med"/>
+                      <a:tailEnd type="none" w="med" len="med"/>
+                    </a:lnT>
+                    <a:lnB w="12700" cap="flat" cmpd="sng" algn="ctr">
+                      <a:solidFill>
+                        <a:schemeClr val="accent5">
+                          <a:lumMod val="40000"/>
+                          <a:lumOff val="60000"/>
+                        </a:schemeClr>
+                      </a:solidFill>
+                      <a:prstDash val="solid"/>
+                      <a:round/>
+                      <a:headEnd type="none" w="med" len="med"/>
+                      <a:tailEnd type="none" w="med" len="med"/>
+                    </a:lnB>
+                    <a:solidFill>
+                      <a:srgbClr val="46999B"/>
+                    </a:solidFill>
+                  </a:tcPr>
+                </a:tc>
+                <a:tc>
+                  <a:txBody>
+                    <a:bodyPr/>
+                    <a:lstStyle/>
+                    <a:p>
+                      <a:pPr marL="0" marR="0" indent="0" algn="ctr" defTabSz="914400" rtl="0" eaLnBrk="1" fontAlgn="auto" latinLnBrk="0" hangingPunct="1">
+                        <a:lnSpc>
+                          <a:spcPct val="100000"/>
+                        </a:lnSpc>
+                        <a:spcBef>
+                          <a:spcPts val="0"/>
+                        </a:spcBef>
+                        <a:spcAft>
+                          <a:spcPts val="0"/>
+                        </a:spcAft>
+                        <a:buClrTx/>
+                        <a:buSzTx/>
+                        <a:buFontTx/>
+                        <a:buNone/>
+                        <a:defRPr/>
+                      </a:pPr>
+                      <a:r>
+                        <a:rPr lang="zh-CN" altLang="en-US" sz="1600" dirty="0" smtClean="0">
+                          <a:latin typeface="微软雅黑" pitchFamily="34" charset="-122"/>
+                          <a:ea typeface="微软雅黑" pitchFamily="34" charset="-122"/>
+                        </a:rPr>
+                        <a:t>融资服务</a:t>
+                      </a:r>
+                      <a:endParaRPr lang="en-US" sz="1600" dirty="0">
+                        <a:latin typeface="微软雅黑" pitchFamily="34" charset="-122"/>
+                        <a:ea typeface="微软雅黑" pitchFamily="34" charset="-122"/>
+                      </a:endParaRPr>
+                    </a:p>
+                  </a:txBody>
+                  <a:tcPr marL="137160" marR="137160" anchor="ctr">
+                    <a:lnL w="12700" cap="flat" cmpd="sng" algn="ctr">
+                      <a:solidFill>
+                        <a:schemeClr val="accent5">
+                          <a:lumMod val="40000"/>
+                          <a:lumOff val="60000"/>
+                        </a:schemeClr>
+                      </a:solidFill>
+                      <a:prstDash val="solid"/>
+                      <a:round/>
+                      <a:headEnd type="none" w="med" len="med"/>
+                      <a:tailEnd type="none" w="med" len="med"/>
+                    </a:lnL>
+                    <a:lnR w="12700" cap="flat" cmpd="sng" algn="ctr">
+                      <a:solidFill>
+                        <a:schemeClr val="accent5">
+                          <a:lumMod val="40000"/>
+                          <a:lumOff val="60000"/>
+                        </a:schemeClr>
+                      </a:solidFill>
+                      <a:prstDash val="solid"/>
+                      <a:round/>
+                      <a:headEnd type="none" w="med" len="med"/>
+                      <a:tailEnd type="none" w="med" len="med"/>
+                    </a:lnR>
+                    <a:lnT w="12700" cap="flat" cmpd="sng" algn="ctr">
+                      <a:solidFill>
+                        <a:schemeClr val="accent5">
+                          <a:lumMod val="40000"/>
+                          <a:lumOff val="60000"/>
+                        </a:schemeClr>
+                      </a:solidFill>
+                      <a:prstDash val="solid"/>
+                      <a:round/>
+                      <a:headEnd type="none" w="med" len="med"/>
+                      <a:tailEnd type="none" w="med" len="med"/>
+                    </a:lnT>
+                    <a:lnB w="12700" cap="flat" cmpd="sng" algn="ctr">
+                      <a:solidFill>
+                        <a:schemeClr val="accent5">
+                          <a:lumMod val="40000"/>
+                          <a:lumOff val="60000"/>
+                        </a:schemeClr>
+                      </a:solidFill>
+                      <a:prstDash val="solid"/>
+                      <a:round/>
+                      <a:headEnd type="none" w="med" len="med"/>
+                      <a:tailEnd type="none" w="med" len="med"/>
+                    </a:lnB>
+                    <a:solidFill>
+                      <a:srgbClr val="4697E2"/>
+                    </a:solidFill>
+                  </a:tcPr>
+                </a:tc>
+                <a:tc>
+                  <a:txBody>
+                    <a:bodyPr/>
+                    <a:lstStyle/>
+                    <a:p>
+                      <a:pPr marL="0" marR="0" indent="0" algn="ctr" defTabSz="914400" rtl="0" eaLnBrk="1" fontAlgn="auto" latinLnBrk="0" hangingPunct="1">
+                        <a:lnSpc>
+                          <a:spcPct val="100000"/>
+                        </a:lnSpc>
+                        <a:spcBef>
+                          <a:spcPts val="0"/>
+                        </a:spcBef>
+                        <a:spcAft>
+                          <a:spcPts val="0"/>
+                        </a:spcAft>
+                        <a:buClrTx/>
+                        <a:buSzTx/>
+                        <a:buFontTx/>
+                        <a:buNone/>
+                        <a:defRPr/>
+                      </a:pPr>
+                      <a:r>
+                        <a:rPr lang="zh-CN" altLang="en-US" sz="1600" dirty="0" smtClean="0">
+                          <a:latin typeface="微软雅黑" pitchFamily="34" charset="-122"/>
+                          <a:ea typeface="微软雅黑" pitchFamily="34" charset="-122"/>
+                        </a:rPr>
+                        <a:t>证券市场</a:t>
+                      </a:r>
+                      <a:endParaRPr lang="en-US" sz="1600" dirty="0">
+                        <a:latin typeface="微软雅黑" pitchFamily="34" charset="-122"/>
+                        <a:ea typeface="微软雅黑" pitchFamily="34" charset="-122"/>
+                      </a:endParaRPr>
+                    </a:p>
+                  </a:txBody>
+                  <a:tcPr marL="137160" marR="137160" anchor="ctr">
+                    <a:lnL w="12700" cap="flat" cmpd="sng" algn="ctr">
+                      <a:solidFill>
+                        <a:schemeClr val="accent5">
+                          <a:lumMod val="40000"/>
+                          <a:lumOff val="60000"/>
+                        </a:schemeClr>
+                      </a:solidFill>
+                      <a:prstDash val="solid"/>
+                      <a:round/>
+                      <a:headEnd type="none" w="med" len="med"/>
+                      <a:tailEnd type="none" w="med" len="med"/>
+                    </a:lnL>
+                    <a:lnR w="12700" cap="flat" cmpd="sng" algn="ctr">
+                      <a:solidFill>
+                        <a:schemeClr val="accent5">
+                          <a:lumMod val="40000"/>
+                          <a:lumOff val="60000"/>
+                        </a:schemeClr>
+                      </a:solidFill>
+                      <a:prstDash val="solid"/>
+                      <a:round/>
+                      <a:headEnd type="none" w="med" len="med"/>
+                      <a:tailEnd type="none" w="med" len="med"/>
+                    </a:lnR>
+                    <a:lnT w="12700" cap="flat" cmpd="sng" algn="ctr">
+                      <a:solidFill>
+                        <a:schemeClr val="accent5">
+                          <a:lumMod val="40000"/>
+                          <a:lumOff val="60000"/>
+                        </a:schemeClr>
+                      </a:solidFill>
+                      <a:prstDash val="solid"/>
+                      <a:round/>
+                      <a:headEnd type="none" w="med" len="med"/>
+                      <a:tailEnd type="none" w="med" len="med"/>
+                    </a:lnT>
+                    <a:lnB w="12700" cap="flat" cmpd="sng" algn="ctr">
+                      <a:solidFill>
+                        <a:schemeClr val="accent5">
+                          <a:lumMod val="40000"/>
+                          <a:lumOff val="60000"/>
+                        </a:schemeClr>
+                      </a:solidFill>
+                      <a:prstDash val="solid"/>
+                      <a:round/>
+                      <a:headEnd type="none" w="med" len="med"/>
+                      <a:tailEnd type="none" w="med" len="med"/>
+                    </a:lnB>
+                    <a:solidFill>
+                      <a:srgbClr val="AD53C1"/>
+                    </a:solidFill>
+                  </a:tcPr>
+                </a:tc>
+              </a:tr>
+              <a:tr h="3066968">
+                <a:tc>
+                  <a:txBody>
+                    <a:bodyPr/>
+                    <a:lstStyle/>
+                    <a:p>
+                      <a:pPr marL="176530" lvl="0" indent="-174625" algn="l" defTabSz="914400" rtl="0" eaLnBrk="1" latinLnBrk="0" hangingPunct="1">
+                        <a:lnSpc>
+                          <a:spcPct val="150000"/>
+                        </a:lnSpc>
+                        <a:spcBef>
+                          <a:spcPts val="600"/>
+                        </a:spcBef>
+                        <a:buClr>
+                          <a:srgbClr val="83C372"/>
+                        </a:buClr>
+                        <a:buFont typeface="Arial" panose="020B0604020202020204" pitchFamily="34" charset="0"/>
+                        <a:buChar char="»"/>
+                      </a:pPr>
+                      <a:r>
+                        <a:rPr lang="zh-CN" altLang="en-US" sz="1400" kern="1200" dirty="0" smtClean="0">
+                          <a:solidFill>
+                            <a:schemeClr val="bg2"/>
+                          </a:solidFill>
+                          <a:latin typeface="微软雅黑" pitchFamily="34" charset="-122"/>
+                          <a:ea typeface="微软雅黑" pitchFamily="34" charset="-122"/>
+                          <a:cs typeface="+mn-cs"/>
+                        </a:rPr>
+                        <a:t>央行成立于</a:t>
+                      </a:r>
+                      <a:r>
+                        <a:rPr lang="en-US" altLang="zh-CN" sz="1400" kern="1200" dirty="0" smtClean="0">
+                          <a:solidFill>
+                            <a:schemeClr val="bg2"/>
+                          </a:solidFill>
+                          <a:latin typeface="微软雅黑" pitchFamily="34" charset="-122"/>
+                          <a:ea typeface="微软雅黑" pitchFamily="34" charset="-122"/>
+                          <a:cs typeface="+mn-cs"/>
+                        </a:rPr>
+                        <a:t>1974</a:t>
+                      </a:r>
+                    </a:p>
+                    <a:p>
+                      <a:pPr marL="176530" lvl="0" indent="-174625" algn="l" defTabSz="914400" rtl="0" eaLnBrk="1" latinLnBrk="0" hangingPunct="1">
+                        <a:lnSpc>
+                          <a:spcPct val="150000"/>
+                        </a:lnSpc>
+                        <a:spcBef>
+                          <a:spcPts val="600"/>
+                        </a:spcBef>
+                        <a:buClr>
+                          <a:srgbClr val="83C372"/>
+                        </a:buClr>
+                        <a:buFont typeface="Arial" panose="020B0604020202020204" pitchFamily="34" charset="0"/>
+                        <a:buChar char="»"/>
+                      </a:pPr>
+                      <a:r>
+                        <a:rPr lang="zh-CN" altLang="en-US" sz="1400" kern="1200" dirty="0" smtClean="0">
+                          <a:solidFill>
+                            <a:schemeClr val="bg2"/>
+                          </a:solidFill>
+                          <a:latin typeface="微软雅黑" pitchFamily="34" charset="-122"/>
+                          <a:ea typeface="微软雅黑" pitchFamily="34" charset="-122"/>
+                          <a:cs typeface="+mn-cs"/>
+                        </a:rPr>
+                        <a:t>美元存款占总存款 </a:t>
+                      </a:r>
+                      <a:r>
+                        <a:rPr lang="en-US" altLang="zh-CN" sz="1400" kern="1200" dirty="0" smtClean="0">
+                          <a:solidFill>
+                            <a:schemeClr val="bg2"/>
+                          </a:solidFill>
+                          <a:latin typeface="微软雅黑" pitchFamily="34" charset="-122"/>
+                          <a:ea typeface="微软雅黑" pitchFamily="34" charset="-122"/>
+                          <a:cs typeface="+mn-cs"/>
+                        </a:rPr>
+                        <a:t>90%</a:t>
+                      </a:r>
+                    </a:p>
+                    <a:p>
+                      <a:pPr marL="176530" lvl="0" indent="-174625" algn="l" defTabSz="914400" rtl="0" eaLnBrk="1" latinLnBrk="0" hangingPunct="1">
+                        <a:lnSpc>
+                          <a:spcPct val="150000"/>
+                        </a:lnSpc>
+                        <a:spcBef>
+                          <a:spcPts val="600"/>
+                        </a:spcBef>
+                        <a:buClr>
+                          <a:srgbClr val="83C372"/>
+                        </a:buClr>
+                        <a:buFont typeface="Arial" panose="020B0604020202020204" pitchFamily="34" charset="0"/>
+                        <a:buChar char="»"/>
+                      </a:pPr>
+                      <a:r>
+                        <a:rPr lang="zh-CN" altLang="en-US" sz="1400" kern="1200" dirty="0" smtClean="0">
+                          <a:solidFill>
+                            <a:schemeClr val="bg2"/>
+                          </a:solidFill>
+                          <a:latin typeface="微软雅黑" pitchFamily="34" charset="-122"/>
+                          <a:ea typeface="微软雅黑" pitchFamily="34" charset="-122"/>
+                          <a:cs typeface="+mn-cs"/>
+                        </a:rPr>
+                        <a:t>美元贷款占总贷款</a:t>
+                      </a:r>
+                      <a:r>
+                        <a:rPr lang="en-US" altLang="zh-CN" sz="1400" kern="1200" dirty="0" smtClean="0">
+                          <a:solidFill>
+                            <a:schemeClr val="bg2"/>
+                          </a:solidFill>
+                          <a:latin typeface="微软雅黑" pitchFamily="34" charset="-122"/>
+                          <a:ea typeface="微软雅黑" pitchFamily="34" charset="-122"/>
+                          <a:cs typeface="+mn-cs"/>
+                        </a:rPr>
+                        <a:t>97%</a:t>
+                      </a:r>
+                      <a:endParaRPr lang="en-US" sz="1400" kern="1200" dirty="0">
+                        <a:solidFill>
+                          <a:schemeClr val="bg2"/>
+                        </a:solidFill>
+                        <a:latin typeface="微软雅黑" pitchFamily="34" charset="-122"/>
+                        <a:ea typeface="微软雅黑" pitchFamily="34" charset="-122"/>
+                        <a:cs typeface="+mn-cs"/>
+                      </a:endParaRPr>
+                    </a:p>
+                  </a:txBody>
+                  <a:tcPr marL="137160" marR="137160" marT="137160" marB="137160">
+                    <a:lnL w="12700" cap="flat" cmpd="sng" algn="ctr">
+                      <a:solidFill>
+                        <a:schemeClr val="accent5">
+                          <a:lumMod val="40000"/>
+                          <a:lumOff val="60000"/>
+                        </a:schemeClr>
+                      </a:solidFill>
+                      <a:prstDash val="solid"/>
+                      <a:round/>
+                      <a:headEnd type="none" w="med" len="med"/>
+                      <a:tailEnd type="none" w="med" len="med"/>
+                    </a:lnL>
+                    <a:lnR w="12700" cap="flat" cmpd="sng" algn="ctr">
+                      <a:solidFill>
+                        <a:schemeClr val="accent5">
+                          <a:lumMod val="40000"/>
+                          <a:lumOff val="60000"/>
+                        </a:schemeClr>
+                      </a:solidFill>
+                      <a:prstDash val="solid"/>
+                      <a:round/>
+                      <a:headEnd type="none" w="med" len="med"/>
+                      <a:tailEnd type="none" w="med" len="med"/>
+                    </a:lnR>
+                    <a:lnT w="12700" cap="flat" cmpd="sng" algn="ctr">
+                      <a:solidFill>
+                        <a:schemeClr val="accent5">
+                          <a:lumMod val="40000"/>
+                          <a:lumOff val="60000"/>
+                        </a:schemeClr>
+                      </a:solidFill>
+                      <a:prstDash val="solid"/>
+                      <a:round/>
+                      <a:headEnd type="none" w="med" len="med"/>
+                      <a:tailEnd type="none" w="med" len="med"/>
+                    </a:lnT>
+                    <a:lnB w="12700" cap="flat" cmpd="sng" algn="ctr">
+                      <a:solidFill>
+                        <a:schemeClr val="accent5">
+                          <a:lumMod val="40000"/>
+                          <a:lumOff val="60000"/>
+                        </a:schemeClr>
+                      </a:solidFill>
+                      <a:prstDash val="solid"/>
+                      <a:round/>
+                      <a:headEnd type="none" w="med" len="med"/>
+                      <a:tailEnd type="none" w="med" len="med"/>
+                    </a:lnB>
+                    <a:solidFill>
+                      <a:schemeClr val="bg1"/>
+                    </a:solidFill>
+                  </a:tcPr>
+                </a:tc>
+                <a:tc>
+                  <a:txBody>
+                    <a:bodyPr/>
+                    <a:lstStyle/>
+                    <a:p>
+                      <a:pPr marL="176530" marR="0" lvl="0" indent="-174625" algn="l" defTabSz="914400" rtl="0" eaLnBrk="1" fontAlgn="auto" latinLnBrk="0" hangingPunct="1">
+                        <a:lnSpc>
+                          <a:spcPct val="150000"/>
+                        </a:lnSpc>
+                        <a:spcBef>
+                          <a:spcPts val="600"/>
+                        </a:spcBef>
+                        <a:spcAft>
+                          <a:spcPts val="0"/>
+                        </a:spcAft>
+                        <a:buClr>
+                          <a:srgbClr val="83C372"/>
+                        </a:buClr>
+                        <a:buSzTx/>
+                        <a:buFont typeface="Arial" panose="020B0604020202020204" pitchFamily="34" charset="0"/>
+                        <a:buChar char="»"/>
+                        <a:defRPr/>
+                      </a:pPr>
+                      <a:r>
+                        <a:rPr lang="zh-CN" altLang="en-US" sz="1400" kern="1200" dirty="0" smtClean="0">
+                          <a:solidFill>
+                            <a:schemeClr val="bg2"/>
+                          </a:solidFill>
+                          <a:latin typeface="微软雅黑" pitchFamily="34" charset="-122"/>
+                          <a:ea typeface="微软雅黑" pitchFamily="34" charset="-122"/>
+                          <a:cs typeface="+mn-cs"/>
+                        </a:rPr>
+                        <a:t>银行资产负债占金融总资产负债</a:t>
+                      </a:r>
+                      <a:r>
+                        <a:rPr lang="en-US" altLang="zh-CN" sz="1400" kern="1200" dirty="0" smtClean="0">
+                          <a:solidFill>
+                            <a:schemeClr val="bg2"/>
+                          </a:solidFill>
+                          <a:latin typeface="微软雅黑" pitchFamily="34" charset="-122"/>
+                          <a:ea typeface="微软雅黑" pitchFamily="34" charset="-122"/>
+                          <a:cs typeface="+mn-cs"/>
+                        </a:rPr>
+                        <a:t>90%</a:t>
+                      </a:r>
+                    </a:p>
+                    <a:p>
+                      <a:pPr marL="176530" marR="0" lvl="0" indent="-174625" algn="l" defTabSz="914400" rtl="0" eaLnBrk="1" fontAlgn="auto" latinLnBrk="0" hangingPunct="1">
+                        <a:lnSpc>
+                          <a:spcPct val="150000"/>
+                        </a:lnSpc>
+                        <a:spcBef>
+                          <a:spcPts val="600"/>
+                        </a:spcBef>
+                        <a:spcAft>
+                          <a:spcPts val="0"/>
+                        </a:spcAft>
+                        <a:buClr>
+                          <a:srgbClr val="83C372"/>
+                        </a:buClr>
+                        <a:buSzTx/>
+                        <a:buFont typeface="Arial" panose="020B0604020202020204" pitchFamily="34" charset="0"/>
+                        <a:buChar char="»"/>
+                        <a:defRPr/>
+                      </a:pPr>
+                      <a:r>
+                        <a:rPr lang="en-US" altLang="zh-CN" sz="1400" kern="1200" dirty="0" smtClean="0">
+                          <a:solidFill>
+                            <a:schemeClr val="bg2"/>
+                          </a:solidFill>
+                          <a:latin typeface="微软雅黑" pitchFamily="34" charset="-122"/>
+                          <a:ea typeface="微软雅黑" pitchFamily="34" charset="-122"/>
+                          <a:cs typeface="+mn-cs"/>
+                        </a:rPr>
+                        <a:t>16</a:t>
+                      </a:r>
+                      <a:r>
+                        <a:rPr lang="zh-CN" altLang="en-US" sz="1400" kern="1200" dirty="0" smtClean="0">
+                          <a:solidFill>
+                            <a:schemeClr val="bg2"/>
+                          </a:solidFill>
+                          <a:latin typeface="微软雅黑" pitchFamily="34" charset="-122"/>
+                          <a:ea typeface="微软雅黑" pitchFamily="34" charset="-122"/>
+                          <a:cs typeface="+mn-cs"/>
+                        </a:rPr>
+                        <a:t>家商业银行中，</a:t>
+                      </a:r>
+                      <a:r>
+                        <a:rPr lang="en-US" altLang="zh-CN" sz="1400" kern="1200" dirty="0" smtClean="0">
+                          <a:solidFill>
+                            <a:schemeClr val="bg2"/>
+                          </a:solidFill>
+                          <a:latin typeface="微软雅黑" pitchFamily="34" charset="-122"/>
+                          <a:ea typeface="微软雅黑" pitchFamily="34" charset="-122"/>
+                          <a:cs typeface="+mn-cs"/>
+                        </a:rPr>
+                        <a:t>7</a:t>
+                      </a:r>
+                      <a:r>
+                        <a:rPr lang="zh-CN" altLang="en-US" sz="1400" kern="1200" dirty="0" smtClean="0">
+                          <a:solidFill>
+                            <a:schemeClr val="bg2"/>
+                          </a:solidFill>
+                          <a:latin typeface="微软雅黑" pitchFamily="34" charset="-122"/>
+                          <a:ea typeface="微软雅黑" pitchFamily="34" charset="-122"/>
+                          <a:cs typeface="+mn-cs"/>
+                        </a:rPr>
+                        <a:t>家本地，</a:t>
+                      </a:r>
+                      <a:r>
+                        <a:rPr lang="en-US" altLang="zh-CN" sz="1400" kern="1200" dirty="0" smtClean="0">
+                          <a:solidFill>
+                            <a:schemeClr val="bg2"/>
+                          </a:solidFill>
+                          <a:latin typeface="微软雅黑" pitchFamily="34" charset="-122"/>
+                          <a:ea typeface="微软雅黑" pitchFamily="34" charset="-122"/>
+                          <a:cs typeface="+mn-cs"/>
+                        </a:rPr>
+                        <a:t>9</a:t>
+                      </a:r>
+                      <a:r>
+                        <a:rPr lang="zh-CN" altLang="en-US" sz="1400" kern="1200" dirty="0" smtClean="0">
+                          <a:solidFill>
+                            <a:schemeClr val="bg2"/>
+                          </a:solidFill>
+                          <a:latin typeface="微软雅黑" pitchFamily="34" charset="-122"/>
+                          <a:ea typeface="微软雅黑" pitchFamily="34" charset="-122"/>
+                          <a:cs typeface="+mn-cs"/>
+                        </a:rPr>
+                        <a:t>家外国银行</a:t>
+                      </a:r>
+                      <a:endParaRPr lang="en-US" altLang="zh-CN" sz="1400" kern="1200" dirty="0" smtClean="0">
+                        <a:solidFill>
+                          <a:schemeClr val="bg2"/>
+                        </a:solidFill>
+                        <a:latin typeface="微软雅黑" pitchFamily="34" charset="-122"/>
+                        <a:ea typeface="微软雅黑" pitchFamily="34" charset="-122"/>
+                        <a:cs typeface="+mn-cs"/>
+                      </a:endParaRPr>
+                    </a:p>
+                    <a:p>
+                      <a:pPr marL="176530" marR="0" lvl="0" indent="-174625" algn="l" defTabSz="914400" rtl="0" eaLnBrk="1" fontAlgn="auto" latinLnBrk="0" hangingPunct="1">
+                        <a:lnSpc>
+                          <a:spcPct val="150000"/>
+                        </a:lnSpc>
+                        <a:spcBef>
+                          <a:spcPts val="600"/>
+                        </a:spcBef>
+                        <a:spcAft>
+                          <a:spcPts val="0"/>
+                        </a:spcAft>
+                        <a:buClr>
+                          <a:srgbClr val="83C372"/>
+                        </a:buClr>
+                        <a:buSzTx/>
+                        <a:buFont typeface="Arial" panose="020B0604020202020204" pitchFamily="34" charset="0"/>
+                        <a:buChar char="»"/>
+                        <a:defRPr/>
+                      </a:pPr>
+                      <a:r>
+                        <a:rPr lang="zh-CN" altLang="en-US" sz="1400" kern="1200" dirty="0" smtClean="0">
+                          <a:solidFill>
+                            <a:schemeClr val="bg2"/>
+                          </a:solidFill>
+                          <a:latin typeface="微软雅黑" pitchFamily="34" charset="-122"/>
+                          <a:ea typeface="微软雅黑" pitchFamily="34" charset="-122"/>
+                          <a:cs typeface="+mn-cs"/>
+                        </a:rPr>
+                        <a:t>保险公司共</a:t>
+                      </a:r>
+                      <a:r>
+                        <a:rPr lang="en-US" altLang="zh-CN" sz="1400" kern="1200" dirty="0" smtClean="0">
+                          <a:solidFill>
+                            <a:schemeClr val="bg2"/>
+                          </a:solidFill>
+                          <a:latin typeface="微软雅黑" pitchFamily="34" charset="-122"/>
+                          <a:ea typeface="微软雅黑" pitchFamily="34" charset="-122"/>
+                          <a:cs typeface="+mn-cs"/>
+                        </a:rPr>
+                        <a:t>22</a:t>
+                      </a:r>
+                      <a:r>
+                        <a:rPr lang="zh-CN" altLang="en-US" sz="1400" kern="1200" dirty="0" smtClean="0">
+                          <a:solidFill>
+                            <a:schemeClr val="bg2"/>
+                          </a:solidFill>
+                          <a:latin typeface="微软雅黑" pitchFamily="34" charset="-122"/>
+                          <a:ea typeface="微软雅黑" pitchFamily="34" charset="-122"/>
+                          <a:cs typeface="+mn-cs"/>
+                        </a:rPr>
+                        <a:t>家，阿拉伯公司</a:t>
+                      </a:r>
+                      <a:r>
+                        <a:rPr lang="en-US" altLang="zh-CN" sz="1400" kern="1200" dirty="0" smtClean="0">
+                          <a:solidFill>
+                            <a:schemeClr val="bg2"/>
+                          </a:solidFill>
+                          <a:latin typeface="微软雅黑" pitchFamily="34" charset="-122"/>
+                          <a:ea typeface="微软雅黑" pitchFamily="34" charset="-122"/>
+                          <a:cs typeface="+mn-cs"/>
+                        </a:rPr>
+                        <a:t>7</a:t>
+                      </a:r>
+                      <a:r>
+                        <a:rPr lang="zh-CN" altLang="en-US" sz="1400" kern="1200" dirty="0" smtClean="0">
+                          <a:solidFill>
+                            <a:schemeClr val="bg2"/>
+                          </a:solidFill>
+                          <a:latin typeface="微软雅黑" pitchFamily="34" charset="-122"/>
+                          <a:ea typeface="微软雅黑" pitchFamily="34" charset="-122"/>
+                          <a:cs typeface="+mn-cs"/>
+                        </a:rPr>
+                        <a:t>家，外国公司</a:t>
+                      </a:r>
+                      <a:r>
+                        <a:rPr lang="en-US" altLang="zh-CN" sz="1400" kern="1200" dirty="0" smtClean="0">
+                          <a:solidFill>
+                            <a:schemeClr val="bg2"/>
+                          </a:solidFill>
+                          <a:latin typeface="微软雅黑" pitchFamily="34" charset="-122"/>
+                          <a:ea typeface="微软雅黑" pitchFamily="34" charset="-122"/>
+                          <a:cs typeface="+mn-cs"/>
+                        </a:rPr>
+                        <a:t>4</a:t>
+                      </a:r>
+                      <a:r>
+                        <a:rPr lang="zh-CN" altLang="en-US" sz="1400" kern="1200" dirty="0" smtClean="0">
+                          <a:solidFill>
+                            <a:schemeClr val="bg2"/>
+                          </a:solidFill>
+                          <a:latin typeface="微软雅黑" pitchFamily="34" charset="-122"/>
+                          <a:ea typeface="微软雅黑" pitchFamily="34" charset="-122"/>
+                          <a:cs typeface="+mn-cs"/>
+                        </a:rPr>
+                        <a:t>家</a:t>
+                      </a:r>
+                      <a:endParaRPr lang="en-US" altLang="zh-CN" sz="1400" kern="1200" dirty="0" smtClean="0">
+                        <a:solidFill>
+                          <a:schemeClr val="bg2"/>
+                        </a:solidFill>
+                        <a:latin typeface="微软雅黑" pitchFamily="34" charset="-122"/>
+                        <a:ea typeface="微软雅黑" pitchFamily="34" charset="-122"/>
+                        <a:cs typeface="+mn-cs"/>
+                      </a:endParaRPr>
+                    </a:p>
+                    <a:p>
+                      <a:pPr marL="176530" marR="0" lvl="0" indent="-174625" algn="l" defTabSz="914400" rtl="0" eaLnBrk="1" fontAlgn="auto" latinLnBrk="0" hangingPunct="1">
+                        <a:lnSpc>
+                          <a:spcPct val="150000"/>
+                        </a:lnSpc>
+                        <a:spcBef>
+                          <a:spcPts val="600"/>
+                        </a:spcBef>
+                        <a:spcAft>
+                          <a:spcPts val="0"/>
+                        </a:spcAft>
+                        <a:buClr>
+                          <a:srgbClr val="83C372"/>
+                        </a:buClr>
+                        <a:buSzTx/>
+                        <a:buFont typeface="Arial" panose="020B0604020202020204" pitchFamily="34" charset="0"/>
+                        <a:buChar char="»"/>
+                        <a:defRPr/>
+                      </a:pPr>
+                      <a:endParaRPr lang="en-US" sz="1400" kern="1200" dirty="0">
+                        <a:solidFill>
+                          <a:schemeClr val="bg2"/>
+                        </a:solidFill>
+                        <a:latin typeface="微软雅黑" pitchFamily="34" charset="-122"/>
+                        <a:ea typeface="微软雅黑" pitchFamily="34" charset="-122"/>
+                        <a:cs typeface="+mn-cs"/>
+                      </a:endParaRPr>
+                    </a:p>
+                  </a:txBody>
+                  <a:tcPr marL="137160" marR="137160" marT="137160" marB="137160">
+                    <a:lnL w="12700" cap="flat" cmpd="sng" algn="ctr">
+                      <a:solidFill>
+                        <a:schemeClr val="accent5">
+                          <a:lumMod val="40000"/>
+                          <a:lumOff val="60000"/>
+                        </a:schemeClr>
+                      </a:solidFill>
+                      <a:prstDash val="solid"/>
+                      <a:round/>
+                      <a:headEnd type="none" w="med" len="med"/>
+                      <a:tailEnd type="none" w="med" len="med"/>
+                    </a:lnL>
+                    <a:lnR w="12700" cap="flat" cmpd="sng" algn="ctr">
+                      <a:solidFill>
+                        <a:schemeClr val="accent5">
+                          <a:lumMod val="40000"/>
+                          <a:lumOff val="60000"/>
+                        </a:schemeClr>
+                      </a:solidFill>
+                      <a:prstDash val="solid"/>
+                      <a:round/>
+                      <a:headEnd type="none" w="med" len="med"/>
+                      <a:tailEnd type="none" w="med" len="med"/>
+                    </a:lnR>
+                    <a:lnT w="12700" cap="flat" cmpd="sng" algn="ctr">
+                      <a:solidFill>
+                        <a:schemeClr val="accent5">
+                          <a:lumMod val="40000"/>
+                          <a:lumOff val="60000"/>
+                        </a:schemeClr>
+                      </a:solidFill>
+                      <a:prstDash val="solid"/>
+                      <a:round/>
+                      <a:headEnd type="none" w="med" len="med"/>
+                      <a:tailEnd type="none" w="med" len="med"/>
+                    </a:lnT>
+                    <a:lnB w="12700" cap="flat" cmpd="sng" algn="ctr">
+                      <a:solidFill>
+                        <a:schemeClr val="accent5">
+                          <a:lumMod val="40000"/>
+                          <a:lumOff val="60000"/>
+                        </a:schemeClr>
+                      </a:solidFill>
+                      <a:prstDash val="solid"/>
+                      <a:round/>
+                      <a:headEnd type="none" w="med" len="med"/>
+                      <a:tailEnd type="none" w="med" len="med"/>
+                    </a:lnB>
+                    <a:solidFill>
+                      <a:srgbClr val="FFFFFF"/>
+                    </a:solidFill>
+                  </a:tcPr>
+                </a:tc>
+                <a:tc>
+                  <a:txBody>
+                    <a:bodyPr/>
+                    <a:lstStyle/>
+                    <a:p>
+                      <a:pPr marL="176530" lvl="0" indent="-174625" algn="l" defTabSz="914400" rtl="0" eaLnBrk="1" latinLnBrk="0" hangingPunct="1">
+                        <a:lnSpc>
+                          <a:spcPct val="150000"/>
+                        </a:lnSpc>
+                        <a:spcBef>
+                          <a:spcPts val="600"/>
+                        </a:spcBef>
+                        <a:buClr>
+                          <a:srgbClr val="83C372"/>
+                        </a:buClr>
+                        <a:buFont typeface="Arial" panose="020B0604020202020204" pitchFamily="34" charset="0"/>
+                        <a:buChar char="»"/>
+                      </a:pPr>
+                      <a:r>
+                        <a:rPr lang="zh-CN" altLang="en-US" sz="1400" kern="1200" dirty="0" smtClean="0">
+                          <a:solidFill>
+                            <a:schemeClr val="bg2"/>
+                          </a:solidFill>
+                          <a:latin typeface="微软雅黑" pitchFamily="34" charset="-122"/>
+                          <a:ea typeface="微软雅黑" pitchFamily="34" charset="-122"/>
+                          <a:cs typeface="+mn-cs"/>
+                        </a:rPr>
+                        <a:t>项目融资集团</a:t>
+                      </a:r>
+                      <a:endParaRPr lang="en-US" altLang="zh-CN" sz="1400" kern="1200" dirty="0" smtClean="0">
+                        <a:solidFill>
+                          <a:schemeClr val="bg2"/>
+                        </a:solidFill>
+                        <a:latin typeface="微软雅黑" pitchFamily="34" charset="-122"/>
+                        <a:ea typeface="微软雅黑" pitchFamily="34" charset="-122"/>
+                        <a:cs typeface="+mn-cs"/>
+                      </a:endParaRPr>
+                    </a:p>
+                    <a:p>
+                      <a:pPr marL="176530" lvl="0" indent="-174625" algn="l" defTabSz="914400" rtl="0" eaLnBrk="1" latinLnBrk="0" hangingPunct="1">
+                        <a:lnSpc>
+                          <a:spcPct val="150000"/>
+                        </a:lnSpc>
+                        <a:spcBef>
+                          <a:spcPts val="600"/>
+                        </a:spcBef>
+                        <a:buClr>
+                          <a:srgbClr val="83C372"/>
+                        </a:buClr>
+                        <a:buFont typeface="Arial" panose="020B0604020202020204" pitchFamily="34" charset="0"/>
+                        <a:buChar char="»"/>
+                      </a:pPr>
+                      <a:r>
+                        <a:rPr lang="en-US" sz="1400" kern="1200" dirty="0" smtClean="0">
+                          <a:solidFill>
+                            <a:schemeClr val="bg2"/>
+                          </a:solidFill>
+                          <a:latin typeface="微软雅黑" pitchFamily="34" charset="-122"/>
+                          <a:ea typeface="微软雅黑" pitchFamily="34" charset="-122"/>
+                          <a:cs typeface="+mn-cs"/>
+                        </a:rPr>
+                        <a:t>2016</a:t>
+                      </a:r>
+                      <a:r>
+                        <a:rPr lang="zh-CN" altLang="en-US" sz="1400" kern="1200" dirty="0" smtClean="0">
+                          <a:solidFill>
+                            <a:schemeClr val="bg2"/>
+                          </a:solidFill>
+                          <a:latin typeface="微软雅黑" pitchFamily="34" charset="-122"/>
+                          <a:ea typeface="微软雅黑" pitchFamily="34" charset="-122"/>
+                          <a:cs typeface="+mn-cs"/>
+                        </a:rPr>
+                        <a:t>年商业银行贷款总额</a:t>
+                      </a:r>
+                      <a:r>
+                        <a:rPr lang="en-US" altLang="zh-CN" sz="1400" kern="1200" dirty="0" smtClean="0">
+                          <a:solidFill>
+                            <a:schemeClr val="bg2"/>
+                          </a:solidFill>
+                          <a:latin typeface="微软雅黑" pitchFamily="34" charset="-122"/>
+                          <a:ea typeface="微软雅黑" pitchFamily="34" charset="-122"/>
+                          <a:cs typeface="+mn-cs"/>
+                        </a:rPr>
+                        <a:t>575.4</a:t>
+                      </a:r>
+                      <a:r>
+                        <a:rPr lang="zh-CN" altLang="en-US" sz="1400" kern="1200" dirty="0" smtClean="0">
+                          <a:solidFill>
+                            <a:schemeClr val="bg2"/>
+                          </a:solidFill>
+                          <a:latin typeface="微软雅黑" pitchFamily="34" charset="-122"/>
+                          <a:ea typeface="微软雅黑" pitchFamily="34" charset="-122"/>
+                          <a:cs typeface="+mn-cs"/>
+                        </a:rPr>
+                        <a:t>亿美元</a:t>
+                      </a:r>
+                      <a:endParaRPr lang="en-US" altLang="zh-CN" sz="1400" kern="1200" dirty="0" smtClean="0">
+                        <a:solidFill>
+                          <a:schemeClr val="bg2"/>
+                        </a:solidFill>
+                        <a:latin typeface="微软雅黑" pitchFamily="34" charset="-122"/>
+                        <a:ea typeface="微软雅黑" pitchFamily="34" charset="-122"/>
+                        <a:cs typeface="+mn-cs"/>
+                      </a:endParaRPr>
+                    </a:p>
+                    <a:p>
+                      <a:pPr marL="176530" lvl="0" indent="-174625" algn="l" defTabSz="914400" rtl="0" eaLnBrk="1" latinLnBrk="0" hangingPunct="1">
+                        <a:lnSpc>
+                          <a:spcPct val="150000"/>
+                        </a:lnSpc>
+                        <a:spcBef>
+                          <a:spcPts val="600"/>
+                        </a:spcBef>
+                        <a:buClr>
+                          <a:srgbClr val="83C372"/>
+                        </a:buClr>
+                        <a:buFont typeface="Arial" panose="020B0604020202020204" pitchFamily="34" charset="0"/>
+                        <a:buChar char="»"/>
+                      </a:pPr>
+                      <a:r>
+                        <a:rPr lang="zh-CN" altLang="en-US" sz="1400" kern="1200" dirty="0" smtClean="0">
+                          <a:solidFill>
+                            <a:schemeClr val="bg2"/>
+                          </a:solidFill>
+                          <a:latin typeface="微软雅黑" pitchFamily="34" charset="-122"/>
+                          <a:ea typeface="微软雅黑" pitchFamily="34" charset="-122"/>
+                          <a:cs typeface="+mn-cs"/>
+                        </a:rPr>
+                        <a:t>平均贷款利率</a:t>
+                      </a:r>
+                      <a:r>
+                        <a:rPr lang="en-US" altLang="zh-CN" sz="1400" kern="1200" dirty="0" smtClean="0">
+                          <a:solidFill>
+                            <a:schemeClr val="bg2"/>
+                          </a:solidFill>
+                          <a:latin typeface="微软雅黑" pitchFamily="34" charset="-122"/>
+                          <a:ea typeface="微软雅黑" pitchFamily="34" charset="-122"/>
+                          <a:cs typeface="+mn-cs"/>
+                        </a:rPr>
+                        <a:t>4.8%</a:t>
+                      </a:r>
+                      <a:endParaRPr lang="en-US" sz="1400" kern="1200" dirty="0">
+                        <a:solidFill>
+                          <a:schemeClr val="bg2"/>
+                        </a:solidFill>
+                        <a:latin typeface="微软雅黑" pitchFamily="34" charset="-122"/>
+                        <a:ea typeface="微软雅黑" pitchFamily="34" charset="-122"/>
+                        <a:cs typeface="+mn-cs"/>
+                      </a:endParaRPr>
+                    </a:p>
+                  </a:txBody>
+                  <a:tcPr marL="137160" marR="137160" marT="137160" marB="137160">
+                    <a:lnL w="12700" cap="flat" cmpd="sng" algn="ctr">
+                      <a:solidFill>
+                        <a:schemeClr val="accent5">
+                          <a:lumMod val="40000"/>
+                          <a:lumOff val="60000"/>
+                        </a:schemeClr>
+                      </a:solidFill>
+                      <a:prstDash val="solid"/>
+                      <a:round/>
+                      <a:headEnd type="none" w="med" len="med"/>
+                      <a:tailEnd type="none" w="med" len="med"/>
+                    </a:lnL>
+                    <a:lnR w="12700" cap="flat" cmpd="sng" algn="ctr">
+                      <a:solidFill>
+                        <a:schemeClr val="accent5">
+                          <a:lumMod val="40000"/>
+                          <a:lumOff val="60000"/>
+                        </a:schemeClr>
+                      </a:solidFill>
+                      <a:prstDash val="solid"/>
+                      <a:round/>
+                      <a:headEnd type="none" w="med" len="med"/>
+                      <a:tailEnd type="none" w="med" len="med"/>
+                    </a:lnR>
+                    <a:lnT w="12700" cap="flat" cmpd="sng" algn="ctr">
+                      <a:solidFill>
+                        <a:schemeClr val="accent5">
+                          <a:lumMod val="40000"/>
+                          <a:lumOff val="60000"/>
+                        </a:schemeClr>
+                      </a:solidFill>
+                      <a:prstDash val="solid"/>
+                      <a:round/>
+                      <a:headEnd type="none" w="med" len="med"/>
+                      <a:tailEnd type="none" w="med" len="med"/>
+                    </a:lnT>
+                    <a:lnB w="12700" cap="flat" cmpd="sng" algn="ctr">
+                      <a:solidFill>
+                        <a:schemeClr val="accent5">
+                          <a:lumMod val="40000"/>
+                          <a:lumOff val="60000"/>
+                        </a:schemeClr>
+                      </a:solidFill>
+                      <a:prstDash val="solid"/>
+                      <a:round/>
+                      <a:headEnd type="none" w="med" len="med"/>
+                      <a:tailEnd type="none" w="med" len="med"/>
+                    </a:lnB>
+                    <a:solidFill>
+                      <a:schemeClr val="bg1"/>
+                    </a:solidFill>
+                  </a:tcPr>
+                </a:tc>
+                <a:tc>
+                  <a:txBody>
+                    <a:bodyPr/>
+                    <a:lstStyle/>
+                    <a:p>
+                      <a:pPr marL="176530" lvl="0" indent="-174625" algn="l" defTabSz="914400" rtl="0" eaLnBrk="1" latinLnBrk="0" hangingPunct="1">
+                        <a:lnSpc>
+                          <a:spcPct val="150000"/>
+                        </a:lnSpc>
+                        <a:spcBef>
+                          <a:spcPts val="600"/>
+                        </a:spcBef>
+                        <a:buClr>
+                          <a:srgbClr val="83C372"/>
+                        </a:buClr>
+                        <a:buFont typeface="Arial" panose="020B0604020202020204" pitchFamily="34" charset="0"/>
+                        <a:buChar char="»"/>
+                      </a:pPr>
+                      <a:r>
+                        <a:rPr lang="en-US" altLang="zh-CN" sz="1400" kern="1200" baseline="0" dirty="0" smtClean="0">
+                          <a:solidFill>
+                            <a:schemeClr val="bg2"/>
+                          </a:solidFill>
+                          <a:latin typeface="微软雅黑" pitchFamily="34" charset="-122"/>
+                          <a:ea typeface="微软雅黑" pitchFamily="34" charset="-122"/>
+                          <a:cs typeface="+mn-cs"/>
+                        </a:rPr>
+                        <a:t>1989</a:t>
+                      </a:r>
+                      <a:r>
+                        <a:rPr lang="zh-CN" altLang="en-US" sz="1400" kern="1200" baseline="0" dirty="0" smtClean="0">
+                          <a:solidFill>
+                            <a:schemeClr val="bg2"/>
+                          </a:solidFill>
+                          <a:latin typeface="微软雅黑" pitchFamily="34" charset="-122"/>
+                          <a:ea typeface="微软雅黑" pitchFamily="34" charset="-122"/>
+                          <a:cs typeface="+mn-cs"/>
+                        </a:rPr>
+                        <a:t>年马斯喀特证券市场（</a:t>
+                      </a:r>
+                      <a:r>
+                        <a:rPr lang="en-US" altLang="zh-CN" sz="1400" kern="1200" baseline="0" dirty="0" smtClean="0">
+                          <a:solidFill>
+                            <a:schemeClr val="bg2"/>
+                          </a:solidFill>
+                          <a:latin typeface="微软雅黑" pitchFamily="34" charset="-122"/>
+                          <a:ea typeface="微软雅黑" pitchFamily="34" charset="-122"/>
+                          <a:cs typeface="+mn-cs"/>
+                        </a:rPr>
+                        <a:t>MSM</a:t>
+                      </a:r>
+                      <a:r>
+                        <a:rPr lang="zh-CN" altLang="en-US" sz="1400" kern="1200" baseline="0" dirty="0" smtClean="0">
+                          <a:solidFill>
+                            <a:schemeClr val="bg2"/>
+                          </a:solidFill>
+                          <a:latin typeface="微软雅黑" pitchFamily="34" charset="-122"/>
+                          <a:ea typeface="微软雅黑" pitchFamily="34" charset="-122"/>
+                          <a:cs typeface="+mn-cs"/>
+                        </a:rPr>
+                        <a:t>）负责运营</a:t>
+                      </a:r>
+                      <a:endParaRPr lang="en-US" altLang="zh-CN" sz="1400" kern="1200" baseline="0" dirty="0" smtClean="0">
+                        <a:solidFill>
+                          <a:schemeClr val="bg2"/>
+                        </a:solidFill>
+                        <a:latin typeface="微软雅黑" pitchFamily="34" charset="-122"/>
+                        <a:ea typeface="微软雅黑" pitchFamily="34" charset="-122"/>
+                        <a:cs typeface="+mn-cs"/>
+                      </a:endParaRPr>
+                    </a:p>
+                    <a:p>
+                      <a:pPr marL="176530" lvl="0" indent="-174625" algn="l" defTabSz="914400" rtl="0" eaLnBrk="1" latinLnBrk="0" hangingPunct="1">
+                        <a:lnSpc>
+                          <a:spcPct val="150000"/>
+                        </a:lnSpc>
+                        <a:spcBef>
+                          <a:spcPts val="600"/>
+                        </a:spcBef>
+                        <a:buClr>
+                          <a:srgbClr val="83C372"/>
+                        </a:buClr>
+                        <a:buFont typeface="Arial" panose="020B0604020202020204" pitchFamily="34" charset="0"/>
+                        <a:buChar char="»"/>
+                      </a:pPr>
+                      <a:r>
+                        <a:rPr lang="zh-CN" altLang="en-US" sz="1400" kern="1200" baseline="0" dirty="0" smtClean="0">
+                          <a:solidFill>
+                            <a:schemeClr val="bg2"/>
+                          </a:solidFill>
+                          <a:latin typeface="微软雅黑" pitchFamily="34" charset="-122"/>
+                          <a:ea typeface="微软雅黑" pitchFamily="34" charset="-122"/>
+                          <a:cs typeface="+mn-cs"/>
+                        </a:rPr>
+                        <a:t>资本市场监管局（</a:t>
+                      </a:r>
+                      <a:r>
+                        <a:rPr lang="en-US" altLang="zh-CN" sz="1400" kern="1200" baseline="0" dirty="0" smtClean="0">
+                          <a:solidFill>
+                            <a:schemeClr val="bg2"/>
+                          </a:solidFill>
+                          <a:latin typeface="微软雅黑" pitchFamily="34" charset="-122"/>
+                          <a:ea typeface="微软雅黑" pitchFamily="34" charset="-122"/>
+                          <a:cs typeface="+mn-cs"/>
+                        </a:rPr>
+                        <a:t>CMA</a:t>
+                      </a:r>
+                      <a:r>
+                        <a:rPr lang="zh-CN" altLang="en-US" sz="1400" kern="1200" baseline="0" dirty="0" smtClean="0">
+                          <a:solidFill>
+                            <a:schemeClr val="bg2"/>
+                          </a:solidFill>
+                          <a:latin typeface="微软雅黑" pitchFamily="34" charset="-122"/>
+                          <a:ea typeface="微软雅黑" pitchFamily="34" charset="-122"/>
+                          <a:cs typeface="+mn-cs"/>
+                        </a:rPr>
+                        <a:t>）负责监管</a:t>
+                      </a:r>
+                      <a:endParaRPr lang="en-US" altLang="zh-CN" sz="1400" kern="1200" baseline="0" dirty="0" smtClean="0">
+                        <a:solidFill>
+                          <a:schemeClr val="bg2"/>
+                        </a:solidFill>
+                        <a:latin typeface="微软雅黑" pitchFamily="34" charset="-122"/>
+                        <a:ea typeface="微软雅黑" pitchFamily="34" charset="-122"/>
+                        <a:cs typeface="+mn-cs"/>
+                      </a:endParaRPr>
+                    </a:p>
+                    <a:p>
+                      <a:pPr marL="176530" lvl="0" indent="-174625" algn="l" defTabSz="914400" rtl="0" eaLnBrk="1" latinLnBrk="0" hangingPunct="1">
+                        <a:lnSpc>
+                          <a:spcPct val="150000"/>
+                        </a:lnSpc>
+                        <a:spcBef>
+                          <a:spcPts val="600"/>
+                        </a:spcBef>
+                        <a:buClr>
+                          <a:srgbClr val="83C372"/>
+                        </a:buClr>
+                        <a:buFont typeface="Arial" panose="020B0604020202020204" pitchFamily="34" charset="0"/>
+                        <a:buChar char="»"/>
+                      </a:pPr>
+                      <a:r>
+                        <a:rPr lang="en-US" altLang="zh-CN" sz="1400" kern="1200" baseline="0" dirty="0" smtClean="0">
+                          <a:solidFill>
+                            <a:schemeClr val="bg2"/>
+                          </a:solidFill>
+                          <a:latin typeface="微软雅黑" pitchFamily="34" charset="-122"/>
+                          <a:ea typeface="微软雅黑" pitchFamily="34" charset="-122"/>
+                          <a:cs typeface="+mn-cs"/>
+                        </a:rPr>
+                        <a:t>2016</a:t>
+                      </a:r>
+                      <a:r>
+                        <a:rPr lang="zh-CN" altLang="en-US" sz="1400" kern="1200" baseline="0" dirty="0" smtClean="0">
+                          <a:solidFill>
+                            <a:schemeClr val="bg2"/>
+                          </a:solidFill>
+                          <a:latin typeface="微软雅黑" pitchFamily="34" charset="-122"/>
+                          <a:ea typeface="微软雅黑" pitchFamily="34" charset="-122"/>
+                          <a:cs typeface="+mn-cs"/>
+                        </a:rPr>
+                        <a:t>年</a:t>
+                      </a:r>
+                      <a:r>
+                        <a:rPr lang="en-US" altLang="zh-CN" sz="1400" kern="1200" baseline="0" dirty="0" smtClean="0">
+                          <a:solidFill>
+                            <a:schemeClr val="bg2"/>
+                          </a:solidFill>
+                          <a:latin typeface="微软雅黑" pitchFamily="34" charset="-122"/>
+                          <a:ea typeface="微软雅黑" pitchFamily="34" charset="-122"/>
+                          <a:cs typeface="+mn-cs"/>
+                        </a:rPr>
+                        <a:t>MSM</a:t>
+                      </a:r>
+                      <a:r>
+                        <a:rPr lang="zh-CN" altLang="en-US" sz="1400" kern="1200" baseline="0" dirty="0" smtClean="0">
+                          <a:solidFill>
+                            <a:schemeClr val="bg2"/>
+                          </a:solidFill>
+                          <a:latin typeface="微软雅黑" pitchFamily="34" charset="-122"/>
+                          <a:ea typeface="微软雅黑" pitchFamily="34" charset="-122"/>
+                          <a:cs typeface="+mn-cs"/>
+                        </a:rPr>
+                        <a:t>上市公司</a:t>
+                      </a:r>
+                      <a:r>
+                        <a:rPr lang="en-US" altLang="zh-CN" sz="1400" kern="1200" baseline="0" dirty="0" smtClean="0">
+                          <a:solidFill>
+                            <a:schemeClr val="bg2"/>
+                          </a:solidFill>
+                          <a:latin typeface="微软雅黑" pitchFamily="34" charset="-122"/>
+                          <a:ea typeface="微软雅黑" pitchFamily="34" charset="-122"/>
+                          <a:cs typeface="+mn-cs"/>
+                        </a:rPr>
+                        <a:t>120</a:t>
+                      </a:r>
+                      <a:r>
+                        <a:rPr lang="zh-CN" altLang="en-US" sz="1400" kern="1200" baseline="0" dirty="0" smtClean="0">
+                          <a:solidFill>
+                            <a:schemeClr val="bg2"/>
+                          </a:solidFill>
+                          <a:latin typeface="微软雅黑" pitchFamily="34" charset="-122"/>
+                          <a:ea typeface="微软雅黑" pitchFamily="34" charset="-122"/>
+                          <a:cs typeface="+mn-cs"/>
+                        </a:rPr>
+                        <a:t>家，市值</a:t>
+                      </a:r>
+                      <a:r>
+                        <a:rPr lang="en-US" altLang="zh-CN" sz="1400" kern="1200" baseline="0" dirty="0" smtClean="0">
+                          <a:solidFill>
+                            <a:schemeClr val="bg2"/>
+                          </a:solidFill>
+                          <a:latin typeface="微软雅黑" pitchFamily="34" charset="-122"/>
+                          <a:ea typeface="微软雅黑" pitchFamily="34" charset="-122"/>
+                          <a:cs typeface="+mn-cs"/>
+                        </a:rPr>
+                        <a:t>449.5</a:t>
+                      </a:r>
+                      <a:r>
+                        <a:rPr lang="zh-CN" altLang="en-US" sz="1400" kern="1200" baseline="0" dirty="0" smtClean="0">
+                          <a:solidFill>
+                            <a:schemeClr val="bg2"/>
+                          </a:solidFill>
+                          <a:latin typeface="微软雅黑" pitchFamily="34" charset="-122"/>
+                          <a:ea typeface="微软雅黑" pitchFamily="34" charset="-122"/>
+                          <a:cs typeface="+mn-cs"/>
+                        </a:rPr>
+                        <a:t>亿，日均交易额</a:t>
+                      </a:r>
+                      <a:r>
+                        <a:rPr lang="en-US" altLang="zh-CN" sz="1400" kern="1200" baseline="0" dirty="0" smtClean="0">
+                          <a:solidFill>
+                            <a:schemeClr val="bg2"/>
+                          </a:solidFill>
+                          <a:latin typeface="微软雅黑" pitchFamily="34" charset="-122"/>
+                          <a:ea typeface="微软雅黑" pitchFamily="34" charset="-122"/>
+                          <a:cs typeface="+mn-cs"/>
+                        </a:rPr>
+                        <a:t>396</a:t>
+                      </a:r>
+                      <a:r>
+                        <a:rPr lang="zh-CN" altLang="en-US" sz="1400" kern="1200" baseline="0" dirty="0" smtClean="0">
+                          <a:solidFill>
+                            <a:schemeClr val="bg2"/>
+                          </a:solidFill>
+                          <a:latin typeface="微软雅黑" pitchFamily="34" charset="-122"/>
+                          <a:ea typeface="微软雅黑" pitchFamily="34" charset="-122"/>
+                          <a:cs typeface="+mn-cs"/>
+                        </a:rPr>
+                        <a:t>万</a:t>
+                      </a:r>
+                      <a:endParaRPr lang="en-US" altLang="zh-CN" sz="1400" kern="1200" baseline="0" dirty="0" smtClean="0">
+                        <a:solidFill>
+                          <a:schemeClr val="bg2"/>
+                        </a:solidFill>
+                        <a:latin typeface="微软雅黑" pitchFamily="34" charset="-122"/>
+                        <a:ea typeface="微软雅黑" pitchFamily="34" charset="-122"/>
+                        <a:cs typeface="+mn-cs"/>
+                      </a:endParaRPr>
+                    </a:p>
+                  </a:txBody>
+                  <a:tcPr marL="137160" marR="137160" marT="137160" marB="137160">
+                    <a:lnL w="12700" cap="flat" cmpd="sng" algn="ctr">
+                      <a:solidFill>
+                        <a:schemeClr val="accent5">
+                          <a:lumMod val="40000"/>
+                          <a:lumOff val="60000"/>
+                        </a:schemeClr>
+                      </a:solidFill>
+                      <a:prstDash val="solid"/>
+                      <a:round/>
+                      <a:headEnd type="none" w="med" len="med"/>
+                      <a:tailEnd type="none" w="med" len="med"/>
+                    </a:lnL>
+                    <a:lnR w="12700" cap="flat" cmpd="sng" algn="ctr">
+                      <a:solidFill>
+                        <a:schemeClr val="accent5">
+                          <a:lumMod val="40000"/>
+                          <a:lumOff val="60000"/>
+                        </a:schemeClr>
+                      </a:solidFill>
+                      <a:prstDash val="solid"/>
+                      <a:round/>
+                      <a:headEnd type="none" w="med" len="med"/>
+                      <a:tailEnd type="none" w="med" len="med"/>
+                    </a:lnR>
+                    <a:lnT w="12700" cap="flat" cmpd="sng" algn="ctr">
+                      <a:solidFill>
+                        <a:schemeClr val="accent5">
+                          <a:lumMod val="40000"/>
+                          <a:lumOff val="60000"/>
+                        </a:schemeClr>
+                      </a:solidFill>
+                      <a:prstDash val="solid"/>
+                      <a:round/>
+                      <a:headEnd type="none" w="med" len="med"/>
+                      <a:tailEnd type="none" w="med" len="med"/>
+                    </a:lnT>
+                    <a:lnB w="12700" cap="flat" cmpd="sng" algn="ctr">
+                      <a:solidFill>
+                        <a:schemeClr val="accent5">
+                          <a:lumMod val="40000"/>
+                          <a:lumOff val="60000"/>
+                        </a:schemeClr>
+                      </a:solidFill>
+                      <a:prstDash val="solid"/>
+                      <a:round/>
+                      <a:headEnd type="none" w="med" len="med"/>
+                      <a:tailEnd type="none" w="med" len="med"/>
+                    </a:lnB>
+                    <a:solidFill>
+                      <a:schemeClr val="bg1"/>
+                    </a:solidFill>
+                  </a:tcPr>
+                </a:tc>
+              </a:tr>
+            </a:tbl>
+          </a:graphicData>
+        </a:graphic>
+      </p:graphicFrame>
     </p:spTree>
-    <p:extLst>
-      <p:ext uri="{BB962C8B-B14F-4D97-AF65-F5344CB8AC3E}">
-        <p14:creationId xmlns:p14="http://schemas.microsoft.com/office/powerpoint/2010/main" val="3269357977"/>
-      </p:ext>
-    </p:extLst>
   </p:cSld>
   <p:clrMapOvr>
     <a:masterClrMapping/>
@@ -22924,7 +21049,7 @@
 </p:sld>
 </file>
 
-<file path=ppt/slides/slide9.xml><?xml version="1.0" encoding="utf-8"?>
+<file path=ppt/slides/slide7.xml><?xml version="1.0" encoding="utf-8"?>
 <p:sld xmlns:a="http://schemas.openxmlformats.org/drawingml/2006/main" xmlns:r="http://schemas.openxmlformats.org/officeDocument/2006/relationships" xmlns:p="http://schemas.openxmlformats.org/presentationml/2006/main">
   <p:cSld>
     <p:spTree>
@@ -22998,6 +21123,1459 @@
         <p14:creationId xmlns:p14="http://schemas.microsoft.com/office/powerpoint/2010/main" val="1030099353"/>
       </p:ext>
     </p:extLst>
+  </p:cSld>
+  <p:clrMapOvr>
+    <a:masterClrMapping/>
+  </p:clrMapOvr>
+</p:sld>
+</file>
+
+<file path=ppt/slides/slide8.xml><?xml version="1.0" encoding="utf-8"?>
+<p:sld xmlns:a="http://schemas.openxmlformats.org/drawingml/2006/main" xmlns:r="http://schemas.openxmlformats.org/officeDocument/2006/relationships" xmlns:p="http://schemas.openxmlformats.org/presentationml/2006/main">
+  <p:cSld>
+    <p:spTree>
+      <p:nvGrpSpPr>
+        <p:cNvPr id="1" name=""/>
+        <p:cNvGrpSpPr/>
+        <p:nvPr/>
+      </p:nvGrpSpPr>
+      <p:grpSpPr>
+        <a:xfrm>
+          <a:off x="0" y="0"/>
+          <a:ext cx="0" cy="0"/>
+          <a:chOff x="0" y="0"/>
+          <a:chExt cx="0" cy="0"/>
+        </a:xfrm>
+      </p:grpSpPr>
+      <p:sp>
+        <p:nvSpPr>
+          <p:cNvPr id="4" name="Title 3"/>
+          <p:cNvSpPr>
+            <a:spLocks noGrp="1"/>
+          </p:cNvSpPr>
+          <p:nvPr>
+            <p:ph type="title"/>
+          </p:nvPr>
+        </p:nvSpPr>
+        <p:spPr/>
+        <p:txBody>
+          <a:bodyPr/>
+          <a:lstStyle/>
+          <a:p>
+            <a:r>
+              <a:rPr lang="zh-CN" altLang="en-US" dirty="0" smtClean="0"/>
+              <a:t>传统金融体系的局限性</a:t>
+            </a:r>
+            <a:endParaRPr lang="en-US" dirty="0"/>
+          </a:p>
+        </p:txBody>
+      </p:sp>
+      <p:sp>
+        <p:nvSpPr>
+          <p:cNvPr id="6" name="Text Placeholder 5"/>
+          <p:cNvSpPr>
+            <a:spLocks noGrp="1"/>
+          </p:cNvSpPr>
+          <p:nvPr>
+            <p:ph type="body" sz="quarter" idx="10"/>
+          </p:nvPr>
+        </p:nvSpPr>
+        <p:spPr/>
+        <p:txBody>
+          <a:bodyPr/>
+          <a:lstStyle/>
+          <a:p>
+            <a:r>
+              <a:rPr lang="en-US" dirty="0"/>
+              <a:t>Best for presenting a few main points</a:t>
+            </a:r>
+          </a:p>
+        </p:txBody>
+      </p:sp>
+      <p:sp>
+        <p:nvSpPr>
+          <p:cNvPr id="18" name="Text Placeholder 17"/>
+          <p:cNvSpPr>
+            <a:spLocks noGrp="1"/>
+          </p:cNvSpPr>
+          <p:nvPr>
+            <p:ph type="body" sz="quarter" idx="11"/>
+          </p:nvPr>
+        </p:nvSpPr>
+        <p:spPr/>
+        <p:txBody>
+          <a:bodyPr/>
+          <a:lstStyle/>
+          <a:p>
+            <a:r>
+              <a:rPr lang="zh-CN" altLang="en-US" b="1" dirty="0" smtClean="0">
+                <a:solidFill>
+                  <a:srgbClr val="68B57F"/>
+                </a:solidFill>
+              </a:rPr>
+              <a:t>阿曼金融体系面临的问题</a:t>
+            </a:r>
+            <a:endParaRPr lang="en-US" b="1" dirty="0">
+              <a:solidFill>
+                <a:srgbClr val="68B57F"/>
+              </a:solidFill>
+            </a:endParaRPr>
+          </a:p>
+          <a:p>
+            <a:pPr lvl="1">
+              <a:buClr>
+                <a:srgbClr val="68B57F"/>
+              </a:buClr>
+              <a:buSzPct val="100000"/>
+            </a:pPr>
+            <a:r>
+              <a:rPr lang="zh-CN" altLang="en-US" dirty="0" smtClean="0"/>
+              <a:t>地缘政治</a:t>
+            </a:r>
+            <a:r>
+              <a:rPr lang="zh-CN" altLang="en-US" dirty="0"/>
+              <a:t>：</a:t>
+            </a:r>
+            <a:r>
+              <a:rPr lang="en-US" altLang="zh-CN" dirty="0" smtClean="0"/>
+              <a:t>OPEC</a:t>
+            </a:r>
+            <a:r>
+              <a:rPr lang="zh-CN" altLang="en-US" dirty="0" smtClean="0"/>
+              <a:t>、石油产量</a:t>
+            </a:r>
+            <a:endParaRPr lang="en-US" altLang="zh-CN" dirty="0" smtClean="0"/>
+          </a:p>
+          <a:p>
+            <a:pPr lvl="1">
+              <a:buClr>
+                <a:srgbClr val="68B57F"/>
+              </a:buClr>
+              <a:buSzPct val="100000"/>
+            </a:pPr>
+            <a:r>
+              <a:rPr lang="zh-CN" altLang="en-US" dirty="0" smtClean="0"/>
+              <a:t>石油美元</a:t>
+            </a:r>
+            <a:endParaRPr lang="en-US" altLang="zh-CN" dirty="0" smtClean="0"/>
+          </a:p>
+          <a:p>
+            <a:pPr lvl="1">
+              <a:buClr>
+                <a:srgbClr val="68B57F"/>
+              </a:buClr>
+              <a:buSzPct val="100000"/>
+            </a:pPr>
+            <a:r>
+              <a:rPr lang="zh-CN" altLang="en-US" dirty="0" smtClean="0"/>
+              <a:t>失业率高</a:t>
+            </a:r>
+            <a:endParaRPr lang="en-US" dirty="0"/>
+          </a:p>
+          <a:p>
+            <a:pPr lvl="1">
+              <a:buClr>
+                <a:srgbClr val="68B57F"/>
+              </a:buClr>
+              <a:buSzPct val="100000"/>
+            </a:pPr>
+            <a:r>
+              <a:rPr lang="zh-CN" altLang="en-US" dirty="0"/>
+              <a:t>阿拉伯国家金融自由化比较缓慢且犹豫不定</a:t>
+            </a:r>
+            <a:endParaRPr lang="en-US" dirty="0"/>
+          </a:p>
+          <a:p>
+            <a:pPr lvl="1">
+              <a:buClr>
+                <a:srgbClr val="68B57F"/>
+              </a:buClr>
+            </a:pPr>
+            <a:r>
+              <a:rPr lang="zh-CN" altLang="en-US" dirty="0"/>
+              <a:t>阿拉伯国家信息技术尚落后于世界其他地区，这将成为金融行业变革的巨大障碍，并影响其全面发展的潜力</a:t>
+            </a:r>
+            <a:endParaRPr lang="en-US" dirty="0"/>
+          </a:p>
+          <a:p>
+            <a:pPr lvl="1">
+              <a:buClr>
+                <a:srgbClr val="68B57F"/>
+              </a:buClr>
+            </a:pPr>
+            <a:r>
+              <a:rPr lang="zh-CN" altLang="en-US" dirty="0"/>
+              <a:t>阿拉伯国家需要多样化的金融服务，包括微观金融、小规模商业融资、住房抵押、可持续养老金、保险服务、其他规避风险的产品以及大型项目融资等。尽管阿拉伯国家金融体系包括这些服务，但其作用和世界其他地区相比还较弱</a:t>
+            </a:r>
+            <a:r>
+              <a:rPr lang="zh-CN" altLang="en-US" dirty="0" smtClean="0"/>
+              <a:t>。</a:t>
+            </a:r>
+            <a:endParaRPr lang="en-US" altLang="zh-CN" dirty="0" smtClean="0"/>
+          </a:p>
+          <a:p>
+            <a:pPr lvl="1">
+              <a:buClr>
+                <a:srgbClr val="68B57F"/>
+              </a:buClr>
+            </a:pPr>
+            <a:r>
+              <a:rPr lang="zh-CN" altLang="en-US" dirty="0" smtClean="0"/>
+              <a:t>评级下调</a:t>
+            </a:r>
+            <a:endParaRPr lang="en-US" dirty="0"/>
+          </a:p>
+        </p:txBody>
+      </p:sp>
+      <p:sp>
+        <p:nvSpPr>
+          <p:cNvPr id="5" name="Slide Number Placeholder 1"/>
+          <p:cNvSpPr>
+            <a:spLocks noGrp="1"/>
+          </p:cNvSpPr>
+          <p:nvPr>
+            <p:ph type="sldNum" sz="quarter" idx="12"/>
+          </p:nvPr>
+        </p:nvSpPr>
+        <p:spPr>
+          <a:xfrm>
+            <a:off x="8229600" y="6355080"/>
+            <a:ext cx="687600" cy="335245"/>
+          </a:xfrm>
+          <a:prstGeom prst="rect">
+            <a:avLst/>
+          </a:prstGeom>
+        </p:spPr>
+        <p:txBody>
+          <a:bodyPr/>
+          <a:lstStyle>
+            <a:lvl1pPr algn="ctr">
+              <a:defRPr>
+                <a:solidFill>
+                  <a:schemeClr val="bg2"/>
+                </a:solidFill>
+              </a:defRPr>
+            </a:lvl1pPr>
+          </a:lstStyle>
+          <a:p>
+            <a:fld id="{93AC2C76-E6AA-46CB-A2DE-F6E097F7C440}" type="slidenum">
+              <a:rPr lang="en-GB" smtClean="0"/>
+              <a:pPr/>
+              <a:t>8</a:t>
+            </a:fld>
+            <a:endParaRPr lang="en-GB" dirty="0"/>
+          </a:p>
+        </p:txBody>
+      </p:sp>
+    </p:spTree>
+    <p:extLst>
+      <p:ext uri="{BB962C8B-B14F-4D97-AF65-F5344CB8AC3E}">
+        <p14:creationId xmlns:p14="http://schemas.microsoft.com/office/powerpoint/2010/main" val="2599669803"/>
+      </p:ext>
+    </p:extLst>
+  </p:cSld>
+  <p:clrMapOvr>
+    <a:masterClrMapping/>
+  </p:clrMapOvr>
+</p:sld>
+</file>
+
+<file path=ppt/slides/slide9.xml><?xml version="1.0" encoding="utf-8"?>
+<p:sld xmlns:a="http://schemas.openxmlformats.org/drawingml/2006/main" xmlns:r="http://schemas.openxmlformats.org/officeDocument/2006/relationships" xmlns:p="http://schemas.openxmlformats.org/presentationml/2006/main">
+  <p:cSld>
+    <p:spTree>
+      <p:nvGrpSpPr>
+        <p:cNvPr id="1" name=""/>
+        <p:cNvGrpSpPr/>
+        <p:nvPr/>
+      </p:nvGrpSpPr>
+      <p:grpSpPr>
+        <a:xfrm>
+          <a:off x="0" y="0"/>
+          <a:ext cx="0" cy="0"/>
+          <a:chOff x="0" y="0"/>
+          <a:chExt cx="0" cy="0"/>
+        </a:xfrm>
+      </p:grpSpPr>
+      <p:sp>
+        <p:nvSpPr>
+          <p:cNvPr id="6" name="Title 5"/>
+          <p:cNvSpPr>
+            <a:spLocks noGrp="1"/>
+          </p:cNvSpPr>
+          <p:nvPr>
+            <p:ph type="title"/>
+          </p:nvPr>
+        </p:nvSpPr>
+        <p:spPr/>
+        <p:txBody>
+          <a:bodyPr/>
+          <a:lstStyle/>
+          <a:p>
+            <a:r>
+              <a:rPr lang="zh-CN" altLang="en-US" dirty="0" smtClean="0"/>
+              <a:t>传统金融体系的局限性</a:t>
+            </a:r>
+            <a:endParaRPr lang="en-US" dirty="0"/>
+          </a:p>
+        </p:txBody>
+      </p:sp>
+      <p:sp>
+        <p:nvSpPr>
+          <p:cNvPr id="7" name="Text Placeholder 6"/>
+          <p:cNvSpPr>
+            <a:spLocks noGrp="1"/>
+          </p:cNvSpPr>
+          <p:nvPr>
+            <p:ph type="body" sz="quarter" idx="10"/>
+          </p:nvPr>
+        </p:nvSpPr>
+        <p:spPr/>
+        <p:txBody>
+          <a:bodyPr/>
+          <a:lstStyle/>
+          <a:p>
+            <a:r>
+              <a:rPr lang="en-US" dirty="0"/>
+              <a:t>More table styles available in the PowerPoint Toolkit</a:t>
+            </a:r>
+          </a:p>
+        </p:txBody>
+      </p:sp>
+      <p:sp>
+        <p:nvSpPr>
+          <p:cNvPr id="4" name="Text Placeholder 3"/>
+          <p:cNvSpPr>
+            <a:spLocks noGrp="1"/>
+          </p:cNvSpPr>
+          <p:nvPr>
+            <p:ph type="body" sz="quarter" idx="11"/>
+          </p:nvPr>
+        </p:nvSpPr>
+        <p:spPr/>
+        <p:txBody>
+          <a:bodyPr/>
+          <a:lstStyle/>
+          <a:p>
+            <a:endParaRPr lang="en-GB"/>
+          </a:p>
+        </p:txBody>
+      </p:sp>
+      <p:graphicFrame>
+        <p:nvGraphicFramePr>
+          <p:cNvPr id="10" name="Content Placeholder 3"/>
+          <p:cNvGraphicFramePr/>
+          <p:nvPr/>
+        </p:nvGraphicFramePr>
+        <p:xfrm>
+          <a:off x="479425" y="1828799"/>
+          <a:ext cx="8207376" cy="4297363"/>
+        </p:xfrm>
+        <a:graphic>
+          <a:graphicData uri="http://schemas.openxmlformats.org/drawingml/2006/table">
+            <a:tbl>
+              <a:tblPr firstRow="1" bandRow="1">
+                <a:tableStyleId>{7DF18680-E054-41AD-8BC1-D1AEF772440D}</a:tableStyleId>
+              </a:tblPr>
+              <a:tblGrid>
+                <a:gridCol w="2051844"/>
+                <a:gridCol w="2051844"/>
+                <a:gridCol w="2051844"/>
+                <a:gridCol w="2051844"/>
+              </a:tblGrid>
+              <a:tr h="477093">
+                <a:tc>
+                  <a:txBody>
+                    <a:bodyPr/>
+                    <a:lstStyle/>
+                    <a:p>
+                      <a:pPr algn="l"/>
+                      <a:r>
+                        <a:rPr lang="en-US" sz="1600" dirty="0"/>
+                        <a:t>Table</a:t>
+                      </a:r>
+                      <a:r>
+                        <a:rPr lang="en-US" sz="1600" baseline="0" dirty="0"/>
+                        <a:t> Heading 01</a:t>
+                      </a:r>
+                      <a:endParaRPr lang="en-US" sz="1600" dirty="0"/>
+                    </a:p>
+                  </a:txBody>
+                  <a:tcPr marL="137160" marR="137160" anchor="ctr">
+                    <a:lnL w="12700" cap="flat" cmpd="sng" algn="ctr">
+                      <a:solidFill>
+                        <a:schemeClr val="accent5">
+                          <a:lumMod val="40000"/>
+                          <a:lumOff val="60000"/>
+                        </a:schemeClr>
+                      </a:solidFill>
+                      <a:prstDash val="solid"/>
+                      <a:round/>
+                      <a:headEnd type="none" w="med" len="med"/>
+                      <a:tailEnd type="none" w="med" len="med"/>
+                    </a:lnL>
+                    <a:lnR w="12700" cap="flat" cmpd="sng" algn="ctr">
+                      <a:solidFill>
+                        <a:schemeClr val="accent5">
+                          <a:lumMod val="40000"/>
+                          <a:lumOff val="60000"/>
+                        </a:schemeClr>
+                      </a:solidFill>
+                      <a:prstDash val="solid"/>
+                      <a:round/>
+                      <a:headEnd type="none" w="med" len="med"/>
+                      <a:tailEnd type="none" w="med" len="med"/>
+                    </a:lnR>
+                    <a:lnT w="12700" cap="flat" cmpd="sng" algn="ctr">
+                      <a:solidFill>
+                        <a:schemeClr val="accent5">
+                          <a:lumMod val="40000"/>
+                          <a:lumOff val="60000"/>
+                        </a:schemeClr>
+                      </a:solidFill>
+                      <a:prstDash val="solid"/>
+                      <a:round/>
+                      <a:headEnd type="none" w="med" len="med"/>
+                      <a:tailEnd type="none" w="med" len="med"/>
+                    </a:lnT>
+                    <a:lnB w="12700" cap="flat" cmpd="sng" algn="ctr">
+                      <a:solidFill>
+                        <a:schemeClr val="accent5">
+                          <a:lumMod val="40000"/>
+                          <a:lumOff val="60000"/>
+                        </a:schemeClr>
+                      </a:solidFill>
+                      <a:prstDash val="solid"/>
+                      <a:round/>
+                      <a:headEnd type="none" w="med" len="med"/>
+                      <a:tailEnd type="none" w="med" len="med"/>
+                    </a:lnB>
+                    <a:solidFill>
+                      <a:srgbClr val="83C372"/>
+                    </a:solidFill>
+                  </a:tcPr>
+                </a:tc>
+                <a:tc>
+                  <a:txBody>
+                    <a:bodyPr/>
+                    <a:lstStyle/>
+                    <a:p>
+                      <a:pPr marL="0" marR="0" indent="0" algn="l" defTabSz="914400" rtl="0" eaLnBrk="1" fontAlgn="auto" latinLnBrk="0" hangingPunct="1">
+                        <a:lnSpc>
+                          <a:spcPct val="100000"/>
+                        </a:lnSpc>
+                        <a:spcBef>
+                          <a:spcPts val="0"/>
+                        </a:spcBef>
+                        <a:spcAft>
+                          <a:spcPts val="0"/>
+                        </a:spcAft>
+                        <a:buClrTx/>
+                        <a:buSzTx/>
+                        <a:buFontTx/>
+                        <a:buNone/>
+                        <a:defRPr/>
+                      </a:pPr>
+                      <a:r>
+                        <a:rPr lang="en-US" sz="1600" dirty="0"/>
+                        <a:t>Table</a:t>
+                      </a:r>
+                      <a:r>
+                        <a:rPr lang="en-US" sz="1600" baseline="0" dirty="0"/>
+                        <a:t> Heading 02</a:t>
+                      </a:r>
+                      <a:endParaRPr lang="en-US" sz="1600" dirty="0"/>
+                    </a:p>
+                  </a:txBody>
+                  <a:tcPr marL="137160" marR="137160" anchor="ctr">
+                    <a:lnL w="12700" cap="flat" cmpd="sng" algn="ctr">
+                      <a:solidFill>
+                        <a:schemeClr val="accent5">
+                          <a:lumMod val="40000"/>
+                          <a:lumOff val="60000"/>
+                        </a:schemeClr>
+                      </a:solidFill>
+                      <a:prstDash val="solid"/>
+                      <a:round/>
+                      <a:headEnd type="none" w="med" len="med"/>
+                      <a:tailEnd type="none" w="med" len="med"/>
+                    </a:lnL>
+                    <a:lnR w="12700" cap="flat" cmpd="sng" algn="ctr">
+                      <a:solidFill>
+                        <a:schemeClr val="accent5">
+                          <a:lumMod val="40000"/>
+                          <a:lumOff val="60000"/>
+                        </a:schemeClr>
+                      </a:solidFill>
+                      <a:prstDash val="solid"/>
+                      <a:round/>
+                      <a:headEnd type="none" w="med" len="med"/>
+                      <a:tailEnd type="none" w="med" len="med"/>
+                    </a:lnR>
+                    <a:lnT w="12700" cap="flat" cmpd="sng" algn="ctr">
+                      <a:solidFill>
+                        <a:schemeClr val="accent5">
+                          <a:lumMod val="40000"/>
+                          <a:lumOff val="60000"/>
+                        </a:schemeClr>
+                      </a:solidFill>
+                      <a:prstDash val="solid"/>
+                      <a:round/>
+                      <a:headEnd type="none" w="med" len="med"/>
+                      <a:tailEnd type="none" w="med" len="med"/>
+                    </a:lnT>
+                    <a:lnB w="12700" cap="flat" cmpd="sng" algn="ctr">
+                      <a:solidFill>
+                        <a:schemeClr val="accent5">
+                          <a:lumMod val="40000"/>
+                          <a:lumOff val="60000"/>
+                        </a:schemeClr>
+                      </a:solidFill>
+                      <a:prstDash val="solid"/>
+                      <a:round/>
+                      <a:headEnd type="none" w="med" len="med"/>
+                      <a:tailEnd type="none" w="med" len="med"/>
+                    </a:lnB>
+                    <a:solidFill>
+                      <a:srgbClr val="46999B"/>
+                    </a:solidFill>
+                  </a:tcPr>
+                </a:tc>
+                <a:tc>
+                  <a:txBody>
+                    <a:bodyPr/>
+                    <a:lstStyle/>
+                    <a:p>
+                      <a:pPr marL="0" marR="0" indent="0" algn="l" defTabSz="914400" rtl="0" eaLnBrk="1" fontAlgn="auto" latinLnBrk="0" hangingPunct="1">
+                        <a:lnSpc>
+                          <a:spcPct val="100000"/>
+                        </a:lnSpc>
+                        <a:spcBef>
+                          <a:spcPts val="0"/>
+                        </a:spcBef>
+                        <a:spcAft>
+                          <a:spcPts val="0"/>
+                        </a:spcAft>
+                        <a:buClrTx/>
+                        <a:buSzTx/>
+                        <a:buFontTx/>
+                        <a:buNone/>
+                        <a:defRPr/>
+                      </a:pPr>
+                      <a:r>
+                        <a:rPr lang="en-US" sz="1600" dirty="0"/>
+                        <a:t>Table</a:t>
+                      </a:r>
+                      <a:r>
+                        <a:rPr lang="en-US" sz="1600" baseline="0" dirty="0"/>
+                        <a:t> Heading 03</a:t>
+                      </a:r>
+                      <a:endParaRPr lang="en-US" sz="1600" dirty="0"/>
+                    </a:p>
+                  </a:txBody>
+                  <a:tcPr marL="137160" marR="137160" anchor="ctr">
+                    <a:lnL w="12700" cap="flat" cmpd="sng" algn="ctr">
+                      <a:solidFill>
+                        <a:schemeClr val="accent5">
+                          <a:lumMod val="40000"/>
+                          <a:lumOff val="60000"/>
+                        </a:schemeClr>
+                      </a:solidFill>
+                      <a:prstDash val="solid"/>
+                      <a:round/>
+                      <a:headEnd type="none" w="med" len="med"/>
+                      <a:tailEnd type="none" w="med" len="med"/>
+                    </a:lnL>
+                    <a:lnR w="12700" cap="flat" cmpd="sng" algn="ctr">
+                      <a:solidFill>
+                        <a:schemeClr val="accent5">
+                          <a:lumMod val="40000"/>
+                          <a:lumOff val="60000"/>
+                        </a:schemeClr>
+                      </a:solidFill>
+                      <a:prstDash val="solid"/>
+                      <a:round/>
+                      <a:headEnd type="none" w="med" len="med"/>
+                      <a:tailEnd type="none" w="med" len="med"/>
+                    </a:lnR>
+                    <a:lnT w="12700" cap="flat" cmpd="sng" algn="ctr">
+                      <a:solidFill>
+                        <a:schemeClr val="accent5">
+                          <a:lumMod val="40000"/>
+                          <a:lumOff val="60000"/>
+                        </a:schemeClr>
+                      </a:solidFill>
+                      <a:prstDash val="solid"/>
+                      <a:round/>
+                      <a:headEnd type="none" w="med" len="med"/>
+                      <a:tailEnd type="none" w="med" len="med"/>
+                    </a:lnT>
+                    <a:lnB w="12700" cap="flat" cmpd="sng" algn="ctr">
+                      <a:solidFill>
+                        <a:schemeClr val="accent5">
+                          <a:lumMod val="40000"/>
+                          <a:lumOff val="60000"/>
+                        </a:schemeClr>
+                      </a:solidFill>
+                      <a:prstDash val="solid"/>
+                      <a:round/>
+                      <a:headEnd type="none" w="med" len="med"/>
+                      <a:tailEnd type="none" w="med" len="med"/>
+                    </a:lnB>
+                    <a:solidFill>
+                      <a:srgbClr val="4697E2"/>
+                    </a:solidFill>
+                  </a:tcPr>
+                </a:tc>
+                <a:tc>
+                  <a:txBody>
+                    <a:bodyPr/>
+                    <a:lstStyle/>
+                    <a:p>
+                      <a:pPr marL="0" marR="0" indent="0" algn="l" defTabSz="914400" rtl="0" eaLnBrk="1" fontAlgn="auto" latinLnBrk="0" hangingPunct="1">
+                        <a:lnSpc>
+                          <a:spcPct val="100000"/>
+                        </a:lnSpc>
+                        <a:spcBef>
+                          <a:spcPts val="0"/>
+                        </a:spcBef>
+                        <a:spcAft>
+                          <a:spcPts val="0"/>
+                        </a:spcAft>
+                        <a:buClrTx/>
+                        <a:buSzTx/>
+                        <a:buFontTx/>
+                        <a:buNone/>
+                        <a:defRPr/>
+                      </a:pPr>
+                      <a:r>
+                        <a:rPr lang="en-US" sz="1600" dirty="0"/>
+                        <a:t>Table</a:t>
+                      </a:r>
+                      <a:r>
+                        <a:rPr lang="en-US" sz="1600" baseline="0" dirty="0"/>
+                        <a:t> Heading 04</a:t>
+                      </a:r>
+                      <a:endParaRPr lang="en-US" sz="1600" dirty="0"/>
+                    </a:p>
+                  </a:txBody>
+                  <a:tcPr marL="137160" marR="137160" anchor="ctr">
+                    <a:lnL w="12700" cap="flat" cmpd="sng" algn="ctr">
+                      <a:solidFill>
+                        <a:schemeClr val="accent5">
+                          <a:lumMod val="40000"/>
+                          <a:lumOff val="60000"/>
+                        </a:schemeClr>
+                      </a:solidFill>
+                      <a:prstDash val="solid"/>
+                      <a:round/>
+                      <a:headEnd type="none" w="med" len="med"/>
+                      <a:tailEnd type="none" w="med" len="med"/>
+                    </a:lnL>
+                    <a:lnR w="12700" cap="flat" cmpd="sng" algn="ctr">
+                      <a:solidFill>
+                        <a:schemeClr val="accent5">
+                          <a:lumMod val="40000"/>
+                          <a:lumOff val="60000"/>
+                        </a:schemeClr>
+                      </a:solidFill>
+                      <a:prstDash val="solid"/>
+                      <a:round/>
+                      <a:headEnd type="none" w="med" len="med"/>
+                      <a:tailEnd type="none" w="med" len="med"/>
+                    </a:lnR>
+                    <a:lnT w="12700" cap="flat" cmpd="sng" algn="ctr">
+                      <a:solidFill>
+                        <a:schemeClr val="accent5">
+                          <a:lumMod val="40000"/>
+                          <a:lumOff val="60000"/>
+                        </a:schemeClr>
+                      </a:solidFill>
+                      <a:prstDash val="solid"/>
+                      <a:round/>
+                      <a:headEnd type="none" w="med" len="med"/>
+                      <a:tailEnd type="none" w="med" len="med"/>
+                    </a:lnT>
+                    <a:lnB w="12700" cap="flat" cmpd="sng" algn="ctr">
+                      <a:solidFill>
+                        <a:schemeClr val="accent5">
+                          <a:lumMod val="40000"/>
+                          <a:lumOff val="60000"/>
+                        </a:schemeClr>
+                      </a:solidFill>
+                      <a:prstDash val="solid"/>
+                      <a:round/>
+                      <a:headEnd type="none" w="med" len="med"/>
+                      <a:tailEnd type="none" w="med" len="med"/>
+                    </a:lnB>
+                    <a:solidFill>
+                      <a:srgbClr val="AD53C1"/>
+                    </a:solidFill>
+                  </a:tcPr>
+                </a:tc>
+              </a:tr>
+              <a:tr h="1891668">
+                <a:tc>
+                  <a:txBody>
+                    <a:bodyPr/>
+                    <a:lstStyle/>
+                    <a:p>
+                      <a:r>
+                        <a:rPr lang="en-US" altLang="zh-CN" sz="1400" dirty="0">
+                          <a:solidFill>
+                            <a:schemeClr val="bg2"/>
+                          </a:solidFill>
+                        </a:rPr>
+                        <a:t>SNC</a:t>
+                      </a:r>
+                      <a:r>
+                        <a:rPr lang="en-US" sz="1400" dirty="0">
+                          <a:solidFill>
+                            <a:schemeClr val="bg2"/>
+                          </a:solidFill>
+                        </a:rPr>
+                        <a:t>'s is an essential component of the global capital markets, providing credit ratings, research, tools and analysis.</a:t>
+                      </a:r>
+                    </a:p>
+                  </a:txBody>
+                  <a:tcPr marL="137160" marR="137160" marT="137160" marB="137160">
+                    <a:lnL w="12700" cap="flat" cmpd="sng" algn="ctr">
+                      <a:solidFill>
+                        <a:schemeClr val="accent5">
+                          <a:lumMod val="40000"/>
+                          <a:lumOff val="60000"/>
+                        </a:schemeClr>
+                      </a:solidFill>
+                      <a:prstDash val="solid"/>
+                      <a:round/>
+                      <a:headEnd type="none" w="med" len="med"/>
+                      <a:tailEnd type="none" w="med" len="med"/>
+                    </a:lnL>
+                    <a:lnR w="12700" cap="flat" cmpd="sng" algn="ctr">
+                      <a:solidFill>
+                        <a:schemeClr val="accent5">
+                          <a:lumMod val="40000"/>
+                          <a:lumOff val="60000"/>
+                        </a:schemeClr>
+                      </a:solidFill>
+                      <a:prstDash val="solid"/>
+                      <a:round/>
+                      <a:headEnd type="none" w="med" len="med"/>
+                      <a:tailEnd type="none" w="med" len="med"/>
+                    </a:lnR>
+                    <a:lnT w="12700" cap="flat" cmpd="sng" algn="ctr">
+                      <a:solidFill>
+                        <a:schemeClr val="accent5">
+                          <a:lumMod val="40000"/>
+                          <a:lumOff val="60000"/>
+                        </a:schemeClr>
+                      </a:solidFill>
+                      <a:prstDash val="solid"/>
+                      <a:round/>
+                      <a:headEnd type="none" w="med" len="med"/>
+                      <a:tailEnd type="none" w="med" len="med"/>
+                    </a:lnT>
+                    <a:lnB w="12700" cap="flat" cmpd="sng" algn="ctr">
+                      <a:solidFill>
+                        <a:schemeClr val="accent5">
+                          <a:lumMod val="40000"/>
+                          <a:lumOff val="60000"/>
+                        </a:schemeClr>
+                      </a:solidFill>
+                      <a:prstDash val="solid"/>
+                      <a:round/>
+                      <a:headEnd type="none" w="med" len="med"/>
+                      <a:tailEnd type="none" w="med" len="med"/>
+                    </a:lnB>
+                    <a:solidFill>
+                      <a:schemeClr val="bg1"/>
+                    </a:solidFill>
+                  </a:tcPr>
+                </a:tc>
+                <a:tc>
+                  <a:txBody>
+                    <a:bodyPr/>
+                    <a:lstStyle/>
+                    <a:p>
+                      <a:pPr marL="0" marR="0" indent="0" algn="l" defTabSz="914400" rtl="0" eaLnBrk="1" fontAlgn="auto" latinLnBrk="0" hangingPunct="1">
+                        <a:lnSpc>
+                          <a:spcPct val="100000"/>
+                        </a:lnSpc>
+                        <a:spcBef>
+                          <a:spcPts val="0"/>
+                        </a:spcBef>
+                        <a:spcAft>
+                          <a:spcPts val="0"/>
+                        </a:spcAft>
+                        <a:buClrTx/>
+                        <a:buSzTx/>
+                        <a:buFontTx/>
+                        <a:buNone/>
+                        <a:defRPr/>
+                      </a:pPr>
+                      <a:r>
+                        <a:rPr lang="en-US" altLang="zh-CN" sz="1400" dirty="0">
+                          <a:solidFill>
+                            <a:schemeClr val="bg2"/>
+                          </a:solidFill>
+                        </a:rPr>
+                        <a:t>SNC</a:t>
+                      </a:r>
+                      <a:r>
+                        <a:rPr lang="en-US" sz="1400" dirty="0">
+                          <a:solidFill>
+                            <a:schemeClr val="bg2"/>
+                          </a:solidFill>
+                        </a:rPr>
+                        <a:t>'s is an essential component of the global capital markets, providing credit ratings, research, tools and analysis.</a:t>
+                      </a:r>
+                    </a:p>
+                  </a:txBody>
+                  <a:tcPr marL="137160" marR="137160" marT="137160" marB="137160">
+                    <a:lnL w="12700" cap="flat" cmpd="sng" algn="ctr">
+                      <a:solidFill>
+                        <a:schemeClr val="accent5">
+                          <a:lumMod val="40000"/>
+                          <a:lumOff val="60000"/>
+                        </a:schemeClr>
+                      </a:solidFill>
+                      <a:prstDash val="solid"/>
+                      <a:round/>
+                      <a:headEnd type="none" w="med" len="med"/>
+                      <a:tailEnd type="none" w="med" len="med"/>
+                    </a:lnL>
+                    <a:lnR w="12700" cap="flat" cmpd="sng" algn="ctr">
+                      <a:solidFill>
+                        <a:schemeClr val="accent5">
+                          <a:lumMod val="40000"/>
+                          <a:lumOff val="60000"/>
+                        </a:schemeClr>
+                      </a:solidFill>
+                      <a:prstDash val="solid"/>
+                      <a:round/>
+                      <a:headEnd type="none" w="med" len="med"/>
+                      <a:tailEnd type="none" w="med" len="med"/>
+                    </a:lnR>
+                    <a:lnT w="12700" cap="flat" cmpd="sng" algn="ctr">
+                      <a:solidFill>
+                        <a:schemeClr val="accent5">
+                          <a:lumMod val="40000"/>
+                          <a:lumOff val="60000"/>
+                        </a:schemeClr>
+                      </a:solidFill>
+                      <a:prstDash val="solid"/>
+                      <a:round/>
+                      <a:headEnd type="none" w="med" len="med"/>
+                      <a:tailEnd type="none" w="med" len="med"/>
+                    </a:lnT>
+                    <a:lnB w="12700" cap="flat" cmpd="sng" algn="ctr">
+                      <a:solidFill>
+                        <a:schemeClr val="accent5">
+                          <a:lumMod val="40000"/>
+                          <a:lumOff val="60000"/>
+                        </a:schemeClr>
+                      </a:solidFill>
+                      <a:prstDash val="solid"/>
+                      <a:round/>
+                      <a:headEnd type="none" w="med" len="med"/>
+                      <a:tailEnd type="none" w="med" len="med"/>
+                    </a:lnB>
+                    <a:solidFill>
+                      <a:srgbClr val="FFFFFF"/>
+                    </a:solidFill>
+                  </a:tcPr>
+                </a:tc>
+                <a:tc>
+                  <a:txBody>
+                    <a:bodyPr/>
+                    <a:lstStyle/>
+                    <a:p>
+                      <a:r>
+                        <a:rPr lang="en-US" altLang="zh-CN" sz="1400" dirty="0">
+                          <a:solidFill>
+                            <a:schemeClr val="bg2"/>
+                          </a:solidFill>
+                        </a:rPr>
+                        <a:t>SNC</a:t>
+                      </a:r>
+                      <a:r>
+                        <a:rPr lang="en-US" sz="1400" dirty="0">
+                          <a:solidFill>
+                            <a:schemeClr val="bg2"/>
+                          </a:solidFill>
+                        </a:rPr>
+                        <a:t>'s is an essential component of the global capital markets, providing credit ratings, research, tools and analysis.</a:t>
+                      </a:r>
+                    </a:p>
+                  </a:txBody>
+                  <a:tcPr marL="137160" marR="137160" marT="137160" marB="137160">
+                    <a:lnL w="12700" cap="flat" cmpd="sng" algn="ctr">
+                      <a:solidFill>
+                        <a:schemeClr val="accent5">
+                          <a:lumMod val="40000"/>
+                          <a:lumOff val="60000"/>
+                        </a:schemeClr>
+                      </a:solidFill>
+                      <a:prstDash val="solid"/>
+                      <a:round/>
+                      <a:headEnd type="none" w="med" len="med"/>
+                      <a:tailEnd type="none" w="med" len="med"/>
+                    </a:lnL>
+                    <a:lnR w="12700" cap="flat" cmpd="sng" algn="ctr">
+                      <a:solidFill>
+                        <a:schemeClr val="accent5">
+                          <a:lumMod val="40000"/>
+                          <a:lumOff val="60000"/>
+                        </a:schemeClr>
+                      </a:solidFill>
+                      <a:prstDash val="solid"/>
+                      <a:round/>
+                      <a:headEnd type="none" w="med" len="med"/>
+                      <a:tailEnd type="none" w="med" len="med"/>
+                    </a:lnR>
+                    <a:lnT w="12700" cap="flat" cmpd="sng" algn="ctr">
+                      <a:solidFill>
+                        <a:schemeClr val="accent5">
+                          <a:lumMod val="40000"/>
+                          <a:lumOff val="60000"/>
+                        </a:schemeClr>
+                      </a:solidFill>
+                      <a:prstDash val="solid"/>
+                      <a:round/>
+                      <a:headEnd type="none" w="med" len="med"/>
+                      <a:tailEnd type="none" w="med" len="med"/>
+                    </a:lnT>
+                    <a:lnB w="12700" cap="flat" cmpd="sng" algn="ctr">
+                      <a:solidFill>
+                        <a:schemeClr val="accent5">
+                          <a:lumMod val="40000"/>
+                          <a:lumOff val="60000"/>
+                        </a:schemeClr>
+                      </a:solidFill>
+                      <a:prstDash val="solid"/>
+                      <a:round/>
+                      <a:headEnd type="none" w="med" len="med"/>
+                      <a:tailEnd type="none" w="med" len="med"/>
+                    </a:lnB>
+                    <a:solidFill>
+                      <a:schemeClr val="bg1"/>
+                    </a:solidFill>
+                  </a:tcPr>
+                </a:tc>
+                <a:tc>
+                  <a:txBody>
+                    <a:bodyPr/>
+                    <a:lstStyle/>
+                    <a:p>
+                      <a:r>
+                        <a:rPr lang="en-US" altLang="zh-CN" sz="1400" dirty="0">
+                          <a:solidFill>
+                            <a:schemeClr val="bg2"/>
+                          </a:solidFill>
+                        </a:rPr>
+                        <a:t>SNC</a:t>
+                      </a:r>
+                      <a:r>
+                        <a:rPr lang="en-US" sz="1400" dirty="0">
+                          <a:solidFill>
+                            <a:schemeClr val="bg2"/>
+                          </a:solidFill>
+                        </a:rPr>
+                        <a:t>'s is an essential component of the global capital markets, providing credit ratings, research, tools and analysis.</a:t>
+                      </a:r>
+                    </a:p>
+                  </a:txBody>
+                  <a:tcPr marL="137160" marR="137160" marT="137160" marB="137160">
+                    <a:lnL w="12700" cap="flat" cmpd="sng" algn="ctr">
+                      <a:solidFill>
+                        <a:schemeClr val="accent5">
+                          <a:lumMod val="40000"/>
+                          <a:lumOff val="60000"/>
+                        </a:schemeClr>
+                      </a:solidFill>
+                      <a:prstDash val="solid"/>
+                      <a:round/>
+                      <a:headEnd type="none" w="med" len="med"/>
+                      <a:tailEnd type="none" w="med" len="med"/>
+                    </a:lnL>
+                    <a:lnR w="12700" cap="flat" cmpd="sng" algn="ctr">
+                      <a:solidFill>
+                        <a:schemeClr val="accent5">
+                          <a:lumMod val="40000"/>
+                          <a:lumOff val="60000"/>
+                        </a:schemeClr>
+                      </a:solidFill>
+                      <a:prstDash val="solid"/>
+                      <a:round/>
+                      <a:headEnd type="none" w="med" len="med"/>
+                      <a:tailEnd type="none" w="med" len="med"/>
+                    </a:lnR>
+                    <a:lnT w="12700" cap="flat" cmpd="sng" algn="ctr">
+                      <a:solidFill>
+                        <a:schemeClr val="accent5">
+                          <a:lumMod val="40000"/>
+                          <a:lumOff val="60000"/>
+                        </a:schemeClr>
+                      </a:solidFill>
+                      <a:prstDash val="solid"/>
+                      <a:round/>
+                      <a:headEnd type="none" w="med" len="med"/>
+                      <a:tailEnd type="none" w="med" len="med"/>
+                    </a:lnT>
+                    <a:lnB w="12700" cap="flat" cmpd="sng" algn="ctr">
+                      <a:solidFill>
+                        <a:schemeClr val="accent5">
+                          <a:lumMod val="40000"/>
+                          <a:lumOff val="60000"/>
+                        </a:schemeClr>
+                      </a:solidFill>
+                      <a:prstDash val="solid"/>
+                      <a:round/>
+                      <a:headEnd type="none" w="med" len="med"/>
+                      <a:tailEnd type="none" w="med" len="med"/>
+                    </a:lnB>
+                    <a:solidFill>
+                      <a:schemeClr val="bg1"/>
+                    </a:solidFill>
+                  </a:tcPr>
+                </a:tc>
+              </a:tr>
+              <a:tr h="1928602">
+                <a:tc>
+                  <a:txBody>
+                    <a:bodyPr/>
+                    <a:lstStyle/>
+                    <a:p>
+                      <a:pPr marL="176530" lvl="0" indent="-174625">
+                        <a:spcBef>
+                          <a:spcPts val="600"/>
+                        </a:spcBef>
+                        <a:buClr>
+                          <a:srgbClr val="83C372"/>
+                        </a:buClr>
+                        <a:buFont typeface="Arial" panose="020B0604020202020204" pitchFamily="34" charset="0"/>
+                        <a:buChar char="»"/>
+                      </a:pPr>
+                      <a:r>
+                        <a:rPr lang="en-US" sz="1400" dirty="0">
+                          <a:solidFill>
+                            <a:schemeClr val="bg2"/>
+                          </a:solidFill>
+                        </a:rPr>
+                        <a:t>Parent company of MIS and MA</a:t>
+                      </a:r>
+                    </a:p>
+                    <a:p>
+                      <a:pPr marL="176530" lvl="0" indent="-174625" algn="l" defTabSz="914400" rtl="0" eaLnBrk="1" latinLnBrk="0" hangingPunct="1">
+                        <a:spcBef>
+                          <a:spcPts val="600"/>
+                        </a:spcBef>
+                        <a:buClr>
+                          <a:srgbClr val="83C372"/>
+                        </a:buClr>
+                        <a:buFont typeface="Arial" panose="020B0604020202020204" pitchFamily="34" charset="0"/>
+                        <a:buChar char="»"/>
+                      </a:pPr>
+                      <a:r>
+                        <a:rPr lang="en-US" sz="1400" kern="1200" dirty="0">
+                          <a:solidFill>
+                            <a:schemeClr val="bg2"/>
+                          </a:solidFill>
+                          <a:latin typeface="+mn-lt"/>
+                          <a:ea typeface="+mn-ea"/>
+                          <a:cs typeface="+mn-cs"/>
+                        </a:rPr>
+                        <a:t>Contributes to transparent and integrated financial markets</a:t>
+                      </a:r>
+                    </a:p>
+                  </a:txBody>
+                  <a:tcPr marL="137160" marR="137160" marT="137160" marB="137160">
+                    <a:lnL w="12700" cap="flat" cmpd="sng" algn="ctr">
+                      <a:solidFill>
+                        <a:schemeClr val="accent5">
+                          <a:lumMod val="40000"/>
+                          <a:lumOff val="60000"/>
+                        </a:schemeClr>
+                      </a:solidFill>
+                      <a:prstDash val="solid"/>
+                      <a:round/>
+                      <a:headEnd type="none" w="med" len="med"/>
+                      <a:tailEnd type="none" w="med" len="med"/>
+                    </a:lnL>
+                    <a:lnR w="12700" cap="flat" cmpd="sng" algn="ctr">
+                      <a:solidFill>
+                        <a:schemeClr val="accent5">
+                          <a:lumMod val="40000"/>
+                          <a:lumOff val="60000"/>
+                        </a:schemeClr>
+                      </a:solidFill>
+                      <a:prstDash val="solid"/>
+                      <a:round/>
+                      <a:headEnd type="none" w="med" len="med"/>
+                      <a:tailEnd type="none" w="med" len="med"/>
+                    </a:lnR>
+                    <a:lnT w="12700" cap="flat" cmpd="sng" algn="ctr">
+                      <a:solidFill>
+                        <a:schemeClr val="accent5">
+                          <a:lumMod val="40000"/>
+                          <a:lumOff val="60000"/>
+                        </a:schemeClr>
+                      </a:solidFill>
+                      <a:prstDash val="solid"/>
+                      <a:round/>
+                      <a:headEnd type="none" w="med" len="med"/>
+                      <a:tailEnd type="none" w="med" len="med"/>
+                    </a:lnT>
+                    <a:lnB w="12700" cap="flat" cmpd="sng" algn="ctr">
+                      <a:solidFill>
+                        <a:schemeClr val="accent5">
+                          <a:lumMod val="40000"/>
+                          <a:lumOff val="60000"/>
+                        </a:schemeClr>
+                      </a:solidFill>
+                      <a:prstDash val="solid"/>
+                      <a:round/>
+                      <a:headEnd type="none" w="med" len="med"/>
+                      <a:tailEnd type="none" w="med" len="med"/>
+                    </a:lnB>
+                    <a:solidFill>
+                      <a:schemeClr val="bg1"/>
+                    </a:solidFill>
+                  </a:tcPr>
+                </a:tc>
+                <a:tc>
+                  <a:txBody>
+                    <a:bodyPr/>
+                    <a:lstStyle/>
+                    <a:p>
+                      <a:pPr marL="176530" lvl="0" indent="-174625" algn="l" defTabSz="914400" rtl="0" eaLnBrk="1" latinLnBrk="0" hangingPunct="1">
+                        <a:spcBef>
+                          <a:spcPts val="600"/>
+                        </a:spcBef>
+                        <a:buClr>
+                          <a:srgbClr val="83C372"/>
+                        </a:buClr>
+                        <a:buFont typeface="Arial" panose="020B0604020202020204" pitchFamily="34" charset="0"/>
+                        <a:buChar char="»"/>
+                      </a:pPr>
+                      <a:r>
+                        <a:rPr lang="en-US" sz="1400" kern="1200" dirty="0">
+                          <a:solidFill>
+                            <a:schemeClr val="bg2"/>
+                          </a:solidFill>
+                          <a:latin typeface="+mn-lt"/>
+                          <a:ea typeface="+mn-ea"/>
+                          <a:cs typeface="+mn-cs"/>
+                        </a:rPr>
+                        <a:t>Parent company of MIS and MA</a:t>
+                      </a:r>
+                    </a:p>
+                    <a:p>
+                      <a:pPr marL="176530" lvl="0" indent="-174625" algn="l" defTabSz="914400" rtl="0" eaLnBrk="1" latinLnBrk="0" hangingPunct="1">
+                        <a:spcBef>
+                          <a:spcPts val="600"/>
+                        </a:spcBef>
+                        <a:buClr>
+                          <a:srgbClr val="83C372"/>
+                        </a:buClr>
+                        <a:buFont typeface="Arial" panose="020B0604020202020204" pitchFamily="34" charset="0"/>
+                        <a:buChar char="»"/>
+                      </a:pPr>
+                      <a:r>
+                        <a:rPr lang="en-US" sz="1400" kern="1200" dirty="0">
+                          <a:solidFill>
+                            <a:schemeClr val="bg2"/>
+                          </a:solidFill>
+                          <a:latin typeface="+mn-lt"/>
+                          <a:ea typeface="+mn-ea"/>
+                          <a:cs typeface="+mn-cs"/>
+                        </a:rPr>
+                        <a:t>Contributes to transparent and integrated financial markets</a:t>
+                      </a:r>
+                    </a:p>
+                  </a:txBody>
+                  <a:tcPr marL="137160" marR="137160" marT="137160" marB="137160">
+                    <a:lnL w="12700" cap="flat" cmpd="sng" algn="ctr">
+                      <a:solidFill>
+                        <a:schemeClr val="accent5">
+                          <a:lumMod val="40000"/>
+                          <a:lumOff val="60000"/>
+                        </a:schemeClr>
+                      </a:solidFill>
+                      <a:prstDash val="solid"/>
+                      <a:round/>
+                      <a:headEnd type="none" w="med" len="med"/>
+                      <a:tailEnd type="none" w="med" len="med"/>
+                    </a:lnL>
+                    <a:lnR w="12700" cap="flat" cmpd="sng" algn="ctr">
+                      <a:solidFill>
+                        <a:schemeClr val="accent5">
+                          <a:lumMod val="40000"/>
+                          <a:lumOff val="60000"/>
+                        </a:schemeClr>
+                      </a:solidFill>
+                      <a:prstDash val="solid"/>
+                      <a:round/>
+                      <a:headEnd type="none" w="med" len="med"/>
+                      <a:tailEnd type="none" w="med" len="med"/>
+                    </a:lnR>
+                    <a:lnT w="12700" cap="flat" cmpd="sng" algn="ctr">
+                      <a:solidFill>
+                        <a:schemeClr val="accent5">
+                          <a:lumMod val="40000"/>
+                          <a:lumOff val="60000"/>
+                        </a:schemeClr>
+                      </a:solidFill>
+                      <a:prstDash val="solid"/>
+                      <a:round/>
+                      <a:headEnd type="none" w="med" len="med"/>
+                      <a:tailEnd type="none" w="med" len="med"/>
+                    </a:lnT>
+                    <a:lnB w="12700" cap="flat" cmpd="sng" algn="ctr">
+                      <a:solidFill>
+                        <a:schemeClr val="accent5">
+                          <a:lumMod val="40000"/>
+                          <a:lumOff val="60000"/>
+                        </a:schemeClr>
+                      </a:solidFill>
+                      <a:prstDash val="solid"/>
+                      <a:round/>
+                      <a:headEnd type="none" w="med" len="med"/>
+                      <a:tailEnd type="none" w="med" len="med"/>
+                    </a:lnB>
+                    <a:solidFill>
+                      <a:schemeClr val="bg1"/>
+                    </a:solidFill>
+                  </a:tcPr>
+                </a:tc>
+                <a:tc>
+                  <a:txBody>
+                    <a:bodyPr/>
+                    <a:lstStyle/>
+                    <a:p>
+                      <a:pPr marL="176530" lvl="0" indent="-174625" algn="l" defTabSz="914400" rtl="0" eaLnBrk="1" latinLnBrk="0" hangingPunct="1">
+                        <a:spcBef>
+                          <a:spcPts val="600"/>
+                        </a:spcBef>
+                        <a:buClr>
+                          <a:srgbClr val="83C372"/>
+                        </a:buClr>
+                        <a:buFont typeface="Arial" panose="020B0604020202020204" pitchFamily="34" charset="0"/>
+                        <a:buChar char="»"/>
+                      </a:pPr>
+                      <a:r>
+                        <a:rPr lang="en-US" sz="1400" kern="1200" dirty="0">
+                          <a:solidFill>
+                            <a:schemeClr val="bg2"/>
+                          </a:solidFill>
+                          <a:latin typeface="+mn-lt"/>
+                          <a:ea typeface="+mn-ea"/>
+                          <a:cs typeface="+mn-cs"/>
+                        </a:rPr>
+                        <a:t>Parent company of MIS and MA</a:t>
+                      </a:r>
+                    </a:p>
+                    <a:p>
+                      <a:pPr marL="176530" lvl="0" indent="-174625" algn="l" defTabSz="914400" rtl="0" eaLnBrk="1" latinLnBrk="0" hangingPunct="1">
+                        <a:spcBef>
+                          <a:spcPts val="600"/>
+                        </a:spcBef>
+                        <a:buClr>
+                          <a:srgbClr val="83C372"/>
+                        </a:buClr>
+                        <a:buFont typeface="Arial" panose="020B0604020202020204" pitchFamily="34" charset="0"/>
+                        <a:buChar char="»"/>
+                      </a:pPr>
+                      <a:r>
+                        <a:rPr lang="en-US" sz="1400" kern="1200" dirty="0">
+                          <a:solidFill>
+                            <a:schemeClr val="bg2"/>
+                          </a:solidFill>
+                          <a:latin typeface="+mn-lt"/>
+                          <a:ea typeface="+mn-ea"/>
+                          <a:cs typeface="+mn-cs"/>
+                        </a:rPr>
+                        <a:t>Contributes to transparent and integrated financial markets</a:t>
+                      </a:r>
+                    </a:p>
+                    <a:p>
+                      <a:pPr>
+                        <a:buClr>
+                          <a:srgbClr val="83C372"/>
+                        </a:buClr>
+                      </a:pPr>
+                      <a:endParaRPr lang="en-US" sz="1400" dirty="0">
+                        <a:solidFill>
+                          <a:schemeClr val="bg2"/>
+                        </a:solidFill>
+                      </a:endParaRPr>
+                    </a:p>
+                  </a:txBody>
+                  <a:tcPr marL="137160" marR="137160" marT="137160" marB="137160">
+                    <a:lnL w="12700" cap="flat" cmpd="sng" algn="ctr">
+                      <a:solidFill>
+                        <a:schemeClr val="accent5">
+                          <a:lumMod val="40000"/>
+                          <a:lumOff val="60000"/>
+                        </a:schemeClr>
+                      </a:solidFill>
+                      <a:prstDash val="solid"/>
+                      <a:round/>
+                      <a:headEnd type="none" w="med" len="med"/>
+                      <a:tailEnd type="none" w="med" len="med"/>
+                    </a:lnL>
+                    <a:lnR w="12700" cap="flat" cmpd="sng" algn="ctr">
+                      <a:solidFill>
+                        <a:schemeClr val="accent5">
+                          <a:lumMod val="40000"/>
+                          <a:lumOff val="60000"/>
+                        </a:schemeClr>
+                      </a:solidFill>
+                      <a:prstDash val="solid"/>
+                      <a:round/>
+                      <a:headEnd type="none" w="med" len="med"/>
+                      <a:tailEnd type="none" w="med" len="med"/>
+                    </a:lnR>
+                    <a:lnT w="12700" cap="flat" cmpd="sng" algn="ctr">
+                      <a:solidFill>
+                        <a:schemeClr val="accent5">
+                          <a:lumMod val="40000"/>
+                          <a:lumOff val="60000"/>
+                        </a:schemeClr>
+                      </a:solidFill>
+                      <a:prstDash val="solid"/>
+                      <a:round/>
+                      <a:headEnd type="none" w="med" len="med"/>
+                      <a:tailEnd type="none" w="med" len="med"/>
+                    </a:lnT>
+                    <a:lnB w="12700" cap="flat" cmpd="sng" algn="ctr">
+                      <a:solidFill>
+                        <a:schemeClr val="accent5">
+                          <a:lumMod val="40000"/>
+                          <a:lumOff val="60000"/>
+                        </a:schemeClr>
+                      </a:solidFill>
+                      <a:prstDash val="solid"/>
+                      <a:round/>
+                      <a:headEnd type="none" w="med" len="med"/>
+                      <a:tailEnd type="none" w="med" len="med"/>
+                    </a:lnB>
+                    <a:solidFill>
+                      <a:schemeClr val="bg1"/>
+                    </a:solidFill>
+                  </a:tcPr>
+                </a:tc>
+                <a:tc>
+                  <a:txBody>
+                    <a:bodyPr/>
+                    <a:lstStyle/>
+                    <a:p>
+                      <a:pPr marL="176530" lvl="0" indent="-174625" algn="l" defTabSz="914400" rtl="0" eaLnBrk="1" latinLnBrk="0" hangingPunct="1">
+                        <a:spcBef>
+                          <a:spcPts val="600"/>
+                        </a:spcBef>
+                        <a:buClr>
+                          <a:srgbClr val="83C372"/>
+                        </a:buClr>
+                        <a:buFont typeface="Arial" panose="020B0604020202020204" pitchFamily="34" charset="0"/>
+                        <a:buChar char="»"/>
+                      </a:pPr>
+                      <a:r>
+                        <a:rPr lang="en-US" sz="1400" kern="1200" dirty="0">
+                          <a:solidFill>
+                            <a:schemeClr val="bg2"/>
+                          </a:solidFill>
+                          <a:latin typeface="+mn-lt"/>
+                          <a:ea typeface="+mn-ea"/>
+                          <a:cs typeface="+mn-cs"/>
+                        </a:rPr>
+                        <a:t>Parent company of MIS and MA</a:t>
+                      </a:r>
+                    </a:p>
+                    <a:p>
+                      <a:pPr marL="176530" lvl="0" indent="-174625" algn="l" defTabSz="914400" rtl="0" eaLnBrk="1" latinLnBrk="0" hangingPunct="1">
+                        <a:spcBef>
+                          <a:spcPts val="600"/>
+                        </a:spcBef>
+                        <a:buClr>
+                          <a:srgbClr val="83C372"/>
+                        </a:buClr>
+                        <a:buFont typeface="Arial" panose="020B0604020202020204" pitchFamily="34" charset="0"/>
+                        <a:buChar char="»"/>
+                      </a:pPr>
+                      <a:r>
+                        <a:rPr lang="en-US" sz="1400" kern="1200" dirty="0">
+                          <a:solidFill>
+                            <a:schemeClr val="bg2"/>
+                          </a:solidFill>
+                          <a:latin typeface="+mn-lt"/>
+                          <a:ea typeface="+mn-ea"/>
+                          <a:cs typeface="+mn-cs"/>
+                        </a:rPr>
+                        <a:t>Contributes to transparent and integrated financial markets</a:t>
+                      </a:r>
+                    </a:p>
+                  </a:txBody>
+                  <a:tcPr marL="137160" marR="137160" marT="137160" marB="137160">
+                    <a:lnL w="12700" cap="flat" cmpd="sng" algn="ctr">
+                      <a:solidFill>
+                        <a:schemeClr val="accent5">
+                          <a:lumMod val="40000"/>
+                          <a:lumOff val="60000"/>
+                        </a:schemeClr>
+                      </a:solidFill>
+                      <a:prstDash val="solid"/>
+                      <a:round/>
+                      <a:headEnd type="none" w="med" len="med"/>
+                      <a:tailEnd type="none" w="med" len="med"/>
+                    </a:lnL>
+                    <a:lnR w="12700" cap="flat" cmpd="sng" algn="ctr">
+                      <a:solidFill>
+                        <a:schemeClr val="accent5">
+                          <a:lumMod val="40000"/>
+                          <a:lumOff val="60000"/>
+                        </a:schemeClr>
+                      </a:solidFill>
+                      <a:prstDash val="solid"/>
+                      <a:round/>
+                      <a:headEnd type="none" w="med" len="med"/>
+                      <a:tailEnd type="none" w="med" len="med"/>
+                    </a:lnR>
+                    <a:lnT w="12700" cap="flat" cmpd="sng" algn="ctr">
+                      <a:solidFill>
+                        <a:schemeClr val="accent5">
+                          <a:lumMod val="40000"/>
+                          <a:lumOff val="60000"/>
+                        </a:schemeClr>
+                      </a:solidFill>
+                      <a:prstDash val="solid"/>
+                      <a:round/>
+                      <a:headEnd type="none" w="med" len="med"/>
+                      <a:tailEnd type="none" w="med" len="med"/>
+                    </a:lnT>
+                    <a:lnB w="12700" cap="flat" cmpd="sng" algn="ctr">
+                      <a:solidFill>
+                        <a:schemeClr val="accent5">
+                          <a:lumMod val="40000"/>
+                          <a:lumOff val="60000"/>
+                        </a:schemeClr>
+                      </a:solidFill>
+                      <a:prstDash val="solid"/>
+                      <a:round/>
+                      <a:headEnd type="none" w="med" len="med"/>
+                      <a:tailEnd type="none" w="med" len="med"/>
+                    </a:lnB>
+                    <a:solidFill>
+                      <a:schemeClr val="bg1"/>
+                    </a:solidFill>
+                  </a:tcPr>
+                </a:tc>
+              </a:tr>
+            </a:tbl>
+          </a:graphicData>
+        </a:graphic>
+      </p:graphicFrame>
+    </p:spTree>
   </p:cSld>
   <p:clrMapOvr>
     <a:masterClrMapping/>
@@ -23304,7 +22882,7 @@
   <a:extraClrSchemeLst/>
   <a:extLst>
     <a:ext uri="{05A4C25C-085E-4340-85A3-A5531E510DB2}">
-      <thm15:themeFamily xmlns:thm15="http://schemas.microsoft.com/office/thememl/2012/main" xmlns="" name="Office Theme" id="{62F939B6-93AF-4DB8-9C6B-D6C7DFDC589F}" vid="{4A3C46E8-61CC-4603-A589-7422A47A8E4A}"/>
+      <thm15:themeFamily xmlns="" xmlns:thm15="http://schemas.microsoft.com/office/thememl/2012/main" name="Office Theme" id="{62F939B6-93AF-4DB8-9C6B-D6C7DFDC589F}" vid="{4A3C46E8-61CC-4603-A589-7422A47A8E4A}"/>
     </a:ext>
   </a:extLst>
 </a:theme>
@@ -23565,7 +23143,7 @@
   <a:extraClrSchemeLst/>
   <a:extLst>
     <a:ext uri="{05A4C25C-085E-4340-85A3-A5531E510DB2}">
-      <thm15:themeFamily xmlns:thm15="http://schemas.microsoft.com/office/thememl/2012/main" xmlns="" name="Office Theme" id="{62F939B6-93AF-4DB8-9C6B-D6C7DFDC589F}" vid="{4A3C46E8-61CC-4603-A589-7422A47A8E4A}"/>
+      <thm15:themeFamily xmlns="" xmlns:thm15="http://schemas.microsoft.com/office/thememl/2012/main" name="Office Theme" id="{62F939B6-93AF-4DB8-9C6B-D6C7DFDC589F}" vid="{4A3C46E8-61CC-4603-A589-7422A47A8E4A}"/>
     </a:ext>
   </a:extLst>
 </a:theme>
@@ -23826,7 +23404,7 @@
   <a:extraClrSchemeLst/>
   <a:extLst>
     <a:ext uri="{05A4C25C-085E-4340-85A3-A5531E510DB2}">
-      <thm15:themeFamily xmlns:thm15="http://schemas.microsoft.com/office/thememl/2012/main" xmlns="" name="Office Theme" id="{62F939B6-93AF-4DB8-9C6B-D6C7DFDC589F}" vid="{4A3C46E8-61CC-4603-A589-7422A47A8E4A}"/>
+      <thm15:themeFamily xmlns="" xmlns:thm15="http://schemas.microsoft.com/office/thememl/2012/main" name="Office Theme" id="{62F939B6-93AF-4DB8-9C6B-D6C7DFDC589F}" vid="{4A3C46E8-61CC-4603-A589-7422A47A8E4A}"/>
     </a:ext>
   </a:extLst>
 </a:theme>
@@ -24272,4 +23850,225 @@
     </a:bgFillStyleLst>
   </a:fmtScheme>
 </a:themeOverride>
+</file>
+
+<file path=ppt/theme/themeOverride3.xml><?xml version="1.0" encoding="utf-8"?>
+<a:themeOverride xmlns:a="http://schemas.openxmlformats.org/drawingml/2006/main">
+  <a:clrScheme name="Moody's Theme 4.0">
+    <a:dk1>
+      <a:srgbClr val="0028A0"/>
+    </a:dk1>
+    <a:lt1>
+      <a:sysClr val="window" lastClr="FFFFFF"/>
+    </a:lt1>
+    <a:dk2>
+      <a:srgbClr val="009FDF"/>
+    </a:dk2>
+    <a:lt2>
+      <a:srgbClr val="000000"/>
+    </a:lt2>
+    <a:accent1>
+      <a:srgbClr val="009775"/>
+    </a:accent1>
+    <a:accent2>
+      <a:srgbClr val="41B6E6"/>
+    </a:accent2>
+    <a:accent3>
+      <a:srgbClr val="0028A0"/>
+    </a:accent3>
+    <a:accent4>
+      <a:srgbClr val="78BE20"/>
+    </a:accent4>
+    <a:accent5>
+      <a:srgbClr val="75787B"/>
+    </a:accent5>
+    <a:accent6>
+      <a:srgbClr val="002E5D"/>
+    </a:accent6>
+    <a:hlink>
+      <a:srgbClr val="009FDF"/>
+    </a:hlink>
+    <a:folHlink>
+      <a:srgbClr val="009FDF"/>
+    </a:folHlink>
+  </a:clrScheme>
+  <a:fontScheme name="Arial">
+    <a:majorFont>
+      <a:latin typeface="Arial"/>
+      <a:ea typeface=""/>
+      <a:cs typeface=""/>
+      <a:font script="Jpan" typeface="ＭＳ Ｐゴシック"/>
+      <a:font script="Hang" typeface="굴림"/>
+      <a:font script="Hans" typeface="黑体"/>
+      <a:font script="Hant" typeface="微軟正黑體"/>
+      <a:font script="Arab" typeface="Arial"/>
+      <a:font script="Hebr" typeface="Arial"/>
+      <a:font script="Thai" typeface="Cordia New"/>
+      <a:font script="Ethi" typeface="Nyala"/>
+      <a:font script="Beng" typeface="Vrinda"/>
+      <a:font script="Gujr" typeface="Shruti"/>
+      <a:font script="Khmr" typeface="DaunPenh"/>
+      <a:font script="Knda" typeface="Tunga"/>
+      <a:font script="Guru" typeface="Raavi"/>
+      <a:font script="Cans" typeface="Euphemia"/>
+      <a:font script="Cher" typeface="Plantagenet Cherokee"/>
+      <a:font script="Yiii" typeface="Microsoft Yi Baiti"/>
+      <a:font script="Tibt" typeface="Microsoft Himalaya"/>
+      <a:font script="Thaa" typeface="MV Boli"/>
+      <a:font script="Deva" typeface="Mangal"/>
+      <a:font script="Telu" typeface="Gautami"/>
+      <a:font script="Taml" typeface="Latha"/>
+      <a:font script="Syrc" typeface="Estrangelo Edessa"/>
+      <a:font script="Orya" typeface="Kalinga"/>
+      <a:font script="Mlym" typeface="Kartika"/>
+      <a:font script="Laoo" typeface="DokChampa"/>
+      <a:font script="Sinh" typeface="Iskoola Pota"/>
+      <a:font script="Mong" typeface="Mongolian Baiti"/>
+      <a:font script="Viet" typeface="Arial"/>
+      <a:font script="Uigh" typeface="Microsoft Uighur"/>
+      <a:font script="Geor" typeface="Sylfaen"/>
+    </a:majorFont>
+    <a:minorFont>
+      <a:latin typeface="Arial"/>
+      <a:ea typeface=""/>
+      <a:cs typeface=""/>
+      <a:font script="Jpan" typeface="ＭＳ Ｐゴシック"/>
+      <a:font script="Hang" typeface="굴림"/>
+      <a:font script="Hans" typeface="黑体"/>
+      <a:font script="Hant" typeface="微軟正黑體"/>
+      <a:font script="Arab" typeface="Arial"/>
+      <a:font script="Hebr" typeface="Arial"/>
+      <a:font script="Thai" typeface="Cordia New"/>
+      <a:font script="Ethi" typeface="Nyala"/>
+      <a:font script="Beng" typeface="Vrinda"/>
+      <a:font script="Gujr" typeface="Shruti"/>
+      <a:font script="Khmr" typeface="DaunPenh"/>
+      <a:font script="Knda" typeface="Tunga"/>
+      <a:font script="Guru" typeface="Raavi"/>
+      <a:font script="Cans" typeface="Euphemia"/>
+      <a:font script="Cher" typeface="Plantagenet Cherokee"/>
+      <a:font script="Yiii" typeface="Microsoft Yi Baiti"/>
+      <a:font script="Tibt" typeface="Microsoft Himalaya"/>
+      <a:font script="Thaa" typeface="MV Boli"/>
+      <a:font script="Deva" typeface="Mangal"/>
+      <a:font script="Telu" typeface="Gautami"/>
+      <a:font script="Taml" typeface="Latha"/>
+      <a:font script="Syrc" typeface="Estrangelo Edessa"/>
+      <a:font script="Orya" typeface="Kalinga"/>
+      <a:font script="Mlym" typeface="Kartika"/>
+      <a:font script="Laoo" typeface="DokChampa"/>
+      <a:font script="Sinh" typeface="Iskoola Pota"/>
+      <a:font script="Mong" typeface="Mongolian Baiti"/>
+      <a:font script="Viet" typeface="Arial"/>
+      <a:font script="Uigh" typeface="Microsoft Uighur"/>
+      <a:font script="Geor" typeface="Sylfaen"/>
+    </a:minorFont>
+  </a:fontScheme>
+  <a:fmtScheme name="Subtle Solids">
+    <a:fillStyleLst>
+      <a:solidFill>
+        <a:schemeClr val="phClr"/>
+      </a:solidFill>
+      <a:solidFill>
+        <a:schemeClr val="phClr">
+          <a:tint val="65000"/>
+        </a:schemeClr>
+      </a:solidFill>
+      <a:solidFill>
+        <a:schemeClr val="phClr">
+          <a:shade val="80000"/>
+          <a:satMod val="150000"/>
+        </a:schemeClr>
+      </a:solidFill>
+    </a:fillStyleLst>
+    <a:lnStyleLst>
+      <a:ln w="9525" cap="flat" cmpd="sng" algn="ctr">
+        <a:solidFill>
+          <a:schemeClr val="phClr"/>
+        </a:solidFill>
+        <a:prstDash val="solid"/>
+      </a:ln>
+      <a:ln w="10795" cap="flat" cmpd="sng" algn="ctr">
+        <a:solidFill>
+          <a:schemeClr val="phClr"/>
+        </a:solidFill>
+        <a:prstDash val="solid"/>
+      </a:ln>
+      <a:ln w="17145" cap="flat" cmpd="sng" algn="ctr">
+        <a:solidFill>
+          <a:schemeClr val="phClr">
+            <a:shade val="95000"/>
+            <a:alpha val="50000"/>
+            <a:satMod val="150000"/>
+          </a:schemeClr>
+        </a:solidFill>
+        <a:prstDash val="solid"/>
+      </a:ln>
+    </a:lnStyleLst>
+    <a:effectStyleLst>
+      <a:effectStyle>
+        <a:effectLst/>
+      </a:effectStyle>
+      <a:effectStyle>
+        <a:effectLst/>
+      </a:effectStyle>
+      <a:effectStyle>
+        <a:effectLst>
+          <a:outerShdw blurRad="44450" dist="13970" dir="5400000" algn="ctr" rotWithShape="0">
+            <a:srgbClr val="000000">
+              <a:alpha val="45000"/>
+            </a:srgbClr>
+          </a:outerShdw>
+        </a:effectLst>
+        <a:scene3d>
+          <a:camera prst="orthographicFront">
+            <a:rot lat="0" lon="0" rev="0"/>
+          </a:camera>
+          <a:lightRig rig="twoPt" dir="tl"/>
+        </a:scene3d>
+        <a:sp3d prstMaterial="flat">
+          <a:bevelT w="12700" h="25400" prst="coolSlant"/>
+        </a:sp3d>
+      </a:effectStyle>
+    </a:effectStyleLst>
+    <a:bgFillStyleLst>
+      <a:solidFill>
+        <a:schemeClr val="phClr"/>
+      </a:solidFill>
+      <a:solidFill>
+        <a:schemeClr val="phClr">
+          <a:tint val="95000"/>
+          <a:satMod val="170000"/>
+        </a:schemeClr>
+      </a:solidFill>
+      <a:gradFill rotWithShape="1">
+        <a:gsLst>
+          <a:gs pos="0">
+            <a:schemeClr val="phClr">
+              <a:tint val="93000"/>
+              <a:satMod val="150000"/>
+              <a:shade val="98000"/>
+              <a:lumMod val="102000"/>
+            </a:schemeClr>
+          </a:gs>
+          <a:gs pos="50000">
+            <a:schemeClr val="phClr">
+              <a:tint val="98000"/>
+              <a:satMod val="130000"/>
+              <a:shade val="90000"/>
+              <a:lumMod val="103000"/>
+            </a:schemeClr>
+          </a:gs>
+          <a:gs pos="100000">
+            <a:schemeClr val="phClr">
+              <a:shade val="63000"/>
+              <a:satMod val="120000"/>
+            </a:schemeClr>
+          </a:gs>
+        </a:gsLst>
+        <a:lin ang="5400000" scaled="0"/>
+      </a:gradFill>
+    </a:bgFillStyleLst>
+  </a:fmtScheme>
+</a:themeOverride>
 </file>
--- a/阿曼/proposal for Oman.pptx
+++ b/阿曼/proposal for Oman.pptx
@@ -5,10 +5,10 @@
     <p:sldMasterId id="2147483648" r:id="rId1"/>
   </p:sldMasterIdLst>
   <p:notesMasterIdLst>
-    <p:notesMasterId r:id="rId33"/>
+    <p:notesMasterId r:id="rId34"/>
   </p:notesMasterIdLst>
   <p:handoutMasterIdLst>
-    <p:handoutMasterId r:id="rId34"/>
+    <p:handoutMasterId r:id="rId35"/>
   </p:handoutMasterIdLst>
   <p:sldIdLst>
     <p:sldId id="257" r:id="rId2"/>
@@ -27,21 +27,22 @@
     <p:sldId id="296" r:id="rId15"/>
     <p:sldId id="279" r:id="rId16"/>
     <p:sldId id="278" r:id="rId17"/>
-    <p:sldId id="284" r:id="rId18"/>
+    <p:sldId id="298" r:id="rId18"/>
     <p:sldId id="281" r:id="rId19"/>
-    <p:sldId id="282" r:id="rId20"/>
-    <p:sldId id="280" r:id="rId21"/>
-    <p:sldId id="271" r:id="rId22"/>
-    <p:sldId id="273" r:id="rId23"/>
-    <p:sldId id="261" r:id="rId24"/>
-    <p:sldId id="262" r:id="rId25"/>
-    <p:sldId id="265" r:id="rId26"/>
-    <p:sldId id="266" r:id="rId27"/>
-    <p:sldId id="267" r:id="rId28"/>
-    <p:sldId id="270" r:id="rId29"/>
-    <p:sldId id="269" r:id="rId30"/>
-    <p:sldId id="286" r:id="rId31"/>
-    <p:sldId id="294" r:id="rId32"/>
+    <p:sldId id="297" r:id="rId20"/>
+    <p:sldId id="282" r:id="rId21"/>
+    <p:sldId id="280" r:id="rId22"/>
+    <p:sldId id="271" r:id="rId23"/>
+    <p:sldId id="273" r:id="rId24"/>
+    <p:sldId id="261" r:id="rId25"/>
+    <p:sldId id="262" r:id="rId26"/>
+    <p:sldId id="265" r:id="rId27"/>
+    <p:sldId id="266" r:id="rId28"/>
+    <p:sldId id="267" r:id="rId29"/>
+    <p:sldId id="270" r:id="rId30"/>
+    <p:sldId id="269" r:id="rId31"/>
+    <p:sldId id="286" r:id="rId32"/>
+    <p:sldId id="294" r:id="rId33"/>
   </p:sldIdLst>
   <p:sldSz cx="9144000" cy="6858000" type="screen4x3"/>
   <p:notesSz cx="6858000" cy="9144000"/>
@@ -538,400 +539,6 @@
 </file>
 
 <file path=ppt/charts/chart2.xml><?xml version="1.0" encoding="utf-8"?>
-<c:chartSpace xmlns:c="http://schemas.openxmlformats.org/drawingml/2006/chart" xmlns:a="http://schemas.openxmlformats.org/drawingml/2006/main" xmlns:r="http://schemas.openxmlformats.org/officeDocument/2006/relationships">
-  <c:date1904 val="0"/>
-  <c:lang val="zh-CN"/>
-  <c:roundedCorners val="0"/>
-  <mc:AlternateContent xmlns:mc="http://schemas.openxmlformats.org/markup-compatibility/2006">
-    <mc:Choice xmlns:c14="http://schemas.microsoft.com/office/drawing/2007/8/2/chart" Requires="c14">
-      <c14:style val="102"/>
-    </mc:Choice>
-    <mc:Fallback>
-      <c:style val="2"/>
-    </mc:Fallback>
-  </mc:AlternateContent>
-  <c:clrMapOvr bg1="lt1" tx1="dk1" bg2="lt2" tx2="dk2" accent1="accent1" accent2="accent2" accent3="accent3" accent4="accent4" accent5="accent5" accent6="accent6" hlink="hlink" folHlink="folHlink"/>
-  <c:chart>
-    <c:title>
-      <c:tx>
-        <c:rich>
-          <a:bodyPr rot="0" spcFirstLastPara="1" vertOverflow="ellipsis" vert="horz" wrap="square" anchor="ctr" anchorCtr="1"/>
-          <a:lstStyle/>
-          <a:p>
-            <a:pPr>
-              <a:defRPr lang="zh-CN" sz="1860" b="0" i="0" u="none" strike="noStrike" kern="1200" spc="0" baseline="0">
-                <a:solidFill>
-                  <a:schemeClr val="bg2"/>
-                </a:solidFill>
-                <a:latin typeface="+mn-lt"/>
-                <a:ea typeface="+mn-ea"/>
-                <a:cs typeface="+mn-cs"/>
-              </a:defRPr>
-            </a:pPr>
-            <a:r>
-              <a:rPr lang="en-US" dirty="0">
-                <a:solidFill>
-                  <a:schemeClr val="bg2"/>
-                </a:solidFill>
-              </a:rPr>
-              <a:t>Chart Title</a:t>
-            </a:r>
-          </a:p>
-        </c:rich>
-      </c:tx>
-      <c:layout>
-        <c:manualLayout>
-          <c:xMode val="edge"/>
-          <c:yMode val="edge"/>
-          <c:x val="0.37311105754384899"/>
-          <c:y val="0"/>
-        </c:manualLayout>
-      </c:layout>
-      <c:overlay val="0"/>
-      <c:spPr>
-        <a:noFill/>
-        <a:ln>
-          <a:noFill/>
-        </a:ln>
-        <a:effectLst/>
-      </c:spPr>
-    </c:title>
-    <c:autoTitleDeleted val="0"/>
-    <c:plotArea>
-      <c:layout/>
-      <c:doughnutChart>
-        <c:varyColors val="1"/>
-        <c:ser>
-          <c:idx val="0"/>
-          <c:order val="0"/>
-          <c:tx>
-            <c:strRef>
-              <c:f>Sheet1!$B$1</c:f>
-              <c:strCache>
-                <c:ptCount val="1"/>
-                <c:pt idx="0">
-                  <c:v>Sales</c:v>
-                </c:pt>
-              </c:strCache>
-            </c:strRef>
-          </c:tx>
-          <c:dPt>
-            <c:idx val="0"/>
-            <c:bubble3D val="0"/>
-            <c:spPr>
-              <a:solidFill>
-                <a:srgbClr val="83C372"/>
-              </a:solidFill>
-              <a:ln w="19050">
-                <a:solidFill>
-                  <a:schemeClr val="lt1"/>
-                </a:solidFill>
-              </a:ln>
-              <a:effectLst/>
-            </c:spPr>
-          </c:dPt>
-          <c:dPt>
-            <c:idx val="1"/>
-            <c:bubble3D val="0"/>
-            <c:spPr>
-              <a:solidFill>
-                <a:srgbClr val="46999B"/>
-              </a:solidFill>
-              <a:ln w="19050">
-                <a:solidFill>
-                  <a:schemeClr val="lt1"/>
-                </a:solidFill>
-              </a:ln>
-              <a:effectLst/>
-            </c:spPr>
-          </c:dPt>
-          <c:dPt>
-            <c:idx val="2"/>
-            <c:bubble3D val="0"/>
-            <c:spPr>
-              <a:solidFill>
-                <a:srgbClr val="4697E2"/>
-              </a:solidFill>
-              <a:ln w="19050">
-                <a:solidFill>
-                  <a:schemeClr val="lt1"/>
-                </a:solidFill>
-              </a:ln>
-              <a:effectLst/>
-            </c:spPr>
-          </c:dPt>
-          <c:dPt>
-            <c:idx val="3"/>
-            <c:bubble3D val="0"/>
-            <c:spPr>
-              <a:solidFill>
-                <a:srgbClr val="AD53C1"/>
-              </a:solidFill>
-              <a:ln w="19050">
-                <a:solidFill>
-                  <a:schemeClr val="lt1"/>
-                </a:solidFill>
-              </a:ln>
-              <a:effectLst/>
-            </c:spPr>
-          </c:dPt>
-          <c:dLbls>
-            <c:dLbl>
-              <c:idx val="0"/>
-              <c:layout>
-                <c:manualLayout>
-                  <c:x val="0.151439920556107"/>
-                  <c:y val="-0.10424708840070999"/>
-                </c:manualLayout>
-              </c:layout>
-              <c:showLegendKey val="0"/>
-              <c:showVal val="0"/>
-              <c:showCatName val="0"/>
-              <c:showSerName val="0"/>
-              <c:showPercent val="1"/>
-              <c:showBubbleSize val="0"/>
-              <c:separator> </c:separator>
-              <c:extLst>
-                <c:ext xmlns:c15="http://schemas.microsoft.com/office/drawing/2012/chart" uri="{CE6537A1-D6FC-4f65-9D91-7224C49458BB}">
-                  <c15:layout/>
-                </c:ext>
-              </c:extLst>
-            </c:dLbl>
-            <c:dLbl>
-              <c:idx val="1"/>
-              <c:layout>
-                <c:manualLayout>
-                  <c:x val="-0.14399205561072501"/>
-                  <c:y val="-7.5289563844957302E-2"/>
-                </c:manualLayout>
-              </c:layout>
-              <c:showLegendKey val="0"/>
-              <c:showVal val="0"/>
-              <c:showCatName val="0"/>
-              <c:showSerName val="0"/>
-              <c:showPercent val="1"/>
-              <c:showBubbleSize val="0"/>
-              <c:separator> </c:separator>
-              <c:extLst>
-                <c:ext xmlns:c15="http://schemas.microsoft.com/office/drawing/2012/chart" uri="{CE6537A1-D6FC-4f65-9D91-7224C49458BB}">
-                  <c15:layout/>
-                </c:ext>
-              </c:extLst>
-            </c:dLbl>
-            <c:dLbl>
-              <c:idx val="2"/>
-              <c:layout>
-                <c:manualLayout>
-                  <c:x val="-0.151439920556107"/>
-                  <c:y val="-7.2393811389382001E-2"/>
-                </c:manualLayout>
-              </c:layout>
-              <c:showLegendKey val="0"/>
-              <c:showVal val="0"/>
-              <c:showCatName val="0"/>
-              <c:showSerName val="0"/>
-              <c:showPercent val="1"/>
-              <c:showBubbleSize val="0"/>
-              <c:separator> </c:separator>
-              <c:extLst>
-                <c:ext xmlns:c15="http://schemas.microsoft.com/office/drawing/2012/chart" uri="{CE6537A1-D6FC-4f65-9D91-7224C49458BB}">
-                  <c15:layout/>
-                </c:ext>
-              </c:extLst>
-            </c:dLbl>
-            <c:dLbl>
-              <c:idx val="3"/>
-              <c:layout>
-                <c:manualLayout>
-                  <c:x val="-0.127545459104181"/>
-                  <c:y val="-0.103162810552553"/>
-                </c:manualLayout>
-              </c:layout>
-              <c:showLegendKey val="0"/>
-              <c:showVal val="0"/>
-              <c:showCatName val="0"/>
-              <c:showSerName val="0"/>
-              <c:showPercent val="1"/>
-              <c:showBubbleSize val="0"/>
-              <c:separator> </c:separator>
-              <c:extLst>
-                <c:ext xmlns:c15="http://schemas.microsoft.com/office/drawing/2012/chart" uri="{CE6537A1-D6FC-4f65-9D91-7224C49458BB}">
-                  <c15:layout/>
-                </c:ext>
-              </c:extLst>
-            </c:dLbl>
-            <c:numFmt formatCode="0.0%" sourceLinked="0"/>
-            <c:spPr>
-              <a:noFill/>
-              <a:ln>
-                <a:noFill/>
-              </a:ln>
-              <a:effectLst/>
-            </c:spPr>
-            <c:txPr>
-              <a:bodyPr rot="0" spcFirstLastPara="1" vertOverflow="ellipsis" vert="horz" wrap="square" lIns="38100" tIns="19050" rIns="38100" bIns="19050" anchor="ctr" anchorCtr="1">
-                <a:spAutoFit/>
-              </a:bodyPr>
-              <a:lstStyle/>
-              <a:p>
-                <a:pPr>
-                  <a:defRPr lang="zh-CN" sz="1800" b="0" i="0" u="none" strike="noStrike" kern="1200" baseline="0">
-                    <a:solidFill>
-                      <a:schemeClr val="accent5"/>
-                    </a:solidFill>
-                    <a:latin typeface="+mn-lt"/>
-                    <a:ea typeface="+mn-ea"/>
-                    <a:cs typeface="+mn-cs"/>
-                  </a:defRPr>
-                </a:pPr>
-                <a:endParaRPr lang="zh-CN"/>
-              </a:p>
-            </c:txPr>
-            <c:showLegendKey val="0"/>
-            <c:showVal val="0"/>
-            <c:showCatName val="0"/>
-            <c:showSerName val="0"/>
-            <c:showPercent val="1"/>
-            <c:showBubbleSize val="0"/>
-            <c:separator> </c:separator>
-            <c:showLeaderLines val="1"/>
-            <c:extLst>
-              <c:ext xmlns:c15="http://schemas.microsoft.com/office/drawing/2012/chart" uri="{CE6537A1-D6FC-4f65-9D91-7224C49458BB}">
-                <c15:layout/>
-                <c15:showLeaderLines val="1"/>
-                <c15:leaderLines>
-                  <c:spPr>
-                    <a:ln w="9525" cap="flat" cmpd="sng" algn="ctr">
-                      <a:solidFill>
-                        <a:schemeClr val="bg2"/>
-                      </a:solidFill>
-                      <a:round/>
-                    </a:ln>
-                    <a:effectLst/>
-                  </c:spPr>
-                </c15:leaderLines>
-              </c:ext>
-            </c:extLst>
-          </c:dLbls>
-          <c:cat>
-            <c:strRef>
-              <c:f>Sheet1!$A$2:$A$5</c:f>
-              <c:strCache>
-                <c:ptCount val="4"/>
-                <c:pt idx="0">
-                  <c:v>1st Qtr</c:v>
-                </c:pt>
-                <c:pt idx="1">
-                  <c:v>2nd Qtr</c:v>
-                </c:pt>
-                <c:pt idx="2">
-                  <c:v>3rd Qtr</c:v>
-                </c:pt>
-                <c:pt idx="3">
-                  <c:v>4th Qtr</c:v>
-                </c:pt>
-              </c:strCache>
-            </c:strRef>
-          </c:cat>
-          <c:val>
-            <c:numRef>
-              <c:f>Sheet1!$B$2:$B$5</c:f>
-              <c:numCache>
-                <c:formatCode>General</c:formatCode>
-                <c:ptCount val="4"/>
-                <c:pt idx="0">
-                  <c:v>8.1999999999999993</c:v>
-                </c:pt>
-                <c:pt idx="1">
-                  <c:v>3.2</c:v>
-                </c:pt>
-                <c:pt idx="2">
-                  <c:v>1.4</c:v>
-                </c:pt>
-                <c:pt idx="3">
-                  <c:v>1.2</c:v>
-                </c:pt>
-              </c:numCache>
-            </c:numRef>
-          </c:val>
-        </c:ser>
-        <c:dLbls>
-          <c:showLegendKey val="0"/>
-          <c:showVal val="0"/>
-          <c:showCatName val="0"/>
-          <c:showSerName val="0"/>
-          <c:showPercent val="0"/>
-          <c:showBubbleSize val="0"/>
-          <c:showLeaderLines val="1"/>
-        </c:dLbls>
-        <c:firstSliceAng val="0"/>
-        <c:holeSize val="75"/>
-      </c:doughnutChart>
-      <c:spPr>
-        <a:noFill/>
-        <a:ln>
-          <a:noFill/>
-        </a:ln>
-        <a:effectLst/>
-      </c:spPr>
-    </c:plotArea>
-    <c:legend>
-      <c:legendPos val="b"/>
-      <c:layout/>
-      <c:overlay val="0"/>
-      <c:spPr>
-        <a:noFill/>
-        <a:ln>
-          <a:noFill/>
-        </a:ln>
-        <a:effectLst/>
-      </c:spPr>
-      <c:txPr>
-        <a:bodyPr rot="0" spcFirstLastPara="1" vertOverflow="ellipsis" vert="horz" wrap="square" anchor="ctr" anchorCtr="1"/>
-        <a:lstStyle/>
-        <a:p>
-          <a:pPr>
-            <a:defRPr lang="zh-CN" sz="1195" b="0" i="0" u="none" strike="noStrike" kern="1200" baseline="0">
-              <a:solidFill>
-                <a:schemeClr val="bg2"/>
-              </a:solidFill>
-              <a:latin typeface="+mn-lt"/>
-              <a:ea typeface="+mn-ea"/>
-              <a:cs typeface="+mn-cs"/>
-            </a:defRPr>
-          </a:pPr>
-          <a:endParaRPr lang="zh-CN"/>
-        </a:p>
-      </c:txPr>
-    </c:legend>
-    <c:plotVisOnly val="1"/>
-    <c:dispBlanksAs val="gap"/>
-    <c:showDLblsOverMax val="0"/>
-  </c:chart>
-  <c:spPr>
-    <a:noFill/>
-    <a:ln>
-      <a:noFill/>
-    </a:ln>
-    <a:effectLst/>
-  </c:spPr>
-  <c:txPr>
-    <a:bodyPr/>
-    <a:lstStyle/>
-    <a:p>
-      <a:pPr>
-        <a:defRPr lang="zh-CN"/>
-      </a:pPr>
-      <a:endParaRPr lang="zh-CN"/>
-    </a:p>
-  </c:txPr>
-  <c:externalData r:id="rId2">
-    <c:autoUpdate val="0"/>
-  </c:externalData>
-</c:chartSpace>
-</file>
-
-<file path=ppt/charts/chart3.xml><?xml version="1.0" encoding="utf-8"?>
 <c:chartSpace xmlns:c="http://schemas.openxmlformats.org/drawingml/2006/chart" xmlns:a="http://schemas.openxmlformats.org/drawingml/2006/main" xmlns:r="http://schemas.openxmlformats.org/officeDocument/2006/relationships">
   <c:date1904 val="0"/>
   <c:lang val="zh-CN"/>
@@ -2406,19 +2013,19 @@
             <a:spLocks noGrp="1" noRot="1" noChangeAspect="1"/>
           </p:cNvSpPr>
           <p:nvPr>
-            <p:ph type="sldImg" idx="2"/>
+            <p:ph type="sldImg"/>
           </p:nvPr>
         </p:nvSpPr>
         <p:spPr/>
       </p:sp>
       <p:sp>
         <p:nvSpPr>
-          <p:cNvPr id="3" name="文本占位符 2"/>
+          <p:cNvPr id="3" name="备注占位符 2"/>
           <p:cNvSpPr>
             <a:spLocks noGrp="1"/>
           </p:cNvSpPr>
           <p:nvPr>
-            <p:ph type="body" idx="3"/>
+            <p:ph type="body" idx="1"/>
           </p:nvPr>
         </p:nvSpPr>
         <p:spPr/>
@@ -2426,7 +2033,7 @@
           <a:bodyPr/>
           <a:lstStyle/>
           <a:p>
-            <a:endParaRPr lang="zh-CN" altLang="en-US"/>
+            <a:endParaRPr kumimoji="1" lang="zh-CN" altLang="en-US"/>
           </a:p>
         </p:txBody>
       </p:sp>
@@ -2574,19 +2181,19 @@
             <a:spLocks noGrp="1" noRot="1" noChangeAspect="1"/>
           </p:cNvSpPr>
           <p:nvPr>
-            <p:ph type="sldImg"/>
+            <p:ph type="sldImg" idx="2"/>
           </p:nvPr>
         </p:nvSpPr>
         <p:spPr/>
       </p:sp>
       <p:sp>
         <p:nvSpPr>
-          <p:cNvPr id="3" name="备注占位符 2"/>
+          <p:cNvPr id="3" name="文本占位符 2"/>
           <p:cNvSpPr>
             <a:spLocks noGrp="1"/>
           </p:cNvSpPr>
           <p:nvPr>
-            <p:ph type="body" idx="1"/>
+            <p:ph type="body" idx="3"/>
           </p:nvPr>
         </p:nvSpPr>
         <p:spPr/>
@@ -2594,7 +2201,7 @@
           <a:bodyPr/>
           <a:lstStyle/>
           <a:p>
-            <a:endParaRPr kumimoji="1" lang="zh-CN" altLang="en-US" dirty="0"/>
+            <a:endParaRPr lang="zh-CN" altLang="en-US"/>
           </a:p>
         </p:txBody>
       </p:sp>
@@ -2650,7 +2257,7 @@
           <a:bodyPr/>
           <a:lstStyle/>
           <a:p>
-            <a:endParaRPr kumimoji="1" lang="zh-CN" altLang="en-US"/>
+            <a:endParaRPr kumimoji="1" lang="zh-CN" altLang="en-US" dirty="0"/>
           </a:p>
         </p:txBody>
       </p:sp>
@@ -2686,19 +2293,19 @@
             <a:spLocks noGrp="1" noRot="1" noChangeAspect="1"/>
           </p:cNvSpPr>
           <p:nvPr>
-            <p:ph type="sldImg" idx="2"/>
+            <p:ph type="sldImg"/>
           </p:nvPr>
         </p:nvSpPr>
         <p:spPr/>
       </p:sp>
       <p:sp>
         <p:nvSpPr>
-          <p:cNvPr id="3" name="文本占位符 2"/>
+          <p:cNvPr id="3" name="备注占位符 2"/>
           <p:cNvSpPr>
             <a:spLocks noGrp="1"/>
           </p:cNvSpPr>
           <p:nvPr>
-            <p:ph type="body" idx="3"/>
+            <p:ph type="body" idx="1"/>
           </p:nvPr>
         </p:nvSpPr>
         <p:spPr/>
@@ -2706,7 +2313,7 @@
           <a:bodyPr/>
           <a:lstStyle/>
           <a:p>
-            <a:endParaRPr lang="zh-CN" altLang="en-US"/>
+            <a:endParaRPr kumimoji="1" lang="zh-CN" altLang="en-US"/>
           </a:p>
         </p:txBody>
       </p:sp>
@@ -2854,19 +2461,19 @@
             <a:spLocks noGrp="1" noRot="1" noChangeAspect="1"/>
           </p:cNvSpPr>
           <p:nvPr>
-            <p:ph type="sldImg"/>
+            <p:ph type="sldImg" idx="2"/>
           </p:nvPr>
         </p:nvSpPr>
         <p:spPr/>
       </p:sp>
       <p:sp>
         <p:nvSpPr>
-          <p:cNvPr id="3" name="备注占位符 2"/>
+          <p:cNvPr id="3" name="文本占位符 2"/>
           <p:cNvSpPr>
             <a:spLocks noGrp="1"/>
           </p:cNvSpPr>
           <p:nvPr>
-            <p:ph type="body" idx="1"/>
+            <p:ph type="body" idx="3"/>
           </p:nvPr>
         </p:nvSpPr>
         <p:spPr/>
@@ -2874,7 +2481,7 @@
           <a:bodyPr/>
           <a:lstStyle/>
           <a:p>
-            <a:endParaRPr kumimoji="1" lang="zh-CN" altLang="en-US"/>
+            <a:endParaRPr lang="zh-CN" altLang="en-US"/>
           </a:p>
         </p:txBody>
       </p:sp>
@@ -2910,19 +2517,19 @@
             <a:spLocks noGrp="1" noRot="1" noChangeAspect="1"/>
           </p:cNvSpPr>
           <p:nvPr>
-            <p:ph type="sldImg" idx="2"/>
+            <p:ph type="sldImg"/>
           </p:nvPr>
         </p:nvSpPr>
         <p:spPr/>
       </p:sp>
       <p:sp>
         <p:nvSpPr>
-          <p:cNvPr id="3" name="文本占位符 2"/>
+          <p:cNvPr id="3" name="备注占位符 2"/>
           <p:cNvSpPr>
             <a:spLocks noGrp="1"/>
           </p:cNvSpPr>
           <p:nvPr>
-            <p:ph type="body" idx="3"/>
+            <p:ph type="body" idx="1"/>
           </p:nvPr>
         </p:nvSpPr>
         <p:spPr/>
@@ -2930,7 +2537,7 @@
           <a:bodyPr/>
           <a:lstStyle/>
           <a:p>
-            <a:endParaRPr lang="zh-CN" altLang="en-US"/>
+            <a:endParaRPr kumimoji="1" lang="zh-CN" altLang="en-US"/>
           </a:p>
         </p:txBody>
       </p:sp>
@@ -3167,6 +2774,62 @@
 </file>
 
 <file path=ppt/notesSlides/notesSlide31.xml><?xml version="1.0" encoding="utf-8"?>
+<p:notes xmlns:a="http://schemas.openxmlformats.org/drawingml/2006/main" xmlns:r="http://schemas.openxmlformats.org/officeDocument/2006/relationships" xmlns:p="http://schemas.openxmlformats.org/presentationml/2006/main">
+  <p:cSld>
+    <p:spTree>
+      <p:nvGrpSpPr>
+        <p:cNvPr id="1" name=""/>
+        <p:cNvGrpSpPr/>
+        <p:nvPr/>
+      </p:nvGrpSpPr>
+      <p:grpSpPr>
+        <a:xfrm>
+          <a:off x="0" y="0"/>
+          <a:ext cx="0" cy="0"/>
+          <a:chOff x="0" y="0"/>
+          <a:chExt cx="0" cy="0"/>
+        </a:xfrm>
+      </p:grpSpPr>
+      <p:sp>
+        <p:nvSpPr>
+          <p:cNvPr id="2" name="幻灯片图像占位符 1"/>
+          <p:cNvSpPr>
+            <a:spLocks noGrp="1" noRot="1" noChangeAspect="1"/>
+          </p:cNvSpPr>
+          <p:nvPr>
+            <p:ph type="sldImg" idx="2"/>
+          </p:nvPr>
+        </p:nvSpPr>
+        <p:spPr/>
+      </p:sp>
+      <p:sp>
+        <p:nvSpPr>
+          <p:cNvPr id="3" name="文本占位符 2"/>
+          <p:cNvSpPr>
+            <a:spLocks noGrp="1"/>
+          </p:cNvSpPr>
+          <p:nvPr>
+            <p:ph type="body" idx="3"/>
+          </p:nvPr>
+        </p:nvSpPr>
+        <p:spPr/>
+        <p:txBody>
+          <a:bodyPr/>
+          <a:lstStyle/>
+          <a:p>
+            <a:endParaRPr lang="zh-CN" altLang="en-US"/>
+          </a:p>
+        </p:txBody>
+      </p:sp>
+    </p:spTree>
+  </p:cSld>
+  <p:clrMapOvr>
+    <a:masterClrMapping/>
+  </p:clrMapOvr>
+</p:notes>
+</file>
+
+<file path=ppt/notesSlides/notesSlide32.xml><?xml version="1.0" encoding="utf-8"?>
 <p:notes xmlns:a="http://schemas.openxmlformats.org/drawingml/2006/main" xmlns:r="http://schemas.openxmlformats.org/officeDocument/2006/relationships" xmlns:p="http://schemas.openxmlformats.org/presentationml/2006/main">
   <p:cSld>
     <p:spTree>
@@ -6164,15 +5827,7 @@
           <a:p>
             <a:r>
               <a:rPr lang="zh-CN" altLang="en-US" dirty="0" smtClean="0"/>
-              <a:t>阿曼</a:t>
-            </a:r>
-            <a:r>
-              <a:rPr lang="zh-CN" altLang="en-US" dirty="0" smtClean="0"/>
-              <a:t>的</a:t>
-            </a:r>
-            <a:r>
-              <a:rPr lang="zh-CN" altLang="en-US" dirty="0" smtClean="0"/>
-              <a:t>经济数据</a:t>
+              <a:t>阿曼的经济数据</a:t>
             </a:r>
             <a:r>
               <a:rPr lang="en-US" altLang="zh-CN" dirty="0" smtClean="0"/>
@@ -6994,23 +6649,67 @@
           <a:lstStyle/>
           <a:p>
             <a:r>
-              <a:rPr lang="en-US" sz="2000" dirty="0"/>
-              <a:t>The layouts of all the slides in this template are derived from the PowerPoint “slide masters,” which are accessible from the HOME tab as well as within the </a:t>
-            </a:r>
-            <a:r>
-              <a:rPr lang="en-US" altLang="zh-CN" sz="2000" dirty="0"/>
-              <a:t>SNC</a:t>
-            </a:r>
-            <a:r>
-              <a:rPr lang="en-US" sz="2000" dirty="0"/>
-              <a:t>’S TOOLS toolbar. </a:t>
-            </a:r>
-          </a:p>
-          <a:p>
-            <a:r>
-              <a:rPr lang="en-US" sz="2000" dirty="0"/>
-              <a:t>You can choose a layout for your slides by clicking on the Layout button and selecting the desired layout from the flyout menu. To restore your slide to the original layout of the slide master, use the reset function:</a:t>
-            </a:r>
+              <a:rPr lang="zh-CN" altLang="en-US" sz="2000" dirty="0" smtClean="0"/>
+              <a:t>当前面临的问题的总结：</a:t>
+            </a:r>
+            <a:endParaRPr lang="en-US" altLang="zh-CN" sz="2000" dirty="0" smtClean="0"/>
+          </a:p>
+          <a:p>
+            <a:r>
+              <a:rPr lang="en-US" altLang="zh-CN" sz="2000" dirty="0" smtClean="0"/>
+              <a:t>1</a:t>
+            </a:r>
+          </a:p>
+          <a:p>
+            <a:r>
+              <a:rPr lang="en-US" altLang="zh-CN" sz="2000" dirty="0" smtClean="0"/>
+              <a:t>2</a:t>
+            </a:r>
+          </a:p>
+          <a:p>
+            <a:r>
+              <a:rPr lang="en-US" altLang="zh-CN" sz="2000" dirty="0" smtClean="0"/>
+              <a:t>3</a:t>
+            </a:r>
+          </a:p>
+          <a:p>
+            <a:r>
+              <a:rPr lang="zh-CN" altLang="en-US" sz="2000" dirty="0"/>
+              <a:t>区</a:t>
+            </a:r>
+            <a:r>
+              <a:rPr lang="zh-CN" altLang="en-US" sz="2000" dirty="0" smtClean="0"/>
+              <a:t>块链发挥的价值：</a:t>
+            </a:r>
+            <a:endParaRPr lang="en-US" altLang="zh-CN" sz="2000" dirty="0" smtClean="0"/>
+          </a:p>
+          <a:p>
+            <a:r>
+              <a:rPr lang="zh-CN" altLang="en-US" sz="2000" dirty="0" smtClean="0"/>
+              <a:t>区块链技术先进可以帮助传统行业进步</a:t>
+            </a:r>
+            <a:endParaRPr lang="en-US" altLang="zh-CN" sz="2000" dirty="0" smtClean="0"/>
+          </a:p>
+          <a:p>
+            <a:r>
+              <a:rPr lang="zh-CN" altLang="en-US" sz="2000" dirty="0" smtClean="0"/>
+              <a:t>区块链项目可以创造收入</a:t>
+            </a:r>
+            <a:r>
+              <a:rPr lang="en-US" sz="2000" dirty="0" smtClean="0"/>
+              <a:t> </a:t>
+            </a:r>
+          </a:p>
+          <a:p>
+            <a:r>
+              <a:rPr lang="zh-CN" altLang="en-US" sz="2000" dirty="0"/>
+              <a:t>区块链经济可以改变行业</a:t>
+            </a:r>
+            <a:r>
+              <a:rPr lang="zh-CN" altLang="en-US" sz="2000" dirty="0" smtClean="0"/>
+              <a:t>格局</a:t>
+            </a:r>
+            <a:endParaRPr lang="en-US" altLang="zh-CN" sz="2000" dirty="0"/>
           </a:p>
         </p:txBody>
       </p:sp>
@@ -7308,7 +7007,7 @@
           <a:p>
             <a:r>
               <a:rPr lang="zh-CN" altLang="en-US" dirty="0" smtClean="0"/>
-              <a:t>全球区块链的生态</a:t>
+              <a:t>区块链关键概念</a:t>
             </a:r>
             <a:endParaRPr lang="en-US" dirty="0"/>
           </a:p>
@@ -8501,7 +8200,7 @@
       </p:grpSpPr>
       <p:sp>
         <p:nvSpPr>
-          <p:cNvPr id="2" name="Title 1"/>
+          <p:cNvPr id="6" name="Title 5"/>
           <p:cNvSpPr>
             <a:spLocks noGrp="1"/>
           </p:cNvSpPr>
@@ -8516,7 +8215,7 @@
           <a:p>
             <a:r>
               <a:rPr lang="zh-CN" altLang="en-US" dirty="0" smtClean="0"/>
-              <a:t>区块链带来的机会</a:t>
+              <a:t>全球区块链的生态</a:t>
             </a:r>
             <a:endParaRPr lang="en-US" dirty="0"/>
           </a:p>
@@ -8524,7 +8223,7 @@
       </p:sp>
       <p:sp>
         <p:nvSpPr>
-          <p:cNvPr id="3" name="Text Placeholder 2"/>
+          <p:cNvPr id="7" name="Text Placeholder 6"/>
           <p:cNvSpPr>
             <a:spLocks noGrp="1"/>
           </p:cNvSpPr>
@@ -8539,14 +8238,14 @@
           <a:p>
             <a:r>
               <a:rPr lang="en-US" dirty="0"/>
-              <a:t>More chart styles in the PowerPoint toolkit</a:t>
+              <a:t>More table styles available in the PowerPoint Toolkit</a:t>
             </a:r>
           </a:p>
         </p:txBody>
       </p:sp>
       <p:sp>
         <p:nvSpPr>
-          <p:cNvPr id="5" name="Text Placeholder 4"/>
+          <p:cNvPr id="4" name="Text Placeholder 3"/>
           <p:cNvSpPr>
             <a:spLocks noGrp="1"/>
           </p:cNvSpPr>
@@ -8559,127 +8258,1128 @@
           <a:bodyPr/>
           <a:lstStyle/>
           <a:p>
-            <a:pPr>
-              <a:buSzPct val="100000"/>
-            </a:pPr>
-            <a:r>
-              <a:rPr lang="en-US" altLang="zh-CN" b="1" dirty="0">
-                <a:solidFill>
-                  <a:srgbClr val="68B580"/>
-                </a:solidFill>
-              </a:rPr>
-              <a:t>SNC</a:t>
-            </a:r>
-            <a:r>
-              <a:rPr lang="en-US" b="1" dirty="0">
-                <a:solidFill>
-                  <a:srgbClr val="68B580"/>
-                </a:solidFill>
-              </a:rPr>
-              <a:t>’s Overview</a:t>
-            </a:r>
-          </a:p>
-          <a:p>
-            <a:pPr lvl="1">
-              <a:buClr>
-                <a:srgbClr val="68B580"/>
-              </a:buClr>
-              <a:buSzPct val="100000"/>
-            </a:pPr>
-            <a:r>
-              <a:rPr lang="en-US" dirty="0"/>
-              <a:t>Essential component of the global capital markets</a:t>
-            </a:r>
-          </a:p>
-          <a:p>
-            <a:pPr lvl="1">
-              <a:buClr>
-                <a:srgbClr val="68B580"/>
-              </a:buClr>
-            </a:pPr>
-            <a:r>
-              <a:rPr lang="en-US" dirty="0"/>
-              <a:t>Parent company of MIS and MA</a:t>
-            </a:r>
-          </a:p>
-          <a:p>
-            <a:pPr lvl="1">
-              <a:buClr>
-                <a:srgbClr val="68B580"/>
-              </a:buClr>
-            </a:pPr>
-            <a:r>
-              <a:rPr lang="en-US" dirty="0"/>
-              <a:t>Contributes to transparent and integrated financial markets</a:t>
-            </a:r>
-          </a:p>
-          <a:p>
-            <a:pPr lvl="1">
-              <a:buClr>
-                <a:srgbClr val="68B580"/>
-              </a:buClr>
-            </a:pPr>
-            <a:r>
-              <a:rPr lang="en-US" dirty="0"/>
-              <a:t>Provides:</a:t>
-            </a:r>
-          </a:p>
-          <a:p>
-            <a:pPr lvl="2">
-              <a:buClr>
-                <a:srgbClr val="68B580"/>
-              </a:buClr>
-              <a:buSzPct val="100000"/>
-            </a:pPr>
-            <a:r>
-              <a:rPr lang="en-US" dirty="0"/>
-              <a:t>Credit ratings</a:t>
-            </a:r>
-          </a:p>
-          <a:p>
-            <a:pPr lvl="2">
-              <a:buClr>
-                <a:srgbClr val="68B580"/>
-              </a:buClr>
-            </a:pPr>
-            <a:r>
-              <a:rPr lang="en-US" dirty="0"/>
-              <a:t>Research</a:t>
-            </a:r>
-          </a:p>
-          <a:p>
-            <a:pPr lvl="2">
-              <a:buClr>
-                <a:srgbClr val="68B580"/>
-              </a:buClr>
-            </a:pPr>
-            <a:r>
-              <a:rPr lang="en-US" dirty="0"/>
-              <a:t>Tools &amp; analysis</a:t>
-            </a:r>
+            <a:endParaRPr lang="en-GB"/>
           </a:p>
         </p:txBody>
       </p:sp>
       <p:graphicFrame>
         <p:nvGraphicFramePr>
-          <p:cNvPr id="6" name="Chart 5"/>
+          <p:cNvPr id="10" name="Content Placeholder 3"/>
           <p:cNvGraphicFramePr/>
           <p:nvPr/>
         </p:nvGraphicFramePr>
         <p:xfrm>
-          <a:off x="4297680" y="1827107"/>
-          <a:ext cx="4546724" cy="3898052"/>
+          <a:off x="479425" y="1828799"/>
+          <a:ext cx="8207376" cy="4297363"/>
         </p:xfrm>
         <a:graphic>
-          <a:graphicData uri="http://schemas.openxmlformats.org/drawingml/2006/chart">
-            <c:chart xmlns:c="http://schemas.openxmlformats.org/drawingml/2006/chart" xmlns:r="http://schemas.openxmlformats.org/officeDocument/2006/relationships" r:id="rId3"/>
+          <a:graphicData uri="http://schemas.openxmlformats.org/drawingml/2006/table">
+            <a:tbl>
+              <a:tblPr firstRow="1" bandRow="1">
+                <a:tableStyleId>{7DF18680-E054-41AD-8BC1-D1AEF772440D}</a:tableStyleId>
+              </a:tblPr>
+              <a:tblGrid>
+                <a:gridCol w="2051844"/>
+                <a:gridCol w="2051844"/>
+                <a:gridCol w="2051844"/>
+                <a:gridCol w="2051844"/>
+              </a:tblGrid>
+              <a:tr h="477093">
+                <a:tc>
+                  <a:txBody>
+                    <a:bodyPr/>
+                    <a:lstStyle/>
+                    <a:p>
+                      <a:pPr algn="l"/>
+                      <a:r>
+                        <a:rPr lang="en-US" sz="1600" dirty="0"/>
+                        <a:t>Table</a:t>
+                      </a:r>
+                      <a:r>
+                        <a:rPr lang="en-US" sz="1600" baseline="0" dirty="0"/>
+                        <a:t> Heading 01</a:t>
+                      </a:r>
+                      <a:endParaRPr lang="en-US" sz="1600" dirty="0"/>
+                    </a:p>
+                  </a:txBody>
+                  <a:tcPr marL="137160" marR="137160" anchor="ctr">
+                    <a:lnL w="12700" cap="flat" cmpd="sng" algn="ctr">
+                      <a:solidFill>
+                        <a:schemeClr val="accent5">
+                          <a:lumMod val="40000"/>
+                          <a:lumOff val="60000"/>
+                        </a:schemeClr>
+                      </a:solidFill>
+                      <a:prstDash val="solid"/>
+                      <a:round/>
+                      <a:headEnd type="none" w="med" len="med"/>
+                      <a:tailEnd type="none" w="med" len="med"/>
+                    </a:lnL>
+                    <a:lnR w="12700" cap="flat" cmpd="sng" algn="ctr">
+                      <a:solidFill>
+                        <a:schemeClr val="accent5">
+                          <a:lumMod val="40000"/>
+                          <a:lumOff val="60000"/>
+                        </a:schemeClr>
+                      </a:solidFill>
+                      <a:prstDash val="solid"/>
+                      <a:round/>
+                      <a:headEnd type="none" w="med" len="med"/>
+                      <a:tailEnd type="none" w="med" len="med"/>
+                    </a:lnR>
+                    <a:lnT w="12700" cap="flat" cmpd="sng" algn="ctr">
+                      <a:solidFill>
+                        <a:schemeClr val="accent5">
+                          <a:lumMod val="40000"/>
+                          <a:lumOff val="60000"/>
+                        </a:schemeClr>
+                      </a:solidFill>
+                      <a:prstDash val="solid"/>
+                      <a:round/>
+                      <a:headEnd type="none" w="med" len="med"/>
+                      <a:tailEnd type="none" w="med" len="med"/>
+                    </a:lnT>
+                    <a:lnB w="12700" cap="flat" cmpd="sng" algn="ctr">
+                      <a:solidFill>
+                        <a:schemeClr val="accent5">
+                          <a:lumMod val="40000"/>
+                          <a:lumOff val="60000"/>
+                        </a:schemeClr>
+                      </a:solidFill>
+                      <a:prstDash val="solid"/>
+                      <a:round/>
+                      <a:headEnd type="none" w="med" len="med"/>
+                      <a:tailEnd type="none" w="med" len="med"/>
+                    </a:lnB>
+                    <a:solidFill>
+                      <a:srgbClr val="83C372"/>
+                    </a:solidFill>
+                  </a:tcPr>
+                </a:tc>
+                <a:tc>
+                  <a:txBody>
+                    <a:bodyPr/>
+                    <a:lstStyle/>
+                    <a:p>
+                      <a:pPr marL="0" marR="0" indent="0" algn="l" defTabSz="914400" rtl="0" eaLnBrk="1" fontAlgn="auto" latinLnBrk="0" hangingPunct="1">
+                        <a:lnSpc>
+                          <a:spcPct val="100000"/>
+                        </a:lnSpc>
+                        <a:spcBef>
+                          <a:spcPts val="0"/>
+                        </a:spcBef>
+                        <a:spcAft>
+                          <a:spcPts val="0"/>
+                        </a:spcAft>
+                        <a:buClrTx/>
+                        <a:buSzTx/>
+                        <a:buFontTx/>
+                        <a:buNone/>
+                        <a:defRPr/>
+                      </a:pPr>
+                      <a:r>
+                        <a:rPr lang="en-US" sz="1600" dirty="0"/>
+                        <a:t>Table</a:t>
+                      </a:r>
+                      <a:r>
+                        <a:rPr lang="en-US" sz="1600" baseline="0" dirty="0"/>
+                        <a:t> Heading 02</a:t>
+                      </a:r>
+                      <a:endParaRPr lang="en-US" sz="1600" dirty="0"/>
+                    </a:p>
+                  </a:txBody>
+                  <a:tcPr marL="137160" marR="137160" anchor="ctr">
+                    <a:lnL w="12700" cap="flat" cmpd="sng" algn="ctr">
+                      <a:solidFill>
+                        <a:schemeClr val="accent5">
+                          <a:lumMod val="40000"/>
+                          <a:lumOff val="60000"/>
+                        </a:schemeClr>
+                      </a:solidFill>
+                      <a:prstDash val="solid"/>
+                      <a:round/>
+                      <a:headEnd type="none" w="med" len="med"/>
+                      <a:tailEnd type="none" w="med" len="med"/>
+                    </a:lnL>
+                    <a:lnR w="12700" cap="flat" cmpd="sng" algn="ctr">
+                      <a:solidFill>
+                        <a:schemeClr val="accent5">
+                          <a:lumMod val="40000"/>
+                          <a:lumOff val="60000"/>
+                        </a:schemeClr>
+                      </a:solidFill>
+                      <a:prstDash val="solid"/>
+                      <a:round/>
+                      <a:headEnd type="none" w="med" len="med"/>
+                      <a:tailEnd type="none" w="med" len="med"/>
+                    </a:lnR>
+                    <a:lnT w="12700" cap="flat" cmpd="sng" algn="ctr">
+                      <a:solidFill>
+                        <a:schemeClr val="accent5">
+                          <a:lumMod val="40000"/>
+                          <a:lumOff val="60000"/>
+                        </a:schemeClr>
+                      </a:solidFill>
+                      <a:prstDash val="solid"/>
+                      <a:round/>
+                      <a:headEnd type="none" w="med" len="med"/>
+                      <a:tailEnd type="none" w="med" len="med"/>
+                    </a:lnT>
+                    <a:lnB w="12700" cap="flat" cmpd="sng" algn="ctr">
+                      <a:solidFill>
+                        <a:schemeClr val="accent5">
+                          <a:lumMod val="40000"/>
+                          <a:lumOff val="60000"/>
+                        </a:schemeClr>
+                      </a:solidFill>
+                      <a:prstDash val="solid"/>
+                      <a:round/>
+                      <a:headEnd type="none" w="med" len="med"/>
+                      <a:tailEnd type="none" w="med" len="med"/>
+                    </a:lnB>
+                    <a:solidFill>
+                      <a:srgbClr val="46999B"/>
+                    </a:solidFill>
+                  </a:tcPr>
+                </a:tc>
+                <a:tc>
+                  <a:txBody>
+                    <a:bodyPr/>
+                    <a:lstStyle/>
+                    <a:p>
+                      <a:pPr marL="0" marR="0" indent="0" algn="l" defTabSz="914400" rtl="0" eaLnBrk="1" fontAlgn="auto" latinLnBrk="0" hangingPunct="1">
+                        <a:lnSpc>
+                          <a:spcPct val="100000"/>
+                        </a:lnSpc>
+                        <a:spcBef>
+                          <a:spcPts val="0"/>
+                        </a:spcBef>
+                        <a:spcAft>
+                          <a:spcPts val="0"/>
+                        </a:spcAft>
+                        <a:buClrTx/>
+                        <a:buSzTx/>
+                        <a:buFontTx/>
+                        <a:buNone/>
+                        <a:defRPr/>
+                      </a:pPr>
+                      <a:r>
+                        <a:rPr lang="en-US" sz="1600" dirty="0"/>
+                        <a:t>Table</a:t>
+                      </a:r>
+                      <a:r>
+                        <a:rPr lang="en-US" sz="1600" baseline="0" dirty="0"/>
+                        <a:t> Heading 03</a:t>
+                      </a:r>
+                      <a:endParaRPr lang="en-US" sz="1600" dirty="0"/>
+                    </a:p>
+                  </a:txBody>
+                  <a:tcPr marL="137160" marR="137160" anchor="ctr">
+                    <a:lnL w="12700" cap="flat" cmpd="sng" algn="ctr">
+                      <a:solidFill>
+                        <a:schemeClr val="accent5">
+                          <a:lumMod val="40000"/>
+                          <a:lumOff val="60000"/>
+                        </a:schemeClr>
+                      </a:solidFill>
+                      <a:prstDash val="solid"/>
+                      <a:round/>
+                      <a:headEnd type="none" w="med" len="med"/>
+                      <a:tailEnd type="none" w="med" len="med"/>
+                    </a:lnL>
+                    <a:lnR w="12700" cap="flat" cmpd="sng" algn="ctr">
+                      <a:solidFill>
+                        <a:schemeClr val="accent5">
+                          <a:lumMod val="40000"/>
+                          <a:lumOff val="60000"/>
+                        </a:schemeClr>
+                      </a:solidFill>
+                      <a:prstDash val="solid"/>
+                      <a:round/>
+                      <a:headEnd type="none" w="med" len="med"/>
+                      <a:tailEnd type="none" w="med" len="med"/>
+                    </a:lnR>
+                    <a:lnT w="12700" cap="flat" cmpd="sng" algn="ctr">
+                      <a:solidFill>
+                        <a:schemeClr val="accent5">
+                          <a:lumMod val="40000"/>
+                          <a:lumOff val="60000"/>
+                        </a:schemeClr>
+                      </a:solidFill>
+                      <a:prstDash val="solid"/>
+                      <a:round/>
+                      <a:headEnd type="none" w="med" len="med"/>
+                      <a:tailEnd type="none" w="med" len="med"/>
+                    </a:lnT>
+                    <a:lnB w="12700" cap="flat" cmpd="sng" algn="ctr">
+                      <a:solidFill>
+                        <a:schemeClr val="accent5">
+                          <a:lumMod val="40000"/>
+                          <a:lumOff val="60000"/>
+                        </a:schemeClr>
+                      </a:solidFill>
+                      <a:prstDash val="solid"/>
+                      <a:round/>
+                      <a:headEnd type="none" w="med" len="med"/>
+                      <a:tailEnd type="none" w="med" len="med"/>
+                    </a:lnB>
+                    <a:solidFill>
+                      <a:srgbClr val="4697E2"/>
+                    </a:solidFill>
+                  </a:tcPr>
+                </a:tc>
+                <a:tc>
+                  <a:txBody>
+                    <a:bodyPr/>
+                    <a:lstStyle/>
+                    <a:p>
+                      <a:pPr marL="0" marR="0" indent="0" algn="l" defTabSz="914400" rtl="0" eaLnBrk="1" fontAlgn="auto" latinLnBrk="0" hangingPunct="1">
+                        <a:lnSpc>
+                          <a:spcPct val="100000"/>
+                        </a:lnSpc>
+                        <a:spcBef>
+                          <a:spcPts val="0"/>
+                        </a:spcBef>
+                        <a:spcAft>
+                          <a:spcPts val="0"/>
+                        </a:spcAft>
+                        <a:buClrTx/>
+                        <a:buSzTx/>
+                        <a:buFontTx/>
+                        <a:buNone/>
+                        <a:defRPr/>
+                      </a:pPr>
+                      <a:r>
+                        <a:rPr lang="en-US" sz="1600" dirty="0"/>
+                        <a:t>Table</a:t>
+                      </a:r>
+                      <a:r>
+                        <a:rPr lang="en-US" sz="1600" baseline="0" dirty="0"/>
+                        <a:t> Heading 04</a:t>
+                      </a:r>
+                      <a:endParaRPr lang="en-US" sz="1600" dirty="0"/>
+                    </a:p>
+                  </a:txBody>
+                  <a:tcPr marL="137160" marR="137160" anchor="ctr">
+                    <a:lnL w="12700" cap="flat" cmpd="sng" algn="ctr">
+                      <a:solidFill>
+                        <a:schemeClr val="accent5">
+                          <a:lumMod val="40000"/>
+                          <a:lumOff val="60000"/>
+                        </a:schemeClr>
+                      </a:solidFill>
+                      <a:prstDash val="solid"/>
+                      <a:round/>
+                      <a:headEnd type="none" w="med" len="med"/>
+                      <a:tailEnd type="none" w="med" len="med"/>
+                    </a:lnL>
+                    <a:lnR w="12700" cap="flat" cmpd="sng" algn="ctr">
+                      <a:solidFill>
+                        <a:schemeClr val="accent5">
+                          <a:lumMod val="40000"/>
+                          <a:lumOff val="60000"/>
+                        </a:schemeClr>
+                      </a:solidFill>
+                      <a:prstDash val="solid"/>
+                      <a:round/>
+                      <a:headEnd type="none" w="med" len="med"/>
+                      <a:tailEnd type="none" w="med" len="med"/>
+                    </a:lnR>
+                    <a:lnT w="12700" cap="flat" cmpd="sng" algn="ctr">
+                      <a:solidFill>
+                        <a:schemeClr val="accent5">
+                          <a:lumMod val="40000"/>
+                          <a:lumOff val="60000"/>
+                        </a:schemeClr>
+                      </a:solidFill>
+                      <a:prstDash val="solid"/>
+                      <a:round/>
+                      <a:headEnd type="none" w="med" len="med"/>
+                      <a:tailEnd type="none" w="med" len="med"/>
+                    </a:lnT>
+                    <a:lnB w="12700" cap="flat" cmpd="sng" algn="ctr">
+                      <a:solidFill>
+                        <a:schemeClr val="accent5">
+                          <a:lumMod val="40000"/>
+                          <a:lumOff val="60000"/>
+                        </a:schemeClr>
+                      </a:solidFill>
+                      <a:prstDash val="solid"/>
+                      <a:round/>
+                      <a:headEnd type="none" w="med" len="med"/>
+                      <a:tailEnd type="none" w="med" len="med"/>
+                    </a:lnB>
+                    <a:solidFill>
+                      <a:srgbClr val="AD53C1"/>
+                    </a:solidFill>
+                  </a:tcPr>
+                </a:tc>
+              </a:tr>
+              <a:tr h="1891668">
+                <a:tc>
+                  <a:txBody>
+                    <a:bodyPr/>
+                    <a:lstStyle/>
+                    <a:p>
+                      <a:r>
+                        <a:rPr lang="en-US" altLang="zh-CN" sz="1400" dirty="0">
+                          <a:solidFill>
+                            <a:schemeClr val="bg2"/>
+                          </a:solidFill>
+                        </a:rPr>
+                        <a:t>SNC</a:t>
+                      </a:r>
+                      <a:r>
+                        <a:rPr lang="en-US" sz="1400" dirty="0">
+                          <a:solidFill>
+                            <a:schemeClr val="bg2"/>
+                          </a:solidFill>
+                        </a:rPr>
+                        <a:t>'s is an essential component of the global capital markets, providing credit ratings, research, tools and analysis.</a:t>
+                      </a:r>
+                    </a:p>
+                  </a:txBody>
+                  <a:tcPr marL="137160" marR="137160" marT="137160" marB="137160">
+                    <a:lnL w="12700" cap="flat" cmpd="sng" algn="ctr">
+                      <a:solidFill>
+                        <a:schemeClr val="accent5">
+                          <a:lumMod val="40000"/>
+                          <a:lumOff val="60000"/>
+                        </a:schemeClr>
+                      </a:solidFill>
+                      <a:prstDash val="solid"/>
+                      <a:round/>
+                      <a:headEnd type="none" w="med" len="med"/>
+                      <a:tailEnd type="none" w="med" len="med"/>
+                    </a:lnL>
+                    <a:lnR w="12700" cap="flat" cmpd="sng" algn="ctr">
+                      <a:solidFill>
+                        <a:schemeClr val="accent5">
+                          <a:lumMod val="40000"/>
+                          <a:lumOff val="60000"/>
+                        </a:schemeClr>
+                      </a:solidFill>
+                      <a:prstDash val="solid"/>
+                      <a:round/>
+                      <a:headEnd type="none" w="med" len="med"/>
+                      <a:tailEnd type="none" w="med" len="med"/>
+                    </a:lnR>
+                    <a:lnT w="12700" cap="flat" cmpd="sng" algn="ctr">
+                      <a:solidFill>
+                        <a:schemeClr val="accent5">
+                          <a:lumMod val="40000"/>
+                          <a:lumOff val="60000"/>
+                        </a:schemeClr>
+                      </a:solidFill>
+                      <a:prstDash val="solid"/>
+                      <a:round/>
+                      <a:headEnd type="none" w="med" len="med"/>
+                      <a:tailEnd type="none" w="med" len="med"/>
+                    </a:lnT>
+                    <a:lnB w="12700" cap="flat" cmpd="sng" algn="ctr">
+                      <a:solidFill>
+                        <a:schemeClr val="accent5">
+                          <a:lumMod val="40000"/>
+                          <a:lumOff val="60000"/>
+                        </a:schemeClr>
+                      </a:solidFill>
+                      <a:prstDash val="solid"/>
+                      <a:round/>
+                      <a:headEnd type="none" w="med" len="med"/>
+                      <a:tailEnd type="none" w="med" len="med"/>
+                    </a:lnB>
+                    <a:solidFill>
+                      <a:schemeClr val="bg1"/>
+                    </a:solidFill>
+                  </a:tcPr>
+                </a:tc>
+                <a:tc>
+                  <a:txBody>
+                    <a:bodyPr/>
+                    <a:lstStyle/>
+                    <a:p>
+                      <a:pPr marL="0" marR="0" indent="0" algn="l" defTabSz="914400" rtl="0" eaLnBrk="1" fontAlgn="auto" latinLnBrk="0" hangingPunct="1">
+                        <a:lnSpc>
+                          <a:spcPct val="100000"/>
+                        </a:lnSpc>
+                        <a:spcBef>
+                          <a:spcPts val="0"/>
+                        </a:spcBef>
+                        <a:spcAft>
+                          <a:spcPts val="0"/>
+                        </a:spcAft>
+                        <a:buClrTx/>
+                        <a:buSzTx/>
+                        <a:buFontTx/>
+                        <a:buNone/>
+                        <a:defRPr/>
+                      </a:pPr>
+                      <a:r>
+                        <a:rPr lang="en-US" altLang="zh-CN" sz="1400" dirty="0">
+                          <a:solidFill>
+                            <a:schemeClr val="bg2"/>
+                          </a:solidFill>
+                        </a:rPr>
+                        <a:t>SNC</a:t>
+                      </a:r>
+                      <a:r>
+                        <a:rPr lang="en-US" sz="1400" dirty="0">
+                          <a:solidFill>
+                            <a:schemeClr val="bg2"/>
+                          </a:solidFill>
+                        </a:rPr>
+                        <a:t>'s is an essential component of the global capital markets, providing credit ratings, research, tools and analysis.</a:t>
+                      </a:r>
+                    </a:p>
+                  </a:txBody>
+                  <a:tcPr marL="137160" marR="137160" marT="137160" marB="137160">
+                    <a:lnL w="12700" cap="flat" cmpd="sng" algn="ctr">
+                      <a:solidFill>
+                        <a:schemeClr val="accent5">
+                          <a:lumMod val="40000"/>
+                          <a:lumOff val="60000"/>
+                        </a:schemeClr>
+                      </a:solidFill>
+                      <a:prstDash val="solid"/>
+                      <a:round/>
+                      <a:headEnd type="none" w="med" len="med"/>
+                      <a:tailEnd type="none" w="med" len="med"/>
+                    </a:lnL>
+                    <a:lnR w="12700" cap="flat" cmpd="sng" algn="ctr">
+                      <a:solidFill>
+                        <a:schemeClr val="accent5">
+                          <a:lumMod val="40000"/>
+                          <a:lumOff val="60000"/>
+                        </a:schemeClr>
+                      </a:solidFill>
+                      <a:prstDash val="solid"/>
+                      <a:round/>
+                      <a:headEnd type="none" w="med" len="med"/>
+                      <a:tailEnd type="none" w="med" len="med"/>
+                    </a:lnR>
+                    <a:lnT w="12700" cap="flat" cmpd="sng" algn="ctr">
+                      <a:solidFill>
+                        <a:schemeClr val="accent5">
+                          <a:lumMod val="40000"/>
+                          <a:lumOff val="60000"/>
+                        </a:schemeClr>
+                      </a:solidFill>
+                      <a:prstDash val="solid"/>
+                      <a:round/>
+                      <a:headEnd type="none" w="med" len="med"/>
+                      <a:tailEnd type="none" w="med" len="med"/>
+                    </a:lnT>
+                    <a:lnB w="12700" cap="flat" cmpd="sng" algn="ctr">
+                      <a:solidFill>
+                        <a:schemeClr val="accent5">
+                          <a:lumMod val="40000"/>
+                          <a:lumOff val="60000"/>
+                        </a:schemeClr>
+                      </a:solidFill>
+                      <a:prstDash val="solid"/>
+                      <a:round/>
+                      <a:headEnd type="none" w="med" len="med"/>
+                      <a:tailEnd type="none" w="med" len="med"/>
+                    </a:lnB>
+                    <a:solidFill>
+                      <a:srgbClr val="FFFFFF"/>
+                    </a:solidFill>
+                  </a:tcPr>
+                </a:tc>
+                <a:tc>
+                  <a:txBody>
+                    <a:bodyPr/>
+                    <a:lstStyle/>
+                    <a:p>
+                      <a:r>
+                        <a:rPr lang="en-US" altLang="zh-CN" sz="1400" dirty="0">
+                          <a:solidFill>
+                            <a:schemeClr val="bg2"/>
+                          </a:solidFill>
+                        </a:rPr>
+                        <a:t>SNC</a:t>
+                      </a:r>
+                      <a:r>
+                        <a:rPr lang="en-US" sz="1400" dirty="0">
+                          <a:solidFill>
+                            <a:schemeClr val="bg2"/>
+                          </a:solidFill>
+                        </a:rPr>
+                        <a:t>'s is an essential component of the global capital markets, providing credit ratings, research, tools and analysis.</a:t>
+                      </a:r>
+                    </a:p>
+                  </a:txBody>
+                  <a:tcPr marL="137160" marR="137160" marT="137160" marB="137160">
+                    <a:lnL w="12700" cap="flat" cmpd="sng" algn="ctr">
+                      <a:solidFill>
+                        <a:schemeClr val="accent5">
+                          <a:lumMod val="40000"/>
+                          <a:lumOff val="60000"/>
+                        </a:schemeClr>
+                      </a:solidFill>
+                      <a:prstDash val="solid"/>
+                      <a:round/>
+                      <a:headEnd type="none" w="med" len="med"/>
+                      <a:tailEnd type="none" w="med" len="med"/>
+                    </a:lnL>
+                    <a:lnR w="12700" cap="flat" cmpd="sng" algn="ctr">
+                      <a:solidFill>
+                        <a:schemeClr val="accent5">
+                          <a:lumMod val="40000"/>
+                          <a:lumOff val="60000"/>
+                        </a:schemeClr>
+                      </a:solidFill>
+                      <a:prstDash val="solid"/>
+                      <a:round/>
+                      <a:headEnd type="none" w="med" len="med"/>
+                      <a:tailEnd type="none" w="med" len="med"/>
+                    </a:lnR>
+                    <a:lnT w="12700" cap="flat" cmpd="sng" algn="ctr">
+                      <a:solidFill>
+                        <a:schemeClr val="accent5">
+                          <a:lumMod val="40000"/>
+                          <a:lumOff val="60000"/>
+                        </a:schemeClr>
+                      </a:solidFill>
+                      <a:prstDash val="solid"/>
+                      <a:round/>
+                      <a:headEnd type="none" w="med" len="med"/>
+                      <a:tailEnd type="none" w="med" len="med"/>
+                    </a:lnT>
+                    <a:lnB w="12700" cap="flat" cmpd="sng" algn="ctr">
+                      <a:solidFill>
+                        <a:schemeClr val="accent5">
+                          <a:lumMod val="40000"/>
+                          <a:lumOff val="60000"/>
+                        </a:schemeClr>
+                      </a:solidFill>
+                      <a:prstDash val="solid"/>
+                      <a:round/>
+                      <a:headEnd type="none" w="med" len="med"/>
+                      <a:tailEnd type="none" w="med" len="med"/>
+                    </a:lnB>
+                    <a:solidFill>
+                      <a:schemeClr val="bg1"/>
+                    </a:solidFill>
+                  </a:tcPr>
+                </a:tc>
+                <a:tc>
+                  <a:txBody>
+                    <a:bodyPr/>
+                    <a:lstStyle/>
+                    <a:p>
+                      <a:r>
+                        <a:rPr lang="en-US" altLang="zh-CN" sz="1400" dirty="0">
+                          <a:solidFill>
+                            <a:schemeClr val="bg2"/>
+                          </a:solidFill>
+                        </a:rPr>
+                        <a:t>SNC</a:t>
+                      </a:r>
+                      <a:r>
+                        <a:rPr lang="en-US" sz="1400" dirty="0">
+                          <a:solidFill>
+                            <a:schemeClr val="bg2"/>
+                          </a:solidFill>
+                        </a:rPr>
+                        <a:t>'s is an essential component of the global capital markets, providing credit ratings, research, tools and analysis.</a:t>
+                      </a:r>
+                    </a:p>
+                  </a:txBody>
+                  <a:tcPr marL="137160" marR="137160" marT="137160" marB="137160">
+                    <a:lnL w="12700" cap="flat" cmpd="sng" algn="ctr">
+                      <a:solidFill>
+                        <a:schemeClr val="accent5">
+                          <a:lumMod val="40000"/>
+                          <a:lumOff val="60000"/>
+                        </a:schemeClr>
+                      </a:solidFill>
+                      <a:prstDash val="solid"/>
+                      <a:round/>
+                      <a:headEnd type="none" w="med" len="med"/>
+                      <a:tailEnd type="none" w="med" len="med"/>
+                    </a:lnL>
+                    <a:lnR w="12700" cap="flat" cmpd="sng" algn="ctr">
+                      <a:solidFill>
+                        <a:schemeClr val="accent5">
+                          <a:lumMod val="40000"/>
+                          <a:lumOff val="60000"/>
+                        </a:schemeClr>
+                      </a:solidFill>
+                      <a:prstDash val="solid"/>
+                      <a:round/>
+                      <a:headEnd type="none" w="med" len="med"/>
+                      <a:tailEnd type="none" w="med" len="med"/>
+                    </a:lnR>
+                    <a:lnT w="12700" cap="flat" cmpd="sng" algn="ctr">
+                      <a:solidFill>
+                        <a:schemeClr val="accent5">
+                          <a:lumMod val="40000"/>
+                          <a:lumOff val="60000"/>
+                        </a:schemeClr>
+                      </a:solidFill>
+                      <a:prstDash val="solid"/>
+                      <a:round/>
+                      <a:headEnd type="none" w="med" len="med"/>
+                      <a:tailEnd type="none" w="med" len="med"/>
+                    </a:lnT>
+                    <a:lnB w="12700" cap="flat" cmpd="sng" algn="ctr">
+                      <a:solidFill>
+                        <a:schemeClr val="accent5">
+                          <a:lumMod val="40000"/>
+                          <a:lumOff val="60000"/>
+                        </a:schemeClr>
+                      </a:solidFill>
+                      <a:prstDash val="solid"/>
+                      <a:round/>
+                      <a:headEnd type="none" w="med" len="med"/>
+                      <a:tailEnd type="none" w="med" len="med"/>
+                    </a:lnB>
+                    <a:solidFill>
+                      <a:schemeClr val="bg1"/>
+                    </a:solidFill>
+                  </a:tcPr>
+                </a:tc>
+              </a:tr>
+              <a:tr h="1928602">
+                <a:tc>
+                  <a:txBody>
+                    <a:bodyPr/>
+                    <a:lstStyle/>
+                    <a:p>
+                      <a:pPr marL="176530" lvl="0" indent="-174625">
+                        <a:spcBef>
+                          <a:spcPts val="600"/>
+                        </a:spcBef>
+                        <a:buClr>
+                          <a:srgbClr val="83C372"/>
+                        </a:buClr>
+                        <a:buFont typeface="Arial" panose="020B0604020202020204" pitchFamily="34" charset="0"/>
+                        <a:buChar char="»"/>
+                      </a:pPr>
+                      <a:r>
+                        <a:rPr lang="en-US" sz="1400" dirty="0">
+                          <a:solidFill>
+                            <a:schemeClr val="bg2"/>
+                          </a:solidFill>
+                        </a:rPr>
+                        <a:t>Parent company of MIS and MA</a:t>
+                      </a:r>
+                    </a:p>
+                    <a:p>
+                      <a:pPr marL="176530" lvl="0" indent="-174625" algn="l" defTabSz="914400" rtl="0" eaLnBrk="1" latinLnBrk="0" hangingPunct="1">
+                        <a:spcBef>
+                          <a:spcPts val="600"/>
+                        </a:spcBef>
+                        <a:buClr>
+                          <a:srgbClr val="83C372"/>
+                        </a:buClr>
+                        <a:buFont typeface="Arial" panose="020B0604020202020204" pitchFamily="34" charset="0"/>
+                        <a:buChar char="»"/>
+                      </a:pPr>
+                      <a:r>
+                        <a:rPr lang="en-US" sz="1400" kern="1200" dirty="0">
+                          <a:solidFill>
+                            <a:schemeClr val="bg2"/>
+                          </a:solidFill>
+                          <a:latin typeface="+mn-lt"/>
+                          <a:ea typeface="+mn-ea"/>
+                          <a:cs typeface="+mn-cs"/>
+                        </a:rPr>
+                        <a:t>Contributes to transparent and integrated financial markets</a:t>
+                      </a:r>
+                    </a:p>
+                  </a:txBody>
+                  <a:tcPr marL="137160" marR="137160" marT="137160" marB="137160">
+                    <a:lnL w="12700" cap="flat" cmpd="sng" algn="ctr">
+                      <a:solidFill>
+                        <a:schemeClr val="accent5">
+                          <a:lumMod val="40000"/>
+                          <a:lumOff val="60000"/>
+                        </a:schemeClr>
+                      </a:solidFill>
+                      <a:prstDash val="solid"/>
+                      <a:round/>
+                      <a:headEnd type="none" w="med" len="med"/>
+                      <a:tailEnd type="none" w="med" len="med"/>
+                    </a:lnL>
+                    <a:lnR w="12700" cap="flat" cmpd="sng" algn="ctr">
+                      <a:solidFill>
+                        <a:schemeClr val="accent5">
+                          <a:lumMod val="40000"/>
+                          <a:lumOff val="60000"/>
+                        </a:schemeClr>
+                      </a:solidFill>
+                      <a:prstDash val="solid"/>
+                      <a:round/>
+                      <a:headEnd type="none" w="med" len="med"/>
+                      <a:tailEnd type="none" w="med" len="med"/>
+                    </a:lnR>
+                    <a:lnT w="12700" cap="flat" cmpd="sng" algn="ctr">
+                      <a:solidFill>
+                        <a:schemeClr val="accent5">
+                          <a:lumMod val="40000"/>
+                          <a:lumOff val="60000"/>
+                        </a:schemeClr>
+                      </a:solidFill>
+                      <a:prstDash val="solid"/>
+                      <a:round/>
+                      <a:headEnd type="none" w="med" len="med"/>
+                      <a:tailEnd type="none" w="med" len="med"/>
+                    </a:lnT>
+                    <a:lnB w="12700" cap="flat" cmpd="sng" algn="ctr">
+                      <a:solidFill>
+                        <a:schemeClr val="accent5">
+                          <a:lumMod val="40000"/>
+                          <a:lumOff val="60000"/>
+                        </a:schemeClr>
+                      </a:solidFill>
+                      <a:prstDash val="solid"/>
+                      <a:round/>
+                      <a:headEnd type="none" w="med" len="med"/>
+                      <a:tailEnd type="none" w="med" len="med"/>
+                    </a:lnB>
+                    <a:solidFill>
+                      <a:schemeClr val="bg1"/>
+                    </a:solidFill>
+                  </a:tcPr>
+                </a:tc>
+                <a:tc>
+                  <a:txBody>
+                    <a:bodyPr/>
+                    <a:lstStyle/>
+                    <a:p>
+                      <a:pPr marL="176530" lvl="0" indent="-174625" algn="l" defTabSz="914400" rtl="0" eaLnBrk="1" latinLnBrk="0" hangingPunct="1">
+                        <a:spcBef>
+                          <a:spcPts val="600"/>
+                        </a:spcBef>
+                        <a:buClr>
+                          <a:srgbClr val="83C372"/>
+                        </a:buClr>
+                        <a:buFont typeface="Arial" panose="020B0604020202020204" pitchFamily="34" charset="0"/>
+                        <a:buChar char="»"/>
+                      </a:pPr>
+                      <a:r>
+                        <a:rPr lang="en-US" sz="1400" kern="1200" dirty="0">
+                          <a:solidFill>
+                            <a:schemeClr val="bg2"/>
+                          </a:solidFill>
+                          <a:latin typeface="+mn-lt"/>
+                          <a:ea typeface="+mn-ea"/>
+                          <a:cs typeface="+mn-cs"/>
+                        </a:rPr>
+                        <a:t>Parent company of MIS and MA</a:t>
+                      </a:r>
+                    </a:p>
+                    <a:p>
+                      <a:pPr marL="176530" lvl="0" indent="-174625" algn="l" defTabSz="914400" rtl="0" eaLnBrk="1" latinLnBrk="0" hangingPunct="1">
+                        <a:spcBef>
+                          <a:spcPts val="600"/>
+                        </a:spcBef>
+                        <a:buClr>
+                          <a:srgbClr val="83C372"/>
+                        </a:buClr>
+                        <a:buFont typeface="Arial" panose="020B0604020202020204" pitchFamily="34" charset="0"/>
+                        <a:buChar char="»"/>
+                      </a:pPr>
+                      <a:r>
+                        <a:rPr lang="en-US" sz="1400" kern="1200" dirty="0">
+                          <a:solidFill>
+                            <a:schemeClr val="bg2"/>
+                          </a:solidFill>
+                          <a:latin typeface="+mn-lt"/>
+                          <a:ea typeface="+mn-ea"/>
+                          <a:cs typeface="+mn-cs"/>
+                        </a:rPr>
+                        <a:t>Contributes to transparent and integrated financial markets</a:t>
+                      </a:r>
+                    </a:p>
+                  </a:txBody>
+                  <a:tcPr marL="137160" marR="137160" marT="137160" marB="137160">
+                    <a:lnL w="12700" cap="flat" cmpd="sng" algn="ctr">
+                      <a:solidFill>
+                        <a:schemeClr val="accent5">
+                          <a:lumMod val="40000"/>
+                          <a:lumOff val="60000"/>
+                        </a:schemeClr>
+                      </a:solidFill>
+                      <a:prstDash val="solid"/>
+                      <a:round/>
+                      <a:headEnd type="none" w="med" len="med"/>
+                      <a:tailEnd type="none" w="med" len="med"/>
+                    </a:lnL>
+                    <a:lnR w="12700" cap="flat" cmpd="sng" algn="ctr">
+                      <a:solidFill>
+                        <a:schemeClr val="accent5">
+                          <a:lumMod val="40000"/>
+                          <a:lumOff val="60000"/>
+                        </a:schemeClr>
+                      </a:solidFill>
+                      <a:prstDash val="solid"/>
+                      <a:round/>
+                      <a:headEnd type="none" w="med" len="med"/>
+                      <a:tailEnd type="none" w="med" len="med"/>
+                    </a:lnR>
+                    <a:lnT w="12700" cap="flat" cmpd="sng" algn="ctr">
+                      <a:solidFill>
+                        <a:schemeClr val="accent5">
+                          <a:lumMod val="40000"/>
+                          <a:lumOff val="60000"/>
+                        </a:schemeClr>
+                      </a:solidFill>
+                      <a:prstDash val="solid"/>
+                      <a:round/>
+                      <a:headEnd type="none" w="med" len="med"/>
+                      <a:tailEnd type="none" w="med" len="med"/>
+                    </a:lnT>
+                    <a:lnB w="12700" cap="flat" cmpd="sng" algn="ctr">
+                      <a:solidFill>
+                        <a:schemeClr val="accent5">
+                          <a:lumMod val="40000"/>
+                          <a:lumOff val="60000"/>
+                        </a:schemeClr>
+                      </a:solidFill>
+                      <a:prstDash val="solid"/>
+                      <a:round/>
+                      <a:headEnd type="none" w="med" len="med"/>
+                      <a:tailEnd type="none" w="med" len="med"/>
+                    </a:lnB>
+                    <a:solidFill>
+                      <a:schemeClr val="bg1"/>
+                    </a:solidFill>
+                  </a:tcPr>
+                </a:tc>
+                <a:tc>
+                  <a:txBody>
+                    <a:bodyPr/>
+                    <a:lstStyle/>
+                    <a:p>
+                      <a:pPr marL="176530" lvl="0" indent="-174625" algn="l" defTabSz="914400" rtl="0" eaLnBrk="1" latinLnBrk="0" hangingPunct="1">
+                        <a:spcBef>
+                          <a:spcPts val="600"/>
+                        </a:spcBef>
+                        <a:buClr>
+                          <a:srgbClr val="83C372"/>
+                        </a:buClr>
+                        <a:buFont typeface="Arial" panose="020B0604020202020204" pitchFamily="34" charset="0"/>
+                        <a:buChar char="»"/>
+                      </a:pPr>
+                      <a:r>
+                        <a:rPr lang="en-US" sz="1400" kern="1200" dirty="0">
+                          <a:solidFill>
+                            <a:schemeClr val="bg2"/>
+                          </a:solidFill>
+                          <a:latin typeface="+mn-lt"/>
+                          <a:ea typeface="+mn-ea"/>
+                          <a:cs typeface="+mn-cs"/>
+                        </a:rPr>
+                        <a:t>Parent company of MIS and MA</a:t>
+                      </a:r>
+                    </a:p>
+                    <a:p>
+                      <a:pPr marL="176530" lvl="0" indent="-174625" algn="l" defTabSz="914400" rtl="0" eaLnBrk="1" latinLnBrk="0" hangingPunct="1">
+                        <a:spcBef>
+                          <a:spcPts val="600"/>
+                        </a:spcBef>
+                        <a:buClr>
+                          <a:srgbClr val="83C372"/>
+                        </a:buClr>
+                        <a:buFont typeface="Arial" panose="020B0604020202020204" pitchFamily="34" charset="0"/>
+                        <a:buChar char="»"/>
+                      </a:pPr>
+                      <a:r>
+                        <a:rPr lang="en-US" sz="1400" kern="1200" dirty="0">
+                          <a:solidFill>
+                            <a:schemeClr val="bg2"/>
+                          </a:solidFill>
+                          <a:latin typeface="+mn-lt"/>
+                          <a:ea typeface="+mn-ea"/>
+                          <a:cs typeface="+mn-cs"/>
+                        </a:rPr>
+                        <a:t>Contributes to transparent and integrated financial markets</a:t>
+                      </a:r>
+                    </a:p>
+                    <a:p>
+                      <a:pPr>
+                        <a:buClr>
+                          <a:srgbClr val="83C372"/>
+                        </a:buClr>
+                      </a:pPr>
+                      <a:endParaRPr lang="en-US" sz="1400" dirty="0">
+                        <a:solidFill>
+                          <a:schemeClr val="bg2"/>
+                        </a:solidFill>
+                      </a:endParaRPr>
+                    </a:p>
+                  </a:txBody>
+                  <a:tcPr marL="137160" marR="137160" marT="137160" marB="137160">
+                    <a:lnL w="12700" cap="flat" cmpd="sng" algn="ctr">
+                      <a:solidFill>
+                        <a:schemeClr val="accent5">
+                          <a:lumMod val="40000"/>
+                          <a:lumOff val="60000"/>
+                        </a:schemeClr>
+                      </a:solidFill>
+                      <a:prstDash val="solid"/>
+                      <a:round/>
+                      <a:headEnd type="none" w="med" len="med"/>
+                      <a:tailEnd type="none" w="med" len="med"/>
+                    </a:lnL>
+                    <a:lnR w="12700" cap="flat" cmpd="sng" algn="ctr">
+                      <a:solidFill>
+                        <a:schemeClr val="accent5">
+                          <a:lumMod val="40000"/>
+                          <a:lumOff val="60000"/>
+                        </a:schemeClr>
+                      </a:solidFill>
+                      <a:prstDash val="solid"/>
+                      <a:round/>
+                      <a:headEnd type="none" w="med" len="med"/>
+                      <a:tailEnd type="none" w="med" len="med"/>
+                    </a:lnR>
+                    <a:lnT w="12700" cap="flat" cmpd="sng" algn="ctr">
+                      <a:solidFill>
+                        <a:schemeClr val="accent5">
+                          <a:lumMod val="40000"/>
+                          <a:lumOff val="60000"/>
+                        </a:schemeClr>
+                      </a:solidFill>
+                      <a:prstDash val="solid"/>
+                      <a:round/>
+                      <a:headEnd type="none" w="med" len="med"/>
+                      <a:tailEnd type="none" w="med" len="med"/>
+                    </a:lnT>
+                    <a:lnB w="12700" cap="flat" cmpd="sng" algn="ctr">
+                      <a:solidFill>
+                        <a:schemeClr val="accent5">
+                          <a:lumMod val="40000"/>
+                          <a:lumOff val="60000"/>
+                        </a:schemeClr>
+                      </a:solidFill>
+                      <a:prstDash val="solid"/>
+                      <a:round/>
+                      <a:headEnd type="none" w="med" len="med"/>
+                      <a:tailEnd type="none" w="med" len="med"/>
+                    </a:lnB>
+                    <a:solidFill>
+                      <a:schemeClr val="bg1"/>
+                    </a:solidFill>
+                  </a:tcPr>
+                </a:tc>
+                <a:tc>
+                  <a:txBody>
+                    <a:bodyPr/>
+                    <a:lstStyle/>
+                    <a:p>
+                      <a:pPr marL="176530" lvl="0" indent="-174625" algn="l" defTabSz="914400" rtl="0" eaLnBrk="1" latinLnBrk="0" hangingPunct="1">
+                        <a:spcBef>
+                          <a:spcPts val="600"/>
+                        </a:spcBef>
+                        <a:buClr>
+                          <a:srgbClr val="83C372"/>
+                        </a:buClr>
+                        <a:buFont typeface="Arial" panose="020B0604020202020204" pitchFamily="34" charset="0"/>
+                        <a:buChar char="»"/>
+                      </a:pPr>
+                      <a:r>
+                        <a:rPr lang="en-US" sz="1400" kern="1200" dirty="0">
+                          <a:solidFill>
+                            <a:schemeClr val="bg2"/>
+                          </a:solidFill>
+                          <a:latin typeface="+mn-lt"/>
+                          <a:ea typeface="+mn-ea"/>
+                          <a:cs typeface="+mn-cs"/>
+                        </a:rPr>
+                        <a:t>Parent company of MIS and MA</a:t>
+                      </a:r>
+                    </a:p>
+                    <a:p>
+                      <a:pPr marL="176530" lvl="0" indent="-174625" algn="l" defTabSz="914400" rtl="0" eaLnBrk="1" latinLnBrk="0" hangingPunct="1">
+                        <a:spcBef>
+                          <a:spcPts val="600"/>
+                        </a:spcBef>
+                        <a:buClr>
+                          <a:srgbClr val="83C372"/>
+                        </a:buClr>
+                        <a:buFont typeface="Arial" panose="020B0604020202020204" pitchFamily="34" charset="0"/>
+                        <a:buChar char="»"/>
+                      </a:pPr>
+                      <a:r>
+                        <a:rPr lang="en-US" sz="1400" kern="1200" dirty="0">
+                          <a:solidFill>
+                            <a:schemeClr val="bg2"/>
+                          </a:solidFill>
+                          <a:latin typeface="+mn-lt"/>
+                          <a:ea typeface="+mn-ea"/>
+                          <a:cs typeface="+mn-cs"/>
+                        </a:rPr>
+                        <a:t>Contributes to transparent and integrated financial markets</a:t>
+                      </a:r>
+                    </a:p>
+                  </a:txBody>
+                  <a:tcPr marL="137160" marR="137160" marT="137160" marB="137160">
+                    <a:lnL w="12700" cap="flat" cmpd="sng" algn="ctr">
+                      <a:solidFill>
+                        <a:schemeClr val="accent5">
+                          <a:lumMod val="40000"/>
+                          <a:lumOff val="60000"/>
+                        </a:schemeClr>
+                      </a:solidFill>
+                      <a:prstDash val="solid"/>
+                      <a:round/>
+                      <a:headEnd type="none" w="med" len="med"/>
+                      <a:tailEnd type="none" w="med" len="med"/>
+                    </a:lnL>
+                    <a:lnR w="12700" cap="flat" cmpd="sng" algn="ctr">
+                      <a:solidFill>
+                        <a:schemeClr val="accent5">
+                          <a:lumMod val="40000"/>
+                          <a:lumOff val="60000"/>
+                        </a:schemeClr>
+                      </a:solidFill>
+                      <a:prstDash val="solid"/>
+                      <a:round/>
+                      <a:headEnd type="none" w="med" len="med"/>
+                      <a:tailEnd type="none" w="med" len="med"/>
+                    </a:lnR>
+                    <a:lnT w="12700" cap="flat" cmpd="sng" algn="ctr">
+                      <a:solidFill>
+                        <a:schemeClr val="accent5">
+                          <a:lumMod val="40000"/>
+                          <a:lumOff val="60000"/>
+                        </a:schemeClr>
+                      </a:solidFill>
+                      <a:prstDash val="solid"/>
+                      <a:round/>
+                      <a:headEnd type="none" w="med" len="med"/>
+                      <a:tailEnd type="none" w="med" len="med"/>
+                    </a:lnT>
+                    <a:lnB w="12700" cap="flat" cmpd="sng" algn="ctr">
+                      <a:solidFill>
+                        <a:schemeClr val="accent5">
+                          <a:lumMod val="40000"/>
+                          <a:lumOff val="60000"/>
+                        </a:schemeClr>
+                      </a:solidFill>
+                      <a:prstDash val="solid"/>
+                      <a:round/>
+                      <a:headEnd type="none" w="med" len="med"/>
+                      <a:tailEnd type="none" w="med" len="med"/>
+                    </a:lnB>
+                    <a:solidFill>
+                      <a:schemeClr val="bg1"/>
+                    </a:solidFill>
+                  </a:tcPr>
+                </a:tc>
+              </a:tr>
+            </a:tbl>
           </a:graphicData>
         </a:graphic>
       </p:graphicFrame>
     </p:spTree>
     <p:extLst>
       <p:ext uri="{BB962C8B-B14F-4D97-AF65-F5344CB8AC3E}">
-        <p14:creationId xmlns:p14="http://schemas.microsoft.com/office/powerpoint/2010/main" val="3107264130"/>
+        <p14:creationId xmlns:p14="http://schemas.microsoft.com/office/powerpoint/2010/main" val="4268352"/>
       </p:ext>
     </p:extLst>
   </p:cSld>
@@ -8745,9 +9445,10 @@
           <a:lstStyle/>
           <a:p>
             <a:r>
-              <a:rPr lang="en-US" dirty="0"/>
-              <a:t>More chart styles in the PowerPoint toolkit</a:t>
-            </a:r>
+              <a:rPr lang="zh-CN" altLang="en-US" dirty="0" smtClean="0"/>
+              <a:t>交易所是核心和关键</a:t>
+            </a:r>
+            <a:endParaRPr lang="en-US" dirty="0"/>
           </a:p>
         </p:txBody>
       </p:sp>
@@ -8770,21 +9471,18 @@
               <a:buSzPct val="100000"/>
             </a:pPr>
             <a:r>
-              <a:rPr lang="en-US" altLang="zh-CN" b="1" dirty="0">
+              <a:rPr lang="zh-CN" altLang="en-US" b="1" dirty="0" smtClean="0">
                 <a:solidFill>
                   <a:srgbClr val="68B580"/>
                 </a:solidFill>
               </a:rPr>
-              <a:t>SNC</a:t>
-            </a:r>
-            <a:r>
-              <a:rPr lang="en-US" b="1" dirty="0">
-                <a:solidFill>
-                  <a:srgbClr val="68B580"/>
-                </a:solidFill>
-              </a:rPr>
-              <a:t>’s Overview</a:t>
-            </a:r>
+              <a:t>交易所是关键的理由</a:t>
+            </a:r>
+            <a:endParaRPr lang="en-US" b="1" dirty="0">
+              <a:solidFill>
+                <a:srgbClr val="68B580"/>
+              </a:solidFill>
+            </a:endParaRPr>
           </a:p>
           <a:p>
             <a:pPr lvl="1">
@@ -8794,8 +9492,8 @@
               <a:buSzPct val="100000"/>
             </a:pPr>
             <a:r>
-              <a:rPr lang="en-US" dirty="0"/>
-              <a:t>Essential component of the global capital markets</a:t>
+              <a:rPr lang="en-US" dirty="0" smtClean="0"/>
+              <a:t>1</a:t>
             </a:r>
           </a:p>
           <a:p>
@@ -8803,10 +9501,11 @@
               <a:buClr>
                 <a:srgbClr val="68B580"/>
               </a:buClr>
+              <a:buSzPct val="100000"/>
             </a:pPr>
             <a:r>
-              <a:rPr lang="en-US" dirty="0"/>
-              <a:t>Parent company of MIS and MA</a:t>
+              <a:rPr lang="en-US" dirty="0" smtClean="0"/>
+              <a:t>2</a:t>
             </a:r>
           </a:p>
           <a:p>
@@ -8814,22 +9513,13 @@
               <a:buClr>
                 <a:srgbClr val="68B580"/>
               </a:buClr>
+              <a:buSzPct val="100000"/>
             </a:pPr>
             <a:r>
               <a:rPr lang="en-US" dirty="0"/>
-              <a:t>Contributes to transparent and integrated financial markets</a:t>
-            </a:r>
-          </a:p>
-          <a:p>
-            <a:pPr lvl="1">
-              <a:buClr>
-                <a:srgbClr val="68B580"/>
-              </a:buClr>
-            </a:pPr>
-            <a:r>
-              <a:rPr lang="en-US" dirty="0"/>
-              <a:t>Provides:</a:t>
-            </a:r>
+              <a:t>3</a:t>
+            </a:r>
+            <a:endParaRPr lang="en-US" dirty="0"/>
           </a:p>
           <a:p>
             <a:pPr lvl="2">
@@ -8897,6 +9587,332 @@
 </file>
 
 <file path=ppt/slides/slide19.xml><?xml version="1.0" encoding="utf-8"?>
+<p:sld xmlns:a="http://schemas.openxmlformats.org/drawingml/2006/main" xmlns:r="http://schemas.openxmlformats.org/officeDocument/2006/relationships" xmlns:p="http://schemas.openxmlformats.org/presentationml/2006/main">
+  <p:cSld>
+    <p:spTree>
+      <p:nvGrpSpPr>
+        <p:cNvPr id="1" name=""/>
+        <p:cNvGrpSpPr/>
+        <p:nvPr/>
+      </p:nvGrpSpPr>
+      <p:grpSpPr>
+        <a:xfrm>
+          <a:off x="0" y="0"/>
+          <a:ext cx="0" cy="0"/>
+          <a:chOff x="0" y="0"/>
+          <a:chExt cx="0" cy="0"/>
+        </a:xfrm>
+      </p:grpSpPr>
+      <p:pic>
+        <p:nvPicPr>
+          <p:cNvPr id="7" name="Picture Placeholder 6"/>
+          <p:cNvPicPr>
+            <a:picLocks noGrp="1" noChangeAspect="1"/>
+          </p:cNvPicPr>
+          <p:nvPr>
+            <p:ph type="pic" sz="quarter" idx="10"/>
+          </p:nvPr>
+        </p:nvPicPr>
+        <p:blipFill rotWithShape="1">
+          <a:blip r:embed="rId3">
+            <a:extLst>
+              <a:ext uri="{28A0092B-C50C-407E-A947-70E740481C1C}">
+                <a14:useLocalDpi xmlns:a14="http://schemas.microsoft.com/office/drawing/2010/main" val="0"/>
+              </a:ext>
+            </a:extLst>
+          </a:blip>
+          <a:srcRect l="41623" r="813"/>
+          <a:stretch>
+            <a:fillRect/>
+          </a:stretch>
+        </p:blipFill>
+        <p:spPr/>
+      </p:pic>
+      <p:sp>
+        <p:nvSpPr>
+          <p:cNvPr id="6" name="Text Placeholder 5"/>
+          <p:cNvSpPr>
+            <a:spLocks noGrp="1"/>
+          </p:cNvSpPr>
+          <p:nvPr>
+            <p:ph type="body" sz="quarter" idx="11"/>
+          </p:nvPr>
+        </p:nvSpPr>
+        <p:spPr>
+          <a:xfrm>
+            <a:off x="0" y="1"/>
+            <a:ext cx="3044825" cy="6858000"/>
+          </a:xfrm>
+        </p:spPr>
+        <p:txBody>
+          <a:bodyPr>
+            <a:normAutofit/>
+          </a:bodyPr>
+          <a:lstStyle/>
+          <a:p>
+            <a:endParaRPr lang="en-US" sz="3000" dirty="0">
+              <a:solidFill>
+                <a:srgbClr val="68B580"/>
+              </a:solidFill>
+            </a:endParaRPr>
+          </a:p>
+          <a:p>
+            <a:r>
+              <a:rPr lang="zh-CN" altLang="en-US" sz="1800" b="1" dirty="0" smtClean="0">
+                <a:solidFill>
+                  <a:srgbClr val="1385D4"/>
+                </a:solidFill>
+              </a:rPr>
+              <a:t>革新</a:t>
+            </a:r>
+            <a:endParaRPr lang="en-US" altLang="zh-CN" sz="1800" b="1" dirty="0" smtClean="0">
+              <a:solidFill>
+                <a:srgbClr val="1385D4"/>
+              </a:solidFill>
+            </a:endParaRPr>
+          </a:p>
+          <a:p>
+            <a:r>
+              <a:rPr lang="zh-CN" altLang="en-US" sz="1200" dirty="0" smtClean="0">
+                <a:solidFill>
+                  <a:srgbClr val="1385D4"/>
+                </a:solidFill>
+              </a:rPr>
+              <a:t>传统方法逐渐失效，区块链经济带来希望和活力</a:t>
+            </a:r>
+            <a:endParaRPr lang="en-US" altLang="zh-CN" sz="1200" dirty="0" smtClean="0">
+              <a:solidFill>
+                <a:srgbClr val="1385D4"/>
+              </a:solidFill>
+            </a:endParaRPr>
+          </a:p>
+          <a:p>
+            <a:endParaRPr lang="en-US" altLang="zh-CN" sz="1200" dirty="0" smtClean="0"/>
+          </a:p>
+          <a:p>
+            <a:r>
+              <a:rPr lang="zh-CN" altLang="en-US" sz="1800" b="1" dirty="0" smtClean="0">
+                <a:solidFill>
+                  <a:srgbClr val="489960"/>
+                </a:solidFill>
+              </a:rPr>
+              <a:t>发展</a:t>
+            </a:r>
+            <a:endParaRPr lang="en-US" altLang="zh-CN" sz="1800" b="1" dirty="0" smtClean="0">
+              <a:solidFill>
+                <a:srgbClr val="489960"/>
+              </a:solidFill>
+            </a:endParaRPr>
+          </a:p>
+          <a:p>
+            <a:r>
+              <a:rPr lang="zh-CN" altLang="en-US" sz="1200" dirty="0" smtClean="0">
+                <a:solidFill>
+                  <a:srgbClr val="489960"/>
+                </a:solidFill>
+              </a:rPr>
+              <a:t>区块链从技术和经济两方面，帮助原金融体系更独立更健壮</a:t>
+            </a:r>
+            <a:endParaRPr lang="en-US" altLang="zh-CN" sz="1200" dirty="0" smtClean="0">
+              <a:solidFill>
+                <a:srgbClr val="489960"/>
+              </a:solidFill>
+            </a:endParaRPr>
+          </a:p>
+          <a:p>
+            <a:endParaRPr lang="en-US" altLang="zh-CN" sz="1800" dirty="0" smtClean="0"/>
+          </a:p>
+          <a:p>
+            <a:r>
+              <a:rPr lang="zh-CN" altLang="en-US" sz="1800" b="1" dirty="0" smtClean="0">
+                <a:solidFill>
+                  <a:srgbClr val="AD53C1"/>
+                </a:solidFill>
+              </a:rPr>
+              <a:t>进步</a:t>
+            </a:r>
+            <a:endParaRPr lang="en-US" altLang="zh-CN" sz="1800" b="1" dirty="0" smtClean="0">
+              <a:solidFill>
+                <a:srgbClr val="AD53C1"/>
+              </a:solidFill>
+            </a:endParaRPr>
+          </a:p>
+          <a:p>
+            <a:r>
+              <a:rPr lang="zh-CN" altLang="en-US" sz="1200" dirty="0" smtClean="0">
+                <a:solidFill>
+                  <a:srgbClr val="AD53C1"/>
+                </a:solidFill>
+              </a:rPr>
+              <a:t>紧跟时代脚步，采用最新技术和理念获得优势摆脱束缚</a:t>
+            </a:r>
+            <a:endParaRPr lang="en-US" sz="1200" dirty="0">
+              <a:solidFill>
+                <a:srgbClr val="AD53C1"/>
+              </a:solidFill>
+            </a:endParaRPr>
+          </a:p>
+        </p:txBody>
+      </p:sp>
+      <p:sp>
+        <p:nvSpPr>
+          <p:cNvPr id="2" name="文本框 1"/>
+          <p:cNvSpPr txBox="1"/>
+          <p:nvPr/>
+        </p:nvSpPr>
+        <p:spPr>
+          <a:xfrm>
+            <a:off x="1863436" y="6573982"/>
+            <a:ext cx="65" cy="307777"/>
+          </a:xfrm>
+          <a:prstGeom prst="rect">
+            <a:avLst/>
+          </a:prstGeom>
+          <a:noFill/>
+        </p:spPr>
+        <p:txBody>
+          <a:bodyPr wrap="none" lIns="0" tIns="0" rIns="0" bIns="0" rtlCol="0">
+            <a:spAutoFit/>
+          </a:bodyPr>
+          <a:lstStyle/>
+          <a:p>
+            <a:endParaRPr kumimoji="1" lang="zh-CN" altLang="en-US" sz="2000" dirty="0" err="1">
+              <a:solidFill>
+                <a:schemeClr val="bg2"/>
+              </a:solidFill>
+            </a:endParaRPr>
+          </a:p>
+        </p:txBody>
+      </p:sp>
+    </p:spTree>
+    <p:extLst>
+      <p:ext uri="{BB962C8B-B14F-4D97-AF65-F5344CB8AC3E}">
+        <p14:creationId xmlns:p14="http://schemas.microsoft.com/office/powerpoint/2010/main" val="2973904047"/>
+      </p:ext>
+    </p:extLst>
+  </p:cSld>
+  <p:clrMapOvr>
+    <a:masterClrMapping/>
+  </p:clrMapOvr>
+</p:sld>
+</file>
+
+<file path=ppt/slides/slide2.xml><?xml version="1.0" encoding="utf-8"?>
+<p:sld xmlns:a="http://schemas.openxmlformats.org/drawingml/2006/main" xmlns:r="http://schemas.openxmlformats.org/officeDocument/2006/relationships" xmlns:p="http://schemas.openxmlformats.org/presentationml/2006/main">
+  <p:cSld>
+    <p:spTree>
+      <p:nvGrpSpPr>
+        <p:cNvPr id="1" name=""/>
+        <p:cNvGrpSpPr/>
+        <p:nvPr/>
+      </p:nvGrpSpPr>
+      <p:grpSpPr>
+        <a:xfrm>
+          <a:off x="0" y="0"/>
+          <a:ext cx="0" cy="0"/>
+          <a:chOff x="0" y="0"/>
+          <a:chExt cx="0" cy="0"/>
+        </a:xfrm>
+      </p:grpSpPr>
+      <p:sp>
+        <p:nvSpPr>
+          <p:cNvPr id="11" name="Title 10"/>
+          <p:cNvSpPr>
+            <a:spLocks noGrp="1"/>
+          </p:cNvSpPr>
+          <p:nvPr>
+            <p:ph type="title"/>
+          </p:nvPr>
+        </p:nvSpPr>
+        <p:spPr/>
+        <p:txBody>
+          <a:bodyPr/>
+          <a:lstStyle/>
+          <a:p>
+            <a:r>
+              <a:rPr lang="en-US" dirty="0"/>
+              <a:t>Agenda</a:t>
+            </a:r>
+          </a:p>
+        </p:txBody>
+      </p:sp>
+      <p:sp>
+        <p:nvSpPr>
+          <p:cNvPr id="12" name="Text Placeholder 11"/>
+          <p:cNvSpPr>
+            <a:spLocks noGrp="1"/>
+          </p:cNvSpPr>
+          <p:nvPr>
+            <p:ph type="body" idx="1"/>
+          </p:nvPr>
+        </p:nvSpPr>
+        <p:spPr>
+          <a:xfrm>
+            <a:off x="1188721" y="2559685"/>
+            <a:ext cx="6776014" cy="1261884"/>
+          </a:xfrm>
+        </p:spPr>
+        <p:txBody>
+          <a:bodyPr>
+            <a:spAutoFit/>
+          </a:bodyPr>
+          <a:lstStyle/>
+          <a:p>
+            <a:r>
+              <a:rPr lang="zh-CN" altLang="en-US" dirty="0" smtClean="0">
+                <a:solidFill>
+                  <a:srgbClr val="272B38"/>
+                </a:solidFill>
+              </a:rPr>
+              <a:t>当前金融体系和环境</a:t>
+            </a:r>
+            <a:endParaRPr lang="en-US" dirty="0">
+              <a:solidFill>
+                <a:srgbClr val="272B38"/>
+              </a:solidFill>
+            </a:endParaRPr>
+          </a:p>
+          <a:p>
+            <a:r>
+              <a:rPr lang="zh-CN" altLang="en-US" dirty="0" smtClean="0">
+                <a:solidFill>
+                  <a:srgbClr val="272B38"/>
+                </a:solidFill>
+              </a:rPr>
+              <a:t>传统金融体系的局限性</a:t>
+            </a:r>
+            <a:endParaRPr lang="en-US" dirty="0">
+              <a:solidFill>
+                <a:srgbClr val="272B38"/>
+              </a:solidFill>
+            </a:endParaRPr>
+          </a:p>
+          <a:p>
+            <a:r>
+              <a:rPr lang="zh-CN" altLang="en-US" dirty="0" smtClean="0">
+                <a:solidFill>
+                  <a:srgbClr val="272B38"/>
+                </a:solidFill>
+              </a:rPr>
+              <a:t>区块链方案的解决之道</a:t>
+            </a:r>
+            <a:endParaRPr lang="en-US" dirty="0">
+              <a:solidFill>
+                <a:srgbClr val="272B38"/>
+              </a:solidFill>
+            </a:endParaRPr>
+          </a:p>
+        </p:txBody>
+      </p:sp>
+    </p:spTree>
+  </p:cSld>
+  <p:clrMapOvr>
+    <a:masterClrMapping/>
+  </p:clrMapOvr>
+</p:sld>
+</file>
+
+<file path=ppt/slides/slide20.xml><?xml version="1.0" encoding="utf-8"?>
 <p:sld xmlns:a="http://schemas.openxmlformats.org/drawingml/2006/main" xmlns:r="http://schemas.openxmlformats.org/officeDocument/2006/relationships" xmlns:p="http://schemas.openxmlformats.org/presentationml/2006/main">
   <p:cSld>
     <p:spTree>
@@ -11884,122 +12900,7 @@
 </p:sld>
 </file>
 
-<file path=ppt/slides/slide2.xml><?xml version="1.0" encoding="utf-8"?>
-<p:sld xmlns:a="http://schemas.openxmlformats.org/drawingml/2006/main" xmlns:r="http://schemas.openxmlformats.org/officeDocument/2006/relationships" xmlns:p="http://schemas.openxmlformats.org/presentationml/2006/main">
-  <p:cSld>
-    <p:spTree>
-      <p:nvGrpSpPr>
-        <p:cNvPr id="1" name=""/>
-        <p:cNvGrpSpPr/>
-        <p:nvPr/>
-      </p:nvGrpSpPr>
-      <p:grpSpPr>
-        <a:xfrm>
-          <a:off x="0" y="0"/>
-          <a:ext cx="0" cy="0"/>
-          <a:chOff x="0" y="0"/>
-          <a:chExt cx="0" cy="0"/>
-        </a:xfrm>
-      </p:grpSpPr>
-      <p:sp>
-        <p:nvSpPr>
-          <p:cNvPr id="11" name="Title 10"/>
-          <p:cNvSpPr>
-            <a:spLocks noGrp="1"/>
-          </p:cNvSpPr>
-          <p:nvPr>
-            <p:ph type="title"/>
-          </p:nvPr>
-        </p:nvSpPr>
-        <p:spPr/>
-        <p:txBody>
-          <a:bodyPr/>
-          <a:lstStyle/>
-          <a:p>
-            <a:r>
-              <a:rPr lang="en-US" dirty="0"/>
-              <a:t>Agenda</a:t>
-            </a:r>
-          </a:p>
-        </p:txBody>
-      </p:sp>
-      <p:sp>
-        <p:nvSpPr>
-          <p:cNvPr id="12" name="Text Placeholder 11"/>
-          <p:cNvSpPr>
-            <a:spLocks noGrp="1"/>
-          </p:cNvSpPr>
-          <p:nvPr>
-            <p:ph type="body" idx="1"/>
-          </p:nvPr>
-        </p:nvSpPr>
-        <p:spPr>
-          <a:xfrm>
-            <a:off x="1188721" y="2559685"/>
-            <a:ext cx="6776014" cy="1261884"/>
-          </a:xfrm>
-        </p:spPr>
-        <p:txBody>
-          <a:bodyPr>
-            <a:spAutoFit/>
-          </a:bodyPr>
-          <a:lstStyle/>
-          <a:p>
-            <a:r>
-              <a:rPr lang="zh-CN" altLang="en-US" dirty="0" smtClean="0">
-                <a:solidFill>
-                  <a:srgbClr val="272B38"/>
-                </a:solidFill>
-              </a:rPr>
-              <a:t>当前金融体系和环境</a:t>
-            </a:r>
-            <a:endParaRPr lang="en-US" dirty="0">
-              <a:solidFill>
-                <a:srgbClr val="272B38"/>
-              </a:solidFill>
-            </a:endParaRPr>
-          </a:p>
-          <a:p>
-            <a:r>
-              <a:rPr lang="zh-CN" altLang="en-US" dirty="0" smtClean="0">
-                <a:solidFill>
-                  <a:srgbClr val="272B38"/>
-                </a:solidFill>
-              </a:rPr>
-              <a:t>传统金融体系的局限性</a:t>
-            </a:r>
-            <a:endParaRPr lang="en-US" dirty="0">
-              <a:solidFill>
-                <a:srgbClr val="272B38"/>
-              </a:solidFill>
-            </a:endParaRPr>
-          </a:p>
-          <a:p>
-            <a:r>
-              <a:rPr lang="zh-CN" altLang="en-US" dirty="0" smtClean="0">
-                <a:solidFill>
-                  <a:srgbClr val="272B38"/>
-                </a:solidFill>
-              </a:rPr>
-              <a:t>区块链方案的解决之道</a:t>
-            </a:r>
-            <a:endParaRPr lang="en-US" dirty="0">
-              <a:solidFill>
-                <a:srgbClr val="272B38"/>
-              </a:solidFill>
-            </a:endParaRPr>
-          </a:p>
-        </p:txBody>
-      </p:sp>
-    </p:spTree>
-  </p:cSld>
-  <p:clrMapOvr>
-    <a:masterClrMapping/>
-  </p:clrMapOvr>
-</p:sld>
-</file>
-
-<file path=ppt/slides/slide20.xml><?xml version="1.0" encoding="utf-8"?>
+<file path=ppt/slides/slide21.xml><?xml version="1.0" encoding="utf-8"?>
 <p:sld xmlns:a="http://schemas.openxmlformats.org/drawingml/2006/main" xmlns:r="http://schemas.openxmlformats.org/officeDocument/2006/relationships" xmlns:p="http://schemas.openxmlformats.org/presentationml/2006/main">
   <p:cSld>
     <p:spTree>
@@ -12205,7 +13106,7 @@
 </p:sld>
 </file>
 
-<file path=ppt/slides/slide21.xml><?xml version="1.0" encoding="utf-8"?>
+<file path=ppt/slides/slide22.xml><?xml version="1.0" encoding="utf-8"?>
 <p:sld xmlns:a="http://schemas.openxmlformats.org/drawingml/2006/main" xmlns:r="http://schemas.openxmlformats.org/officeDocument/2006/relationships" xmlns:p="http://schemas.openxmlformats.org/presentationml/2006/main">
   <p:cSld>
     <p:spTree>
@@ -12405,7 +13306,7 @@
 </p:sld>
 </file>
 
-<file path=ppt/slides/slide22.xml><?xml version="1.0" encoding="utf-8"?>
+<file path=ppt/slides/slide23.xml><?xml version="1.0" encoding="utf-8"?>
 <p:sld xmlns:a="http://schemas.openxmlformats.org/drawingml/2006/main" xmlns:r="http://schemas.openxmlformats.org/officeDocument/2006/relationships" xmlns:p="http://schemas.openxmlformats.org/presentationml/2006/main">
   <p:cSld>
     <p:spTree>
@@ -12606,7 +13507,7 @@
             <a:fld id="{93AC2C76-E6AA-46CB-A2DE-F6E097F7C440}" type="slidenum">
               <a:rPr lang="en-GB" smtClean="0"/>
               <a:pPr/>
-              <a:t>22</a:t>
+              <a:t>23</a:t>
             </a:fld>
             <a:endParaRPr lang="en-GB" dirty="0"/>
           </a:p>
@@ -12625,7 +13526,7 @@
 </p:sld>
 </file>
 
-<file path=ppt/slides/slide23.xml><?xml version="1.0" encoding="utf-8"?>
+<file path=ppt/slides/slide24.xml><?xml version="1.0" encoding="utf-8"?>
 <p:sld xmlns:a="http://schemas.openxmlformats.org/drawingml/2006/main" xmlns:r="http://schemas.openxmlformats.org/officeDocument/2006/relationships" xmlns:p="http://schemas.openxmlformats.org/presentationml/2006/main">
   <p:cSld>
     <p:spTree>
@@ -12813,7 +13714,7 @@
             <a:fld id="{93AC2C76-E6AA-46CB-A2DE-F6E097F7C440}" type="slidenum">
               <a:rPr lang="en-GB" smtClean="0"/>
               <a:pPr/>
-              <a:t>23</a:t>
+              <a:t>24</a:t>
             </a:fld>
             <a:endParaRPr lang="en-GB" dirty="0"/>
           </a:p>
@@ -12827,7 +13728,7 @@
 </p:sld>
 </file>
 
-<file path=ppt/slides/slide24.xml><?xml version="1.0" encoding="utf-8"?>
+<file path=ppt/slides/slide25.xml><?xml version="1.0" encoding="utf-8"?>
 <p:sld xmlns:a="http://schemas.openxmlformats.org/drawingml/2006/main" xmlns:r="http://schemas.openxmlformats.org/officeDocument/2006/relationships" xmlns:p="http://schemas.openxmlformats.org/presentationml/2006/main">
   <p:cSld>
     <p:spTree>
@@ -13096,7 +13997,7 @@
                 <a:cs typeface="+mn-cs"/>
               </a:rPr>
               <a:pPr algn="ctr"/>
-              <a:t>24</a:t>
+              <a:t>25</a:t>
             </a:fld>
             <a:endParaRPr lang="en-GB" sz="1800" dirty="0">
               <a:solidFill>
@@ -13117,7 +14018,7 @@
 </p:sld>
 </file>
 
-<file path=ppt/slides/slide25.xml><?xml version="1.0" encoding="utf-8"?>
+<file path=ppt/slides/slide26.xml><?xml version="1.0" encoding="utf-8"?>
 <p:sld xmlns:a="http://schemas.openxmlformats.org/drawingml/2006/main" xmlns:r="http://schemas.openxmlformats.org/officeDocument/2006/relationships" xmlns:p="http://schemas.openxmlformats.org/presentationml/2006/main">
   <p:cSld>
     <p:spTree>
@@ -13279,7 +14180,7 @@
 </p:sld>
 </file>
 
-<file path=ppt/slides/slide26.xml><?xml version="1.0" encoding="utf-8"?>
+<file path=ppt/slides/slide27.xml><?xml version="1.0" encoding="utf-8"?>
 <p:sld xmlns:a="http://schemas.openxmlformats.org/drawingml/2006/main" xmlns:r="http://schemas.openxmlformats.org/officeDocument/2006/relationships" xmlns:p="http://schemas.openxmlformats.org/presentationml/2006/main">
   <p:cSld>
     <p:spTree>
@@ -13415,7 +14316,7 @@
 </p:sld>
 </file>
 
-<file path=ppt/slides/slide27.xml><?xml version="1.0" encoding="utf-8"?>
+<file path=ppt/slides/slide28.xml><?xml version="1.0" encoding="utf-8"?>
 <p:sld xmlns:a="http://schemas.openxmlformats.org/drawingml/2006/main" xmlns:r="http://schemas.openxmlformats.org/officeDocument/2006/relationships" xmlns:p="http://schemas.openxmlformats.org/presentationml/2006/main">
   <p:cSld>
     <p:spTree>
@@ -13529,7 +14430,7 @@
 </p:sld>
 </file>
 
-<file path=ppt/slides/slide28.xml><?xml version="1.0" encoding="utf-8"?>
+<file path=ppt/slides/slide29.xml><?xml version="1.0" encoding="utf-8"?>
 <p:sld xmlns:a="http://schemas.openxmlformats.org/drawingml/2006/main" xmlns:r="http://schemas.openxmlformats.org/officeDocument/2006/relationships" xmlns:p="http://schemas.openxmlformats.org/presentationml/2006/main">
   <p:cSld>
     <p:spTree>
@@ -16593,7 +17494,83 @@
 </p:sld>
 </file>
 
-<file path=ppt/slides/slide29.xml><?xml version="1.0" encoding="utf-8"?>
+<file path=ppt/slides/slide3.xml><?xml version="1.0" encoding="utf-8"?>
+<p:sld xmlns:a="http://schemas.openxmlformats.org/drawingml/2006/main" xmlns:r="http://schemas.openxmlformats.org/officeDocument/2006/relationships" xmlns:p="http://schemas.openxmlformats.org/presentationml/2006/main">
+  <p:cSld>
+    <p:spTree>
+      <p:nvGrpSpPr>
+        <p:cNvPr id="1" name=""/>
+        <p:cNvGrpSpPr/>
+        <p:nvPr/>
+      </p:nvGrpSpPr>
+      <p:grpSpPr>
+        <a:xfrm>
+          <a:off x="0" y="0"/>
+          <a:ext cx="0" cy="0"/>
+          <a:chOff x="0" y="0"/>
+          <a:chExt cx="0" cy="0"/>
+        </a:xfrm>
+      </p:grpSpPr>
+      <p:sp>
+        <p:nvSpPr>
+          <p:cNvPr id="4" name="Title 3"/>
+          <p:cNvSpPr>
+            <a:spLocks noGrp="1"/>
+          </p:cNvSpPr>
+          <p:nvPr>
+            <p:ph type="title"/>
+          </p:nvPr>
+        </p:nvSpPr>
+        <p:spPr/>
+        <p:txBody>
+          <a:bodyPr/>
+          <a:lstStyle/>
+          <a:p>
+            <a:r>
+              <a:rPr lang="en-US"/>
+              <a:t>1</a:t>
+            </a:r>
+            <a:endParaRPr lang="en-US" dirty="0"/>
+          </a:p>
+        </p:txBody>
+      </p:sp>
+      <p:sp>
+        <p:nvSpPr>
+          <p:cNvPr id="5" name="Text Placeholder 4"/>
+          <p:cNvSpPr>
+            <a:spLocks noGrp="1"/>
+          </p:cNvSpPr>
+          <p:nvPr>
+            <p:ph type="body" sz="quarter" idx="10"/>
+          </p:nvPr>
+        </p:nvSpPr>
+        <p:spPr>
+          <a:xfrm>
+            <a:off x="3977640" y="2103120"/>
+            <a:ext cx="4609465" cy="2446655"/>
+          </a:xfrm>
+        </p:spPr>
+        <p:txBody>
+          <a:bodyPr/>
+          <a:lstStyle/>
+          <a:p>
+            <a:r>
+              <a:rPr lang="zh-CN" altLang="en-US" dirty="0"/>
+              <a:t>当前金融体系和环境</a:t>
+            </a:r>
+            <a:endParaRPr lang="en-US" dirty="0"/>
+          </a:p>
+        </p:txBody>
+      </p:sp>
+    </p:spTree>
+  </p:cSld>
+  <p:clrMapOvr>
+    <a:masterClrMapping/>
+  </p:clrMapOvr>
+</p:sld>
+</file>
+
+<file path=ppt/slides/slide30.xml><?xml version="1.0" encoding="utf-8"?>
 <p:sld xmlns:a="http://schemas.openxmlformats.org/drawingml/2006/main" xmlns:r="http://schemas.openxmlformats.org/officeDocument/2006/relationships" xmlns:p="http://schemas.openxmlformats.org/presentationml/2006/main">
   <p:cSld>
     <p:spTree>
@@ -17008,83 +17985,7 @@
 </p:sld>
 </file>
 
-<file path=ppt/slides/slide3.xml><?xml version="1.0" encoding="utf-8"?>
-<p:sld xmlns:a="http://schemas.openxmlformats.org/drawingml/2006/main" xmlns:r="http://schemas.openxmlformats.org/officeDocument/2006/relationships" xmlns:p="http://schemas.openxmlformats.org/presentationml/2006/main">
-  <p:cSld>
-    <p:spTree>
-      <p:nvGrpSpPr>
-        <p:cNvPr id="1" name=""/>
-        <p:cNvGrpSpPr/>
-        <p:nvPr/>
-      </p:nvGrpSpPr>
-      <p:grpSpPr>
-        <a:xfrm>
-          <a:off x="0" y="0"/>
-          <a:ext cx="0" cy="0"/>
-          <a:chOff x="0" y="0"/>
-          <a:chExt cx="0" cy="0"/>
-        </a:xfrm>
-      </p:grpSpPr>
-      <p:sp>
-        <p:nvSpPr>
-          <p:cNvPr id="4" name="Title 3"/>
-          <p:cNvSpPr>
-            <a:spLocks noGrp="1"/>
-          </p:cNvSpPr>
-          <p:nvPr>
-            <p:ph type="title"/>
-          </p:nvPr>
-        </p:nvSpPr>
-        <p:spPr/>
-        <p:txBody>
-          <a:bodyPr/>
-          <a:lstStyle/>
-          <a:p>
-            <a:r>
-              <a:rPr lang="en-US"/>
-              <a:t>1</a:t>
-            </a:r>
-            <a:endParaRPr lang="en-US" dirty="0"/>
-          </a:p>
-        </p:txBody>
-      </p:sp>
-      <p:sp>
-        <p:nvSpPr>
-          <p:cNvPr id="5" name="Text Placeholder 4"/>
-          <p:cNvSpPr>
-            <a:spLocks noGrp="1"/>
-          </p:cNvSpPr>
-          <p:nvPr>
-            <p:ph type="body" sz="quarter" idx="10"/>
-          </p:nvPr>
-        </p:nvSpPr>
-        <p:spPr>
-          <a:xfrm>
-            <a:off x="3977640" y="2103120"/>
-            <a:ext cx="4609465" cy="2446655"/>
-          </a:xfrm>
-        </p:spPr>
-        <p:txBody>
-          <a:bodyPr/>
-          <a:lstStyle/>
-          <a:p>
-            <a:r>
-              <a:rPr lang="zh-CN" altLang="en-US" dirty="0"/>
-              <a:t>当前金融体系和环境</a:t>
-            </a:r>
-            <a:endParaRPr lang="en-US" dirty="0"/>
-          </a:p>
-        </p:txBody>
-      </p:sp>
-    </p:spTree>
-  </p:cSld>
-  <p:clrMapOvr>
-    <a:masterClrMapping/>
-  </p:clrMapOvr>
-</p:sld>
-</file>
-
-<file path=ppt/slides/slide30.xml><?xml version="1.0" encoding="utf-8"?>
+<file path=ppt/slides/slide31.xml><?xml version="1.0" encoding="utf-8"?>
 <p:sld xmlns:a="http://schemas.openxmlformats.org/drawingml/2006/main" xmlns:r="http://schemas.openxmlformats.org/officeDocument/2006/relationships" xmlns:p="http://schemas.openxmlformats.org/presentationml/2006/main">
   <p:cSld>
     <p:spTree>
@@ -17304,7 +18205,7 @@
 </p:sld>
 </file>
 
-<file path=ppt/slides/slide31.xml><?xml version="1.0" encoding="utf-8"?>
+<file path=ppt/slides/slide32.xml><?xml version="1.0" encoding="utf-8"?>
 <p:sld xmlns:a="http://schemas.openxmlformats.org/drawingml/2006/main" xmlns:r="http://schemas.openxmlformats.org/officeDocument/2006/relationships" xmlns:p="http://schemas.openxmlformats.org/presentationml/2006/main">
   <p:cSld>
     <p:spTree>
@@ -17535,7 +18436,7 @@
           <a:p>
             <a:fld id="{93AC2C76-E6AA-46CB-A2DE-F6E097F7C440}" type="slidenum">
               <a:rPr lang="en-GB" smtClean="0"/>
-              <a:t>31</a:t>
+              <a:t>32</a:t>
             </a:fld>
             <a:endParaRPr lang="en-GB" dirty="0"/>
           </a:p>
@@ -19384,7 +20285,7 @@
             <a:effectLst/>
             <a:extLst>
               <a:ext uri="{C572A759-6A51-4108-AA02-DFA0A04FC94B}">
-                <ma14:wrappingTextBoxFlag xmlns:ma14="http://schemas.microsoft.com/office/mac/drawingml/2011/main" xmlns="" val="1"/>
+                <ma14:wrappingTextBoxFlag xmlns="" xmlns:ma14="http://schemas.microsoft.com/office/mac/drawingml/2011/main" val="1"/>
               </a:ext>
             </a:extLst>
           </p:spPr>
@@ -19554,7 +20455,7 @@
             <a:effectLst/>
             <a:extLst>
               <a:ext uri="{C572A759-6A51-4108-AA02-DFA0A04FC94B}">
-                <ma14:wrappingTextBoxFlag xmlns:ma14="http://schemas.microsoft.com/office/mac/drawingml/2011/main" xmlns="" val="1"/>
+                <ma14:wrappingTextBoxFlag xmlns="" xmlns:ma14="http://schemas.microsoft.com/office/mac/drawingml/2011/main" val="1"/>
               </a:ext>
             </a:extLst>
           </p:spPr>
@@ -19726,7 +20627,7 @@
             <a:effectLst/>
             <a:extLst>
               <a:ext uri="{C572A759-6A51-4108-AA02-DFA0A04FC94B}">
-                <ma14:wrappingTextBoxFlag xmlns:ma14="http://schemas.microsoft.com/office/mac/drawingml/2011/main" xmlns="" val="1"/>
+                <ma14:wrappingTextBoxFlag xmlns="" xmlns:ma14="http://schemas.microsoft.com/office/mac/drawingml/2011/main" val="1"/>
               </a:ext>
             </a:extLst>
           </p:spPr>
@@ -19898,7 +20799,7 @@
             <a:effectLst/>
             <a:extLst>
               <a:ext uri="{C572A759-6A51-4108-AA02-DFA0A04FC94B}">
-                <ma14:wrappingTextBoxFlag xmlns:ma14="http://schemas.microsoft.com/office/mac/drawingml/2011/main" xmlns="" val="1"/>
+                <ma14:wrappingTextBoxFlag xmlns="" xmlns:ma14="http://schemas.microsoft.com/office/mac/drawingml/2011/main" val="1"/>
               </a:ext>
             </a:extLst>
           </p:spPr>
@@ -20079,7 +20980,7 @@
             <a:effectLst/>
             <a:extLst>
               <a:ext uri="{C572A759-6A51-4108-AA02-DFA0A04FC94B}">
-                <ma14:wrappingTextBoxFlag xmlns:ma14="http://schemas.microsoft.com/office/mac/drawingml/2011/main" xmlns="" val="1"/>
+                <ma14:wrappingTextBoxFlag xmlns="" xmlns:ma14="http://schemas.microsoft.com/office/mac/drawingml/2011/main" val="1"/>
               </a:ext>
             </a:extLst>
           </p:spPr>
@@ -20251,7 +21152,7 @@
             <a:effectLst/>
             <a:extLst>
               <a:ext uri="{C572A759-6A51-4108-AA02-DFA0A04FC94B}">
-                <ma14:wrappingTextBoxFlag xmlns:ma14="http://schemas.microsoft.com/office/mac/drawingml/2011/main" xmlns="" val="1"/>
+                <ma14:wrappingTextBoxFlag xmlns="" xmlns:ma14="http://schemas.microsoft.com/office/mac/drawingml/2011/main" val="1"/>
               </a:ext>
             </a:extLst>
           </p:spPr>
@@ -20431,7 +21332,7 @@
             <a:effectLst/>
             <a:extLst>
               <a:ext uri="{C572A759-6A51-4108-AA02-DFA0A04FC94B}">
-                <ma14:wrappingTextBoxFlag xmlns:ma14="http://schemas.microsoft.com/office/mac/drawingml/2011/main" xmlns="" val="1"/>
+                <ma14:wrappingTextBoxFlag xmlns="" xmlns:ma14="http://schemas.microsoft.com/office/mac/drawingml/2011/main" val="1"/>
               </a:ext>
             </a:extLst>
           </p:spPr>
@@ -20603,7 +21504,7 @@
             <a:effectLst/>
             <a:extLst>
               <a:ext uri="{C572A759-6A51-4108-AA02-DFA0A04FC94B}">
-                <ma14:wrappingTextBoxFlag xmlns:ma14="http://schemas.microsoft.com/office/mac/drawingml/2011/main" xmlns="" val="1"/>
+                <ma14:wrappingTextBoxFlag xmlns="" xmlns:ma14="http://schemas.microsoft.com/office/mac/drawingml/2011/main" val="1"/>
               </a:ext>
             </a:extLst>
           </p:spPr>
@@ -20775,7 +21676,7 @@
             <a:effectLst/>
             <a:extLst>
               <a:ext uri="{C572A759-6A51-4108-AA02-DFA0A04FC94B}">
-                <ma14:wrappingTextBoxFlag xmlns:ma14="http://schemas.microsoft.com/office/mac/drawingml/2011/main" xmlns="" val="1"/>
+                <ma14:wrappingTextBoxFlag xmlns="" xmlns:ma14="http://schemas.microsoft.com/office/mac/drawingml/2011/main" val="1"/>
               </a:ext>
             </a:extLst>
           </p:spPr>
@@ -20947,7 +21848,7 @@
             <a:effectLst/>
             <a:extLst>
               <a:ext uri="{C572A759-6A51-4108-AA02-DFA0A04FC94B}">
-                <ma14:wrappingTextBoxFlag xmlns:ma14="http://schemas.microsoft.com/office/mac/drawingml/2011/main" xmlns="" val="1"/>
+                <ma14:wrappingTextBoxFlag xmlns="" xmlns:ma14="http://schemas.microsoft.com/office/mac/drawingml/2011/main" val="1"/>
               </a:ext>
             </a:extLst>
           </p:spPr>
@@ -21119,7 +22020,7 @@
             <a:effectLst/>
             <a:extLst>
               <a:ext uri="{C572A759-6A51-4108-AA02-DFA0A04FC94B}">
-                <ma14:wrappingTextBoxFlag xmlns:ma14="http://schemas.microsoft.com/office/mac/drawingml/2011/main" xmlns="" val="1"/>
+                <ma14:wrappingTextBoxFlag xmlns="" xmlns:ma14="http://schemas.microsoft.com/office/mac/drawingml/2011/main" val="1"/>
               </a:ext>
             </a:extLst>
           </p:spPr>
@@ -21291,7 +22192,7 @@
             <a:effectLst/>
             <a:extLst>
               <a:ext uri="{C572A759-6A51-4108-AA02-DFA0A04FC94B}">
-                <ma14:wrappingTextBoxFlag xmlns:ma14="http://schemas.microsoft.com/office/mac/drawingml/2011/main" xmlns="" val="1"/>
+                <ma14:wrappingTextBoxFlag xmlns="" xmlns:ma14="http://schemas.microsoft.com/office/mac/drawingml/2011/main" val="1"/>
               </a:ext>
             </a:extLst>
           </p:spPr>
@@ -21423,7 +22324,7 @@
             <a:effectLst/>
             <a:extLst>
               <a:ext uri="{C572A759-6A51-4108-AA02-DFA0A04FC94B}">
-                <ma14:wrappingTextBoxFlag xmlns:ma14="http://schemas.microsoft.com/office/mac/drawingml/2011/main" xmlns="" val="1"/>
+                <ma14:wrappingTextBoxFlag xmlns="" xmlns:ma14="http://schemas.microsoft.com/office/mac/drawingml/2011/main" val="1"/>
               </a:ext>
             </a:extLst>
           </p:spPr>
@@ -21595,7 +22496,7 @@
             <a:effectLst/>
             <a:extLst>
               <a:ext uri="{C572A759-6A51-4108-AA02-DFA0A04FC94B}">
-                <ma14:wrappingTextBoxFlag xmlns:ma14="http://schemas.microsoft.com/office/mac/drawingml/2011/main" xmlns="" val="1"/>
+                <ma14:wrappingTextBoxFlag xmlns="" xmlns:ma14="http://schemas.microsoft.com/office/mac/drawingml/2011/main" val="1"/>
               </a:ext>
             </a:extLst>
           </p:spPr>
@@ -21767,7 +22668,7 @@
             <a:effectLst/>
             <a:extLst>
               <a:ext uri="{C572A759-6A51-4108-AA02-DFA0A04FC94B}">
-                <ma14:wrappingTextBoxFlag xmlns:ma14="http://schemas.microsoft.com/office/mac/drawingml/2011/main" xmlns="" val="1"/>
+                <ma14:wrappingTextBoxFlag xmlns="" xmlns:ma14="http://schemas.microsoft.com/office/mac/drawingml/2011/main" val="1"/>
               </a:ext>
             </a:extLst>
           </p:spPr>
@@ -21948,7 +22849,7 @@
             <a:effectLst/>
             <a:extLst>
               <a:ext uri="{C572A759-6A51-4108-AA02-DFA0A04FC94B}">
-                <ma14:wrappingTextBoxFlag xmlns:ma14="http://schemas.microsoft.com/office/mac/drawingml/2011/main" xmlns="" val="1"/>
+                <ma14:wrappingTextBoxFlag xmlns="" xmlns:ma14="http://schemas.microsoft.com/office/mac/drawingml/2011/main" val="1"/>
               </a:ext>
             </a:extLst>
           </p:spPr>
@@ -22120,7 +23021,7 @@
             <a:effectLst/>
             <a:extLst>
               <a:ext uri="{C572A759-6A51-4108-AA02-DFA0A04FC94B}">
-                <ma14:wrappingTextBoxFlag xmlns:ma14="http://schemas.microsoft.com/office/mac/drawingml/2011/main" xmlns="" val="1"/>
+                <ma14:wrappingTextBoxFlag xmlns="" xmlns:ma14="http://schemas.microsoft.com/office/mac/drawingml/2011/main" val="1"/>
               </a:ext>
             </a:extLst>
           </p:spPr>
@@ -22292,7 +23193,7 @@
             <a:effectLst/>
             <a:extLst>
               <a:ext uri="{C572A759-6A51-4108-AA02-DFA0A04FC94B}">
-                <ma14:wrappingTextBoxFlag xmlns:ma14="http://schemas.microsoft.com/office/mac/drawingml/2011/main" xmlns="" val="1"/>
+                <ma14:wrappingTextBoxFlag xmlns="" xmlns:ma14="http://schemas.microsoft.com/office/mac/drawingml/2011/main" val="1"/>
               </a:ext>
             </a:extLst>
           </p:spPr>
@@ -22464,7 +23365,7 @@
             <a:effectLst/>
             <a:extLst>
               <a:ext uri="{C572A759-6A51-4108-AA02-DFA0A04FC94B}">
-                <ma14:wrappingTextBoxFlag xmlns:ma14="http://schemas.microsoft.com/office/mac/drawingml/2011/main" xmlns="" val="1"/>
+                <ma14:wrappingTextBoxFlag xmlns="" xmlns:ma14="http://schemas.microsoft.com/office/mac/drawingml/2011/main" val="1"/>
               </a:ext>
             </a:extLst>
           </p:spPr>
@@ -22581,7 +23482,7 @@
           <a:effectLst/>
           <a:extLst>
             <a:ext uri="{C572A759-6A51-4108-AA02-DFA0A04FC94B}">
-              <ma14:wrappingTextBoxFlag xmlns:ma14="http://schemas.microsoft.com/office/mac/drawingml/2011/main" xmlns="" val="1"/>
+              <ma14:wrappingTextBoxFlag xmlns="" xmlns:ma14="http://schemas.microsoft.com/office/mac/drawingml/2011/main" val="1"/>
             </a:ext>
           </a:extLst>
         </p:spPr>
@@ -22711,7 +23612,7 @@
             <a:effectLst/>
             <a:extLst>
               <a:ext uri="{C572A759-6A51-4108-AA02-DFA0A04FC94B}">
-                <ma14:wrappingTextBoxFlag xmlns:ma14="http://schemas.microsoft.com/office/mac/drawingml/2011/main" xmlns="" val="1"/>
+                <ma14:wrappingTextBoxFlag xmlns="" xmlns:ma14="http://schemas.microsoft.com/office/mac/drawingml/2011/main" val="1"/>
               </a:ext>
             </a:extLst>
           </p:spPr>
@@ -22795,7 +23696,7 @@
           </a:effectLst>
           <a:extLst>
             <a:ext uri="{C572A759-6A51-4108-AA02-DFA0A04FC94B}">
-              <ma14:wrappingTextBoxFlag xmlns:ma14="http://schemas.microsoft.com/office/mac/drawingml/2011/main" xmlns="" val="1"/>
+              <ma14:wrappingTextBoxFlag xmlns="" xmlns:ma14="http://schemas.microsoft.com/office/mac/drawingml/2011/main" val="1"/>
             </a:ext>
           </a:extLst>
         </p:spPr>
@@ -22854,7 +23755,7 @@
           </a:effectLst>
           <a:extLst>
             <a:ext uri="{C572A759-6A51-4108-AA02-DFA0A04FC94B}">
-              <ma14:wrappingTextBoxFlag xmlns:ma14="http://schemas.microsoft.com/office/mac/drawingml/2011/main" xmlns="" val="1"/>
+              <ma14:wrappingTextBoxFlag xmlns="" xmlns:ma14="http://schemas.microsoft.com/office/mac/drawingml/2011/main" val="1"/>
             </a:ext>
           </a:extLst>
         </p:spPr>
@@ -22913,7 +23814,7 @@
           </a:effectLst>
           <a:extLst>
             <a:ext uri="{C572A759-6A51-4108-AA02-DFA0A04FC94B}">
-              <ma14:wrappingTextBoxFlag xmlns:ma14="http://schemas.microsoft.com/office/mac/drawingml/2011/main" xmlns="" val="1"/>
+              <ma14:wrappingTextBoxFlag xmlns="" xmlns:ma14="http://schemas.microsoft.com/office/mac/drawingml/2011/main" val="1"/>
             </a:ext>
           </a:extLst>
         </p:spPr>
@@ -22972,7 +23873,7 @@
           </a:effectLst>
           <a:extLst>
             <a:ext uri="{C572A759-6A51-4108-AA02-DFA0A04FC94B}">
-              <ma14:wrappingTextBoxFlag xmlns:ma14="http://schemas.microsoft.com/office/mac/drawingml/2011/main" xmlns="" val="1"/>
+              <ma14:wrappingTextBoxFlag xmlns="" xmlns:ma14="http://schemas.microsoft.com/office/mac/drawingml/2011/main" val="1"/>
             </a:ext>
           </a:extLst>
         </p:spPr>
@@ -23041,7 +23942,7 @@
           </a:effectLst>
           <a:extLst>
             <a:ext uri="{C572A759-6A51-4108-AA02-DFA0A04FC94B}">
-              <ma14:wrappingTextBoxFlag xmlns:ma14="http://schemas.microsoft.com/office/mac/drawingml/2011/main" xmlns="" val="1"/>
+              <ma14:wrappingTextBoxFlag xmlns="" xmlns:ma14="http://schemas.microsoft.com/office/mac/drawingml/2011/main" val="1"/>
             </a:ext>
           </a:extLst>
         </p:spPr>
@@ -23092,7 +23993,7 @@
           </a:effectLst>
           <a:extLst>
             <a:ext uri="{C572A759-6A51-4108-AA02-DFA0A04FC94B}">
-              <ma14:wrappingTextBoxFlag xmlns:ma14="http://schemas.microsoft.com/office/mac/drawingml/2011/main" xmlns="" val="1"/>
+              <ma14:wrappingTextBoxFlag xmlns="" xmlns:ma14="http://schemas.microsoft.com/office/mac/drawingml/2011/main" val="1"/>
             </a:ext>
           </a:extLst>
         </p:spPr>
@@ -23150,7 +24051,7 @@
           </a:effectLst>
           <a:extLst>
             <a:ext uri="{C572A759-6A51-4108-AA02-DFA0A04FC94B}">
-              <ma14:wrappingTextBoxFlag xmlns:ma14="http://schemas.microsoft.com/office/mac/drawingml/2011/main" xmlns="" val="1"/>
+              <ma14:wrappingTextBoxFlag xmlns="" xmlns:ma14="http://schemas.microsoft.com/office/mac/drawingml/2011/main" val="1"/>
             </a:ext>
           </a:extLst>
         </p:spPr>
@@ -23228,7 +24129,7 @@
           </a:effectLst>
           <a:extLst>
             <a:ext uri="{C572A759-6A51-4108-AA02-DFA0A04FC94B}">
-              <ma14:wrappingTextBoxFlag xmlns:ma14="http://schemas.microsoft.com/office/mac/drawingml/2011/main" xmlns="" val="1"/>
+              <ma14:wrappingTextBoxFlag xmlns="" xmlns:ma14="http://schemas.microsoft.com/office/mac/drawingml/2011/main" val="1"/>
             </a:ext>
           </a:extLst>
         </p:spPr>
@@ -23461,11 +24362,7 @@
             </a:r>
             <a:r>
               <a:rPr lang="zh-CN" altLang="en-US" dirty="0" smtClean="0"/>
-              <a:t>导致金融</a:t>
-            </a:r>
-            <a:r>
-              <a:rPr lang="zh-CN" altLang="en-US" dirty="0" smtClean="0"/>
-              <a:t>体系受损</a:t>
+              <a:t>导致金融体系受损</a:t>
             </a:r>
             <a:endParaRPr lang="en-US" dirty="0"/>
           </a:p>
@@ -23603,11 +24500,7 @@
             </a:pPr>
             <a:r>
               <a:rPr lang="zh-CN" altLang="en-US" dirty="0" smtClean="0"/>
-              <a:t>资本市场不发达，融资单一</a:t>
-            </a:r>
-            <a:r>
-              <a:rPr lang="zh-CN" altLang="en-US" dirty="0" smtClean="0"/>
-              <a:t>且效低效</a:t>
+              <a:t>资本市场不发达，融资单一且效低效</a:t>
             </a:r>
             <a:endParaRPr lang="en-US" altLang="zh-CN" dirty="0" smtClean="0"/>
           </a:p>
@@ -23646,7 +24539,11 @@
             </a:r>
             <a:r>
               <a:rPr lang="zh-CN" altLang="en-US" dirty="0" smtClean="0"/>
-              <a:t>是外币债务，对外部影响非常敏感</a:t>
+              <a:t>是外币</a:t>
+            </a:r>
+            <a:r>
+              <a:rPr lang="zh-CN" altLang="en-US" dirty="0" smtClean="0"/>
+              <a:t>债务</a:t>
             </a:r>
             <a:endParaRPr lang="en-US" altLang="zh-CN" dirty="0" smtClean="0"/>
           </a:p>
@@ -23680,7 +24577,15 @@
             </a:r>
             <a:r>
               <a:rPr lang="zh-CN" altLang="en-US" dirty="0" smtClean="0"/>
-              <a:t>加息导致贷款利率上调</a:t>
+              <a:t>加息导致贷款利率</a:t>
+            </a:r>
+            <a:r>
+              <a:rPr lang="zh-CN" altLang="en-US" dirty="0" smtClean="0"/>
+              <a:t>上</a:t>
+            </a:r>
+            <a:r>
+              <a:rPr lang="zh-CN" altLang="en-US" dirty="0"/>
+              <a:t>升</a:t>
             </a:r>
             <a:endParaRPr lang="en-US" altLang="zh-CN" dirty="0" smtClean="0"/>
           </a:p>
@@ -24212,7 +25117,7 @@
   <a:extraClrSchemeLst/>
   <a:extLst>
     <a:ext uri="{05A4C25C-085E-4340-85A3-A5531E510DB2}">
-      <thm15:themeFamily xmlns="" xmlns:thm15="http://schemas.microsoft.com/office/thememl/2012/main" name="Office Theme" id="{62F939B6-93AF-4DB8-9C6B-D6C7DFDC589F}" vid="{4A3C46E8-61CC-4603-A589-7422A47A8E4A}"/>
+      <thm15:themeFamily xmlns:thm15="http://schemas.microsoft.com/office/thememl/2012/main" xmlns="" name="Office Theme" id="{62F939B6-93AF-4DB8-9C6B-D6C7DFDC589F}" vid="{4A3C46E8-61CC-4603-A589-7422A47A8E4A}"/>
     </a:ext>
   </a:extLst>
 </a:theme>
@@ -24473,7 +25378,7 @@
   <a:extraClrSchemeLst/>
   <a:extLst>
     <a:ext uri="{05A4C25C-085E-4340-85A3-A5531E510DB2}">
-      <thm15:themeFamily xmlns="" xmlns:thm15="http://schemas.microsoft.com/office/thememl/2012/main" name="Office Theme" id="{62F939B6-93AF-4DB8-9C6B-D6C7DFDC589F}" vid="{4A3C46E8-61CC-4603-A589-7422A47A8E4A}"/>
+      <thm15:themeFamily xmlns:thm15="http://schemas.microsoft.com/office/thememl/2012/main" xmlns="" name="Office Theme" id="{62F939B6-93AF-4DB8-9C6B-D6C7DFDC589F}" vid="{4A3C46E8-61CC-4603-A589-7422A47A8E4A}"/>
     </a:ext>
   </a:extLst>
 </a:theme>
@@ -24734,7 +25639,7 @@
   <a:extraClrSchemeLst/>
   <a:extLst>
     <a:ext uri="{05A4C25C-085E-4340-85A3-A5531E510DB2}">
-      <thm15:themeFamily xmlns="" xmlns:thm15="http://schemas.microsoft.com/office/thememl/2012/main" name="Office Theme" id="{62F939B6-93AF-4DB8-9C6B-D6C7DFDC589F}" vid="{4A3C46E8-61CC-4603-A589-7422A47A8E4A}"/>
+      <thm15:themeFamily xmlns:thm15="http://schemas.microsoft.com/office/thememl/2012/main" xmlns="" name="Office Theme" id="{62F939B6-93AF-4DB8-9C6B-D6C7DFDC589F}" vid="{4A3C46E8-61CC-4603-A589-7422A47A8E4A}"/>
     </a:ext>
   </a:extLst>
 </a:theme>
@@ -25180,225 +26085,4 @@
     </a:bgFillStyleLst>
   </a:fmtScheme>
 </a:themeOverride>
-</file>
-
-<file path=ppt/theme/themeOverride3.xml><?xml version="1.0" encoding="utf-8"?>
-<a:themeOverride xmlns:a="http://schemas.openxmlformats.org/drawingml/2006/main">
-  <a:clrScheme name="Moody's Theme 4.0">
-    <a:dk1>
-      <a:srgbClr val="0028A0"/>
-    </a:dk1>
-    <a:lt1>
-      <a:sysClr val="window" lastClr="FFFFFF"/>
-    </a:lt1>
-    <a:dk2>
-      <a:srgbClr val="009FDF"/>
-    </a:dk2>
-    <a:lt2>
-      <a:srgbClr val="000000"/>
-    </a:lt2>
-    <a:accent1>
-      <a:srgbClr val="009775"/>
-    </a:accent1>
-    <a:accent2>
-      <a:srgbClr val="41B6E6"/>
-    </a:accent2>
-    <a:accent3>
-      <a:srgbClr val="0028A0"/>
-    </a:accent3>
-    <a:accent4>
-      <a:srgbClr val="78BE20"/>
-    </a:accent4>
-    <a:accent5>
-      <a:srgbClr val="75787B"/>
-    </a:accent5>
-    <a:accent6>
-      <a:srgbClr val="002E5D"/>
-    </a:accent6>
-    <a:hlink>
-      <a:srgbClr val="009FDF"/>
-    </a:hlink>
-    <a:folHlink>
-      <a:srgbClr val="009FDF"/>
-    </a:folHlink>
-  </a:clrScheme>
-  <a:fontScheme name="Arial">
-    <a:majorFont>
-      <a:latin typeface="Arial"/>
-      <a:ea typeface=""/>
-      <a:cs typeface=""/>
-      <a:font script="Jpan" typeface="ＭＳ Ｐゴシック"/>
-      <a:font script="Hang" typeface="굴림"/>
-      <a:font script="Hans" typeface="黑体"/>
-      <a:font script="Hant" typeface="微軟正黑體"/>
-      <a:font script="Arab" typeface="Arial"/>
-      <a:font script="Hebr" typeface="Arial"/>
-      <a:font script="Thai" typeface="Cordia New"/>
-      <a:font script="Ethi" typeface="Nyala"/>
-      <a:font script="Beng" typeface="Vrinda"/>
-      <a:font script="Gujr" typeface="Shruti"/>
-      <a:font script="Khmr" typeface="DaunPenh"/>
-      <a:font script="Knda" typeface="Tunga"/>
-      <a:font script="Guru" typeface="Raavi"/>
-      <a:font script="Cans" typeface="Euphemia"/>
-      <a:font script="Cher" typeface="Plantagenet Cherokee"/>
-      <a:font script="Yiii" typeface="Microsoft Yi Baiti"/>
-      <a:font script="Tibt" typeface="Microsoft Himalaya"/>
-      <a:font script="Thaa" typeface="MV Boli"/>
-      <a:font script="Deva" typeface="Mangal"/>
-      <a:font script="Telu" typeface="Gautami"/>
-      <a:font script="Taml" typeface="Latha"/>
-      <a:font script="Syrc" typeface="Estrangelo Edessa"/>
-      <a:font script="Orya" typeface="Kalinga"/>
-      <a:font script="Mlym" typeface="Kartika"/>
-      <a:font script="Laoo" typeface="DokChampa"/>
-      <a:font script="Sinh" typeface="Iskoola Pota"/>
-      <a:font script="Mong" typeface="Mongolian Baiti"/>
-      <a:font script="Viet" typeface="Arial"/>
-      <a:font script="Uigh" typeface="Microsoft Uighur"/>
-      <a:font script="Geor" typeface="Sylfaen"/>
-    </a:majorFont>
-    <a:minorFont>
-      <a:latin typeface="Arial"/>
-      <a:ea typeface=""/>
-      <a:cs typeface=""/>
-      <a:font script="Jpan" typeface="ＭＳ Ｐゴシック"/>
-      <a:font script="Hang" typeface="굴림"/>
-      <a:font script="Hans" typeface="黑体"/>
-      <a:font script="Hant" typeface="微軟正黑體"/>
-      <a:font script="Arab" typeface="Arial"/>
-      <a:font script="Hebr" typeface="Arial"/>
-      <a:font script="Thai" typeface="Cordia New"/>
-      <a:font script="Ethi" typeface="Nyala"/>
-      <a:font script="Beng" typeface="Vrinda"/>
-      <a:font script="Gujr" typeface="Shruti"/>
-      <a:font script="Khmr" typeface="DaunPenh"/>
-      <a:font script="Knda" typeface="Tunga"/>
-      <a:font script="Guru" typeface="Raavi"/>
-      <a:font script="Cans" typeface="Euphemia"/>
-      <a:font script="Cher" typeface="Plantagenet Cherokee"/>
-      <a:font script="Yiii" typeface="Microsoft Yi Baiti"/>
-      <a:font script="Tibt" typeface="Microsoft Himalaya"/>
-      <a:font script="Thaa" typeface="MV Boli"/>
-      <a:font script="Deva" typeface="Mangal"/>
-      <a:font script="Telu" typeface="Gautami"/>
-      <a:font script="Taml" typeface="Latha"/>
-      <a:font script="Syrc" typeface="Estrangelo Edessa"/>
-      <a:font script="Orya" typeface="Kalinga"/>
-      <a:font script="Mlym" typeface="Kartika"/>
-      <a:font script="Laoo" typeface="DokChampa"/>
-      <a:font script="Sinh" typeface="Iskoola Pota"/>
-      <a:font script="Mong" typeface="Mongolian Baiti"/>
-      <a:font script="Viet" typeface="Arial"/>
-      <a:font script="Uigh" typeface="Microsoft Uighur"/>
-      <a:font script="Geor" typeface="Sylfaen"/>
-    </a:minorFont>
-  </a:fontScheme>
-  <a:fmtScheme name="Subtle Solids">
-    <a:fillStyleLst>
-      <a:solidFill>
-        <a:schemeClr val="phClr"/>
-      </a:solidFill>
-      <a:solidFill>
-        <a:schemeClr val="phClr">
-          <a:tint val="65000"/>
-        </a:schemeClr>
-      </a:solidFill>
-      <a:solidFill>
-        <a:schemeClr val="phClr">
-          <a:shade val="80000"/>
-          <a:satMod val="150000"/>
-        </a:schemeClr>
-      </a:solidFill>
-    </a:fillStyleLst>
-    <a:lnStyleLst>
-      <a:ln w="9525" cap="flat" cmpd="sng" algn="ctr">
-        <a:solidFill>
-          <a:schemeClr val="phClr"/>
-        </a:solidFill>
-        <a:prstDash val="solid"/>
-      </a:ln>
-      <a:ln w="10795" cap="flat" cmpd="sng" algn="ctr">
-        <a:solidFill>
-          <a:schemeClr val="phClr"/>
-        </a:solidFill>
-        <a:prstDash val="solid"/>
-      </a:ln>
-      <a:ln w="17145" cap="flat" cmpd="sng" algn="ctr">
-        <a:solidFill>
-          <a:schemeClr val="phClr">
-            <a:shade val="95000"/>
-            <a:alpha val="50000"/>
-            <a:satMod val="150000"/>
-          </a:schemeClr>
-        </a:solidFill>
-        <a:prstDash val="solid"/>
-      </a:ln>
-    </a:lnStyleLst>
-    <a:effectStyleLst>
-      <a:effectStyle>
-        <a:effectLst/>
-      </a:effectStyle>
-      <a:effectStyle>
-        <a:effectLst/>
-      </a:effectStyle>
-      <a:effectStyle>
-        <a:effectLst>
-          <a:outerShdw blurRad="44450" dist="13970" dir="5400000" algn="ctr" rotWithShape="0">
-            <a:srgbClr val="000000">
-              <a:alpha val="45000"/>
-            </a:srgbClr>
-          </a:outerShdw>
-        </a:effectLst>
-        <a:scene3d>
-          <a:camera prst="orthographicFront">
-            <a:rot lat="0" lon="0" rev="0"/>
-          </a:camera>
-          <a:lightRig rig="twoPt" dir="tl"/>
-        </a:scene3d>
-        <a:sp3d prstMaterial="flat">
-          <a:bevelT w="12700" h="25400" prst="coolSlant"/>
-        </a:sp3d>
-      </a:effectStyle>
-    </a:effectStyleLst>
-    <a:bgFillStyleLst>
-      <a:solidFill>
-        <a:schemeClr val="phClr"/>
-      </a:solidFill>
-      <a:solidFill>
-        <a:schemeClr val="phClr">
-          <a:tint val="95000"/>
-          <a:satMod val="170000"/>
-        </a:schemeClr>
-      </a:solidFill>
-      <a:gradFill rotWithShape="1">
-        <a:gsLst>
-          <a:gs pos="0">
-            <a:schemeClr val="phClr">
-              <a:tint val="93000"/>
-              <a:satMod val="150000"/>
-              <a:shade val="98000"/>
-              <a:lumMod val="102000"/>
-            </a:schemeClr>
-          </a:gs>
-          <a:gs pos="50000">
-            <a:schemeClr val="phClr">
-              <a:tint val="98000"/>
-              <a:satMod val="130000"/>
-              <a:shade val="90000"/>
-              <a:lumMod val="103000"/>
-            </a:schemeClr>
-          </a:gs>
-          <a:gs pos="100000">
-            <a:schemeClr val="phClr">
-              <a:shade val="63000"/>
-              <a:satMod val="120000"/>
-            </a:schemeClr>
-          </a:gs>
-        </a:gsLst>
-        <a:lin ang="5400000" scaled="0"/>
-      </a:gradFill>
-    </a:bgFillStyleLst>
-  </a:fmtScheme>
-</a:themeOverride>
 </file>